--- a/Dokumentation + Diagramme etc/PaperPrototyp.pptx
+++ b/Dokumentation + Diagramme etc/PaperPrototyp.pptx
@@ -8,6 +8,7 @@
     <p:sldId id="257" r:id="rId2"/>
     <p:sldId id="258" r:id="rId3"/>
     <p:sldId id="259" r:id="rId4"/>
+    <p:sldId id="260" r:id="rId5"/>
   </p:sldIdLst>
   <p:sldSz cx="9144000" cy="6858000" type="screen4x3"/>
   <p:notesSz cx="6858000" cy="9144000"/>
@@ -290,6 +291,7 @@
           <a:p>
             <a:fld id="{88A029B0-5F1E-49AE-B34E-4422E9571E26}" type="datetimeFigureOut">
               <a:rPr lang="de-DE" smtClean="0"/>
+              <a:pPr/>
               <a:t>13.11.2018</a:t>
             </a:fld>
             <a:endParaRPr lang="de-DE"/>
@@ -332,6 +334,7 @@
           <a:p>
             <a:fld id="{9BBFB645-B7E9-4785-9933-1F8EC9A6BA39}" type="slidenum">
               <a:rPr lang="de-DE" smtClean="0"/>
+              <a:pPr/>
               <a:t>‹Nr.›</a:t>
             </a:fld>
             <a:endParaRPr lang="de-DE"/>
@@ -455,6 +458,7 @@
           <a:p>
             <a:fld id="{88A029B0-5F1E-49AE-B34E-4422E9571E26}" type="datetimeFigureOut">
               <a:rPr lang="de-DE" smtClean="0"/>
+              <a:pPr/>
               <a:t>13.11.2018</a:t>
             </a:fld>
             <a:endParaRPr lang="de-DE"/>
@@ -497,6 +501,7 @@
           <a:p>
             <a:fld id="{9BBFB645-B7E9-4785-9933-1F8EC9A6BA39}" type="slidenum">
               <a:rPr lang="de-DE" smtClean="0"/>
+              <a:pPr/>
               <a:t>‹Nr.›</a:t>
             </a:fld>
             <a:endParaRPr lang="de-DE"/>
@@ -630,6 +635,7 @@
           <a:p>
             <a:fld id="{88A029B0-5F1E-49AE-B34E-4422E9571E26}" type="datetimeFigureOut">
               <a:rPr lang="de-DE" smtClean="0"/>
+              <a:pPr/>
               <a:t>13.11.2018</a:t>
             </a:fld>
             <a:endParaRPr lang="de-DE"/>
@@ -672,6 +678,7 @@
           <a:p>
             <a:fld id="{9BBFB645-B7E9-4785-9933-1F8EC9A6BA39}" type="slidenum">
               <a:rPr lang="de-DE" smtClean="0"/>
+              <a:pPr/>
               <a:t>‹Nr.›</a:t>
             </a:fld>
             <a:endParaRPr lang="de-DE"/>
@@ -795,6 +802,7 @@
           <a:p>
             <a:fld id="{88A029B0-5F1E-49AE-B34E-4422E9571E26}" type="datetimeFigureOut">
               <a:rPr lang="de-DE" smtClean="0"/>
+              <a:pPr/>
               <a:t>13.11.2018</a:t>
             </a:fld>
             <a:endParaRPr lang="de-DE"/>
@@ -837,6 +845,7 @@
           <a:p>
             <a:fld id="{9BBFB645-B7E9-4785-9933-1F8EC9A6BA39}" type="slidenum">
               <a:rPr lang="de-DE" smtClean="0"/>
+              <a:pPr/>
               <a:t>‹Nr.›</a:t>
             </a:fld>
             <a:endParaRPr lang="de-DE"/>
@@ -1036,6 +1045,7 @@
           <a:p>
             <a:fld id="{88A029B0-5F1E-49AE-B34E-4422E9571E26}" type="datetimeFigureOut">
               <a:rPr lang="de-DE" smtClean="0"/>
+              <a:pPr/>
               <a:t>13.11.2018</a:t>
             </a:fld>
             <a:endParaRPr lang="de-DE"/>
@@ -1078,6 +1088,7 @@
           <a:p>
             <a:fld id="{9BBFB645-B7E9-4785-9933-1F8EC9A6BA39}" type="slidenum">
               <a:rPr lang="de-DE" smtClean="0"/>
+              <a:pPr/>
               <a:t>‹Nr.›</a:t>
             </a:fld>
             <a:endParaRPr lang="de-DE"/>
@@ -1319,6 +1330,7 @@
           <a:p>
             <a:fld id="{88A029B0-5F1E-49AE-B34E-4422E9571E26}" type="datetimeFigureOut">
               <a:rPr lang="de-DE" smtClean="0"/>
+              <a:pPr/>
               <a:t>13.11.2018</a:t>
             </a:fld>
             <a:endParaRPr lang="de-DE"/>
@@ -1361,6 +1373,7 @@
           <a:p>
             <a:fld id="{9BBFB645-B7E9-4785-9933-1F8EC9A6BA39}" type="slidenum">
               <a:rPr lang="de-DE" smtClean="0"/>
+              <a:pPr/>
               <a:t>‹Nr.›</a:t>
             </a:fld>
             <a:endParaRPr lang="de-DE"/>
@@ -1736,6 +1749,7 @@
           <a:p>
             <a:fld id="{88A029B0-5F1E-49AE-B34E-4422E9571E26}" type="datetimeFigureOut">
               <a:rPr lang="de-DE" smtClean="0"/>
+              <a:pPr/>
               <a:t>13.11.2018</a:t>
             </a:fld>
             <a:endParaRPr lang="de-DE"/>
@@ -1778,6 +1792,7 @@
           <a:p>
             <a:fld id="{9BBFB645-B7E9-4785-9933-1F8EC9A6BA39}" type="slidenum">
               <a:rPr lang="de-DE" smtClean="0"/>
+              <a:pPr/>
               <a:t>‹Nr.›</a:t>
             </a:fld>
             <a:endParaRPr lang="de-DE"/>
@@ -1849,6 +1864,7 @@
           <a:p>
             <a:fld id="{88A029B0-5F1E-49AE-B34E-4422E9571E26}" type="datetimeFigureOut">
               <a:rPr lang="de-DE" smtClean="0"/>
+              <a:pPr/>
               <a:t>13.11.2018</a:t>
             </a:fld>
             <a:endParaRPr lang="de-DE"/>
@@ -1891,6 +1907,7 @@
           <a:p>
             <a:fld id="{9BBFB645-B7E9-4785-9933-1F8EC9A6BA39}" type="slidenum">
               <a:rPr lang="de-DE" smtClean="0"/>
+              <a:pPr/>
               <a:t>‹Nr.›</a:t>
             </a:fld>
             <a:endParaRPr lang="de-DE"/>
@@ -1939,6 +1956,7 @@
           <a:p>
             <a:fld id="{88A029B0-5F1E-49AE-B34E-4422E9571E26}" type="datetimeFigureOut">
               <a:rPr lang="de-DE" smtClean="0"/>
+              <a:pPr/>
               <a:t>13.11.2018</a:t>
             </a:fld>
             <a:endParaRPr lang="de-DE"/>
@@ -1981,6 +1999,7 @@
           <a:p>
             <a:fld id="{9BBFB645-B7E9-4785-9933-1F8EC9A6BA39}" type="slidenum">
               <a:rPr lang="de-DE" smtClean="0"/>
+              <a:pPr/>
               <a:t>‹Nr.›</a:t>
             </a:fld>
             <a:endParaRPr lang="de-DE"/>
@@ -2211,6 +2230,7 @@
           <a:p>
             <a:fld id="{88A029B0-5F1E-49AE-B34E-4422E9571E26}" type="datetimeFigureOut">
               <a:rPr lang="de-DE" smtClean="0"/>
+              <a:pPr/>
               <a:t>13.11.2018</a:t>
             </a:fld>
             <a:endParaRPr lang="de-DE"/>
@@ -2253,6 +2273,7 @@
           <a:p>
             <a:fld id="{9BBFB645-B7E9-4785-9933-1F8EC9A6BA39}" type="slidenum">
               <a:rPr lang="de-DE" smtClean="0"/>
+              <a:pPr/>
               <a:t>‹Nr.›</a:t>
             </a:fld>
             <a:endParaRPr lang="de-DE"/>
@@ -2459,6 +2480,7 @@
           <a:p>
             <a:fld id="{88A029B0-5F1E-49AE-B34E-4422E9571E26}" type="datetimeFigureOut">
               <a:rPr lang="de-DE" smtClean="0"/>
+              <a:pPr/>
               <a:t>13.11.2018</a:t>
             </a:fld>
             <a:endParaRPr lang="de-DE"/>
@@ -2501,6 +2523,7 @@
           <a:p>
             <a:fld id="{9BBFB645-B7E9-4785-9933-1F8EC9A6BA39}" type="slidenum">
               <a:rPr lang="de-DE" smtClean="0"/>
+              <a:pPr/>
               <a:t>‹Nr.›</a:t>
             </a:fld>
             <a:endParaRPr lang="de-DE"/>
@@ -2522,7 +2545,7 @@
       <p:bgPr>
         <a:solidFill>
           <a:schemeClr val="bg1">
-            <a:lumMod val="85000"/>
+            <a:lumMod val="95000"/>
           </a:schemeClr>
         </a:solidFill>
         <a:effectLst/>
@@ -2672,6 +2695,7 @@
           <a:p>
             <a:fld id="{88A029B0-5F1E-49AE-B34E-4422E9571E26}" type="datetimeFigureOut">
               <a:rPr lang="de-DE" smtClean="0"/>
+              <a:pPr/>
               <a:t>13.11.2018</a:t>
             </a:fld>
             <a:endParaRPr lang="de-DE"/>
@@ -2750,6 +2774,7 @@
           <a:p>
             <a:fld id="{9BBFB645-B7E9-4785-9933-1F8EC9A6BA39}" type="slidenum">
               <a:rPr lang="de-DE" smtClean="0"/>
+              <a:pPr/>
               <a:t>‹Nr.›</a:t>
             </a:fld>
             <a:endParaRPr lang="de-DE"/>
@@ -3435,8 +3460,8 @@
         </p:nvSpPr>
         <p:spPr>
           <a:xfrm>
-            <a:off x="1714480" y="1857364"/>
-            <a:ext cx="5715040" cy="4429156"/>
+            <a:off x="571472" y="1857364"/>
+            <a:ext cx="6929486" cy="4429156"/>
           </a:xfrm>
           <a:prstGeom prst="rect">
             <a:avLst/>
@@ -3462,8 +3487,8 @@
           <a:p>
             <a:pPr algn="ctr"/>
             <a:r>
-              <a:rPr lang="de-DE" smtClean="0"/>
-              <a:t>Liste </a:t>
+              <a:rPr lang="de-DE" dirty="0" smtClean="0"/>
+              <a:t> </a:t>
             </a:r>
             <a:endParaRPr lang="de-DE" dirty="0"/>
           </a:p>
@@ -3477,7 +3502,7 @@
         </p:nvSpPr>
         <p:spPr>
           <a:xfrm>
-            <a:off x="1643042" y="285728"/>
+            <a:off x="571472" y="357166"/>
             <a:ext cx="5715040" cy="1071570"/>
           </a:xfrm>
           <a:prstGeom prst="rect">
@@ -3508,6 +3533,1302 @@
               <a:t>GSO Design</a:t>
             </a:r>
             <a:endParaRPr lang="de-DE" dirty="0"/>
+          </a:p>
+        </p:txBody>
+      </p:sp>
+      <p:sp>
+        <p:nvSpPr>
+          <p:cNvPr id="5" name="Rechteck 4"/>
+          <p:cNvSpPr/>
+          <p:nvPr/>
+        </p:nvSpPr>
+        <p:spPr>
+          <a:xfrm>
+            <a:off x="571472" y="2500306"/>
+            <a:ext cx="2500330" cy="642942"/>
+          </a:xfrm>
+          <a:prstGeom prst="rect">
+            <a:avLst/>
+          </a:prstGeom>
+          <a:ln>
+            <a:solidFill>
+              <a:schemeClr val="bg1">
+                <a:lumMod val="50000"/>
+              </a:schemeClr>
+            </a:solidFill>
+          </a:ln>
+        </p:spPr>
+        <p:style>
+          <a:lnRef idx="2">
+            <a:schemeClr val="dk1"/>
+          </a:lnRef>
+          <a:fillRef idx="1">
+            <a:schemeClr val="lt1"/>
+          </a:fillRef>
+          <a:effectRef idx="0">
+            <a:schemeClr val="dk1"/>
+          </a:effectRef>
+          <a:fontRef idx="minor">
+            <a:schemeClr val="dk1"/>
+          </a:fontRef>
+        </p:style>
+        <p:txBody>
+          <a:bodyPr rtlCol="0" anchor="ctr"/>
+          <a:lstStyle/>
+          <a:p>
+            <a:pPr algn="ctr"/>
+            <a:r>
+              <a:rPr lang="de-DE" sz="1600" dirty="0" smtClean="0"/>
+              <a:t>Zeugniskonferenz Beschlüsse </a:t>
+            </a:r>
+            <a:endParaRPr lang="de-DE" sz="1600" dirty="0"/>
+          </a:p>
+        </p:txBody>
+      </p:sp>
+      <p:sp>
+        <p:nvSpPr>
+          <p:cNvPr id="6" name="Rechteck 5"/>
+          <p:cNvSpPr/>
+          <p:nvPr/>
+        </p:nvSpPr>
+        <p:spPr>
+          <a:xfrm>
+            <a:off x="3071802" y="2500306"/>
+            <a:ext cx="1643074" cy="642942"/>
+          </a:xfrm>
+          <a:prstGeom prst="rect">
+            <a:avLst/>
+          </a:prstGeom>
+          <a:ln>
+            <a:solidFill>
+              <a:schemeClr val="bg1">
+                <a:lumMod val="50000"/>
+              </a:schemeClr>
+            </a:solidFill>
+          </a:ln>
+        </p:spPr>
+        <p:style>
+          <a:lnRef idx="2">
+            <a:schemeClr val="dk1"/>
+          </a:lnRef>
+          <a:fillRef idx="1">
+            <a:schemeClr val="lt1"/>
+          </a:fillRef>
+          <a:effectRef idx="0">
+            <a:schemeClr val="dk1"/>
+          </a:effectRef>
+          <a:fontRef idx="minor">
+            <a:schemeClr val="dk1"/>
+          </a:fontRef>
+        </p:style>
+        <p:txBody>
+          <a:bodyPr rtlCol="0" anchor="ctr"/>
+          <a:lstStyle/>
+          <a:p>
+            <a:pPr algn="ctr"/>
+            <a:r>
+              <a:rPr lang="de-DE" sz="1600" dirty="0" smtClean="0"/>
+              <a:t>13.11.2018</a:t>
+            </a:r>
+            <a:endParaRPr lang="de-DE" sz="1600" dirty="0"/>
+          </a:p>
+        </p:txBody>
+      </p:sp>
+      <p:sp>
+        <p:nvSpPr>
+          <p:cNvPr id="10" name="Rechteck 9"/>
+          <p:cNvSpPr/>
+          <p:nvPr/>
+        </p:nvSpPr>
+        <p:spPr>
+          <a:xfrm>
+            <a:off x="571472" y="3143248"/>
+            <a:ext cx="2500330" cy="642942"/>
+          </a:xfrm>
+          <a:prstGeom prst="rect">
+            <a:avLst/>
+          </a:prstGeom>
+          <a:ln>
+            <a:solidFill>
+              <a:schemeClr val="bg1">
+                <a:lumMod val="50000"/>
+              </a:schemeClr>
+            </a:solidFill>
+          </a:ln>
+        </p:spPr>
+        <p:style>
+          <a:lnRef idx="2">
+            <a:schemeClr val="dk1"/>
+          </a:lnRef>
+          <a:fillRef idx="1">
+            <a:schemeClr val="lt1"/>
+          </a:fillRef>
+          <a:effectRef idx="0">
+            <a:schemeClr val="dk1"/>
+          </a:effectRef>
+          <a:fontRef idx="minor">
+            <a:schemeClr val="dk1"/>
+          </a:fontRef>
+        </p:style>
+        <p:txBody>
+          <a:bodyPr rtlCol="0" anchor="ctr"/>
+          <a:lstStyle/>
+          <a:p>
+            <a:pPr algn="ctr"/>
+            <a:r>
+              <a:rPr lang="de-DE" sz="1600" dirty="0" smtClean="0"/>
+              <a:t>Bereichskonferenz IT Beschlüsse </a:t>
+            </a:r>
+            <a:endParaRPr lang="de-DE" sz="1600" dirty="0"/>
+          </a:p>
+        </p:txBody>
+      </p:sp>
+      <p:sp>
+        <p:nvSpPr>
+          <p:cNvPr id="11" name="Rechteck 10"/>
+          <p:cNvSpPr/>
+          <p:nvPr/>
+        </p:nvSpPr>
+        <p:spPr>
+          <a:xfrm>
+            <a:off x="3071802" y="3143248"/>
+            <a:ext cx="1643074" cy="642942"/>
+          </a:xfrm>
+          <a:prstGeom prst="rect">
+            <a:avLst/>
+          </a:prstGeom>
+          <a:ln>
+            <a:solidFill>
+              <a:schemeClr val="bg1">
+                <a:lumMod val="50000"/>
+              </a:schemeClr>
+            </a:solidFill>
+          </a:ln>
+        </p:spPr>
+        <p:style>
+          <a:lnRef idx="2">
+            <a:schemeClr val="dk1"/>
+          </a:lnRef>
+          <a:fillRef idx="1">
+            <a:schemeClr val="lt1"/>
+          </a:fillRef>
+          <a:effectRef idx="0">
+            <a:schemeClr val="dk1"/>
+          </a:effectRef>
+          <a:fontRef idx="minor">
+            <a:schemeClr val="dk1"/>
+          </a:fontRef>
+        </p:style>
+        <p:txBody>
+          <a:bodyPr rtlCol="0" anchor="ctr"/>
+          <a:lstStyle/>
+          <a:p>
+            <a:pPr algn="ctr"/>
+            <a:r>
+              <a:rPr lang="de-DE" sz="1600" dirty="0" smtClean="0"/>
+              <a:t>12.11.2018</a:t>
+            </a:r>
+            <a:endParaRPr lang="de-DE" sz="1600" dirty="0"/>
+          </a:p>
+        </p:txBody>
+      </p:sp>
+      <p:sp>
+        <p:nvSpPr>
+          <p:cNvPr id="12" name="Rechteck 11"/>
+          <p:cNvSpPr/>
+          <p:nvPr/>
+        </p:nvSpPr>
+        <p:spPr>
+          <a:xfrm>
+            <a:off x="4714876" y="3143248"/>
+            <a:ext cx="1500198" cy="642942"/>
+          </a:xfrm>
+          <a:prstGeom prst="rect">
+            <a:avLst/>
+          </a:prstGeom>
+          <a:ln>
+            <a:solidFill>
+              <a:schemeClr val="bg1">
+                <a:lumMod val="50000"/>
+              </a:schemeClr>
+            </a:solidFill>
+          </a:ln>
+        </p:spPr>
+        <p:style>
+          <a:lnRef idx="2">
+            <a:schemeClr val="dk1"/>
+          </a:lnRef>
+          <a:fillRef idx="1">
+            <a:schemeClr val="lt1"/>
+          </a:fillRef>
+          <a:effectRef idx="0">
+            <a:schemeClr val="dk1"/>
+          </a:effectRef>
+          <a:fontRef idx="minor">
+            <a:schemeClr val="dk1"/>
+          </a:fontRef>
+        </p:style>
+        <p:txBody>
+          <a:bodyPr rtlCol="0" anchor="ctr"/>
+          <a:lstStyle/>
+          <a:p>
+            <a:pPr algn="ctr"/>
+            <a:r>
+              <a:rPr lang="de-DE" sz="1600" dirty="0" smtClean="0"/>
+              <a:t>Herr X</a:t>
+            </a:r>
+            <a:endParaRPr lang="de-DE" sz="1600" dirty="0"/>
+          </a:p>
+        </p:txBody>
+      </p:sp>
+      <p:sp>
+        <p:nvSpPr>
+          <p:cNvPr id="13" name="Rechteck 12"/>
+          <p:cNvSpPr/>
+          <p:nvPr/>
+        </p:nvSpPr>
+        <p:spPr>
+          <a:xfrm>
+            <a:off x="4714876" y="2500306"/>
+            <a:ext cx="1500198" cy="642942"/>
+          </a:xfrm>
+          <a:prstGeom prst="rect">
+            <a:avLst/>
+          </a:prstGeom>
+          <a:ln>
+            <a:solidFill>
+              <a:schemeClr val="bg1">
+                <a:lumMod val="50000"/>
+              </a:schemeClr>
+            </a:solidFill>
+          </a:ln>
+        </p:spPr>
+        <p:style>
+          <a:lnRef idx="2">
+            <a:schemeClr val="dk1"/>
+          </a:lnRef>
+          <a:fillRef idx="1">
+            <a:schemeClr val="lt1"/>
+          </a:fillRef>
+          <a:effectRef idx="0">
+            <a:schemeClr val="dk1"/>
+          </a:effectRef>
+          <a:fontRef idx="minor">
+            <a:schemeClr val="dk1"/>
+          </a:fontRef>
+        </p:style>
+        <p:txBody>
+          <a:bodyPr rtlCol="0" anchor="ctr"/>
+          <a:lstStyle/>
+          <a:p>
+            <a:pPr algn="ctr"/>
+            <a:r>
+              <a:rPr lang="de-DE" sz="1600" dirty="0" smtClean="0"/>
+              <a:t>Frau Y</a:t>
+            </a:r>
+            <a:endParaRPr lang="de-DE" sz="1600" dirty="0"/>
+          </a:p>
+        </p:txBody>
+      </p:sp>
+      <p:sp>
+        <p:nvSpPr>
+          <p:cNvPr id="14" name="Rechteck 13"/>
+          <p:cNvSpPr/>
+          <p:nvPr/>
+        </p:nvSpPr>
+        <p:spPr>
+          <a:xfrm>
+            <a:off x="571472" y="1857364"/>
+            <a:ext cx="2500330" cy="642942"/>
+          </a:xfrm>
+          <a:prstGeom prst="rect">
+            <a:avLst/>
+          </a:prstGeom>
+        </p:spPr>
+        <p:style>
+          <a:lnRef idx="1">
+            <a:schemeClr val="accent1"/>
+          </a:lnRef>
+          <a:fillRef idx="2">
+            <a:schemeClr val="accent1"/>
+          </a:fillRef>
+          <a:effectRef idx="1">
+            <a:schemeClr val="accent1"/>
+          </a:effectRef>
+          <a:fontRef idx="minor">
+            <a:schemeClr val="dk1"/>
+          </a:fontRef>
+        </p:style>
+        <p:txBody>
+          <a:bodyPr rtlCol="0" anchor="ctr"/>
+          <a:lstStyle/>
+          <a:p>
+            <a:pPr algn="ctr"/>
+            <a:r>
+              <a:rPr lang="de-DE" sz="1600" dirty="0" smtClean="0"/>
+              <a:t>Bezeichnung</a:t>
+            </a:r>
+            <a:endParaRPr lang="de-DE" sz="1600" dirty="0"/>
+          </a:p>
+        </p:txBody>
+      </p:sp>
+      <p:sp>
+        <p:nvSpPr>
+          <p:cNvPr id="15" name="Rechteck 14"/>
+          <p:cNvSpPr/>
+          <p:nvPr/>
+        </p:nvSpPr>
+        <p:spPr>
+          <a:xfrm>
+            <a:off x="3071802" y="1857364"/>
+            <a:ext cx="1643074" cy="642942"/>
+          </a:xfrm>
+          <a:prstGeom prst="rect">
+            <a:avLst/>
+          </a:prstGeom>
+        </p:spPr>
+        <p:style>
+          <a:lnRef idx="1">
+            <a:schemeClr val="accent1"/>
+          </a:lnRef>
+          <a:fillRef idx="2">
+            <a:schemeClr val="accent1"/>
+          </a:fillRef>
+          <a:effectRef idx="1">
+            <a:schemeClr val="accent1"/>
+          </a:effectRef>
+          <a:fontRef idx="minor">
+            <a:schemeClr val="dk1"/>
+          </a:fontRef>
+        </p:style>
+        <p:txBody>
+          <a:bodyPr rtlCol="0" anchor="ctr"/>
+          <a:lstStyle/>
+          <a:p>
+            <a:pPr algn="ctr"/>
+            <a:r>
+              <a:rPr lang="de-DE" sz="1600" dirty="0" smtClean="0"/>
+              <a:t>Datum</a:t>
+            </a:r>
+            <a:endParaRPr lang="de-DE" sz="1600" dirty="0"/>
+          </a:p>
+        </p:txBody>
+      </p:sp>
+      <p:sp>
+        <p:nvSpPr>
+          <p:cNvPr id="16" name="Rechteck 15"/>
+          <p:cNvSpPr/>
+          <p:nvPr/>
+        </p:nvSpPr>
+        <p:spPr>
+          <a:xfrm>
+            <a:off x="4714876" y="1857364"/>
+            <a:ext cx="1500198" cy="642942"/>
+          </a:xfrm>
+          <a:prstGeom prst="rect">
+            <a:avLst/>
+          </a:prstGeom>
+        </p:spPr>
+        <p:style>
+          <a:lnRef idx="1">
+            <a:schemeClr val="accent1"/>
+          </a:lnRef>
+          <a:fillRef idx="2">
+            <a:schemeClr val="accent1"/>
+          </a:fillRef>
+          <a:effectRef idx="1">
+            <a:schemeClr val="accent1"/>
+          </a:effectRef>
+          <a:fontRef idx="minor">
+            <a:schemeClr val="dk1"/>
+          </a:fontRef>
+        </p:style>
+        <p:txBody>
+          <a:bodyPr rtlCol="0" anchor="ctr"/>
+          <a:lstStyle/>
+          <a:p>
+            <a:pPr algn="ctr"/>
+            <a:r>
+              <a:rPr lang="de-DE" sz="1600" dirty="0" smtClean="0"/>
+              <a:t>Konferenzleiter</a:t>
+            </a:r>
+            <a:endParaRPr lang="de-DE" sz="1600" dirty="0"/>
+          </a:p>
+        </p:txBody>
+      </p:sp>
+      <p:sp>
+        <p:nvSpPr>
+          <p:cNvPr id="17" name="Rechteck 16"/>
+          <p:cNvSpPr/>
+          <p:nvPr/>
+        </p:nvSpPr>
+        <p:spPr>
+          <a:xfrm>
+            <a:off x="6215074" y="1857364"/>
+            <a:ext cx="1285884" cy="642942"/>
+          </a:xfrm>
+          <a:prstGeom prst="rect">
+            <a:avLst/>
+          </a:prstGeom>
+        </p:spPr>
+        <p:style>
+          <a:lnRef idx="1">
+            <a:schemeClr val="accent1"/>
+          </a:lnRef>
+          <a:fillRef idx="2">
+            <a:schemeClr val="accent1"/>
+          </a:fillRef>
+          <a:effectRef idx="1">
+            <a:schemeClr val="accent1"/>
+          </a:effectRef>
+          <a:fontRef idx="minor">
+            <a:schemeClr val="dk1"/>
+          </a:fontRef>
+        </p:style>
+        <p:txBody>
+          <a:bodyPr rtlCol="0" anchor="ctr"/>
+          <a:lstStyle/>
+          <a:p>
+            <a:pPr algn="ctr"/>
+            <a:r>
+              <a:rPr lang="de-DE" sz="1600" dirty="0" smtClean="0"/>
+              <a:t>Protokollant</a:t>
+            </a:r>
+            <a:endParaRPr lang="de-DE" sz="1600" dirty="0"/>
+          </a:p>
+        </p:txBody>
+      </p:sp>
+      <p:sp>
+        <p:nvSpPr>
+          <p:cNvPr id="18" name="Rechteck 17"/>
+          <p:cNvSpPr/>
+          <p:nvPr/>
+        </p:nvSpPr>
+        <p:spPr>
+          <a:xfrm>
+            <a:off x="6215074" y="2500306"/>
+            <a:ext cx="1285884" cy="642942"/>
+          </a:xfrm>
+          <a:prstGeom prst="rect">
+            <a:avLst/>
+          </a:prstGeom>
+          <a:ln>
+            <a:solidFill>
+              <a:schemeClr val="bg1">
+                <a:lumMod val="50000"/>
+              </a:schemeClr>
+            </a:solidFill>
+          </a:ln>
+        </p:spPr>
+        <p:style>
+          <a:lnRef idx="2">
+            <a:schemeClr val="dk1"/>
+          </a:lnRef>
+          <a:fillRef idx="1">
+            <a:schemeClr val="lt1"/>
+          </a:fillRef>
+          <a:effectRef idx="0">
+            <a:schemeClr val="dk1"/>
+          </a:effectRef>
+          <a:fontRef idx="minor">
+            <a:schemeClr val="dk1"/>
+          </a:fontRef>
+        </p:style>
+        <p:txBody>
+          <a:bodyPr rtlCol="0" anchor="ctr"/>
+          <a:lstStyle/>
+          <a:p>
+            <a:pPr algn="ctr"/>
+            <a:r>
+              <a:rPr lang="de-DE" sz="1600" dirty="0" smtClean="0"/>
+              <a:t>Herr B</a:t>
+            </a:r>
+            <a:endParaRPr lang="de-DE" sz="1600" dirty="0"/>
+          </a:p>
+        </p:txBody>
+      </p:sp>
+      <p:sp>
+        <p:nvSpPr>
+          <p:cNvPr id="19" name="Rechteck 18"/>
+          <p:cNvSpPr/>
+          <p:nvPr/>
+        </p:nvSpPr>
+        <p:spPr>
+          <a:xfrm>
+            <a:off x="6215074" y="3143248"/>
+            <a:ext cx="1285884" cy="642942"/>
+          </a:xfrm>
+          <a:prstGeom prst="rect">
+            <a:avLst/>
+          </a:prstGeom>
+          <a:ln>
+            <a:solidFill>
+              <a:schemeClr val="bg1">
+                <a:lumMod val="50000"/>
+              </a:schemeClr>
+            </a:solidFill>
+          </a:ln>
+        </p:spPr>
+        <p:style>
+          <a:lnRef idx="2">
+            <a:schemeClr val="dk1"/>
+          </a:lnRef>
+          <a:fillRef idx="1">
+            <a:schemeClr val="lt1"/>
+          </a:fillRef>
+          <a:effectRef idx="0">
+            <a:schemeClr val="dk1"/>
+          </a:effectRef>
+          <a:fontRef idx="minor">
+            <a:schemeClr val="dk1"/>
+          </a:fontRef>
+        </p:style>
+        <p:txBody>
+          <a:bodyPr rtlCol="0" anchor="ctr"/>
+          <a:lstStyle/>
+          <a:p>
+            <a:pPr algn="ctr"/>
+            <a:r>
+              <a:rPr lang="de-DE" sz="1600" dirty="0" smtClean="0"/>
+              <a:t>Herr A</a:t>
+            </a:r>
+            <a:endParaRPr lang="de-DE" sz="1600" dirty="0"/>
+          </a:p>
+        </p:txBody>
+      </p:sp>
+      <p:sp>
+        <p:nvSpPr>
+          <p:cNvPr id="20" name="Rechteck 19"/>
+          <p:cNvSpPr/>
+          <p:nvPr/>
+        </p:nvSpPr>
+        <p:spPr>
+          <a:xfrm>
+            <a:off x="7715272" y="1928802"/>
+            <a:ext cx="1285852" cy="500066"/>
+          </a:xfrm>
+          <a:prstGeom prst="rect">
+            <a:avLst/>
+          </a:prstGeom>
+          <a:ln/>
+        </p:spPr>
+        <p:style>
+          <a:lnRef idx="1">
+            <a:schemeClr val="dk1"/>
+          </a:lnRef>
+          <a:fillRef idx="2">
+            <a:schemeClr val="dk1"/>
+          </a:fillRef>
+          <a:effectRef idx="1">
+            <a:schemeClr val="dk1"/>
+          </a:effectRef>
+          <a:fontRef idx="minor">
+            <a:schemeClr val="dk1"/>
+          </a:fontRef>
+        </p:style>
+        <p:txBody>
+          <a:bodyPr rtlCol="0" anchor="ctr"/>
+          <a:lstStyle/>
+          <a:p>
+            <a:pPr algn="ctr"/>
+            <a:r>
+              <a:rPr lang="de-DE" sz="1600" dirty="0" smtClean="0"/>
+              <a:t>Auswählen</a:t>
+            </a:r>
+            <a:endParaRPr lang="de-DE" sz="1600" dirty="0"/>
+          </a:p>
+        </p:txBody>
+      </p:sp>
+      <p:sp>
+        <p:nvSpPr>
+          <p:cNvPr id="21" name="Rechteck 20"/>
+          <p:cNvSpPr/>
+          <p:nvPr/>
+        </p:nvSpPr>
+        <p:spPr>
+          <a:xfrm>
+            <a:off x="7715272" y="1142984"/>
+            <a:ext cx="1285852" cy="500066"/>
+          </a:xfrm>
+          <a:prstGeom prst="rect">
+            <a:avLst/>
+          </a:prstGeom>
+          <a:ln/>
+        </p:spPr>
+        <p:style>
+          <a:lnRef idx="1">
+            <a:schemeClr val="dk1"/>
+          </a:lnRef>
+          <a:fillRef idx="2">
+            <a:schemeClr val="dk1"/>
+          </a:fillRef>
+          <a:effectRef idx="1">
+            <a:schemeClr val="dk1"/>
+          </a:effectRef>
+          <a:fontRef idx="minor">
+            <a:schemeClr val="dk1"/>
+          </a:fontRef>
+        </p:style>
+        <p:txBody>
+          <a:bodyPr rtlCol="0" anchor="ctr"/>
+          <a:lstStyle/>
+          <a:p>
+            <a:pPr algn="ctr"/>
+            <a:r>
+              <a:rPr lang="de-DE" sz="1400" dirty="0" smtClean="0"/>
+              <a:t>Zurück zur Startseite</a:t>
+            </a:r>
+            <a:endParaRPr lang="de-DE" sz="1400" dirty="0"/>
+          </a:p>
+        </p:txBody>
+      </p:sp>
+    </p:spTree>
+  </p:cSld>
+  <p:clrMapOvr>
+    <a:masterClrMapping/>
+  </p:clrMapOvr>
+</p:sld>
+</file>
+
+<file path=ppt/slides/slide4.xml><?xml version="1.0" encoding="utf-8"?>
+<p:sld xmlns:a="http://schemas.openxmlformats.org/drawingml/2006/main" xmlns:r="http://schemas.openxmlformats.org/officeDocument/2006/relationships" xmlns:p="http://schemas.openxmlformats.org/presentationml/2006/main">
+  <p:cSld>
+    <p:spTree>
+      <p:nvGrpSpPr>
+        <p:cNvPr id="1" name=""/>
+        <p:cNvGrpSpPr/>
+        <p:nvPr/>
+      </p:nvGrpSpPr>
+      <p:grpSpPr>
+        <a:xfrm>
+          <a:off x="0" y="0"/>
+          <a:ext cx="0" cy="0"/>
+          <a:chOff x="0" y="0"/>
+          <a:chExt cx="0" cy="0"/>
+        </a:xfrm>
+      </p:grpSpPr>
+      <p:sp>
+        <p:nvSpPr>
+          <p:cNvPr id="2" name="Rechteck 1"/>
+          <p:cNvSpPr/>
+          <p:nvPr/>
+        </p:nvSpPr>
+        <p:spPr>
+          <a:xfrm>
+            <a:off x="571472" y="1857364"/>
+            <a:ext cx="6929486" cy="4429156"/>
+          </a:xfrm>
+          <a:prstGeom prst="rect">
+            <a:avLst/>
+          </a:prstGeom>
+        </p:spPr>
+        <p:style>
+          <a:lnRef idx="2">
+            <a:schemeClr val="dk1"/>
+          </a:lnRef>
+          <a:fillRef idx="1">
+            <a:schemeClr val="lt1"/>
+          </a:fillRef>
+          <a:effectRef idx="0">
+            <a:schemeClr val="dk1"/>
+          </a:effectRef>
+          <a:fontRef idx="minor">
+            <a:schemeClr val="dk1"/>
+          </a:fontRef>
+        </p:style>
+        <p:txBody>
+          <a:bodyPr rtlCol="0" anchor="ctr"/>
+          <a:lstStyle/>
+          <a:p>
+            <a:pPr algn="ctr"/>
+            <a:r>
+              <a:rPr lang="de-DE" dirty="0" smtClean="0"/>
+              <a:t> </a:t>
+            </a:r>
+            <a:endParaRPr lang="de-DE" dirty="0"/>
+          </a:p>
+        </p:txBody>
+      </p:sp>
+      <p:sp>
+        <p:nvSpPr>
+          <p:cNvPr id="3" name="Rechteck 2"/>
+          <p:cNvSpPr/>
+          <p:nvPr/>
+        </p:nvSpPr>
+        <p:spPr>
+          <a:xfrm>
+            <a:off x="571472" y="357166"/>
+            <a:ext cx="5715040" cy="1071570"/>
+          </a:xfrm>
+          <a:prstGeom prst="rect">
+            <a:avLst/>
+          </a:prstGeom>
+        </p:spPr>
+        <p:style>
+          <a:lnRef idx="2">
+            <a:schemeClr val="accent6"/>
+          </a:lnRef>
+          <a:fillRef idx="1">
+            <a:schemeClr val="lt1"/>
+          </a:fillRef>
+          <a:effectRef idx="0">
+            <a:schemeClr val="accent6"/>
+          </a:effectRef>
+          <a:fontRef idx="minor">
+            <a:schemeClr val="dk1"/>
+          </a:fontRef>
+        </p:style>
+        <p:txBody>
+          <a:bodyPr rtlCol="0" anchor="ctr"/>
+          <a:lstStyle/>
+          <a:p>
+            <a:pPr algn="ctr"/>
+            <a:r>
+              <a:rPr lang="de-DE" dirty="0" smtClean="0"/>
+              <a:t>GSO Design</a:t>
+            </a:r>
+            <a:endParaRPr lang="de-DE" dirty="0"/>
+          </a:p>
+        </p:txBody>
+      </p:sp>
+      <p:sp>
+        <p:nvSpPr>
+          <p:cNvPr id="16" name="Rechteck 15"/>
+          <p:cNvSpPr/>
+          <p:nvPr/>
+        </p:nvSpPr>
+        <p:spPr>
+          <a:xfrm>
+            <a:off x="7715272" y="428604"/>
+            <a:ext cx="1285852" cy="500066"/>
+          </a:xfrm>
+          <a:prstGeom prst="rect">
+            <a:avLst/>
+          </a:prstGeom>
+          <a:ln/>
+        </p:spPr>
+        <p:style>
+          <a:lnRef idx="1">
+            <a:schemeClr val="dk1"/>
+          </a:lnRef>
+          <a:fillRef idx="2">
+            <a:schemeClr val="dk1"/>
+          </a:fillRef>
+          <a:effectRef idx="1">
+            <a:schemeClr val="dk1"/>
+          </a:effectRef>
+          <a:fontRef idx="minor">
+            <a:schemeClr val="dk1"/>
+          </a:fontRef>
+        </p:style>
+        <p:txBody>
+          <a:bodyPr rtlCol="0" anchor="ctr"/>
+          <a:lstStyle/>
+          <a:p>
+            <a:pPr algn="ctr"/>
+            <a:r>
+              <a:rPr lang="de-DE" sz="1600" dirty="0" smtClean="0"/>
+              <a:t>Auswählen</a:t>
+            </a:r>
+            <a:endParaRPr lang="de-DE" sz="1600" dirty="0"/>
+          </a:p>
+        </p:txBody>
+      </p:sp>
+      <p:sp>
+        <p:nvSpPr>
+          <p:cNvPr id="17" name="Rechteck 16"/>
+          <p:cNvSpPr/>
+          <p:nvPr/>
+        </p:nvSpPr>
+        <p:spPr>
+          <a:xfrm>
+            <a:off x="7715272" y="1142984"/>
+            <a:ext cx="1285852" cy="500066"/>
+          </a:xfrm>
+          <a:prstGeom prst="rect">
+            <a:avLst/>
+          </a:prstGeom>
+          <a:ln/>
+        </p:spPr>
+        <p:style>
+          <a:lnRef idx="1">
+            <a:schemeClr val="dk1"/>
+          </a:lnRef>
+          <a:fillRef idx="2">
+            <a:schemeClr val="dk1"/>
+          </a:fillRef>
+          <a:effectRef idx="1">
+            <a:schemeClr val="dk1"/>
+          </a:effectRef>
+          <a:fontRef idx="minor">
+            <a:schemeClr val="dk1"/>
+          </a:fontRef>
+        </p:style>
+        <p:txBody>
+          <a:bodyPr rtlCol="0" anchor="ctr"/>
+          <a:lstStyle/>
+          <a:p>
+            <a:pPr algn="ctr"/>
+            <a:r>
+              <a:rPr lang="de-DE" sz="1400" dirty="0" smtClean="0"/>
+              <a:t>Zurück zur Startseite</a:t>
+            </a:r>
+            <a:endParaRPr lang="de-DE" sz="1400" dirty="0"/>
+          </a:p>
+        </p:txBody>
+      </p:sp>
+      <p:sp>
+        <p:nvSpPr>
+          <p:cNvPr id="18" name="Rechteck 17"/>
+          <p:cNvSpPr/>
+          <p:nvPr/>
+        </p:nvSpPr>
+        <p:spPr>
+          <a:xfrm>
+            <a:off x="3071802" y="1857364"/>
+            <a:ext cx="4429156" cy="285752"/>
+          </a:xfrm>
+          <a:prstGeom prst="rect">
+            <a:avLst/>
+          </a:prstGeom>
+          <a:ln>
+            <a:solidFill>
+              <a:schemeClr val="bg1">
+                <a:lumMod val="50000"/>
+              </a:schemeClr>
+            </a:solidFill>
+          </a:ln>
+        </p:spPr>
+        <p:style>
+          <a:lnRef idx="2">
+            <a:schemeClr val="dk1"/>
+          </a:lnRef>
+          <a:fillRef idx="1">
+            <a:schemeClr val="lt1"/>
+          </a:fillRef>
+          <a:effectRef idx="0">
+            <a:schemeClr val="dk1"/>
+          </a:effectRef>
+          <a:fontRef idx="minor">
+            <a:schemeClr val="dk1"/>
+          </a:fontRef>
+        </p:style>
+        <p:txBody>
+          <a:bodyPr rtlCol="0" anchor="ctr"/>
+          <a:lstStyle/>
+          <a:p>
+            <a:pPr algn="ctr"/>
+            <a:r>
+              <a:rPr lang="de-DE" sz="1600" dirty="0" smtClean="0"/>
+              <a:t>Zeugniskonferenz Beschlüsse </a:t>
+            </a:r>
+            <a:endParaRPr lang="de-DE" sz="1600" dirty="0"/>
+          </a:p>
+        </p:txBody>
+      </p:sp>
+      <p:sp>
+        <p:nvSpPr>
+          <p:cNvPr id="19" name="Rechteck 18"/>
+          <p:cNvSpPr/>
+          <p:nvPr/>
+        </p:nvSpPr>
+        <p:spPr>
+          <a:xfrm>
+            <a:off x="3071802" y="2143116"/>
+            <a:ext cx="4429156" cy="285752"/>
+          </a:xfrm>
+          <a:prstGeom prst="rect">
+            <a:avLst/>
+          </a:prstGeom>
+          <a:ln>
+            <a:solidFill>
+              <a:schemeClr val="bg1">
+                <a:lumMod val="50000"/>
+              </a:schemeClr>
+            </a:solidFill>
+          </a:ln>
+        </p:spPr>
+        <p:style>
+          <a:lnRef idx="2">
+            <a:schemeClr val="dk1"/>
+          </a:lnRef>
+          <a:fillRef idx="1">
+            <a:schemeClr val="lt1"/>
+          </a:fillRef>
+          <a:effectRef idx="0">
+            <a:schemeClr val="dk1"/>
+          </a:effectRef>
+          <a:fontRef idx="minor">
+            <a:schemeClr val="dk1"/>
+          </a:fontRef>
+        </p:style>
+        <p:txBody>
+          <a:bodyPr rtlCol="0" anchor="ctr"/>
+          <a:lstStyle/>
+          <a:p>
+            <a:pPr algn="ctr"/>
+            <a:r>
+              <a:rPr lang="de-DE" sz="1600" dirty="0" smtClean="0"/>
+              <a:t>13.11.2018</a:t>
+            </a:r>
+            <a:endParaRPr lang="de-DE" sz="1600" dirty="0"/>
+          </a:p>
+        </p:txBody>
+      </p:sp>
+      <p:sp>
+        <p:nvSpPr>
+          <p:cNvPr id="20" name="Rechteck 19"/>
+          <p:cNvSpPr/>
+          <p:nvPr/>
+        </p:nvSpPr>
+        <p:spPr>
+          <a:xfrm>
+            <a:off x="3071802" y="2428868"/>
+            <a:ext cx="4429156" cy="285752"/>
+          </a:xfrm>
+          <a:prstGeom prst="rect">
+            <a:avLst/>
+          </a:prstGeom>
+          <a:ln>
+            <a:solidFill>
+              <a:schemeClr val="bg1">
+                <a:lumMod val="50000"/>
+              </a:schemeClr>
+            </a:solidFill>
+          </a:ln>
+        </p:spPr>
+        <p:style>
+          <a:lnRef idx="2">
+            <a:schemeClr val="dk1"/>
+          </a:lnRef>
+          <a:fillRef idx="1">
+            <a:schemeClr val="lt1"/>
+          </a:fillRef>
+          <a:effectRef idx="0">
+            <a:schemeClr val="dk1"/>
+          </a:effectRef>
+          <a:fontRef idx="minor">
+            <a:schemeClr val="dk1"/>
+          </a:fontRef>
+        </p:style>
+        <p:txBody>
+          <a:bodyPr rtlCol="0" anchor="ctr"/>
+          <a:lstStyle/>
+          <a:p>
+            <a:pPr algn="ctr"/>
+            <a:r>
+              <a:rPr lang="de-DE" sz="1600" dirty="0" smtClean="0"/>
+              <a:t>Frau Y</a:t>
+            </a:r>
+            <a:endParaRPr lang="de-DE" sz="1600" dirty="0"/>
+          </a:p>
+        </p:txBody>
+      </p:sp>
+      <p:sp>
+        <p:nvSpPr>
+          <p:cNvPr id="21" name="Rechteck 20"/>
+          <p:cNvSpPr/>
+          <p:nvPr/>
+        </p:nvSpPr>
+        <p:spPr>
+          <a:xfrm>
+            <a:off x="571472" y="1857364"/>
+            <a:ext cx="2500330" cy="285752"/>
+          </a:xfrm>
+          <a:prstGeom prst="rect">
+            <a:avLst/>
+          </a:prstGeom>
+        </p:spPr>
+        <p:style>
+          <a:lnRef idx="1">
+            <a:schemeClr val="accent1"/>
+          </a:lnRef>
+          <a:fillRef idx="2">
+            <a:schemeClr val="accent1"/>
+          </a:fillRef>
+          <a:effectRef idx="1">
+            <a:schemeClr val="accent1"/>
+          </a:effectRef>
+          <a:fontRef idx="minor">
+            <a:schemeClr val="dk1"/>
+          </a:fontRef>
+        </p:style>
+        <p:txBody>
+          <a:bodyPr rtlCol="0" anchor="ctr"/>
+          <a:lstStyle/>
+          <a:p>
+            <a:pPr algn="ctr"/>
+            <a:r>
+              <a:rPr lang="de-DE" sz="1600" dirty="0" smtClean="0"/>
+              <a:t>Bezeichnung</a:t>
+            </a:r>
+            <a:endParaRPr lang="de-DE" sz="1600" dirty="0"/>
+          </a:p>
+        </p:txBody>
+      </p:sp>
+      <p:sp>
+        <p:nvSpPr>
+          <p:cNvPr id="22" name="Rechteck 21"/>
+          <p:cNvSpPr/>
+          <p:nvPr/>
+        </p:nvSpPr>
+        <p:spPr>
+          <a:xfrm>
+            <a:off x="571472" y="2143116"/>
+            <a:ext cx="2500330" cy="285752"/>
+          </a:xfrm>
+          <a:prstGeom prst="rect">
+            <a:avLst/>
+          </a:prstGeom>
+        </p:spPr>
+        <p:style>
+          <a:lnRef idx="1">
+            <a:schemeClr val="accent1"/>
+          </a:lnRef>
+          <a:fillRef idx="2">
+            <a:schemeClr val="accent1"/>
+          </a:fillRef>
+          <a:effectRef idx="1">
+            <a:schemeClr val="accent1"/>
+          </a:effectRef>
+          <a:fontRef idx="minor">
+            <a:schemeClr val="dk1"/>
+          </a:fontRef>
+        </p:style>
+        <p:txBody>
+          <a:bodyPr rtlCol="0" anchor="ctr"/>
+          <a:lstStyle/>
+          <a:p>
+            <a:pPr algn="ctr"/>
+            <a:r>
+              <a:rPr lang="de-DE" sz="1600" dirty="0" smtClean="0"/>
+              <a:t>Datum</a:t>
+            </a:r>
+            <a:endParaRPr lang="de-DE" sz="1600" dirty="0"/>
+          </a:p>
+        </p:txBody>
+      </p:sp>
+      <p:sp>
+        <p:nvSpPr>
+          <p:cNvPr id="23" name="Rechteck 22"/>
+          <p:cNvSpPr/>
+          <p:nvPr/>
+        </p:nvSpPr>
+        <p:spPr>
+          <a:xfrm>
+            <a:off x="571472" y="2428868"/>
+            <a:ext cx="2500330" cy="285752"/>
+          </a:xfrm>
+          <a:prstGeom prst="rect">
+            <a:avLst/>
+          </a:prstGeom>
+        </p:spPr>
+        <p:style>
+          <a:lnRef idx="1">
+            <a:schemeClr val="accent1"/>
+          </a:lnRef>
+          <a:fillRef idx="2">
+            <a:schemeClr val="accent1"/>
+          </a:fillRef>
+          <a:effectRef idx="1">
+            <a:schemeClr val="accent1"/>
+          </a:effectRef>
+          <a:fontRef idx="minor">
+            <a:schemeClr val="dk1"/>
+          </a:fontRef>
+        </p:style>
+        <p:txBody>
+          <a:bodyPr rtlCol="0" anchor="ctr"/>
+          <a:lstStyle/>
+          <a:p>
+            <a:pPr algn="ctr"/>
+            <a:r>
+              <a:rPr lang="de-DE" sz="1600" dirty="0" smtClean="0"/>
+              <a:t>Konferenzleiter</a:t>
+            </a:r>
+            <a:endParaRPr lang="de-DE" sz="1600" dirty="0"/>
+          </a:p>
+        </p:txBody>
+      </p:sp>
+      <p:sp>
+        <p:nvSpPr>
+          <p:cNvPr id="24" name="Rechteck 23"/>
+          <p:cNvSpPr/>
+          <p:nvPr/>
+        </p:nvSpPr>
+        <p:spPr>
+          <a:xfrm>
+            <a:off x="571472" y="2714620"/>
+            <a:ext cx="2500330" cy="285752"/>
+          </a:xfrm>
+          <a:prstGeom prst="rect">
+            <a:avLst/>
+          </a:prstGeom>
+        </p:spPr>
+        <p:style>
+          <a:lnRef idx="1">
+            <a:schemeClr val="accent1"/>
+          </a:lnRef>
+          <a:fillRef idx="2">
+            <a:schemeClr val="accent1"/>
+          </a:fillRef>
+          <a:effectRef idx="1">
+            <a:schemeClr val="accent1"/>
+          </a:effectRef>
+          <a:fontRef idx="minor">
+            <a:schemeClr val="dk1"/>
+          </a:fontRef>
+        </p:style>
+        <p:txBody>
+          <a:bodyPr rtlCol="0" anchor="ctr"/>
+          <a:lstStyle/>
+          <a:p>
+            <a:pPr algn="ctr"/>
+            <a:r>
+              <a:rPr lang="de-DE" sz="1600" dirty="0" smtClean="0"/>
+              <a:t>Protokollant</a:t>
+            </a:r>
+            <a:endParaRPr lang="de-DE" sz="1600" dirty="0"/>
+          </a:p>
+        </p:txBody>
+      </p:sp>
+      <p:sp>
+        <p:nvSpPr>
+          <p:cNvPr id="25" name="Rechteck 24"/>
+          <p:cNvSpPr/>
+          <p:nvPr/>
+        </p:nvSpPr>
+        <p:spPr>
+          <a:xfrm>
+            <a:off x="3071802" y="2714620"/>
+            <a:ext cx="4429156" cy="285752"/>
+          </a:xfrm>
+          <a:prstGeom prst="rect">
+            <a:avLst/>
+          </a:prstGeom>
+          <a:ln>
+            <a:solidFill>
+              <a:schemeClr val="bg1">
+                <a:lumMod val="50000"/>
+              </a:schemeClr>
+            </a:solidFill>
+          </a:ln>
+        </p:spPr>
+        <p:style>
+          <a:lnRef idx="2">
+            <a:schemeClr val="dk1"/>
+          </a:lnRef>
+          <a:fillRef idx="1">
+            <a:schemeClr val="lt1"/>
+          </a:fillRef>
+          <a:effectRef idx="0">
+            <a:schemeClr val="dk1"/>
+          </a:effectRef>
+          <a:fontRef idx="minor">
+            <a:schemeClr val="dk1"/>
+          </a:fontRef>
+        </p:style>
+        <p:txBody>
+          <a:bodyPr rtlCol="0" anchor="ctr"/>
+          <a:lstStyle/>
+          <a:p>
+            <a:pPr algn="ctr"/>
+            <a:r>
+              <a:rPr lang="de-DE" sz="1600" dirty="0" smtClean="0"/>
+              <a:t>Herr B</a:t>
+            </a:r>
+            <a:endParaRPr lang="de-DE" sz="1600" dirty="0"/>
+          </a:p>
+        </p:txBody>
+      </p:sp>
+      <p:sp>
+        <p:nvSpPr>
+          <p:cNvPr id="26" name="Rechteck 25"/>
+          <p:cNvSpPr/>
+          <p:nvPr/>
+        </p:nvSpPr>
+        <p:spPr>
+          <a:xfrm>
+            <a:off x="571472" y="3429000"/>
+            <a:ext cx="6929486" cy="285752"/>
+          </a:xfrm>
+          <a:prstGeom prst="rect">
+            <a:avLst/>
+          </a:prstGeom>
+        </p:spPr>
+        <p:style>
+          <a:lnRef idx="1">
+            <a:schemeClr val="accent1"/>
+          </a:lnRef>
+          <a:fillRef idx="2">
+            <a:schemeClr val="accent1"/>
+          </a:fillRef>
+          <a:effectRef idx="1">
+            <a:schemeClr val="accent1"/>
+          </a:effectRef>
+          <a:fontRef idx="minor">
+            <a:schemeClr val="dk1"/>
+          </a:fontRef>
+        </p:style>
+        <p:txBody>
+          <a:bodyPr rtlCol="0" anchor="ctr"/>
+          <a:lstStyle/>
+          <a:p>
+            <a:pPr algn="ctr"/>
+            <a:r>
+              <a:rPr lang="de-DE" sz="1600" dirty="0" smtClean="0"/>
+              <a:t>1. Beschluss</a:t>
+            </a:r>
+            <a:endParaRPr lang="de-DE" sz="1600" dirty="0"/>
+          </a:p>
+        </p:txBody>
+      </p:sp>
+      <p:sp>
+        <p:nvSpPr>
+          <p:cNvPr id="27" name="Rechteck 26"/>
+          <p:cNvSpPr/>
+          <p:nvPr/>
+        </p:nvSpPr>
+        <p:spPr>
+          <a:xfrm>
+            <a:off x="571472" y="3714752"/>
+            <a:ext cx="6929486" cy="428628"/>
+          </a:xfrm>
+          <a:prstGeom prst="rect">
+            <a:avLst/>
+          </a:prstGeom>
+          <a:ln>
+            <a:solidFill>
+              <a:schemeClr val="bg1">
+                <a:lumMod val="50000"/>
+              </a:schemeClr>
+            </a:solidFill>
+          </a:ln>
+        </p:spPr>
+        <p:style>
+          <a:lnRef idx="2">
+            <a:schemeClr val="dk1"/>
+          </a:lnRef>
+          <a:fillRef idx="1">
+            <a:schemeClr val="lt1"/>
+          </a:fillRef>
+          <a:effectRef idx="0">
+            <a:schemeClr val="dk1"/>
+          </a:effectRef>
+          <a:fontRef idx="minor">
+            <a:schemeClr val="dk1"/>
+          </a:fontRef>
+        </p:style>
+        <p:txBody>
+          <a:bodyPr rtlCol="0" anchor="ctr"/>
+          <a:lstStyle/>
+          <a:p>
+            <a:pPr algn="ctr"/>
+            <a:r>
+              <a:rPr lang="de-DE" sz="1600" smtClean="0"/>
+              <a:t>Schüler H </a:t>
+            </a:r>
+            <a:endParaRPr lang="de-DE" sz="1600" dirty="0"/>
           </a:p>
         </p:txBody>
       </p:sp>

--- a/Dokumentation + Diagramme etc/PaperPrototyp.pptx
+++ b/Dokumentation + Diagramme etc/PaperPrototyp.pptx
@@ -4,11 +4,12 @@
   <p:sldMasterIdLst>
     <p:sldMasterId id="2147483648" r:id="rId1"/>
   </p:sldMasterIdLst>
+  <p:notesMasterIdLst>
+    <p:notesMasterId r:id="rId4"/>
+  </p:notesMasterIdLst>
   <p:sldIdLst>
-    <p:sldId id="257" r:id="rId2"/>
-    <p:sldId id="258" r:id="rId3"/>
-    <p:sldId id="259" r:id="rId4"/>
-    <p:sldId id="260" r:id="rId5"/>
+    <p:sldId id="261" r:id="rId2"/>
+    <p:sldId id="262" r:id="rId3"/>
   </p:sldIdLst>
   <p:sldSz cx="9144000" cy="6858000" type="screen4x3"/>
   <p:notesSz cx="6858000" cy="9144000"/>
@@ -110,6 +111,535 @@
 </p:presentation>
 </file>
 
+<file path=ppt/notesMasters/notesMaster1.xml><?xml version="1.0" encoding="utf-8"?>
+<p:notesMaster xmlns:a="http://schemas.openxmlformats.org/drawingml/2006/main" xmlns:r="http://schemas.openxmlformats.org/officeDocument/2006/relationships" xmlns:p="http://schemas.openxmlformats.org/presentationml/2006/main">
+  <p:cSld>
+    <p:bg>
+      <p:bgRef idx="1001">
+        <a:schemeClr val="bg1"/>
+      </p:bgRef>
+    </p:bg>
+    <p:spTree>
+      <p:nvGrpSpPr>
+        <p:cNvPr id="1" name=""/>
+        <p:cNvGrpSpPr/>
+        <p:nvPr/>
+      </p:nvGrpSpPr>
+      <p:grpSpPr>
+        <a:xfrm>
+          <a:off x="0" y="0"/>
+          <a:ext cx="0" cy="0"/>
+          <a:chOff x="0" y="0"/>
+          <a:chExt cx="0" cy="0"/>
+        </a:xfrm>
+      </p:grpSpPr>
+      <p:sp>
+        <p:nvSpPr>
+          <p:cNvPr id="2" name="Kopfzeilenplatzhalter 1"/>
+          <p:cNvSpPr>
+            <a:spLocks noGrp="1"/>
+          </p:cNvSpPr>
+          <p:nvPr>
+            <p:ph type="hdr" sz="quarter"/>
+          </p:nvPr>
+        </p:nvSpPr>
+        <p:spPr>
+          <a:xfrm>
+            <a:off x="0" y="0"/>
+            <a:ext cx="2971800" cy="457200"/>
+          </a:xfrm>
+          <a:prstGeom prst="rect">
+            <a:avLst/>
+          </a:prstGeom>
+        </p:spPr>
+        <p:txBody>
+          <a:bodyPr vert="horz" lIns="91440" tIns="45720" rIns="91440" bIns="45720" rtlCol="0"/>
+          <a:lstStyle>
+            <a:lvl1pPr algn="l">
+              <a:defRPr sz="1200"/>
+            </a:lvl1pPr>
+          </a:lstStyle>
+          <a:p>
+            <a:endParaRPr lang="de-DE"/>
+          </a:p>
+        </p:txBody>
+      </p:sp>
+      <p:sp>
+        <p:nvSpPr>
+          <p:cNvPr id="3" name="Datumsplatzhalter 2"/>
+          <p:cNvSpPr>
+            <a:spLocks noGrp="1"/>
+          </p:cNvSpPr>
+          <p:nvPr>
+            <p:ph type="dt" idx="1"/>
+          </p:nvPr>
+        </p:nvSpPr>
+        <p:spPr>
+          <a:xfrm>
+            <a:off x="3884613" y="0"/>
+            <a:ext cx="2971800" cy="457200"/>
+          </a:xfrm>
+          <a:prstGeom prst="rect">
+            <a:avLst/>
+          </a:prstGeom>
+        </p:spPr>
+        <p:txBody>
+          <a:bodyPr vert="horz" lIns="91440" tIns="45720" rIns="91440" bIns="45720" rtlCol="0"/>
+          <a:lstStyle>
+            <a:lvl1pPr algn="r">
+              <a:defRPr sz="1200"/>
+            </a:lvl1pPr>
+          </a:lstStyle>
+          <a:p>
+            <a:fld id="{8B106013-8F64-4293-BC97-3FE198947D86}" type="datetimeFigureOut">
+              <a:rPr lang="de-DE" smtClean="0"/>
+              <a:t>16.11.2018</a:t>
+            </a:fld>
+            <a:endParaRPr lang="de-DE"/>
+          </a:p>
+        </p:txBody>
+      </p:sp>
+      <p:sp>
+        <p:nvSpPr>
+          <p:cNvPr id="4" name="Folienbildplatzhalter 3"/>
+          <p:cNvSpPr>
+            <a:spLocks noGrp="1" noRot="1" noChangeAspect="1"/>
+          </p:cNvSpPr>
+          <p:nvPr>
+            <p:ph type="sldImg" idx="2"/>
+          </p:nvPr>
+        </p:nvSpPr>
+        <p:spPr>
+          <a:xfrm>
+            <a:off x="1143000" y="685800"/>
+            <a:ext cx="4572000" cy="3429000"/>
+          </a:xfrm>
+          <a:prstGeom prst="rect">
+            <a:avLst/>
+          </a:prstGeom>
+          <a:noFill/>
+          <a:ln w="12700">
+            <a:solidFill>
+              <a:prstClr val="black"/>
+            </a:solidFill>
+          </a:ln>
+        </p:spPr>
+        <p:txBody>
+          <a:bodyPr vert="horz" lIns="91440" tIns="45720" rIns="91440" bIns="45720" rtlCol="0" anchor="ctr"/>
+          <a:lstStyle/>
+          <a:p>
+            <a:endParaRPr lang="de-DE"/>
+          </a:p>
+        </p:txBody>
+      </p:sp>
+      <p:sp>
+        <p:nvSpPr>
+          <p:cNvPr id="5" name="Notizenplatzhalter 4"/>
+          <p:cNvSpPr>
+            <a:spLocks noGrp="1"/>
+          </p:cNvSpPr>
+          <p:nvPr>
+            <p:ph type="body" sz="quarter" idx="3"/>
+          </p:nvPr>
+        </p:nvSpPr>
+        <p:spPr>
+          <a:xfrm>
+            <a:off x="685800" y="4343400"/>
+            <a:ext cx="5486400" cy="4114800"/>
+          </a:xfrm>
+          <a:prstGeom prst="rect">
+            <a:avLst/>
+          </a:prstGeom>
+        </p:spPr>
+        <p:txBody>
+          <a:bodyPr vert="horz" lIns="91440" tIns="45720" rIns="91440" bIns="45720" rtlCol="0"/>
+          <a:lstStyle/>
+          <a:p>
+            <a:pPr lvl="0"/>
+            <a:r>
+              <a:rPr lang="de-DE" smtClean="0"/>
+              <a:t>Textmasterformat bearbeiten</a:t>
+            </a:r>
+          </a:p>
+          <a:p>
+            <a:pPr lvl="1"/>
+            <a:r>
+              <a:rPr lang="de-DE" smtClean="0"/>
+              <a:t>Zweite Ebene</a:t>
+            </a:r>
+          </a:p>
+          <a:p>
+            <a:pPr lvl="2"/>
+            <a:r>
+              <a:rPr lang="de-DE" smtClean="0"/>
+              <a:t>Dritte Ebene</a:t>
+            </a:r>
+          </a:p>
+          <a:p>
+            <a:pPr lvl="3"/>
+            <a:r>
+              <a:rPr lang="de-DE" smtClean="0"/>
+              <a:t>Vierte Ebene</a:t>
+            </a:r>
+          </a:p>
+          <a:p>
+            <a:pPr lvl="4"/>
+            <a:r>
+              <a:rPr lang="de-DE" smtClean="0"/>
+              <a:t>Fünfte Ebene</a:t>
+            </a:r>
+            <a:endParaRPr lang="de-DE"/>
+          </a:p>
+        </p:txBody>
+      </p:sp>
+      <p:sp>
+        <p:nvSpPr>
+          <p:cNvPr id="6" name="Fußzeilenplatzhalter 5"/>
+          <p:cNvSpPr>
+            <a:spLocks noGrp="1"/>
+          </p:cNvSpPr>
+          <p:nvPr>
+            <p:ph type="ftr" sz="quarter" idx="4"/>
+          </p:nvPr>
+        </p:nvSpPr>
+        <p:spPr>
+          <a:xfrm>
+            <a:off x="0" y="8685213"/>
+            <a:ext cx="2971800" cy="457200"/>
+          </a:xfrm>
+          <a:prstGeom prst="rect">
+            <a:avLst/>
+          </a:prstGeom>
+        </p:spPr>
+        <p:txBody>
+          <a:bodyPr vert="horz" lIns="91440" tIns="45720" rIns="91440" bIns="45720" rtlCol="0" anchor="b"/>
+          <a:lstStyle>
+            <a:lvl1pPr algn="l">
+              <a:defRPr sz="1200"/>
+            </a:lvl1pPr>
+          </a:lstStyle>
+          <a:p>
+            <a:endParaRPr lang="de-DE"/>
+          </a:p>
+        </p:txBody>
+      </p:sp>
+      <p:sp>
+        <p:nvSpPr>
+          <p:cNvPr id="7" name="Foliennummernplatzhalter 6"/>
+          <p:cNvSpPr>
+            <a:spLocks noGrp="1"/>
+          </p:cNvSpPr>
+          <p:nvPr>
+            <p:ph type="sldNum" sz="quarter" idx="5"/>
+          </p:nvPr>
+        </p:nvSpPr>
+        <p:spPr>
+          <a:xfrm>
+            <a:off x="3884613" y="8685213"/>
+            <a:ext cx="2971800" cy="457200"/>
+          </a:xfrm>
+          <a:prstGeom prst="rect">
+            <a:avLst/>
+          </a:prstGeom>
+        </p:spPr>
+        <p:txBody>
+          <a:bodyPr vert="horz" lIns="91440" tIns="45720" rIns="91440" bIns="45720" rtlCol="0" anchor="b"/>
+          <a:lstStyle>
+            <a:lvl1pPr algn="r">
+              <a:defRPr sz="1200"/>
+            </a:lvl1pPr>
+          </a:lstStyle>
+          <a:p>
+            <a:fld id="{3EDC4320-46CE-474F-897F-6A97DA12D8EB}" type="slidenum">
+              <a:rPr lang="de-DE" smtClean="0"/>
+              <a:t>‹Nr.›</a:t>
+            </a:fld>
+            <a:endParaRPr lang="de-DE"/>
+          </a:p>
+        </p:txBody>
+      </p:sp>
+    </p:spTree>
+    <p:extLst>
+      <p:ext uri="{BB962C8B-B14F-4D97-AF65-F5344CB8AC3E}">
+        <p14:creationId xmlns:p14="http://schemas.microsoft.com/office/powerpoint/2010/main" val="2278810424"/>
+      </p:ext>
+    </p:extLst>
+  </p:cSld>
+  <p:clrMap bg1="lt1" tx1="dk1" bg2="lt2" tx2="dk2" accent1="accent1" accent2="accent2" accent3="accent3" accent4="accent4" accent5="accent5" accent6="accent6" hlink="hlink" folHlink="folHlink"/>
+  <p:notesStyle>
+    <a:lvl1pPr marL="0" algn="l" defTabSz="914400" rtl="0" eaLnBrk="1" latinLnBrk="0" hangingPunct="1">
+      <a:defRPr sz="1200" kern="1200">
+        <a:solidFill>
+          <a:schemeClr val="tx1"/>
+        </a:solidFill>
+        <a:latin typeface="+mn-lt"/>
+        <a:ea typeface="+mn-ea"/>
+        <a:cs typeface="+mn-cs"/>
+      </a:defRPr>
+    </a:lvl1pPr>
+    <a:lvl2pPr marL="457200" algn="l" defTabSz="914400" rtl="0" eaLnBrk="1" latinLnBrk="0" hangingPunct="1">
+      <a:defRPr sz="1200" kern="1200">
+        <a:solidFill>
+          <a:schemeClr val="tx1"/>
+        </a:solidFill>
+        <a:latin typeface="+mn-lt"/>
+        <a:ea typeface="+mn-ea"/>
+        <a:cs typeface="+mn-cs"/>
+      </a:defRPr>
+    </a:lvl2pPr>
+    <a:lvl3pPr marL="914400" algn="l" defTabSz="914400" rtl="0" eaLnBrk="1" latinLnBrk="0" hangingPunct="1">
+      <a:defRPr sz="1200" kern="1200">
+        <a:solidFill>
+          <a:schemeClr val="tx1"/>
+        </a:solidFill>
+        <a:latin typeface="+mn-lt"/>
+        <a:ea typeface="+mn-ea"/>
+        <a:cs typeface="+mn-cs"/>
+      </a:defRPr>
+    </a:lvl3pPr>
+    <a:lvl4pPr marL="1371600" algn="l" defTabSz="914400" rtl="0" eaLnBrk="1" latinLnBrk="0" hangingPunct="1">
+      <a:defRPr sz="1200" kern="1200">
+        <a:solidFill>
+          <a:schemeClr val="tx1"/>
+        </a:solidFill>
+        <a:latin typeface="+mn-lt"/>
+        <a:ea typeface="+mn-ea"/>
+        <a:cs typeface="+mn-cs"/>
+      </a:defRPr>
+    </a:lvl4pPr>
+    <a:lvl5pPr marL="1828800" algn="l" defTabSz="914400" rtl="0" eaLnBrk="1" latinLnBrk="0" hangingPunct="1">
+      <a:defRPr sz="1200" kern="1200">
+        <a:solidFill>
+          <a:schemeClr val="tx1"/>
+        </a:solidFill>
+        <a:latin typeface="+mn-lt"/>
+        <a:ea typeface="+mn-ea"/>
+        <a:cs typeface="+mn-cs"/>
+      </a:defRPr>
+    </a:lvl5pPr>
+    <a:lvl6pPr marL="2286000" algn="l" defTabSz="914400" rtl="0" eaLnBrk="1" latinLnBrk="0" hangingPunct="1">
+      <a:defRPr sz="1200" kern="1200">
+        <a:solidFill>
+          <a:schemeClr val="tx1"/>
+        </a:solidFill>
+        <a:latin typeface="+mn-lt"/>
+        <a:ea typeface="+mn-ea"/>
+        <a:cs typeface="+mn-cs"/>
+      </a:defRPr>
+    </a:lvl6pPr>
+    <a:lvl7pPr marL="2743200" algn="l" defTabSz="914400" rtl="0" eaLnBrk="1" latinLnBrk="0" hangingPunct="1">
+      <a:defRPr sz="1200" kern="1200">
+        <a:solidFill>
+          <a:schemeClr val="tx1"/>
+        </a:solidFill>
+        <a:latin typeface="+mn-lt"/>
+        <a:ea typeface="+mn-ea"/>
+        <a:cs typeface="+mn-cs"/>
+      </a:defRPr>
+    </a:lvl7pPr>
+    <a:lvl8pPr marL="3200400" algn="l" defTabSz="914400" rtl="0" eaLnBrk="1" latinLnBrk="0" hangingPunct="1">
+      <a:defRPr sz="1200" kern="1200">
+        <a:solidFill>
+          <a:schemeClr val="tx1"/>
+        </a:solidFill>
+        <a:latin typeface="+mn-lt"/>
+        <a:ea typeface="+mn-ea"/>
+        <a:cs typeface="+mn-cs"/>
+      </a:defRPr>
+    </a:lvl8pPr>
+    <a:lvl9pPr marL="3657600" algn="l" defTabSz="914400" rtl="0" eaLnBrk="1" latinLnBrk="0" hangingPunct="1">
+      <a:defRPr sz="1200" kern="1200">
+        <a:solidFill>
+          <a:schemeClr val="tx1"/>
+        </a:solidFill>
+        <a:latin typeface="+mn-lt"/>
+        <a:ea typeface="+mn-ea"/>
+        <a:cs typeface="+mn-cs"/>
+      </a:defRPr>
+    </a:lvl9pPr>
+  </p:notesStyle>
+</p:notesMaster>
+</file>
+
+<file path=ppt/notesSlides/notesSlide1.xml><?xml version="1.0" encoding="utf-8"?>
+<p:notes xmlns:a="http://schemas.openxmlformats.org/drawingml/2006/main" xmlns:r="http://schemas.openxmlformats.org/officeDocument/2006/relationships" xmlns:p="http://schemas.openxmlformats.org/presentationml/2006/main">
+  <p:cSld>
+    <p:spTree>
+      <p:nvGrpSpPr>
+        <p:cNvPr id="1" name=""/>
+        <p:cNvGrpSpPr/>
+        <p:nvPr/>
+      </p:nvGrpSpPr>
+      <p:grpSpPr>
+        <a:xfrm>
+          <a:off x="0" y="0"/>
+          <a:ext cx="0" cy="0"/>
+          <a:chOff x="0" y="0"/>
+          <a:chExt cx="0" cy="0"/>
+        </a:xfrm>
+      </p:grpSpPr>
+      <p:sp>
+        <p:nvSpPr>
+          <p:cNvPr id="2" name="Folienbildplatzhalter 1"/>
+          <p:cNvSpPr>
+            <a:spLocks noGrp="1" noRot="1" noChangeAspect="1"/>
+          </p:cNvSpPr>
+          <p:nvPr>
+            <p:ph type="sldImg"/>
+          </p:nvPr>
+        </p:nvSpPr>
+        <p:spPr/>
+      </p:sp>
+      <p:sp>
+        <p:nvSpPr>
+          <p:cNvPr id="3" name="Notizenplatzhalter 2"/>
+          <p:cNvSpPr>
+            <a:spLocks noGrp="1"/>
+          </p:cNvSpPr>
+          <p:nvPr>
+            <p:ph type="body" idx="1"/>
+          </p:nvPr>
+        </p:nvSpPr>
+        <p:spPr/>
+        <p:txBody>
+          <a:bodyPr/>
+          <a:lstStyle/>
+          <a:p>
+            <a:r>
+              <a:rPr lang="de-DE" dirty="0" smtClean="0"/>
+              <a:t>Startseite</a:t>
+            </a:r>
+          </a:p>
+        </p:txBody>
+      </p:sp>
+      <p:sp>
+        <p:nvSpPr>
+          <p:cNvPr id="4" name="Foliennummernplatzhalter 3"/>
+          <p:cNvSpPr>
+            <a:spLocks noGrp="1"/>
+          </p:cNvSpPr>
+          <p:nvPr>
+            <p:ph type="sldNum" sz="quarter" idx="10"/>
+          </p:nvPr>
+        </p:nvSpPr>
+        <p:spPr/>
+        <p:txBody>
+          <a:bodyPr/>
+          <a:lstStyle/>
+          <a:p>
+            <a:fld id="{3EDC4320-46CE-474F-897F-6A97DA12D8EB}" type="slidenum">
+              <a:rPr lang="de-DE" smtClean="0"/>
+              <a:t>1</a:t>
+            </a:fld>
+            <a:endParaRPr lang="de-DE"/>
+          </a:p>
+        </p:txBody>
+      </p:sp>
+    </p:spTree>
+    <p:extLst>
+      <p:ext uri="{BB962C8B-B14F-4D97-AF65-F5344CB8AC3E}">
+        <p14:creationId xmlns:p14="http://schemas.microsoft.com/office/powerpoint/2010/main" val="3906905818"/>
+      </p:ext>
+    </p:extLst>
+  </p:cSld>
+  <p:clrMapOvr>
+    <a:masterClrMapping/>
+  </p:clrMapOvr>
+</p:notes>
+</file>
+
+<file path=ppt/notesSlides/notesSlide2.xml><?xml version="1.0" encoding="utf-8"?>
+<p:notes xmlns:a="http://schemas.openxmlformats.org/drawingml/2006/main" xmlns:r="http://schemas.openxmlformats.org/officeDocument/2006/relationships" xmlns:p="http://schemas.openxmlformats.org/presentationml/2006/main">
+  <p:cSld>
+    <p:spTree>
+      <p:nvGrpSpPr>
+        <p:cNvPr id="1" name=""/>
+        <p:cNvGrpSpPr/>
+        <p:nvPr/>
+      </p:nvGrpSpPr>
+      <p:grpSpPr>
+        <a:xfrm>
+          <a:off x="0" y="0"/>
+          <a:ext cx="0" cy="0"/>
+          <a:chOff x="0" y="0"/>
+          <a:chExt cx="0" cy="0"/>
+        </a:xfrm>
+      </p:grpSpPr>
+      <p:sp>
+        <p:nvSpPr>
+          <p:cNvPr id="2" name="Folienbildplatzhalter 1"/>
+          <p:cNvSpPr>
+            <a:spLocks noGrp="1" noRot="1" noChangeAspect="1"/>
+          </p:cNvSpPr>
+          <p:nvPr>
+            <p:ph type="sldImg"/>
+          </p:nvPr>
+        </p:nvSpPr>
+        <p:spPr/>
+      </p:sp>
+      <p:sp>
+        <p:nvSpPr>
+          <p:cNvPr id="3" name="Notizenplatzhalter 2"/>
+          <p:cNvSpPr>
+            <a:spLocks noGrp="1"/>
+          </p:cNvSpPr>
+          <p:nvPr>
+            <p:ph type="body" idx="1"/>
+          </p:nvPr>
+        </p:nvSpPr>
+        <p:spPr/>
+        <p:txBody>
+          <a:bodyPr/>
+          <a:lstStyle/>
+          <a:p>
+            <a:r>
+              <a:rPr lang="de-DE" dirty="0" smtClean="0"/>
+              <a:t>Neues </a:t>
+            </a:r>
+            <a:r>
+              <a:rPr lang="de-DE" smtClean="0"/>
+              <a:t>Protokoll anlegen</a:t>
+            </a:r>
+            <a:endParaRPr lang="de-DE" dirty="0" smtClean="0"/>
+          </a:p>
+        </p:txBody>
+      </p:sp>
+      <p:sp>
+        <p:nvSpPr>
+          <p:cNvPr id="4" name="Foliennummernplatzhalter 3"/>
+          <p:cNvSpPr>
+            <a:spLocks noGrp="1"/>
+          </p:cNvSpPr>
+          <p:nvPr>
+            <p:ph type="sldNum" sz="quarter" idx="10"/>
+          </p:nvPr>
+        </p:nvSpPr>
+        <p:spPr/>
+        <p:txBody>
+          <a:bodyPr/>
+          <a:lstStyle/>
+          <a:p>
+            <a:fld id="{3EDC4320-46CE-474F-897F-6A97DA12D8EB}" type="slidenum">
+              <a:rPr lang="de-DE" smtClean="0"/>
+              <a:t>2</a:t>
+            </a:fld>
+            <a:endParaRPr lang="de-DE"/>
+          </a:p>
+        </p:txBody>
+      </p:sp>
+    </p:spTree>
+    <p:extLst>
+      <p:ext uri="{BB962C8B-B14F-4D97-AF65-F5344CB8AC3E}">
+        <p14:creationId xmlns:p14="http://schemas.microsoft.com/office/powerpoint/2010/main" val="3906905818"/>
+      </p:ext>
+    </p:extLst>
+  </p:cSld>
+  <p:clrMapOvr>
+    <a:masterClrMapping/>
+  </p:clrMapOvr>
+</p:notes>
+</file>
+
 <file path=ppt/slideLayouts/slideLayout1.xml><?xml version="1.0" encoding="utf-8"?>
 <p:sldLayout xmlns:a="http://schemas.openxmlformats.org/drawingml/2006/main" xmlns:r="http://schemas.openxmlformats.org/officeDocument/2006/relationships" xmlns:p="http://schemas.openxmlformats.org/presentationml/2006/main" type="title" preserve="1">
   <p:cSld name="Titelfolie">
@@ -292,7 +822,7 @@
             <a:fld id="{88A029B0-5F1E-49AE-B34E-4422E9571E26}" type="datetimeFigureOut">
               <a:rPr lang="de-DE" smtClean="0"/>
               <a:pPr/>
-              <a:t>13.11.2018</a:t>
+              <a:t>16.11.2018</a:t>
             </a:fld>
             <a:endParaRPr lang="de-DE"/>
           </a:p>
@@ -459,7 +989,7 @@
             <a:fld id="{88A029B0-5F1E-49AE-B34E-4422E9571E26}" type="datetimeFigureOut">
               <a:rPr lang="de-DE" smtClean="0"/>
               <a:pPr/>
-              <a:t>13.11.2018</a:t>
+              <a:t>16.11.2018</a:t>
             </a:fld>
             <a:endParaRPr lang="de-DE"/>
           </a:p>
@@ -636,7 +1166,7 @@
             <a:fld id="{88A029B0-5F1E-49AE-B34E-4422E9571E26}" type="datetimeFigureOut">
               <a:rPr lang="de-DE" smtClean="0"/>
               <a:pPr/>
-              <a:t>13.11.2018</a:t>
+              <a:t>16.11.2018</a:t>
             </a:fld>
             <a:endParaRPr lang="de-DE"/>
           </a:p>
@@ -803,7 +1333,7 @@
             <a:fld id="{88A029B0-5F1E-49AE-B34E-4422E9571E26}" type="datetimeFigureOut">
               <a:rPr lang="de-DE" smtClean="0"/>
               <a:pPr/>
-              <a:t>13.11.2018</a:t>
+              <a:t>16.11.2018</a:t>
             </a:fld>
             <a:endParaRPr lang="de-DE"/>
           </a:p>
@@ -1046,7 +1576,7 @@
             <a:fld id="{88A029B0-5F1E-49AE-B34E-4422E9571E26}" type="datetimeFigureOut">
               <a:rPr lang="de-DE" smtClean="0"/>
               <a:pPr/>
-              <a:t>13.11.2018</a:t>
+              <a:t>16.11.2018</a:t>
             </a:fld>
             <a:endParaRPr lang="de-DE"/>
           </a:p>
@@ -1331,7 +1861,7 @@
             <a:fld id="{88A029B0-5F1E-49AE-B34E-4422E9571E26}" type="datetimeFigureOut">
               <a:rPr lang="de-DE" smtClean="0"/>
               <a:pPr/>
-              <a:t>13.11.2018</a:t>
+              <a:t>16.11.2018</a:t>
             </a:fld>
             <a:endParaRPr lang="de-DE"/>
           </a:p>
@@ -1750,7 +2280,7 @@
             <a:fld id="{88A029B0-5F1E-49AE-B34E-4422E9571E26}" type="datetimeFigureOut">
               <a:rPr lang="de-DE" smtClean="0"/>
               <a:pPr/>
-              <a:t>13.11.2018</a:t>
+              <a:t>16.11.2018</a:t>
             </a:fld>
             <a:endParaRPr lang="de-DE"/>
           </a:p>
@@ -1865,7 +2395,7 @@
             <a:fld id="{88A029B0-5F1E-49AE-B34E-4422E9571E26}" type="datetimeFigureOut">
               <a:rPr lang="de-DE" smtClean="0"/>
               <a:pPr/>
-              <a:t>13.11.2018</a:t>
+              <a:t>16.11.2018</a:t>
             </a:fld>
             <a:endParaRPr lang="de-DE"/>
           </a:p>
@@ -1957,7 +2487,7 @@
             <a:fld id="{88A029B0-5F1E-49AE-B34E-4422E9571E26}" type="datetimeFigureOut">
               <a:rPr lang="de-DE" smtClean="0"/>
               <a:pPr/>
-              <a:t>13.11.2018</a:t>
+              <a:t>16.11.2018</a:t>
             </a:fld>
             <a:endParaRPr lang="de-DE"/>
           </a:p>
@@ -2231,7 +2761,7 @@
             <a:fld id="{88A029B0-5F1E-49AE-B34E-4422E9571E26}" type="datetimeFigureOut">
               <a:rPr lang="de-DE" smtClean="0"/>
               <a:pPr/>
-              <a:t>13.11.2018</a:t>
+              <a:t>16.11.2018</a:t>
             </a:fld>
             <a:endParaRPr lang="de-DE"/>
           </a:p>
@@ -2481,7 +3011,7 @@
             <a:fld id="{88A029B0-5F1E-49AE-B34E-4422E9571E26}" type="datetimeFigureOut">
               <a:rPr lang="de-DE" smtClean="0"/>
               <a:pPr/>
-              <a:t>13.11.2018</a:t>
+              <a:t>16.11.2018</a:t>
             </a:fld>
             <a:endParaRPr lang="de-DE"/>
           </a:p>
@@ -2696,7 +3226,7 @@
             <a:fld id="{88A029B0-5F1E-49AE-B34E-4422E9571E26}" type="datetimeFigureOut">
               <a:rPr lang="de-DE" smtClean="0"/>
               <a:pPr/>
-              <a:t>13.11.2018</a:t>
+              <a:t>16.11.2018</a:t>
             </a:fld>
             <a:endParaRPr lang="de-DE"/>
           </a:p>
@@ -3069,139 +3599,14 @@
       </p:grpSpPr>
       <p:sp>
         <p:nvSpPr>
-          <p:cNvPr id="2" name="Rechteck 1"/>
+          <p:cNvPr id="9" name="Rechteck 8"/>
           <p:cNvSpPr/>
           <p:nvPr/>
         </p:nvSpPr>
         <p:spPr>
           <a:xfrm>
-            <a:off x="6357950" y="2714620"/>
-            <a:ext cx="2428892" cy="285752"/>
-          </a:xfrm>
-          <a:prstGeom prst="rect">
-            <a:avLst/>
-          </a:prstGeom>
-          <a:ln>
-            <a:solidFill>
-              <a:schemeClr val="tx1"/>
-            </a:solidFill>
-          </a:ln>
-        </p:spPr>
-        <p:style>
-          <a:lnRef idx="2">
-            <a:schemeClr val="dk1"/>
-          </a:lnRef>
-          <a:fillRef idx="1">
-            <a:schemeClr val="lt1"/>
-          </a:fillRef>
-          <a:effectRef idx="0">
-            <a:schemeClr val="dk1"/>
-          </a:effectRef>
-          <a:fontRef idx="minor">
-            <a:schemeClr val="dk1"/>
-          </a:fontRef>
-        </p:style>
-        <p:txBody>
-          <a:bodyPr rtlCol="0" anchor="ctr"/>
-          <a:lstStyle/>
-          <a:p>
-            <a:pPr algn="ctr"/>
-            <a:r>
-              <a:rPr lang="de-DE" dirty="0" smtClean="0"/>
-              <a:t>Benutzername</a:t>
-            </a:r>
-            <a:endParaRPr lang="de-DE" dirty="0"/>
-          </a:p>
-        </p:txBody>
-      </p:sp>
-      <p:sp>
-        <p:nvSpPr>
-          <p:cNvPr id="3" name="Rechteck 2"/>
-          <p:cNvSpPr/>
-          <p:nvPr/>
-        </p:nvSpPr>
-        <p:spPr>
-          <a:xfrm>
-            <a:off x="6357950" y="3357562"/>
-            <a:ext cx="2428892" cy="285752"/>
-          </a:xfrm>
-          <a:prstGeom prst="rect">
-            <a:avLst/>
-          </a:prstGeom>
-          <a:ln>
-            <a:solidFill>
-              <a:schemeClr val="tx1"/>
-            </a:solidFill>
-          </a:ln>
-        </p:spPr>
-        <p:style>
-          <a:lnRef idx="2">
-            <a:schemeClr val="dk1"/>
-          </a:lnRef>
-          <a:fillRef idx="1">
-            <a:schemeClr val="lt1"/>
-          </a:fillRef>
-          <a:effectRef idx="0">
-            <a:schemeClr val="dk1"/>
-          </a:effectRef>
-          <a:fontRef idx="minor">
-            <a:schemeClr val="dk1"/>
-          </a:fontRef>
-        </p:style>
-        <p:txBody>
-          <a:bodyPr rtlCol="0" anchor="ctr"/>
-          <a:lstStyle/>
-          <a:p>
-            <a:pPr algn="ctr"/>
-            <a:r>
-              <a:rPr lang="de-DE" dirty="0" smtClean="0"/>
-              <a:t>Passwort</a:t>
-            </a:r>
-            <a:endParaRPr lang="de-DE" dirty="0"/>
-          </a:p>
-        </p:txBody>
-      </p:sp>
-      <p:sp>
-        <p:nvSpPr>
-          <p:cNvPr id="4" name="Textfeld 3"/>
-          <p:cNvSpPr txBox="1"/>
-          <p:nvPr/>
-        </p:nvSpPr>
-        <p:spPr>
-          <a:xfrm>
-            <a:off x="2000232" y="642918"/>
-            <a:ext cx="4929222" cy="369332"/>
-          </a:xfrm>
-          <a:prstGeom prst="rect">
-            <a:avLst/>
-          </a:prstGeom>
-          <a:noFill/>
-        </p:spPr>
-        <p:txBody>
-          <a:bodyPr wrap="square" rtlCol="0">
-            <a:spAutoFit/>
-          </a:bodyPr>
-          <a:lstStyle/>
-          <a:p>
-            <a:pPr algn="ctr"/>
-            <a:r>
-              <a:rPr lang="de-DE" dirty="0" smtClean="0"/>
-              <a:t>Anmeldemaske</a:t>
-            </a:r>
-            <a:endParaRPr lang="de-DE" dirty="0"/>
-          </a:p>
-        </p:txBody>
-      </p:sp>
-      <p:sp>
-        <p:nvSpPr>
-          <p:cNvPr id="5" name="Rechteck 4"/>
-          <p:cNvSpPr/>
-          <p:nvPr/>
-        </p:nvSpPr>
-        <p:spPr>
-          <a:xfrm>
-            <a:off x="428596" y="1857364"/>
-            <a:ext cx="5715040" cy="2857520"/>
+            <a:off x="6012160" y="1267620"/>
+            <a:ext cx="2808312" cy="1873348"/>
           </a:xfrm>
           <a:prstGeom prst="rect">
             <a:avLst/>
@@ -3226,15 +3631,1085 @@
           <a:lstStyle/>
           <a:p>
             <a:pPr algn="ctr"/>
+            <a:endParaRPr lang="de-DE" dirty="0" smtClean="0">
+              <a:solidFill>
+                <a:schemeClr val="bg1">
+                  <a:lumMod val="65000"/>
+                </a:schemeClr>
+              </a:solidFill>
+            </a:endParaRPr>
+          </a:p>
+          <a:p>
+            <a:pPr algn="ctr"/>
+            <a:r>
+              <a:rPr lang="de-DE" dirty="0" smtClean="0">
+                <a:solidFill>
+                  <a:schemeClr val="bg1">
+                    <a:lumMod val="65000"/>
+                  </a:schemeClr>
+                </a:solidFill>
+              </a:rPr>
+              <a:t>GSO </a:t>
+            </a:r>
+            <a:r>
+              <a:rPr lang="de-DE" dirty="0" smtClean="0">
+                <a:solidFill>
+                  <a:schemeClr val="bg1">
+                    <a:lumMod val="65000"/>
+                  </a:schemeClr>
+                </a:solidFill>
+              </a:rPr>
+              <a:t>Design</a:t>
+            </a:r>
+            <a:endParaRPr lang="de-DE" dirty="0">
+              <a:solidFill>
+                <a:schemeClr val="bg1">
+                  <a:lumMod val="65000"/>
+                </a:schemeClr>
+              </a:solidFill>
+            </a:endParaRPr>
+          </a:p>
+        </p:txBody>
+      </p:sp>
+      <p:sp>
+        <p:nvSpPr>
+          <p:cNvPr id="3" name="Rechteck 2"/>
+          <p:cNvSpPr/>
+          <p:nvPr/>
+        </p:nvSpPr>
+        <p:spPr>
+          <a:xfrm>
+            <a:off x="395536" y="1267620"/>
+            <a:ext cx="5355000" cy="2857520"/>
+          </a:xfrm>
+          <a:prstGeom prst="rect">
+            <a:avLst/>
+          </a:prstGeom>
+        </p:spPr>
+        <p:style>
+          <a:lnRef idx="2">
+            <a:schemeClr val="accent6"/>
+          </a:lnRef>
+          <a:fillRef idx="1">
+            <a:schemeClr val="lt1"/>
+          </a:fillRef>
+          <a:effectRef idx="0">
+            <a:schemeClr val="accent6"/>
+          </a:effectRef>
+          <a:fontRef idx="minor">
+            <a:schemeClr val="dk1"/>
+          </a:fontRef>
+        </p:style>
+        <p:txBody>
+          <a:bodyPr rtlCol="0" anchor="ctr"/>
+          <a:lstStyle/>
+          <a:p>
+            <a:pPr algn="ctr"/>
+            <a:r>
+              <a:rPr lang="de-DE" dirty="0" smtClean="0">
+                <a:solidFill>
+                  <a:schemeClr val="bg1">
+                    <a:lumMod val="65000"/>
+                  </a:schemeClr>
+                </a:solidFill>
+              </a:rPr>
+              <a:t>GSO </a:t>
+            </a:r>
+            <a:r>
+              <a:rPr lang="de-DE" dirty="0" smtClean="0">
+                <a:solidFill>
+                  <a:schemeClr val="bg1">
+                    <a:lumMod val="65000"/>
+                  </a:schemeClr>
+                </a:solidFill>
+              </a:rPr>
+              <a:t>Bild</a:t>
+            </a:r>
+            <a:endParaRPr lang="de-DE" dirty="0">
+              <a:solidFill>
+                <a:schemeClr val="bg1">
+                  <a:lumMod val="65000"/>
+                </a:schemeClr>
+              </a:solidFill>
+            </a:endParaRPr>
+          </a:p>
+        </p:txBody>
+      </p:sp>
+      <p:sp>
+        <p:nvSpPr>
+          <p:cNvPr id="4" name="Rechteck 3"/>
+          <p:cNvSpPr/>
+          <p:nvPr/>
+        </p:nvSpPr>
+        <p:spPr>
+          <a:xfrm>
+            <a:off x="6180888" y="1410496"/>
+            <a:ext cx="2428892" cy="285752"/>
+          </a:xfrm>
+          <a:prstGeom prst="rect">
+            <a:avLst/>
+          </a:prstGeom>
+          <a:ln>
+            <a:solidFill>
+              <a:schemeClr val="tx1"/>
+            </a:solidFill>
+          </a:ln>
+        </p:spPr>
+        <p:style>
+          <a:lnRef idx="2">
+            <a:schemeClr val="dk1"/>
+          </a:lnRef>
+          <a:fillRef idx="1">
+            <a:schemeClr val="lt1"/>
+          </a:fillRef>
+          <a:effectRef idx="0">
+            <a:schemeClr val="dk1"/>
+          </a:effectRef>
+          <a:fontRef idx="minor">
+            <a:schemeClr val="dk1"/>
+          </a:fontRef>
+        </p:style>
+        <p:txBody>
+          <a:bodyPr rtlCol="0" anchor="ctr"/>
+          <a:lstStyle/>
+          <a:p>
+            <a:pPr algn="ctr"/>
             <a:r>
               <a:rPr lang="de-DE" dirty="0" smtClean="0"/>
+              <a:t>Benutzername</a:t>
+            </a:r>
+            <a:endParaRPr lang="de-DE" dirty="0"/>
+          </a:p>
+        </p:txBody>
+      </p:sp>
+      <p:sp>
+        <p:nvSpPr>
+          <p:cNvPr id="5" name="Rechteck 4"/>
+          <p:cNvSpPr/>
+          <p:nvPr/>
+        </p:nvSpPr>
+        <p:spPr>
+          <a:xfrm>
+            <a:off x="6180888" y="1827808"/>
+            <a:ext cx="2428892" cy="285752"/>
+          </a:xfrm>
+          <a:prstGeom prst="rect">
+            <a:avLst/>
+          </a:prstGeom>
+          <a:ln>
+            <a:solidFill>
+              <a:schemeClr val="tx1"/>
+            </a:solidFill>
+          </a:ln>
+        </p:spPr>
+        <p:style>
+          <a:lnRef idx="2">
+            <a:schemeClr val="dk1"/>
+          </a:lnRef>
+          <a:fillRef idx="1">
+            <a:schemeClr val="lt1"/>
+          </a:fillRef>
+          <a:effectRef idx="0">
+            <a:schemeClr val="dk1"/>
+          </a:effectRef>
+          <a:fontRef idx="minor">
+            <a:schemeClr val="dk1"/>
+          </a:fontRef>
+        </p:style>
+        <p:txBody>
+          <a:bodyPr rtlCol="0" anchor="ctr"/>
+          <a:lstStyle/>
+          <a:p>
+            <a:pPr algn="ctr"/>
+            <a:r>
+              <a:rPr lang="de-DE" dirty="0" smtClean="0"/>
+              <a:t>Passwort</a:t>
+            </a:r>
+            <a:endParaRPr lang="de-DE" dirty="0"/>
+          </a:p>
+        </p:txBody>
+      </p:sp>
+      <p:sp>
+        <p:nvSpPr>
+          <p:cNvPr id="6" name="Rechteck 5"/>
+          <p:cNvSpPr/>
+          <p:nvPr/>
+        </p:nvSpPr>
+        <p:spPr>
+          <a:xfrm>
+            <a:off x="0" y="0"/>
+            <a:ext cx="2195736" cy="764704"/>
+          </a:xfrm>
+          <a:prstGeom prst="rect">
+            <a:avLst/>
+          </a:prstGeom>
+        </p:spPr>
+        <p:style>
+          <a:lnRef idx="2">
+            <a:schemeClr val="accent6"/>
+          </a:lnRef>
+          <a:fillRef idx="1">
+            <a:schemeClr val="lt1"/>
+          </a:fillRef>
+          <a:effectRef idx="0">
+            <a:schemeClr val="accent6"/>
+          </a:effectRef>
+          <a:fontRef idx="minor">
+            <a:schemeClr val="dk1"/>
+          </a:fontRef>
+        </p:style>
+        <p:txBody>
+          <a:bodyPr rtlCol="0" anchor="ctr"/>
+          <a:lstStyle/>
+          <a:p>
+            <a:pPr algn="ctr"/>
+            <a:r>
+              <a:rPr lang="de-DE" dirty="0" smtClean="0">
+                <a:solidFill>
+                  <a:schemeClr val="bg1">
+                    <a:lumMod val="65000"/>
+                  </a:schemeClr>
+                </a:solidFill>
+              </a:rPr>
+              <a:t>GSO </a:t>
+            </a:r>
+            <a:r>
+              <a:rPr lang="de-DE" dirty="0" smtClean="0">
+                <a:solidFill>
+                  <a:schemeClr val="bg1">
+                    <a:lumMod val="65000"/>
+                  </a:schemeClr>
+                </a:solidFill>
+              </a:rPr>
+              <a:t>Logo</a:t>
+            </a:r>
+            <a:endParaRPr lang="de-DE" dirty="0">
+              <a:solidFill>
+                <a:schemeClr val="bg1">
+                  <a:lumMod val="65000"/>
+                </a:schemeClr>
+              </a:solidFill>
+            </a:endParaRPr>
+          </a:p>
+        </p:txBody>
+      </p:sp>
+      <p:sp>
+        <p:nvSpPr>
+          <p:cNvPr id="7" name="Rechteck 6"/>
+          <p:cNvSpPr/>
+          <p:nvPr/>
+        </p:nvSpPr>
+        <p:spPr>
+          <a:xfrm>
+            <a:off x="6180888" y="2571744"/>
+            <a:ext cx="1571636" cy="428628"/>
+          </a:xfrm>
+          <a:prstGeom prst="rect">
+            <a:avLst/>
+          </a:prstGeom>
+        </p:spPr>
+        <p:style>
+          <a:lnRef idx="1">
+            <a:schemeClr val="dk1"/>
+          </a:lnRef>
+          <a:fillRef idx="2">
+            <a:schemeClr val="dk1"/>
+          </a:fillRef>
+          <a:effectRef idx="1">
+            <a:schemeClr val="dk1"/>
+          </a:effectRef>
+          <a:fontRef idx="minor">
+            <a:schemeClr val="dk1"/>
+          </a:fontRef>
+        </p:style>
+        <p:txBody>
+          <a:bodyPr rtlCol="0" anchor="ctr"/>
+          <a:lstStyle/>
+          <a:p>
+            <a:pPr algn="ctr"/>
+            <a:r>
+              <a:rPr lang="de-DE" dirty="0" smtClean="0"/>
+              <a:t>Anmelden</a:t>
+            </a:r>
+            <a:endParaRPr lang="de-DE" dirty="0"/>
+          </a:p>
+        </p:txBody>
+      </p:sp>
+      <p:sp>
+        <p:nvSpPr>
+          <p:cNvPr id="8" name="Rechteck 7"/>
+          <p:cNvSpPr/>
+          <p:nvPr/>
+        </p:nvSpPr>
+        <p:spPr>
+          <a:xfrm>
+            <a:off x="7020272" y="3982264"/>
+            <a:ext cx="1805532" cy="2687096"/>
+          </a:xfrm>
+          <a:prstGeom prst="rect">
+            <a:avLst/>
+          </a:prstGeom>
+        </p:spPr>
+        <p:style>
+          <a:lnRef idx="2">
+            <a:schemeClr val="accent6"/>
+          </a:lnRef>
+          <a:fillRef idx="1">
+            <a:schemeClr val="lt1"/>
+          </a:fillRef>
+          <a:effectRef idx="0">
+            <a:schemeClr val="accent6"/>
+          </a:effectRef>
+          <a:fontRef idx="minor">
+            <a:schemeClr val="dk1"/>
+          </a:fontRef>
+        </p:style>
+        <p:txBody>
+          <a:bodyPr rtlCol="0" anchor="ctr"/>
+          <a:lstStyle/>
+          <a:p>
+            <a:pPr algn="ctr"/>
+            <a:r>
+              <a:rPr lang="de-DE" dirty="0" smtClean="0"/>
+              <a:t>Protokolltool</a:t>
+            </a:r>
+          </a:p>
+          <a:p>
+            <a:pPr algn="ctr"/>
+            <a:endParaRPr lang="de-DE" dirty="0" smtClean="0"/>
+          </a:p>
+          <a:p>
+            <a:pPr algn="ctr"/>
+            <a:r>
+              <a:rPr lang="de-DE" dirty="0" smtClean="0"/>
+              <a:t>Made </a:t>
+            </a:r>
+            <a:r>
+              <a:rPr lang="de-DE" dirty="0" err="1" smtClean="0"/>
+              <a:t>with</a:t>
+            </a:r>
+            <a:r>
+              <a:rPr lang="de-DE" dirty="0" smtClean="0"/>
+              <a:t> ♥ </a:t>
+            </a:r>
+            <a:r>
+              <a:rPr lang="de-DE" dirty="0" err="1" smtClean="0"/>
+              <a:t>by</a:t>
+            </a:r>
+            <a:r>
+              <a:rPr lang="de-DE" dirty="0" smtClean="0"/>
+              <a:t>:</a:t>
+            </a:r>
+          </a:p>
+          <a:p>
+            <a:pPr algn="ctr"/>
+            <a:r>
+              <a:rPr lang="de-DE" dirty="0" smtClean="0">
+                <a:solidFill>
+                  <a:schemeClr val="bg1">
+                    <a:lumMod val="65000"/>
+                  </a:schemeClr>
+                </a:solidFill>
+              </a:rPr>
               <a:t>GSO Design</a:t>
             </a:r>
+            <a:endParaRPr lang="de-DE" dirty="0">
+              <a:solidFill>
+                <a:schemeClr val="bg1">
+                  <a:lumMod val="65000"/>
+                </a:schemeClr>
+              </a:solidFill>
+            </a:endParaRPr>
+          </a:p>
+          <a:p>
+            <a:r>
+              <a:rPr lang="de-DE" dirty="0" smtClean="0"/>
+              <a:t>• MCGD</a:t>
+            </a:r>
+          </a:p>
+          <a:p>
+            <a:r>
+              <a:rPr lang="de-DE" dirty="0" smtClean="0"/>
+              <a:t>• </a:t>
+            </a:r>
+            <a:r>
+              <a:rPr lang="de-DE" dirty="0" err="1" smtClean="0"/>
+              <a:t>newKid</a:t>
+            </a:r>
+            <a:endParaRPr lang="de-DE" dirty="0" smtClean="0"/>
+          </a:p>
+          <a:p>
+            <a:r>
+              <a:rPr lang="de-DE" dirty="0" smtClean="0"/>
+              <a:t>• Detlef</a:t>
+            </a:r>
+          </a:p>
+          <a:p>
+            <a:r>
+              <a:rPr lang="de-DE" dirty="0" smtClean="0"/>
+              <a:t>• </a:t>
+            </a:r>
+            <a:r>
+              <a:rPr lang="de-DE" dirty="0" err="1" smtClean="0"/>
+              <a:t>Gollnick</a:t>
+            </a:r>
             <a:endParaRPr lang="de-DE" dirty="0"/>
           </a:p>
         </p:txBody>
       </p:sp>
+      <p:sp>
+        <p:nvSpPr>
+          <p:cNvPr id="10" name="Rechteck 9"/>
+          <p:cNvSpPr/>
+          <p:nvPr/>
+        </p:nvSpPr>
+        <p:spPr>
+          <a:xfrm>
+            <a:off x="395536" y="4293096"/>
+            <a:ext cx="6264696" cy="2281456"/>
+          </a:xfrm>
+          <a:prstGeom prst="rect">
+            <a:avLst/>
+          </a:prstGeom>
+        </p:spPr>
+        <p:style>
+          <a:lnRef idx="2">
+            <a:schemeClr val="accent6"/>
+          </a:lnRef>
+          <a:fillRef idx="1">
+            <a:schemeClr val="lt1"/>
+          </a:fillRef>
+          <a:effectRef idx="0">
+            <a:schemeClr val="accent6"/>
+          </a:effectRef>
+          <a:fontRef idx="minor">
+            <a:schemeClr val="dk1"/>
+          </a:fontRef>
+        </p:style>
+        <p:txBody>
+          <a:bodyPr rtlCol="0" anchor="ctr"/>
+          <a:lstStyle/>
+          <a:p>
+            <a:pPr algn="ctr"/>
+            <a:r>
+              <a:rPr lang="de-DE" dirty="0" smtClean="0">
+                <a:solidFill>
+                  <a:schemeClr val="bg1">
+                    <a:lumMod val="65000"/>
+                  </a:schemeClr>
+                </a:solidFill>
+              </a:rPr>
+              <a:t>Liste von Beschlüssen</a:t>
+            </a:r>
+            <a:endParaRPr lang="de-DE" dirty="0">
+              <a:solidFill>
+                <a:schemeClr val="bg1">
+                  <a:lumMod val="65000"/>
+                </a:schemeClr>
+              </a:solidFill>
+            </a:endParaRPr>
+          </a:p>
+        </p:txBody>
+      </p:sp>
+      <p:sp>
+        <p:nvSpPr>
+          <p:cNvPr id="13" name="Rechteck 12"/>
+          <p:cNvSpPr/>
+          <p:nvPr/>
+        </p:nvSpPr>
+        <p:spPr>
+          <a:xfrm>
+            <a:off x="395536" y="4293096"/>
+            <a:ext cx="1296144" cy="429022"/>
+          </a:xfrm>
+          <a:prstGeom prst="rect">
+            <a:avLst/>
+          </a:prstGeom>
+        </p:spPr>
+        <p:style>
+          <a:lnRef idx="1">
+            <a:schemeClr val="accent1"/>
+          </a:lnRef>
+          <a:fillRef idx="2">
+            <a:schemeClr val="accent1"/>
+          </a:fillRef>
+          <a:effectRef idx="1">
+            <a:schemeClr val="accent1"/>
+          </a:effectRef>
+          <a:fontRef idx="minor">
+            <a:schemeClr val="dk1"/>
+          </a:fontRef>
+        </p:style>
+        <p:txBody>
+          <a:bodyPr rtlCol="0" anchor="ctr"/>
+          <a:lstStyle/>
+          <a:p>
+            <a:pPr algn="ctr"/>
+            <a:r>
+              <a:rPr lang="de-DE" sz="1600" dirty="0" smtClean="0"/>
+              <a:t>TOP</a:t>
+            </a:r>
+            <a:endParaRPr lang="de-DE" sz="1600" dirty="0"/>
+          </a:p>
+        </p:txBody>
+      </p:sp>
+      <p:sp>
+        <p:nvSpPr>
+          <p:cNvPr id="15" name="Rechteck 14"/>
+          <p:cNvSpPr/>
+          <p:nvPr/>
+        </p:nvSpPr>
+        <p:spPr>
+          <a:xfrm>
+            <a:off x="1691680" y="4293096"/>
+            <a:ext cx="3240360" cy="429022"/>
+          </a:xfrm>
+          <a:prstGeom prst="rect">
+            <a:avLst/>
+          </a:prstGeom>
+        </p:spPr>
+        <p:style>
+          <a:lnRef idx="1">
+            <a:schemeClr val="accent1"/>
+          </a:lnRef>
+          <a:fillRef idx="2">
+            <a:schemeClr val="accent1"/>
+          </a:fillRef>
+          <a:effectRef idx="1">
+            <a:schemeClr val="accent1"/>
+          </a:effectRef>
+          <a:fontRef idx="minor">
+            <a:schemeClr val="dk1"/>
+          </a:fontRef>
+        </p:style>
+        <p:txBody>
+          <a:bodyPr rtlCol="0" anchor="ctr"/>
+          <a:lstStyle/>
+          <a:p>
+            <a:pPr algn="ctr"/>
+            <a:r>
+              <a:rPr lang="de-DE" sz="1600" dirty="0" smtClean="0"/>
+              <a:t>Beschluss</a:t>
+            </a:r>
+            <a:endParaRPr lang="de-DE" sz="1600" dirty="0"/>
+          </a:p>
+        </p:txBody>
+      </p:sp>
+      <p:sp>
+        <p:nvSpPr>
+          <p:cNvPr id="16" name="Rechteck 15"/>
+          <p:cNvSpPr/>
+          <p:nvPr/>
+        </p:nvSpPr>
+        <p:spPr>
+          <a:xfrm>
+            <a:off x="4932040" y="4293096"/>
+            <a:ext cx="579974" cy="427509"/>
+          </a:xfrm>
+          <a:prstGeom prst="rect">
+            <a:avLst/>
+          </a:prstGeom>
+        </p:spPr>
+        <p:style>
+          <a:lnRef idx="1">
+            <a:schemeClr val="accent1"/>
+          </a:lnRef>
+          <a:fillRef idx="2">
+            <a:schemeClr val="accent1"/>
+          </a:fillRef>
+          <a:effectRef idx="1">
+            <a:schemeClr val="accent1"/>
+          </a:effectRef>
+          <a:fontRef idx="minor">
+            <a:schemeClr val="dk1"/>
+          </a:fontRef>
+        </p:style>
+        <p:txBody>
+          <a:bodyPr rtlCol="0" anchor="ctr"/>
+          <a:lstStyle/>
+          <a:p>
+            <a:pPr algn="ctr"/>
+            <a:r>
+              <a:rPr lang="de-DE" sz="1600" dirty="0" smtClean="0"/>
+              <a:t>+</a:t>
+            </a:r>
+            <a:endParaRPr lang="de-DE" sz="1600" dirty="0"/>
+          </a:p>
+        </p:txBody>
+      </p:sp>
+      <p:sp>
+        <p:nvSpPr>
+          <p:cNvPr id="17" name="Rechteck 16"/>
+          <p:cNvSpPr/>
+          <p:nvPr/>
+        </p:nvSpPr>
+        <p:spPr>
+          <a:xfrm>
+            <a:off x="5504194" y="4291583"/>
+            <a:ext cx="579974" cy="429022"/>
+          </a:xfrm>
+          <a:prstGeom prst="rect">
+            <a:avLst/>
+          </a:prstGeom>
+        </p:spPr>
+        <p:style>
+          <a:lnRef idx="1">
+            <a:schemeClr val="accent1"/>
+          </a:lnRef>
+          <a:fillRef idx="2">
+            <a:schemeClr val="accent1"/>
+          </a:fillRef>
+          <a:effectRef idx="1">
+            <a:schemeClr val="accent1"/>
+          </a:effectRef>
+          <a:fontRef idx="minor">
+            <a:schemeClr val="dk1"/>
+          </a:fontRef>
+        </p:style>
+        <p:txBody>
+          <a:bodyPr rtlCol="0" anchor="ctr"/>
+          <a:lstStyle/>
+          <a:p>
+            <a:pPr algn="ctr"/>
+            <a:r>
+              <a:rPr lang="de-DE" sz="1600" dirty="0" smtClean="0"/>
+              <a:t>-</a:t>
+            </a:r>
+            <a:endParaRPr lang="de-DE" sz="1600" dirty="0"/>
+          </a:p>
+        </p:txBody>
+      </p:sp>
+      <p:sp>
+        <p:nvSpPr>
+          <p:cNvPr id="18" name="Rechteck 17"/>
+          <p:cNvSpPr/>
+          <p:nvPr/>
+        </p:nvSpPr>
+        <p:spPr>
+          <a:xfrm>
+            <a:off x="6084168" y="4293096"/>
+            <a:ext cx="570027" cy="429022"/>
+          </a:xfrm>
+          <a:prstGeom prst="rect">
+            <a:avLst/>
+          </a:prstGeom>
+        </p:spPr>
+        <p:style>
+          <a:lnRef idx="1">
+            <a:schemeClr val="accent1"/>
+          </a:lnRef>
+          <a:fillRef idx="2">
+            <a:schemeClr val="accent1"/>
+          </a:fillRef>
+          <a:effectRef idx="1">
+            <a:schemeClr val="accent1"/>
+          </a:effectRef>
+          <a:fontRef idx="minor">
+            <a:schemeClr val="dk1"/>
+          </a:fontRef>
+        </p:style>
+        <p:txBody>
+          <a:bodyPr rtlCol="0" anchor="ctr"/>
+          <a:lstStyle/>
+          <a:p>
+            <a:pPr algn="ctr"/>
+            <a:r>
+              <a:rPr lang="de-DE" sz="1600" dirty="0" smtClean="0"/>
+              <a:t>o</a:t>
+            </a:r>
+            <a:endParaRPr lang="de-DE" sz="1600" dirty="0"/>
+          </a:p>
+        </p:txBody>
+      </p:sp>
+      <p:sp>
+        <p:nvSpPr>
+          <p:cNvPr id="19" name="Rechteck 18"/>
+          <p:cNvSpPr/>
+          <p:nvPr/>
+        </p:nvSpPr>
+        <p:spPr>
+          <a:xfrm>
+            <a:off x="395536" y="4722118"/>
+            <a:ext cx="1296144" cy="321471"/>
+          </a:xfrm>
+          <a:prstGeom prst="rect">
+            <a:avLst/>
+          </a:prstGeom>
+          <a:ln>
+            <a:solidFill>
+              <a:schemeClr val="bg1">
+                <a:lumMod val="50000"/>
+              </a:schemeClr>
+            </a:solidFill>
+          </a:ln>
+        </p:spPr>
+        <p:style>
+          <a:lnRef idx="2">
+            <a:schemeClr val="dk1"/>
+          </a:lnRef>
+          <a:fillRef idx="1">
+            <a:schemeClr val="lt1"/>
+          </a:fillRef>
+          <a:effectRef idx="0">
+            <a:schemeClr val="dk1"/>
+          </a:effectRef>
+          <a:fontRef idx="minor">
+            <a:schemeClr val="dk1"/>
+          </a:fontRef>
+        </p:style>
+        <p:txBody>
+          <a:bodyPr rtlCol="0" anchor="ctr"/>
+          <a:lstStyle/>
+          <a:p>
+            <a:pPr algn="ctr"/>
+            <a:r>
+              <a:rPr lang="de-DE" sz="1600" dirty="0" smtClean="0"/>
+              <a:t>Schuluniform</a:t>
+            </a:r>
+            <a:endParaRPr lang="de-DE" sz="1600" dirty="0"/>
+          </a:p>
+        </p:txBody>
+      </p:sp>
+      <p:sp>
+        <p:nvSpPr>
+          <p:cNvPr id="20" name="Rechteck 19"/>
+          <p:cNvSpPr/>
+          <p:nvPr/>
+        </p:nvSpPr>
+        <p:spPr>
+          <a:xfrm>
+            <a:off x="1691680" y="4722118"/>
+            <a:ext cx="3240360" cy="321471"/>
+          </a:xfrm>
+          <a:prstGeom prst="rect">
+            <a:avLst/>
+          </a:prstGeom>
+          <a:ln>
+            <a:solidFill>
+              <a:schemeClr val="bg1">
+                <a:lumMod val="50000"/>
+              </a:schemeClr>
+            </a:solidFill>
+          </a:ln>
+        </p:spPr>
+        <p:style>
+          <a:lnRef idx="2">
+            <a:schemeClr val="dk1"/>
+          </a:lnRef>
+          <a:fillRef idx="1">
+            <a:schemeClr val="lt1"/>
+          </a:fillRef>
+          <a:effectRef idx="0">
+            <a:schemeClr val="dk1"/>
+          </a:effectRef>
+          <a:fontRef idx="minor">
+            <a:schemeClr val="dk1"/>
+          </a:fontRef>
+        </p:style>
+        <p:txBody>
+          <a:bodyPr rtlCol="0" anchor="ctr"/>
+          <a:lstStyle/>
+          <a:p>
+            <a:pPr algn="ctr"/>
+            <a:r>
+              <a:rPr lang="de-DE" sz="1600" dirty="0" smtClean="0"/>
+              <a:t>Schüler sollen Schuluniform tragen</a:t>
+            </a:r>
+            <a:endParaRPr lang="de-DE" sz="1600" dirty="0"/>
+          </a:p>
+        </p:txBody>
+      </p:sp>
+      <p:sp>
+        <p:nvSpPr>
+          <p:cNvPr id="21" name="Rechteck 20"/>
+          <p:cNvSpPr/>
+          <p:nvPr/>
+        </p:nvSpPr>
+        <p:spPr>
+          <a:xfrm>
+            <a:off x="4941987" y="4723455"/>
+            <a:ext cx="570027" cy="321471"/>
+          </a:xfrm>
+          <a:prstGeom prst="rect">
+            <a:avLst/>
+          </a:prstGeom>
+          <a:ln>
+            <a:solidFill>
+              <a:schemeClr val="bg1">
+                <a:lumMod val="50000"/>
+              </a:schemeClr>
+            </a:solidFill>
+          </a:ln>
+        </p:spPr>
+        <p:style>
+          <a:lnRef idx="2">
+            <a:schemeClr val="dk1"/>
+          </a:lnRef>
+          <a:fillRef idx="1">
+            <a:schemeClr val="lt1"/>
+          </a:fillRef>
+          <a:effectRef idx="0">
+            <a:schemeClr val="dk1"/>
+          </a:effectRef>
+          <a:fontRef idx="minor">
+            <a:schemeClr val="dk1"/>
+          </a:fontRef>
+        </p:style>
+        <p:txBody>
+          <a:bodyPr rtlCol="0" anchor="ctr"/>
+          <a:lstStyle/>
+          <a:p>
+            <a:pPr algn="ctr"/>
+            <a:r>
+              <a:rPr lang="de-DE" sz="1600" dirty="0" smtClean="0"/>
+              <a:t>3</a:t>
+            </a:r>
+            <a:endParaRPr lang="de-DE" sz="1600" dirty="0"/>
+          </a:p>
+        </p:txBody>
+      </p:sp>
+      <p:sp>
+        <p:nvSpPr>
+          <p:cNvPr id="22" name="Rechteck 21"/>
+          <p:cNvSpPr/>
+          <p:nvPr/>
+        </p:nvSpPr>
+        <p:spPr>
+          <a:xfrm>
+            <a:off x="5514141" y="4723455"/>
+            <a:ext cx="570027" cy="321471"/>
+          </a:xfrm>
+          <a:prstGeom prst="rect">
+            <a:avLst/>
+          </a:prstGeom>
+          <a:ln>
+            <a:solidFill>
+              <a:schemeClr val="bg1">
+                <a:lumMod val="50000"/>
+              </a:schemeClr>
+            </a:solidFill>
+          </a:ln>
+        </p:spPr>
+        <p:style>
+          <a:lnRef idx="2">
+            <a:schemeClr val="dk1"/>
+          </a:lnRef>
+          <a:fillRef idx="1">
+            <a:schemeClr val="lt1"/>
+          </a:fillRef>
+          <a:effectRef idx="0">
+            <a:schemeClr val="dk1"/>
+          </a:effectRef>
+          <a:fontRef idx="minor">
+            <a:schemeClr val="dk1"/>
+          </a:fontRef>
+        </p:style>
+        <p:txBody>
+          <a:bodyPr rtlCol="0" anchor="ctr"/>
+          <a:lstStyle/>
+          <a:p>
+            <a:pPr algn="ctr"/>
+            <a:r>
+              <a:rPr lang="de-DE" sz="1600" dirty="0" smtClean="0"/>
+              <a:t>14</a:t>
+            </a:r>
+            <a:endParaRPr lang="de-DE" sz="1600" dirty="0"/>
+          </a:p>
+        </p:txBody>
+      </p:sp>
+      <p:sp>
+        <p:nvSpPr>
+          <p:cNvPr id="23" name="Rechteck 22"/>
+          <p:cNvSpPr/>
+          <p:nvPr/>
+        </p:nvSpPr>
+        <p:spPr>
+          <a:xfrm>
+            <a:off x="6084168" y="4723455"/>
+            <a:ext cx="570027" cy="321471"/>
+          </a:xfrm>
+          <a:prstGeom prst="rect">
+            <a:avLst/>
+          </a:prstGeom>
+          <a:ln>
+            <a:solidFill>
+              <a:schemeClr val="bg1">
+                <a:lumMod val="50000"/>
+              </a:schemeClr>
+            </a:solidFill>
+          </a:ln>
+        </p:spPr>
+        <p:style>
+          <a:lnRef idx="2">
+            <a:schemeClr val="dk1"/>
+          </a:lnRef>
+          <a:fillRef idx="1">
+            <a:schemeClr val="lt1"/>
+          </a:fillRef>
+          <a:effectRef idx="0">
+            <a:schemeClr val="dk1"/>
+          </a:effectRef>
+          <a:fontRef idx="minor">
+            <a:schemeClr val="dk1"/>
+          </a:fontRef>
+        </p:style>
+        <p:txBody>
+          <a:bodyPr rtlCol="0" anchor="ctr"/>
+          <a:lstStyle/>
+          <a:p>
+            <a:pPr algn="ctr"/>
+            <a:r>
+              <a:rPr lang="de-DE" sz="1600" dirty="0" smtClean="0"/>
+              <a:t>6</a:t>
+            </a:r>
+            <a:endParaRPr lang="de-DE" sz="1600" dirty="0"/>
+          </a:p>
+        </p:txBody>
+      </p:sp>
+      <p:sp>
+        <p:nvSpPr>
+          <p:cNvPr id="24" name="Rechteck 23"/>
+          <p:cNvSpPr/>
+          <p:nvPr/>
+        </p:nvSpPr>
+        <p:spPr>
+          <a:xfrm>
+            <a:off x="32420" y="872183"/>
+            <a:ext cx="5718116" cy="296416"/>
+          </a:xfrm>
+          <a:prstGeom prst="rect">
+            <a:avLst/>
+          </a:prstGeom>
+        </p:spPr>
+        <p:style>
+          <a:lnRef idx="2">
+            <a:schemeClr val="accent6"/>
+          </a:lnRef>
+          <a:fillRef idx="1">
+            <a:schemeClr val="lt1"/>
+          </a:fillRef>
+          <a:effectRef idx="0">
+            <a:schemeClr val="accent6"/>
+          </a:effectRef>
+          <a:fontRef idx="minor">
+            <a:schemeClr val="dk1"/>
+          </a:fontRef>
+        </p:style>
+        <p:txBody>
+          <a:bodyPr rtlCol="0" anchor="ctr"/>
+          <a:lstStyle/>
+          <a:p>
+            <a:pPr algn="r"/>
+            <a:r>
+              <a:rPr lang="de-DE" dirty="0" smtClean="0">
+                <a:solidFill>
+                  <a:schemeClr val="bg1">
+                    <a:lumMod val="65000"/>
+                  </a:schemeClr>
+                </a:solidFill>
+              </a:rPr>
+              <a:t>Menüleiste</a:t>
+            </a:r>
+            <a:endParaRPr lang="de-DE" dirty="0">
+              <a:solidFill>
+                <a:schemeClr val="bg1">
+                  <a:lumMod val="65000"/>
+                </a:schemeClr>
+              </a:solidFill>
+            </a:endParaRPr>
+          </a:p>
+        </p:txBody>
+      </p:sp>
+      <p:sp>
+        <p:nvSpPr>
+          <p:cNvPr id="25" name="Rechteck 24"/>
+          <p:cNvSpPr/>
+          <p:nvPr/>
+        </p:nvSpPr>
+        <p:spPr>
+          <a:xfrm>
+            <a:off x="1691680" y="889440"/>
+            <a:ext cx="1496552" cy="267072"/>
+          </a:xfrm>
+          <a:prstGeom prst="rect">
+            <a:avLst/>
+          </a:prstGeom>
+        </p:spPr>
+        <p:style>
+          <a:lnRef idx="1">
+            <a:schemeClr val="dk1"/>
+          </a:lnRef>
+          <a:fillRef idx="2">
+            <a:schemeClr val="dk1"/>
+          </a:fillRef>
+          <a:effectRef idx="1">
+            <a:schemeClr val="dk1"/>
+          </a:effectRef>
+          <a:fontRef idx="minor">
+            <a:schemeClr val="dk1"/>
+          </a:fontRef>
+        </p:style>
+        <p:txBody>
+          <a:bodyPr rtlCol="0" anchor="ctr"/>
+          <a:lstStyle/>
+          <a:p>
+            <a:pPr algn="ctr"/>
+            <a:r>
+              <a:rPr lang="de-DE" dirty="0" smtClean="0"/>
+              <a:t>Admintools</a:t>
+            </a:r>
+            <a:endParaRPr lang="de-DE" dirty="0"/>
+          </a:p>
+        </p:txBody>
+      </p:sp>
+      <p:sp>
+        <p:nvSpPr>
+          <p:cNvPr id="26" name="Rechteck 25"/>
+          <p:cNvSpPr/>
+          <p:nvPr/>
+        </p:nvSpPr>
+        <p:spPr>
+          <a:xfrm>
+            <a:off x="42732" y="884270"/>
+            <a:ext cx="1648948" cy="272242"/>
+          </a:xfrm>
+          <a:prstGeom prst="rect">
+            <a:avLst/>
+          </a:prstGeom>
+        </p:spPr>
+        <p:style>
+          <a:lnRef idx="1">
+            <a:schemeClr val="dk1"/>
+          </a:lnRef>
+          <a:fillRef idx="2">
+            <a:schemeClr val="dk1"/>
+          </a:fillRef>
+          <a:effectRef idx="1">
+            <a:schemeClr val="dk1"/>
+          </a:effectRef>
+          <a:fontRef idx="minor">
+            <a:schemeClr val="dk1"/>
+          </a:fontRef>
+        </p:style>
+        <p:txBody>
+          <a:bodyPr rtlCol="0" anchor="ctr"/>
+          <a:lstStyle/>
+          <a:p>
+            <a:pPr algn="ctr"/>
+            <a:r>
+              <a:rPr lang="de-DE" dirty="0" smtClean="0"/>
+              <a:t>Protokolle</a:t>
+            </a:r>
+            <a:endParaRPr lang="de-DE" dirty="0"/>
+          </a:p>
+        </p:txBody>
+      </p:sp>
     </p:spTree>
+    <p:extLst>
+      <p:ext uri="{BB962C8B-B14F-4D97-AF65-F5344CB8AC3E}">
+        <p14:creationId xmlns:p14="http://schemas.microsoft.com/office/powerpoint/2010/main" val="1459471144"/>
+      </p:ext>
+    </p:extLst>
   </p:cSld>
   <p:clrMapOvr>
     <a:masterClrMapping/>
@@ -3261,98 +4736,14 @@
       </p:grpSpPr>
       <p:sp>
         <p:nvSpPr>
-          <p:cNvPr id="3" name="Rechteck 2"/>
+          <p:cNvPr id="9" name="Rechteck 8"/>
           <p:cNvSpPr/>
           <p:nvPr/>
         </p:nvSpPr>
         <p:spPr>
           <a:xfrm>
-            <a:off x="714348" y="4857760"/>
-            <a:ext cx="2714644" cy="1285884"/>
-          </a:xfrm>
-          <a:prstGeom prst="rect">
-            <a:avLst/>
-          </a:prstGeom>
-        </p:spPr>
-        <p:style>
-          <a:lnRef idx="1">
-            <a:schemeClr val="accent3"/>
-          </a:lnRef>
-          <a:fillRef idx="2">
-            <a:schemeClr val="accent3"/>
-          </a:fillRef>
-          <a:effectRef idx="1">
-            <a:schemeClr val="accent3"/>
-          </a:effectRef>
-          <a:fontRef idx="minor">
-            <a:schemeClr val="dk1"/>
-          </a:fontRef>
-        </p:style>
-        <p:txBody>
-          <a:bodyPr rtlCol="0" anchor="ctr"/>
-          <a:lstStyle/>
-          <a:p>
-            <a:pPr algn="ctr"/>
-            <a:r>
-              <a:rPr lang="de-DE" dirty="0" smtClean="0"/>
-              <a:t>Liste der Beschlüsse</a:t>
-            </a:r>
-            <a:endParaRPr lang="de-DE" dirty="0"/>
-          </a:p>
-        </p:txBody>
-      </p:sp>
-      <p:sp>
-        <p:nvSpPr>
-          <p:cNvPr id="4" name="Rechteck 3"/>
-          <p:cNvSpPr/>
-          <p:nvPr/>
-        </p:nvSpPr>
-        <p:spPr>
-          <a:xfrm>
-            <a:off x="3643306" y="4857760"/>
-            <a:ext cx="2786082" cy="1285884"/>
-          </a:xfrm>
-          <a:prstGeom prst="rect">
-            <a:avLst/>
-          </a:prstGeom>
-        </p:spPr>
-        <p:style>
-          <a:lnRef idx="2">
-            <a:schemeClr val="accent2"/>
-          </a:lnRef>
-          <a:fillRef idx="1">
-            <a:schemeClr val="lt1"/>
-          </a:fillRef>
-          <a:effectRef idx="0">
-            <a:schemeClr val="accent2"/>
-          </a:effectRef>
-          <a:fontRef idx="minor">
-            <a:schemeClr val="dk1"/>
-          </a:fontRef>
-        </p:style>
-        <p:txBody>
-          <a:bodyPr rtlCol="0" anchor="ctr"/>
-          <a:lstStyle/>
-          <a:p>
-            <a:pPr algn="ctr"/>
-            <a:r>
-              <a:rPr lang="de-DE" dirty="0" smtClean="0"/>
-              <a:t>Neue Konferenz planen</a:t>
-            </a:r>
-            <a:endParaRPr lang="de-DE" dirty="0"/>
-          </a:p>
-        </p:txBody>
-      </p:sp>
-      <p:sp>
-        <p:nvSpPr>
-          <p:cNvPr id="5" name="Rechteck 4"/>
-          <p:cNvSpPr/>
-          <p:nvPr/>
-        </p:nvSpPr>
-        <p:spPr>
-          <a:xfrm>
-            <a:off x="714348" y="1571612"/>
-            <a:ext cx="5715040" cy="2857520"/>
+            <a:off x="6012160" y="1267620"/>
+            <a:ext cx="2808312" cy="1873348"/>
           </a:xfrm>
           <a:prstGeom prst="rect">
             <a:avLst/>
@@ -3377,133 +4768,56 @@
           <a:lstStyle/>
           <a:p>
             <a:pPr algn="ctr"/>
-            <a:r>
-              <a:rPr lang="de-DE" dirty="0" smtClean="0"/>
-              <a:t>GSO Design</a:t>
-            </a:r>
-            <a:endParaRPr lang="de-DE" dirty="0"/>
-          </a:p>
-        </p:txBody>
-      </p:sp>
-      <p:sp>
-        <p:nvSpPr>
-          <p:cNvPr id="6" name="Rechteck 5"/>
+            <a:endParaRPr lang="de-DE" dirty="0" smtClean="0">
+              <a:solidFill>
+                <a:schemeClr val="bg1">
+                  <a:lumMod val="65000"/>
+                </a:schemeClr>
+              </a:solidFill>
+            </a:endParaRPr>
+          </a:p>
+          <a:p>
+            <a:pPr algn="ctr"/>
+            <a:r>
+              <a:rPr lang="de-DE" dirty="0" smtClean="0">
+                <a:solidFill>
+                  <a:schemeClr val="bg1">
+                    <a:lumMod val="65000"/>
+                  </a:schemeClr>
+                </a:solidFill>
+              </a:rPr>
+              <a:t>GSO </a:t>
+            </a:r>
+            <a:r>
+              <a:rPr lang="de-DE" dirty="0" smtClean="0">
+                <a:solidFill>
+                  <a:schemeClr val="bg1">
+                    <a:lumMod val="65000"/>
+                  </a:schemeClr>
+                </a:solidFill>
+              </a:rPr>
+              <a:t>Design</a:t>
+            </a:r>
+            <a:endParaRPr lang="de-DE" dirty="0">
+              <a:solidFill>
+                <a:schemeClr val="bg1">
+                  <a:lumMod val="65000"/>
+                </a:schemeClr>
+              </a:solidFill>
+            </a:endParaRPr>
+          </a:p>
+        </p:txBody>
+      </p:sp>
+      <p:sp>
+        <p:nvSpPr>
+          <p:cNvPr id="3" name="Rechteck 2"/>
           <p:cNvSpPr/>
           <p:nvPr/>
         </p:nvSpPr>
         <p:spPr>
           <a:xfrm>
-            <a:off x="7000892" y="1571612"/>
-            <a:ext cx="1571636" cy="428628"/>
-          </a:xfrm>
-          <a:prstGeom prst="rect">
-            <a:avLst/>
-          </a:prstGeom>
-        </p:spPr>
-        <p:style>
-          <a:lnRef idx="1">
-            <a:schemeClr val="dk1"/>
-          </a:lnRef>
-          <a:fillRef idx="2">
-            <a:schemeClr val="dk1"/>
-          </a:fillRef>
-          <a:effectRef idx="1">
-            <a:schemeClr val="dk1"/>
-          </a:effectRef>
-          <a:fontRef idx="minor">
-            <a:schemeClr val="dk1"/>
-          </a:fontRef>
-        </p:style>
-        <p:txBody>
-          <a:bodyPr rtlCol="0" anchor="ctr"/>
-          <a:lstStyle/>
-          <a:p>
-            <a:pPr algn="ctr"/>
-            <a:r>
-              <a:rPr lang="de-DE" dirty="0" smtClean="0"/>
-              <a:t>Abmelden</a:t>
-            </a:r>
-            <a:endParaRPr lang="de-DE" dirty="0"/>
-          </a:p>
-        </p:txBody>
-      </p:sp>
-    </p:spTree>
-  </p:cSld>
-  <p:clrMapOvr>
-    <a:masterClrMapping/>
-  </p:clrMapOvr>
-</p:sld>
-</file>
-
-<file path=ppt/slides/slide3.xml><?xml version="1.0" encoding="utf-8"?>
-<p:sld xmlns:a="http://schemas.openxmlformats.org/drawingml/2006/main" xmlns:r="http://schemas.openxmlformats.org/officeDocument/2006/relationships" xmlns:p="http://schemas.openxmlformats.org/presentationml/2006/main">
-  <p:cSld>
-    <p:spTree>
-      <p:nvGrpSpPr>
-        <p:cNvPr id="1" name=""/>
-        <p:cNvGrpSpPr/>
-        <p:nvPr/>
-      </p:nvGrpSpPr>
-      <p:grpSpPr>
-        <a:xfrm>
-          <a:off x="0" y="0"/>
-          <a:ext cx="0" cy="0"/>
-          <a:chOff x="0" y="0"/>
-          <a:chExt cx="0" cy="0"/>
-        </a:xfrm>
-      </p:grpSpPr>
-      <p:sp>
-        <p:nvSpPr>
-          <p:cNvPr id="2" name="Rechteck 1"/>
-          <p:cNvSpPr/>
-          <p:nvPr/>
-        </p:nvSpPr>
-        <p:spPr>
-          <a:xfrm>
-            <a:off x="571472" y="1857364"/>
-            <a:ext cx="6929486" cy="4429156"/>
-          </a:xfrm>
-          <a:prstGeom prst="rect">
-            <a:avLst/>
-          </a:prstGeom>
-        </p:spPr>
-        <p:style>
-          <a:lnRef idx="2">
-            <a:schemeClr val="dk1"/>
-          </a:lnRef>
-          <a:fillRef idx="1">
-            <a:schemeClr val="lt1"/>
-          </a:fillRef>
-          <a:effectRef idx="0">
-            <a:schemeClr val="dk1"/>
-          </a:effectRef>
-          <a:fontRef idx="minor">
-            <a:schemeClr val="dk1"/>
-          </a:fontRef>
-        </p:style>
-        <p:txBody>
-          <a:bodyPr rtlCol="0" anchor="ctr"/>
-          <a:lstStyle/>
-          <a:p>
-            <a:pPr algn="ctr"/>
-            <a:r>
-              <a:rPr lang="de-DE" dirty="0" smtClean="0"/>
-              <a:t> </a:t>
-            </a:r>
-            <a:endParaRPr lang="de-DE" dirty="0"/>
-          </a:p>
-        </p:txBody>
-      </p:sp>
-      <p:sp>
-        <p:nvSpPr>
-          <p:cNvPr id="4" name="Rechteck 3"/>
-          <p:cNvSpPr/>
-          <p:nvPr/>
-        </p:nvSpPr>
-        <p:spPr>
-          <a:xfrm>
-            <a:off x="571472" y="357166"/>
-            <a:ext cx="5715040" cy="1071570"/>
+            <a:off x="395536" y="1267620"/>
+            <a:ext cx="5355000" cy="2857520"/>
           </a:xfrm>
           <a:prstGeom prst="rect">
             <a:avLst/>
@@ -3529,32 +4843,52 @@
           <a:p>
             <a:pPr algn="ctr"/>
             <a:r>
-              <a:rPr lang="de-DE" dirty="0" smtClean="0"/>
-              <a:t>GSO Design</a:t>
-            </a:r>
-            <a:endParaRPr lang="de-DE" dirty="0"/>
-          </a:p>
-        </p:txBody>
-      </p:sp>
-      <p:sp>
-        <p:nvSpPr>
-          <p:cNvPr id="5" name="Rechteck 4"/>
+              <a:rPr lang="de-DE" dirty="0" smtClean="0">
+                <a:solidFill>
+                  <a:schemeClr val="bg1">
+                    <a:lumMod val="65000"/>
+                  </a:schemeClr>
+                </a:solidFill>
+              </a:rPr>
+              <a:t>GSO </a:t>
+            </a:r>
+            <a:r>
+              <a:rPr lang="de-DE" dirty="0" smtClean="0">
+                <a:solidFill>
+                  <a:schemeClr val="bg1">
+                    <a:lumMod val="65000"/>
+                  </a:schemeClr>
+                </a:solidFill>
+              </a:rPr>
+              <a:t>Bild</a:t>
+            </a:r>
+            <a:endParaRPr lang="de-DE" dirty="0">
+              <a:solidFill>
+                <a:schemeClr val="bg1">
+                  <a:lumMod val="65000"/>
+                </a:schemeClr>
+              </a:solidFill>
+            </a:endParaRPr>
+          </a:p>
+        </p:txBody>
+      </p:sp>
+      <p:sp>
+        <p:nvSpPr>
+          <p:cNvPr id="4" name="Rechteck 3"/>
           <p:cNvSpPr/>
           <p:nvPr/>
         </p:nvSpPr>
         <p:spPr>
           <a:xfrm>
-            <a:off x="571472" y="2500306"/>
-            <a:ext cx="2500330" cy="642942"/>
+            <a:off x="6180888" y="1410496"/>
+            <a:ext cx="2428892" cy="285752"/>
           </a:xfrm>
           <a:prstGeom prst="rect">
             <a:avLst/>
           </a:prstGeom>
           <a:ln>
             <a:solidFill>
-              <a:schemeClr val="bg1">
-                <a:lumMod val="50000"/>
-              </a:schemeClr>
+              <a:schemeClr val="tx1"/>
             </a:solidFill>
           </a:ln>
         </p:spPr>
@@ -3578,32 +4912,30 @@
           <a:p>
             <a:pPr algn="ctr"/>
             <a:r>
-              <a:rPr lang="de-DE" sz="1600" dirty="0" smtClean="0"/>
-              <a:t>Zeugniskonferenz Beschlüsse </a:t>
-            </a:r>
-            <a:endParaRPr lang="de-DE" sz="1600" dirty="0"/>
-          </a:p>
-        </p:txBody>
-      </p:sp>
-      <p:sp>
-        <p:nvSpPr>
-          <p:cNvPr id="6" name="Rechteck 5"/>
+              <a:rPr lang="de-DE" dirty="0" smtClean="0"/>
+              <a:t>Benutzername</a:t>
+            </a:r>
+            <a:endParaRPr lang="de-DE" dirty="0"/>
+          </a:p>
+        </p:txBody>
+      </p:sp>
+      <p:sp>
+        <p:nvSpPr>
+          <p:cNvPr id="5" name="Rechteck 4"/>
           <p:cNvSpPr/>
           <p:nvPr/>
         </p:nvSpPr>
         <p:spPr>
           <a:xfrm>
-            <a:off x="3071802" y="2500306"/>
-            <a:ext cx="1643074" cy="642942"/>
+            <a:off x="6180888" y="1827808"/>
+            <a:ext cx="2428892" cy="285752"/>
           </a:xfrm>
           <a:prstGeom prst="rect">
             <a:avLst/>
           </a:prstGeom>
           <a:ln>
             <a:solidFill>
-              <a:schemeClr val="bg1">
-                <a:lumMod val="50000"/>
-              </a:schemeClr>
+              <a:schemeClr val="tx1"/>
             </a:solidFill>
           </a:ln>
         </p:spPr>
@@ -3627,44 +4959,37 @@
           <a:p>
             <a:pPr algn="ctr"/>
             <a:r>
-              <a:rPr lang="de-DE" sz="1600" dirty="0" smtClean="0"/>
-              <a:t>13.11.2018</a:t>
-            </a:r>
-            <a:endParaRPr lang="de-DE" sz="1600" dirty="0"/>
-          </a:p>
-        </p:txBody>
-      </p:sp>
-      <p:sp>
-        <p:nvSpPr>
-          <p:cNvPr id="10" name="Rechteck 9"/>
+              <a:rPr lang="de-DE" dirty="0" smtClean="0"/>
+              <a:t>Passwort</a:t>
+            </a:r>
+            <a:endParaRPr lang="de-DE" dirty="0"/>
+          </a:p>
+        </p:txBody>
+      </p:sp>
+      <p:sp>
+        <p:nvSpPr>
+          <p:cNvPr id="6" name="Rechteck 5"/>
           <p:cNvSpPr/>
           <p:nvPr/>
         </p:nvSpPr>
         <p:spPr>
           <a:xfrm>
-            <a:off x="571472" y="3143248"/>
-            <a:ext cx="2500330" cy="642942"/>
+            <a:off x="0" y="0"/>
+            <a:ext cx="2195736" cy="764704"/>
           </a:xfrm>
           <a:prstGeom prst="rect">
             <a:avLst/>
           </a:prstGeom>
-          <a:ln>
-            <a:solidFill>
-              <a:schemeClr val="bg1">
-                <a:lumMod val="50000"/>
-              </a:schemeClr>
-            </a:solidFill>
-          </a:ln>
         </p:spPr>
         <p:style>
           <a:lnRef idx="2">
-            <a:schemeClr val="dk1"/>
+            <a:schemeClr val="accent6"/>
           </a:lnRef>
           <a:fillRef idx="1">
             <a:schemeClr val="lt1"/>
           </a:fillRef>
           <a:effectRef idx="0">
-            <a:schemeClr val="dk1"/>
+            <a:schemeClr val="accent6"/>
           </a:effectRef>
           <a:fontRef idx="minor">
             <a:schemeClr val="dk1"/>
@@ -3676,44 +5001,101 @@
           <a:p>
             <a:pPr algn="ctr"/>
             <a:r>
-              <a:rPr lang="de-DE" sz="1600" dirty="0" smtClean="0"/>
-              <a:t>Bereichskonferenz IT Beschlüsse </a:t>
-            </a:r>
-            <a:endParaRPr lang="de-DE" sz="1600" dirty="0"/>
-          </a:p>
-        </p:txBody>
-      </p:sp>
-      <p:sp>
-        <p:nvSpPr>
-          <p:cNvPr id="11" name="Rechteck 10"/>
+              <a:rPr lang="de-DE" dirty="0" smtClean="0">
+                <a:solidFill>
+                  <a:schemeClr val="bg1">
+                    <a:lumMod val="65000"/>
+                  </a:schemeClr>
+                </a:solidFill>
+              </a:rPr>
+              <a:t>GSO </a:t>
+            </a:r>
+            <a:r>
+              <a:rPr lang="de-DE" dirty="0" smtClean="0">
+                <a:solidFill>
+                  <a:schemeClr val="bg1">
+                    <a:lumMod val="65000"/>
+                  </a:schemeClr>
+                </a:solidFill>
+              </a:rPr>
+              <a:t>Logo</a:t>
+            </a:r>
+            <a:endParaRPr lang="de-DE" dirty="0">
+              <a:solidFill>
+                <a:schemeClr val="bg1">
+                  <a:lumMod val="65000"/>
+                </a:schemeClr>
+              </a:solidFill>
+            </a:endParaRPr>
+          </a:p>
+        </p:txBody>
+      </p:sp>
+      <p:sp>
+        <p:nvSpPr>
+          <p:cNvPr id="7" name="Rechteck 6"/>
           <p:cNvSpPr/>
           <p:nvPr/>
         </p:nvSpPr>
         <p:spPr>
           <a:xfrm>
-            <a:off x="3071802" y="3143248"/>
-            <a:ext cx="1643074" cy="642942"/>
+            <a:off x="6180888" y="2571744"/>
+            <a:ext cx="1571636" cy="428628"/>
           </a:xfrm>
           <a:prstGeom prst="rect">
             <a:avLst/>
           </a:prstGeom>
-          <a:ln>
-            <a:solidFill>
-              <a:schemeClr val="bg1">
-                <a:lumMod val="50000"/>
-              </a:schemeClr>
-            </a:solidFill>
-          </a:ln>
+        </p:spPr>
+        <p:style>
+          <a:lnRef idx="1">
+            <a:schemeClr val="dk1"/>
+          </a:lnRef>
+          <a:fillRef idx="2">
+            <a:schemeClr val="dk1"/>
+          </a:fillRef>
+          <a:effectRef idx="1">
+            <a:schemeClr val="dk1"/>
+          </a:effectRef>
+          <a:fontRef idx="minor">
+            <a:schemeClr val="dk1"/>
+          </a:fontRef>
+        </p:style>
+        <p:txBody>
+          <a:bodyPr rtlCol="0" anchor="ctr"/>
+          <a:lstStyle/>
+          <a:p>
+            <a:pPr algn="ctr"/>
+            <a:r>
+              <a:rPr lang="de-DE" dirty="0" smtClean="0"/>
+              <a:t>Anmelden</a:t>
+            </a:r>
+            <a:endParaRPr lang="de-DE" dirty="0"/>
+          </a:p>
+        </p:txBody>
+      </p:sp>
+      <p:sp>
+        <p:nvSpPr>
+          <p:cNvPr id="8" name="Rechteck 7"/>
+          <p:cNvSpPr/>
+          <p:nvPr/>
+        </p:nvSpPr>
+        <p:spPr>
+          <a:xfrm>
+            <a:off x="7020272" y="3982264"/>
+            <a:ext cx="1805532" cy="2687096"/>
+          </a:xfrm>
+          <a:prstGeom prst="rect">
+            <a:avLst/>
+          </a:prstGeom>
         </p:spPr>
         <p:style>
           <a:lnRef idx="2">
-            <a:schemeClr val="dk1"/>
+            <a:schemeClr val="accent6"/>
           </a:lnRef>
           <a:fillRef idx="1">
             <a:schemeClr val="lt1"/>
           </a:fillRef>
           <a:effectRef idx="0">
-            <a:schemeClr val="dk1"/>
+            <a:schemeClr val="accent6"/>
           </a:effectRef>
           <a:fontRef idx="minor">
             <a:schemeClr val="dk1"/>
@@ -3725,44 +5107,117 @@
           <a:p>
             <a:pPr algn="ctr"/>
             <a:r>
-              <a:rPr lang="de-DE" sz="1600" dirty="0" smtClean="0"/>
-              <a:t>12.11.2018</a:t>
-            </a:r>
-            <a:endParaRPr lang="de-DE" sz="1600" dirty="0"/>
-          </a:p>
-        </p:txBody>
-      </p:sp>
-      <p:sp>
-        <p:nvSpPr>
-          <p:cNvPr id="12" name="Rechteck 11"/>
+              <a:rPr lang="de-DE" dirty="0" smtClean="0"/>
+              <a:t>Protokolltool</a:t>
+            </a:r>
+          </a:p>
+          <a:p>
+            <a:pPr algn="ctr"/>
+            <a:endParaRPr lang="de-DE" dirty="0" smtClean="0"/>
+          </a:p>
+          <a:p>
+            <a:pPr algn="ctr"/>
+            <a:r>
+              <a:rPr lang="de-DE" dirty="0" smtClean="0"/>
+              <a:t>Made </a:t>
+            </a:r>
+            <a:r>
+              <a:rPr lang="de-DE" dirty="0" err="1" smtClean="0"/>
+              <a:t>with</a:t>
+            </a:r>
+            <a:r>
+              <a:rPr lang="de-DE" dirty="0" smtClean="0"/>
+              <a:t> ♥ </a:t>
+            </a:r>
+            <a:r>
+              <a:rPr lang="de-DE" dirty="0" err="1" smtClean="0"/>
+              <a:t>by</a:t>
+            </a:r>
+            <a:r>
+              <a:rPr lang="de-DE" dirty="0" smtClean="0"/>
+              <a:t>:</a:t>
+            </a:r>
+          </a:p>
+          <a:p>
+            <a:pPr algn="ctr"/>
+            <a:r>
+              <a:rPr lang="de-DE" dirty="0" smtClean="0">
+                <a:solidFill>
+                  <a:schemeClr val="bg1">
+                    <a:lumMod val="65000"/>
+                  </a:schemeClr>
+                </a:solidFill>
+              </a:rPr>
+              <a:t>GSO Design</a:t>
+            </a:r>
+            <a:endParaRPr lang="de-DE" dirty="0">
+              <a:solidFill>
+                <a:schemeClr val="bg1">
+                  <a:lumMod val="65000"/>
+                </a:schemeClr>
+              </a:solidFill>
+            </a:endParaRPr>
+          </a:p>
+          <a:p>
+            <a:r>
+              <a:rPr lang="de-DE" dirty="0" smtClean="0"/>
+              <a:t>• MCGD</a:t>
+            </a:r>
+          </a:p>
+          <a:p>
+            <a:r>
+              <a:rPr lang="de-DE" dirty="0" smtClean="0"/>
+              <a:t>• </a:t>
+            </a:r>
+            <a:r>
+              <a:rPr lang="de-DE" dirty="0" err="1" smtClean="0"/>
+              <a:t>newKid</a:t>
+            </a:r>
+            <a:endParaRPr lang="de-DE" dirty="0" smtClean="0"/>
+          </a:p>
+          <a:p>
+            <a:r>
+              <a:rPr lang="de-DE" dirty="0" smtClean="0"/>
+              <a:t>• Detlef</a:t>
+            </a:r>
+          </a:p>
+          <a:p>
+            <a:r>
+              <a:rPr lang="de-DE" dirty="0" smtClean="0"/>
+              <a:t>• </a:t>
+            </a:r>
+            <a:r>
+              <a:rPr lang="de-DE" dirty="0" err="1" smtClean="0"/>
+              <a:t>Gollnick</a:t>
+            </a:r>
+            <a:endParaRPr lang="de-DE" dirty="0"/>
+          </a:p>
+        </p:txBody>
+      </p:sp>
+      <p:sp>
+        <p:nvSpPr>
+          <p:cNvPr id="10" name="Rechteck 9"/>
           <p:cNvSpPr/>
           <p:nvPr/>
         </p:nvSpPr>
         <p:spPr>
           <a:xfrm>
-            <a:off x="4714876" y="3143248"/>
-            <a:ext cx="1500198" cy="642942"/>
+            <a:off x="395536" y="4293096"/>
+            <a:ext cx="6264696" cy="2281456"/>
           </a:xfrm>
           <a:prstGeom prst="rect">
             <a:avLst/>
           </a:prstGeom>
-          <a:ln>
-            <a:solidFill>
-              <a:schemeClr val="bg1">
-                <a:lumMod val="50000"/>
-              </a:schemeClr>
-            </a:solidFill>
-          </a:ln>
         </p:spPr>
         <p:style>
           <a:lnRef idx="2">
-            <a:schemeClr val="dk1"/>
+            <a:schemeClr val="accent6"/>
           </a:lnRef>
           <a:fillRef idx="1">
             <a:schemeClr val="lt1"/>
           </a:fillRef>
           <a:effectRef idx="0">
-            <a:schemeClr val="dk1"/>
+            <a:schemeClr val="accent6"/>
           </a:effectRef>
           <a:fontRef idx="minor">
             <a:schemeClr val="dk1"/>
@@ -3774,10 +5229,22 @@
           <a:p>
             <a:pPr algn="ctr"/>
             <a:r>
-              <a:rPr lang="de-DE" sz="1600" dirty="0" smtClean="0"/>
-              <a:t>Herr X</a:t>
-            </a:r>
-            <a:endParaRPr lang="de-DE" sz="1600" dirty="0"/>
+              <a:rPr lang="de-DE" dirty="0" smtClean="0">
+                <a:solidFill>
+                  <a:schemeClr val="bg1">
+                    <a:lumMod val="65000"/>
+                  </a:schemeClr>
+                </a:solidFill>
+              </a:rPr>
+              <a:t>Liste von Beschlüssen</a:t>
+            </a:r>
+            <a:endParaRPr lang="de-DE" dirty="0">
+              <a:solidFill>
+                <a:schemeClr val="bg1">
+                  <a:lumMod val="65000"/>
+                </a:schemeClr>
+              </a:solidFill>
+            </a:endParaRPr>
           </a:p>
         </p:txBody>
       </p:sp>
@@ -3789,57 +5256,8 @@
         </p:nvSpPr>
         <p:spPr>
           <a:xfrm>
-            <a:off x="4714876" y="2500306"/>
-            <a:ext cx="1500198" cy="642942"/>
-          </a:xfrm>
-          <a:prstGeom prst="rect">
-            <a:avLst/>
-          </a:prstGeom>
-          <a:ln>
-            <a:solidFill>
-              <a:schemeClr val="bg1">
-                <a:lumMod val="50000"/>
-              </a:schemeClr>
-            </a:solidFill>
-          </a:ln>
-        </p:spPr>
-        <p:style>
-          <a:lnRef idx="2">
-            <a:schemeClr val="dk1"/>
-          </a:lnRef>
-          <a:fillRef idx="1">
-            <a:schemeClr val="lt1"/>
-          </a:fillRef>
-          <a:effectRef idx="0">
-            <a:schemeClr val="dk1"/>
-          </a:effectRef>
-          <a:fontRef idx="minor">
-            <a:schemeClr val="dk1"/>
-          </a:fontRef>
-        </p:style>
-        <p:txBody>
-          <a:bodyPr rtlCol="0" anchor="ctr"/>
-          <a:lstStyle/>
-          <a:p>
-            <a:pPr algn="ctr"/>
-            <a:r>
-              <a:rPr lang="de-DE" sz="1600" dirty="0" smtClean="0"/>
-              <a:t>Frau Y</a:t>
-            </a:r>
-            <a:endParaRPr lang="de-DE" sz="1600" dirty="0"/>
-          </a:p>
-        </p:txBody>
-      </p:sp>
-      <p:sp>
-        <p:nvSpPr>
-          <p:cNvPr id="14" name="Rechteck 13"/>
-          <p:cNvSpPr/>
-          <p:nvPr/>
-        </p:nvSpPr>
-        <p:spPr>
-          <a:xfrm>
-            <a:off x="571472" y="1857364"/>
-            <a:ext cx="2500330" cy="642942"/>
+            <a:off x="395536" y="4293096"/>
+            <a:ext cx="1296144" cy="429022"/>
           </a:xfrm>
           <a:prstGeom prst="rect">
             <a:avLst/>
@@ -3866,7 +5284,7 @@
             <a:pPr algn="ctr"/>
             <a:r>
               <a:rPr lang="de-DE" sz="1600" dirty="0" smtClean="0"/>
-              <a:t>Bezeichnung</a:t>
+              <a:t>TOP</a:t>
             </a:r>
             <a:endParaRPr lang="de-DE" sz="1600" dirty="0"/>
           </a:p>
@@ -3880,8 +5298,8 @@
         </p:nvSpPr>
         <p:spPr>
           <a:xfrm>
-            <a:off x="3071802" y="1857364"/>
-            <a:ext cx="1643074" cy="642942"/>
+            <a:off x="1691680" y="4293096"/>
+            <a:ext cx="3240360" cy="429022"/>
           </a:xfrm>
           <a:prstGeom prst="rect">
             <a:avLst/>
@@ -3908,7 +5326,7 @@
             <a:pPr algn="ctr"/>
             <a:r>
               <a:rPr lang="de-DE" sz="1600" dirty="0" smtClean="0"/>
-              <a:t>Datum</a:t>
+              <a:t>Beschluss</a:t>
             </a:r>
             <a:endParaRPr lang="de-DE" sz="1600" dirty="0"/>
           </a:p>
@@ -3922,8 +5340,8 @@
         </p:nvSpPr>
         <p:spPr>
           <a:xfrm>
-            <a:off x="4714876" y="1857364"/>
-            <a:ext cx="1500198" cy="642942"/>
+            <a:off x="4932040" y="4293096"/>
+            <a:ext cx="579974" cy="427509"/>
           </a:xfrm>
           <a:prstGeom prst="rect">
             <a:avLst/>
@@ -3950,7 +5368,7 @@
             <a:pPr algn="ctr"/>
             <a:r>
               <a:rPr lang="de-DE" sz="1600" dirty="0" smtClean="0"/>
-              <a:t>Konferenzleiter</a:t>
+              <a:t>+</a:t>
             </a:r>
             <a:endParaRPr lang="de-DE" sz="1600" dirty="0"/>
           </a:p>
@@ -3964,8 +5382,8 @@
         </p:nvSpPr>
         <p:spPr>
           <a:xfrm>
-            <a:off x="6215074" y="1857364"/>
-            <a:ext cx="1285884" cy="642942"/>
+            <a:off x="5504194" y="4291583"/>
+            <a:ext cx="579974" cy="429022"/>
           </a:xfrm>
           <a:prstGeom prst="rect">
             <a:avLst/>
@@ -3992,7 +5410,7 @@
             <a:pPr algn="ctr"/>
             <a:r>
               <a:rPr lang="de-DE" sz="1600" dirty="0" smtClean="0"/>
-              <a:t>Protokollant</a:t>
+              <a:t>-</a:t>
             </a:r>
             <a:endParaRPr lang="de-DE" sz="1600" dirty="0"/>
           </a:p>
@@ -4006,8 +5424,50 @@
         </p:nvSpPr>
         <p:spPr>
           <a:xfrm>
-            <a:off x="6215074" y="2500306"/>
-            <a:ext cx="1285884" cy="642942"/>
+            <a:off x="6084168" y="4293096"/>
+            <a:ext cx="570027" cy="429022"/>
+          </a:xfrm>
+          <a:prstGeom prst="rect">
+            <a:avLst/>
+          </a:prstGeom>
+        </p:spPr>
+        <p:style>
+          <a:lnRef idx="1">
+            <a:schemeClr val="accent1"/>
+          </a:lnRef>
+          <a:fillRef idx="2">
+            <a:schemeClr val="accent1"/>
+          </a:fillRef>
+          <a:effectRef idx="1">
+            <a:schemeClr val="accent1"/>
+          </a:effectRef>
+          <a:fontRef idx="minor">
+            <a:schemeClr val="dk1"/>
+          </a:fontRef>
+        </p:style>
+        <p:txBody>
+          <a:bodyPr rtlCol="0" anchor="ctr"/>
+          <a:lstStyle/>
+          <a:p>
+            <a:pPr algn="ctr"/>
+            <a:r>
+              <a:rPr lang="de-DE" sz="1600" dirty="0" smtClean="0"/>
+              <a:t>o</a:t>
+            </a:r>
+            <a:endParaRPr lang="de-DE" sz="1600" dirty="0"/>
+          </a:p>
+        </p:txBody>
+      </p:sp>
+      <p:sp>
+        <p:nvSpPr>
+          <p:cNvPr id="19" name="Rechteck 18"/>
+          <p:cNvSpPr/>
+          <p:nvPr/>
+        </p:nvSpPr>
+        <p:spPr>
+          <a:xfrm>
+            <a:off x="395536" y="4722118"/>
+            <a:ext cx="1296144" cy="321471"/>
           </a:xfrm>
           <a:prstGeom prst="rect">
             <a:avLst/>
@@ -4041,7 +5501,7 @@
             <a:pPr algn="ctr"/>
             <a:r>
               <a:rPr lang="de-DE" sz="1600" dirty="0" smtClean="0"/>
-              <a:t>Herr B</a:t>
+              <a:t>Schuluniform</a:t>
             </a:r>
             <a:endParaRPr lang="de-DE" sz="1600" dirty="0"/>
           </a:p>
@@ -4049,14 +5509,14 @@
       </p:sp>
       <p:sp>
         <p:nvSpPr>
-          <p:cNvPr id="19" name="Rechteck 18"/>
+          <p:cNvPr id="20" name="Rechteck 19"/>
           <p:cNvSpPr/>
           <p:nvPr/>
         </p:nvSpPr>
         <p:spPr>
           <a:xfrm>
-            <a:off x="6215074" y="3143248"/>
-            <a:ext cx="1285884" cy="642942"/>
+            <a:off x="1691680" y="4722118"/>
+            <a:ext cx="3240360" cy="321471"/>
           </a:xfrm>
           <a:prstGeom prst="rect">
             <a:avLst/>
@@ -4090,7 +5550,7 @@
             <a:pPr algn="ctr"/>
             <a:r>
               <a:rPr lang="de-DE" sz="1600" dirty="0" smtClean="0"/>
-              <a:t>Herr A</a:t>
+              <a:t>Schüler sollen Schuluniform tragen</a:t>
             </a:r>
             <a:endParaRPr lang="de-DE" sz="1600" dirty="0"/>
           </a:p>
@@ -4098,129 +5558,25 @@
       </p:sp>
       <p:sp>
         <p:nvSpPr>
-          <p:cNvPr id="20" name="Rechteck 19"/>
+          <p:cNvPr id="21" name="Rechteck 20"/>
           <p:cNvSpPr/>
           <p:nvPr/>
         </p:nvSpPr>
         <p:spPr>
           <a:xfrm>
-            <a:off x="7715272" y="1928802"/>
-            <a:ext cx="1285852" cy="500066"/>
+            <a:off x="4941987" y="4723455"/>
+            <a:ext cx="570027" cy="321471"/>
           </a:xfrm>
           <a:prstGeom prst="rect">
             <a:avLst/>
           </a:prstGeom>
-          <a:ln/>
-        </p:spPr>
-        <p:style>
-          <a:lnRef idx="1">
-            <a:schemeClr val="dk1"/>
-          </a:lnRef>
-          <a:fillRef idx="2">
-            <a:schemeClr val="dk1"/>
-          </a:fillRef>
-          <a:effectRef idx="1">
-            <a:schemeClr val="dk1"/>
-          </a:effectRef>
-          <a:fontRef idx="minor">
-            <a:schemeClr val="dk1"/>
-          </a:fontRef>
-        </p:style>
-        <p:txBody>
-          <a:bodyPr rtlCol="0" anchor="ctr"/>
-          <a:lstStyle/>
-          <a:p>
-            <a:pPr algn="ctr"/>
-            <a:r>
-              <a:rPr lang="de-DE" sz="1600" dirty="0" smtClean="0"/>
-              <a:t>Auswählen</a:t>
-            </a:r>
-            <a:endParaRPr lang="de-DE" sz="1600" dirty="0"/>
-          </a:p>
-        </p:txBody>
-      </p:sp>
-      <p:sp>
-        <p:nvSpPr>
-          <p:cNvPr id="21" name="Rechteck 20"/>
-          <p:cNvSpPr/>
-          <p:nvPr/>
-        </p:nvSpPr>
-        <p:spPr>
-          <a:xfrm>
-            <a:off x="7715272" y="1142984"/>
-            <a:ext cx="1285852" cy="500066"/>
-          </a:xfrm>
-          <a:prstGeom prst="rect">
-            <a:avLst/>
-          </a:prstGeom>
-          <a:ln/>
-        </p:spPr>
-        <p:style>
-          <a:lnRef idx="1">
-            <a:schemeClr val="dk1"/>
-          </a:lnRef>
-          <a:fillRef idx="2">
-            <a:schemeClr val="dk1"/>
-          </a:fillRef>
-          <a:effectRef idx="1">
-            <a:schemeClr val="dk1"/>
-          </a:effectRef>
-          <a:fontRef idx="minor">
-            <a:schemeClr val="dk1"/>
-          </a:fontRef>
-        </p:style>
-        <p:txBody>
-          <a:bodyPr rtlCol="0" anchor="ctr"/>
-          <a:lstStyle/>
-          <a:p>
-            <a:pPr algn="ctr"/>
-            <a:r>
-              <a:rPr lang="de-DE" sz="1400" dirty="0" smtClean="0"/>
-              <a:t>Zurück zur Startseite</a:t>
-            </a:r>
-            <a:endParaRPr lang="de-DE" sz="1400" dirty="0"/>
-          </a:p>
-        </p:txBody>
-      </p:sp>
-    </p:spTree>
-  </p:cSld>
-  <p:clrMapOvr>
-    <a:masterClrMapping/>
-  </p:clrMapOvr>
-</p:sld>
-</file>
-
-<file path=ppt/slides/slide4.xml><?xml version="1.0" encoding="utf-8"?>
-<p:sld xmlns:a="http://schemas.openxmlformats.org/drawingml/2006/main" xmlns:r="http://schemas.openxmlformats.org/officeDocument/2006/relationships" xmlns:p="http://schemas.openxmlformats.org/presentationml/2006/main">
-  <p:cSld>
-    <p:spTree>
-      <p:nvGrpSpPr>
-        <p:cNvPr id="1" name=""/>
-        <p:cNvGrpSpPr/>
-        <p:nvPr/>
-      </p:nvGrpSpPr>
-      <p:grpSpPr>
-        <a:xfrm>
-          <a:off x="0" y="0"/>
-          <a:ext cx="0" cy="0"/>
-          <a:chOff x="0" y="0"/>
-          <a:chExt cx="0" cy="0"/>
-        </a:xfrm>
-      </p:grpSpPr>
-      <p:sp>
-        <p:nvSpPr>
-          <p:cNvPr id="2" name="Rechteck 1"/>
-          <p:cNvSpPr/>
-          <p:nvPr/>
-        </p:nvSpPr>
-        <p:spPr>
-          <a:xfrm>
-            <a:off x="571472" y="1857364"/>
-            <a:ext cx="6929486" cy="4429156"/>
-          </a:xfrm>
-          <a:prstGeom prst="rect">
-            <a:avLst/>
-          </a:prstGeom>
+          <a:ln>
+            <a:solidFill>
+              <a:schemeClr val="bg1">
+                <a:lumMod val="50000"/>
+              </a:schemeClr>
+            </a:solidFill>
+          </a:ln>
         </p:spPr>
         <p:style>
           <a:lnRef idx="2">
@@ -4242,23 +5598,121 @@
           <a:p>
             <a:pPr algn="ctr"/>
             <a:r>
-              <a:rPr lang="de-DE" dirty="0" smtClean="0"/>
-              <a:t> </a:t>
-            </a:r>
-            <a:endParaRPr lang="de-DE" dirty="0"/>
-          </a:p>
-        </p:txBody>
-      </p:sp>
-      <p:sp>
-        <p:nvSpPr>
-          <p:cNvPr id="3" name="Rechteck 2"/>
+              <a:rPr lang="de-DE" sz="1600" dirty="0" smtClean="0"/>
+              <a:t>3</a:t>
+            </a:r>
+            <a:endParaRPr lang="de-DE" sz="1600" dirty="0"/>
+          </a:p>
+        </p:txBody>
+      </p:sp>
+      <p:sp>
+        <p:nvSpPr>
+          <p:cNvPr id="22" name="Rechteck 21"/>
           <p:cNvSpPr/>
           <p:nvPr/>
         </p:nvSpPr>
         <p:spPr>
           <a:xfrm>
-            <a:off x="571472" y="357166"/>
-            <a:ext cx="5715040" cy="1071570"/>
+            <a:off x="5514141" y="4723455"/>
+            <a:ext cx="570027" cy="321471"/>
+          </a:xfrm>
+          <a:prstGeom prst="rect">
+            <a:avLst/>
+          </a:prstGeom>
+          <a:ln>
+            <a:solidFill>
+              <a:schemeClr val="bg1">
+                <a:lumMod val="50000"/>
+              </a:schemeClr>
+            </a:solidFill>
+          </a:ln>
+        </p:spPr>
+        <p:style>
+          <a:lnRef idx="2">
+            <a:schemeClr val="dk1"/>
+          </a:lnRef>
+          <a:fillRef idx="1">
+            <a:schemeClr val="lt1"/>
+          </a:fillRef>
+          <a:effectRef idx="0">
+            <a:schemeClr val="dk1"/>
+          </a:effectRef>
+          <a:fontRef idx="minor">
+            <a:schemeClr val="dk1"/>
+          </a:fontRef>
+        </p:style>
+        <p:txBody>
+          <a:bodyPr rtlCol="0" anchor="ctr"/>
+          <a:lstStyle/>
+          <a:p>
+            <a:pPr algn="ctr"/>
+            <a:r>
+              <a:rPr lang="de-DE" sz="1600" dirty="0" smtClean="0"/>
+              <a:t>14</a:t>
+            </a:r>
+            <a:endParaRPr lang="de-DE" sz="1600" dirty="0"/>
+          </a:p>
+        </p:txBody>
+      </p:sp>
+      <p:sp>
+        <p:nvSpPr>
+          <p:cNvPr id="23" name="Rechteck 22"/>
+          <p:cNvSpPr/>
+          <p:nvPr/>
+        </p:nvSpPr>
+        <p:spPr>
+          <a:xfrm>
+            <a:off x="6084168" y="4723455"/>
+            <a:ext cx="570027" cy="321471"/>
+          </a:xfrm>
+          <a:prstGeom prst="rect">
+            <a:avLst/>
+          </a:prstGeom>
+          <a:ln>
+            <a:solidFill>
+              <a:schemeClr val="bg1">
+                <a:lumMod val="50000"/>
+              </a:schemeClr>
+            </a:solidFill>
+          </a:ln>
+        </p:spPr>
+        <p:style>
+          <a:lnRef idx="2">
+            <a:schemeClr val="dk1"/>
+          </a:lnRef>
+          <a:fillRef idx="1">
+            <a:schemeClr val="lt1"/>
+          </a:fillRef>
+          <a:effectRef idx="0">
+            <a:schemeClr val="dk1"/>
+          </a:effectRef>
+          <a:fontRef idx="minor">
+            <a:schemeClr val="dk1"/>
+          </a:fontRef>
+        </p:style>
+        <p:txBody>
+          <a:bodyPr rtlCol="0" anchor="ctr"/>
+          <a:lstStyle/>
+          <a:p>
+            <a:pPr algn="ctr"/>
+            <a:r>
+              <a:rPr lang="de-DE" sz="1600" dirty="0" smtClean="0"/>
+              <a:t>6</a:t>
+            </a:r>
+            <a:endParaRPr lang="de-DE" sz="1600" dirty="0"/>
+          </a:p>
+        </p:txBody>
+      </p:sp>
+      <p:sp>
+        <p:nvSpPr>
+          <p:cNvPr id="24" name="Rechteck 23"/>
+          <p:cNvSpPr/>
+          <p:nvPr/>
+        </p:nvSpPr>
+        <p:spPr>
+          <a:xfrm>
+            <a:off x="32420" y="872183"/>
+            <a:ext cx="5718116" cy="296416"/>
           </a:xfrm>
           <a:prstGeom prst="rect">
             <a:avLst/>
@@ -4282,30 +5736,41 @@
           <a:bodyPr rtlCol="0" anchor="ctr"/>
           <a:lstStyle/>
           <a:p>
-            <a:pPr algn="ctr"/>
-            <a:r>
-              <a:rPr lang="de-DE" dirty="0" smtClean="0"/>
-              <a:t>GSO Design</a:t>
-            </a:r>
-            <a:endParaRPr lang="de-DE" dirty="0"/>
-          </a:p>
-        </p:txBody>
-      </p:sp>
-      <p:sp>
-        <p:nvSpPr>
-          <p:cNvPr id="16" name="Rechteck 15"/>
+            <a:pPr algn="r"/>
+            <a:r>
+              <a:rPr lang="de-DE" dirty="0" smtClean="0">
+                <a:solidFill>
+                  <a:schemeClr val="bg1">
+                    <a:lumMod val="65000"/>
+                  </a:schemeClr>
+                </a:solidFill>
+              </a:rPr>
+              <a:t>Menüleiste</a:t>
+            </a:r>
+            <a:endParaRPr lang="de-DE" dirty="0">
+              <a:solidFill>
+                <a:schemeClr val="bg1">
+                  <a:lumMod val="65000"/>
+                </a:schemeClr>
+              </a:solidFill>
+            </a:endParaRPr>
+          </a:p>
+        </p:txBody>
+      </p:sp>
+      <p:sp>
+        <p:nvSpPr>
+          <p:cNvPr id="25" name="Rechteck 24"/>
           <p:cNvSpPr/>
           <p:nvPr/>
         </p:nvSpPr>
         <p:spPr>
           <a:xfrm>
-            <a:off x="7715272" y="428604"/>
-            <a:ext cx="1285852" cy="500066"/>
+            <a:off x="1691680" y="889440"/>
+            <a:ext cx="1496552" cy="267072"/>
           </a:xfrm>
           <a:prstGeom prst="rect">
             <a:avLst/>
           </a:prstGeom>
-          <a:ln/>
         </p:spPr>
         <p:style>
           <a:lnRef idx="1">
@@ -4327,28 +5792,27 @@
           <a:p>
             <a:pPr algn="ctr"/>
             <a:r>
-              <a:rPr lang="de-DE" sz="1600" dirty="0" smtClean="0"/>
-              <a:t>Auswählen</a:t>
-            </a:r>
-            <a:endParaRPr lang="de-DE" sz="1600" dirty="0"/>
-          </a:p>
-        </p:txBody>
-      </p:sp>
-      <p:sp>
-        <p:nvSpPr>
-          <p:cNvPr id="17" name="Rechteck 16"/>
+              <a:rPr lang="de-DE" dirty="0" smtClean="0"/>
+              <a:t>Admintools</a:t>
+            </a:r>
+            <a:endParaRPr lang="de-DE" dirty="0"/>
+          </a:p>
+        </p:txBody>
+      </p:sp>
+      <p:sp>
+        <p:nvSpPr>
+          <p:cNvPr id="26" name="Rechteck 25"/>
           <p:cNvSpPr/>
           <p:nvPr/>
         </p:nvSpPr>
         <p:spPr>
           <a:xfrm>
-            <a:off x="7715272" y="1142984"/>
-            <a:ext cx="1285852" cy="500066"/>
+            <a:off x="42732" y="884270"/>
+            <a:ext cx="1648948" cy="272242"/>
           </a:xfrm>
           <a:prstGeom prst="rect">
             <a:avLst/>
           </a:prstGeom>
-          <a:ln/>
         </p:spPr>
         <p:style>
           <a:lnRef idx="1">
@@ -4370,469 +5834,19 @@
           <a:p>
             <a:pPr algn="ctr"/>
             <a:r>
-              <a:rPr lang="de-DE" sz="1400" dirty="0" smtClean="0"/>
-              <a:t>Zurück zur Startseite</a:t>
-            </a:r>
-            <a:endParaRPr lang="de-DE" sz="1400" dirty="0"/>
-          </a:p>
-        </p:txBody>
-      </p:sp>
-      <p:sp>
-        <p:nvSpPr>
-          <p:cNvPr id="18" name="Rechteck 17"/>
-          <p:cNvSpPr/>
-          <p:nvPr/>
-        </p:nvSpPr>
-        <p:spPr>
-          <a:xfrm>
-            <a:off x="3071802" y="1857364"/>
-            <a:ext cx="4429156" cy="285752"/>
-          </a:xfrm>
-          <a:prstGeom prst="rect">
-            <a:avLst/>
-          </a:prstGeom>
-          <a:ln>
-            <a:solidFill>
-              <a:schemeClr val="bg1">
-                <a:lumMod val="50000"/>
-              </a:schemeClr>
-            </a:solidFill>
-          </a:ln>
-        </p:spPr>
-        <p:style>
-          <a:lnRef idx="2">
-            <a:schemeClr val="dk1"/>
-          </a:lnRef>
-          <a:fillRef idx="1">
-            <a:schemeClr val="lt1"/>
-          </a:fillRef>
-          <a:effectRef idx="0">
-            <a:schemeClr val="dk1"/>
-          </a:effectRef>
-          <a:fontRef idx="minor">
-            <a:schemeClr val="dk1"/>
-          </a:fontRef>
-        </p:style>
-        <p:txBody>
-          <a:bodyPr rtlCol="0" anchor="ctr"/>
-          <a:lstStyle/>
-          <a:p>
-            <a:pPr algn="ctr"/>
-            <a:r>
-              <a:rPr lang="de-DE" sz="1600" dirty="0" smtClean="0"/>
-              <a:t>Zeugniskonferenz Beschlüsse </a:t>
-            </a:r>
-            <a:endParaRPr lang="de-DE" sz="1600" dirty="0"/>
-          </a:p>
-        </p:txBody>
-      </p:sp>
-      <p:sp>
-        <p:nvSpPr>
-          <p:cNvPr id="19" name="Rechteck 18"/>
-          <p:cNvSpPr/>
-          <p:nvPr/>
-        </p:nvSpPr>
-        <p:spPr>
-          <a:xfrm>
-            <a:off x="3071802" y="2143116"/>
-            <a:ext cx="4429156" cy="285752"/>
-          </a:xfrm>
-          <a:prstGeom prst="rect">
-            <a:avLst/>
-          </a:prstGeom>
-          <a:ln>
-            <a:solidFill>
-              <a:schemeClr val="bg1">
-                <a:lumMod val="50000"/>
-              </a:schemeClr>
-            </a:solidFill>
-          </a:ln>
-        </p:spPr>
-        <p:style>
-          <a:lnRef idx="2">
-            <a:schemeClr val="dk1"/>
-          </a:lnRef>
-          <a:fillRef idx="1">
-            <a:schemeClr val="lt1"/>
-          </a:fillRef>
-          <a:effectRef idx="0">
-            <a:schemeClr val="dk1"/>
-          </a:effectRef>
-          <a:fontRef idx="minor">
-            <a:schemeClr val="dk1"/>
-          </a:fontRef>
-        </p:style>
-        <p:txBody>
-          <a:bodyPr rtlCol="0" anchor="ctr"/>
-          <a:lstStyle/>
-          <a:p>
-            <a:pPr algn="ctr"/>
-            <a:r>
-              <a:rPr lang="de-DE" sz="1600" dirty="0" smtClean="0"/>
-              <a:t>13.11.2018</a:t>
-            </a:r>
-            <a:endParaRPr lang="de-DE" sz="1600" dirty="0"/>
-          </a:p>
-        </p:txBody>
-      </p:sp>
-      <p:sp>
-        <p:nvSpPr>
-          <p:cNvPr id="20" name="Rechteck 19"/>
-          <p:cNvSpPr/>
-          <p:nvPr/>
-        </p:nvSpPr>
-        <p:spPr>
-          <a:xfrm>
-            <a:off x="3071802" y="2428868"/>
-            <a:ext cx="4429156" cy="285752"/>
-          </a:xfrm>
-          <a:prstGeom prst="rect">
-            <a:avLst/>
-          </a:prstGeom>
-          <a:ln>
-            <a:solidFill>
-              <a:schemeClr val="bg1">
-                <a:lumMod val="50000"/>
-              </a:schemeClr>
-            </a:solidFill>
-          </a:ln>
-        </p:spPr>
-        <p:style>
-          <a:lnRef idx="2">
-            <a:schemeClr val="dk1"/>
-          </a:lnRef>
-          <a:fillRef idx="1">
-            <a:schemeClr val="lt1"/>
-          </a:fillRef>
-          <a:effectRef idx="0">
-            <a:schemeClr val="dk1"/>
-          </a:effectRef>
-          <a:fontRef idx="minor">
-            <a:schemeClr val="dk1"/>
-          </a:fontRef>
-        </p:style>
-        <p:txBody>
-          <a:bodyPr rtlCol="0" anchor="ctr"/>
-          <a:lstStyle/>
-          <a:p>
-            <a:pPr algn="ctr"/>
-            <a:r>
-              <a:rPr lang="de-DE" sz="1600" dirty="0" smtClean="0"/>
-              <a:t>Frau Y</a:t>
-            </a:r>
-            <a:endParaRPr lang="de-DE" sz="1600" dirty="0"/>
-          </a:p>
-        </p:txBody>
-      </p:sp>
-      <p:sp>
-        <p:nvSpPr>
-          <p:cNvPr id="21" name="Rechteck 20"/>
-          <p:cNvSpPr/>
-          <p:nvPr/>
-        </p:nvSpPr>
-        <p:spPr>
-          <a:xfrm>
-            <a:off x="571472" y="1857364"/>
-            <a:ext cx="2500330" cy="285752"/>
-          </a:xfrm>
-          <a:prstGeom prst="rect">
-            <a:avLst/>
-          </a:prstGeom>
-        </p:spPr>
-        <p:style>
-          <a:lnRef idx="1">
-            <a:schemeClr val="accent1"/>
-          </a:lnRef>
-          <a:fillRef idx="2">
-            <a:schemeClr val="accent1"/>
-          </a:fillRef>
-          <a:effectRef idx="1">
-            <a:schemeClr val="accent1"/>
-          </a:effectRef>
-          <a:fontRef idx="minor">
-            <a:schemeClr val="dk1"/>
-          </a:fontRef>
-        </p:style>
-        <p:txBody>
-          <a:bodyPr rtlCol="0" anchor="ctr"/>
-          <a:lstStyle/>
-          <a:p>
-            <a:pPr algn="ctr"/>
-            <a:r>
-              <a:rPr lang="de-DE" sz="1600" dirty="0" smtClean="0"/>
-              <a:t>Bezeichnung</a:t>
-            </a:r>
-            <a:endParaRPr lang="de-DE" sz="1600" dirty="0"/>
-          </a:p>
-        </p:txBody>
-      </p:sp>
-      <p:sp>
-        <p:nvSpPr>
-          <p:cNvPr id="22" name="Rechteck 21"/>
-          <p:cNvSpPr/>
-          <p:nvPr/>
-        </p:nvSpPr>
-        <p:spPr>
-          <a:xfrm>
-            <a:off x="571472" y="2143116"/>
-            <a:ext cx="2500330" cy="285752"/>
-          </a:xfrm>
-          <a:prstGeom prst="rect">
-            <a:avLst/>
-          </a:prstGeom>
-        </p:spPr>
-        <p:style>
-          <a:lnRef idx="1">
-            <a:schemeClr val="accent1"/>
-          </a:lnRef>
-          <a:fillRef idx="2">
-            <a:schemeClr val="accent1"/>
-          </a:fillRef>
-          <a:effectRef idx="1">
-            <a:schemeClr val="accent1"/>
-          </a:effectRef>
-          <a:fontRef idx="minor">
-            <a:schemeClr val="dk1"/>
-          </a:fontRef>
-        </p:style>
-        <p:txBody>
-          <a:bodyPr rtlCol="0" anchor="ctr"/>
-          <a:lstStyle/>
-          <a:p>
-            <a:pPr algn="ctr"/>
-            <a:r>
-              <a:rPr lang="de-DE" sz="1600" dirty="0" smtClean="0"/>
-              <a:t>Datum</a:t>
-            </a:r>
-            <a:endParaRPr lang="de-DE" sz="1600" dirty="0"/>
-          </a:p>
-        </p:txBody>
-      </p:sp>
-      <p:sp>
-        <p:nvSpPr>
-          <p:cNvPr id="23" name="Rechteck 22"/>
-          <p:cNvSpPr/>
-          <p:nvPr/>
-        </p:nvSpPr>
-        <p:spPr>
-          <a:xfrm>
-            <a:off x="571472" y="2428868"/>
-            <a:ext cx="2500330" cy="285752"/>
-          </a:xfrm>
-          <a:prstGeom prst="rect">
-            <a:avLst/>
-          </a:prstGeom>
-        </p:spPr>
-        <p:style>
-          <a:lnRef idx="1">
-            <a:schemeClr val="accent1"/>
-          </a:lnRef>
-          <a:fillRef idx="2">
-            <a:schemeClr val="accent1"/>
-          </a:fillRef>
-          <a:effectRef idx="1">
-            <a:schemeClr val="accent1"/>
-          </a:effectRef>
-          <a:fontRef idx="minor">
-            <a:schemeClr val="dk1"/>
-          </a:fontRef>
-        </p:style>
-        <p:txBody>
-          <a:bodyPr rtlCol="0" anchor="ctr"/>
-          <a:lstStyle/>
-          <a:p>
-            <a:pPr algn="ctr"/>
-            <a:r>
-              <a:rPr lang="de-DE" sz="1600" dirty="0" smtClean="0"/>
-              <a:t>Konferenzleiter</a:t>
-            </a:r>
-            <a:endParaRPr lang="de-DE" sz="1600" dirty="0"/>
-          </a:p>
-        </p:txBody>
-      </p:sp>
-      <p:sp>
-        <p:nvSpPr>
-          <p:cNvPr id="24" name="Rechteck 23"/>
-          <p:cNvSpPr/>
-          <p:nvPr/>
-        </p:nvSpPr>
-        <p:spPr>
-          <a:xfrm>
-            <a:off x="571472" y="2714620"/>
-            <a:ext cx="2500330" cy="285752"/>
-          </a:xfrm>
-          <a:prstGeom prst="rect">
-            <a:avLst/>
-          </a:prstGeom>
-        </p:spPr>
-        <p:style>
-          <a:lnRef idx="1">
-            <a:schemeClr val="accent1"/>
-          </a:lnRef>
-          <a:fillRef idx="2">
-            <a:schemeClr val="accent1"/>
-          </a:fillRef>
-          <a:effectRef idx="1">
-            <a:schemeClr val="accent1"/>
-          </a:effectRef>
-          <a:fontRef idx="minor">
-            <a:schemeClr val="dk1"/>
-          </a:fontRef>
-        </p:style>
-        <p:txBody>
-          <a:bodyPr rtlCol="0" anchor="ctr"/>
-          <a:lstStyle/>
-          <a:p>
-            <a:pPr algn="ctr"/>
-            <a:r>
-              <a:rPr lang="de-DE" sz="1600" dirty="0" smtClean="0"/>
-              <a:t>Protokollant</a:t>
-            </a:r>
-            <a:endParaRPr lang="de-DE" sz="1600" dirty="0"/>
-          </a:p>
-        </p:txBody>
-      </p:sp>
-      <p:sp>
-        <p:nvSpPr>
-          <p:cNvPr id="25" name="Rechteck 24"/>
-          <p:cNvSpPr/>
-          <p:nvPr/>
-        </p:nvSpPr>
-        <p:spPr>
-          <a:xfrm>
-            <a:off x="3071802" y="2714620"/>
-            <a:ext cx="4429156" cy="285752"/>
-          </a:xfrm>
-          <a:prstGeom prst="rect">
-            <a:avLst/>
-          </a:prstGeom>
-          <a:ln>
-            <a:solidFill>
-              <a:schemeClr val="bg1">
-                <a:lumMod val="50000"/>
-              </a:schemeClr>
-            </a:solidFill>
-          </a:ln>
-        </p:spPr>
-        <p:style>
-          <a:lnRef idx="2">
-            <a:schemeClr val="dk1"/>
-          </a:lnRef>
-          <a:fillRef idx="1">
-            <a:schemeClr val="lt1"/>
-          </a:fillRef>
-          <a:effectRef idx="0">
-            <a:schemeClr val="dk1"/>
-          </a:effectRef>
-          <a:fontRef idx="minor">
-            <a:schemeClr val="dk1"/>
-          </a:fontRef>
-        </p:style>
-        <p:txBody>
-          <a:bodyPr rtlCol="0" anchor="ctr"/>
-          <a:lstStyle/>
-          <a:p>
-            <a:pPr algn="ctr"/>
-            <a:r>
-              <a:rPr lang="de-DE" sz="1600" dirty="0" smtClean="0"/>
-              <a:t>Herr B</a:t>
-            </a:r>
-            <a:endParaRPr lang="de-DE" sz="1600" dirty="0"/>
-          </a:p>
-        </p:txBody>
-      </p:sp>
-      <p:sp>
-        <p:nvSpPr>
-          <p:cNvPr id="26" name="Rechteck 25"/>
-          <p:cNvSpPr/>
-          <p:nvPr/>
-        </p:nvSpPr>
-        <p:spPr>
-          <a:xfrm>
-            <a:off x="571472" y="3429000"/>
-            <a:ext cx="6929486" cy="285752"/>
-          </a:xfrm>
-          <a:prstGeom prst="rect">
-            <a:avLst/>
-          </a:prstGeom>
-        </p:spPr>
-        <p:style>
-          <a:lnRef idx="1">
-            <a:schemeClr val="accent1"/>
-          </a:lnRef>
-          <a:fillRef idx="2">
-            <a:schemeClr val="accent1"/>
-          </a:fillRef>
-          <a:effectRef idx="1">
-            <a:schemeClr val="accent1"/>
-          </a:effectRef>
-          <a:fontRef idx="minor">
-            <a:schemeClr val="dk1"/>
-          </a:fontRef>
-        </p:style>
-        <p:txBody>
-          <a:bodyPr rtlCol="0" anchor="ctr"/>
-          <a:lstStyle/>
-          <a:p>
-            <a:pPr algn="ctr"/>
-            <a:r>
-              <a:rPr lang="de-DE" sz="1600" dirty="0" smtClean="0"/>
-              <a:t>1. Beschluss</a:t>
-            </a:r>
-            <a:endParaRPr lang="de-DE" sz="1600" dirty="0"/>
-          </a:p>
-        </p:txBody>
-      </p:sp>
-      <p:sp>
-        <p:nvSpPr>
-          <p:cNvPr id="27" name="Rechteck 26"/>
-          <p:cNvSpPr/>
-          <p:nvPr/>
-        </p:nvSpPr>
-        <p:spPr>
-          <a:xfrm>
-            <a:off x="571472" y="3714752"/>
-            <a:ext cx="6929486" cy="428628"/>
-          </a:xfrm>
-          <a:prstGeom prst="rect">
-            <a:avLst/>
-          </a:prstGeom>
-          <a:ln>
-            <a:solidFill>
-              <a:schemeClr val="bg1">
-                <a:lumMod val="50000"/>
-              </a:schemeClr>
-            </a:solidFill>
-          </a:ln>
-        </p:spPr>
-        <p:style>
-          <a:lnRef idx="2">
-            <a:schemeClr val="dk1"/>
-          </a:lnRef>
-          <a:fillRef idx="1">
-            <a:schemeClr val="lt1"/>
-          </a:fillRef>
-          <a:effectRef idx="0">
-            <a:schemeClr val="dk1"/>
-          </a:effectRef>
-          <a:fontRef idx="minor">
-            <a:schemeClr val="dk1"/>
-          </a:fontRef>
-        </p:style>
-        <p:txBody>
-          <a:bodyPr rtlCol="0" anchor="ctr"/>
-          <a:lstStyle/>
-          <a:p>
-            <a:pPr algn="ctr"/>
-            <a:r>
-              <a:rPr lang="de-DE" sz="1600" smtClean="0"/>
-              <a:t>Schüler H </a:t>
-            </a:r>
-            <a:endParaRPr lang="de-DE" sz="1600" dirty="0"/>
+              <a:rPr lang="de-DE" dirty="0" smtClean="0"/>
+              <a:t>Protokolle</a:t>
+            </a:r>
+            <a:endParaRPr lang="de-DE" dirty="0"/>
           </a:p>
         </p:txBody>
       </p:sp>
     </p:spTree>
+    <p:extLst>
+      <p:ext uri="{BB962C8B-B14F-4D97-AF65-F5344CB8AC3E}">
+        <p14:creationId xmlns:p14="http://schemas.microsoft.com/office/powerpoint/2010/main" val="2983032858"/>
+      </p:ext>
+    </p:extLst>
   </p:cSld>
   <p:clrMapOvr>
     <a:masterClrMapping/>
@@ -5121,4 +6135,289 @@
   <a:objectDefaults/>
   <a:extraClrSchemeLst/>
 </a:theme>
+</file>
+
+<file path=ppt/theme/theme2.xml><?xml version="1.0" encoding="utf-8"?>
+<a:theme xmlns:a="http://schemas.openxmlformats.org/drawingml/2006/main" name="Larissa">
+  <a:themeElements>
+    <a:clrScheme name="Larissa">
+      <a:dk1>
+        <a:sysClr val="windowText" lastClr="000000"/>
+      </a:dk1>
+      <a:lt1>
+        <a:sysClr val="window" lastClr="FFFFFF"/>
+      </a:lt1>
+      <a:dk2>
+        <a:srgbClr val="1F497D"/>
+      </a:dk2>
+      <a:lt2>
+        <a:srgbClr val="EEECE1"/>
+      </a:lt2>
+      <a:accent1>
+        <a:srgbClr val="4F81BD"/>
+      </a:accent1>
+      <a:accent2>
+        <a:srgbClr val="C0504D"/>
+      </a:accent2>
+      <a:accent3>
+        <a:srgbClr val="9BBB59"/>
+      </a:accent3>
+      <a:accent4>
+        <a:srgbClr val="8064A2"/>
+      </a:accent4>
+      <a:accent5>
+        <a:srgbClr val="4BACC6"/>
+      </a:accent5>
+      <a:accent6>
+        <a:srgbClr val="F79646"/>
+      </a:accent6>
+      <a:hlink>
+        <a:srgbClr val="0000FF"/>
+      </a:hlink>
+      <a:folHlink>
+        <a:srgbClr val="800080"/>
+      </a:folHlink>
+    </a:clrScheme>
+    <a:fontScheme name="Larissa">
+      <a:majorFont>
+        <a:latin typeface="Calibri"/>
+        <a:ea typeface=""/>
+        <a:cs typeface=""/>
+        <a:font script="Jpan" typeface="ＭＳ Ｐゴシック"/>
+        <a:font script="Hang" typeface="맑은 고딕"/>
+        <a:font script="Hans" typeface="宋体"/>
+        <a:font script="Hant" typeface="新細明體"/>
+        <a:font script="Arab" typeface="Times New Roman"/>
+        <a:font script="Hebr" typeface="Times New Roman"/>
+        <a:font script="Thai" typeface="Angsana New"/>
+        <a:font script="Ethi" typeface="Nyala"/>
+        <a:font script="Beng" typeface="Vrinda"/>
+        <a:font script="Gujr" typeface="Shruti"/>
+        <a:font script="Khmr" typeface="MoolBoran"/>
+        <a:font script="Knda" typeface="Tunga"/>
+        <a:font script="Guru" typeface="Raavi"/>
+        <a:font script="Cans" typeface="Euphemia"/>
+        <a:font script="Cher" typeface="Plantagenet Cherokee"/>
+        <a:font script="Yiii" typeface="Microsoft Yi Baiti"/>
+        <a:font script="Tibt" typeface="Microsoft Himalaya"/>
+        <a:font script="Thaa" typeface="MV Boli"/>
+        <a:font script="Deva" typeface="Mangal"/>
+        <a:font script="Telu" typeface="Gautami"/>
+        <a:font script="Taml" typeface="Latha"/>
+        <a:font script="Syrc" typeface="Estrangelo Edessa"/>
+        <a:font script="Orya" typeface="Kalinga"/>
+        <a:font script="Mlym" typeface="Kartika"/>
+        <a:font script="Laoo" typeface="DokChampa"/>
+        <a:font script="Sinh" typeface="Iskoola Pota"/>
+        <a:font script="Mong" typeface="Mongolian Baiti"/>
+        <a:font script="Viet" typeface="Times New Roman"/>
+        <a:font script="Uigh" typeface="Microsoft Uighur"/>
+        <a:font script="Geor" typeface="Sylfaen"/>
+      </a:majorFont>
+      <a:minorFont>
+        <a:latin typeface="Calibri"/>
+        <a:ea typeface=""/>
+        <a:cs typeface=""/>
+        <a:font script="Jpan" typeface="ＭＳ Ｐゴシック"/>
+        <a:font script="Hang" typeface="맑은 고딕"/>
+        <a:font script="Hans" typeface="宋体"/>
+        <a:font script="Hant" typeface="新細明體"/>
+        <a:font script="Arab" typeface="Arial"/>
+        <a:font script="Hebr" typeface="Arial"/>
+        <a:font script="Thai" typeface="Cordia New"/>
+        <a:font script="Ethi" typeface="Nyala"/>
+        <a:font script="Beng" typeface="Vrinda"/>
+        <a:font script="Gujr" typeface="Shruti"/>
+        <a:font script="Khmr" typeface="DaunPenh"/>
+        <a:font script="Knda" typeface="Tunga"/>
+        <a:font script="Guru" typeface="Raavi"/>
+        <a:font script="Cans" typeface="Euphemia"/>
+        <a:font script="Cher" typeface="Plantagenet Cherokee"/>
+        <a:font script="Yiii" typeface="Microsoft Yi Baiti"/>
+        <a:font script="Tibt" typeface="Microsoft Himalaya"/>
+        <a:font script="Thaa" typeface="MV Boli"/>
+        <a:font script="Deva" typeface="Mangal"/>
+        <a:font script="Telu" typeface="Gautami"/>
+        <a:font script="Taml" typeface="Latha"/>
+        <a:font script="Syrc" typeface="Estrangelo Edessa"/>
+        <a:font script="Orya" typeface="Kalinga"/>
+        <a:font script="Mlym" typeface="Kartika"/>
+        <a:font script="Laoo" typeface="DokChampa"/>
+        <a:font script="Sinh" typeface="Iskoola Pota"/>
+        <a:font script="Mong" typeface="Mongolian Baiti"/>
+        <a:font script="Viet" typeface="Arial"/>
+        <a:font script="Uigh" typeface="Microsoft Uighur"/>
+        <a:font script="Geor" typeface="Sylfaen"/>
+      </a:minorFont>
+    </a:fontScheme>
+    <a:fmtScheme name="Larissa">
+      <a:fillStyleLst>
+        <a:solidFill>
+          <a:schemeClr val="phClr"/>
+        </a:solidFill>
+        <a:gradFill rotWithShape="1">
+          <a:gsLst>
+            <a:gs pos="0">
+              <a:schemeClr val="phClr">
+                <a:tint val="50000"/>
+                <a:satMod val="300000"/>
+              </a:schemeClr>
+            </a:gs>
+            <a:gs pos="35000">
+              <a:schemeClr val="phClr">
+                <a:tint val="37000"/>
+                <a:satMod val="300000"/>
+              </a:schemeClr>
+            </a:gs>
+            <a:gs pos="100000">
+              <a:schemeClr val="phClr">
+                <a:tint val="15000"/>
+                <a:satMod val="350000"/>
+              </a:schemeClr>
+            </a:gs>
+          </a:gsLst>
+          <a:lin ang="16200000" scaled="1"/>
+        </a:gradFill>
+        <a:gradFill rotWithShape="1">
+          <a:gsLst>
+            <a:gs pos="0">
+              <a:schemeClr val="phClr">
+                <a:shade val="51000"/>
+                <a:satMod val="130000"/>
+              </a:schemeClr>
+            </a:gs>
+            <a:gs pos="80000">
+              <a:schemeClr val="phClr">
+                <a:shade val="93000"/>
+                <a:satMod val="130000"/>
+              </a:schemeClr>
+            </a:gs>
+            <a:gs pos="100000">
+              <a:schemeClr val="phClr">
+                <a:shade val="94000"/>
+                <a:satMod val="135000"/>
+              </a:schemeClr>
+            </a:gs>
+          </a:gsLst>
+          <a:lin ang="16200000" scaled="0"/>
+        </a:gradFill>
+      </a:fillStyleLst>
+      <a:lnStyleLst>
+        <a:ln w="9525" cap="flat" cmpd="sng" algn="ctr">
+          <a:solidFill>
+            <a:schemeClr val="phClr">
+              <a:shade val="95000"/>
+              <a:satMod val="105000"/>
+            </a:schemeClr>
+          </a:solidFill>
+          <a:prstDash val="solid"/>
+        </a:ln>
+        <a:ln w="25400" cap="flat" cmpd="sng" algn="ctr">
+          <a:solidFill>
+            <a:schemeClr val="phClr"/>
+          </a:solidFill>
+          <a:prstDash val="solid"/>
+        </a:ln>
+        <a:ln w="38100" cap="flat" cmpd="sng" algn="ctr">
+          <a:solidFill>
+            <a:schemeClr val="phClr"/>
+          </a:solidFill>
+          <a:prstDash val="solid"/>
+        </a:ln>
+      </a:lnStyleLst>
+      <a:effectStyleLst>
+        <a:effectStyle>
+          <a:effectLst>
+            <a:outerShdw blurRad="40000" dist="20000" dir="5400000" rotWithShape="0">
+              <a:srgbClr val="000000">
+                <a:alpha val="38000"/>
+              </a:srgbClr>
+            </a:outerShdw>
+          </a:effectLst>
+        </a:effectStyle>
+        <a:effectStyle>
+          <a:effectLst>
+            <a:outerShdw blurRad="40000" dist="23000" dir="5400000" rotWithShape="0">
+              <a:srgbClr val="000000">
+                <a:alpha val="35000"/>
+              </a:srgbClr>
+            </a:outerShdw>
+          </a:effectLst>
+        </a:effectStyle>
+        <a:effectStyle>
+          <a:effectLst>
+            <a:outerShdw blurRad="40000" dist="23000" dir="5400000" rotWithShape="0">
+              <a:srgbClr val="000000">
+                <a:alpha val="35000"/>
+              </a:srgbClr>
+            </a:outerShdw>
+          </a:effectLst>
+          <a:scene3d>
+            <a:camera prst="orthographicFront">
+              <a:rot lat="0" lon="0" rev="0"/>
+            </a:camera>
+            <a:lightRig rig="threePt" dir="t">
+              <a:rot lat="0" lon="0" rev="1200000"/>
+            </a:lightRig>
+          </a:scene3d>
+          <a:sp3d>
+            <a:bevelT w="63500" h="25400"/>
+          </a:sp3d>
+        </a:effectStyle>
+      </a:effectStyleLst>
+      <a:bgFillStyleLst>
+        <a:solidFill>
+          <a:schemeClr val="phClr"/>
+        </a:solidFill>
+        <a:gradFill rotWithShape="1">
+          <a:gsLst>
+            <a:gs pos="0">
+              <a:schemeClr val="phClr">
+                <a:tint val="40000"/>
+                <a:satMod val="350000"/>
+              </a:schemeClr>
+            </a:gs>
+            <a:gs pos="40000">
+              <a:schemeClr val="phClr">
+                <a:tint val="45000"/>
+                <a:shade val="99000"/>
+                <a:satMod val="350000"/>
+              </a:schemeClr>
+            </a:gs>
+            <a:gs pos="100000">
+              <a:schemeClr val="phClr">
+                <a:shade val="20000"/>
+                <a:satMod val="255000"/>
+              </a:schemeClr>
+            </a:gs>
+          </a:gsLst>
+          <a:path path="circle">
+            <a:fillToRect l="50000" t="-80000" r="50000" b="180000"/>
+          </a:path>
+        </a:gradFill>
+        <a:gradFill rotWithShape="1">
+          <a:gsLst>
+            <a:gs pos="0">
+              <a:schemeClr val="phClr">
+                <a:tint val="80000"/>
+                <a:satMod val="300000"/>
+              </a:schemeClr>
+            </a:gs>
+            <a:gs pos="100000">
+              <a:schemeClr val="phClr">
+                <a:shade val="30000"/>
+                <a:satMod val="200000"/>
+              </a:schemeClr>
+            </a:gs>
+          </a:gsLst>
+          <a:path path="circle">
+            <a:fillToRect l="50000" t="50000" r="50000" b="50000"/>
+          </a:path>
+        </a:gradFill>
+      </a:bgFillStyleLst>
+    </a:fmtScheme>
+  </a:themeElements>
+  <a:objectDefaults/>
+  <a:extraClrSchemeLst/>
+</a:theme>
 </file>
--- a/Dokumentation + Diagramme etc/PaperPrototyp.pptx
+++ b/Dokumentation + Diagramme etc/PaperPrototyp.pptx
@@ -594,13 +594,8 @@
           <a:p>
             <a:r>
               <a:rPr lang="de-DE" dirty="0" smtClean="0"/>
-              <a:t>Neues </a:t>
-            </a:r>
-            <a:r>
-              <a:rPr lang="de-DE" smtClean="0"/>
-              <a:t>Protokoll anlegen</a:t>
-            </a:r>
-            <a:endParaRPr lang="de-DE" dirty="0" smtClean="0"/>
+              <a:t>Neues Protokoll anlegen</a:t>
+            </a:r>
           </a:p>
         </p:txBody>
       </p:sp>
@@ -4736,14 +4731,61 @@
       </p:grpSpPr>
       <p:sp>
         <p:nvSpPr>
-          <p:cNvPr id="9" name="Rechteck 8"/>
+          <p:cNvPr id="4" name="Rechteck 3"/>
           <p:cNvSpPr/>
           <p:nvPr/>
         </p:nvSpPr>
         <p:spPr>
           <a:xfrm>
-            <a:off x="6012160" y="1267620"/>
-            <a:ext cx="2808312" cy="1873348"/>
+            <a:off x="5749778" y="147725"/>
+            <a:ext cx="1348772" cy="285752"/>
+          </a:xfrm>
+          <a:prstGeom prst="rect">
+            <a:avLst/>
+          </a:prstGeom>
+          <a:ln>
+            <a:solidFill>
+              <a:schemeClr val="tx1"/>
+            </a:solidFill>
+          </a:ln>
+        </p:spPr>
+        <p:style>
+          <a:lnRef idx="2">
+            <a:schemeClr val="dk1"/>
+          </a:lnRef>
+          <a:fillRef idx="1">
+            <a:schemeClr val="lt1"/>
+          </a:fillRef>
+          <a:effectRef idx="0">
+            <a:schemeClr val="dk1"/>
+          </a:effectRef>
+          <a:fontRef idx="minor">
+            <a:schemeClr val="dk1"/>
+          </a:fontRef>
+        </p:style>
+        <p:txBody>
+          <a:bodyPr rtlCol="0" anchor="ctr"/>
+          <a:lstStyle/>
+          <a:p>
+            <a:pPr algn="ctr"/>
+            <a:r>
+              <a:rPr lang="de-DE" smtClean="0"/>
+              <a:t>Benutzer</a:t>
+            </a:r>
+            <a:endParaRPr lang="de-DE" dirty="0"/>
+          </a:p>
+        </p:txBody>
+      </p:sp>
+      <p:sp>
+        <p:nvSpPr>
+          <p:cNvPr id="6" name="Rechteck 5"/>
+          <p:cNvSpPr/>
+          <p:nvPr/>
+        </p:nvSpPr>
+        <p:spPr>
+          <a:xfrm>
+            <a:off x="0" y="0"/>
+            <a:ext cx="2195736" cy="764704"/>
           </a:xfrm>
           <a:prstGeom prst="rect">
             <a:avLst/>
@@ -4768,16 +4810,6 @@
           <a:lstStyle/>
           <a:p>
             <a:pPr algn="ctr"/>
-            <a:endParaRPr lang="de-DE" dirty="0" smtClean="0">
-              <a:solidFill>
-                <a:schemeClr val="bg1">
-                  <a:lumMod val="65000"/>
-                </a:schemeClr>
-              </a:solidFill>
-            </a:endParaRPr>
-          </a:p>
-          <a:p>
-            <a:pPr algn="ctr"/>
             <a:r>
               <a:rPr lang="de-DE" dirty="0" smtClean="0">
                 <a:solidFill>
@@ -4796,7 +4828,7 @@
                   </a:schemeClr>
                 </a:solidFill>
               </a:rPr>
-              <a:t>Design</a:t>
+              <a:t>Logo</a:t>
             </a:r>
             <a:endParaRPr lang="de-DE" dirty="0">
               <a:solidFill>
@@ -4810,14 +4842,56 @@
       </p:sp>
       <p:sp>
         <p:nvSpPr>
-          <p:cNvPr id="3" name="Rechteck 2"/>
+          <p:cNvPr id="7" name="Rechteck 6"/>
           <p:cNvSpPr/>
           <p:nvPr/>
         </p:nvSpPr>
         <p:spPr>
           <a:xfrm>
-            <a:off x="395536" y="1267620"/>
-            <a:ext cx="5355000" cy="2857520"/>
+            <a:off x="7248836" y="55885"/>
+            <a:ext cx="1571636" cy="428628"/>
+          </a:xfrm>
+          <a:prstGeom prst="rect">
+            <a:avLst/>
+          </a:prstGeom>
+        </p:spPr>
+        <p:style>
+          <a:lnRef idx="1">
+            <a:schemeClr val="dk1"/>
+          </a:lnRef>
+          <a:fillRef idx="2">
+            <a:schemeClr val="dk1"/>
+          </a:fillRef>
+          <a:effectRef idx="1">
+            <a:schemeClr val="dk1"/>
+          </a:effectRef>
+          <a:fontRef idx="minor">
+            <a:schemeClr val="dk1"/>
+          </a:fontRef>
+        </p:style>
+        <p:txBody>
+          <a:bodyPr rtlCol="0" anchor="ctr"/>
+          <a:lstStyle/>
+          <a:p>
+            <a:pPr algn="ctr"/>
+            <a:r>
+              <a:rPr lang="de-DE" dirty="0" smtClean="0"/>
+              <a:t>Abmelden</a:t>
+            </a:r>
+            <a:endParaRPr lang="de-DE" dirty="0"/>
+          </a:p>
+        </p:txBody>
+      </p:sp>
+      <p:sp>
+        <p:nvSpPr>
+          <p:cNvPr id="24" name="Rechteck 23"/>
+          <p:cNvSpPr/>
+          <p:nvPr/>
+        </p:nvSpPr>
+        <p:spPr>
+          <a:xfrm>
+            <a:off x="32420" y="872183"/>
+            <a:ext cx="5718116" cy="296416"/>
           </a:xfrm>
           <a:prstGeom prst="rect">
             <a:avLst/>
@@ -4841,7 +4915,7 @@
           <a:bodyPr rtlCol="0" anchor="ctr"/>
           <a:lstStyle/>
           <a:p>
-            <a:pPr algn="ctr"/>
+            <a:pPr algn="r"/>
             <a:r>
               <a:rPr lang="de-DE" dirty="0" smtClean="0">
                 <a:solidFill>
@@ -4850,17 +4924,7 @@
                   </a:schemeClr>
                 </a:solidFill>
               </a:rPr>
-              <a:t>GSO </a:t>
-            </a:r>
-            <a:r>
-              <a:rPr lang="de-DE" dirty="0" smtClean="0">
-                <a:solidFill>
-                  <a:schemeClr val="bg1">
-                    <a:lumMod val="65000"/>
-                  </a:schemeClr>
-                </a:solidFill>
-              </a:rPr>
-              <a:t>Bild</a:t>
+              <a:t>Menüleiste</a:t>
             </a:r>
             <a:endParaRPr lang="de-DE" dirty="0">
               <a:solidFill>
@@ -4874,32 +4938,27 @@
       </p:sp>
       <p:sp>
         <p:nvSpPr>
-          <p:cNvPr id="4" name="Rechteck 3"/>
+          <p:cNvPr id="25" name="Rechteck 24"/>
           <p:cNvSpPr/>
           <p:nvPr/>
         </p:nvSpPr>
         <p:spPr>
           <a:xfrm>
-            <a:off x="6180888" y="1410496"/>
-            <a:ext cx="2428892" cy="285752"/>
+            <a:off x="1691680" y="889440"/>
+            <a:ext cx="1496552" cy="267072"/>
           </a:xfrm>
           <a:prstGeom prst="rect">
             <a:avLst/>
           </a:prstGeom>
-          <a:ln>
-            <a:solidFill>
-              <a:schemeClr val="tx1"/>
-            </a:solidFill>
-          </a:ln>
         </p:spPr>
         <p:style>
-          <a:lnRef idx="2">
+          <a:lnRef idx="1">
             <a:schemeClr val="dk1"/>
           </a:lnRef>
-          <a:fillRef idx="1">
-            <a:schemeClr val="lt1"/>
+          <a:fillRef idx="2">
+            <a:schemeClr val="dk1"/>
           </a:fillRef>
-          <a:effectRef idx="0">
+          <a:effectRef idx="1">
             <a:schemeClr val="dk1"/>
           </a:effectRef>
           <a:fontRef idx="minor">
@@ -4913,7 +4972,7 @@
             <a:pPr algn="ctr"/>
             <a:r>
               <a:rPr lang="de-DE" dirty="0" smtClean="0"/>
-              <a:t>Benutzername</a:t>
+              <a:t>Admintools</a:t>
             </a:r>
             <a:endParaRPr lang="de-DE" dirty="0"/>
           </a:p>
@@ -4921,32 +4980,27 @@
       </p:sp>
       <p:sp>
         <p:nvSpPr>
-          <p:cNvPr id="5" name="Rechteck 4"/>
+          <p:cNvPr id="26" name="Rechteck 25"/>
           <p:cNvSpPr/>
           <p:nvPr/>
         </p:nvSpPr>
         <p:spPr>
           <a:xfrm>
-            <a:off x="6180888" y="1827808"/>
-            <a:ext cx="2428892" cy="285752"/>
+            <a:off x="42732" y="884270"/>
+            <a:ext cx="1648948" cy="272242"/>
           </a:xfrm>
           <a:prstGeom prst="rect">
             <a:avLst/>
           </a:prstGeom>
-          <a:ln>
-            <a:solidFill>
-              <a:schemeClr val="tx1"/>
-            </a:solidFill>
-          </a:ln>
         </p:spPr>
         <p:style>
-          <a:lnRef idx="2">
+          <a:lnRef idx="1">
             <a:schemeClr val="dk1"/>
           </a:lnRef>
-          <a:fillRef idx="1">
-            <a:schemeClr val="lt1"/>
+          <a:fillRef idx="2">
+            <a:schemeClr val="dk1"/>
           </a:fillRef>
-          <a:effectRef idx="0">
+          <a:effectRef idx="1">
             <a:schemeClr val="dk1"/>
           </a:effectRef>
           <a:fontRef idx="minor">
@@ -4960,7 +5014,7 @@
             <a:pPr algn="ctr"/>
             <a:r>
               <a:rPr lang="de-DE" dirty="0" smtClean="0"/>
-              <a:t>Passwort</a:t>
+              <a:t>Protokolle</a:t>
             </a:r>
             <a:endParaRPr lang="de-DE" dirty="0"/>
           </a:p>
@@ -4968,14 +5022,14 @@
       </p:sp>
       <p:sp>
         <p:nvSpPr>
-          <p:cNvPr id="6" name="Rechteck 5"/>
+          <p:cNvPr id="27" name="Rechteck 26"/>
           <p:cNvSpPr/>
           <p:nvPr/>
         </p:nvSpPr>
         <p:spPr>
           <a:xfrm>
-            <a:off x="0" y="0"/>
-            <a:ext cx="2195736" cy="764704"/>
+            <a:off x="395536" y="1268760"/>
+            <a:ext cx="8424936" cy="1656184"/>
           </a:xfrm>
           <a:prstGeom prst="rect">
             <a:avLst/>
@@ -5000,26 +5054,16 @@
           <a:lstStyle/>
           <a:p>
             <a:pPr algn="ctr"/>
-            <a:r>
-              <a:rPr lang="de-DE" dirty="0" smtClean="0">
-                <a:solidFill>
-                  <a:schemeClr val="bg1">
-                    <a:lumMod val="65000"/>
-                  </a:schemeClr>
-                </a:solidFill>
-              </a:rPr>
-              <a:t>GSO </a:t>
-            </a:r>
-            <a:r>
-              <a:rPr lang="de-DE" dirty="0" smtClean="0">
-                <a:solidFill>
-                  <a:schemeClr val="bg1">
-                    <a:lumMod val="65000"/>
-                  </a:schemeClr>
-                </a:solidFill>
-              </a:rPr>
-              <a:t>Logo</a:t>
-            </a:r>
+            <a:endParaRPr lang="de-DE" dirty="0" smtClean="0">
+              <a:solidFill>
+                <a:schemeClr val="bg1">
+                  <a:lumMod val="65000"/>
+                </a:schemeClr>
+              </a:solidFill>
+            </a:endParaRPr>
+          </a:p>
+          <a:p>
+            <a:pPr algn="ctr"/>
             <a:endParaRPr lang="de-DE" dirty="0">
               <a:solidFill>
                 <a:schemeClr val="bg1">
@@ -5028,31 +5072,76 @@
               </a:solidFill>
             </a:endParaRPr>
           </a:p>
-        </p:txBody>
-      </p:sp>
-      <p:sp>
-        <p:nvSpPr>
-          <p:cNvPr id="7" name="Rechteck 6"/>
+          <a:p>
+            <a:pPr algn="ctr"/>
+            <a:endParaRPr lang="de-DE" dirty="0" smtClean="0">
+              <a:solidFill>
+                <a:schemeClr val="bg1">
+                  <a:lumMod val="65000"/>
+                </a:schemeClr>
+              </a:solidFill>
+            </a:endParaRPr>
+          </a:p>
+          <a:p>
+            <a:pPr algn="ctr"/>
+            <a:endParaRPr lang="de-DE" dirty="0">
+              <a:solidFill>
+                <a:schemeClr val="bg1">
+                  <a:lumMod val="65000"/>
+                </a:schemeClr>
+              </a:solidFill>
+            </a:endParaRPr>
+          </a:p>
+          <a:p>
+            <a:pPr algn="ctr"/>
+            <a:endParaRPr lang="de-DE" dirty="0" smtClean="0">
+              <a:solidFill>
+                <a:schemeClr val="bg1">
+                  <a:lumMod val="65000"/>
+                </a:schemeClr>
+              </a:solidFill>
+            </a:endParaRPr>
+          </a:p>
+          <a:p>
+            <a:pPr algn="ctr"/>
+            <a:endParaRPr lang="de-DE" dirty="0">
+              <a:solidFill>
+                <a:schemeClr val="bg1">
+                  <a:lumMod val="65000"/>
+                </a:schemeClr>
+              </a:solidFill>
+            </a:endParaRPr>
+          </a:p>
+        </p:txBody>
+      </p:sp>
+      <p:sp>
+        <p:nvSpPr>
+          <p:cNvPr id="28" name="Rechteck 27"/>
           <p:cNvSpPr/>
           <p:nvPr/>
         </p:nvSpPr>
         <p:spPr>
           <a:xfrm>
-            <a:off x="6180888" y="2571744"/>
-            <a:ext cx="1571636" cy="428628"/>
+            <a:off x="486924" y="1348037"/>
+            <a:ext cx="2428892" cy="285752"/>
           </a:xfrm>
           <a:prstGeom prst="rect">
             <a:avLst/>
           </a:prstGeom>
+          <a:ln>
+            <a:solidFill>
+              <a:schemeClr val="tx1"/>
+            </a:solidFill>
+          </a:ln>
         </p:spPr>
         <p:style>
-          <a:lnRef idx="1">
+          <a:lnRef idx="2">
             <a:schemeClr val="dk1"/>
           </a:lnRef>
-          <a:fillRef idx="2">
-            <a:schemeClr val="dk1"/>
+          <a:fillRef idx="1">
+            <a:schemeClr val="lt1"/>
           </a:fillRef>
-          <a:effectRef idx="1">
+          <a:effectRef idx="0">
             <a:schemeClr val="dk1"/>
           </a:effectRef>
           <a:fontRef idx="minor">
@@ -5066,7 +5155,7 @@
             <a:pPr algn="ctr"/>
             <a:r>
               <a:rPr lang="de-DE" dirty="0" smtClean="0"/>
-              <a:t>Anmelden</a:t>
+              <a:t>Protokolltyp</a:t>
             </a:r>
             <a:endParaRPr lang="de-DE" dirty="0"/>
           </a:p>
@@ -5074,14 +5163,14 @@
       </p:sp>
       <p:sp>
         <p:nvSpPr>
-          <p:cNvPr id="8" name="Rechteck 7"/>
+          <p:cNvPr id="30" name="Rechteck 29"/>
           <p:cNvSpPr/>
           <p:nvPr/>
         </p:nvSpPr>
         <p:spPr>
           <a:xfrm>
-            <a:off x="7020272" y="3982264"/>
-            <a:ext cx="1805532" cy="2687096"/>
+            <a:off x="486924" y="1705000"/>
+            <a:ext cx="8261540" cy="783704"/>
           </a:xfrm>
           <a:prstGeom prst="rect">
             <a:avLst/>
@@ -5107,40 +5196,6 @@
           <a:p>
             <a:pPr algn="ctr"/>
             <a:r>
-              <a:rPr lang="de-DE" dirty="0" smtClean="0"/>
-              <a:t>Protokolltool</a:t>
-            </a:r>
-          </a:p>
-          <a:p>
-            <a:pPr algn="ctr"/>
-            <a:endParaRPr lang="de-DE" dirty="0" smtClean="0"/>
-          </a:p>
-          <a:p>
-            <a:pPr algn="ctr"/>
-            <a:r>
-              <a:rPr lang="de-DE" dirty="0" smtClean="0"/>
-              <a:t>Made </a:t>
-            </a:r>
-            <a:r>
-              <a:rPr lang="de-DE" dirty="0" err="1" smtClean="0"/>
-              <a:t>with</a:t>
-            </a:r>
-            <a:r>
-              <a:rPr lang="de-DE" dirty="0" smtClean="0"/>
-              <a:t> ♥ </a:t>
-            </a:r>
-            <a:r>
-              <a:rPr lang="de-DE" dirty="0" err="1" smtClean="0"/>
-              <a:t>by</a:t>
-            </a:r>
-            <a:r>
-              <a:rPr lang="de-DE" dirty="0" smtClean="0"/>
-              <a:t>:</a:t>
-            </a:r>
-          </a:p>
-          <a:p>
-            <a:pPr algn="ctr"/>
-            <a:r>
               <a:rPr lang="de-DE" dirty="0" smtClean="0">
                 <a:solidFill>
                   <a:schemeClr val="bg1">
@@ -5148,7 +5203,7 @@
                   </a:schemeClr>
                 </a:solidFill>
               </a:rPr>
-              <a:t>GSO Design</a:t>
+              <a:t>Liste von Lehrern</a:t>
             </a:r>
             <a:endParaRPr lang="de-DE" dirty="0">
               <a:solidFill>
@@ -5158,52 +5213,279 @@
               </a:solidFill>
             </a:endParaRPr>
           </a:p>
-          <a:p>
-            <a:r>
-              <a:rPr lang="de-DE" dirty="0" smtClean="0"/>
-              <a:t>• MCGD</a:t>
-            </a:r>
-          </a:p>
-          <a:p>
-            <a:r>
-              <a:rPr lang="de-DE" dirty="0" smtClean="0"/>
-              <a:t>• </a:t>
-            </a:r>
-            <a:r>
-              <a:rPr lang="de-DE" dirty="0" err="1" smtClean="0"/>
-              <a:t>newKid</a:t>
-            </a:r>
-            <a:endParaRPr lang="de-DE" dirty="0" smtClean="0"/>
-          </a:p>
-          <a:p>
-            <a:r>
-              <a:rPr lang="de-DE" dirty="0" smtClean="0"/>
-              <a:t>• Detlef</a:t>
-            </a:r>
-          </a:p>
-          <a:p>
-            <a:r>
-              <a:rPr lang="de-DE" dirty="0" smtClean="0"/>
-              <a:t>• </a:t>
-            </a:r>
-            <a:r>
-              <a:rPr lang="de-DE" dirty="0" err="1" smtClean="0"/>
-              <a:t>Gollnick</a:t>
-            </a:r>
-            <a:endParaRPr lang="de-DE" dirty="0"/>
-          </a:p>
-        </p:txBody>
-      </p:sp>
-      <p:sp>
-        <p:nvSpPr>
-          <p:cNvPr id="10" name="Rechteck 9"/>
+        </p:txBody>
+      </p:sp>
+      <p:sp>
+        <p:nvSpPr>
+          <p:cNvPr id="31" name="Rechteck 30"/>
           <p:cNvSpPr/>
           <p:nvPr/>
         </p:nvSpPr>
         <p:spPr>
           <a:xfrm>
-            <a:off x="395536" y="4293096"/>
-            <a:ext cx="6264696" cy="2281456"/>
+            <a:off x="486924" y="2524522"/>
+            <a:ext cx="1296144" cy="321471"/>
+          </a:xfrm>
+          <a:prstGeom prst="rect">
+            <a:avLst/>
+          </a:prstGeom>
+          <a:ln>
+            <a:solidFill>
+              <a:schemeClr val="bg1">
+                <a:lumMod val="50000"/>
+              </a:schemeClr>
+            </a:solidFill>
+          </a:ln>
+        </p:spPr>
+        <p:style>
+          <a:lnRef idx="2">
+            <a:schemeClr val="dk1"/>
+          </a:lnRef>
+          <a:fillRef idx="1">
+            <a:schemeClr val="lt1"/>
+          </a:fillRef>
+          <a:effectRef idx="0">
+            <a:schemeClr val="dk1"/>
+          </a:effectRef>
+          <a:fontRef idx="minor">
+            <a:schemeClr val="dk1"/>
+          </a:fontRef>
+        </p:style>
+        <p:txBody>
+          <a:bodyPr rtlCol="0" anchor="ctr"/>
+          <a:lstStyle/>
+          <a:p>
+            <a:pPr algn="ctr"/>
+            <a:r>
+              <a:rPr lang="de-DE" sz="1600" dirty="0" smtClean="0"/>
+              <a:t>Protokollant</a:t>
+            </a:r>
+            <a:endParaRPr lang="de-DE" sz="1600" dirty="0"/>
+          </a:p>
+        </p:txBody>
+      </p:sp>
+      <p:sp>
+        <p:nvSpPr>
+          <p:cNvPr id="32" name="Rechteck 31"/>
+          <p:cNvSpPr/>
+          <p:nvPr/>
+        </p:nvSpPr>
+        <p:spPr>
+          <a:xfrm>
+            <a:off x="2915816" y="2527104"/>
+            <a:ext cx="1464498" cy="321471"/>
+          </a:xfrm>
+          <a:prstGeom prst="rect">
+            <a:avLst/>
+          </a:prstGeom>
+          <a:ln>
+            <a:solidFill>
+              <a:schemeClr val="bg1">
+                <a:lumMod val="50000"/>
+              </a:schemeClr>
+            </a:solidFill>
+          </a:ln>
+        </p:spPr>
+        <p:style>
+          <a:lnRef idx="2">
+            <a:schemeClr val="dk1"/>
+          </a:lnRef>
+          <a:fillRef idx="1">
+            <a:schemeClr val="lt1"/>
+          </a:fillRef>
+          <a:effectRef idx="0">
+            <a:schemeClr val="dk1"/>
+          </a:effectRef>
+          <a:fontRef idx="minor">
+            <a:schemeClr val="dk1"/>
+          </a:fontRef>
+        </p:style>
+        <p:txBody>
+          <a:bodyPr rtlCol="0" anchor="ctr"/>
+          <a:lstStyle/>
+          <a:p>
+            <a:pPr algn="ctr"/>
+            <a:r>
+              <a:rPr lang="de-DE" sz="1600" dirty="0" smtClean="0"/>
+              <a:t>Konferenzleiter</a:t>
+            </a:r>
+            <a:endParaRPr lang="de-DE" sz="1600" dirty="0"/>
+          </a:p>
+        </p:txBody>
+      </p:sp>
+      <p:sp>
+        <p:nvSpPr>
+          <p:cNvPr id="33" name="Rechteck 32"/>
+          <p:cNvSpPr/>
+          <p:nvPr/>
+        </p:nvSpPr>
+        <p:spPr>
+          <a:xfrm>
+            <a:off x="4376936" y="2527104"/>
+            <a:ext cx="483096" cy="321471"/>
+          </a:xfrm>
+          <a:prstGeom prst="rect">
+            <a:avLst/>
+          </a:prstGeom>
+          <a:ln>
+            <a:solidFill>
+              <a:schemeClr val="bg1">
+                <a:lumMod val="50000"/>
+              </a:schemeClr>
+            </a:solidFill>
+          </a:ln>
+        </p:spPr>
+        <p:style>
+          <a:lnRef idx="2">
+            <a:schemeClr val="dk1"/>
+          </a:lnRef>
+          <a:fillRef idx="1">
+            <a:schemeClr val="lt1"/>
+          </a:fillRef>
+          <a:effectRef idx="0">
+            <a:schemeClr val="dk1"/>
+          </a:effectRef>
+          <a:fontRef idx="minor">
+            <a:schemeClr val="dk1"/>
+          </a:fontRef>
+        </p:style>
+        <p:txBody>
+          <a:bodyPr rtlCol="0" anchor="ctr"/>
+          <a:lstStyle/>
+          <a:p>
+            <a:pPr algn="ctr"/>
+            <a:r>
+              <a:rPr lang="de-DE" sz="2800" dirty="0" smtClean="0">
+                <a:solidFill>
+                  <a:srgbClr val="00B050"/>
+                </a:solidFill>
+              </a:rPr>
+              <a:t>+</a:t>
+            </a:r>
+            <a:endParaRPr lang="de-DE" sz="1600" dirty="0">
+              <a:solidFill>
+                <a:srgbClr val="00B050"/>
+              </a:solidFill>
+            </a:endParaRPr>
+          </a:p>
+        </p:txBody>
+      </p:sp>
+      <p:sp>
+        <p:nvSpPr>
+          <p:cNvPr id="34" name="Rechteck 33"/>
+          <p:cNvSpPr/>
+          <p:nvPr/>
+        </p:nvSpPr>
+        <p:spPr>
+          <a:xfrm>
+            <a:off x="4860032" y="2527104"/>
+            <a:ext cx="483096" cy="321471"/>
+          </a:xfrm>
+          <a:prstGeom prst="rect">
+            <a:avLst/>
+          </a:prstGeom>
+          <a:ln>
+            <a:solidFill>
+              <a:schemeClr val="bg1">
+                <a:lumMod val="50000"/>
+              </a:schemeClr>
+            </a:solidFill>
+          </a:ln>
+        </p:spPr>
+        <p:style>
+          <a:lnRef idx="2">
+            <a:schemeClr val="dk1"/>
+          </a:lnRef>
+          <a:fillRef idx="1">
+            <a:schemeClr val="lt1"/>
+          </a:fillRef>
+          <a:effectRef idx="0">
+            <a:schemeClr val="dk1"/>
+          </a:effectRef>
+          <a:fontRef idx="minor">
+            <a:schemeClr val="dk1"/>
+          </a:fontRef>
+        </p:style>
+        <p:txBody>
+          <a:bodyPr rtlCol="0" anchor="ctr"/>
+          <a:lstStyle/>
+          <a:p>
+            <a:pPr algn="ctr"/>
+            <a:r>
+              <a:rPr lang="de-DE" sz="2800" dirty="0" smtClean="0">
+                <a:solidFill>
+                  <a:srgbClr val="00B050"/>
+                </a:solidFill>
+              </a:rPr>
+              <a:t>+</a:t>
+            </a:r>
+            <a:endParaRPr lang="de-DE" sz="1600" dirty="0">
+              <a:solidFill>
+                <a:srgbClr val="00B050"/>
+              </a:solidFill>
+            </a:endParaRPr>
+          </a:p>
+        </p:txBody>
+      </p:sp>
+      <p:sp>
+        <p:nvSpPr>
+          <p:cNvPr id="35" name="Rechteck 34"/>
+          <p:cNvSpPr/>
+          <p:nvPr/>
+        </p:nvSpPr>
+        <p:spPr>
+          <a:xfrm>
+            <a:off x="6816788" y="2524521"/>
+            <a:ext cx="1931676" cy="321471"/>
+          </a:xfrm>
+          <a:prstGeom prst="rect">
+            <a:avLst/>
+          </a:prstGeom>
+          <a:ln>
+            <a:solidFill>
+              <a:schemeClr val="bg1">
+                <a:lumMod val="50000"/>
+              </a:schemeClr>
+            </a:solidFill>
+          </a:ln>
+        </p:spPr>
+        <p:style>
+          <a:lnRef idx="2">
+            <a:schemeClr val="dk1"/>
+          </a:lnRef>
+          <a:fillRef idx="1">
+            <a:schemeClr val="lt1"/>
+          </a:fillRef>
+          <a:effectRef idx="0">
+            <a:schemeClr val="dk1"/>
+          </a:effectRef>
+          <a:fontRef idx="minor">
+            <a:schemeClr val="dk1"/>
+          </a:fontRef>
+        </p:style>
+        <p:txBody>
+          <a:bodyPr rtlCol="0" anchor="ctr"/>
+          <a:lstStyle/>
+          <a:p>
+            <a:pPr algn="ctr"/>
+            <a:r>
+              <a:rPr lang="de-DE" sz="1600" dirty="0" smtClean="0"/>
+              <a:t>Konferenzdatum</a:t>
+            </a:r>
+            <a:endParaRPr lang="de-DE" sz="1600" dirty="0"/>
+          </a:p>
+        </p:txBody>
+      </p:sp>
+      <p:sp>
+        <p:nvSpPr>
+          <p:cNvPr id="36" name="Rechteck 35"/>
+          <p:cNvSpPr/>
+          <p:nvPr/>
+        </p:nvSpPr>
+        <p:spPr>
+          <a:xfrm>
+            <a:off x="410022" y="3068960"/>
+            <a:ext cx="8424936" cy="2376264"/>
           </a:xfrm>
           <a:prstGeom prst="rect">
             <a:avLst/>
@@ -5236,7 +5518,7 @@
                   </a:schemeClr>
                 </a:solidFill>
               </a:rPr>
-              <a:t>Liste von Beschlüssen</a:t>
+              <a:t>Liste von TOPs</a:t>
             </a:r>
             <a:endParaRPr lang="de-DE" dirty="0">
               <a:solidFill>
@@ -5250,224 +5532,14 @@
       </p:sp>
       <p:sp>
         <p:nvSpPr>
-          <p:cNvPr id="13" name="Rechteck 12"/>
+          <p:cNvPr id="37" name="Rechteck 36"/>
           <p:cNvSpPr/>
           <p:nvPr/>
         </p:nvSpPr>
         <p:spPr>
           <a:xfrm>
-            <a:off x="395536" y="4293096"/>
-            <a:ext cx="1296144" cy="429022"/>
-          </a:xfrm>
-          <a:prstGeom prst="rect">
-            <a:avLst/>
-          </a:prstGeom>
-        </p:spPr>
-        <p:style>
-          <a:lnRef idx="1">
-            <a:schemeClr val="accent1"/>
-          </a:lnRef>
-          <a:fillRef idx="2">
-            <a:schemeClr val="accent1"/>
-          </a:fillRef>
-          <a:effectRef idx="1">
-            <a:schemeClr val="accent1"/>
-          </a:effectRef>
-          <a:fontRef idx="minor">
-            <a:schemeClr val="dk1"/>
-          </a:fontRef>
-        </p:style>
-        <p:txBody>
-          <a:bodyPr rtlCol="0" anchor="ctr"/>
-          <a:lstStyle/>
-          <a:p>
-            <a:pPr algn="ctr"/>
-            <a:r>
-              <a:rPr lang="de-DE" sz="1600" dirty="0" smtClean="0"/>
-              <a:t>TOP</a:t>
-            </a:r>
-            <a:endParaRPr lang="de-DE" sz="1600" dirty="0"/>
-          </a:p>
-        </p:txBody>
-      </p:sp>
-      <p:sp>
-        <p:nvSpPr>
-          <p:cNvPr id="15" name="Rechteck 14"/>
-          <p:cNvSpPr/>
-          <p:nvPr/>
-        </p:nvSpPr>
-        <p:spPr>
-          <a:xfrm>
-            <a:off x="1691680" y="4293096"/>
-            <a:ext cx="3240360" cy="429022"/>
-          </a:xfrm>
-          <a:prstGeom prst="rect">
-            <a:avLst/>
-          </a:prstGeom>
-        </p:spPr>
-        <p:style>
-          <a:lnRef idx="1">
-            <a:schemeClr val="accent1"/>
-          </a:lnRef>
-          <a:fillRef idx="2">
-            <a:schemeClr val="accent1"/>
-          </a:fillRef>
-          <a:effectRef idx="1">
-            <a:schemeClr val="accent1"/>
-          </a:effectRef>
-          <a:fontRef idx="minor">
-            <a:schemeClr val="dk1"/>
-          </a:fontRef>
-        </p:style>
-        <p:txBody>
-          <a:bodyPr rtlCol="0" anchor="ctr"/>
-          <a:lstStyle/>
-          <a:p>
-            <a:pPr algn="ctr"/>
-            <a:r>
-              <a:rPr lang="de-DE" sz="1600" dirty="0" smtClean="0"/>
-              <a:t>Beschluss</a:t>
-            </a:r>
-            <a:endParaRPr lang="de-DE" sz="1600" dirty="0"/>
-          </a:p>
-        </p:txBody>
-      </p:sp>
-      <p:sp>
-        <p:nvSpPr>
-          <p:cNvPr id="16" name="Rechteck 15"/>
-          <p:cNvSpPr/>
-          <p:nvPr/>
-        </p:nvSpPr>
-        <p:spPr>
-          <a:xfrm>
-            <a:off x="4932040" y="4293096"/>
-            <a:ext cx="579974" cy="427509"/>
-          </a:xfrm>
-          <a:prstGeom prst="rect">
-            <a:avLst/>
-          </a:prstGeom>
-        </p:spPr>
-        <p:style>
-          <a:lnRef idx="1">
-            <a:schemeClr val="accent1"/>
-          </a:lnRef>
-          <a:fillRef idx="2">
-            <a:schemeClr val="accent1"/>
-          </a:fillRef>
-          <a:effectRef idx="1">
-            <a:schemeClr val="accent1"/>
-          </a:effectRef>
-          <a:fontRef idx="minor">
-            <a:schemeClr val="dk1"/>
-          </a:fontRef>
-        </p:style>
-        <p:txBody>
-          <a:bodyPr rtlCol="0" anchor="ctr"/>
-          <a:lstStyle/>
-          <a:p>
-            <a:pPr algn="ctr"/>
-            <a:r>
-              <a:rPr lang="de-DE" sz="1600" dirty="0" smtClean="0"/>
-              <a:t>+</a:t>
-            </a:r>
-            <a:endParaRPr lang="de-DE" sz="1600" dirty="0"/>
-          </a:p>
-        </p:txBody>
-      </p:sp>
-      <p:sp>
-        <p:nvSpPr>
-          <p:cNvPr id="17" name="Rechteck 16"/>
-          <p:cNvSpPr/>
-          <p:nvPr/>
-        </p:nvSpPr>
-        <p:spPr>
-          <a:xfrm>
-            <a:off x="5504194" y="4291583"/>
-            <a:ext cx="579974" cy="429022"/>
-          </a:xfrm>
-          <a:prstGeom prst="rect">
-            <a:avLst/>
-          </a:prstGeom>
-        </p:spPr>
-        <p:style>
-          <a:lnRef idx="1">
-            <a:schemeClr val="accent1"/>
-          </a:lnRef>
-          <a:fillRef idx="2">
-            <a:schemeClr val="accent1"/>
-          </a:fillRef>
-          <a:effectRef idx="1">
-            <a:schemeClr val="accent1"/>
-          </a:effectRef>
-          <a:fontRef idx="minor">
-            <a:schemeClr val="dk1"/>
-          </a:fontRef>
-        </p:style>
-        <p:txBody>
-          <a:bodyPr rtlCol="0" anchor="ctr"/>
-          <a:lstStyle/>
-          <a:p>
-            <a:pPr algn="ctr"/>
-            <a:r>
-              <a:rPr lang="de-DE" sz="1600" dirty="0" smtClean="0"/>
-              <a:t>-</a:t>
-            </a:r>
-            <a:endParaRPr lang="de-DE" sz="1600" dirty="0"/>
-          </a:p>
-        </p:txBody>
-      </p:sp>
-      <p:sp>
-        <p:nvSpPr>
-          <p:cNvPr id="18" name="Rechteck 17"/>
-          <p:cNvSpPr/>
-          <p:nvPr/>
-        </p:nvSpPr>
-        <p:spPr>
-          <a:xfrm>
-            <a:off x="6084168" y="4293096"/>
-            <a:ext cx="570027" cy="429022"/>
-          </a:xfrm>
-          <a:prstGeom prst="rect">
-            <a:avLst/>
-          </a:prstGeom>
-        </p:spPr>
-        <p:style>
-          <a:lnRef idx="1">
-            <a:schemeClr val="accent1"/>
-          </a:lnRef>
-          <a:fillRef idx="2">
-            <a:schemeClr val="accent1"/>
-          </a:fillRef>
-          <a:effectRef idx="1">
-            <a:schemeClr val="accent1"/>
-          </a:effectRef>
-          <a:fontRef idx="minor">
-            <a:schemeClr val="dk1"/>
-          </a:fontRef>
-        </p:style>
-        <p:txBody>
-          <a:bodyPr rtlCol="0" anchor="ctr"/>
-          <a:lstStyle/>
-          <a:p>
-            <a:pPr algn="ctr"/>
-            <a:r>
-              <a:rPr lang="de-DE" sz="1600" dirty="0" smtClean="0"/>
-              <a:t>o</a:t>
-            </a:r>
-            <a:endParaRPr lang="de-DE" sz="1600" dirty="0"/>
-          </a:p>
-        </p:txBody>
-      </p:sp>
-      <p:sp>
-        <p:nvSpPr>
-          <p:cNvPr id="19" name="Rechteck 18"/>
-          <p:cNvSpPr/>
-          <p:nvPr/>
-        </p:nvSpPr>
-        <p:spPr>
-          <a:xfrm>
-            <a:off x="395536" y="4722118"/>
-            <a:ext cx="1296144" cy="321471"/>
+            <a:off x="429444" y="3107529"/>
+            <a:ext cx="8391028" cy="321471"/>
           </a:xfrm>
           <a:prstGeom prst="rect">
             <a:avLst/>
@@ -5509,14 +5581,14 @@
       </p:sp>
       <p:sp>
         <p:nvSpPr>
-          <p:cNvPr id="20" name="Rechteck 19"/>
+          <p:cNvPr id="38" name="Rechteck 37"/>
           <p:cNvSpPr/>
           <p:nvPr/>
         </p:nvSpPr>
         <p:spPr>
           <a:xfrm>
-            <a:off x="1691680" y="4722118"/>
-            <a:ext cx="3240360" cy="321471"/>
+            <a:off x="424441" y="3429000"/>
+            <a:ext cx="8396032" cy="321471"/>
           </a:xfrm>
           <a:prstGeom prst="rect">
             <a:avLst/>
@@ -5549,295 +5621,18 @@
           <a:p>
             <a:pPr algn="ctr"/>
             <a:r>
-              <a:rPr lang="de-DE" sz="1600" dirty="0" smtClean="0"/>
-              <a:t>Schüler sollen Schuluniform tragen</a:t>
-            </a:r>
-            <a:endParaRPr lang="de-DE" sz="1600" dirty="0"/>
-          </a:p>
-        </p:txBody>
-      </p:sp>
-      <p:sp>
-        <p:nvSpPr>
-          <p:cNvPr id="21" name="Rechteck 20"/>
-          <p:cNvSpPr/>
-          <p:nvPr/>
-        </p:nvSpPr>
-        <p:spPr>
-          <a:xfrm>
-            <a:off x="4941987" y="4723455"/>
-            <a:ext cx="570027" cy="321471"/>
-          </a:xfrm>
-          <a:prstGeom prst="rect">
-            <a:avLst/>
-          </a:prstGeom>
-          <a:ln>
-            <a:solidFill>
-              <a:schemeClr val="bg1">
-                <a:lumMod val="50000"/>
-              </a:schemeClr>
-            </a:solidFill>
-          </a:ln>
-        </p:spPr>
-        <p:style>
-          <a:lnRef idx="2">
-            <a:schemeClr val="dk1"/>
-          </a:lnRef>
-          <a:fillRef idx="1">
-            <a:schemeClr val="lt1"/>
-          </a:fillRef>
-          <a:effectRef idx="0">
-            <a:schemeClr val="dk1"/>
-          </a:effectRef>
-          <a:fontRef idx="minor">
-            <a:schemeClr val="dk1"/>
-          </a:fontRef>
-        </p:style>
-        <p:txBody>
-          <a:bodyPr rtlCol="0" anchor="ctr"/>
-          <a:lstStyle/>
-          <a:p>
-            <a:pPr algn="ctr"/>
-            <a:r>
-              <a:rPr lang="de-DE" sz="1600" dirty="0" smtClean="0"/>
-              <a:t>3</a:t>
-            </a:r>
-            <a:endParaRPr lang="de-DE" sz="1600" dirty="0"/>
-          </a:p>
-        </p:txBody>
-      </p:sp>
-      <p:sp>
-        <p:nvSpPr>
-          <p:cNvPr id="22" name="Rechteck 21"/>
-          <p:cNvSpPr/>
-          <p:nvPr/>
-        </p:nvSpPr>
-        <p:spPr>
-          <a:xfrm>
-            <a:off x="5514141" y="4723455"/>
-            <a:ext cx="570027" cy="321471"/>
-          </a:xfrm>
-          <a:prstGeom prst="rect">
-            <a:avLst/>
-          </a:prstGeom>
-          <a:ln>
-            <a:solidFill>
-              <a:schemeClr val="bg1">
-                <a:lumMod val="50000"/>
-              </a:schemeClr>
-            </a:solidFill>
-          </a:ln>
-        </p:spPr>
-        <p:style>
-          <a:lnRef idx="2">
-            <a:schemeClr val="dk1"/>
-          </a:lnRef>
-          <a:fillRef idx="1">
-            <a:schemeClr val="lt1"/>
-          </a:fillRef>
-          <a:effectRef idx="0">
-            <a:schemeClr val="dk1"/>
-          </a:effectRef>
-          <a:fontRef idx="minor">
-            <a:schemeClr val="dk1"/>
-          </a:fontRef>
-        </p:style>
-        <p:txBody>
-          <a:bodyPr rtlCol="0" anchor="ctr"/>
-          <a:lstStyle/>
-          <a:p>
-            <a:pPr algn="ctr"/>
-            <a:r>
-              <a:rPr lang="de-DE" sz="1600" dirty="0" smtClean="0"/>
-              <a:t>14</a:t>
-            </a:r>
-            <a:endParaRPr lang="de-DE" sz="1600" dirty="0"/>
-          </a:p>
-        </p:txBody>
-      </p:sp>
-      <p:sp>
-        <p:nvSpPr>
-          <p:cNvPr id="23" name="Rechteck 22"/>
-          <p:cNvSpPr/>
-          <p:nvPr/>
-        </p:nvSpPr>
-        <p:spPr>
-          <a:xfrm>
-            <a:off x="6084168" y="4723455"/>
-            <a:ext cx="570027" cy="321471"/>
-          </a:xfrm>
-          <a:prstGeom prst="rect">
-            <a:avLst/>
-          </a:prstGeom>
-          <a:ln>
-            <a:solidFill>
-              <a:schemeClr val="bg1">
-                <a:lumMod val="50000"/>
-              </a:schemeClr>
-            </a:solidFill>
-          </a:ln>
-        </p:spPr>
-        <p:style>
-          <a:lnRef idx="2">
-            <a:schemeClr val="dk1"/>
-          </a:lnRef>
-          <a:fillRef idx="1">
-            <a:schemeClr val="lt1"/>
-          </a:fillRef>
-          <a:effectRef idx="0">
-            <a:schemeClr val="dk1"/>
-          </a:effectRef>
-          <a:fontRef idx="minor">
-            <a:schemeClr val="dk1"/>
-          </a:fontRef>
-        </p:style>
-        <p:txBody>
-          <a:bodyPr rtlCol="0" anchor="ctr"/>
-          <a:lstStyle/>
-          <a:p>
-            <a:pPr algn="ctr"/>
-            <a:r>
-              <a:rPr lang="de-DE" sz="1600" dirty="0" smtClean="0"/>
-              <a:t>6</a:t>
-            </a:r>
-            <a:endParaRPr lang="de-DE" sz="1600" dirty="0"/>
-          </a:p>
-        </p:txBody>
-      </p:sp>
-      <p:sp>
-        <p:nvSpPr>
-          <p:cNvPr id="24" name="Rechteck 23"/>
-          <p:cNvSpPr/>
-          <p:nvPr/>
-        </p:nvSpPr>
-        <p:spPr>
-          <a:xfrm>
-            <a:off x="32420" y="872183"/>
-            <a:ext cx="5718116" cy="296416"/>
-          </a:xfrm>
-          <a:prstGeom prst="rect">
-            <a:avLst/>
-          </a:prstGeom>
-        </p:spPr>
-        <p:style>
-          <a:lnRef idx="2">
-            <a:schemeClr val="accent6"/>
-          </a:lnRef>
-          <a:fillRef idx="1">
-            <a:schemeClr val="lt1"/>
-          </a:fillRef>
-          <a:effectRef idx="0">
-            <a:schemeClr val="accent6"/>
-          </a:effectRef>
-          <a:fontRef idx="minor">
-            <a:schemeClr val="dk1"/>
-          </a:fontRef>
-        </p:style>
-        <p:txBody>
-          <a:bodyPr rtlCol="0" anchor="ctr"/>
-          <a:lstStyle/>
-          <a:p>
-            <a:pPr algn="r"/>
-            <a:r>
-              <a:rPr lang="de-DE" dirty="0" smtClean="0">
+              <a:rPr lang="de-DE" sz="2800" dirty="0" smtClean="0">
                 <a:solidFill>
-                  <a:schemeClr val="bg1">
-                    <a:lumMod val="65000"/>
-                  </a:schemeClr>
+                  <a:srgbClr val="00B050"/>
                 </a:solidFill>
               </a:rPr>
-              <a:t>Menüleiste</a:t>
-            </a:r>
-            <a:endParaRPr lang="de-DE" dirty="0">
+              <a:t>+</a:t>
+            </a:r>
+            <a:endParaRPr lang="de-DE" sz="1600" dirty="0">
               <a:solidFill>
-                <a:schemeClr val="bg1">
-                  <a:lumMod val="65000"/>
-                </a:schemeClr>
+                <a:srgbClr val="00B050"/>
               </a:solidFill>
             </a:endParaRPr>
-          </a:p>
-        </p:txBody>
-      </p:sp>
-      <p:sp>
-        <p:nvSpPr>
-          <p:cNvPr id="25" name="Rechteck 24"/>
-          <p:cNvSpPr/>
-          <p:nvPr/>
-        </p:nvSpPr>
-        <p:spPr>
-          <a:xfrm>
-            <a:off x="1691680" y="889440"/>
-            <a:ext cx="1496552" cy="267072"/>
-          </a:xfrm>
-          <a:prstGeom prst="rect">
-            <a:avLst/>
-          </a:prstGeom>
-        </p:spPr>
-        <p:style>
-          <a:lnRef idx="1">
-            <a:schemeClr val="dk1"/>
-          </a:lnRef>
-          <a:fillRef idx="2">
-            <a:schemeClr val="dk1"/>
-          </a:fillRef>
-          <a:effectRef idx="1">
-            <a:schemeClr val="dk1"/>
-          </a:effectRef>
-          <a:fontRef idx="minor">
-            <a:schemeClr val="dk1"/>
-          </a:fontRef>
-        </p:style>
-        <p:txBody>
-          <a:bodyPr rtlCol="0" anchor="ctr"/>
-          <a:lstStyle/>
-          <a:p>
-            <a:pPr algn="ctr"/>
-            <a:r>
-              <a:rPr lang="de-DE" dirty="0" smtClean="0"/>
-              <a:t>Admintools</a:t>
-            </a:r>
-            <a:endParaRPr lang="de-DE" dirty="0"/>
-          </a:p>
-        </p:txBody>
-      </p:sp>
-      <p:sp>
-        <p:nvSpPr>
-          <p:cNvPr id="26" name="Rechteck 25"/>
-          <p:cNvSpPr/>
-          <p:nvPr/>
-        </p:nvSpPr>
-        <p:spPr>
-          <a:xfrm>
-            <a:off x="42732" y="884270"/>
-            <a:ext cx="1648948" cy="272242"/>
-          </a:xfrm>
-          <a:prstGeom prst="rect">
-            <a:avLst/>
-          </a:prstGeom>
-        </p:spPr>
-        <p:style>
-          <a:lnRef idx="1">
-            <a:schemeClr val="dk1"/>
-          </a:lnRef>
-          <a:fillRef idx="2">
-            <a:schemeClr val="dk1"/>
-          </a:fillRef>
-          <a:effectRef idx="1">
-            <a:schemeClr val="dk1"/>
-          </a:effectRef>
-          <a:fontRef idx="minor">
-            <a:schemeClr val="dk1"/>
-          </a:fontRef>
-        </p:style>
-        <p:txBody>
-          <a:bodyPr rtlCol="0" anchor="ctr"/>
-          <a:lstStyle/>
-          <a:p>
-            <a:pPr algn="ctr"/>
-            <a:r>
-              <a:rPr lang="de-DE" dirty="0" smtClean="0"/>
-              <a:t>Protokolle</a:t>
-            </a:r>
-            <a:endParaRPr lang="de-DE" dirty="0"/>
           </a:p>
         </p:txBody>
       </p:sp>

--- a/Dokumentation + Diagramme etc/PaperPrototyp.pptx
+++ b/Dokumentation + Diagramme etc/PaperPrototyp.pptx
@@ -5,11 +5,14 @@
     <p:sldMasterId id="2147483648" r:id="rId1"/>
   </p:sldMasterIdLst>
   <p:notesMasterIdLst>
-    <p:notesMasterId r:id="rId4"/>
+    <p:notesMasterId r:id="rId7"/>
   </p:notesMasterIdLst>
   <p:sldIdLst>
     <p:sldId id="261" r:id="rId2"/>
     <p:sldId id="262" r:id="rId3"/>
+    <p:sldId id="263" r:id="rId4"/>
+    <p:sldId id="264" r:id="rId5"/>
+    <p:sldId id="265" r:id="rId6"/>
   </p:sldIdLst>
   <p:sldSz cx="9144000" cy="6858000" type="screen4x3"/>
   <p:notesSz cx="6858000" cy="9144000"/>
@@ -617,6 +620,267 @@
             <a:fld id="{3EDC4320-46CE-474F-897F-6A97DA12D8EB}" type="slidenum">
               <a:rPr lang="de-DE" smtClean="0"/>
               <a:t>2</a:t>
+            </a:fld>
+            <a:endParaRPr lang="de-DE"/>
+          </a:p>
+        </p:txBody>
+      </p:sp>
+    </p:spTree>
+    <p:extLst>
+      <p:ext uri="{BB962C8B-B14F-4D97-AF65-F5344CB8AC3E}">
+        <p14:creationId xmlns:p14="http://schemas.microsoft.com/office/powerpoint/2010/main" val="3906905818"/>
+      </p:ext>
+    </p:extLst>
+  </p:cSld>
+  <p:clrMapOvr>
+    <a:masterClrMapping/>
+  </p:clrMapOvr>
+</p:notes>
+</file>
+
+<file path=ppt/notesSlides/notesSlide3.xml><?xml version="1.0" encoding="utf-8"?>
+<p:notes xmlns:a="http://schemas.openxmlformats.org/drawingml/2006/main" xmlns:r="http://schemas.openxmlformats.org/officeDocument/2006/relationships" xmlns:p="http://schemas.openxmlformats.org/presentationml/2006/main">
+  <p:cSld>
+    <p:spTree>
+      <p:nvGrpSpPr>
+        <p:cNvPr id="1" name=""/>
+        <p:cNvGrpSpPr/>
+        <p:nvPr/>
+      </p:nvGrpSpPr>
+      <p:grpSpPr>
+        <a:xfrm>
+          <a:off x="0" y="0"/>
+          <a:ext cx="0" cy="0"/>
+          <a:chOff x="0" y="0"/>
+          <a:chExt cx="0" cy="0"/>
+        </a:xfrm>
+      </p:grpSpPr>
+      <p:sp>
+        <p:nvSpPr>
+          <p:cNvPr id="2" name="Folienbildplatzhalter 1"/>
+          <p:cNvSpPr>
+            <a:spLocks noGrp="1" noRot="1" noChangeAspect="1"/>
+          </p:cNvSpPr>
+          <p:nvPr>
+            <p:ph type="sldImg"/>
+          </p:nvPr>
+        </p:nvSpPr>
+        <p:spPr/>
+      </p:sp>
+      <p:sp>
+        <p:nvSpPr>
+          <p:cNvPr id="3" name="Notizenplatzhalter 2"/>
+          <p:cNvSpPr>
+            <a:spLocks noGrp="1"/>
+          </p:cNvSpPr>
+          <p:nvPr>
+            <p:ph type="body" idx="1"/>
+          </p:nvPr>
+        </p:nvSpPr>
+        <p:spPr/>
+        <p:txBody>
+          <a:bodyPr/>
+          <a:lstStyle/>
+          <a:p>
+            <a:r>
+              <a:rPr lang="de-DE" dirty="0" smtClean="0"/>
+              <a:t>Admintools – Lehrer anlegen</a:t>
+            </a:r>
+          </a:p>
+        </p:txBody>
+      </p:sp>
+      <p:sp>
+        <p:nvSpPr>
+          <p:cNvPr id="4" name="Foliennummernplatzhalter 3"/>
+          <p:cNvSpPr>
+            <a:spLocks noGrp="1"/>
+          </p:cNvSpPr>
+          <p:nvPr>
+            <p:ph type="sldNum" sz="quarter" idx="10"/>
+          </p:nvPr>
+        </p:nvSpPr>
+        <p:spPr/>
+        <p:txBody>
+          <a:bodyPr/>
+          <a:lstStyle/>
+          <a:p>
+            <a:fld id="{3EDC4320-46CE-474F-897F-6A97DA12D8EB}" type="slidenum">
+              <a:rPr lang="de-DE" smtClean="0"/>
+              <a:t>3</a:t>
+            </a:fld>
+            <a:endParaRPr lang="de-DE"/>
+          </a:p>
+        </p:txBody>
+      </p:sp>
+    </p:spTree>
+    <p:extLst>
+      <p:ext uri="{BB962C8B-B14F-4D97-AF65-F5344CB8AC3E}">
+        <p14:creationId xmlns:p14="http://schemas.microsoft.com/office/powerpoint/2010/main" val="3906905818"/>
+      </p:ext>
+    </p:extLst>
+  </p:cSld>
+  <p:clrMapOvr>
+    <a:masterClrMapping/>
+  </p:clrMapOvr>
+</p:notes>
+</file>
+
+<file path=ppt/notesSlides/notesSlide4.xml><?xml version="1.0" encoding="utf-8"?>
+<p:notes xmlns:a="http://schemas.openxmlformats.org/drawingml/2006/main" xmlns:r="http://schemas.openxmlformats.org/officeDocument/2006/relationships" xmlns:p="http://schemas.openxmlformats.org/presentationml/2006/main">
+  <p:cSld>
+    <p:spTree>
+      <p:nvGrpSpPr>
+        <p:cNvPr id="1" name=""/>
+        <p:cNvGrpSpPr/>
+        <p:nvPr/>
+      </p:nvGrpSpPr>
+      <p:grpSpPr>
+        <a:xfrm>
+          <a:off x="0" y="0"/>
+          <a:ext cx="0" cy="0"/>
+          <a:chOff x="0" y="0"/>
+          <a:chExt cx="0" cy="0"/>
+        </a:xfrm>
+      </p:grpSpPr>
+      <p:sp>
+        <p:nvSpPr>
+          <p:cNvPr id="2" name="Folienbildplatzhalter 1"/>
+          <p:cNvSpPr>
+            <a:spLocks noGrp="1" noRot="1" noChangeAspect="1"/>
+          </p:cNvSpPr>
+          <p:nvPr>
+            <p:ph type="sldImg"/>
+          </p:nvPr>
+        </p:nvSpPr>
+        <p:spPr/>
+      </p:sp>
+      <p:sp>
+        <p:nvSpPr>
+          <p:cNvPr id="3" name="Notizenplatzhalter 2"/>
+          <p:cNvSpPr>
+            <a:spLocks noGrp="1"/>
+          </p:cNvSpPr>
+          <p:nvPr>
+            <p:ph type="body" idx="1"/>
+          </p:nvPr>
+        </p:nvSpPr>
+        <p:spPr/>
+        <p:txBody>
+          <a:bodyPr/>
+          <a:lstStyle/>
+          <a:p>
+            <a:r>
+              <a:rPr lang="de-DE" dirty="0" smtClean="0"/>
+              <a:t>Admintools – Gruppen anlegen</a:t>
+            </a:r>
+          </a:p>
+        </p:txBody>
+      </p:sp>
+      <p:sp>
+        <p:nvSpPr>
+          <p:cNvPr id="4" name="Foliennummernplatzhalter 3"/>
+          <p:cNvSpPr>
+            <a:spLocks noGrp="1"/>
+          </p:cNvSpPr>
+          <p:nvPr>
+            <p:ph type="sldNum" sz="quarter" idx="10"/>
+          </p:nvPr>
+        </p:nvSpPr>
+        <p:spPr/>
+        <p:txBody>
+          <a:bodyPr/>
+          <a:lstStyle/>
+          <a:p>
+            <a:fld id="{3EDC4320-46CE-474F-897F-6A97DA12D8EB}" type="slidenum">
+              <a:rPr lang="de-DE" smtClean="0"/>
+              <a:t>4</a:t>
+            </a:fld>
+            <a:endParaRPr lang="de-DE"/>
+          </a:p>
+        </p:txBody>
+      </p:sp>
+    </p:spTree>
+    <p:extLst>
+      <p:ext uri="{BB962C8B-B14F-4D97-AF65-F5344CB8AC3E}">
+        <p14:creationId xmlns:p14="http://schemas.microsoft.com/office/powerpoint/2010/main" val="3906905818"/>
+      </p:ext>
+    </p:extLst>
+  </p:cSld>
+  <p:clrMapOvr>
+    <a:masterClrMapping/>
+  </p:clrMapOvr>
+</p:notes>
+</file>
+
+<file path=ppt/notesSlides/notesSlide5.xml><?xml version="1.0" encoding="utf-8"?>
+<p:notes xmlns:a="http://schemas.openxmlformats.org/drawingml/2006/main" xmlns:r="http://schemas.openxmlformats.org/officeDocument/2006/relationships" xmlns:p="http://schemas.openxmlformats.org/presentationml/2006/main">
+  <p:cSld>
+    <p:spTree>
+      <p:nvGrpSpPr>
+        <p:cNvPr id="1" name=""/>
+        <p:cNvGrpSpPr/>
+        <p:nvPr/>
+      </p:nvGrpSpPr>
+      <p:grpSpPr>
+        <a:xfrm>
+          <a:off x="0" y="0"/>
+          <a:ext cx="0" cy="0"/>
+          <a:chOff x="0" y="0"/>
+          <a:chExt cx="0" cy="0"/>
+        </a:xfrm>
+      </p:grpSpPr>
+      <p:sp>
+        <p:nvSpPr>
+          <p:cNvPr id="2" name="Folienbildplatzhalter 1"/>
+          <p:cNvSpPr>
+            <a:spLocks noGrp="1" noRot="1" noChangeAspect="1"/>
+          </p:cNvSpPr>
+          <p:nvPr>
+            <p:ph type="sldImg"/>
+          </p:nvPr>
+        </p:nvSpPr>
+        <p:spPr/>
+      </p:sp>
+      <p:sp>
+        <p:nvSpPr>
+          <p:cNvPr id="3" name="Notizenplatzhalter 2"/>
+          <p:cNvSpPr>
+            <a:spLocks noGrp="1"/>
+          </p:cNvSpPr>
+          <p:nvPr>
+            <p:ph type="body" idx="1"/>
+          </p:nvPr>
+        </p:nvSpPr>
+        <p:spPr/>
+        <p:txBody>
+          <a:bodyPr/>
+          <a:lstStyle/>
+          <a:p>
+            <a:r>
+              <a:rPr lang="de-DE" dirty="0" smtClean="0"/>
+              <a:t>Admintools – Lehrer Gruppen zuweisen</a:t>
+            </a:r>
+          </a:p>
+        </p:txBody>
+      </p:sp>
+      <p:sp>
+        <p:nvSpPr>
+          <p:cNvPr id="4" name="Foliennummernplatzhalter 3"/>
+          <p:cNvSpPr>
+            <a:spLocks noGrp="1"/>
+          </p:cNvSpPr>
+          <p:nvPr>
+            <p:ph type="sldNum" sz="quarter" idx="10"/>
+          </p:nvPr>
+        </p:nvSpPr>
+        <p:spPr/>
+        <p:txBody>
+          <a:bodyPr/>
+          <a:lstStyle/>
+          <a:p>
+            <a:fld id="{3EDC4320-46CE-474F-897F-6A97DA12D8EB}" type="slidenum">
+              <a:rPr lang="de-DE" smtClean="0"/>
+              <a:t>5</a:t>
             </a:fld>
             <a:endParaRPr lang="de-DE"/>
           </a:p>
@@ -4569,8 +4833,8 @@
         </p:nvSpPr>
         <p:spPr>
           <a:xfrm>
-            <a:off x="32420" y="872183"/>
-            <a:ext cx="5718116" cy="296416"/>
+            <a:off x="32419" y="872183"/>
+            <a:ext cx="8778205" cy="296416"/>
           </a:xfrm>
           <a:prstGeom prst="rect">
             <a:avLst/>
@@ -4709,6 +4973,13 @@
   <p:clrMapOvr>
     <a:masterClrMapping/>
   </p:clrMapOvr>
+  <p:timing>
+    <p:tnLst>
+      <p:par>
+        <p:cTn id="1" dur="indefinite" restart="never" nodeType="tmRoot"/>
+      </p:par>
+    </p:tnLst>
+  </p:timing>
 </p:sld>
 </file>
 
@@ -4891,7 +5162,7 @@
         <p:spPr>
           <a:xfrm>
             <a:off x="32420" y="872183"/>
-            <a:ext cx="5718116" cy="296416"/>
+            <a:ext cx="8788052" cy="296416"/>
           </a:xfrm>
           <a:prstGeom prst="rect">
             <a:avLst/>
@@ -5116,53 +5387,6 @@
       </p:sp>
       <p:sp>
         <p:nvSpPr>
-          <p:cNvPr id="28" name="Rechteck 27"/>
-          <p:cNvSpPr/>
-          <p:nvPr/>
-        </p:nvSpPr>
-        <p:spPr>
-          <a:xfrm>
-            <a:off x="486924" y="1348037"/>
-            <a:ext cx="2428892" cy="285752"/>
-          </a:xfrm>
-          <a:prstGeom prst="rect">
-            <a:avLst/>
-          </a:prstGeom>
-          <a:ln>
-            <a:solidFill>
-              <a:schemeClr val="tx1"/>
-            </a:solidFill>
-          </a:ln>
-        </p:spPr>
-        <p:style>
-          <a:lnRef idx="2">
-            <a:schemeClr val="dk1"/>
-          </a:lnRef>
-          <a:fillRef idx="1">
-            <a:schemeClr val="lt1"/>
-          </a:fillRef>
-          <a:effectRef idx="0">
-            <a:schemeClr val="dk1"/>
-          </a:effectRef>
-          <a:fontRef idx="minor">
-            <a:schemeClr val="dk1"/>
-          </a:fontRef>
-        </p:style>
-        <p:txBody>
-          <a:bodyPr rtlCol="0" anchor="ctr"/>
-          <a:lstStyle/>
-          <a:p>
-            <a:pPr algn="ctr"/>
-            <a:r>
-              <a:rPr lang="de-DE" dirty="0" smtClean="0"/>
-              <a:t>Protokolltyp</a:t>
-            </a:r>
-            <a:endParaRPr lang="de-DE" dirty="0"/>
-          </a:p>
-        </p:txBody>
-      </p:sp>
-      <p:sp>
-        <p:nvSpPr>
           <p:cNvPr id="30" name="Rechteck 29"/>
           <p:cNvSpPr/>
           <p:nvPr/>
@@ -5636,6 +5860,55 @@
           </a:p>
         </p:txBody>
       </p:sp>
+      <p:sp>
+        <p:nvSpPr>
+          <p:cNvPr id="39" name="Rechteck 38"/>
+          <p:cNvSpPr/>
+          <p:nvPr/>
+        </p:nvSpPr>
+        <p:spPr>
+          <a:xfrm>
+            <a:off x="491538" y="1307329"/>
+            <a:ext cx="1296144" cy="321471"/>
+          </a:xfrm>
+          <a:prstGeom prst="rect">
+            <a:avLst/>
+          </a:prstGeom>
+          <a:ln>
+            <a:solidFill>
+              <a:schemeClr val="bg1">
+                <a:lumMod val="50000"/>
+              </a:schemeClr>
+            </a:solidFill>
+          </a:ln>
+        </p:spPr>
+        <p:style>
+          <a:lnRef idx="2">
+            <a:schemeClr val="dk1"/>
+          </a:lnRef>
+          <a:fillRef idx="1">
+            <a:schemeClr val="lt1"/>
+          </a:fillRef>
+          <a:effectRef idx="0">
+            <a:schemeClr val="dk1"/>
+          </a:effectRef>
+          <a:fontRef idx="minor">
+            <a:schemeClr val="dk1"/>
+          </a:fontRef>
+        </p:style>
+        <p:txBody>
+          <a:bodyPr rtlCol="0" anchor="ctr"/>
+          <a:lstStyle/>
+          <a:p>
+            <a:pPr algn="ctr"/>
+            <a:r>
+              <a:rPr lang="de-DE" sz="1600" dirty="0" smtClean="0"/>
+              <a:t>Protokolltyp</a:t>
+            </a:r>
+            <a:endParaRPr lang="de-DE" sz="1600" dirty="0"/>
+          </a:p>
+        </p:txBody>
+      </p:sp>
     </p:spTree>
     <p:extLst>
       <p:ext uri="{BB962C8B-B14F-4D97-AF65-F5344CB8AC3E}">
@@ -5646,6 +5919,2543 @@
   <p:clrMapOvr>
     <a:masterClrMapping/>
   </p:clrMapOvr>
+  <p:timing>
+    <p:tnLst>
+      <p:par>
+        <p:cTn id="1" dur="indefinite" restart="never" nodeType="tmRoot"/>
+      </p:par>
+    </p:tnLst>
+  </p:timing>
+</p:sld>
+</file>
+
+<file path=ppt/slides/slide3.xml><?xml version="1.0" encoding="utf-8"?>
+<p:sld xmlns:a="http://schemas.openxmlformats.org/drawingml/2006/main" xmlns:r="http://schemas.openxmlformats.org/officeDocument/2006/relationships" xmlns:p="http://schemas.openxmlformats.org/presentationml/2006/main">
+  <p:cSld>
+    <p:spTree>
+      <p:nvGrpSpPr>
+        <p:cNvPr id="1" name=""/>
+        <p:cNvGrpSpPr/>
+        <p:nvPr/>
+      </p:nvGrpSpPr>
+      <p:grpSpPr>
+        <a:xfrm>
+          <a:off x="0" y="0"/>
+          <a:ext cx="0" cy="0"/>
+          <a:chOff x="0" y="0"/>
+          <a:chExt cx="0" cy="0"/>
+        </a:xfrm>
+      </p:grpSpPr>
+      <p:sp>
+        <p:nvSpPr>
+          <p:cNvPr id="4" name="Rechteck 3"/>
+          <p:cNvSpPr/>
+          <p:nvPr/>
+        </p:nvSpPr>
+        <p:spPr>
+          <a:xfrm>
+            <a:off x="5749778" y="147725"/>
+            <a:ext cx="1348772" cy="285752"/>
+          </a:xfrm>
+          <a:prstGeom prst="rect">
+            <a:avLst/>
+          </a:prstGeom>
+          <a:ln>
+            <a:solidFill>
+              <a:schemeClr val="tx1"/>
+            </a:solidFill>
+          </a:ln>
+        </p:spPr>
+        <p:style>
+          <a:lnRef idx="2">
+            <a:schemeClr val="dk1"/>
+          </a:lnRef>
+          <a:fillRef idx="1">
+            <a:schemeClr val="lt1"/>
+          </a:fillRef>
+          <a:effectRef idx="0">
+            <a:schemeClr val="dk1"/>
+          </a:effectRef>
+          <a:fontRef idx="minor">
+            <a:schemeClr val="dk1"/>
+          </a:fontRef>
+        </p:style>
+        <p:txBody>
+          <a:bodyPr rtlCol="0" anchor="ctr"/>
+          <a:lstStyle/>
+          <a:p>
+            <a:pPr algn="ctr"/>
+            <a:r>
+              <a:rPr lang="de-DE" smtClean="0"/>
+              <a:t>Benutzer</a:t>
+            </a:r>
+            <a:endParaRPr lang="de-DE" dirty="0"/>
+          </a:p>
+        </p:txBody>
+      </p:sp>
+      <p:sp>
+        <p:nvSpPr>
+          <p:cNvPr id="6" name="Rechteck 5"/>
+          <p:cNvSpPr/>
+          <p:nvPr/>
+        </p:nvSpPr>
+        <p:spPr>
+          <a:xfrm>
+            <a:off x="0" y="0"/>
+            <a:ext cx="2195736" cy="764704"/>
+          </a:xfrm>
+          <a:prstGeom prst="rect">
+            <a:avLst/>
+          </a:prstGeom>
+        </p:spPr>
+        <p:style>
+          <a:lnRef idx="2">
+            <a:schemeClr val="accent6"/>
+          </a:lnRef>
+          <a:fillRef idx="1">
+            <a:schemeClr val="lt1"/>
+          </a:fillRef>
+          <a:effectRef idx="0">
+            <a:schemeClr val="accent6"/>
+          </a:effectRef>
+          <a:fontRef idx="minor">
+            <a:schemeClr val="dk1"/>
+          </a:fontRef>
+        </p:style>
+        <p:txBody>
+          <a:bodyPr rtlCol="0" anchor="ctr"/>
+          <a:lstStyle/>
+          <a:p>
+            <a:pPr algn="ctr"/>
+            <a:r>
+              <a:rPr lang="de-DE" dirty="0" smtClean="0">
+                <a:solidFill>
+                  <a:schemeClr val="bg1">
+                    <a:lumMod val="65000"/>
+                  </a:schemeClr>
+                </a:solidFill>
+              </a:rPr>
+              <a:t>GSO </a:t>
+            </a:r>
+            <a:r>
+              <a:rPr lang="de-DE" dirty="0" smtClean="0">
+                <a:solidFill>
+                  <a:schemeClr val="bg1">
+                    <a:lumMod val="65000"/>
+                  </a:schemeClr>
+                </a:solidFill>
+              </a:rPr>
+              <a:t>Logo</a:t>
+            </a:r>
+            <a:endParaRPr lang="de-DE" dirty="0">
+              <a:solidFill>
+                <a:schemeClr val="bg1">
+                  <a:lumMod val="65000"/>
+                </a:schemeClr>
+              </a:solidFill>
+            </a:endParaRPr>
+          </a:p>
+        </p:txBody>
+      </p:sp>
+      <p:sp>
+        <p:nvSpPr>
+          <p:cNvPr id="7" name="Rechteck 6"/>
+          <p:cNvSpPr/>
+          <p:nvPr/>
+        </p:nvSpPr>
+        <p:spPr>
+          <a:xfrm>
+            <a:off x="7248836" y="55885"/>
+            <a:ext cx="1571636" cy="428628"/>
+          </a:xfrm>
+          <a:prstGeom prst="rect">
+            <a:avLst/>
+          </a:prstGeom>
+        </p:spPr>
+        <p:style>
+          <a:lnRef idx="1">
+            <a:schemeClr val="dk1"/>
+          </a:lnRef>
+          <a:fillRef idx="2">
+            <a:schemeClr val="dk1"/>
+          </a:fillRef>
+          <a:effectRef idx="1">
+            <a:schemeClr val="dk1"/>
+          </a:effectRef>
+          <a:fontRef idx="minor">
+            <a:schemeClr val="dk1"/>
+          </a:fontRef>
+        </p:style>
+        <p:txBody>
+          <a:bodyPr rtlCol="0" anchor="ctr"/>
+          <a:lstStyle/>
+          <a:p>
+            <a:pPr algn="ctr"/>
+            <a:r>
+              <a:rPr lang="de-DE" dirty="0" smtClean="0"/>
+              <a:t>Abmelden</a:t>
+            </a:r>
+            <a:endParaRPr lang="de-DE" dirty="0"/>
+          </a:p>
+        </p:txBody>
+      </p:sp>
+      <p:sp>
+        <p:nvSpPr>
+          <p:cNvPr id="24" name="Rechteck 23"/>
+          <p:cNvSpPr/>
+          <p:nvPr/>
+        </p:nvSpPr>
+        <p:spPr>
+          <a:xfrm>
+            <a:off x="32420" y="872183"/>
+            <a:ext cx="8788052" cy="296416"/>
+          </a:xfrm>
+          <a:prstGeom prst="rect">
+            <a:avLst/>
+          </a:prstGeom>
+        </p:spPr>
+        <p:style>
+          <a:lnRef idx="2">
+            <a:schemeClr val="accent6"/>
+          </a:lnRef>
+          <a:fillRef idx="1">
+            <a:schemeClr val="lt1"/>
+          </a:fillRef>
+          <a:effectRef idx="0">
+            <a:schemeClr val="accent6"/>
+          </a:effectRef>
+          <a:fontRef idx="minor">
+            <a:schemeClr val="dk1"/>
+          </a:fontRef>
+        </p:style>
+        <p:txBody>
+          <a:bodyPr rtlCol="0" anchor="ctr"/>
+          <a:lstStyle/>
+          <a:p>
+            <a:pPr algn="r"/>
+            <a:r>
+              <a:rPr lang="de-DE" dirty="0" smtClean="0">
+                <a:solidFill>
+                  <a:schemeClr val="bg1">
+                    <a:lumMod val="65000"/>
+                  </a:schemeClr>
+                </a:solidFill>
+              </a:rPr>
+              <a:t>Menüleiste</a:t>
+            </a:r>
+            <a:endParaRPr lang="de-DE" dirty="0">
+              <a:solidFill>
+                <a:schemeClr val="bg1">
+                  <a:lumMod val="65000"/>
+                </a:schemeClr>
+              </a:solidFill>
+            </a:endParaRPr>
+          </a:p>
+        </p:txBody>
+      </p:sp>
+      <p:sp>
+        <p:nvSpPr>
+          <p:cNvPr id="25" name="Rechteck 24"/>
+          <p:cNvSpPr/>
+          <p:nvPr/>
+        </p:nvSpPr>
+        <p:spPr>
+          <a:xfrm>
+            <a:off x="1691680" y="889440"/>
+            <a:ext cx="1496552" cy="267072"/>
+          </a:xfrm>
+          <a:prstGeom prst="rect">
+            <a:avLst/>
+          </a:prstGeom>
+        </p:spPr>
+        <p:style>
+          <a:lnRef idx="1">
+            <a:schemeClr val="dk1"/>
+          </a:lnRef>
+          <a:fillRef idx="2">
+            <a:schemeClr val="dk1"/>
+          </a:fillRef>
+          <a:effectRef idx="1">
+            <a:schemeClr val="dk1"/>
+          </a:effectRef>
+          <a:fontRef idx="minor">
+            <a:schemeClr val="dk1"/>
+          </a:fontRef>
+        </p:style>
+        <p:txBody>
+          <a:bodyPr rtlCol="0" anchor="ctr"/>
+          <a:lstStyle/>
+          <a:p>
+            <a:pPr algn="ctr"/>
+            <a:r>
+              <a:rPr lang="de-DE" dirty="0" smtClean="0"/>
+              <a:t>Admintools</a:t>
+            </a:r>
+            <a:endParaRPr lang="de-DE" dirty="0"/>
+          </a:p>
+        </p:txBody>
+      </p:sp>
+      <p:sp>
+        <p:nvSpPr>
+          <p:cNvPr id="26" name="Rechteck 25"/>
+          <p:cNvSpPr/>
+          <p:nvPr/>
+        </p:nvSpPr>
+        <p:spPr>
+          <a:xfrm>
+            <a:off x="42732" y="884270"/>
+            <a:ext cx="1648948" cy="272242"/>
+          </a:xfrm>
+          <a:prstGeom prst="rect">
+            <a:avLst/>
+          </a:prstGeom>
+        </p:spPr>
+        <p:style>
+          <a:lnRef idx="1">
+            <a:schemeClr val="dk1"/>
+          </a:lnRef>
+          <a:fillRef idx="2">
+            <a:schemeClr val="dk1"/>
+          </a:fillRef>
+          <a:effectRef idx="1">
+            <a:schemeClr val="dk1"/>
+          </a:effectRef>
+          <a:fontRef idx="minor">
+            <a:schemeClr val="dk1"/>
+          </a:fontRef>
+        </p:style>
+        <p:txBody>
+          <a:bodyPr rtlCol="0" anchor="ctr"/>
+          <a:lstStyle/>
+          <a:p>
+            <a:pPr algn="ctr"/>
+            <a:r>
+              <a:rPr lang="de-DE" dirty="0" smtClean="0"/>
+              <a:t>Protokolle</a:t>
+            </a:r>
+            <a:endParaRPr lang="de-DE" dirty="0"/>
+          </a:p>
+        </p:txBody>
+      </p:sp>
+      <p:sp>
+        <p:nvSpPr>
+          <p:cNvPr id="2" name="Auf der gleichen Seite des Rechtecks liegende Ecken abrunden 1"/>
+          <p:cNvSpPr/>
+          <p:nvPr/>
+        </p:nvSpPr>
+        <p:spPr>
+          <a:xfrm rot="10800000">
+            <a:off x="408692" y="1168599"/>
+            <a:ext cx="4062528" cy="360040"/>
+          </a:xfrm>
+          <a:prstGeom prst="round2SameRect">
+            <a:avLst/>
+          </a:prstGeom>
+          <a:solidFill>
+            <a:schemeClr val="bg1">
+              <a:lumMod val="75000"/>
+            </a:schemeClr>
+          </a:solidFill>
+        </p:spPr>
+        <p:style>
+          <a:lnRef idx="2">
+            <a:schemeClr val="accent1">
+              <a:shade val="50000"/>
+            </a:schemeClr>
+          </a:lnRef>
+          <a:fillRef idx="1">
+            <a:schemeClr val="accent1"/>
+          </a:fillRef>
+          <a:effectRef idx="0">
+            <a:schemeClr val="accent1"/>
+          </a:effectRef>
+          <a:fontRef idx="minor">
+            <a:schemeClr val="lt1"/>
+          </a:fontRef>
+        </p:style>
+        <p:txBody>
+          <a:bodyPr rtlCol="0" anchor="ctr"/>
+          <a:lstStyle/>
+          <a:p>
+            <a:pPr algn="ctr"/>
+            <a:endParaRPr lang="de-DE" dirty="0"/>
+          </a:p>
+        </p:txBody>
+      </p:sp>
+      <p:cxnSp>
+        <p:nvCxnSpPr>
+          <p:cNvPr id="5" name="Gerade Verbindung 4"/>
+          <p:cNvCxnSpPr/>
+          <p:nvPr/>
+        </p:nvCxnSpPr>
+        <p:spPr>
+          <a:xfrm flipV="1">
+            <a:off x="1475656" y="1186719"/>
+            <a:ext cx="0" cy="327600"/>
+          </a:xfrm>
+          <a:prstGeom prst="line">
+            <a:avLst/>
+          </a:prstGeom>
+          <a:ln w="38100">
+            <a:solidFill>
+              <a:schemeClr val="bg1">
+                <a:lumMod val="50000"/>
+              </a:schemeClr>
+            </a:solidFill>
+          </a:ln>
+        </p:spPr>
+        <p:style>
+          <a:lnRef idx="1">
+            <a:schemeClr val="accent1"/>
+          </a:lnRef>
+          <a:fillRef idx="0">
+            <a:schemeClr val="accent1"/>
+          </a:fillRef>
+          <a:effectRef idx="0">
+            <a:schemeClr val="accent1"/>
+          </a:effectRef>
+          <a:fontRef idx="minor">
+            <a:schemeClr val="tx1"/>
+          </a:fontRef>
+        </p:style>
+      </p:cxnSp>
+      <p:sp>
+        <p:nvSpPr>
+          <p:cNvPr id="8" name="Textfeld 7"/>
+          <p:cNvSpPr txBox="1"/>
+          <p:nvPr/>
+        </p:nvSpPr>
+        <p:spPr>
+          <a:xfrm>
+            <a:off x="396380" y="1181733"/>
+            <a:ext cx="1152128" cy="276999"/>
+          </a:xfrm>
+          <a:prstGeom prst="rect">
+            <a:avLst/>
+          </a:prstGeom>
+          <a:noFill/>
+        </p:spPr>
+        <p:txBody>
+          <a:bodyPr wrap="square" rtlCol="0">
+            <a:spAutoFit/>
+          </a:bodyPr>
+          <a:lstStyle/>
+          <a:p>
+            <a:r>
+              <a:rPr lang="de-DE" sz="1200" dirty="0" smtClean="0"/>
+              <a:t>Lehrer anlegen</a:t>
+            </a:r>
+            <a:endParaRPr lang="de-DE" sz="1200" dirty="0"/>
+          </a:p>
+        </p:txBody>
+      </p:sp>
+      <p:sp>
+        <p:nvSpPr>
+          <p:cNvPr id="29" name="Textfeld 28"/>
+          <p:cNvSpPr txBox="1"/>
+          <p:nvPr/>
+        </p:nvSpPr>
+        <p:spPr>
+          <a:xfrm>
+            <a:off x="1476822" y="1168598"/>
+            <a:ext cx="1311760" cy="276999"/>
+          </a:xfrm>
+          <a:prstGeom prst="rect">
+            <a:avLst/>
+          </a:prstGeom>
+          <a:noFill/>
+        </p:spPr>
+        <p:txBody>
+          <a:bodyPr wrap="square" rtlCol="0">
+            <a:spAutoFit/>
+          </a:bodyPr>
+          <a:lstStyle/>
+          <a:p>
+            <a:r>
+              <a:rPr lang="de-DE" sz="1200" dirty="0" smtClean="0"/>
+              <a:t>Gruppen anlegen</a:t>
+            </a:r>
+            <a:endParaRPr lang="de-DE" sz="1200" dirty="0"/>
+          </a:p>
+        </p:txBody>
+      </p:sp>
+      <p:sp>
+        <p:nvSpPr>
+          <p:cNvPr id="39" name="Textfeld 38"/>
+          <p:cNvSpPr txBox="1"/>
+          <p:nvPr/>
+        </p:nvSpPr>
+        <p:spPr>
+          <a:xfrm>
+            <a:off x="2771800" y="1168598"/>
+            <a:ext cx="1944216" cy="276999"/>
+          </a:xfrm>
+          <a:prstGeom prst="rect">
+            <a:avLst/>
+          </a:prstGeom>
+          <a:noFill/>
+        </p:spPr>
+        <p:txBody>
+          <a:bodyPr wrap="square" rtlCol="0">
+            <a:spAutoFit/>
+          </a:bodyPr>
+          <a:lstStyle/>
+          <a:p>
+            <a:r>
+              <a:rPr lang="de-DE" sz="1200" dirty="0" smtClean="0"/>
+              <a:t>Lehrer Gruppen zuweisen</a:t>
+            </a:r>
+            <a:endParaRPr lang="de-DE" sz="1200" dirty="0"/>
+          </a:p>
+        </p:txBody>
+      </p:sp>
+      <p:cxnSp>
+        <p:nvCxnSpPr>
+          <p:cNvPr id="40" name="Gerade Verbindung 39"/>
+          <p:cNvCxnSpPr/>
+          <p:nvPr/>
+        </p:nvCxnSpPr>
+        <p:spPr>
+          <a:xfrm flipV="1">
+            <a:off x="2771800" y="1186719"/>
+            <a:ext cx="0" cy="327600"/>
+          </a:xfrm>
+          <a:prstGeom prst="line">
+            <a:avLst/>
+          </a:prstGeom>
+          <a:ln w="38100">
+            <a:solidFill>
+              <a:schemeClr val="bg1">
+                <a:lumMod val="50000"/>
+              </a:schemeClr>
+            </a:solidFill>
+          </a:ln>
+        </p:spPr>
+        <p:style>
+          <a:lnRef idx="1">
+            <a:schemeClr val="accent1"/>
+          </a:lnRef>
+          <a:fillRef idx="0">
+            <a:schemeClr val="accent1"/>
+          </a:fillRef>
+          <a:effectRef idx="0">
+            <a:schemeClr val="accent1"/>
+          </a:effectRef>
+          <a:fontRef idx="minor">
+            <a:schemeClr val="tx1"/>
+          </a:fontRef>
+        </p:style>
+      </p:cxnSp>
+      <p:sp>
+        <p:nvSpPr>
+          <p:cNvPr id="49" name="Rechteck 48"/>
+          <p:cNvSpPr/>
+          <p:nvPr/>
+        </p:nvSpPr>
+        <p:spPr>
+          <a:xfrm>
+            <a:off x="395536" y="1628800"/>
+            <a:ext cx="8424936" cy="2281456"/>
+          </a:xfrm>
+          <a:prstGeom prst="rect">
+            <a:avLst/>
+          </a:prstGeom>
+        </p:spPr>
+        <p:style>
+          <a:lnRef idx="2">
+            <a:schemeClr val="accent6"/>
+          </a:lnRef>
+          <a:fillRef idx="1">
+            <a:schemeClr val="lt1"/>
+          </a:fillRef>
+          <a:effectRef idx="0">
+            <a:schemeClr val="accent6"/>
+          </a:effectRef>
+          <a:fontRef idx="minor">
+            <a:schemeClr val="dk1"/>
+          </a:fontRef>
+        </p:style>
+        <p:txBody>
+          <a:bodyPr rtlCol="0" anchor="ctr"/>
+          <a:lstStyle/>
+          <a:p>
+            <a:pPr algn="ctr"/>
+            <a:endParaRPr lang="de-DE" dirty="0" smtClean="0">
+              <a:solidFill>
+                <a:schemeClr val="bg1">
+                  <a:lumMod val="65000"/>
+                </a:schemeClr>
+              </a:solidFill>
+            </a:endParaRPr>
+          </a:p>
+          <a:p>
+            <a:pPr algn="ctr"/>
+            <a:endParaRPr lang="de-DE" dirty="0">
+              <a:solidFill>
+                <a:schemeClr val="bg1">
+                  <a:lumMod val="65000"/>
+                </a:schemeClr>
+              </a:solidFill>
+            </a:endParaRPr>
+          </a:p>
+          <a:p>
+            <a:pPr algn="ctr"/>
+            <a:endParaRPr lang="de-DE" dirty="0" smtClean="0">
+              <a:solidFill>
+                <a:schemeClr val="bg1">
+                  <a:lumMod val="65000"/>
+                </a:schemeClr>
+              </a:solidFill>
+            </a:endParaRPr>
+          </a:p>
+          <a:p>
+            <a:pPr algn="ctr"/>
+            <a:r>
+              <a:rPr lang="de-DE" dirty="0" smtClean="0">
+                <a:solidFill>
+                  <a:schemeClr val="bg1">
+                    <a:lumMod val="65000"/>
+                  </a:schemeClr>
+                </a:solidFill>
+              </a:rPr>
+              <a:t>Liste von Lehrern</a:t>
+            </a:r>
+            <a:endParaRPr lang="de-DE" dirty="0">
+              <a:solidFill>
+                <a:schemeClr val="bg1">
+                  <a:lumMod val="65000"/>
+                </a:schemeClr>
+              </a:solidFill>
+            </a:endParaRPr>
+          </a:p>
+        </p:txBody>
+      </p:sp>
+      <p:sp>
+        <p:nvSpPr>
+          <p:cNvPr id="50" name="Rechteck 49"/>
+          <p:cNvSpPr/>
+          <p:nvPr/>
+        </p:nvSpPr>
+        <p:spPr>
+          <a:xfrm>
+            <a:off x="431955" y="1631650"/>
+            <a:ext cx="1737166" cy="429022"/>
+          </a:xfrm>
+          <a:prstGeom prst="rect">
+            <a:avLst/>
+          </a:prstGeom>
+        </p:spPr>
+        <p:style>
+          <a:lnRef idx="1">
+            <a:schemeClr val="accent1"/>
+          </a:lnRef>
+          <a:fillRef idx="2">
+            <a:schemeClr val="accent1"/>
+          </a:fillRef>
+          <a:effectRef idx="1">
+            <a:schemeClr val="accent1"/>
+          </a:effectRef>
+          <a:fontRef idx="minor">
+            <a:schemeClr val="dk1"/>
+          </a:fontRef>
+        </p:style>
+        <p:txBody>
+          <a:bodyPr rtlCol="0" anchor="ctr"/>
+          <a:lstStyle/>
+          <a:p>
+            <a:pPr algn="ctr"/>
+            <a:r>
+              <a:rPr lang="de-DE" sz="1600" dirty="0" smtClean="0"/>
+              <a:t>Vorname</a:t>
+            </a:r>
+            <a:endParaRPr lang="de-DE" sz="1600" dirty="0"/>
+          </a:p>
+        </p:txBody>
+      </p:sp>
+      <p:sp>
+        <p:nvSpPr>
+          <p:cNvPr id="51" name="Rechteck 50"/>
+          <p:cNvSpPr/>
+          <p:nvPr/>
+        </p:nvSpPr>
+        <p:spPr>
+          <a:xfrm>
+            <a:off x="2132702" y="1631650"/>
+            <a:ext cx="1791226" cy="429022"/>
+          </a:xfrm>
+          <a:prstGeom prst="rect">
+            <a:avLst/>
+          </a:prstGeom>
+        </p:spPr>
+        <p:style>
+          <a:lnRef idx="1">
+            <a:schemeClr val="accent1"/>
+          </a:lnRef>
+          <a:fillRef idx="2">
+            <a:schemeClr val="accent1"/>
+          </a:fillRef>
+          <a:effectRef idx="1">
+            <a:schemeClr val="accent1"/>
+          </a:effectRef>
+          <a:fontRef idx="minor">
+            <a:schemeClr val="dk1"/>
+          </a:fontRef>
+        </p:style>
+        <p:txBody>
+          <a:bodyPr rtlCol="0" anchor="ctr"/>
+          <a:lstStyle/>
+          <a:p>
+            <a:pPr algn="ctr"/>
+            <a:r>
+              <a:rPr lang="de-DE" sz="1600" dirty="0" smtClean="0"/>
+              <a:t>Nachname</a:t>
+            </a:r>
+            <a:endParaRPr lang="de-DE" sz="1600" dirty="0"/>
+          </a:p>
+        </p:txBody>
+      </p:sp>
+      <p:sp>
+        <p:nvSpPr>
+          <p:cNvPr id="52" name="Rechteck 51"/>
+          <p:cNvSpPr/>
+          <p:nvPr/>
+        </p:nvSpPr>
+        <p:spPr>
+          <a:xfrm>
+            <a:off x="3923928" y="1628800"/>
+            <a:ext cx="2393378" cy="427509"/>
+          </a:xfrm>
+          <a:prstGeom prst="rect">
+            <a:avLst/>
+          </a:prstGeom>
+        </p:spPr>
+        <p:style>
+          <a:lnRef idx="1">
+            <a:schemeClr val="accent1"/>
+          </a:lnRef>
+          <a:fillRef idx="2">
+            <a:schemeClr val="accent1"/>
+          </a:fillRef>
+          <a:effectRef idx="1">
+            <a:schemeClr val="accent1"/>
+          </a:effectRef>
+          <a:fontRef idx="minor">
+            <a:schemeClr val="dk1"/>
+          </a:fontRef>
+        </p:style>
+        <p:txBody>
+          <a:bodyPr rtlCol="0" anchor="ctr"/>
+          <a:lstStyle/>
+          <a:p>
+            <a:pPr algn="ctr"/>
+            <a:r>
+              <a:rPr lang="de-DE" sz="1600" dirty="0" smtClean="0"/>
+              <a:t>Email</a:t>
+            </a:r>
+            <a:endParaRPr lang="de-DE" sz="1600" dirty="0"/>
+          </a:p>
+        </p:txBody>
+      </p:sp>
+      <p:sp>
+        <p:nvSpPr>
+          <p:cNvPr id="53" name="Rechteck 52"/>
+          <p:cNvSpPr/>
+          <p:nvPr/>
+        </p:nvSpPr>
+        <p:spPr>
+          <a:xfrm>
+            <a:off x="6317306" y="1631650"/>
+            <a:ext cx="1475742" cy="429022"/>
+          </a:xfrm>
+          <a:prstGeom prst="rect">
+            <a:avLst/>
+          </a:prstGeom>
+        </p:spPr>
+        <p:style>
+          <a:lnRef idx="1">
+            <a:schemeClr val="accent1"/>
+          </a:lnRef>
+          <a:fillRef idx="2">
+            <a:schemeClr val="accent1"/>
+          </a:fillRef>
+          <a:effectRef idx="1">
+            <a:schemeClr val="accent1"/>
+          </a:effectRef>
+          <a:fontRef idx="minor">
+            <a:schemeClr val="dk1"/>
+          </a:fontRef>
+        </p:style>
+        <p:txBody>
+          <a:bodyPr rtlCol="0" anchor="ctr"/>
+          <a:lstStyle/>
+          <a:p>
+            <a:pPr algn="ctr"/>
+            <a:r>
+              <a:rPr lang="de-DE" sz="1600" dirty="0" smtClean="0"/>
+              <a:t>Benutzername</a:t>
+            </a:r>
+            <a:endParaRPr lang="de-DE" sz="1600" dirty="0"/>
+          </a:p>
+        </p:txBody>
+      </p:sp>
+      <p:sp>
+        <p:nvSpPr>
+          <p:cNvPr id="54" name="Rechteck 53"/>
+          <p:cNvSpPr/>
+          <p:nvPr/>
+        </p:nvSpPr>
+        <p:spPr>
+          <a:xfrm>
+            <a:off x="7803342" y="1628800"/>
+            <a:ext cx="1002075" cy="429022"/>
+          </a:xfrm>
+          <a:prstGeom prst="rect">
+            <a:avLst/>
+          </a:prstGeom>
+        </p:spPr>
+        <p:style>
+          <a:lnRef idx="1">
+            <a:schemeClr val="accent1"/>
+          </a:lnRef>
+          <a:fillRef idx="2">
+            <a:schemeClr val="accent1"/>
+          </a:fillRef>
+          <a:effectRef idx="1">
+            <a:schemeClr val="accent1"/>
+          </a:effectRef>
+          <a:fontRef idx="minor">
+            <a:schemeClr val="dk1"/>
+          </a:fontRef>
+        </p:style>
+        <p:txBody>
+          <a:bodyPr rtlCol="0" anchor="ctr"/>
+          <a:lstStyle/>
+          <a:p>
+            <a:pPr algn="ctr"/>
+            <a:r>
+              <a:rPr lang="de-DE" sz="1600" dirty="0" smtClean="0"/>
+              <a:t>Passwort</a:t>
+            </a:r>
+            <a:endParaRPr lang="de-DE" sz="1600" dirty="0"/>
+          </a:p>
+        </p:txBody>
+      </p:sp>
+      <p:sp>
+        <p:nvSpPr>
+          <p:cNvPr id="55" name="Rechteck 54"/>
+          <p:cNvSpPr/>
+          <p:nvPr/>
+        </p:nvSpPr>
+        <p:spPr>
+          <a:xfrm>
+            <a:off x="426622" y="2057822"/>
+            <a:ext cx="1737166" cy="321471"/>
+          </a:xfrm>
+          <a:prstGeom prst="rect">
+            <a:avLst/>
+          </a:prstGeom>
+          <a:ln>
+            <a:solidFill>
+              <a:schemeClr val="bg1">
+                <a:lumMod val="50000"/>
+              </a:schemeClr>
+            </a:solidFill>
+          </a:ln>
+        </p:spPr>
+        <p:style>
+          <a:lnRef idx="2">
+            <a:schemeClr val="dk1"/>
+          </a:lnRef>
+          <a:fillRef idx="1">
+            <a:schemeClr val="lt1"/>
+          </a:fillRef>
+          <a:effectRef idx="0">
+            <a:schemeClr val="dk1"/>
+          </a:effectRef>
+          <a:fontRef idx="minor">
+            <a:schemeClr val="dk1"/>
+          </a:fontRef>
+        </p:style>
+        <p:txBody>
+          <a:bodyPr rtlCol="0" anchor="ctr"/>
+          <a:lstStyle/>
+          <a:p>
+            <a:pPr algn="ctr"/>
+            <a:r>
+              <a:rPr lang="de-DE" sz="1600" dirty="0" smtClean="0"/>
+              <a:t>Oliver</a:t>
+            </a:r>
+            <a:endParaRPr lang="de-DE" sz="1600" dirty="0"/>
+          </a:p>
+        </p:txBody>
+      </p:sp>
+      <p:sp>
+        <p:nvSpPr>
+          <p:cNvPr id="56" name="Rechteck 55"/>
+          <p:cNvSpPr/>
+          <p:nvPr/>
+        </p:nvSpPr>
+        <p:spPr>
+          <a:xfrm>
+            <a:off x="2132702" y="2060672"/>
+            <a:ext cx="1791226" cy="321471"/>
+          </a:xfrm>
+          <a:prstGeom prst="rect">
+            <a:avLst/>
+          </a:prstGeom>
+          <a:ln>
+            <a:solidFill>
+              <a:schemeClr val="bg1">
+                <a:lumMod val="50000"/>
+              </a:schemeClr>
+            </a:solidFill>
+          </a:ln>
+        </p:spPr>
+        <p:style>
+          <a:lnRef idx="2">
+            <a:schemeClr val="dk1"/>
+          </a:lnRef>
+          <a:fillRef idx="1">
+            <a:schemeClr val="lt1"/>
+          </a:fillRef>
+          <a:effectRef idx="0">
+            <a:schemeClr val="dk1"/>
+          </a:effectRef>
+          <a:fontRef idx="minor">
+            <a:schemeClr val="dk1"/>
+          </a:fontRef>
+        </p:style>
+        <p:txBody>
+          <a:bodyPr rtlCol="0" anchor="ctr"/>
+          <a:lstStyle/>
+          <a:p>
+            <a:pPr algn="ctr"/>
+            <a:r>
+              <a:rPr lang="de-DE" sz="1600" dirty="0" smtClean="0"/>
+              <a:t>Kaden</a:t>
+            </a:r>
+            <a:endParaRPr lang="de-DE" sz="1600" dirty="0"/>
+          </a:p>
+        </p:txBody>
+      </p:sp>
+      <p:sp>
+        <p:nvSpPr>
+          <p:cNvPr id="57" name="Rechteck 56"/>
+          <p:cNvSpPr/>
+          <p:nvPr/>
+        </p:nvSpPr>
+        <p:spPr>
+          <a:xfrm>
+            <a:off x="3923929" y="2056309"/>
+            <a:ext cx="2393376" cy="321471"/>
+          </a:xfrm>
+          <a:prstGeom prst="rect">
+            <a:avLst/>
+          </a:prstGeom>
+          <a:ln>
+            <a:solidFill>
+              <a:schemeClr val="bg1">
+                <a:lumMod val="50000"/>
+              </a:schemeClr>
+            </a:solidFill>
+          </a:ln>
+        </p:spPr>
+        <p:style>
+          <a:lnRef idx="2">
+            <a:schemeClr val="dk1"/>
+          </a:lnRef>
+          <a:fillRef idx="1">
+            <a:schemeClr val="lt1"/>
+          </a:fillRef>
+          <a:effectRef idx="0">
+            <a:schemeClr val="dk1"/>
+          </a:effectRef>
+          <a:fontRef idx="minor">
+            <a:schemeClr val="dk1"/>
+          </a:fontRef>
+        </p:style>
+        <p:txBody>
+          <a:bodyPr rtlCol="0" anchor="ctr"/>
+          <a:lstStyle/>
+          <a:p>
+            <a:pPr algn="ctr"/>
+            <a:r>
+              <a:rPr lang="de-DE" sz="1600" dirty="0" smtClean="0"/>
+              <a:t>fia63kaden@gso-koeln.de</a:t>
+            </a:r>
+            <a:endParaRPr lang="de-DE" sz="1600" dirty="0"/>
+          </a:p>
+        </p:txBody>
+      </p:sp>
+      <p:sp>
+        <p:nvSpPr>
+          <p:cNvPr id="58" name="Rechteck 57"/>
+          <p:cNvSpPr/>
+          <p:nvPr/>
+        </p:nvSpPr>
+        <p:spPr>
+          <a:xfrm>
+            <a:off x="6317307" y="2059159"/>
+            <a:ext cx="1486035" cy="321471"/>
+          </a:xfrm>
+          <a:prstGeom prst="rect">
+            <a:avLst/>
+          </a:prstGeom>
+          <a:ln>
+            <a:solidFill>
+              <a:schemeClr val="bg1">
+                <a:lumMod val="50000"/>
+              </a:schemeClr>
+            </a:solidFill>
+          </a:ln>
+        </p:spPr>
+        <p:style>
+          <a:lnRef idx="2">
+            <a:schemeClr val="dk1"/>
+          </a:lnRef>
+          <a:fillRef idx="1">
+            <a:schemeClr val="lt1"/>
+          </a:fillRef>
+          <a:effectRef idx="0">
+            <a:schemeClr val="dk1"/>
+          </a:effectRef>
+          <a:fontRef idx="minor">
+            <a:schemeClr val="dk1"/>
+          </a:fontRef>
+        </p:style>
+        <p:txBody>
+          <a:bodyPr rtlCol="0" anchor="ctr"/>
+          <a:lstStyle/>
+          <a:p>
+            <a:pPr algn="ctr"/>
+            <a:r>
+              <a:rPr lang="de-DE" sz="1600" dirty="0" smtClean="0"/>
+              <a:t>OK</a:t>
+            </a:r>
+            <a:endParaRPr lang="de-DE" sz="1600" dirty="0"/>
+          </a:p>
+        </p:txBody>
+      </p:sp>
+      <p:sp>
+        <p:nvSpPr>
+          <p:cNvPr id="59" name="Rechteck 58"/>
+          <p:cNvSpPr/>
+          <p:nvPr/>
+        </p:nvSpPr>
+        <p:spPr>
+          <a:xfrm>
+            <a:off x="7803342" y="2059159"/>
+            <a:ext cx="1002075" cy="321471"/>
+          </a:xfrm>
+          <a:prstGeom prst="rect">
+            <a:avLst/>
+          </a:prstGeom>
+          <a:ln>
+            <a:solidFill>
+              <a:schemeClr val="bg1">
+                <a:lumMod val="50000"/>
+              </a:schemeClr>
+            </a:solidFill>
+          </a:ln>
+        </p:spPr>
+        <p:style>
+          <a:lnRef idx="2">
+            <a:schemeClr val="dk1"/>
+          </a:lnRef>
+          <a:fillRef idx="1">
+            <a:schemeClr val="lt1"/>
+          </a:fillRef>
+          <a:effectRef idx="0">
+            <a:schemeClr val="dk1"/>
+          </a:effectRef>
+          <a:fontRef idx="minor">
+            <a:schemeClr val="dk1"/>
+          </a:fontRef>
+        </p:style>
+        <p:txBody>
+          <a:bodyPr rtlCol="0" anchor="ctr"/>
+          <a:lstStyle/>
+          <a:p>
+            <a:pPr algn="ctr"/>
+            <a:r>
+              <a:rPr lang="de-DE" sz="1600" dirty="0" smtClean="0"/>
+              <a:t>•••••••</a:t>
+            </a:r>
+            <a:endParaRPr lang="de-DE" sz="1600" dirty="0"/>
+          </a:p>
+        </p:txBody>
+      </p:sp>
+      <p:sp>
+        <p:nvSpPr>
+          <p:cNvPr id="60" name="Rechteck 59"/>
+          <p:cNvSpPr/>
+          <p:nvPr/>
+        </p:nvSpPr>
+        <p:spPr>
+          <a:xfrm>
+            <a:off x="431955" y="2377780"/>
+            <a:ext cx="8373462" cy="321471"/>
+          </a:xfrm>
+          <a:prstGeom prst="rect">
+            <a:avLst/>
+          </a:prstGeom>
+          <a:ln>
+            <a:solidFill>
+              <a:schemeClr val="bg1">
+                <a:lumMod val="50000"/>
+              </a:schemeClr>
+            </a:solidFill>
+          </a:ln>
+        </p:spPr>
+        <p:style>
+          <a:lnRef idx="2">
+            <a:schemeClr val="dk1"/>
+          </a:lnRef>
+          <a:fillRef idx="1">
+            <a:schemeClr val="lt1"/>
+          </a:fillRef>
+          <a:effectRef idx="0">
+            <a:schemeClr val="dk1"/>
+          </a:effectRef>
+          <a:fontRef idx="minor">
+            <a:schemeClr val="dk1"/>
+          </a:fontRef>
+        </p:style>
+        <p:txBody>
+          <a:bodyPr rtlCol="0" anchor="ctr"/>
+          <a:lstStyle/>
+          <a:p>
+            <a:pPr algn="ctr"/>
+            <a:r>
+              <a:rPr lang="de-DE" sz="2800" dirty="0" smtClean="0">
+                <a:solidFill>
+                  <a:srgbClr val="00B050"/>
+                </a:solidFill>
+              </a:rPr>
+              <a:t>+</a:t>
+            </a:r>
+            <a:endParaRPr lang="de-DE" sz="1600" dirty="0">
+              <a:solidFill>
+                <a:srgbClr val="00B050"/>
+              </a:solidFill>
+            </a:endParaRPr>
+          </a:p>
+        </p:txBody>
+      </p:sp>
+    </p:spTree>
+    <p:extLst>
+      <p:ext uri="{BB962C8B-B14F-4D97-AF65-F5344CB8AC3E}">
+        <p14:creationId xmlns:p14="http://schemas.microsoft.com/office/powerpoint/2010/main" val="899778097"/>
+      </p:ext>
+    </p:extLst>
+  </p:cSld>
+  <p:clrMapOvr>
+    <a:masterClrMapping/>
+  </p:clrMapOvr>
+  <p:timing>
+    <p:tnLst>
+      <p:par>
+        <p:cTn id="1" dur="indefinite" restart="never" nodeType="tmRoot"/>
+      </p:par>
+    </p:tnLst>
+  </p:timing>
+</p:sld>
+</file>
+
+<file path=ppt/slides/slide4.xml><?xml version="1.0" encoding="utf-8"?>
+<p:sld xmlns:a="http://schemas.openxmlformats.org/drawingml/2006/main" xmlns:r="http://schemas.openxmlformats.org/officeDocument/2006/relationships" xmlns:p="http://schemas.openxmlformats.org/presentationml/2006/main">
+  <p:cSld>
+    <p:spTree>
+      <p:nvGrpSpPr>
+        <p:cNvPr id="1" name=""/>
+        <p:cNvGrpSpPr/>
+        <p:nvPr/>
+      </p:nvGrpSpPr>
+      <p:grpSpPr>
+        <a:xfrm>
+          <a:off x="0" y="0"/>
+          <a:ext cx="0" cy="0"/>
+          <a:chOff x="0" y="0"/>
+          <a:chExt cx="0" cy="0"/>
+        </a:xfrm>
+      </p:grpSpPr>
+      <p:sp>
+        <p:nvSpPr>
+          <p:cNvPr id="4" name="Rechteck 3"/>
+          <p:cNvSpPr/>
+          <p:nvPr/>
+        </p:nvSpPr>
+        <p:spPr>
+          <a:xfrm>
+            <a:off x="5749778" y="147725"/>
+            <a:ext cx="1348772" cy="285752"/>
+          </a:xfrm>
+          <a:prstGeom prst="rect">
+            <a:avLst/>
+          </a:prstGeom>
+          <a:ln>
+            <a:solidFill>
+              <a:schemeClr val="tx1"/>
+            </a:solidFill>
+          </a:ln>
+        </p:spPr>
+        <p:style>
+          <a:lnRef idx="2">
+            <a:schemeClr val="dk1"/>
+          </a:lnRef>
+          <a:fillRef idx="1">
+            <a:schemeClr val="lt1"/>
+          </a:fillRef>
+          <a:effectRef idx="0">
+            <a:schemeClr val="dk1"/>
+          </a:effectRef>
+          <a:fontRef idx="minor">
+            <a:schemeClr val="dk1"/>
+          </a:fontRef>
+        </p:style>
+        <p:txBody>
+          <a:bodyPr rtlCol="0" anchor="ctr"/>
+          <a:lstStyle/>
+          <a:p>
+            <a:pPr algn="ctr"/>
+            <a:r>
+              <a:rPr lang="de-DE" smtClean="0"/>
+              <a:t>Benutzer</a:t>
+            </a:r>
+            <a:endParaRPr lang="de-DE" dirty="0"/>
+          </a:p>
+        </p:txBody>
+      </p:sp>
+      <p:sp>
+        <p:nvSpPr>
+          <p:cNvPr id="6" name="Rechteck 5"/>
+          <p:cNvSpPr/>
+          <p:nvPr/>
+        </p:nvSpPr>
+        <p:spPr>
+          <a:xfrm>
+            <a:off x="0" y="0"/>
+            <a:ext cx="2195736" cy="764704"/>
+          </a:xfrm>
+          <a:prstGeom prst="rect">
+            <a:avLst/>
+          </a:prstGeom>
+        </p:spPr>
+        <p:style>
+          <a:lnRef idx="2">
+            <a:schemeClr val="accent6"/>
+          </a:lnRef>
+          <a:fillRef idx="1">
+            <a:schemeClr val="lt1"/>
+          </a:fillRef>
+          <a:effectRef idx="0">
+            <a:schemeClr val="accent6"/>
+          </a:effectRef>
+          <a:fontRef idx="minor">
+            <a:schemeClr val="dk1"/>
+          </a:fontRef>
+        </p:style>
+        <p:txBody>
+          <a:bodyPr rtlCol="0" anchor="ctr"/>
+          <a:lstStyle/>
+          <a:p>
+            <a:pPr algn="ctr"/>
+            <a:r>
+              <a:rPr lang="de-DE" dirty="0" smtClean="0">
+                <a:solidFill>
+                  <a:schemeClr val="bg1">
+                    <a:lumMod val="65000"/>
+                  </a:schemeClr>
+                </a:solidFill>
+              </a:rPr>
+              <a:t>GSO </a:t>
+            </a:r>
+            <a:r>
+              <a:rPr lang="de-DE" dirty="0" smtClean="0">
+                <a:solidFill>
+                  <a:schemeClr val="bg1">
+                    <a:lumMod val="65000"/>
+                  </a:schemeClr>
+                </a:solidFill>
+              </a:rPr>
+              <a:t>Logo</a:t>
+            </a:r>
+            <a:endParaRPr lang="de-DE" dirty="0">
+              <a:solidFill>
+                <a:schemeClr val="bg1">
+                  <a:lumMod val="65000"/>
+                </a:schemeClr>
+              </a:solidFill>
+            </a:endParaRPr>
+          </a:p>
+        </p:txBody>
+      </p:sp>
+      <p:sp>
+        <p:nvSpPr>
+          <p:cNvPr id="7" name="Rechteck 6"/>
+          <p:cNvSpPr/>
+          <p:nvPr/>
+        </p:nvSpPr>
+        <p:spPr>
+          <a:xfrm>
+            <a:off x="7248836" y="55885"/>
+            <a:ext cx="1571636" cy="428628"/>
+          </a:xfrm>
+          <a:prstGeom prst="rect">
+            <a:avLst/>
+          </a:prstGeom>
+        </p:spPr>
+        <p:style>
+          <a:lnRef idx="1">
+            <a:schemeClr val="dk1"/>
+          </a:lnRef>
+          <a:fillRef idx="2">
+            <a:schemeClr val="dk1"/>
+          </a:fillRef>
+          <a:effectRef idx="1">
+            <a:schemeClr val="dk1"/>
+          </a:effectRef>
+          <a:fontRef idx="minor">
+            <a:schemeClr val="dk1"/>
+          </a:fontRef>
+        </p:style>
+        <p:txBody>
+          <a:bodyPr rtlCol="0" anchor="ctr"/>
+          <a:lstStyle/>
+          <a:p>
+            <a:pPr algn="ctr"/>
+            <a:r>
+              <a:rPr lang="de-DE" dirty="0" smtClean="0"/>
+              <a:t>Abmelden</a:t>
+            </a:r>
+            <a:endParaRPr lang="de-DE" dirty="0"/>
+          </a:p>
+        </p:txBody>
+      </p:sp>
+      <p:sp>
+        <p:nvSpPr>
+          <p:cNvPr id="24" name="Rechteck 23"/>
+          <p:cNvSpPr/>
+          <p:nvPr/>
+        </p:nvSpPr>
+        <p:spPr>
+          <a:xfrm>
+            <a:off x="32420" y="872183"/>
+            <a:ext cx="8788052" cy="296416"/>
+          </a:xfrm>
+          <a:prstGeom prst="rect">
+            <a:avLst/>
+          </a:prstGeom>
+        </p:spPr>
+        <p:style>
+          <a:lnRef idx="2">
+            <a:schemeClr val="accent6"/>
+          </a:lnRef>
+          <a:fillRef idx="1">
+            <a:schemeClr val="lt1"/>
+          </a:fillRef>
+          <a:effectRef idx="0">
+            <a:schemeClr val="accent6"/>
+          </a:effectRef>
+          <a:fontRef idx="minor">
+            <a:schemeClr val="dk1"/>
+          </a:fontRef>
+        </p:style>
+        <p:txBody>
+          <a:bodyPr rtlCol="0" anchor="ctr"/>
+          <a:lstStyle/>
+          <a:p>
+            <a:pPr algn="r"/>
+            <a:r>
+              <a:rPr lang="de-DE" dirty="0" smtClean="0">
+                <a:solidFill>
+                  <a:schemeClr val="bg1">
+                    <a:lumMod val="65000"/>
+                  </a:schemeClr>
+                </a:solidFill>
+              </a:rPr>
+              <a:t>Menüleiste</a:t>
+            </a:r>
+            <a:endParaRPr lang="de-DE" dirty="0">
+              <a:solidFill>
+                <a:schemeClr val="bg1">
+                  <a:lumMod val="65000"/>
+                </a:schemeClr>
+              </a:solidFill>
+            </a:endParaRPr>
+          </a:p>
+        </p:txBody>
+      </p:sp>
+      <p:sp>
+        <p:nvSpPr>
+          <p:cNvPr id="25" name="Rechteck 24"/>
+          <p:cNvSpPr/>
+          <p:nvPr/>
+        </p:nvSpPr>
+        <p:spPr>
+          <a:xfrm>
+            <a:off x="1691680" y="889440"/>
+            <a:ext cx="1496552" cy="267072"/>
+          </a:xfrm>
+          <a:prstGeom prst="rect">
+            <a:avLst/>
+          </a:prstGeom>
+        </p:spPr>
+        <p:style>
+          <a:lnRef idx="1">
+            <a:schemeClr val="dk1"/>
+          </a:lnRef>
+          <a:fillRef idx="2">
+            <a:schemeClr val="dk1"/>
+          </a:fillRef>
+          <a:effectRef idx="1">
+            <a:schemeClr val="dk1"/>
+          </a:effectRef>
+          <a:fontRef idx="minor">
+            <a:schemeClr val="dk1"/>
+          </a:fontRef>
+        </p:style>
+        <p:txBody>
+          <a:bodyPr rtlCol="0" anchor="ctr"/>
+          <a:lstStyle/>
+          <a:p>
+            <a:pPr algn="ctr"/>
+            <a:r>
+              <a:rPr lang="de-DE" dirty="0" smtClean="0"/>
+              <a:t>Admintools</a:t>
+            </a:r>
+            <a:endParaRPr lang="de-DE" dirty="0"/>
+          </a:p>
+        </p:txBody>
+      </p:sp>
+      <p:sp>
+        <p:nvSpPr>
+          <p:cNvPr id="26" name="Rechteck 25"/>
+          <p:cNvSpPr/>
+          <p:nvPr/>
+        </p:nvSpPr>
+        <p:spPr>
+          <a:xfrm>
+            <a:off x="42732" y="884270"/>
+            <a:ext cx="1648948" cy="272242"/>
+          </a:xfrm>
+          <a:prstGeom prst="rect">
+            <a:avLst/>
+          </a:prstGeom>
+        </p:spPr>
+        <p:style>
+          <a:lnRef idx="1">
+            <a:schemeClr val="dk1"/>
+          </a:lnRef>
+          <a:fillRef idx="2">
+            <a:schemeClr val="dk1"/>
+          </a:fillRef>
+          <a:effectRef idx="1">
+            <a:schemeClr val="dk1"/>
+          </a:effectRef>
+          <a:fontRef idx="minor">
+            <a:schemeClr val="dk1"/>
+          </a:fontRef>
+        </p:style>
+        <p:txBody>
+          <a:bodyPr rtlCol="0" anchor="ctr"/>
+          <a:lstStyle/>
+          <a:p>
+            <a:pPr algn="ctr"/>
+            <a:r>
+              <a:rPr lang="de-DE" dirty="0" smtClean="0"/>
+              <a:t>Protokolle</a:t>
+            </a:r>
+            <a:endParaRPr lang="de-DE" dirty="0"/>
+          </a:p>
+        </p:txBody>
+      </p:sp>
+      <p:sp>
+        <p:nvSpPr>
+          <p:cNvPr id="2" name="Auf der gleichen Seite des Rechtecks liegende Ecken abrunden 1"/>
+          <p:cNvSpPr/>
+          <p:nvPr/>
+        </p:nvSpPr>
+        <p:spPr>
+          <a:xfrm rot="10800000">
+            <a:off x="408692" y="1168599"/>
+            <a:ext cx="4062528" cy="360040"/>
+          </a:xfrm>
+          <a:prstGeom prst="round2SameRect">
+            <a:avLst/>
+          </a:prstGeom>
+          <a:solidFill>
+            <a:schemeClr val="bg1">
+              <a:lumMod val="75000"/>
+            </a:schemeClr>
+          </a:solidFill>
+        </p:spPr>
+        <p:style>
+          <a:lnRef idx="2">
+            <a:schemeClr val="accent1">
+              <a:shade val="50000"/>
+            </a:schemeClr>
+          </a:lnRef>
+          <a:fillRef idx="1">
+            <a:schemeClr val="accent1"/>
+          </a:fillRef>
+          <a:effectRef idx="0">
+            <a:schemeClr val="accent1"/>
+          </a:effectRef>
+          <a:fontRef idx="minor">
+            <a:schemeClr val="lt1"/>
+          </a:fontRef>
+        </p:style>
+        <p:txBody>
+          <a:bodyPr rtlCol="0" anchor="ctr"/>
+          <a:lstStyle/>
+          <a:p>
+            <a:pPr algn="ctr"/>
+            <a:endParaRPr lang="de-DE" dirty="0"/>
+          </a:p>
+        </p:txBody>
+      </p:sp>
+      <p:cxnSp>
+        <p:nvCxnSpPr>
+          <p:cNvPr id="5" name="Gerade Verbindung 4"/>
+          <p:cNvCxnSpPr/>
+          <p:nvPr/>
+        </p:nvCxnSpPr>
+        <p:spPr>
+          <a:xfrm flipV="1">
+            <a:off x="1475656" y="1186719"/>
+            <a:ext cx="0" cy="327600"/>
+          </a:xfrm>
+          <a:prstGeom prst="line">
+            <a:avLst/>
+          </a:prstGeom>
+          <a:ln w="38100">
+            <a:solidFill>
+              <a:schemeClr val="bg1">
+                <a:lumMod val="50000"/>
+              </a:schemeClr>
+            </a:solidFill>
+          </a:ln>
+        </p:spPr>
+        <p:style>
+          <a:lnRef idx="1">
+            <a:schemeClr val="accent1"/>
+          </a:lnRef>
+          <a:fillRef idx="0">
+            <a:schemeClr val="accent1"/>
+          </a:fillRef>
+          <a:effectRef idx="0">
+            <a:schemeClr val="accent1"/>
+          </a:effectRef>
+          <a:fontRef idx="minor">
+            <a:schemeClr val="tx1"/>
+          </a:fontRef>
+        </p:style>
+      </p:cxnSp>
+      <p:sp>
+        <p:nvSpPr>
+          <p:cNvPr id="8" name="Textfeld 7"/>
+          <p:cNvSpPr txBox="1"/>
+          <p:nvPr/>
+        </p:nvSpPr>
+        <p:spPr>
+          <a:xfrm>
+            <a:off x="396380" y="1181733"/>
+            <a:ext cx="1152128" cy="276999"/>
+          </a:xfrm>
+          <a:prstGeom prst="rect">
+            <a:avLst/>
+          </a:prstGeom>
+          <a:noFill/>
+        </p:spPr>
+        <p:txBody>
+          <a:bodyPr wrap="square" rtlCol="0">
+            <a:spAutoFit/>
+          </a:bodyPr>
+          <a:lstStyle/>
+          <a:p>
+            <a:r>
+              <a:rPr lang="de-DE" sz="1200" dirty="0" smtClean="0"/>
+              <a:t>Lehrer anlegen</a:t>
+            </a:r>
+            <a:endParaRPr lang="de-DE" sz="1200" dirty="0"/>
+          </a:p>
+        </p:txBody>
+      </p:sp>
+      <p:sp>
+        <p:nvSpPr>
+          <p:cNvPr id="29" name="Textfeld 28"/>
+          <p:cNvSpPr txBox="1"/>
+          <p:nvPr/>
+        </p:nvSpPr>
+        <p:spPr>
+          <a:xfrm>
+            <a:off x="1476822" y="1168598"/>
+            <a:ext cx="1311760" cy="276999"/>
+          </a:xfrm>
+          <a:prstGeom prst="rect">
+            <a:avLst/>
+          </a:prstGeom>
+          <a:noFill/>
+        </p:spPr>
+        <p:txBody>
+          <a:bodyPr wrap="square" rtlCol="0">
+            <a:spAutoFit/>
+          </a:bodyPr>
+          <a:lstStyle/>
+          <a:p>
+            <a:r>
+              <a:rPr lang="de-DE" sz="1200" dirty="0" smtClean="0"/>
+              <a:t>Gruppen anlegen</a:t>
+            </a:r>
+            <a:endParaRPr lang="de-DE" sz="1200" dirty="0"/>
+          </a:p>
+        </p:txBody>
+      </p:sp>
+      <p:sp>
+        <p:nvSpPr>
+          <p:cNvPr id="39" name="Textfeld 38"/>
+          <p:cNvSpPr txBox="1"/>
+          <p:nvPr/>
+        </p:nvSpPr>
+        <p:spPr>
+          <a:xfrm>
+            <a:off x="2771800" y="1168598"/>
+            <a:ext cx="1944216" cy="276999"/>
+          </a:xfrm>
+          <a:prstGeom prst="rect">
+            <a:avLst/>
+          </a:prstGeom>
+          <a:noFill/>
+        </p:spPr>
+        <p:txBody>
+          <a:bodyPr wrap="square" rtlCol="0">
+            <a:spAutoFit/>
+          </a:bodyPr>
+          <a:lstStyle/>
+          <a:p>
+            <a:r>
+              <a:rPr lang="de-DE" sz="1200" dirty="0" smtClean="0"/>
+              <a:t>Lehrer Gruppen zuweisen</a:t>
+            </a:r>
+            <a:endParaRPr lang="de-DE" sz="1200" dirty="0"/>
+          </a:p>
+        </p:txBody>
+      </p:sp>
+      <p:cxnSp>
+        <p:nvCxnSpPr>
+          <p:cNvPr id="40" name="Gerade Verbindung 39"/>
+          <p:cNvCxnSpPr/>
+          <p:nvPr/>
+        </p:nvCxnSpPr>
+        <p:spPr>
+          <a:xfrm flipV="1">
+            <a:off x="2771800" y="1186719"/>
+            <a:ext cx="0" cy="327600"/>
+          </a:xfrm>
+          <a:prstGeom prst="line">
+            <a:avLst/>
+          </a:prstGeom>
+          <a:ln w="38100">
+            <a:solidFill>
+              <a:schemeClr val="bg1">
+                <a:lumMod val="50000"/>
+              </a:schemeClr>
+            </a:solidFill>
+          </a:ln>
+        </p:spPr>
+        <p:style>
+          <a:lnRef idx="1">
+            <a:schemeClr val="accent1"/>
+          </a:lnRef>
+          <a:fillRef idx="0">
+            <a:schemeClr val="accent1"/>
+          </a:fillRef>
+          <a:effectRef idx="0">
+            <a:schemeClr val="accent1"/>
+          </a:effectRef>
+          <a:fontRef idx="minor">
+            <a:schemeClr val="tx1"/>
+          </a:fontRef>
+        </p:style>
+      </p:cxnSp>
+      <p:sp>
+        <p:nvSpPr>
+          <p:cNvPr id="14" name="Rechteck 13"/>
+          <p:cNvSpPr/>
+          <p:nvPr/>
+        </p:nvSpPr>
+        <p:spPr>
+          <a:xfrm>
+            <a:off x="395536" y="1628800"/>
+            <a:ext cx="8424936" cy="2281456"/>
+          </a:xfrm>
+          <a:prstGeom prst="rect">
+            <a:avLst/>
+          </a:prstGeom>
+        </p:spPr>
+        <p:style>
+          <a:lnRef idx="2">
+            <a:schemeClr val="accent6"/>
+          </a:lnRef>
+          <a:fillRef idx="1">
+            <a:schemeClr val="lt1"/>
+          </a:fillRef>
+          <a:effectRef idx="0">
+            <a:schemeClr val="accent6"/>
+          </a:effectRef>
+          <a:fontRef idx="minor">
+            <a:schemeClr val="dk1"/>
+          </a:fontRef>
+        </p:style>
+        <p:txBody>
+          <a:bodyPr rtlCol="0" anchor="ctr"/>
+          <a:lstStyle/>
+          <a:p>
+            <a:pPr algn="ctr"/>
+            <a:endParaRPr lang="de-DE" dirty="0" smtClean="0">
+              <a:solidFill>
+                <a:schemeClr val="bg1">
+                  <a:lumMod val="65000"/>
+                </a:schemeClr>
+              </a:solidFill>
+            </a:endParaRPr>
+          </a:p>
+          <a:p>
+            <a:pPr algn="ctr"/>
+            <a:endParaRPr lang="de-DE" dirty="0">
+              <a:solidFill>
+                <a:schemeClr val="bg1">
+                  <a:lumMod val="65000"/>
+                </a:schemeClr>
+              </a:solidFill>
+            </a:endParaRPr>
+          </a:p>
+          <a:p>
+            <a:pPr algn="ctr"/>
+            <a:endParaRPr lang="de-DE" dirty="0" smtClean="0">
+              <a:solidFill>
+                <a:schemeClr val="bg1">
+                  <a:lumMod val="65000"/>
+                </a:schemeClr>
+              </a:solidFill>
+            </a:endParaRPr>
+          </a:p>
+          <a:p>
+            <a:pPr algn="ctr"/>
+            <a:r>
+              <a:rPr lang="de-DE" dirty="0" smtClean="0">
+                <a:solidFill>
+                  <a:schemeClr val="bg1">
+                    <a:lumMod val="65000"/>
+                  </a:schemeClr>
+                </a:solidFill>
+              </a:rPr>
+              <a:t>Liste von Gruppen</a:t>
+            </a:r>
+            <a:endParaRPr lang="de-DE" dirty="0">
+              <a:solidFill>
+                <a:schemeClr val="bg1">
+                  <a:lumMod val="65000"/>
+                </a:schemeClr>
+              </a:solidFill>
+            </a:endParaRPr>
+          </a:p>
+        </p:txBody>
+      </p:sp>
+      <p:sp>
+        <p:nvSpPr>
+          <p:cNvPr id="15" name="Rechteck 14"/>
+          <p:cNvSpPr/>
+          <p:nvPr/>
+        </p:nvSpPr>
+        <p:spPr>
+          <a:xfrm>
+            <a:off x="431954" y="1631650"/>
+            <a:ext cx="2915909" cy="429022"/>
+          </a:xfrm>
+          <a:prstGeom prst="rect">
+            <a:avLst/>
+          </a:prstGeom>
+        </p:spPr>
+        <p:style>
+          <a:lnRef idx="1">
+            <a:schemeClr val="accent1"/>
+          </a:lnRef>
+          <a:fillRef idx="2">
+            <a:schemeClr val="accent1"/>
+          </a:fillRef>
+          <a:effectRef idx="1">
+            <a:schemeClr val="accent1"/>
+          </a:effectRef>
+          <a:fontRef idx="minor">
+            <a:schemeClr val="dk1"/>
+          </a:fontRef>
+        </p:style>
+        <p:txBody>
+          <a:bodyPr rtlCol="0" anchor="ctr"/>
+          <a:lstStyle/>
+          <a:p>
+            <a:pPr algn="ctr"/>
+            <a:r>
+              <a:rPr lang="de-DE" sz="1600" dirty="0" smtClean="0"/>
+              <a:t>Name</a:t>
+            </a:r>
+            <a:endParaRPr lang="de-DE" sz="1600" dirty="0"/>
+          </a:p>
+        </p:txBody>
+      </p:sp>
+      <p:sp>
+        <p:nvSpPr>
+          <p:cNvPr id="16" name="Rechteck 15"/>
+          <p:cNvSpPr/>
+          <p:nvPr/>
+        </p:nvSpPr>
+        <p:spPr>
+          <a:xfrm>
+            <a:off x="3347863" y="1628800"/>
+            <a:ext cx="5472609" cy="429022"/>
+          </a:xfrm>
+          <a:prstGeom prst="rect">
+            <a:avLst/>
+          </a:prstGeom>
+        </p:spPr>
+        <p:style>
+          <a:lnRef idx="1">
+            <a:schemeClr val="accent1"/>
+          </a:lnRef>
+          <a:fillRef idx="2">
+            <a:schemeClr val="accent1"/>
+          </a:fillRef>
+          <a:effectRef idx="1">
+            <a:schemeClr val="accent1"/>
+          </a:effectRef>
+          <a:fontRef idx="minor">
+            <a:schemeClr val="dk1"/>
+          </a:fontRef>
+        </p:style>
+        <p:txBody>
+          <a:bodyPr rtlCol="0" anchor="ctr"/>
+          <a:lstStyle/>
+          <a:p>
+            <a:pPr algn="ctr"/>
+            <a:r>
+              <a:rPr lang="de-DE" sz="1600" dirty="0" smtClean="0"/>
+              <a:t>Verteilermail</a:t>
+            </a:r>
+            <a:endParaRPr lang="de-DE" sz="1600" dirty="0"/>
+          </a:p>
+        </p:txBody>
+      </p:sp>
+      <p:sp>
+        <p:nvSpPr>
+          <p:cNvPr id="20" name="Rechteck 19"/>
+          <p:cNvSpPr/>
+          <p:nvPr/>
+        </p:nvSpPr>
+        <p:spPr>
+          <a:xfrm>
+            <a:off x="426621" y="2057822"/>
+            <a:ext cx="2915909" cy="321471"/>
+          </a:xfrm>
+          <a:prstGeom prst="rect">
+            <a:avLst/>
+          </a:prstGeom>
+          <a:ln>
+            <a:solidFill>
+              <a:schemeClr val="bg1">
+                <a:lumMod val="50000"/>
+              </a:schemeClr>
+            </a:solidFill>
+          </a:ln>
+        </p:spPr>
+        <p:style>
+          <a:lnRef idx="2">
+            <a:schemeClr val="dk1"/>
+          </a:lnRef>
+          <a:fillRef idx="1">
+            <a:schemeClr val="lt1"/>
+          </a:fillRef>
+          <a:effectRef idx="0">
+            <a:schemeClr val="dk1"/>
+          </a:effectRef>
+          <a:fontRef idx="minor">
+            <a:schemeClr val="dk1"/>
+          </a:fontRef>
+        </p:style>
+        <p:txBody>
+          <a:bodyPr rtlCol="0" anchor="ctr"/>
+          <a:lstStyle/>
+          <a:p>
+            <a:pPr algn="ctr"/>
+            <a:r>
+              <a:rPr lang="de-DE" sz="1600" dirty="0" smtClean="0"/>
+              <a:t>FIA63</a:t>
+            </a:r>
+            <a:endParaRPr lang="de-DE" sz="1600" dirty="0"/>
+          </a:p>
+        </p:txBody>
+      </p:sp>
+      <p:sp>
+        <p:nvSpPr>
+          <p:cNvPr id="21" name="Rechteck 20"/>
+          <p:cNvSpPr/>
+          <p:nvPr/>
+        </p:nvSpPr>
+        <p:spPr>
+          <a:xfrm>
+            <a:off x="3347863" y="2057822"/>
+            <a:ext cx="5472609" cy="321471"/>
+          </a:xfrm>
+          <a:prstGeom prst="rect">
+            <a:avLst/>
+          </a:prstGeom>
+          <a:ln>
+            <a:solidFill>
+              <a:schemeClr val="bg1">
+                <a:lumMod val="50000"/>
+              </a:schemeClr>
+            </a:solidFill>
+          </a:ln>
+        </p:spPr>
+        <p:style>
+          <a:lnRef idx="2">
+            <a:schemeClr val="dk1"/>
+          </a:lnRef>
+          <a:fillRef idx="1">
+            <a:schemeClr val="lt1"/>
+          </a:fillRef>
+          <a:effectRef idx="0">
+            <a:schemeClr val="dk1"/>
+          </a:effectRef>
+          <a:fontRef idx="minor">
+            <a:schemeClr val="dk1"/>
+          </a:fontRef>
+        </p:style>
+        <p:txBody>
+          <a:bodyPr rtlCol="0" anchor="ctr"/>
+          <a:lstStyle/>
+          <a:p>
+            <a:pPr algn="ctr"/>
+            <a:r>
+              <a:rPr lang="de-DE" sz="1600" dirty="0" smtClean="0"/>
+              <a:t>fia63@gso-koeln.de</a:t>
+            </a:r>
+            <a:endParaRPr lang="de-DE" sz="1600" dirty="0"/>
+          </a:p>
+        </p:txBody>
+      </p:sp>
+      <p:sp>
+        <p:nvSpPr>
+          <p:cNvPr id="28" name="Rechteck 27"/>
+          <p:cNvSpPr/>
+          <p:nvPr/>
+        </p:nvSpPr>
+        <p:spPr>
+          <a:xfrm>
+            <a:off x="431955" y="2377780"/>
+            <a:ext cx="8373462" cy="321471"/>
+          </a:xfrm>
+          <a:prstGeom prst="rect">
+            <a:avLst/>
+          </a:prstGeom>
+          <a:ln>
+            <a:solidFill>
+              <a:schemeClr val="bg1">
+                <a:lumMod val="50000"/>
+              </a:schemeClr>
+            </a:solidFill>
+          </a:ln>
+        </p:spPr>
+        <p:style>
+          <a:lnRef idx="2">
+            <a:schemeClr val="dk1"/>
+          </a:lnRef>
+          <a:fillRef idx="1">
+            <a:schemeClr val="lt1"/>
+          </a:fillRef>
+          <a:effectRef idx="0">
+            <a:schemeClr val="dk1"/>
+          </a:effectRef>
+          <a:fontRef idx="minor">
+            <a:schemeClr val="dk1"/>
+          </a:fontRef>
+        </p:style>
+        <p:txBody>
+          <a:bodyPr rtlCol="0" anchor="ctr"/>
+          <a:lstStyle/>
+          <a:p>
+            <a:pPr algn="ctr"/>
+            <a:r>
+              <a:rPr lang="de-DE" sz="2800" dirty="0" smtClean="0">
+                <a:solidFill>
+                  <a:srgbClr val="00B050"/>
+                </a:solidFill>
+              </a:rPr>
+              <a:t>+</a:t>
+            </a:r>
+            <a:endParaRPr lang="de-DE" sz="1600" dirty="0">
+              <a:solidFill>
+                <a:srgbClr val="00B050"/>
+              </a:solidFill>
+            </a:endParaRPr>
+          </a:p>
+        </p:txBody>
+      </p:sp>
+    </p:spTree>
+    <p:extLst>
+      <p:ext uri="{BB962C8B-B14F-4D97-AF65-F5344CB8AC3E}">
+        <p14:creationId xmlns:p14="http://schemas.microsoft.com/office/powerpoint/2010/main" val="2570158503"/>
+      </p:ext>
+    </p:extLst>
+  </p:cSld>
+  <p:clrMapOvr>
+    <a:masterClrMapping/>
+  </p:clrMapOvr>
+  <p:timing>
+    <p:tnLst>
+      <p:par>
+        <p:cTn id="1" dur="indefinite" restart="never" nodeType="tmRoot"/>
+      </p:par>
+    </p:tnLst>
+  </p:timing>
+</p:sld>
+</file>
+
+<file path=ppt/slides/slide5.xml><?xml version="1.0" encoding="utf-8"?>
+<p:sld xmlns:a="http://schemas.openxmlformats.org/drawingml/2006/main" xmlns:r="http://schemas.openxmlformats.org/officeDocument/2006/relationships" xmlns:p="http://schemas.openxmlformats.org/presentationml/2006/main">
+  <p:cSld>
+    <p:spTree>
+      <p:nvGrpSpPr>
+        <p:cNvPr id="1" name=""/>
+        <p:cNvGrpSpPr/>
+        <p:nvPr/>
+      </p:nvGrpSpPr>
+      <p:grpSpPr>
+        <a:xfrm>
+          <a:off x="0" y="0"/>
+          <a:ext cx="0" cy="0"/>
+          <a:chOff x="0" y="0"/>
+          <a:chExt cx="0" cy="0"/>
+        </a:xfrm>
+      </p:grpSpPr>
+      <p:sp>
+        <p:nvSpPr>
+          <p:cNvPr id="4" name="Rechteck 3"/>
+          <p:cNvSpPr/>
+          <p:nvPr/>
+        </p:nvSpPr>
+        <p:spPr>
+          <a:xfrm>
+            <a:off x="5749778" y="147725"/>
+            <a:ext cx="1348772" cy="285752"/>
+          </a:xfrm>
+          <a:prstGeom prst="rect">
+            <a:avLst/>
+          </a:prstGeom>
+          <a:ln>
+            <a:solidFill>
+              <a:schemeClr val="tx1"/>
+            </a:solidFill>
+          </a:ln>
+        </p:spPr>
+        <p:style>
+          <a:lnRef idx="2">
+            <a:schemeClr val="dk1"/>
+          </a:lnRef>
+          <a:fillRef idx="1">
+            <a:schemeClr val="lt1"/>
+          </a:fillRef>
+          <a:effectRef idx="0">
+            <a:schemeClr val="dk1"/>
+          </a:effectRef>
+          <a:fontRef idx="minor">
+            <a:schemeClr val="dk1"/>
+          </a:fontRef>
+        </p:style>
+        <p:txBody>
+          <a:bodyPr rtlCol="0" anchor="ctr"/>
+          <a:lstStyle/>
+          <a:p>
+            <a:pPr algn="ctr"/>
+            <a:r>
+              <a:rPr lang="de-DE" smtClean="0"/>
+              <a:t>Benutzer</a:t>
+            </a:r>
+            <a:endParaRPr lang="de-DE" dirty="0"/>
+          </a:p>
+        </p:txBody>
+      </p:sp>
+      <p:sp>
+        <p:nvSpPr>
+          <p:cNvPr id="6" name="Rechteck 5"/>
+          <p:cNvSpPr/>
+          <p:nvPr/>
+        </p:nvSpPr>
+        <p:spPr>
+          <a:xfrm>
+            <a:off x="0" y="0"/>
+            <a:ext cx="2195736" cy="764704"/>
+          </a:xfrm>
+          <a:prstGeom prst="rect">
+            <a:avLst/>
+          </a:prstGeom>
+        </p:spPr>
+        <p:style>
+          <a:lnRef idx="2">
+            <a:schemeClr val="accent6"/>
+          </a:lnRef>
+          <a:fillRef idx="1">
+            <a:schemeClr val="lt1"/>
+          </a:fillRef>
+          <a:effectRef idx="0">
+            <a:schemeClr val="accent6"/>
+          </a:effectRef>
+          <a:fontRef idx="minor">
+            <a:schemeClr val="dk1"/>
+          </a:fontRef>
+        </p:style>
+        <p:txBody>
+          <a:bodyPr rtlCol="0" anchor="ctr"/>
+          <a:lstStyle/>
+          <a:p>
+            <a:pPr algn="ctr"/>
+            <a:r>
+              <a:rPr lang="de-DE" dirty="0" smtClean="0">
+                <a:solidFill>
+                  <a:schemeClr val="bg1">
+                    <a:lumMod val="65000"/>
+                  </a:schemeClr>
+                </a:solidFill>
+              </a:rPr>
+              <a:t>GSO </a:t>
+            </a:r>
+            <a:r>
+              <a:rPr lang="de-DE" dirty="0" smtClean="0">
+                <a:solidFill>
+                  <a:schemeClr val="bg1">
+                    <a:lumMod val="65000"/>
+                  </a:schemeClr>
+                </a:solidFill>
+              </a:rPr>
+              <a:t>Logo</a:t>
+            </a:r>
+            <a:endParaRPr lang="de-DE" dirty="0">
+              <a:solidFill>
+                <a:schemeClr val="bg1">
+                  <a:lumMod val="65000"/>
+                </a:schemeClr>
+              </a:solidFill>
+            </a:endParaRPr>
+          </a:p>
+        </p:txBody>
+      </p:sp>
+      <p:sp>
+        <p:nvSpPr>
+          <p:cNvPr id="7" name="Rechteck 6"/>
+          <p:cNvSpPr/>
+          <p:nvPr/>
+        </p:nvSpPr>
+        <p:spPr>
+          <a:xfrm>
+            <a:off x="7248836" y="55885"/>
+            <a:ext cx="1571636" cy="428628"/>
+          </a:xfrm>
+          <a:prstGeom prst="rect">
+            <a:avLst/>
+          </a:prstGeom>
+        </p:spPr>
+        <p:style>
+          <a:lnRef idx="1">
+            <a:schemeClr val="dk1"/>
+          </a:lnRef>
+          <a:fillRef idx="2">
+            <a:schemeClr val="dk1"/>
+          </a:fillRef>
+          <a:effectRef idx="1">
+            <a:schemeClr val="dk1"/>
+          </a:effectRef>
+          <a:fontRef idx="minor">
+            <a:schemeClr val="dk1"/>
+          </a:fontRef>
+        </p:style>
+        <p:txBody>
+          <a:bodyPr rtlCol="0" anchor="ctr"/>
+          <a:lstStyle/>
+          <a:p>
+            <a:pPr algn="ctr"/>
+            <a:r>
+              <a:rPr lang="de-DE" dirty="0" smtClean="0"/>
+              <a:t>Abmelden</a:t>
+            </a:r>
+            <a:endParaRPr lang="de-DE" dirty="0"/>
+          </a:p>
+        </p:txBody>
+      </p:sp>
+      <p:sp>
+        <p:nvSpPr>
+          <p:cNvPr id="24" name="Rechteck 23"/>
+          <p:cNvSpPr/>
+          <p:nvPr/>
+        </p:nvSpPr>
+        <p:spPr>
+          <a:xfrm>
+            <a:off x="32420" y="872183"/>
+            <a:ext cx="8788052" cy="296416"/>
+          </a:xfrm>
+          <a:prstGeom prst="rect">
+            <a:avLst/>
+          </a:prstGeom>
+        </p:spPr>
+        <p:style>
+          <a:lnRef idx="2">
+            <a:schemeClr val="accent6"/>
+          </a:lnRef>
+          <a:fillRef idx="1">
+            <a:schemeClr val="lt1"/>
+          </a:fillRef>
+          <a:effectRef idx="0">
+            <a:schemeClr val="accent6"/>
+          </a:effectRef>
+          <a:fontRef idx="minor">
+            <a:schemeClr val="dk1"/>
+          </a:fontRef>
+        </p:style>
+        <p:txBody>
+          <a:bodyPr rtlCol="0" anchor="ctr"/>
+          <a:lstStyle/>
+          <a:p>
+            <a:pPr algn="r"/>
+            <a:r>
+              <a:rPr lang="de-DE" dirty="0" smtClean="0">
+                <a:solidFill>
+                  <a:schemeClr val="bg1">
+                    <a:lumMod val="65000"/>
+                  </a:schemeClr>
+                </a:solidFill>
+              </a:rPr>
+              <a:t>Menüleiste</a:t>
+            </a:r>
+            <a:endParaRPr lang="de-DE" dirty="0">
+              <a:solidFill>
+                <a:schemeClr val="bg1">
+                  <a:lumMod val="65000"/>
+                </a:schemeClr>
+              </a:solidFill>
+            </a:endParaRPr>
+          </a:p>
+        </p:txBody>
+      </p:sp>
+      <p:sp>
+        <p:nvSpPr>
+          <p:cNvPr id="25" name="Rechteck 24"/>
+          <p:cNvSpPr/>
+          <p:nvPr/>
+        </p:nvSpPr>
+        <p:spPr>
+          <a:xfrm>
+            <a:off x="1691680" y="889440"/>
+            <a:ext cx="1496552" cy="267072"/>
+          </a:xfrm>
+          <a:prstGeom prst="rect">
+            <a:avLst/>
+          </a:prstGeom>
+        </p:spPr>
+        <p:style>
+          <a:lnRef idx="1">
+            <a:schemeClr val="dk1"/>
+          </a:lnRef>
+          <a:fillRef idx="2">
+            <a:schemeClr val="dk1"/>
+          </a:fillRef>
+          <a:effectRef idx="1">
+            <a:schemeClr val="dk1"/>
+          </a:effectRef>
+          <a:fontRef idx="minor">
+            <a:schemeClr val="dk1"/>
+          </a:fontRef>
+        </p:style>
+        <p:txBody>
+          <a:bodyPr rtlCol="0" anchor="ctr"/>
+          <a:lstStyle/>
+          <a:p>
+            <a:pPr algn="ctr"/>
+            <a:r>
+              <a:rPr lang="de-DE" dirty="0" smtClean="0"/>
+              <a:t>Admintools</a:t>
+            </a:r>
+            <a:endParaRPr lang="de-DE" dirty="0"/>
+          </a:p>
+        </p:txBody>
+      </p:sp>
+      <p:sp>
+        <p:nvSpPr>
+          <p:cNvPr id="26" name="Rechteck 25"/>
+          <p:cNvSpPr/>
+          <p:nvPr/>
+        </p:nvSpPr>
+        <p:spPr>
+          <a:xfrm>
+            <a:off x="42732" y="884270"/>
+            <a:ext cx="1648948" cy="272242"/>
+          </a:xfrm>
+          <a:prstGeom prst="rect">
+            <a:avLst/>
+          </a:prstGeom>
+        </p:spPr>
+        <p:style>
+          <a:lnRef idx="1">
+            <a:schemeClr val="dk1"/>
+          </a:lnRef>
+          <a:fillRef idx="2">
+            <a:schemeClr val="dk1"/>
+          </a:fillRef>
+          <a:effectRef idx="1">
+            <a:schemeClr val="dk1"/>
+          </a:effectRef>
+          <a:fontRef idx="minor">
+            <a:schemeClr val="dk1"/>
+          </a:fontRef>
+        </p:style>
+        <p:txBody>
+          <a:bodyPr rtlCol="0" anchor="ctr"/>
+          <a:lstStyle/>
+          <a:p>
+            <a:pPr algn="ctr"/>
+            <a:r>
+              <a:rPr lang="de-DE" dirty="0" smtClean="0"/>
+              <a:t>Protokolle</a:t>
+            </a:r>
+            <a:endParaRPr lang="de-DE" dirty="0"/>
+          </a:p>
+        </p:txBody>
+      </p:sp>
+      <p:sp>
+        <p:nvSpPr>
+          <p:cNvPr id="2" name="Auf der gleichen Seite des Rechtecks liegende Ecken abrunden 1"/>
+          <p:cNvSpPr/>
+          <p:nvPr/>
+        </p:nvSpPr>
+        <p:spPr>
+          <a:xfrm rot="10800000">
+            <a:off x="408692" y="1168599"/>
+            <a:ext cx="4062528" cy="360040"/>
+          </a:xfrm>
+          <a:prstGeom prst="round2SameRect">
+            <a:avLst/>
+          </a:prstGeom>
+          <a:solidFill>
+            <a:schemeClr val="bg1">
+              <a:lumMod val="75000"/>
+            </a:schemeClr>
+          </a:solidFill>
+        </p:spPr>
+        <p:style>
+          <a:lnRef idx="2">
+            <a:schemeClr val="accent1">
+              <a:shade val="50000"/>
+            </a:schemeClr>
+          </a:lnRef>
+          <a:fillRef idx="1">
+            <a:schemeClr val="accent1"/>
+          </a:fillRef>
+          <a:effectRef idx="0">
+            <a:schemeClr val="accent1"/>
+          </a:effectRef>
+          <a:fontRef idx="minor">
+            <a:schemeClr val="lt1"/>
+          </a:fontRef>
+        </p:style>
+        <p:txBody>
+          <a:bodyPr rtlCol="0" anchor="ctr"/>
+          <a:lstStyle/>
+          <a:p>
+            <a:pPr algn="ctr"/>
+            <a:endParaRPr lang="de-DE" dirty="0"/>
+          </a:p>
+        </p:txBody>
+      </p:sp>
+      <p:cxnSp>
+        <p:nvCxnSpPr>
+          <p:cNvPr id="5" name="Gerade Verbindung 4"/>
+          <p:cNvCxnSpPr/>
+          <p:nvPr/>
+        </p:nvCxnSpPr>
+        <p:spPr>
+          <a:xfrm flipV="1">
+            <a:off x="1475656" y="1186719"/>
+            <a:ext cx="0" cy="327600"/>
+          </a:xfrm>
+          <a:prstGeom prst="line">
+            <a:avLst/>
+          </a:prstGeom>
+          <a:ln w="38100">
+            <a:solidFill>
+              <a:schemeClr val="bg1">
+                <a:lumMod val="50000"/>
+              </a:schemeClr>
+            </a:solidFill>
+          </a:ln>
+        </p:spPr>
+        <p:style>
+          <a:lnRef idx="1">
+            <a:schemeClr val="accent1"/>
+          </a:lnRef>
+          <a:fillRef idx="0">
+            <a:schemeClr val="accent1"/>
+          </a:fillRef>
+          <a:effectRef idx="0">
+            <a:schemeClr val="accent1"/>
+          </a:effectRef>
+          <a:fontRef idx="minor">
+            <a:schemeClr val="tx1"/>
+          </a:fontRef>
+        </p:style>
+      </p:cxnSp>
+      <p:sp>
+        <p:nvSpPr>
+          <p:cNvPr id="8" name="Textfeld 7"/>
+          <p:cNvSpPr txBox="1"/>
+          <p:nvPr/>
+        </p:nvSpPr>
+        <p:spPr>
+          <a:xfrm>
+            <a:off x="396380" y="1181733"/>
+            <a:ext cx="1152128" cy="276999"/>
+          </a:xfrm>
+          <a:prstGeom prst="rect">
+            <a:avLst/>
+          </a:prstGeom>
+          <a:noFill/>
+        </p:spPr>
+        <p:txBody>
+          <a:bodyPr wrap="square" rtlCol="0">
+            <a:spAutoFit/>
+          </a:bodyPr>
+          <a:lstStyle/>
+          <a:p>
+            <a:r>
+              <a:rPr lang="de-DE" sz="1200" dirty="0" smtClean="0"/>
+              <a:t>Lehrer anlegen</a:t>
+            </a:r>
+            <a:endParaRPr lang="de-DE" sz="1200" dirty="0"/>
+          </a:p>
+        </p:txBody>
+      </p:sp>
+      <p:sp>
+        <p:nvSpPr>
+          <p:cNvPr id="29" name="Textfeld 28"/>
+          <p:cNvSpPr txBox="1"/>
+          <p:nvPr/>
+        </p:nvSpPr>
+        <p:spPr>
+          <a:xfrm>
+            <a:off x="1476822" y="1168598"/>
+            <a:ext cx="1311760" cy="276999"/>
+          </a:xfrm>
+          <a:prstGeom prst="rect">
+            <a:avLst/>
+          </a:prstGeom>
+          <a:noFill/>
+        </p:spPr>
+        <p:txBody>
+          <a:bodyPr wrap="square" rtlCol="0">
+            <a:spAutoFit/>
+          </a:bodyPr>
+          <a:lstStyle/>
+          <a:p>
+            <a:r>
+              <a:rPr lang="de-DE" sz="1200" dirty="0" smtClean="0"/>
+              <a:t>Gruppen anlegen</a:t>
+            </a:r>
+            <a:endParaRPr lang="de-DE" sz="1200" dirty="0"/>
+          </a:p>
+        </p:txBody>
+      </p:sp>
+      <p:sp>
+        <p:nvSpPr>
+          <p:cNvPr id="39" name="Textfeld 38"/>
+          <p:cNvSpPr txBox="1"/>
+          <p:nvPr/>
+        </p:nvSpPr>
+        <p:spPr>
+          <a:xfrm>
+            <a:off x="2771800" y="1168598"/>
+            <a:ext cx="1944216" cy="276999"/>
+          </a:xfrm>
+          <a:prstGeom prst="rect">
+            <a:avLst/>
+          </a:prstGeom>
+          <a:noFill/>
+        </p:spPr>
+        <p:txBody>
+          <a:bodyPr wrap="square" rtlCol="0">
+            <a:spAutoFit/>
+          </a:bodyPr>
+          <a:lstStyle/>
+          <a:p>
+            <a:r>
+              <a:rPr lang="de-DE" sz="1200" dirty="0" smtClean="0"/>
+              <a:t>Lehrer Gruppen zuweisen</a:t>
+            </a:r>
+            <a:endParaRPr lang="de-DE" sz="1200" dirty="0"/>
+          </a:p>
+        </p:txBody>
+      </p:sp>
+      <p:cxnSp>
+        <p:nvCxnSpPr>
+          <p:cNvPr id="40" name="Gerade Verbindung 39"/>
+          <p:cNvCxnSpPr/>
+          <p:nvPr/>
+        </p:nvCxnSpPr>
+        <p:spPr>
+          <a:xfrm flipV="1">
+            <a:off x="2771800" y="1186719"/>
+            <a:ext cx="0" cy="327600"/>
+          </a:xfrm>
+          <a:prstGeom prst="line">
+            <a:avLst/>
+          </a:prstGeom>
+          <a:ln w="38100">
+            <a:solidFill>
+              <a:schemeClr val="bg1">
+                <a:lumMod val="50000"/>
+              </a:schemeClr>
+            </a:solidFill>
+          </a:ln>
+        </p:spPr>
+        <p:style>
+          <a:lnRef idx="1">
+            <a:schemeClr val="accent1"/>
+          </a:lnRef>
+          <a:fillRef idx="0">
+            <a:schemeClr val="accent1"/>
+          </a:fillRef>
+          <a:effectRef idx="0">
+            <a:schemeClr val="accent1"/>
+          </a:effectRef>
+          <a:fontRef idx="minor">
+            <a:schemeClr val="tx1"/>
+          </a:fontRef>
+        </p:style>
+      </p:cxnSp>
+    </p:spTree>
+    <p:extLst>
+      <p:ext uri="{BB962C8B-B14F-4D97-AF65-F5344CB8AC3E}">
+        <p14:creationId xmlns:p14="http://schemas.microsoft.com/office/powerpoint/2010/main" val="3186359275"/>
+      </p:ext>
+    </p:extLst>
+  </p:cSld>
+  <p:clrMapOvr>
+    <a:masterClrMapping/>
+  </p:clrMapOvr>
+  <p:timing>
+    <p:tnLst>
+      <p:par>
+        <p:cTn id="1" dur="indefinite" restart="never" nodeType="tmRoot"/>
+      </p:par>
+    </p:tnLst>
+  </p:timing>
 </p:sld>
 </file>
 

--- a/Dokumentation + Diagramme etc/PaperPrototyp.pptx
+++ b/Dokumentation + Diagramme etc/PaperPrototyp.pptx
@@ -5,14 +5,15 @@
     <p:sldMasterId id="2147483648" r:id="rId1"/>
   </p:sldMasterIdLst>
   <p:notesMasterIdLst>
-    <p:notesMasterId r:id="rId7"/>
+    <p:notesMasterId r:id="rId8"/>
   </p:notesMasterIdLst>
   <p:sldIdLst>
     <p:sldId id="261" r:id="rId2"/>
     <p:sldId id="262" r:id="rId3"/>
-    <p:sldId id="263" r:id="rId4"/>
-    <p:sldId id="264" r:id="rId5"/>
-    <p:sldId id="265" r:id="rId6"/>
+    <p:sldId id="266" r:id="rId4"/>
+    <p:sldId id="263" r:id="rId5"/>
+    <p:sldId id="264" r:id="rId6"/>
+    <p:sldId id="265" r:id="rId7"/>
   </p:sldIdLst>
   <p:sldSz cx="9144000" cy="6858000" type="screen4x3"/>
   <p:notesSz cx="6858000" cy="9144000"/>
@@ -684,7 +685,7 @@
           <a:p>
             <a:r>
               <a:rPr lang="de-DE" dirty="0" smtClean="0"/>
-              <a:t>Admintools – Lehrer anlegen</a:t>
+              <a:t>Protokollieren</a:t>
             </a:r>
           </a:p>
         </p:txBody>
@@ -771,7 +772,7 @@
           <a:p>
             <a:r>
               <a:rPr lang="de-DE" dirty="0" smtClean="0"/>
-              <a:t>Admintools – Gruppen anlegen</a:t>
+              <a:t>Admintools – Lehrer anlegen</a:t>
             </a:r>
           </a:p>
         </p:txBody>
@@ -858,7 +859,7 @@
           <a:p>
             <a:r>
               <a:rPr lang="de-DE" dirty="0" smtClean="0"/>
-              <a:t>Admintools – Lehrer Gruppen zuweisen</a:t>
+              <a:t>Admintools – Gruppen anlegen</a:t>
             </a:r>
           </a:p>
         </p:txBody>
@@ -881,6 +882,93 @@
             <a:fld id="{3EDC4320-46CE-474F-897F-6A97DA12D8EB}" type="slidenum">
               <a:rPr lang="de-DE" smtClean="0"/>
               <a:t>5</a:t>
+            </a:fld>
+            <a:endParaRPr lang="de-DE"/>
+          </a:p>
+        </p:txBody>
+      </p:sp>
+    </p:spTree>
+    <p:extLst>
+      <p:ext uri="{BB962C8B-B14F-4D97-AF65-F5344CB8AC3E}">
+        <p14:creationId xmlns:p14="http://schemas.microsoft.com/office/powerpoint/2010/main" val="3906905818"/>
+      </p:ext>
+    </p:extLst>
+  </p:cSld>
+  <p:clrMapOvr>
+    <a:masterClrMapping/>
+  </p:clrMapOvr>
+</p:notes>
+</file>
+
+<file path=ppt/notesSlides/notesSlide6.xml><?xml version="1.0" encoding="utf-8"?>
+<p:notes xmlns:a="http://schemas.openxmlformats.org/drawingml/2006/main" xmlns:r="http://schemas.openxmlformats.org/officeDocument/2006/relationships" xmlns:p="http://schemas.openxmlformats.org/presentationml/2006/main">
+  <p:cSld>
+    <p:spTree>
+      <p:nvGrpSpPr>
+        <p:cNvPr id="1" name=""/>
+        <p:cNvGrpSpPr/>
+        <p:nvPr/>
+      </p:nvGrpSpPr>
+      <p:grpSpPr>
+        <a:xfrm>
+          <a:off x="0" y="0"/>
+          <a:ext cx="0" cy="0"/>
+          <a:chOff x="0" y="0"/>
+          <a:chExt cx="0" cy="0"/>
+        </a:xfrm>
+      </p:grpSpPr>
+      <p:sp>
+        <p:nvSpPr>
+          <p:cNvPr id="2" name="Folienbildplatzhalter 1"/>
+          <p:cNvSpPr>
+            <a:spLocks noGrp="1" noRot="1" noChangeAspect="1"/>
+          </p:cNvSpPr>
+          <p:nvPr>
+            <p:ph type="sldImg"/>
+          </p:nvPr>
+        </p:nvSpPr>
+        <p:spPr/>
+      </p:sp>
+      <p:sp>
+        <p:nvSpPr>
+          <p:cNvPr id="3" name="Notizenplatzhalter 2"/>
+          <p:cNvSpPr>
+            <a:spLocks noGrp="1"/>
+          </p:cNvSpPr>
+          <p:nvPr>
+            <p:ph type="body" idx="1"/>
+          </p:nvPr>
+        </p:nvSpPr>
+        <p:spPr/>
+        <p:txBody>
+          <a:bodyPr/>
+          <a:lstStyle/>
+          <a:p>
+            <a:r>
+              <a:rPr lang="de-DE" dirty="0" smtClean="0"/>
+              <a:t>Admintools – Lehrer Gruppen zuweisen</a:t>
+            </a:r>
+          </a:p>
+        </p:txBody>
+      </p:sp>
+      <p:sp>
+        <p:nvSpPr>
+          <p:cNvPr id="4" name="Foliennummernplatzhalter 3"/>
+          <p:cNvSpPr>
+            <a:spLocks noGrp="1"/>
+          </p:cNvSpPr>
+          <p:nvPr>
+            <p:ph type="sldNum" sz="quarter" idx="10"/>
+          </p:nvPr>
+        </p:nvSpPr>
+        <p:spPr/>
+        <p:txBody>
+          <a:bodyPr/>
+          <a:lstStyle/>
+          <a:p>
+            <a:fld id="{3EDC4320-46CE-474F-897F-6A97DA12D8EB}" type="slidenum">
+              <a:rPr lang="de-DE" smtClean="0"/>
+              <a:t>6</a:t>
             </a:fld>
             <a:endParaRPr lang="de-DE"/>
           </a:p>
@@ -4350,6 +4438,26 @@
           <a:lstStyle/>
           <a:p>
             <a:pPr algn="ctr"/>
+            <a:endParaRPr lang="de-DE" dirty="0" smtClean="0">
+              <a:solidFill>
+                <a:schemeClr val="bg1">
+                  <a:lumMod val="65000"/>
+                </a:schemeClr>
+              </a:solidFill>
+            </a:endParaRPr>
+          </a:p>
+          <a:p>
+            <a:pPr algn="ctr"/>
+            <a:endParaRPr lang="de-DE" dirty="0">
+              <a:solidFill>
+                <a:schemeClr val="bg1">
+                  <a:lumMod val="65000"/>
+                </a:schemeClr>
+              </a:solidFill>
+            </a:endParaRPr>
+          </a:p>
+          <a:p>
+            <a:pPr algn="ctr"/>
             <a:r>
               <a:rPr lang="de-DE" dirty="0" smtClean="0">
                 <a:solidFill>
@@ -5419,6 +5527,16 @@
           <a:lstStyle/>
           <a:p>
             <a:pPr algn="ctr"/>
+            <a:endParaRPr lang="de-DE" dirty="0" smtClean="0">
+              <a:solidFill>
+                <a:schemeClr val="bg1">
+                  <a:lumMod val="65000"/>
+                </a:schemeClr>
+              </a:solidFill>
+            </a:endParaRPr>
+          </a:p>
+          <a:p>
+            <a:pPr algn="ctr"/>
             <a:r>
               <a:rPr lang="de-DE" dirty="0" smtClean="0">
                 <a:solidFill>
@@ -5734,6 +5852,26 @@
           <a:lstStyle/>
           <a:p>
             <a:pPr algn="ctr"/>
+            <a:endParaRPr lang="de-DE" dirty="0" smtClean="0">
+              <a:solidFill>
+                <a:schemeClr val="bg1">
+                  <a:lumMod val="65000"/>
+                </a:schemeClr>
+              </a:solidFill>
+            </a:endParaRPr>
+          </a:p>
+          <a:p>
+            <a:pPr algn="ctr"/>
+            <a:endParaRPr lang="de-DE" dirty="0" smtClean="0">
+              <a:solidFill>
+                <a:schemeClr val="bg1">
+                  <a:lumMod val="65000"/>
+                </a:schemeClr>
+              </a:solidFill>
+            </a:endParaRPr>
+          </a:p>
+          <a:p>
+            <a:pPr algn="ctr"/>
             <a:r>
               <a:rPr lang="de-DE" dirty="0" smtClean="0">
                 <a:solidFill>
@@ -5904,6 +6042,207 @@
             <a:r>
               <a:rPr lang="de-DE" sz="1600" dirty="0" smtClean="0"/>
               <a:t>Protokolltyp</a:t>
+            </a:r>
+            <a:endParaRPr lang="de-DE" sz="1600" dirty="0"/>
+          </a:p>
+        </p:txBody>
+      </p:sp>
+      <p:sp>
+        <p:nvSpPr>
+          <p:cNvPr id="40" name="Rechteck 39"/>
+          <p:cNvSpPr/>
+          <p:nvPr/>
+        </p:nvSpPr>
+        <p:spPr>
+          <a:xfrm>
+            <a:off x="512481" y="1736351"/>
+            <a:ext cx="1737166" cy="321471"/>
+          </a:xfrm>
+          <a:prstGeom prst="rect">
+            <a:avLst/>
+          </a:prstGeom>
+          <a:ln>
+            <a:solidFill>
+              <a:schemeClr val="bg1">
+                <a:lumMod val="50000"/>
+              </a:schemeClr>
+            </a:solidFill>
+          </a:ln>
+        </p:spPr>
+        <p:style>
+          <a:lnRef idx="2">
+            <a:schemeClr val="dk1"/>
+          </a:lnRef>
+          <a:fillRef idx="1">
+            <a:schemeClr val="lt1"/>
+          </a:fillRef>
+          <a:effectRef idx="0">
+            <a:schemeClr val="dk1"/>
+          </a:effectRef>
+          <a:fontRef idx="minor">
+            <a:schemeClr val="dk1"/>
+          </a:fontRef>
+        </p:style>
+        <p:txBody>
+          <a:bodyPr rtlCol="0" anchor="ctr"/>
+          <a:lstStyle/>
+          <a:p>
+            <a:r>
+              <a:rPr lang="de-DE" sz="1600" dirty="0" smtClean="0"/>
+              <a:t>• Oliver Kaden</a:t>
+            </a:r>
+            <a:endParaRPr lang="de-DE" sz="1600" dirty="0"/>
+          </a:p>
+        </p:txBody>
+      </p:sp>
+      <p:sp>
+        <p:nvSpPr>
+          <p:cNvPr id="41" name="Rechteck 40"/>
+          <p:cNvSpPr/>
+          <p:nvPr/>
+        </p:nvSpPr>
+        <p:spPr>
+          <a:xfrm>
+            <a:off x="2245108" y="1736351"/>
+            <a:ext cx="1737166" cy="321471"/>
+          </a:xfrm>
+          <a:prstGeom prst="rect">
+            <a:avLst/>
+          </a:prstGeom>
+          <a:ln>
+            <a:solidFill>
+              <a:schemeClr val="bg1">
+                <a:lumMod val="50000"/>
+              </a:schemeClr>
+            </a:solidFill>
+          </a:ln>
+        </p:spPr>
+        <p:style>
+          <a:lnRef idx="2">
+            <a:schemeClr val="dk1"/>
+          </a:lnRef>
+          <a:fillRef idx="1">
+            <a:schemeClr val="lt1"/>
+          </a:fillRef>
+          <a:effectRef idx="0">
+            <a:schemeClr val="dk1"/>
+          </a:effectRef>
+          <a:fontRef idx="minor">
+            <a:schemeClr val="dk1"/>
+          </a:fontRef>
+        </p:style>
+        <p:txBody>
+          <a:bodyPr rtlCol="0" anchor="ctr"/>
+          <a:lstStyle/>
+          <a:p>
+            <a:r>
+              <a:rPr lang="de-DE" sz="1600" dirty="0" smtClean="0"/>
+              <a:t>• Micheal </a:t>
+            </a:r>
+            <a:r>
+              <a:rPr lang="de-DE" sz="1600" dirty="0" err="1" smtClean="0"/>
+              <a:t>Gede</a:t>
+            </a:r>
+            <a:endParaRPr lang="de-DE" sz="1600" dirty="0"/>
+          </a:p>
+        </p:txBody>
+      </p:sp>
+      <p:sp>
+        <p:nvSpPr>
+          <p:cNvPr id="42" name="Rechteck 41"/>
+          <p:cNvSpPr/>
+          <p:nvPr/>
+        </p:nvSpPr>
+        <p:spPr>
+          <a:xfrm>
+            <a:off x="3982274" y="1736351"/>
+            <a:ext cx="4766190" cy="321471"/>
+          </a:xfrm>
+          <a:prstGeom prst="rect">
+            <a:avLst/>
+          </a:prstGeom>
+          <a:ln>
+            <a:solidFill>
+              <a:schemeClr val="bg1">
+                <a:lumMod val="50000"/>
+              </a:schemeClr>
+            </a:solidFill>
+          </a:ln>
+        </p:spPr>
+        <p:style>
+          <a:lnRef idx="2">
+            <a:schemeClr val="dk1"/>
+          </a:lnRef>
+          <a:fillRef idx="1">
+            <a:schemeClr val="lt1"/>
+          </a:fillRef>
+          <a:effectRef idx="0">
+            <a:schemeClr val="dk1"/>
+          </a:effectRef>
+          <a:fontRef idx="minor">
+            <a:schemeClr val="dk1"/>
+          </a:fontRef>
+        </p:style>
+        <p:txBody>
+          <a:bodyPr rtlCol="0" anchor="ctr"/>
+          <a:lstStyle/>
+          <a:p>
+            <a:pPr algn="ctr"/>
+            <a:r>
+              <a:rPr lang="de-DE" sz="1600" dirty="0" smtClean="0"/>
+              <a:t>…</a:t>
+            </a:r>
+            <a:endParaRPr lang="de-DE" sz="1600" dirty="0"/>
+          </a:p>
+        </p:txBody>
+      </p:sp>
+      <p:sp>
+        <p:nvSpPr>
+          <p:cNvPr id="43" name="Rechteck 42"/>
+          <p:cNvSpPr/>
+          <p:nvPr/>
+        </p:nvSpPr>
+        <p:spPr>
+          <a:xfrm>
+            <a:off x="512481" y="2049486"/>
+            <a:ext cx="1737166" cy="321471"/>
+          </a:xfrm>
+          <a:prstGeom prst="rect">
+            <a:avLst/>
+          </a:prstGeom>
+          <a:ln>
+            <a:solidFill>
+              <a:schemeClr val="bg1">
+                <a:lumMod val="50000"/>
+              </a:schemeClr>
+            </a:solidFill>
+          </a:ln>
+        </p:spPr>
+        <p:style>
+          <a:lnRef idx="2">
+            <a:schemeClr val="dk1"/>
+          </a:lnRef>
+          <a:fillRef idx="1">
+            <a:schemeClr val="lt1"/>
+          </a:fillRef>
+          <a:effectRef idx="0">
+            <a:schemeClr val="dk1"/>
+          </a:effectRef>
+          <a:fontRef idx="minor">
+            <a:schemeClr val="dk1"/>
+          </a:fontRef>
+        </p:style>
+        <p:txBody>
+          <a:bodyPr rtlCol="0" anchor="ctr"/>
+          <a:lstStyle/>
+          <a:p>
+            <a:r>
+              <a:rPr lang="de-DE" sz="1600" dirty="0" smtClean="0"/>
+              <a:t>• Pascal </a:t>
+            </a:r>
+            <a:r>
+              <a:rPr lang="de-DE" sz="1600" dirty="0" err="1" smtClean="0"/>
+              <a:t>Gollnick</a:t>
             </a:r>
             <a:endParaRPr lang="de-DE" sz="1600" dirty="0"/>
           </a:p>
@@ -5986,7 +6325,7 @@
           <a:p>
             <a:pPr algn="ctr"/>
             <a:r>
-              <a:rPr lang="de-DE" smtClean="0"/>
+              <a:rPr lang="de-DE" dirty="0" smtClean="0"/>
               <a:t>Benutzer</a:t>
             </a:r>
             <a:endParaRPr lang="de-DE" dirty="0"/>
@@ -6239,223 +6578,14 @@
       </p:sp>
       <p:sp>
         <p:nvSpPr>
-          <p:cNvPr id="2" name="Auf der gleichen Seite des Rechtecks liegende Ecken abrunden 1"/>
-          <p:cNvSpPr/>
-          <p:nvPr/>
-        </p:nvSpPr>
-        <p:spPr>
-          <a:xfrm rot="10800000">
-            <a:off x="408692" y="1168599"/>
-            <a:ext cx="4062528" cy="360040"/>
-          </a:xfrm>
-          <a:prstGeom prst="round2SameRect">
-            <a:avLst/>
-          </a:prstGeom>
-          <a:solidFill>
-            <a:schemeClr val="bg1">
-              <a:lumMod val="75000"/>
-            </a:schemeClr>
-          </a:solidFill>
-        </p:spPr>
-        <p:style>
-          <a:lnRef idx="2">
-            <a:schemeClr val="accent1">
-              <a:shade val="50000"/>
-            </a:schemeClr>
-          </a:lnRef>
-          <a:fillRef idx="1">
-            <a:schemeClr val="accent1"/>
-          </a:fillRef>
-          <a:effectRef idx="0">
-            <a:schemeClr val="accent1"/>
-          </a:effectRef>
-          <a:fontRef idx="minor">
-            <a:schemeClr val="lt1"/>
-          </a:fontRef>
-        </p:style>
-        <p:txBody>
-          <a:bodyPr rtlCol="0" anchor="ctr"/>
-          <a:lstStyle/>
-          <a:p>
-            <a:pPr algn="ctr"/>
-            <a:endParaRPr lang="de-DE" dirty="0"/>
-          </a:p>
-        </p:txBody>
-      </p:sp>
-      <p:cxnSp>
-        <p:nvCxnSpPr>
-          <p:cNvPr id="5" name="Gerade Verbindung 4"/>
-          <p:cNvCxnSpPr/>
-          <p:nvPr/>
-        </p:nvCxnSpPr>
-        <p:spPr>
-          <a:xfrm flipV="1">
-            <a:off x="1475656" y="1186719"/>
-            <a:ext cx="0" cy="327600"/>
-          </a:xfrm>
-          <a:prstGeom prst="line">
-            <a:avLst/>
-          </a:prstGeom>
-          <a:ln w="38100">
-            <a:solidFill>
-              <a:schemeClr val="bg1">
-                <a:lumMod val="50000"/>
-              </a:schemeClr>
-            </a:solidFill>
-          </a:ln>
-        </p:spPr>
-        <p:style>
-          <a:lnRef idx="1">
-            <a:schemeClr val="accent1"/>
-          </a:lnRef>
-          <a:fillRef idx="0">
-            <a:schemeClr val="accent1"/>
-          </a:fillRef>
-          <a:effectRef idx="0">
-            <a:schemeClr val="accent1"/>
-          </a:effectRef>
-          <a:fontRef idx="minor">
-            <a:schemeClr val="tx1"/>
-          </a:fontRef>
-        </p:style>
-      </p:cxnSp>
-      <p:sp>
-        <p:nvSpPr>
-          <p:cNvPr id="8" name="Textfeld 7"/>
-          <p:cNvSpPr txBox="1"/>
-          <p:nvPr/>
-        </p:nvSpPr>
-        <p:spPr>
-          <a:xfrm>
-            <a:off x="396380" y="1181733"/>
-            <a:ext cx="1152128" cy="276999"/>
-          </a:xfrm>
-          <a:prstGeom prst="rect">
-            <a:avLst/>
-          </a:prstGeom>
-          <a:noFill/>
-        </p:spPr>
-        <p:txBody>
-          <a:bodyPr wrap="square" rtlCol="0">
-            <a:spAutoFit/>
-          </a:bodyPr>
-          <a:lstStyle/>
-          <a:p>
-            <a:r>
-              <a:rPr lang="de-DE" sz="1200" dirty="0" smtClean="0"/>
-              <a:t>Lehrer anlegen</a:t>
-            </a:r>
-            <a:endParaRPr lang="de-DE" sz="1200" dirty="0"/>
-          </a:p>
-        </p:txBody>
-      </p:sp>
-      <p:sp>
-        <p:nvSpPr>
-          <p:cNvPr id="29" name="Textfeld 28"/>
-          <p:cNvSpPr txBox="1"/>
-          <p:nvPr/>
-        </p:nvSpPr>
-        <p:spPr>
-          <a:xfrm>
-            <a:off x="1476822" y="1168598"/>
-            <a:ext cx="1311760" cy="276999"/>
-          </a:xfrm>
-          <a:prstGeom prst="rect">
-            <a:avLst/>
-          </a:prstGeom>
-          <a:noFill/>
-        </p:spPr>
-        <p:txBody>
-          <a:bodyPr wrap="square" rtlCol="0">
-            <a:spAutoFit/>
-          </a:bodyPr>
-          <a:lstStyle/>
-          <a:p>
-            <a:r>
-              <a:rPr lang="de-DE" sz="1200" dirty="0" smtClean="0"/>
-              <a:t>Gruppen anlegen</a:t>
-            </a:r>
-            <a:endParaRPr lang="de-DE" sz="1200" dirty="0"/>
-          </a:p>
-        </p:txBody>
-      </p:sp>
-      <p:sp>
-        <p:nvSpPr>
-          <p:cNvPr id="39" name="Textfeld 38"/>
-          <p:cNvSpPr txBox="1"/>
-          <p:nvPr/>
-        </p:nvSpPr>
-        <p:spPr>
-          <a:xfrm>
-            <a:off x="2771800" y="1168598"/>
-            <a:ext cx="1944216" cy="276999"/>
-          </a:xfrm>
-          <a:prstGeom prst="rect">
-            <a:avLst/>
-          </a:prstGeom>
-          <a:noFill/>
-        </p:spPr>
-        <p:txBody>
-          <a:bodyPr wrap="square" rtlCol="0">
-            <a:spAutoFit/>
-          </a:bodyPr>
-          <a:lstStyle/>
-          <a:p>
-            <a:r>
-              <a:rPr lang="de-DE" sz="1200" dirty="0" smtClean="0"/>
-              <a:t>Lehrer Gruppen zuweisen</a:t>
-            </a:r>
-            <a:endParaRPr lang="de-DE" sz="1200" dirty="0"/>
-          </a:p>
-        </p:txBody>
-      </p:sp>
-      <p:cxnSp>
-        <p:nvCxnSpPr>
-          <p:cNvPr id="40" name="Gerade Verbindung 39"/>
-          <p:cNvCxnSpPr/>
-          <p:nvPr/>
-        </p:nvCxnSpPr>
-        <p:spPr>
-          <a:xfrm flipV="1">
-            <a:off x="2771800" y="1186719"/>
-            <a:ext cx="0" cy="327600"/>
-          </a:xfrm>
-          <a:prstGeom prst="line">
-            <a:avLst/>
-          </a:prstGeom>
-          <a:ln w="38100">
-            <a:solidFill>
-              <a:schemeClr val="bg1">
-                <a:lumMod val="50000"/>
-              </a:schemeClr>
-            </a:solidFill>
-          </a:ln>
-        </p:spPr>
-        <p:style>
-          <a:lnRef idx="1">
-            <a:schemeClr val="accent1"/>
-          </a:lnRef>
-          <a:fillRef idx="0">
-            <a:schemeClr val="accent1"/>
-          </a:fillRef>
-          <a:effectRef idx="0">
-            <a:schemeClr val="accent1"/>
-          </a:effectRef>
-          <a:fontRef idx="minor">
-            <a:schemeClr val="tx1"/>
-          </a:fontRef>
-        </p:style>
-      </p:cxnSp>
-      <p:sp>
-        <p:nvSpPr>
-          <p:cNvPr id="49" name="Rechteck 48"/>
-          <p:cNvSpPr/>
-          <p:nvPr/>
-        </p:nvSpPr>
-        <p:spPr>
-          <a:xfrm>
-            <a:off x="395536" y="1628800"/>
-            <a:ext cx="8424936" cy="2281456"/>
+          <p:cNvPr id="22" name="Rechteck 21"/>
+          <p:cNvSpPr/>
+          <p:nvPr/>
+        </p:nvSpPr>
+        <p:spPr>
+          <a:xfrm>
+            <a:off x="395536" y="1268760"/>
+            <a:ext cx="8424936" cy="5256584"/>
           </a:xfrm>
           <a:prstGeom prst="rect">
             <a:avLst/>
@@ -6510,6 +6640,128 @@
           </a:p>
           <a:p>
             <a:pPr algn="ctr"/>
+            <a:endParaRPr lang="de-DE" dirty="0">
+              <a:solidFill>
+                <a:schemeClr val="bg1">
+                  <a:lumMod val="65000"/>
+                </a:schemeClr>
+              </a:solidFill>
+            </a:endParaRPr>
+          </a:p>
+          <a:p>
+            <a:pPr algn="ctr"/>
+            <a:endParaRPr lang="de-DE" dirty="0" smtClean="0">
+              <a:solidFill>
+                <a:schemeClr val="bg1">
+                  <a:lumMod val="65000"/>
+                </a:schemeClr>
+              </a:solidFill>
+            </a:endParaRPr>
+          </a:p>
+          <a:p>
+            <a:pPr algn="ctr"/>
+            <a:endParaRPr lang="de-DE" dirty="0">
+              <a:solidFill>
+                <a:schemeClr val="bg1">
+                  <a:lumMod val="65000"/>
+                </a:schemeClr>
+              </a:solidFill>
+            </a:endParaRPr>
+          </a:p>
+        </p:txBody>
+      </p:sp>
+      <p:sp>
+        <p:nvSpPr>
+          <p:cNvPr id="23" name="Rechteck 22"/>
+          <p:cNvSpPr/>
+          <p:nvPr/>
+        </p:nvSpPr>
+        <p:spPr>
+          <a:xfrm>
+            <a:off x="491538" y="1307329"/>
+            <a:ext cx="8184918" cy="321471"/>
+          </a:xfrm>
+          <a:prstGeom prst="rect">
+            <a:avLst/>
+          </a:prstGeom>
+          <a:ln>
+            <a:solidFill>
+              <a:schemeClr val="bg1">
+                <a:lumMod val="50000"/>
+              </a:schemeClr>
+            </a:solidFill>
+          </a:ln>
+        </p:spPr>
+        <p:style>
+          <a:lnRef idx="2">
+            <a:schemeClr val="dk1"/>
+          </a:lnRef>
+          <a:fillRef idx="1">
+            <a:schemeClr val="lt1"/>
+          </a:fillRef>
+          <a:effectRef idx="0">
+            <a:schemeClr val="dk1"/>
+          </a:effectRef>
+          <a:fontRef idx="minor">
+            <a:schemeClr val="dk1"/>
+          </a:fontRef>
+        </p:style>
+        <p:txBody>
+          <a:bodyPr rtlCol="0" anchor="ctr"/>
+          <a:lstStyle/>
+          <a:p>
+            <a:r>
+              <a:rPr lang="de-DE" sz="1600" dirty="0" smtClean="0"/>
+              <a:t>Ergebnisprotokoll der Zeugniskonferenz vom </a:t>
+            </a:r>
+            <a:r>
+              <a:rPr lang="de-DE" sz="1600" dirty="0" smtClean="0">
+                <a:solidFill>
+                  <a:schemeClr val="bg1">
+                    <a:lumMod val="50000"/>
+                  </a:schemeClr>
+                </a:solidFill>
+              </a:rPr>
+              <a:t>Konferenz Datum</a:t>
+            </a:r>
+            <a:endParaRPr lang="de-DE" sz="1600" dirty="0"/>
+          </a:p>
+        </p:txBody>
+      </p:sp>
+      <p:sp>
+        <p:nvSpPr>
+          <p:cNvPr id="28" name="Rechteck 27"/>
+          <p:cNvSpPr/>
+          <p:nvPr/>
+        </p:nvSpPr>
+        <p:spPr>
+          <a:xfrm>
+            <a:off x="486924" y="1705000"/>
+            <a:ext cx="8261540" cy="715888"/>
+          </a:xfrm>
+          <a:prstGeom prst="rect">
+            <a:avLst/>
+          </a:prstGeom>
+        </p:spPr>
+        <p:style>
+          <a:lnRef idx="2">
+            <a:schemeClr val="accent6"/>
+          </a:lnRef>
+          <a:fillRef idx="1">
+            <a:schemeClr val="lt1"/>
+          </a:fillRef>
+          <a:effectRef idx="0">
+            <a:schemeClr val="accent6"/>
+          </a:effectRef>
+          <a:fontRef idx="minor">
+            <a:schemeClr val="dk1"/>
+          </a:fontRef>
+        </p:style>
+        <p:txBody>
+          <a:bodyPr rtlCol="0" anchor="ctr"/>
+          <a:lstStyle/>
+          <a:p>
+            <a:pPr algn="ctr"/>
             <a:r>
               <a:rPr lang="de-DE" dirty="0" smtClean="0">
                 <a:solidFill>
@@ -6518,7 +6770,7 @@
                   </a:schemeClr>
                 </a:solidFill>
               </a:rPr>
-              <a:t>Liste von Lehrern</a:t>
+              <a:t>			Liste von Lehrern</a:t>
             </a:r>
             <a:endParaRPr lang="de-DE" dirty="0">
               <a:solidFill>
@@ -6532,223 +6784,13 @@
       </p:sp>
       <p:sp>
         <p:nvSpPr>
-          <p:cNvPr id="50" name="Rechteck 49"/>
-          <p:cNvSpPr/>
-          <p:nvPr/>
-        </p:nvSpPr>
-        <p:spPr>
-          <a:xfrm>
-            <a:off x="431955" y="1631650"/>
-            <a:ext cx="1737166" cy="429022"/>
-          </a:xfrm>
-          <a:prstGeom prst="rect">
-            <a:avLst/>
-          </a:prstGeom>
-        </p:spPr>
-        <p:style>
-          <a:lnRef idx="1">
-            <a:schemeClr val="accent1"/>
-          </a:lnRef>
-          <a:fillRef idx="2">
-            <a:schemeClr val="accent1"/>
-          </a:fillRef>
-          <a:effectRef idx="1">
-            <a:schemeClr val="accent1"/>
-          </a:effectRef>
-          <a:fontRef idx="minor">
-            <a:schemeClr val="dk1"/>
-          </a:fontRef>
-        </p:style>
-        <p:txBody>
-          <a:bodyPr rtlCol="0" anchor="ctr"/>
-          <a:lstStyle/>
-          <a:p>
-            <a:pPr algn="ctr"/>
-            <a:r>
-              <a:rPr lang="de-DE" sz="1600" dirty="0" smtClean="0"/>
-              <a:t>Vorname</a:t>
-            </a:r>
-            <a:endParaRPr lang="de-DE" sz="1600" dirty="0"/>
-          </a:p>
-        </p:txBody>
-      </p:sp>
-      <p:sp>
-        <p:nvSpPr>
-          <p:cNvPr id="51" name="Rechteck 50"/>
-          <p:cNvSpPr/>
-          <p:nvPr/>
-        </p:nvSpPr>
-        <p:spPr>
-          <a:xfrm>
-            <a:off x="2132702" y="1631650"/>
-            <a:ext cx="1791226" cy="429022"/>
-          </a:xfrm>
-          <a:prstGeom prst="rect">
-            <a:avLst/>
-          </a:prstGeom>
-        </p:spPr>
-        <p:style>
-          <a:lnRef idx="1">
-            <a:schemeClr val="accent1"/>
-          </a:lnRef>
-          <a:fillRef idx="2">
-            <a:schemeClr val="accent1"/>
-          </a:fillRef>
-          <a:effectRef idx="1">
-            <a:schemeClr val="accent1"/>
-          </a:effectRef>
-          <a:fontRef idx="minor">
-            <a:schemeClr val="dk1"/>
-          </a:fontRef>
-        </p:style>
-        <p:txBody>
-          <a:bodyPr rtlCol="0" anchor="ctr"/>
-          <a:lstStyle/>
-          <a:p>
-            <a:pPr algn="ctr"/>
-            <a:r>
-              <a:rPr lang="de-DE" sz="1600" dirty="0" smtClean="0"/>
-              <a:t>Nachname</a:t>
-            </a:r>
-            <a:endParaRPr lang="de-DE" sz="1600" dirty="0"/>
-          </a:p>
-        </p:txBody>
-      </p:sp>
-      <p:sp>
-        <p:nvSpPr>
-          <p:cNvPr id="52" name="Rechteck 51"/>
-          <p:cNvSpPr/>
-          <p:nvPr/>
-        </p:nvSpPr>
-        <p:spPr>
-          <a:xfrm>
-            <a:off x="3923928" y="1628800"/>
-            <a:ext cx="2393378" cy="427509"/>
-          </a:xfrm>
-          <a:prstGeom prst="rect">
-            <a:avLst/>
-          </a:prstGeom>
-        </p:spPr>
-        <p:style>
-          <a:lnRef idx="1">
-            <a:schemeClr val="accent1"/>
-          </a:lnRef>
-          <a:fillRef idx="2">
-            <a:schemeClr val="accent1"/>
-          </a:fillRef>
-          <a:effectRef idx="1">
-            <a:schemeClr val="accent1"/>
-          </a:effectRef>
-          <a:fontRef idx="minor">
-            <a:schemeClr val="dk1"/>
-          </a:fontRef>
-        </p:style>
-        <p:txBody>
-          <a:bodyPr rtlCol="0" anchor="ctr"/>
-          <a:lstStyle/>
-          <a:p>
-            <a:pPr algn="ctr"/>
-            <a:r>
-              <a:rPr lang="de-DE" sz="1600" dirty="0" smtClean="0"/>
-              <a:t>Email</a:t>
-            </a:r>
-            <a:endParaRPr lang="de-DE" sz="1600" dirty="0"/>
-          </a:p>
-        </p:txBody>
-      </p:sp>
-      <p:sp>
-        <p:nvSpPr>
-          <p:cNvPr id="53" name="Rechteck 52"/>
-          <p:cNvSpPr/>
-          <p:nvPr/>
-        </p:nvSpPr>
-        <p:spPr>
-          <a:xfrm>
-            <a:off x="6317306" y="1631650"/>
-            <a:ext cx="1475742" cy="429022"/>
-          </a:xfrm>
-          <a:prstGeom prst="rect">
-            <a:avLst/>
-          </a:prstGeom>
-        </p:spPr>
-        <p:style>
-          <a:lnRef idx="1">
-            <a:schemeClr val="accent1"/>
-          </a:lnRef>
-          <a:fillRef idx="2">
-            <a:schemeClr val="accent1"/>
-          </a:fillRef>
-          <a:effectRef idx="1">
-            <a:schemeClr val="accent1"/>
-          </a:effectRef>
-          <a:fontRef idx="minor">
-            <a:schemeClr val="dk1"/>
-          </a:fontRef>
-        </p:style>
-        <p:txBody>
-          <a:bodyPr rtlCol="0" anchor="ctr"/>
-          <a:lstStyle/>
-          <a:p>
-            <a:pPr algn="ctr"/>
-            <a:r>
-              <a:rPr lang="de-DE" sz="1600" dirty="0" smtClean="0"/>
-              <a:t>Benutzername</a:t>
-            </a:r>
-            <a:endParaRPr lang="de-DE" sz="1600" dirty="0"/>
-          </a:p>
-        </p:txBody>
-      </p:sp>
-      <p:sp>
-        <p:nvSpPr>
-          <p:cNvPr id="54" name="Rechteck 53"/>
-          <p:cNvSpPr/>
-          <p:nvPr/>
-        </p:nvSpPr>
-        <p:spPr>
-          <a:xfrm>
-            <a:off x="7803342" y="1628800"/>
-            <a:ext cx="1002075" cy="429022"/>
-          </a:xfrm>
-          <a:prstGeom prst="rect">
-            <a:avLst/>
-          </a:prstGeom>
-        </p:spPr>
-        <p:style>
-          <a:lnRef idx="1">
-            <a:schemeClr val="accent1"/>
-          </a:lnRef>
-          <a:fillRef idx="2">
-            <a:schemeClr val="accent1"/>
-          </a:fillRef>
-          <a:effectRef idx="1">
-            <a:schemeClr val="accent1"/>
-          </a:effectRef>
-          <a:fontRef idx="minor">
-            <a:schemeClr val="dk1"/>
-          </a:fontRef>
-        </p:style>
-        <p:txBody>
-          <a:bodyPr rtlCol="0" anchor="ctr"/>
-          <a:lstStyle/>
-          <a:p>
-            <a:pPr algn="ctr"/>
-            <a:r>
-              <a:rPr lang="de-DE" sz="1600" dirty="0" smtClean="0"/>
-              <a:t>Passwort</a:t>
-            </a:r>
-            <a:endParaRPr lang="de-DE" sz="1600" dirty="0"/>
-          </a:p>
-        </p:txBody>
-      </p:sp>
-      <p:sp>
-        <p:nvSpPr>
-          <p:cNvPr id="55" name="Rechteck 54"/>
-          <p:cNvSpPr/>
-          <p:nvPr/>
-        </p:nvSpPr>
-        <p:spPr>
-          <a:xfrm>
-            <a:off x="426622" y="2057822"/>
+          <p:cNvPr id="29" name="Rechteck 28"/>
+          <p:cNvSpPr/>
+          <p:nvPr/>
+        </p:nvSpPr>
+        <p:spPr>
+          <a:xfrm>
+            <a:off x="512481" y="1736351"/>
             <a:ext cx="1737166" cy="321471"/>
           </a:xfrm>
           <a:prstGeom prst="rect">
@@ -6780,10 +6822,9 @@
           <a:bodyPr rtlCol="0" anchor="ctr"/>
           <a:lstStyle/>
           <a:p>
-            <a:pPr algn="ctr"/>
             <a:r>
               <a:rPr lang="de-DE" sz="1600" dirty="0" smtClean="0"/>
-              <a:t>Oliver</a:t>
+              <a:t>Oliver Kaden</a:t>
             </a:r>
             <a:endParaRPr lang="de-DE" sz="1600" dirty="0"/>
           </a:p>
@@ -6791,14 +6832,14 @@
       </p:sp>
       <p:sp>
         <p:nvSpPr>
-          <p:cNvPr id="56" name="Rechteck 55"/>
-          <p:cNvSpPr/>
-          <p:nvPr/>
-        </p:nvSpPr>
-        <p:spPr>
-          <a:xfrm>
-            <a:off x="2132702" y="2060672"/>
-            <a:ext cx="1791226" cy="321471"/>
+          <p:cNvPr id="41" name="Rechteck 40"/>
+          <p:cNvSpPr/>
+          <p:nvPr/>
+        </p:nvSpPr>
+        <p:spPr>
+          <a:xfrm>
+            <a:off x="512481" y="2049486"/>
+            <a:ext cx="1737166" cy="321471"/>
           </a:xfrm>
           <a:prstGeom prst="rect">
             <a:avLst/>
@@ -6829,10 +6870,13 @@
           <a:bodyPr rtlCol="0" anchor="ctr"/>
           <a:lstStyle/>
           <a:p>
-            <a:pPr algn="ctr"/>
             <a:r>
               <a:rPr lang="de-DE" sz="1600" dirty="0" smtClean="0"/>
-              <a:t>Kaden</a:t>
+              <a:t>Pascal </a:t>
+            </a:r>
+            <a:r>
+              <a:rPr lang="de-DE" sz="1600" dirty="0" err="1" smtClean="0"/>
+              <a:t>Gollnick</a:t>
             </a:r>
             <a:endParaRPr lang="de-DE" sz="1600" dirty="0"/>
           </a:p>
@@ -6840,14 +6884,14 @@
       </p:sp>
       <p:sp>
         <p:nvSpPr>
-          <p:cNvPr id="57" name="Rechteck 56"/>
-          <p:cNvSpPr/>
-          <p:nvPr/>
-        </p:nvSpPr>
-        <p:spPr>
-          <a:xfrm>
-            <a:off x="3923929" y="2056309"/>
-            <a:ext cx="2393376" cy="321471"/>
+          <p:cNvPr id="8" name="Rechteck 7"/>
+          <p:cNvSpPr/>
+          <p:nvPr/>
+        </p:nvSpPr>
+        <p:spPr>
+          <a:xfrm>
+            <a:off x="1926754" y="1779549"/>
+            <a:ext cx="233207" cy="216023"/>
           </a:xfrm>
           <a:prstGeom prst="rect">
             <a:avLst/>
@@ -6862,41 +6906,62 @@
         </p:spPr>
         <p:style>
           <a:lnRef idx="2">
-            <a:schemeClr val="dk1"/>
+            <a:schemeClr val="accent6"/>
           </a:lnRef>
           <a:fillRef idx="1">
             <a:schemeClr val="lt1"/>
           </a:fillRef>
           <a:effectRef idx="0">
-            <a:schemeClr val="dk1"/>
-          </a:effectRef>
-          <a:fontRef idx="minor">
-            <a:schemeClr val="dk1"/>
-          </a:fontRef>
-        </p:style>
-        <p:txBody>
-          <a:bodyPr rtlCol="0" anchor="ctr"/>
-          <a:lstStyle/>
-          <a:p>
-            <a:pPr algn="ctr"/>
-            <a:r>
-              <a:rPr lang="de-DE" sz="1600" dirty="0" smtClean="0"/>
-              <a:t>fia63kaden@gso-koeln.de</a:t>
-            </a:r>
-            <a:endParaRPr lang="de-DE" sz="1600" dirty="0"/>
-          </a:p>
-        </p:txBody>
-      </p:sp>
-      <p:sp>
-        <p:nvSpPr>
-          <p:cNvPr id="58" name="Rechteck 57"/>
-          <p:cNvSpPr/>
-          <p:nvPr/>
-        </p:nvSpPr>
-        <p:spPr>
-          <a:xfrm>
-            <a:off x="6317307" y="2059159"/>
-            <a:ext cx="1486035" cy="321471"/>
+            <a:schemeClr val="accent6"/>
+          </a:effectRef>
+          <a:fontRef idx="minor">
+            <a:schemeClr val="dk1"/>
+          </a:fontRef>
+        </p:style>
+        <p:txBody>
+          <a:bodyPr rtlCol="0" anchor="ctr"/>
+          <a:lstStyle/>
+          <a:p>
+            <a:pPr algn="ctr"/>
+            <a:r>
+              <a:rPr lang="de-DE" dirty="0">
+                <a:solidFill>
+                  <a:srgbClr val="00B050"/>
+                </a:solidFill>
+              </a:rPr>
+              <a:t>✓</a:t>
+            </a:r>
+            <a:endParaRPr lang="de-DE" dirty="0">
+              <a:ln w="18415" cmpd="sng">
+                <a:solidFill>
+                  <a:schemeClr val="bg1"/>
+                </a:solidFill>
+                <a:prstDash val="solid"/>
+              </a:ln>
+              <a:solidFill>
+                <a:srgbClr val="00B050"/>
+              </a:solidFill>
+              <a:effectLst>
+                <a:outerShdw blurRad="63500" dir="3600000" algn="tl" rotWithShape="0">
+                  <a:srgbClr val="000000">
+                    <a:alpha val="70000"/>
+                  </a:srgbClr>
+                </a:outerShdw>
+              </a:effectLst>
+            </a:endParaRPr>
+          </a:p>
+        </p:txBody>
+      </p:sp>
+      <p:sp>
+        <p:nvSpPr>
+          <p:cNvPr id="42" name="Rechteck 41"/>
+          <p:cNvSpPr/>
+          <p:nvPr/>
+        </p:nvSpPr>
+        <p:spPr>
+          <a:xfrm>
+            <a:off x="1919911" y="2092684"/>
+            <a:ext cx="233207" cy="216023"/>
           </a:xfrm>
           <a:prstGeom prst="rect">
             <a:avLst/>
@@ -6911,41 +6976,62 @@
         </p:spPr>
         <p:style>
           <a:lnRef idx="2">
-            <a:schemeClr val="dk1"/>
+            <a:schemeClr val="accent6"/>
           </a:lnRef>
           <a:fillRef idx="1">
             <a:schemeClr val="lt1"/>
           </a:fillRef>
           <a:effectRef idx="0">
-            <a:schemeClr val="dk1"/>
-          </a:effectRef>
-          <a:fontRef idx="minor">
-            <a:schemeClr val="dk1"/>
-          </a:fontRef>
-        </p:style>
-        <p:txBody>
-          <a:bodyPr rtlCol="0" anchor="ctr"/>
-          <a:lstStyle/>
-          <a:p>
-            <a:pPr algn="ctr"/>
-            <a:r>
-              <a:rPr lang="de-DE" sz="1600" dirty="0" smtClean="0"/>
-              <a:t>OK</a:t>
-            </a:r>
-            <a:endParaRPr lang="de-DE" sz="1600" dirty="0"/>
-          </a:p>
-        </p:txBody>
-      </p:sp>
-      <p:sp>
-        <p:nvSpPr>
-          <p:cNvPr id="59" name="Rechteck 58"/>
-          <p:cNvSpPr/>
-          <p:nvPr/>
-        </p:nvSpPr>
-        <p:spPr>
-          <a:xfrm>
-            <a:off x="7803342" y="2059159"/>
-            <a:ext cx="1002075" cy="321471"/>
+            <a:schemeClr val="accent6"/>
+          </a:effectRef>
+          <a:fontRef idx="minor">
+            <a:schemeClr val="dk1"/>
+          </a:fontRef>
+        </p:style>
+        <p:txBody>
+          <a:bodyPr rtlCol="0" anchor="ctr"/>
+          <a:lstStyle/>
+          <a:p>
+            <a:pPr algn="ctr"/>
+            <a:r>
+              <a:rPr lang="de-DE" dirty="0">
+                <a:solidFill>
+                  <a:srgbClr val="00B050"/>
+                </a:solidFill>
+              </a:rPr>
+              <a:t>✓</a:t>
+            </a:r>
+            <a:endParaRPr lang="de-DE" dirty="0">
+              <a:ln w="18415" cmpd="sng">
+                <a:solidFill>
+                  <a:schemeClr val="bg1"/>
+                </a:solidFill>
+                <a:prstDash val="solid"/>
+              </a:ln>
+              <a:solidFill>
+                <a:srgbClr val="00B050"/>
+              </a:solidFill>
+              <a:effectLst>
+                <a:outerShdw blurRad="63500" dir="3600000" algn="tl" rotWithShape="0">
+                  <a:srgbClr val="000000">
+                    <a:alpha val="70000"/>
+                  </a:srgbClr>
+                </a:outerShdw>
+              </a:effectLst>
+            </a:endParaRPr>
+          </a:p>
+        </p:txBody>
+      </p:sp>
+      <p:sp>
+        <p:nvSpPr>
+          <p:cNvPr id="44" name="Rechteck 43"/>
+          <p:cNvSpPr/>
+          <p:nvPr/>
+        </p:nvSpPr>
+        <p:spPr>
+          <a:xfrm>
+            <a:off x="2249647" y="1737962"/>
+            <a:ext cx="1737166" cy="321471"/>
           </a:xfrm>
           <a:prstGeom prst="rect">
             <a:avLst/>
@@ -6976,10 +7062,13 @@
           <a:bodyPr rtlCol="0" anchor="ctr"/>
           <a:lstStyle/>
           <a:p>
-            <a:pPr algn="ctr"/>
             <a:r>
               <a:rPr lang="de-DE" sz="1600" dirty="0" smtClean="0"/>
-              <a:t>•••••••</a:t>
+              <a:t>Michael </a:t>
+            </a:r>
+            <a:r>
+              <a:rPr lang="de-DE" sz="1600" dirty="0" err="1" smtClean="0"/>
+              <a:t>Gede</a:t>
             </a:r>
             <a:endParaRPr lang="de-DE" sz="1600" dirty="0"/>
           </a:p>
@@ -6987,14 +7076,14 @@
       </p:sp>
       <p:sp>
         <p:nvSpPr>
-          <p:cNvPr id="60" name="Rechteck 59"/>
-          <p:cNvSpPr/>
-          <p:nvPr/>
-        </p:nvSpPr>
-        <p:spPr>
-          <a:xfrm>
-            <a:off x="431955" y="2377780"/>
-            <a:ext cx="8373462" cy="321471"/>
+          <p:cNvPr id="45" name="Rechteck 44"/>
+          <p:cNvSpPr/>
+          <p:nvPr/>
+        </p:nvSpPr>
+        <p:spPr>
+          <a:xfrm>
+            <a:off x="3663920" y="1781160"/>
+            <a:ext cx="233207" cy="216023"/>
           </a:xfrm>
           <a:prstGeom prst="rect">
             <a:avLst/>
@@ -7009,35 +7098,799 @@
         </p:spPr>
         <p:style>
           <a:lnRef idx="2">
-            <a:schemeClr val="dk1"/>
+            <a:schemeClr val="accent6"/>
           </a:lnRef>
           <a:fillRef idx="1">
             <a:schemeClr val="lt1"/>
           </a:fillRef>
           <a:effectRef idx="0">
-            <a:schemeClr val="dk1"/>
-          </a:effectRef>
-          <a:fontRef idx="minor">
-            <a:schemeClr val="dk1"/>
-          </a:fontRef>
-        </p:style>
-        <p:txBody>
-          <a:bodyPr rtlCol="0" anchor="ctr"/>
-          <a:lstStyle/>
-          <a:p>
-            <a:pPr algn="ctr"/>
-            <a:r>
-              <a:rPr lang="de-DE" sz="2800" dirty="0" smtClean="0">
+            <a:schemeClr val="accent6"/>
+          </a:effectRef>
+          <a:fontRef idx="minor">
+            <a:schemeClr val="dk1"/>
+          </a:fontRef>
+        </p:style>
+        <p:txBody>
+          <a:bodyPr rtlCol="0" anchor="ctr"/>
+          <a:lstStyle/>
+          <a:p>
+            <a:pPr algn="ctr"/>
+            <a:endParaRPr lang="de-DE" dirty="0">
+              <a:ln w="18415" cmpd="sng">
+                <a:solidFill>
+                  <a:schemeClr val="bg1"/>
+                </a:solidFill>
+                <a:prstDash val="solid"/>
+              </a:ln>
+              <a:solidFill>
+                <a:srgbClr val="00B050"/>
+              </a:solidFill>
+              <a:effectLst>
+                <a:outerShdw blurRad="63500" dir="3600000" algn="tl" rotWithShape="0">
+                  <a:srgbClr val="000000">
+                    <a:alpha val="70000"/>
+                  </a:srgbClr>
+                </a:outerShdw>
+              </a:effectLst>
+            </a:endParaRPr>
+          </a:p>
+        </p:txBody>
+      </p:sp>
+      <p:sp>
+        <p:nvSpPr>
+          <p:cNvPr id="46" name="Rechteck 45"/>
+          <p:cNvSpPr/>
+          <p:nvPr/>
+        </p:nvSpPr>
+        <p:spPr>
+          <a:xfrm>
+            <a:off x="523097" y="2492896"/>
+            <a:ext cx="1296144" cy="321471"/>
+          </a:xfrm>
+          <a:prstGeom prst="rect">
+            <a:avLst/>
+          </a:prstGeom>
+          <a:ln>
+            <a:solidFill>
+              <a:schemeClr val="bg1">
+                <a:lumMod val="50000"/>
+              </a:schemeClr>
+            </a:solidFill>
+          </a:ln>
+        </p:spPr>
+        <p:style>
+          <a:lnRef idx="2">
+            <a:schemeClr val="dk1"/>
+          </a:lnRef>
+          <a:fillRef idx="1">
+            <a:schemeClr val="lt1"/>
+          </a:fillRef>
+          <a:effectRef idx="0">
+            <a:schemeClr val="dk1"/>
+          </a:effectRef>
+          <a:fontRef idx="minor">
+            <a:schemeClr val="dk1"/>
+          </a:fontRef>
+        </p:style>
+        <p:txBody>
+          <a:bodyPr rtlCol="0" anchor="ctr"/>
+          <a:lstStyle/>
+          <a:p>
+            <a:pPr algn="ctr"/>
+            <a:r>
+              <a:rPr lang="de-DE" sz="1600" dirty="0" smtClean="0"/>
+              <a:t>Protokollant</a:t>
+            </a:r>
+            <a:endParaRPr lang="de-DE" sz="1600" dirty="0"/>
+          </a:p>
+        </p:txBody>
+      </p:sp>
+      <p:sp>
+        <p:nvSpPr>
+          <p:cNvPr id="47" name="Rechteck 46"/>
+          <p:cNvSpPr/>
+          <p:nvPr/>
+        </p:nvSpPr>
+        <p:spPr>
+          <a:xfrm>
+            <a:off x="7207796" y="1307929"/>
+            <a:ext cx="1464498" cy="321471"/>
+          </a:xfrm>
+          <a:prstGeom prst="rect">
+            <a:avLst/>
+          </a:prstGeom>
+          <a:ln>
+            <a:solidFill>
+              <a:schemeClr val="bg1">
+                <a:lumMod val="50000"/>
+              </a:schemeClr>
+            </a:solidFill>
+          </a:ln>
+        </p:spPr>
+        <p:style>
+          <a:lnRef idx="2">
+            <a:schemeClr val="dk1"/>
+          </a:lnRef>
+          <a:fillRef idx="1">
+            <a:schemeClr val="lt1"/>
+          </a:fillRef>
+          <a:effectRef idx="0">
+            <a:schemeClr val="dk1"/>
+          </a:effectRef>
+          <a:fontRef idx="minor">
+            <a:schemeClr val="dk1"/>
+          </a:fontRef>
+        </p:style>
+        <p:txBody>
+          <a:bodyPr rtlCol="0" anchor="ctr"/>
+          <a:lstStyle/>
+          <a:p>
+            <a:pPr algn="ctr"/>
+            <a:r>
+              <a:rPr lang="de-DE" sz="1600" dirty="0" smtClean="0"/>
+              <a:t>Konferenzleiter</a:t>
+            </a:r>
+            <a:endParaRPr lang="de-DE" sz="1600" dirty="0"/>
+          </a:p>
+        </p:txBody>
+      </p:sp>
+      <p:sp>
+        <p:nvSpPr>
+          <p:cNvPr id="48" name="Rechteck 47"/>
+          <p:cNvSpPr/>
+          <p:nvPr/>
+        </p:nvSpPr>
+        <p:spPr>
+          <a:xfrm>
+            <a:off x="2249647" y="2059433"/>
+            <a:ext cx="1737166" cy="321471"/>
+          </a:xfrm>
+          <a:prstGeom prst="rect">
+            <a:avLst/>
+          </a:prstGeom>
+          <a:ln>
+            <a:solidFill>
+              <a:schemeClr val="bg1">
+                <a:lumMod val="50000"/>
+              </a:schemeClr>
+            </a:solidFill>
+          </a:ln>
+        </p:spPr>
+        <p:style>
+          <a:lnRef idx="2">
+            <a:schemeClr val="dk1"/>
+          </a:lnRef>
+          <a:fillRef idx="1">
+            <a:schemeClr val="lt1"/>
+          </a:fillRef>
+          <a:effectRef idx="0">
+            <a:schemeClr val="dk1"/>
+          </a:effectRef>
+          <a:fontRef idx="minor">
+            <a:schemeClr val="dk1"/>
+          </a:fontRef>
+        </p:style>
+        <p:txBody>
+          <a:bodyPr rtlCol="0" anchor="ctr"/>
+          <a:lstStyle/>
+          <a:p>
+            <a:r>
+              <a:rPr lang="de-DE" sz="1600" dirty="0" smtClean="0"/>
+              <a:t>Lars </a:t>
+            </a:r>
+            <a:r>
+              <a:rPr lang="de-DE" sz="1600" dirty="0" err="1" smtClean="0"/>
+              <a:t>Tenbrock</a:t>
+            </a:r>
+            <a:endParaRPr lang="de-DE" sz="1600" dirty="0"/>
+          </a:p>
+        </p:txBody>
+      </p:sp>
+      <p:sp>
+        <p:nvSpPr>
+          <p:cNvPr id="49" name="Rechteck 48"/>
+          <p:cNvSpPr/>
+          <p:nvPr/>
+        </p:nvSpPr>
+        <p:spPr>
+          <a:xfrm>
+            <a:off x="3657077" y="2102631"/>
+            <a:ext cx="233207" cy="216023"/>
+          </a:xfrm>
+          <a:prstGeom prst="rect">
+            <a:avLst/>
+          </a:prstGeom>
+          <a:ln>
+            <a:solidFill>
+              <a:schemeClr val="bg1">
+                <a:lumMod val="50000"/>
+              </a:schemeClr>
+            </a:solidFill>
+          </a:ln>
+        </p:spPr>
+        <p:style>
+          <a:lnRef idx="2">
+            <a:schemeClr val="accent6"/>
+          </a:lnRef>
+          <a:fillRef idx="1">
+            <a:schemeClr val="lt1"/>
+          </a:fillRef>
+          <a:effectRef idx="0">
+            <a:schemeClr val="accent6"/>
+          </a:effectRef>
+          <a:fontRef idx="minor">
+            <a:schemeClr val="dk1"/>
+          </a:fontRef>
+        </p:style>
+        <p:txBody>
+          <a:bodyPr rtlCol="0" anchor="ctr"/>
+          <a:lstStyle/>
+          <a:p>
+            <a:pPr algn="ctr"/>
+            <a:r>
+              <a:rPr lang="de-DE" dirty="0">
                 <a:solidFill>
                   <a:srgbClr val="00B050"/>
                 </a:solidFill>
               </a:rPr>
-              <a:t>+</a:t>
-            </a:r>
-            <a:endParaRPr lang="de-DE" sz="1600" dirty="0">
+              <a:t>✓</a:t>
+            </a:r>
+            <a:endParaRPr lang="de-DE" dirty="0">
+              <a:ln w="18415" cmpd="sng">
+                <a:solidFill>
+                  <a:schemeClr val="bg1"/>
+                </a:solidFill>
+                <a:prstDash val="solid"/>
+              </a:ln>
               <a:solidFill>
                 <a:srgbClr val="00B050"/>
               </a:solidFill>
+              <a:effectLst>
+                <a:outerShdw blurRad="63500" dir="3600000" algn="tl" rotWithShape="0">
+                  <a:srgbClr val="000000">
+                    <a:alpha val="70000"/>
+                  </a:srgbClr>
+                </a:outerShdw>
+              </a:effectLst>
+            </a:endParaRPr>
+          </a:p>
+        </p:txBody>
+      </p:sp>
+      <p:sp>
+        <p:nvSpPr>
+          <p:cNvPr id="50" name="Rechteck 49"/>
+          <p:cNvSpPr/>
+          <p:nvPr/>
+        </p:nvSpPr>
+        <p:spPr>
+          <a:xfrm>
+            <a:off x="512481" y="2935796"/>
+            <a:ext cx="8261540" cy="2437420"/>
+          </a:xfrm>
+          <a:prstGeom prst="rect">
+            <a:avLst/>
+          </a:prstGeom>
+        </p:spPr>
+        <p:style>
+          <a:lnRef idx="2">
+            <a:schemeClr val="accent6"/>
+          </a:lnRef>
+          <a:fillRef idx="1">
+            <a:schemeClr val="lt1"/>
+          </a:fillRef>
+          <a:effectRef idx="0">
+            <a:schemeClr val="accent6"/>
+          </a:effectRef>
+          <a:fontRef idx="minor">
+            <a:schemeClr val="dk1"/>
+          </a:fontRef>
+        </p:style>
+        <p:txBody>
+          <a:bodyPr rtlCol="0" anchor="ctr"/>
+          <a:lstStyle/>
+          <a:p>
+            <a:pPr algn="ctr"/>
+            <a:r>
+              <a:rPr lang="de-DE" dirty="0">
+                <a:solidFill>
+                  <a:schemeClr val="bg1">
+                    <a:lumMod val="65000"/>
+                  </a:schemeClr>
+                </a:solidFill>
+              </a:rPr>
+              <a:t>	</a:t>
+            </a:r>
+            <a:r>
+              <a:rPr lang="de-DE" dirty="0" smtClean="0">
+                <a:solidFill>
+                  <a:schemeClr val="bg1">
+                    <a:lumMod val="65000"/>
+                  </a:schemeClr>
+                </a:solidFill>
+              </a:rPr>
+              <a:t>Gruppe von TOP – Beschreibung – Beschluss</a:t>
+            </a:r>
+            <a:endParaRPr lang="de-DE" dirty="0">
+              <a:solidFill>
+                <a:schemeClr val="bg1">
+                  <a:lumMod val="65000"/>
+                </a:schemeClr>
+              </a:solidFill>
+            </a:endParaRPr>
+          </a:p>
+        </p:txBody>
+      </p:sp>
+      <p:sp>
+        <p:nvSpPr>
+          <p:cNvPr id="51" name="Rechteck 50"/>
+          <p:cNvSpPr/>
+          <p:nvPr/>
+        </p:nvSpPr>
+        <p:spPr>
+          <a:xfrm>
+            <a:off x="557054" y="2968863"/>
+            <a:ext cx="8191409" cy="321471"/>
+          </a:xfrm>
+          <a:prstGeom prst="rect">
+            <a:avLst/>
+          </a:prstGeom>
+          <a:ln>
+            <a:solidFill>
+              <a:schemeClr val="bg1">
+                <a:lumMod val="50000"/>
+              </a:schemeClr>
+            </a:solidFill>
+          </a:ln>
+        </p:spPr>
+        <p:style>
+          <a:lnRef idx="2">
+            <a:schemeClr val="dk1"/>
+          </a:lnRef>
+          <a:fillRef idx="1">
+            <a:schemeClr val="lt1"/>
+          </a:fillRef>
+          <a:effectRef idx="0">
+            <a:schemeClr val="dk1"/>
+          </a:effectRef>
+          <a:fontRef idx="minor">
+            <a:schemeClr val="dk1"/>
+          </a:fontRef>
+        </p:style>
+        <p:txBody>
+          <a:bodyPr rtlCol="0" anchor="ctr"/>
+          <a:lstStyle/>
+          <a:p>
+            <a:pPr algn="ctr"/>
+            <a:r>
+              <a:rPr lang="de-DE" sz="1600" dirty="0" smtClean="0"/>
+              <a:t>Titel</a:t>
+            </a:r>
+            <a:endParaRPr lang="de-DE" sz="1600" dirty="0"/>
+          </a:p>
+        </p:txBody>
+      </p:sp>
+      <p:sp>
+        <p:nvSpPr>
+          <p:cNvPr id="52" name="Rechteck 51"/>
+          <p:cNvSpPr/>
+          <p:nvPr/>
+        </p:nvSpPr>
+        <p:spPr>
+          <a:xfrm>
+            <a:off x="557055" y="3300169"/>
+            <a:ext cx="8191408" cy="623362"/>
+          </a:xfrm>
+          <a:prstGeom prst="rect">
+            <a:avLst/>
+          </a:prstGeom>
+          <a:ln>
+            <a:solidFill>
+              <a:schemeClr val="bg1">
+                <a:lumMod val="50000"/>
+              </a:schemeClr>
+            </a:solidFill>
+          </a:ln>
+        </p:spPr>
+        <p:style>
+          <a:lnRef idx="2">
+            <a:schemeClr val="dk1"/>
+          </a:lnRef>
+          <a:fillRef idx="1">
+            <a:schemeClr val="lt1"/>
+          </a:fillRef>
+          <a:effectRef idx="0">
+            <a:schemeClr val="dk1"/>
+          </a:effectRef>
+          <a:fontRef idx="minor">
+            <a:schemeClr val="dk1"/>
+          </a:fontRef>
+        </p:style>
+        <p:txBody>
+          <a:bodyPr rtlCol="0" anchor="ctr"/>
+          <a:lstStyle/>
+          <a:p>
+            <a:pPr algn="ctr"/>
+            <a:r>
+              <a:rPr lang="de-DE" sz="1600" dirty="0" smtClean="0"/>
+              <a:t>Beschreibung</a:t>
+            </a:r>
+            <a:endParaRPr lang="de-DE" sz="1600" dirty="0"/>
+          </a:p>
+        </p:txBody>
+      </p:sp>
+      <p:sp>
+        <p:nvSpPr>
+          <p:cNvPr id="53" name="Rechteck 52"/>
+          <p:cNvSpPr/>
+          <p:nvPr/>
+        </p:nvSpPr>
+        <p:spPr>
+          <a:xfrm>
+            <a:off x="1956134" y="4001347"/>
+            <a:ext cx="233207" cy="216023"/>
+          </a:xfrm>
+          <a:prstGeom prst="rect">
+            <a:avLst/>
+          </a:prstGeom>
+          <a:ln>
+            <a:solidFill>
+              <a:schemeClr val="bg1">
+                <a:lumMod val="50000"/>
+              </a:schemeClr>
+            </a:solidFill>
+          </a:ln>
+        </p:spPr>
+        <p:style>
+          <a:lnRef idx="2">
+            <a:schemeClr val="accent6"/>
+          </a:lnRef>
+          <a:fillRef idx="1">
+            <a:schemeClr val="lt1"/>
+          </a:fillRef>
+          <a:effectRef idx="0">
+            <a:schemeClr val="accent6"/>
+          </a:effectRef>
+          <a:fontRef idx="minor">
+            <a:schemeClr val="dk1"/>
+          </a:fontRef>
+        </p:style>
+        <p:txBody>
+          <a:bodyPr rtlCol="0" anchor="ctr"/>
+          <a:lstStyle/>
+          <a:p>
+            <a:pPr algn="ctr"/>
+            <a:r>
+              <a:rPr lang="de-DE" dirty="0">
+                <a:solidFill>
+                  <a:srgbClr val="00B050"/>
+                </a:solidFill>
+              </a:rPr>
+              <a:t>✓</a:t>
+            </a:r>
+            <a:endParaRPr lang="de-DE" dirty="0">
+              <a:ln w="18415" cmpd="sng">
+                <a:solidFill>
+                  <a:schemeClr val="bg1"/>
+                </a:solidFill>
+                <a:prstDash val="solid"/>
+              </a:ln>
+              <a:solidFill>
+                <a:srgbClr val="00B050"/>
+              </a:solidFill>
+              <a:effectLst>
+                <a:outerShdw blurRad="63500" dir="3600000" algn="tl" rotWithShape="0">
+                  <a:srgbClr val="000000">
+                    <a:alpha val="70000"/>
+                  </a:srgbClr>
+                </a:outerShdw>
+              </a:effectLst>
+            </a:endParaRPr>
+          </a:p>
+        </p:txBody>
+      </p:sp>
+      <p:sp>
+        <p:nvSpPr>
+          <p:cNvPr id="54" name="Rechteck 53"/>
+          <p:cNvSpPr/>
+          <p:nvPr/>
+        </p:nvSpPr>
+        <p:spPr>
+          <a:xfrm>
+            <a:off x="557055" y="3966483"/>
+            <a:ext cx="1348772" cy="285752"/>
+          </a:xfrm>
+          <a:prstGeom prst="rect">
+            <a:avLst/>
+          </a:prstGeom>
+          <a:ln>
+            <a:solidFill>
+              <a:schemeClr val="tx1"/>
+            </a:solidFill>
+          </a:ln>
+        </p:spPr>
+        <p:style>
+          <a:lnRef idx="2">
+            <a:schemeClr val="dk1"/>
+          </a:lnRef>
+          <a:fillRef idx="1">
+            <a:schemeClr val="lt1"/>
+          </a:fillRef>
+          <a:effectRef idx="0">
+            <a:schemeClr val="dk1"/>
+          </a:effectRef>
+          <a:fontRef idx="minor">
+            <a:schemeClr val="dk1"/>
+          </a:fontRef>
+        </p:style>
+        <p:txBody>
+          <a:bodyPr rtlCol="0" anchor="ctr"/>
+          <a:lstStyle/>
+          <a:p>
+            <a:pPr algn="ctr"/>
+            <a:r>
+              <a:rPr lang="de-DE" dirty="0" smtClean="0"/>
+              <a:t>Beschlossen</a:t>
+            </a:r>
+            <a:endParaRPr lang="de-DE" dirty="0"/>
+          </a:p>
+        </p:txBody>
+      </p:sp>
+      <p:sp>
+        <p:nvSpPr>
+          <p:cNvPr id="55" name="Rechteck 54"/>
+          <p:cNvSpPr/>
+          <p:nvPr/>
+        </p:nvSpPr>
+        <p:spPr>
+          <a:xfrm>
+            <a:off x="550012" y="4282253"/>
+            <a:ext cx="8198451" cy="623362"/>
+          </a:xfrm>
+          <a:prstGeom prst="rect">
+            <a:avLst/>
+          </a:prstGeom>
+          <a:ln>
+            <a:solidFill>
+              <a:schemeClr val="bg1">
+                <a:lumMod val="50000"/>
+              </a:schemeClr>
+            </a:solidFill>
+          </a:ln>
+        </p:spPr>
+        <p:style>
+          <a:lnRef idx="2">
+            <a:schemeClr val="dk1"/>
+          </a:lnRef>
+          <a:fillRef idx="1">
+            <a:schemeClr val="lt1"/>
+          </a:fillRef>
+          <a:effectRef idx="0">
+            <a:schemeClr val="dk1"/>
+          </a:effectRef>
+          <a:fontRef idx="minor">
+            <a:schemeClr val="dk1"/>
+          </a:fontRef>
+        </p:style>
+        <p:txBody>
+          <a:bodyPr rtlCol="0" anchor="ctr"/>
+          <a:lstStyle/>
+          <a:p>
+            <a:pPr algn="ctr"/>
+            <a:r>
+              <a:rPr lang="de-DE" sz="1600" dirty="0" smtClean="0"/>
+              <a:t>Beschluss</a:t>
+            </a:r>
+            <a:endParaRPr lang="de-DE" sz="1600" dirty="0"/>
+          </a:p>
+        </p:txBody>
+      </p:sp>
+      <p:sp>
+        <p:nvSpPr>
+          <p:cNvPr id="56" name="Rechteck 55"/>
+          <p:cNvSpPr/>
+          <p:nvPr/>
+        </p:nvSpPr>
+        <p:spPr>
+          <a:xfrm>
+            <a:off x="557055" y="4907225"/>
+            <a:ext cx="990609" cy="321471"/>
+          </a:xfrm>
+          <a:prstGeom prst="rect">
+            <a:avLst/>
+          </a:prstGeom>
+          <a:ln>
+            <a:solidFill>
+              <a:schemeClr val="bg1">
+                <a:lumMod val="50000"/>
+              </a:schemeClr>
+            </a:solidFill>
+          </a:ln>
+        </p:spPr>
+        <p:style>
+          <a:lnRef idx="2">
+            <a:schemeClr val="dk1"/>
+          </a:lnRef>
+          <a:fillRef idx="1">
+            <a:schemeClr val="lt1"/>
+          </a:fillRef>
+          <a:effectRef idx="0">
+            <a:schemeClr val="dk1"/>
+          </a:effectRef>
+          <a:fontRef idx="minor">
+            <a:schemeClr val="dk1"/>
+          </a:fontRef>
+        </p:style>
+        <p:txBody>
+          <a:bodyPr rtlCol="0" anchor="ctr"/>
+          <a:lstStyle/>
+          <a:p>
+            <a:pPr algn="ctr"/>
+            <a:r>
+              <a:rPr lang="de-DE" sz="1600" dirty="0" smtClean="0"/>
+              <a:t>Dafür</a:t>
+            </a:r>
+            <a:endParaRPr lang="de-DE" sz="1600" dirty="0"/>
+          </a:p>
+        </p:txBody>
+      </p:sp>
+      <p:sp>
+        <p:nvSpPr>
+          <p:cNvPr id="57" name="Rechteck 56"/>
+          <p:cNvSpPr/>
+          <p:nvPr/>
+        </p:nvSpPr>
+        <p:spPr>
+          <a:xfrm>
+            <a:off x="1546945" y="4905615"/>
+            <a:ext cx="990609" cy="321471"/>
+          </a:xfrm>
+          <a:prstGeom prst="rect">
+            <a:avLst/>
+          </a:prstGeom>
+          <a:ln>
+            <a:solidFill>
+              <a:schemeClr val="bg1">
+                <a:lumMod val="50000"/>
+              </a:schemeClr>
+            </a:solidFill>
+          </a:ln>
+        </p:spPr>
+        <p:style>
+          <a:lnRef idx="2">
+            <a:schemeClr val="dk1"/>
+          </a:lnRef>
+          <a:fillRef idx="1">
+            <a:schemeClr val="lt1"/>
+          </a:fillRef>
+          <a:effectRef idx="0">
+            <a:schemeClr val="dk1"/>
+          </a:effectRef>
+          <a:fontRef idx="minor">
+            <a:schemeClr val="dk1"/>
+          </a:fontRef>
+        </p:style>
+        <p:txBody>
+          <a:bodyPr rtlCol="0" anchor="ctr"/>
+          <a:lstStyle/>
+          <a:p>
+            <a:pPr algn="ctr"/>
+            <a:r>
+              <a:rPr lang="de-DE" sz="1600" dirty="0" smtClean="0"/>
+              <a:t>Dagegen</a:t>
+            </a:r>
+            <a:endParaRPr lang="de-DE" sz="1600" dirty="0"/>
+          </a:p>
+        </p:txBody>
+      </p:sp>
+      <p:sp>
+        <p:nvSpPr>
+          <p:cNvPr id="58" name="Rechteck 57"/>
+          <p:cNvSpPr/>
+          <p:nvPr/>
+        </p:nvSpPr>
+        <p:spPr>
+          <a:xfrm>
+            <a:off x="2537554" y="4907885"/>
+            <a:ext cx="990609" cy="321471"/>
+          </a:xfrm>
+          <a:prstGeom prst="rect">
+            <a:avLst/>
+          </a:prstGeom>
+          <a:ln>
+            <a:solidFill>
+              <a:schemeClr val="bg1">
+                <a:lumMod val="50000"/>
+              </a:schemeClr>
+            </a:solidFill>
+          </a:ln>
+        </p:spPr>
+        <p:style>
+          <a:lnRef idx="2">
+            <a:schemeClr val="dk1"/>
+          </a:lnRef>
+          <a:fillRef idx="1">
+            <a:schemeClr val="lt1"/>
+          </a:fillRef>
+          <a:effectRef idx="0">
+            <a:schemeClr val="dk1"/>
+          </a:effectRef>
+          <a:fontRef idx="minor">
+            <a:schemeClr val="dk1"/>
+          </a:fontRef>
+        </p:style>
+        <p:txBody>
+          <a:bodyPr rtlCol="0" anchor="ctr"/>
+          <a:lstStyle/>
+          <a:p>
+            <a:pPr algn="ctr"/>
+            <a:r>
+              <a:rPr lang="de-DE" sz="1600" dirty="0" smtClean="0"/>
+              <a:t>Enthalten</a:t>
+            </a:r>
+            <a:endParaRPr lang="de-DE" sz="1600" dirty="0"/>
+          </a:p>
+        </p:txBody>
+      </p:sp>
+      <p:sp>
+        <p:nvSpPr>
+          <p:cNvPr id="68" name="Rechteck 67"/>
+          <p:cNvSpPr/>
+          <p:nvPr/>
+        </p:nvSpPr>
+        <p:spPr>
+          <a:xfrm>
+            <a:off x="511662" y="5488457"/>
+            <a:ext cx="8261540" cy="617731"/>
+          </a:xfrm>
+          <a:prstGeom prst="rect">
+            <a:avLst/>
+          </a:prstGeom>
+        </p:spPr>
+        <p:style>
+          <a:lnRef idx="2">
+            <a:schemeClr val="accent6"/>
+          </a:lnRef>
+          <a:fillRef idx="1">
+            <a:schemeClr val="lt1"/>
+          </a:fillRef>
+          <a:effectRef idx="0">
+            <a:schemeClr val="accent6"/>
+          </a:effectRef>
+          <a:fontRef idx="minor">
+            <a:schemeClr val="dk1"/>
+          </a:fontRef>
+        </p:style>
+        <p:txBody>
+          <a:bodyPr rtlCol="0" anchor="ctr"/>
+          <a:lstStyle/>
+          <a:p>
+            <a:pPr algn="ctr"/>
+            <a:r>
+              <a:rPr lang="de-DE" dirty="0">
+                <a:solidFill>
+                  <a:schemeClr val="bg1">
+                    <a:lumMod val="65000"/>
+                  </a:schemeClr>
+                </a:solidFill>
+              </a:rPr>
+              <a:t>	</a:t>
+            </a:r>
+            <a:r>
+              <a:rPr lang="de-DE" dirty="0" smtClean="0">
+                <a:solidFill>
+                  <a:schemeClr val="bg1">
+                    <a:lumMod val="65000"/>
+                  </a:schemeClr>
+                </a:solidFill>
+              </a:rPr>
+              <a:t>Gruppe von TOP – Beschreibung – Beschluss</a:t>
+            </a:r>
+            <a:endParaRPr lang="de-DE" dirty="0">
+              <a:solidFill>
+                <a:schemeClr val="bg1">
+                  <a:lumMod val="65000"/>
+                </a:schemeClr>
+              </a:solidFill>
             </a:endParaRPr>
           </a:p>
         </p:txBody>
@@ -7045,7 +7898,7 @@
     </p:spTree>
     <p:extLst>
       <p:ext uri="{BB962C8B-B14F-4D97-AF65-F5344CB8AC3E}">
-        <p14:creationId xmlns:p14="http://schemas.microsoft.com/office/powerpoint/2010/main" val="899778097"/>
+        <p14:creationId xmlns:p14="http://schemas.microsoft.com/office/powerpoint/2010/main" val="1390162469"/>
       </p:ext>
     </p:extLst>
   </p:cSld>
@@ -7581,7 +8434,7 @@
       </p:cxnSp>
       <p:sp>
         <p:nvSpPr>
-          <p:cNvPr id="14" name="Rechteck 13"/>
+          <p:cNvPr id="49" name="Rechteck 48"/>
           <p:cNvSpPr/>
           <p:nvPr/>
         </p:nvSpPr>
@@ -7643,6 +8496,16 @@
           </a:p>
           <a:p>
             <a:pPr algn="ctr"/>
+            <a:endParaRPr lang="de-DE" dirty="0" smtClean="0">
+              <a:solidFill>
+                <a:schemeClr val="bg1">
+                  <a:lumMod val="65000"/>
+                </a:schemeClr>
+              </a:solidFill>
+            </a:endParaRPr>
+          </a:p>
+          <a:p>
+            <a:pPr algn="ctr"/>
             <a:r>
               <a:rPr lang="de-DE" dirty="0" smtClean="0">
                 <a:solidFill>
@@ -7651,7 +8514,7 @@
                   </a:schemeClr>
                 </a:solidFill>
               </a:rPr>
-              <a:t>Liste von Gruppen</a:t>
+              <a:t>Liste von Lehrern</a:t>
             </a:r>
             <a:endParaRPr lang="de-DE" dirty="0">
               <a:solidFill>
@@ -7665,14 +8528,14 @@
       </p:sp>
       <p:sp>
         <p:nvSpPr>
-          <p:cNvPr id="15" name="Rechteck 14"/>
-          <p:cNvSpPr/>
-          <p:nvPr/>
-        </p:nvSpPr>
-        <p:spPr>
-          <a:xfrm>
-            <a:off x="431954" y="1631650"/>
-            <a:ext cx="2915909" cy="429022"/>
+          <p:cNvPr id="50" name="Rechteck 49"/>
+          <p:cNvSpPr/>
+          <p:nvPr/>
+        </p:nvSpPr>
+        <p:spPr>
+          <a:xfrm>
+            <a:off x="431955" y="1631650"/>
+            <a:ext cx="1547757" cy="429022"/>
           </a:xfrm>
           <a:prstGeom prst="rect">
             <a:avLst/>
@@ -7699,7 +8562,7 @@
             <a:pPr algn="ctr"/>
             <a:r>
               <a:rPr lang="de-DE" sz="1600" dirty="0" smtClean="0"/>
-              <a:t>Name</a:t>
+              <a:t>Vorname</a:t>
             </a:r>
             <a:endParaRPr lang="de-DE" sz="1600" dirty="0"/>
           </a:p>
@@ -7707,14 +8570,14 @@
       </p:sp>
       <p:sp>
         <p:nvSpPr>
-          <p:cNvPr id="16" name="Rechteck 15"/>
-          <p:cNvSpPr/>
-          <p:nvPr/>
-        </p:nvSpPr>
-        <p:spPr>
-          <a:xfrm>
-            <a:off x="3347863" y="1628800"/>
-            <a:ext cx="5472609" cy="429022"/>
+          <p:cNvPr id="51" name="Rechteck 50"/>
+          <p:cNvSpPr/>
+          <p:nvPr/>
+        </p:nvSpPr>
+        <p:spPr>
+          <a:xfrm>
+            <a:off x="1989827" y="1631650"/>
+            <a:ext cx="1574061" cy="429022"/>
           </a:xfrm>
           <a:prstGeom prst="rect">
             <a:avLst/>
@@ -7741,7 +8604,7 @@
             <a:pPr algn="ctr"/>
             <a:r>
               <a:rPr lang="de-DE" sz="1600" dirty="0" smtClean="0"/>
-              <a:t>Verteilermail</a:t>
+              <a:t>Nachname</a:t>
             </a:r>
             <a:endParaRPr lang="de-DE" sz="1600" dirty="0"/>
           </a:p>
@@ -7749,14 +8612,140 @@
       </p:sp>
       <p:sp>
         <p:nvSpPr>
-          <p:cNvPr id="20" name="Rechteck 19"/>
-          <p:cNvSpPr/>
-          <p:nvPr/>
-        </p:nvSpPr>
-        <p:spPr>
-          <a:xfrm>
-            <a:off x="426621" y="2057822"/>
-            <a:ext cx="2915909" cy="321471"/>
+          <p:cNvPr id="52" name="Rechteck 51"/>
+          <p:cNvSpPr/>
+          <p:nvPr/>
+        </p:nvSpPr>
+        <p:spPr>
+          <a:xfrm>
+            <a:off x="3571503" y="1628800"/>
+            <a:ext cx="2368649" cy="427509"/>
+          </a:xfrm>
+          <a:prstGeom prst="rect">
+            <a:avLst/>
+          </a:prstGeom>
+        </p:spPr>
+        <p:style>
+          <a:lnRef idx="1">
+            <a:schemeClr val="accent1"/>
+          </a:lnRef>
+          <a:fillRef idx="2">
+            <a:schemeClr val="accent1"/>
+          </a:fillRef>
+          <a:effectRef idx="1">
+            <a:schemeClr val="accent1"/>
+          </a:effectRef>
+          <a:fontRef idx="minor">
+            <a:schemeClr val="dk1"/>
+          </a:fontRef>
+        </p:style>
+        <p:txBody>
+          <a:bodyPr rtlCol="0" anchor="ctr"/>
+          <a:lstStyle/>
+          <a:p>
+            <a:pPr algn="ctr"/>
+            <a:r>
+              <a:rPr lang="de-DE" sz="1600" dirty="0" smtClean="0"/>
+              <a:t>Email</a:t>
+            </a:r>
+            <a:endParaRPr lang="de-DE" sz="1600" dirty="0"/>
+          </a:p>
+        </p:txBody>
+      </p:sp>
+      <p:sp>
+        <p:nvSpPr>
+          <p:cNvPr id="53" name="Rechteck 52"/>
+          <p:cNvSpPr/>
+          <p:nvPr/>
+        </p:nvSpPr>
+        <p:spPr>
+          <a:xfrm>
+            <a:off x="5955356" y="1631650"/>
+            <a:ext cx="1424956" cy="429022"/>
+          </a:xfrm>
+          <a:prstGeom prst="rect">
+            <a:avLst/>
+          </a:prstGeom>
+        </p:spPr>
+        <p:style>
+          <a:lnRef idx="1">
+            <a:schemeClr val="accent1"/>
+          </a:lnRef>
+          <a:fillRef idx="2">
+            <a:schemeClr val="accent1"/>
+          </a:fillRef>
+          <a:effectRef idx="1">
+            <a:schemeClr val="accent1"/>
+          </a:effectRef>
+          <a:fontRef idx="minor">
+            <a:schemeClr val="dk1"/>
+          </a:fontRef>
+        </p:style>
+        <p:txBody>
+          <a:bodyPr rtlCol="0" anchor="ctr"/>
+          <a:lstStyle/>
+          <a:p>
+            <a:pPr algn="ctr"/>
+            <a:r>
+              <a:rPr lang="de-DE" sz="1600" dirty="0" smtClean="0"/>
+              <a:t>Benutzername</a:t>
+            </a:r>
+            <a:endParaRPr lang="de-DE" sz="1600" dirty="0"/>
+          </a:p>
+        </p:txBody>
+      </p:sp>
+      <p:sp>
+        <p:nvSpPr>
+          <p:cNvPr id="54" name="Rechteck 53"/>
+          <p:cNvSpPr/>
+          <p:nvPr/>
+        </p:nvSpPr>
+        <p:spPr>
+          <a:xfrm>
+            <a:off x="7393767" y="1628800"/>
+            <a:ext cx="1061459" cy="429022"/>
+          </a:xfrm>
+          <a:prstGeom prst="rect">
+            <a:avLst/>
+          </a:prstGeom>
+        </p:spPr>
+        <p:style>
+          <a:lnRef idx="1">
+            <a:schemeClr val="accent1"/>
+          </a:lnRef>
+          <a:fillRef idx="2">
+            <a:schemeClr val="accent1"/>
+          </a:fillRef>
+          <a:effectRef idx="1">
+            <a:schemeClr val="accent1"/>
+          </a:effectRef>
+          <a:fontRef idx="minor">
+            <a:schemeClr val="dk1"/>
+          </a:fontRef>
+        </p:style>
+        <p:txBody>
+          <a:bodyPr rtlCol="0" anchor="ctr"/>
+          <a:lstStyle/>
+          <a:p>
+            <a:pPr algn="ctr"/>
+            <a:r>
+              <a:rPr lang="de-DE" sz="1600" dirty="0" smtClean="0"/>
+              <a:t>Passwort</a:t>
+            </a:r>
+            <a:endParaRPr lang="de-DE" sz="1600" dirty="0"/>
+          </a:p>
+        </p:txBody>
+      </p:sp>
+      <p:sp>
+        <p:nvSpPr>
+          <p:cNvPr id="55" name="Rechteck 54"/>
+          <p:cNvSpPr/>
+          <p:nvPr/>
+        </p:nvSpPr>
+        <p:spPr>
+          <a:xfrm>
+            <a:off x="426622" y="2057822"/>
+            <a:ext cx="1553090" cy="321471"/>
           </a:xfrm>
           <a:prstGeom prst="rect">
             <a:avLst/>
@@ -7790,7 +8779,7 @@
             <a:pPr algn="ctr"/>
             <a:r>
               <a:rPr lang="de-DE" sz="1600" dirty="0" smtClean="0"/>
-              <a:t>FIA63</a:t>
+              <a:t>Oliver</a:t>
             </a:r>
             <a:endParaRPr lang="de-DE" sz="1600" dirty="0"/>
           </a:p>
@@ -7798,14 +8787,14 @@
       </p:sp>
       <p:sp>
         <p:nvSpPr>
-          <p:cNvPr id="21" name="Rechteck 20"/>
-          <p:cNvSpPr/>
-          <p:nvPr/>
-        </p:nvSpPr>
-        <p:spPr>
-          <a:xfrm>
-            <a:off x="3347863" y="2057822"/>
-            <a:ext cx="5472609" cy="321471"/>
+          <p:cNvPr id="56" name="Rechteck 55"/>
+          <p:cNvSpPr/>
+          <p:nvPr/>
+        </p:nvSpPr>
+        <p:spPr>
+          <a:xfrm>
+            <a:off x="1989827" y="2060672"/>
+            <a:ext cx="1574061" cy="321471"/>
           </a:xfrm>
           <a:prstGeom prst="rect">
             <a:avLst/>
@@ -7839,7 +8828,7 @@
             <a:pPr algn="ctr"/>
             <a:r>
               <a:rPr lang="de-DE" sz="1600" dirty="0" smtClean="0"/>
-              <a:t>fia63@gso-koeln.de</a:t>
+              <a:t>Kaden</a:t>
             </a:r>
             <a:endParaRPr lang="de-DE" sz="1600" dirty="0"/>
           </a:p>
@@ -7847,14 +8836,14 @@
       </p:sp>
       <p:sp>
         <p:nvSpPr>
-          <p:cNvPr id="28" name="Rechteck 27"/>
-          <p:cNvSpPr/>
-          <p:nvPr/>
-        </p:nvSpPr>
-        <p:spPr>
-          <a:xfrm>
-            <a:off x="431955" y="2377780"/>
-            <a:ext cx="8373462" cy="321471"/>
+          <p:cNvPr id="57" name="Rechteck 56"/>
+          <p:cNvSpPr/>
+          <p:nvPr/>
+        </p:nvSpPr>
+        <p:spPr>
+          <a:xfrm>
+            <a:off x="3571504" y="2056309"/>
+            <a:ext cx="2368647" cy="321471"/>
           </a:xfrm>
           <a:prstGeom prst="rect">
             <a:avLst/>
@@ -7887,6 +8876,153 @@
           <a:p>
             <a:pPr algn="ctr"/>
             <a:r>
+              <a:rPr lang="de-DE" sz="1600" dirty="0" smtClean="0"/>
+              <a:t>fia63kaden@gso-koeln.de</a:t>
+            </a:r>
+            <a:endParaRPr lang="de-DE" sz="1600" dirty="0"/>
+          </a:p>
+        </p:txBody>
+      </p:sp>
+      <p:sp>
+        <p:nvSpPr>
+          <p:cNvPr id="58" name="Rechteck 57"/>
+          <p:cNvSpPr/>
+          <p:nvPr/>
+        </p:nvSpPr>
+        <p:spPr>
+          <a:xfrm>
+            <a:off x="5955357" y="2059159"/>
+            <a:ext cx="1434895" cy="321471"/>
+          </a:xfrm>
+          <a:prstGeom prst="rect">
+            <a:avLst/>
+          </a:prstGeom>
+          <a:ln>
+            <a:solidFill>
+              <a:schemeClr val="bg1">
+                <a:lumMod val="50000"/>
+              </a:schemeClr>
+            </a:solidFill>
+          </a:ln>
+        </p:spPr>
+        <p:style>
+          <a:lnRef idx="2">
+            <a:schemeClr val="dk1"/>
+          </a:lnRef>
+          <a:fillRef idx="1">
+            <a:schemeClr val="lt1"/>
+          </a:fillRef>
+          <a:effectRef idx="0">
+            <a:schemeClr val="dk1"/>
+          </a:effectRef>
+          <a:fontRef idx="minor">
+            <a:schemeClr val="dk1"/>
+          </a:fontRef>
+        </p:style>
+        <p:txBody>
+          <a:bodyPr rtlCol="0" anchor="ctr"/>
+          <a:lstStyle/>
+          <a:p>
+            <a:pPr algn="ctr"/>
+            <a:r>
+              <a:rPr lang="de-DE" sz="1600" dirty="0" smtClean="0"/>
+              <a:t>OK</a:t>
+            </a:r>
+            <a:endParaRPr lang="de-DE" sz="1600" dirty="0"/>
+          </a:p>
+        </p:txBody>
+      </p:sp>
+      <p:sp>
+        <p:nvSpPr>
+          <p:cNvPr id="59" name="Rechteck 58"/>
+          <p:cNvSpPr/>
+          <p:nvPr/>
+        </p:nvSpPr>
+        <p:spPr>
+          <a:xfrm>
+            <a:off x="7393768" y="2059159"/>
+            <a:ext cx="1061458" cy="321471"/>
+          </a:xfrm>
+          <a:prstGeom prst="rect">
+            <a:avLst/>
+          </a:prstGeom>
+          <a:ln>
+            <a:solidFill>
+              <a:schemeClr val="bg1">
+                <a:lumMod val="50000"/>
+              </a:schemeClr>
+            </a:solidFill>
+          </a:ln>
+        </p:spPr>
+        <p:style>
+          <a:lnRef idx="2">
+            <a:schemeClr val="dk1"/>
+          </a:lnRef>
+          <a:fillRef idx="1">
+            <a:schemeClr val="lt1"/>
+          </a:fillRef>
+          <a:effectRef idx="0">
+            <a:schemeClr val="dk1"/>
+          </a:effectRef>
+          <a:fontRef idx="minor">
+            <a:schemeClr val="dk1"/>
+          </a:fontRef>
+        </p:style>
+        <p:txBody>
+          <a:bodyPr rtlCol="0" anchor="ctr"/>
+          <a:lstStyle/>
+          <a:p>
+            <a:pPr algn="ctr"/>
+            <a:r>
+              <a:rPr lang="de-DE" sz="1600" dirty="0" smtClean="0"/>
+              <a:t>•••••••</a:t>
+            </a:r>
+            <a:endParaRPr lang="de-DE" sz="1600" dirty="0"/>
+          </a:p>
+        </p:txBody>
+      </p:sp>
+      <p:sp>
+        <p:nvSpPr>
+          <p:cNvPr id="60" name="Rechteck 59"/>
+          <p:cNvSpPr/>
+          <p:nvPr/>
+        </p:nvSpPr>
+        <p:spPr>
+          <a:xfrm>
+            <a:off x="431955" y="2377780"/>
+            <a:ext cx="8373462" cy="321471"/>
+          </a:xfrm>
+          <a:prstGeom prst="rect">
+            <a:avLst/>
+          </a:prstGeom>
+          <a:ln>
+            <a:solidFill>
+              <a:schemeClr val="bg1">
+                <a:lumMod val="50000"/>
+              </a:schemeClr>
+            </a:solidFill>
+          </a:ln>
+        </p:spPr>
+        <p:style>
+          <a:lnRef idx="2">
+            <a:schemeClr val="dk1"/>
+          </a:lnRef>
+          <a:fillRef idx="1">
+            <a:schemeClr val="lt1"/>
+          </a:fillRef>
+          <a:effectRef idx="0">
+            <a:schemeClr val="dk1"/>
+          </a:effectRef>
+          <a:fontRef idx="minor">
+            <a:schemeClr val="dk1"/>
+          </a:fontRef>
+        </p:style>
+        <p:txBody>
+          <a:bodyPr rtlCol="0" anchor="ctr"/>
+          <a:lstStyle/>
+          <a:p>
+            <a:pPr algn="ctr"/>
+            <a:r>
               <a:rPr lang="de-DE" sz="2800" dirty="0" smtClean="0">
                 <a:solidFill>
                   <a:srgbClr val="00B050"/>
@@ -7902,10 +9038,134 @@
           </a:p>
         </p:txBody>
       </p:sp>
+      <p:sp>
+        <p:nvSpPr>
+          <p:cNvPr id="62" name="Rechteck 61"/>
+          <p:cNvSpPr/>
+          <p:nvPr/>
+        </p:nvSpPr>
+        <p:spPr>
+          <a:xfrm>
+            <a:off x="8455226" y="2060672"/>
+            <a:ext cx="344928" cy="309639"/>
+          </a:xfrm>
+          <a:prstGeom prst="rect">
+            <a:avLst/>
+          </a:prstGeom>
+          <a:ln>
+            <a:solidFill>
+              <a:schemeClr val="bg1">
+                <a:lumMod val="50000"/>
+              </a:schemeClr>
+            </a:solidFill>
+          </a:ln>
+        </p:spPr>
+        <p:style>
+          <a:lnRef idx="2">
+            <a:schemeClr val="dk1"/>
+          </a:lnRef>
+          <a:fillRef idx="1">
+            <a:schemeClr val="lt1"/>
+          </a:fillRef>
+          <a:effectRef idx="0">
+            <a:schemeClr val="dk1"/>
+          </a:effectRef>
+          <a:fontRef idx="minor">
+            <a:schemeClr val="dk1"/>
+          </a:fontRef>
+        </p:style>
+        <p:txBody>
+          <a:bodyPr rtlCol="0" anchor="ctr"/>
+          <a:lstStyle/>
+          <a:p>
+            <a:pPr algn="ctr"/>
+            <a:endParaRPr lang="de-DE" sz="1600" dirty="0"/>
+          </a:p>
+        </p:txBody>
+      </p:sp>
+      <p:pic>
+        <p:nvPicPr>
+          <p:cNvPr id="61" name="Picture 2" descr="C:\Users\fia63kaden.OHM.000\Documents\GitHub\OberstufenProjekt\Anwendung\webapp\img\Loeschen.png"/>
+          <p:cNvPicPr>
+            <a:picLocks noChangeAspect="1" noChangeArrowheads="1"/>
+          </p:cNvPicPr>
+          <p:nvPr/>
+        </p:nvPicPr>
+        <p:blipFill>
+          <a:blip r:embed="rId3">
+            <a:extLst>
+              <a:ext uri="{28A0092B-C50C-407E-A947-70E740481C1C}">
+                <a14:useLocalDpi xmlns:a14="http://schemas.microsoft.com/office/drawing/2010/main" val="0"/>
+              </a:ext>
+            </a:extLst>
+          </a:blip>
+          <a:srcRect/>
+          <a:stretch>
+            <a:fillRect/>
+          </a:stretch>
+        </p:blipFill>
+        <p:spPr bwMode="auto">
+          <a:xfrm>
+            <a:off x="8570540" y="2152705"/>
+            <a:ext cx="133350" cy="133350"/>
+          </a:xfrm>
+          <a:prstGeom prst="rect">
+            <a:avLst/>
+          </a:prstGeom>
+          <a:noFill/>
+          <a:extLst>
+            <a:ext uri="{909E8E84-426E-40DD-AFC4-6F175D3DCCD1}">
+              <a14:hiddenFill xmlns:a14="http://schemas.microsoft.com/office/drawing/2010/main">
+                <a:solidFill>
+                  <a:srgbClr val="FFFFFF"/>
+                </a:solidFill>
+              </a14:hiddenFill>
+            </a:ext>
+          </a:extLst>
+        </p:spPr>
+      </p:pic>
+      <p:sp>
+        <p:nvSpPr>
+          <p:cNvPr id="64" name="Rechteck 63"/>
+          <p:cNvSpPr/>
+          <p:nvPr/>
+        </p:nvSpPr>
+        <p:spPr>
+          <a:xfrm>
+            <a:off x="8455227" y="1631649"/>
+            <a:ext cx="346364" cy="416647"/>
+          </a:xfrm>
+          <a:prstGeom prst="rect">
+            <a:avLst/>
+          </a:prstGeom>
+        </p:spPr>
+        <p:style>
+          <a:lnRef idx="1">
+            <a:schemeClr val="accent1"/>
+          </a:lnRef>
+          <a:fillRef idx="2">
+            <a:schemeClr val="accent1"/>
+          </a:fillRef>
+          <a:effectRef idx="1">
+            <a:schemeClr val="accent1"/>
+          </a:effectRef>
+          <a:fontRef idx="minor">
+            <a:schemeClr val="dk1"/>
+          </a:fontRef>
+        </p:style>
+        <p:txBody>
+          <a:bodyPr rtlCol="0" anchor="ctr"/>
+          <a:lstStyle/>
+          <a:p>
+            <a:pPr algn="ctr"/>
+            <a:endParaRPr lang="de-DE" sz="1600" dirty="0"/>
+          </a:p>
+        </p:txBody>
+      </p:sp>
     </p:spTree>
     <p:extLst>
       <p:ext uri="{BB962C8B-B14F-4D97-AF65-F5344CB8AC3E}">
-        <p14:creationId xmlns:p14="http://schemas.microsoft.com/office/powerpoint/2010/main" val="2570158503"/>
+        <p14:creationId xmlns:p14="http://schemas.microsoft.com/office/powerpoint/2010/main" val="899778097"/>
       </p:ext>
     </p:extLst>
   </p:cSld>
@@ -8439,6 +9699,1654 @@
           </a:fontRef>
         </p:style>
       </p:cxnSp>
+      <p:sp>
+        <p:nvSpPr>
+          <p:cNvPr id="14" name="Rechteck 13"/>
+          <p:cNvSpPr/>
+          <p:nvPr/>
+        </p:nvSpPr>
+        <p:spPr>
+          <a:xfrm>
+            <a:off x="395536" y="1628800"/>
+            <a:ext cx="8424936" cy="2281456"/>
+          </a:xfrm>
+          <a:prstGeom prst="rect">
+            <a:avLst/>
+          </a:prstGeom>
+        </p:spPr>
+        <p:style>
+          <a:lnRef idx="2">
+            <a:schemeClr val="accent6"/>
+          </a:lnRef>
+          <a:fillRef idx="1">
+            <a:schemeClr val="lt1"/>
+          </a:fillRef>
+          <a:effectRef idx="0">
+            <a:schemeClr val="accent6"/>
+          </a:effectRef>
+          <a:fontRef idx="minor">
+            <a:schemeClr val="dk1"/>
+          </a:fontRef>
+        </p:style>
+        <p:txBody>
+          <a:bodyPr rtlCol="0" anchor="ctr"/>
+          <a:lstStyle/>
+          <a:p>
+            <a:pPr algn="ctr"/>
+            <a:endParaRPr lang="de-DE" dirty="0" smtClean="0">
+              <a:solidFill>
+                <a:schemeClr val="bg1">
+                  <a:lumMod val="65000"/>
+                </a:schemeClr>
+              </a:solidFill>
+            </a:endParaRPr>
+          </a:p>
+          <a:p>
+            <a:pPr algn="ctr"/>
+            <a:endParaRPr lang="de-DE" dirty="0">
+              <a:solidFill>
+                <a:schemeClr val="bg1">
+                  <a:lumMod val="65000"/>
+                </a:schemeClr>
+              </a:solidFill>
+            </a:endParaRPr>
+          </a:p>
+          <a:p>
+            <a:pPr algn="ctr"/>
+            <a:endParaRPr lang="de-DE" dirty="0" smtClean="0">
+              <a:solidFill>
+                <a:schemeClr val="bg1">
+                  <a:lumMod val="65000"/>
+                </a:schemeClr>
+              </a:solidFill>
+            </a:endParaRPr>
+          </a:p>
+          <a:p>
+            <a:pPr algn="ctr"/>
+            <a:endParaRPr lang="de-DE" dirty="0" smtClean="0">
+              <a:solidFill>
+                <a:schemeClr val="bg1">
+                  <a:lumMod val="65000"/>
+                </a:schemeClr>
+              </a:solidFill>
+            </a:endParaRPr>
+          </a:p>
+          <a:p>
+            <a:pPr algn="ctr"/>
+            <a:r>
+              <a:rPr lang="de-DE" dirty="0" smtClean="0">
+                <a:solidFill>
+                  <a:schemeClr val="bg1">
+                    <a:lumMod val="65000"/>
+                  </a:schemeClr>
+                </a:solidFill>
+              </a:rPr>
+              <a:t>Liste von Gruppen</a:t>
+            </a:r>
+            <a:endParaRPr lang="de-DE" dirty="0">
+              <a:solidFill>
+                <a:schemeClr val="bg1">
+                  <a:lumMod val="65000"/>
+                </a:schemeClr>
+              </a:solidFill>
+            </a:endParaRPr>
+          </a:p>
+        </p:txBody>
+      </p:sp>
+      <p:sp>
+        <p:nvSpPr>
+          <p:cNvPr id="15" name="Rechteck 14"/>
+          <p:cNvSpPr/>
+          <p:nvPr/>
+        </p:nvSpPr>
+        <p:spPr>
+          <a:xfrm>
+            <a:off x="431954" y="1631650"/>
+            <a:ext cx="2915909" cy="429022"/>
+          </a:xfrm>
+          <a:prstGeom prst="rect">
+            <a:avLst/>
+          </a:prstGeom>
+        </p:spPr>
+        <p:style>
+          <a:lnRef idx="1">
+            <a:schemeClr val="accent1"/>
+          </a:lnRef>
+          <a:fillRef idx="2">
+            <a:schemeClr val="accent1"/>
+          </a:fillRef>
+          <a:effectRef idx="1">
+            <a:schemeClr val="accent1"/>
+          </a:effectRef>
+          <a:fontRef idx="minor">
+            <a:schemeClr val="dk1"/>
+          </a:fontRef>
+        </p:style>
+        <p:txBody>
+          <a:bodyPr rtlCol="0" anchor="ctr"/>
+          <a:lstStyle/>
+          <a:p>
+            <a:pPr algn="ctr"/>
+            <a:r>
+              <a:rPr lang="de-DE" sz="1600" dirty="0" smtClean="0"/>
+              <a:t>Name</a:t>
+            </a:r>
+            <a:endParaRPr lang="de-DE" sz="1600" dirty="0"/>
+          </a:p>
+        </p:txBody>
+      </p:sp>
+      <p:sp>
+        <p:nvSpPr>
+          <p:cNvPr id="16" name="Rechteck 15"/>
+          <p:cNvSpPr/>
+          <p:nvPr/>
+        </p:nvSpPr>
+        <p:spPr>
+          <a:xfrm>
+            <a:off x="3347864" y="1628800"/>
+            <a:ext cx="5107364" cy="429022"/>
+          </a:xfrm>
+          <a:prstGeom prst="rect">
+            <a:avLst/>
+          </a:prstGeom>
+        </p:spPr>
+        <p:style>
+          <a:lnRef idx="1">
+            <a:schemeClr val="accent1"/>
+          </a:lnRef>
+          <a:fillRef idx="2">
+            <a:schemeClr val="accent1"/>
+          </a:fillRef>
+          <a:effectRef idx="1">
+            <a:schemeClr val="accent1"/>
+          </a:effectRef>
+          <a:fontRef idx="minor">
+            <a:schemeClr val="dk1"/>
+          </a:fontRef>
+        </p:style>
+        <p:txBody>
+          <a:bodyPr rtlCol="0" anchor="ctr"/>
+          <a:lstStyle/>
+          <a:p>
+            <a:pPr algn="ctr"/>
+            <a:r>
+              <a:rPr lang="de-DE" sz="1600" dirty="0" smtClean="0"/>
+              <a:t>Verteilermail</a:t>
+            </a:r>
+            <a:endParaRPr lang="de-DE" sz="1600" dirty="0"/>
+          </a:p>
+        </p:txBody>
+      </p:sp>
+      <p:sp>
+        <p:nvSpPr>
+          <p:cNvPr id="20" name="Rechteck 19"/>
+          <p:cNvSpPr/>
+          <p:nvPr/>
+        </p:nvSpPr>
+        <p:spPr>
+          <a:xfrm>
+            <a:off x="426621" y="2057822"/>
+            <a:ext cx="2915909" cy="321471"/>
+          </a:xfrm>
+          <a:prstGeom prst="rect">
+            <a:avLst/>
+          </a:prstGeom>
+          <a:ln>
+            <a:solidFill>
+              <a:schemeClr val="bg1">
+                <a:lumMod val="50000"/>
+              </a:schemeClr>
+            </a:solidFill>
+          </a:ln>
+        </p:spPr>
+        <p:style>
+          <a:lnRef idx="2">
+            <a:schemeClr val="dk1"/>
+          </a:lnRef>
+          <a:fillRef idx="1">
+            <a:schemeClr val="lt1"/>
+          </a:fillRef>
+          <a:effectRef idx="0">
+            <a:schemeClr val="dk1"/>
+          </a:effectRef>
+          <a:fontRef idx="minor">
+            <a:schemeClr val="dk1"/>
+          </a:fontRef>
+        </p:style>
+        <p:txBody>
+          <a:bodyPr rtlCol="0" anchor="ctr"/>
+          <a:lstStyle/>
+          <a:p>
+            <a:pPr algn="ctr"/>
+            <a:r>
+              <a:rPr lang="de-DE" sz="1600" dirty="0" smtClean="0"/>
+              <a:t>FIA63</a:t>
+            </a:r>
+            <a:endParaRPr lang="de-DE" sz="1600" dirty="0"/>
+          </a:p>
+        </p:txBody>
+      </p:sp>
+      <p:sp>
+        <p:nvSpPr>
+          <p:cNvPr id="21" name="Rechteck 20"/>
+          <p:cNvSpPr/>
+          <p:nvPr/>
+        </p:nvSpPr>
+        <p:spPr>
+          <a:xfrm>
+            <a:off x="3347864" y="2057822"/>
+            <a:ext cx="5107364" cy="321471"/>
+          </a:xfrm>
+          <a:prstGeom prst="rect">
+            <a:avLst/>
+          </a:prstGeom>
+          <a:ln>
+            <a:solidFill>
+              <a:schemeClr val="bg1">
+                <a:lumMod val="50000"/>
+              </a:schemeClr>
+            </a:solidFill>
+          </a:ln>
+        </p:spPr>
+        <p:style>
+          <a:lnRef idx="2">
+            <a:schemeClr val="dk1"/>
+          </a:lnRef>
+          <a:fillRef idx="1">
+            <a:schemeClr val="lt1"/>
+          </a:fillRef>
+          <a:effectRef idx="0">
+            <a:schemeClr val="dk1"/>
+          </a:effectRef>
+          <a:fontRef idx="minor">
+            <a:schemeClr val="dk1"/>
+          </a:fontRef>
+        </p:style>
+        <p:txBody>
+          <a:bodyPr rtlCol="0" anchor="ctr"/>
+          <a:lstStyle/>
+          <a:p>
+            <a:pPr algn="ctr"/>
+            <a:r>
+              <a:rPr lang="de-DE" sz="1600" dirty="0" smtClean="0"/>
+              <a:t>fia63@gso-koeln.de</a:t>
+            </a:r>
+            <a:endParaRPr lang="de-DE" sz="1600" dirty="0"/>
+          </a:p>
+        </p:txBody>
+      </p:sp>
+      <p:sp>
+        <p:nvSpPr>
+          <p:cNvPr id="28" name="Rechteck 27"/>
+          <p:cNvSpPr/>
+          <p:nvPr/>
+        </p:nvSpPr>
+        <p:spPr>
+          <a:xfrm>
+            <a:off x="431955" y="2377780"/>
+            <a:ext cx="8373462" cy="321471"/>
+          </a:xfrm>
+          <a:prstGeom prst="rect">
+            <a:avLst/>
+          </a:prstGeom>
+          <a:ln>
+            <a:solidFill>
+              <a:schemeClr val="bg1">
+                <a:lumMod val="50000"/>
+              </a:schemeClr>
+            </a:solidFill>
+          </a:ln>
+        </p:spPr>
+        <p:style>
+          <a:lnRef idx="2">
+            <a:schemeClr val="dk1"/>
+          </a:lnRef>
+          <a:fillRef idx="1">
+            <a:schemeClr val="lt1"/>
+          </a:fillRef>
+          <a:effectRef idx="0">
+            <a:schemeClr val="dk1"/>
+          </a:effectRef>
+          <a:fontRef idx="minor">
+            <a:schemeClr val="dk1"/>
+          </a:fontRef>
+        </p:style>
+        <p:txBody>
+          <a:bodyPr rtlCol="0" anchor="ctr"/>
+          <a:lstStyle/>
+          <a:p>
+            <a:pPr algn="ctr"/>
+            <a:r>
+              <a:rPr lang="de-DE" sz="2800" dirty="0" smtClean="0">
+                <a:solidFill>
+                  <a:srgbClr val="00B050"/>
+                </a:solidFill>
+              </a:rPr>
+              <a:t>+</a:t>
+            </a:r>
+            <a:endParaRPr lang="de-DE" sz="1600" dirty="0">
+              <a:solidFill>
+                <a:srgbClr val="00B050"/>
+              </a:solidFill>
+            </a:endParaRPr>
+          </a:p>
+        </p:txBody>
+      </p:sp>
+      <p:sp>
+        <p:nvSpPr>
+          <p:cNvPr id="30" name="Rechteck 29"/>
+          <p:cNvSpPr/>
+          <p:nvPr/>
+        </p:nvSpPr>
+        <p:spPr>
+          <a:xfrm>
+            <a:off x="8455226" y="2060672"/>
+            <a:ext cx="344928" cy="309639"/>
+          </a:xfrm>
+          <a:prstGeom prst="rect">
+            <a:avLst/>
+          </a:prstGeom>
+          <a:ln>
+            <a:solidFill>
+              <a:schemeClr val="bg1">
+                <a:lumMod val="50000"/>
+              </a:schemeClr>
+            </a:solidFill>
+          </a:ln>
+        </p:spPr>
+        <p:style>
+          <a:lnRef idx="2">
+            <a:schemeClr val="dk1"/>
+          </a:lnRef>
+          <a:fillRef idx="1">
+            <a:schemeClr val="lt1"/>
+          </a:fillRef>
+          <a:effectRef idx="0">
+            <a:schemeClr val="dk1"/>
+          </a:effectRef>
+          <a:fontRef idx="minor">
+            <a:schemeClr val="dk1"/>
+          </a:fontRef>
+        </p:style>
+        <p:txBody>
+          <a:bodyPr rtlCol="0" anchor="ctr"/>
+          <a:lstStyle/>
+          <a:p>
+            <a:pPr algn="ctr"/>
+            <a:endParaRPr lang="de-DE" sz="1600" dirty="0"/>
+          </a:p>
+        </p:txBody>
+      </p:sp>
+      <p:pic>
+        <p:nvPicPr>
+          <p:cNvPr id="31" name="Picture 2" descr="C:\Users\fia63kaden.OHM.000\Documents\GitHub\OberstufenProjekt\Anwendung\webapp\img\Loeschen.png"/>
+          <p:cNvPicPr>
+            <a:picLocks noChangeAspect="1" noChangeArrowheads="1"/>
+          </p:cNvPicPr>
+          <p:nvPr/>
+        </p:nvPicPr>
+        <p:blipFill>
+          <a:blip r:embed="rId3">
+            <a:extLst>
+              <a:ext uri="{28A0092B-C50C-407E-A947-70E740481C1C}">
+                <a14:useLocalDpi xmlns:a14="http://schemas.microsoft.com/office/drawing/2010/main" val="0"/>
+              </a:ext>
+            </a:extLst>
+          </a:blip>
+          <a:srcRect/>
+          <a:stretch>
+            <a:fillRect/>
+          </a:stretch>
+        </p:blipFill>
+        <p:spPr bwMode="auto">
+          <a:xfrm>
+            <a:off x="8570540" y="2152705"/>
+            <a:ext cx="133350" cy="133350"/>
+          </a:xfrm>
+          <a:prstGeom prst="rect">
+            <a:avLst/>
+          </a:prstGeom>
+          <a:noFill/>
+          <a:extLst>
+            <a:ext uri="{909E8E84-426E-40DD-AFC4-6F175D3DCCD1}">
+              <a14:hiddenFill xmlns:a14="http://schemas.microsoft.com/office/drawing/2010/main">
+                <a:solidFill>
+                  <a:srgbClr val="FFFFFF"/>
+                </a:solidFill>
+              </a14:hiddenFill>
+            </a:ext>
+          </a:extLst>
+        </p:spPr>
+      </p:pic>
+      <p:sp>
+        <p:nvSpPr>
+          <p:cNvPr id="32" name="Rechteck 31"/>
+          <p:cNvSpPr/>
+          <p:nvPr/>
+        </p:nvSpPr>
+        <p:spPr>
+          <a:xfrm>
+            <a:off x="8455227" y="1631649"/>
+            <a:ext cx="346364" cy="416647"/>
+          </a:xfrm>
+          <a:prstGeom prst="rect">
+            <a:avLst/>
+          </a:prstGeom>
+        </p:spPr>
+        <p:style>
+          <a:lnRef idx="1">
+            <a:schemeClr val="accent1"/>
+          </a:lnRef>
+          <a:fillRef idx="2">
+            <a:schemeClr val="accent1"/>
+          </a:fillRef>
+          <a:effectRef idx="1">
+            <a:schemeClr val="accent1"/>
+          </a:effectRef>
+          <a:fontRef idx="minor">
+            <a:schemeClr val="dk1"/>
+          </a:fontRef>
+        </p:style>
+        <p:txBody>
+          <a:bodyPr rtlCol="0" anchor="ctr"/>
+          <a:lstStyle/>
+          <a:p>
+            <a:pPr algn="ctr"/>
+            <a:endParaRPr lang="de-DE" sz="1600" dirty="0"/>
+          </a:p>
+        </p:txBody>
+      </p:sp>
+    </p:spTree>
+    <p:extLst>
+      <p:ext uri="{BB962C8B-B14F-4D97-AF65-F5344CB8AC3E}">
+        <p14:creationId xmlns:p14="http://schemas.microsoft.com/office/powerpoint/2010/main" val="2570158503"/>
+      </p:ext>
+    </p:extLst>
+  </p:cSld>
+  <p:clrMapOvr>
+    <a:masterClrMapping/>
+  </p:clrMapOvr>
+  <p:timing>
+    <p:tnLst>
+      <p:par>
+        <p:cTn id="1" dur="indefinite" restart="never" nodeType="tmRoot"/>
+      </p:par>
+    </p:tnLst>
+  </p:timing>
+</p:sld>
+</file>
+
+<file path=ppt/slides/slide6.xml><?xml version="1.0" encoding="utf-8"?>
+<p:sld xmlns:a="http://schemas.openxmlformats.org/drawingml/2006/main" xmlns:r="http://schemas.openxmlformats.org/officeDocument/2006/relationships" xmlns:p="http://schemas.openxmlformats.org/presentationml/2006/main">
+  <p:cSld>
+    <p:spTree>
+      <p:nvGrpSpPr>
+        <p:cNvPr id="1" name=""/>
+        <p:cNvGrpSpPr/>
+        <p:nvPr/>
+      </p:nvGrpSpPr>
+      <p:grpSpPr>
+        <a:xfrm>
+          <a:off x="0" y="0"/>
+          <a:ext cx="0" cy="0"/>
+          <a:chOff x="0" y="0"/>
+          <a:chExt cx="0" cy="0"/>
+        </a:xfrm>
+      </p:grpSpPr>
+      <p:sp>
+        <p:nvSpPr>
+          <p:cNvPr id="4" name="Rechteck 3"/>
+          <p:cNvSpPr/>
+          <p:nvPr/>
+        </p:nvSpPr>
+        <p:spPr>
+          <a:xfrm>
+            <a:off x="5749778" y="147725"/>
+            <a:ext cx="1348772" cy="285752"/>
+          </a:xfrm>
+          <a:prstGeom prst="rect">
+            <a:avLst/>
+          </a:prstGeom>
+          <a:ln>
+            <a:solidFill>
+              <a:schemeClr val="tx1"/>
+            </a:solidFill>
+          </a:ln>
+        </p:spPr>
+        <p:style>
+          <a:lnRef idx="2">
+            <a:schemeClr val="dk1"/>
+          </a:lnRef>
+          <a:fillRef idx="1">
+            <a:schemeClr val="lt1"/>
+          </a:fillRef>
+          <a:effectRef idx="0">
+            <a:schemeClr val="dk1"/>
+          </a:effectRef>
+          <a:fontRef idx="minor">
+            <a:schemeClr val="dk1"/>
+          </a:fontRef>
+        </p:style>
+        <p:txBody>
+          <a:bodyPr rtlCol="0" anchor="ctr"/>
+          <a:lstStyle/>
+          <a:p>
+            <a:pPr algn="ctr"/>
+            <a:r>
+              <a:rPr lang="de-DE" smtClean="0"/>
+              <a:t>Benutzer</a:t>
+            </a:r>
+            <a:endParaRPr lang="de-DE" dirty="0"/>
+          </a:p>
+        </p:txBody>
+      </p:sp>
+      <p:sp>
+        <p:nvSpPr>
+          <p:cNvPr id="6" name="Rechteck 5"/>
+          <p:cNvSpPr/>
+          <p:nvPr/>
+        </p:nvSpPr>
+        <p:spPr>
+          <a:xfrm>
+            <a:off x="0" y="0"/>
+            <a:ext cx="2195736" cy="764704"/>
+          </a:xfrm>
+          <a:prstGeom prst="rect">
+            <a:avLst/>
+          </a:prstGeom>
+        </p:spPr>
+        <p:style>
+          <a:lnRef idx="2">
+            <a:schemeClr val="accent6"/>
+          </a:lnRef>
+          <a:fillRef idx="1">
+            <a:schemeClr val="lt1"/>
+          </a:fillRef>
+          <a:effectRef idx="0">
+            <a:schemeClr val="accent6"/>
+          </a:effectRef>
+          <a:fontRef idx="minor">
+            <a:schemeClr val="dk1"/>
+          </a:fontRef>
+        </p:style>
+        <p:txBody>
+          <a:bodyPr rtlCol="0" anchor="ctr"/>
+          <a:lstStyle/>
+          <a:p>
+            <a:pPr algn="ctr"/>
+            <a:r>
+              <a:rPr lang="de-DE" dirty="0" smtClean="0">
+                <a:solidFill>
+                  <a:schemeClr val="bg1">
+                    <a:lumMod val="65000"/>
+                  </a:schemeClr>
+                </a:solidFill>
+              </a:rPr>
+              <a:t>GSO </a:t>
+            </a:r>
+            <a:r>
+              <a:rPr lang="de-DE" dirty="0" smtClean="0">
+                <a:solidFill>
+                  <a:schemeClr val="bg1">
+                    <a:lumMod val="65000"/>
+                  </a:schemeClr>
+                </a:solidFill>
+              </a:rPr>
+              <a:t>Logo</a:t>
+            </a:r>
+            <a:endParaRPr lang="de-DE" dirty="0">
+              <a:solidFill>
+                <a:schemeClr val="bg1">
+                  <a:lumMod val="65000"/>
+                </a:schemeClr>
+              </a:solidFill>
+            </a:endParaRPr>
+          </a:p>
+        </p:txBody>
+      </p:sp>
+      <p:sp>
+        <p:nvSpPr>
+          <p:cNvPr id="7" name="Rechteck 6"/>
+          <p:cNvSpPr/>
+          <p:nvPr/>
+        </p:nvSpPr>
+        <p:spPr>
+          <a:xfrm>
+            <a:off x="7248836" y="55885"/>
+            <a:ext cx="1571636" cy="428628"/>
+          </a:xfrm>
+          <a:prstGeom prst="rect">
+            <a:avLst/>
+          </a:prstGeom>
+        </p:spPr>
+        <p:style>
+          <a:lnRef idx="1">
+            <a:schemeClr val="dk1"/>
+          </a:lnRef>
+          <a:fillRef idx="2">
+            <a:schemeClr val="dk1"/>
+          </a:fillRef>
+          <a:effectRef idx="1">
+            <a:schemeClr val="dk1"/>
+          </a:effectRef>
+          <a:fontRef idx="minor">
+            <a:schemeClr val="dk1"/>
+          </a:fontRef>
+        </p:style>
+        <p:txBody>
+          <a:bodyPr rtlCol="0" anchor="ctr"/>
+          <a:lstStyle/>
+          <a:p>
+            <a:pPr algn="ctr"/>
+            <a:r>
+              <a:rPr lang="de-DE" dirty="0" smtClean="0"/>
+              <a:t>Abmelden</a:t>
+            </a:r>
+            <a:endParaRPr lang="de-DE" dirty="0"/>
+          </a:p>
+        </p:txBody>
+      </p:sp>
+      <p:sp>
+        <p:nvSpPr>
+          <p:cNvPr id="24" name="Rechteck 23"/>
+          <p:cNvSpPr/>
+          <p:nvPr/>
+        </p:nvSpPr>
+        <p:spPr>
+          <a:xfrm>
+            <a:off x="32420" y="879146"/>
+            <a:ext cx="8788052" cy="296416"/>
+          </a:xfrm>
+          <a:prstGeom prst="rect">
+            <a:avLst/>
+          </a:prstGeom>
+        </p:spPr>
+        <p:style>
+          <a:lnRef idx="2">
+            <a:schemeClr val="accent6"/>
+          </a:lnRef>
+          <a:fillRef idx="1">
+            <a:schemeClr val="lt1"/>
+          </a:fillRef>
+          <a:effectRef idx="0">
+            <a:schemeClr val="accent6"/>
+          </a:effectRef>
+          <a:fontRef idx="minor">
+            <a:schemeClr val="dk1"/>
+          </a:fontRef>
+        </p:style>
+        <p:txBody>
+          <a:bodyPr rtlCol="0" anchor="ctr"/>
+          <a:lstStyle/>
+          <a:p>
+            <a:pPr algn="r"/>
+            <a:r>
+              <a:rPr lang="de-DE" dirty="0" smtClean="0">
+                <a:solidFill>
+                  <a:schemeClr val="bg1">
+                    <a:lumMod val="65000"/>
+                  </a:schemeClr>
+                </a:solidFill>
+              </a:rPr>
+              <a:t>Menüleiste</a:t>
+            </a:r>
+            <a:endParaRPr lang="de-DE" dirty="0">
+              <a:solidFill>
+                <a:schemeClr val="bg1">
+                  <a:lumMod val="65000"/>
+                </a:schemeClr>
+              </a:solidFill>
+            </a:endParaRPr>
+          </a:p>
+        </p:txBody>
+      </p:sp>
+      <p:sp>
+        <p:nvSpPr>
+          <p:cNvPr id="25" name="Rechteck 24"/>
+          <p:cNvSpPr/>
+          <p:nvPr/>
+        </p:nvSpPr>
+        <p:spPr>
+          <a:xfrm>
+            <a:off x="1691680" y="889440"/>
+            <a:ext cx="1496552" cy="267072"/>
+          </a:xfrm>
+          <a:prstGeom prst="rect">
+            <a:avLst/>
+          </a:prstGeom>
+        </p:spPr>
+        <p:style>
+          <a:lnRef idx="1">
+            <a:schemeClr val="dk1"/>
+          </a:lnRef>
+          <a:fillRef idx="2">
+            <a:schemeClr val="dk1"/>
+          </a:fillRef>
+          <a:effectRef idx="1">
+            <a:schemeClr val="dk1"/>
+          </a:effectRef>
+          <a:fontRef idx="minor">
+            <a:schemeClr val="dk1"/>
+          </a:fontRef>
+        </p:style>
+        <p:txBody>
+          <a:bodyPr rtlCol="0" anchor="ctr"/>
+          <a:lstStyle/>
+          <a:p>
+            <a:pPr algn="ctr"/>
+            <a:r>
+              <a:rPr lang="de-DE" dirty="0" smtClean="0"/>
+              <a:t>Admintools</a:t>
+            </a:r>
+            <a:endParaRPr lang="de-DE" dirty="0"/>
+          </a:p>
+        </p:txBody>
+      </p:sp>
+      <p:sp>
+        <p:nvSpPr>
+          <p:cNvPr id="26" name="Rechteck 25"/>
+          <p:cNvSpPr/>
+          <p:nvPr/>
+        </p:nvSpPr>
+        <p:spPr>
+          <a:xfrm>
+            <a:off x="42732" y="884270"/>
+            <a:ext cx="1648948" cy="272242"/>
+          </a:xfrm>
+          <a:prstGeom prst="rect">
+            <a:avLst/>
+          </a:prstGeom>
+        </p:spPr>
+        <p:style>
+          <a:lnRef idx="1">
+            <a:schemeClr val="dk1"/>
+          </a:lnRef>
+          <a:fillRef idx="2">
+            <a:schemeClr val="dk1"/>
+          </a:fillRef>
+          <a:effectRef idx="1">
+            <a:schemeClr val="dk1"/>
+          </a:effectRef>
+          <a:fontRef idx="minor">
+            <a:schemeClr val="dk1"/>
+          </a:fontRef>
+        </p:style>
+        <p:txBody>
+          <a:bodyPr rtlCol="0" anchor="ctr"/>
+          <a:lstStyle/>
+          <a:p>
+            <a:pPr algn="ctr"/>
+            <a:r>
+              <a:rPr lang="de-DE" dirty="0" smtClean="0"/>
+              <a:t>Protokolle</a:t>
+            </a:r>
+            <a:endParaRPr lang="de-DE" dirty="0"/>
+          </a:p>
+        </p:txBody>
+      </p:sp>
+      <p:sp>
+        <p:nvSpPr>
+          <p:cNvPr id="2" name="Auf der gleichen Seite des Rechtecks liegende Ecken abrunden 1"/>
+          <p:cNvSpPr/>
+          <p:nvPr/>
+        </p:nvSpPr>
+        <p:spPr>
+          <a:xfrm rot="10800000">
+            <a:off x="408692" y="1168599"/>
+            <a:ext cx="4062528" cy="360040"/>
+          </a:xfrm>
+          <a:prstGeom prst="round2SameRect">
+            <a:avLst/>
+          </a:prstGeom>
+          <a:solidFill>
+            <a:schemeClr val="bg1">
+              <a:lumMod val="75000"/>
+            </a:schemeClr>
+          </a:solidFill>
+        </p:spPr>
+        <p:style>
+          <a:lnRef idx="2">
+            <a:schemeClr val="accent1">
+              <a:shade val="50000"/>
+            </a:schemeClr>
+          </a:lnRef>
+          <a:fillRef idx="1">
+            <a:schemeClr val="accent1"/>
+          </a:fillRef>
+          <a:effectRef idx="0">
+            <a:schemeClr val="accent1"/>
+          </a:effectRef>
+          <a:fontRef idx="minor">
+            <a:schemeClr val="lt1"/>
+          </a:fontRef>
+        </p:style>
+        <p:txBody>
+          <a:bodyPr rtlCol="0" anchor="ctr"/>
+          <a:lstStyle/>
+          <a:p>
+            <a:pPr algn="ctr"/>
+            <a:endParaRPr lang="de-DE" dirty="0"/>
+          </a:p>
+        </p:txBody>
+      </p:sp>
+      <p:cxnSp>
+        <p:nvCxnSpPr>
+          <p:cNvPr id="5" name="Gerade Verbindung 4"/>
+          <p:cNvCxnSpPr/>
+          <p:nvPr/>
+        </p:nvCxnSpPr>
+        <p:spPr>
+          <a:xfrm flipV="1">
+            <a:off x="1475656" y="1186719"/>
+            <a:ext cx="0" cy="327600"/>
+          </a:xfrm>
+          <a:prstGeom prst="line">
+            <a:avLst/>
+          </a:prstGeom>
+          <a:ln w="38100">
+            <a:solidFill>
+              <a:schemeClr val="bg1">
+                <a:lumMod val="50000"/>
+              </a:schemeClr>
+            </a:solidFill>
+          </a:ln>
+        </p:spPr>
+        <p:style>
+          <a:lnRef idx="1">
+            <a:schemeClr val="accent1"/>
+          </a:lnRef>
+          <a:fillRef idx="0">
+            <a:schemeClr val="accent1"/>
+          </a:fillRef>
+          <a:effectRef idx="0">
+            <a:schemeClr val="accent1"/>
+          </a:effectRef>
+          <a:fontRef idx="minor">
+            <a:schemeClr val="tx1"/>
+          </a:fontRef>
+        </p:style>
+      </p:cxnSp>
+      <p:sp>
+        <p:nvSpPr>
+          <p:cNvPr id="8" name="Textfeld 7"/>
+          <p:cNvSpPr txBox="1"/>
+          <p:nvPr/>
+        </p:nvSpPr>
+        <p:spPr>
+          <a:xfrm>
+            <a:off x="396380" y="1181733"/>
+            <a:ext cx="1152128" cy="276999"/>
+          </a:xfrm>
+          <a:prstGeom prst="rect">
+            <a:avLst/>
+          </a:prstGeom>
+          <a:noFill/>
+        </p:spPr>
+        <p:txBody>
+          <a:bodyPr wrap="square" rtlCol="0">
+            <a:spAutoFit/>
+          </a:bodyPr>
+          <a:lstStyle/>
+          <a:p>
+            <a:r>
+              <a:rPr lang="de-DE" sz="1200" dirty="0" smtClean="0"/>
+              <a:t>Lehrer anlegen</a:t>
+            </a:r>
+            <a:endParaRPr lang="de-DE" sz="1200" dirty="0"/>
+          </a:p>
+        </p:txBody>
+      </p:sp>
+      <p:sp>
+        <p:nvSpPr>
+          <p:cNvPr id="29" name="Textfeld 28"/>
+          <p:cNvSpPr txBox="1"/>
+          <p:nvPr/>
+        </p:nvSpPr>
+        <p:spPr>
+          <a:xfrm>
+            <a:off x="1476822" y="1168598"/>
+            <a:ext cx="1311760" cy="276999"/>
+          </a:xfrm>
+          <a:prstGeom prst="rect">
+            <a:avLst/>
+          </a:prstGeom>
+          <a:noFill/>
+        </p:spPr>
+        <p:txBody>
+          <a:bodyPr wrap="square" rtlCol="0">
+            <a:spAutoFit/>
+          </a:bodyPr>
+          <a:lstStyle/>
+          <a:p>
+            <a:r>
+              <a:rPr lang="de-DE" sz="1200" dirty="0" smtClean="0"/>
+              <a:t>Gruppen anlegen</a:t>
+            </a:r>
+            <a:endParaRPr lang="de-DE" sz="1200" dirty="0"/>
+          </a:p>
+        </p:txBody>
+      </p:sp>
+      <p:sp>
+        <p:nvSpPr>
+          <p:cNvPr id="39" name="Textfeld 38"/>
+          <p:cNvSpPr txBox="1"/>
+          <p:nvPr/>
+        </p:nvSpPr>
+        <p:spPr>
+          <a:xfrm>
+            <a:off x="2771800" y="1168598"/>
+            <a:ext cx="1944216" cy="276999"/>
+          </a:xfrm>
+          <a:prstGeom prst="rect">
+            <a:avLst/>
+          </a:prstGeom>
+          <a:noFill/>
+        </p:spPr>
+        <p:txBody>
+          <a:bodyPr wrap="square" rtlCol="0">
+            <a:spAutoFit/>
+          </a:bodyPr>
+          <a:lstStyle/>
+          <a:p>
+            <a:r>
+              <a:rPr lang="de-DE" sz="1200" dirty="0" smtClean="0"/>
+              <a:t>Lehrer Gruppen zuweisen</a:t>
+            </a:r>
+            <a:endParaRPr lang="de-DE" sz="1200" dirty="0"/>
+          </a:p>
+        </p:txBody>
+      </p:sp>
+      <p:cxnSp>
+        <p:nvCxnSpPr>
+          <p:cNvPr id="40" name="Gerade Verbindung 39"/>
+          <p:cNvCxnSpPr/>
+          <p:nvPr/>
+        </p:nvCxnSpPr>
+        <p:spPr>
+          <a:xfrm flipV="1">
+            <a:off x="2771800" y="1186719"/>
+            <a:ext cx="0" cy="327600"/>
+          </a:xfrm>
+          <a:prstGeom prst="line">
+            <a:avLst/>
+          </a:prstGeom>
+          <a:ln w="38100">
+            <a:solidFill>
+              <a:schemeClr val="bg1">
+                <a:lumMod val="50000"/>
+              </a:schemeClr>
+            </a:solidFill>
+          </a:ln>
+        </p:spPr>
+        <p:style>
+          <a:lnRef idx="1">
+            <a:schemeClr val="accent1"/>
+          </a:lnRef>
+          <a:fillRef idx="0">
+            <a:schemeClr val="accent1"/>
+          </a:fillRef>
+          <a:effectRef idx="0">
+            <a:schemeClr val="accent1"/>
+          </a:effectRef>
+          <a:fontRef idx="minor">
+            <a:schemeClr val="tx1"/>
+          </a:fontRef>
+        </p:style>
+      </p:cxnSp>
+      <p:sp>
+        <p:nvSpPr>
+          <p:cNvPr id="36" name="Rechteck 35"/>
+          <p:cNvSpPr/>
+          <p:nvPr/>
+        </p:nvSpPr>
+        <p:spPr>
+          <a:xfrm>
+            <a:off x="410583" y="1585420"/>
+            <a:ext cx="1267334" cy="287548"/>
+          </a:xfrm>
+          <a:prstGeom prst="rect">
+            <a:avLst/>
+          </a:prstGeom>
+        </p:spPr>
+        <p:style>
+          <a:lnRef idx="2">
+            <a:schemeClr val="accent6"/>
+          </a:lnRef>
+          <a:fillRef idx="1">
+            <a:schemeClr val="lt1"/>
+          </a:fillRef>
+          <a:effectRef idx="0">
+            <a:schemeClr val="accent6"/>
+          </a:effectRef>
+          <a:fontRef idx="minor">
+            <a:schemeClr val="dk1"/>
+          </a:fontRef>
+        </p:style>
+        <p:txBody>
+          <a:bodyPr rtlCol="0" anchor="ctr"/>
+          <a:lstStyle/>
+          <a:p>
+            <a:pPr algn="ctr"/>
+            <a:endParaRPr lang="de-DE"/>
+          </a:p>
+        </p:txBody>
+      </p:sp>
+      <p:sp>
+        <p:nvSpPr>
+          <p:cNvPr id="37" name="Rechteck 36"/>
+          <p:cNvSpPr/>
+          <p:nvPr/>
+        </p:nvSpPr>
+        <p:spPr>
+          <a:xfrm>
+            <a:off x="448486" y="1628800"/>
+            <a:ext cx="947761" cy="190431"/>
+          </a:xfrm>
+          <a:prstGeom prst="rect">
+            <a:avLst/>
+          </a:prstGeom>
+        </p:spPr>
+        <p:style>
+          <a:lnRef idx="2">
+            <a:schemeClr val="accent6"/>
+          </a:lnRef>
+          <a:fillRef idx="1">
+            <a:schemeClr val="lt1"/>
+          </a:fillRef>
+          <a:effectRef idx="0">
+            <a:schemeClr val="accent6"/>
+          </a:effectRef>
+          <a:fontRef idx="minor">
+            <a:schemeClr val="dk1"/>
+          </a:fontRef>
+        </p:style>
+        <p:txBody>
+          <a:bodyPr rtlCol="0" anchor="ctr"/>
+          <a:lstStyle/>
+          <a:p>
+            <a:pPr algn="ctr"/>
+            <a:r>
+              <a:rPr lang="de-DE" sz="1400" dirty="0" smtClean="0"/>
+              <a:t>Gruppen</a:t>
+            </a:r>
+            <a:endParaRPr lang="de-DE" dirty="0"/>
+          </a:p>
+        </p:txBody>
+      </p:sp>
+      <p:sp>
+        <p:nvSpPr>
+          <p:cNvPr id="38" name="Pfeil nach unten 37"/>
+          <p:cNvSpPr/>
+          <p:nvPr/>
+        </p:nvSpPr>
+        <p:spPr>
+          <a:xfrm>
+            <a:off x="1490965" y="1673197"/>
+            <a:ext cx="83418" cy="111993"/>
+          </a:xfrm>
+          <a:prstGeom prst="downArrow">
+            <a:avLst/>
+          </a:prstGeom>
+        </p:spPr>
+        <p:style>
+          <a:lnRef idx="2">
+            <a:schemeClr val="dk1">
+              <a:shade val="50000"/>
+            </a:schemeClr>
+          </a:lnRef>
+          <a:fillRef idx="1">
+            <a:schemeClr val="dk1"/>
+          </a:fillRef>
+          <a:effectRef idx="0">
+            <a:schemeClr val="dk1"/>
+          </a:effectRef>
+          <a:fontRef idx="minor">
+            <a:schemeClr val="lt1"/>
+          </a:fontRef>
+        </p:style>
+        <p:txBody>
+          <a:bodyPr rtlCol="0" anchor="ctr"/>
+          <a:lstStyle/>
+          <a:p>
+            <a:pPr algn="ctr"/>
+            <a:endParaRPr lang="de-DE">
+              <a:ln>
+                <a:solidFill>
+                  <a:schemeClr val="tx1"/>
+                </a:solidFill>
+              </a:ln>
+              <a:solidFill>
+                <a:schemeClr val="tx1"/>
+              </a:solidFill>
+            </a:endParaRPr>
+          </a:p>
+        </p:txBody>
+      </p:sp>
+      <p:sp>
+        <p:nvSpPr>
+          <p:cNvPr id="41" name="Rechteck 40"/>
+          <p:cNvSpPr/>
+          <p:nvPr/>
+        </p:nvSpPr>
+        <p:spPr>
+          <a:xfrm>
+            <a:off x="396379" y="2016733"/>
+            <a:ext cx="8409881" cy="1916323"/>
+          </a:xfrm>
+          <a:prstGeom prst="rect">
+            <a:avLst/>
+          </a:prstGeom>
+        </p:spPr>
+        <p:style>
+          <a:lnRef idx="2">
+            <a:schemeClr val="accent6"/>
+          </a:lnRef>
+          <a:fillRef idx="1">
+            <a:schemeClr val="lt1"/>
+          </a:fillRef>
+          <a:effectRef idx="0">
+            <a:schemeClr val="accent6"/>
+          </a:effectRef>
+          <a:fontRef idx="minor">
+            <a:schemeClr val="dk1"/>
+          </a:fontRef>
+        </p:style>
+        <p:txBody>
+          <a:bodyPr rtlCol="0" anchor="ctr"/>
+          <a:lstStyle/>
+          <a:p>
+            <a:pPr algn="ctr"/>
+            <a:endParaRPr lang="de-DE" dirty="0" smtClean="0">
+              <a:solidFill>
+                <a:schemeClr val="bg1">
+                  <a:lumMod val="65000"/>
+                </a:schemeClr>
+              </a:solidFill>
+            </a:endParaRPr>
+          </a:p>
+          <a:p>
+            <a:pPr algn="ctr"/>
+            <a:r>
+              <a:rPr lang="de-DE" dirty="0" smtClean="0">
+                <a:solidFill>
+                  <a:schemeClr val="bg1">
+                    <a:lumMod val="65000"/>
+                  </a:schemeClr>
+                </a:solidFill>
+              </a:rPr>
+              <a:t>Liste von Lehrern aus der gewählten Gruppe</a:t>
+            </a:r>
+            <a:endParaRPr lang="de-DE" dirty="0">
+              <a:solidFill>
+                <a:schemeClr val="bg1">
+                  <a:lumMod val="65000"/>
+                </a:schemeClr>
+              </a:solidFill>
+            </a:endParaRPr>
+          </a:p>
+        </p:txBody>
+      </p:sp>
+      <p:sp>
+        <p:nvSpPr>
+          <p:cNvPr id="52" name="Rechteck 51"/>
+          <p:cNvSpPr/>
+          <p:nvPr/>
+        </p:nvSpPr>
+        <p:spPr>
+          <a:xfrm>
+            <a:off x="5617986" y="2039746"/>
+            <a:ext cx="1739814" cy="321471"/>
+          </a:xfrm>
+          <a:prstGeom prst="rect">
+            <a:avLst/>
+          </a:prstGeom>
+          <a:ln>
+            <a:solidFill>
+              <a:schemeClr val="bg1">
+                <a:lumMod val="50000"/>
+              </a:schemeClr>
+            </a:solidFill>
+          </a:ln>
+        </p:spPr>
+        <p:style>
+          <a:lnRef idx="2">
+            <a:schemeClr val="dk1"/>
+          </a:lnRef>
+          <a:fillRef idx="1">
+            <a:schemeClr val="lt1"/>
+          </a:fillRef>
+          <a:effectRef idx="0">
+            <a:schemeClr val="dk1"/>
+          </a:effectRef>
+          <a:fontRef idx="minor">
+            <a:schemeClr val="dk1"/>
+          </a:fontRef>
+        </p:style>
+        <p:txBody>
+          <a:bodyPr rtlCol="0" anchor="ctr"/>
+          <a:lstStyle/>
+          <a:p>
+            <a:pPr algn="r"/>
+            <a:r>
+              <a:rPr lang="de-DE" sz="2800" dirty="0" smtClean="0">
+                <a:solidFill>
+                  <a:srgbClr val="00B050"/>
+                </a:solidFill>
+              </a:rPr>
+              <a:t>+</a:t>
+            </a:r>
+            <a:endParaRPr lang="de-DE" sz="1600" dirty="0">
+              <a:solidFill>
+                <a:srgbClr val="00B050"/>
+              </a:solidFill>
+            </a:endParaRPr>
+          </a:p>
+        </p:txBody>
+      </p:sp>
+      <p:sp>
+        <p:nvSpPr>
+          <p:cNvPr id="53" name="Rechteck 52"/>
+          <p:cNvSpPr/>
+          <p:nvPr/>
+        </p:nvSpPr>
+        <p:spPr>
+          <a:xfrm>
+            <a:off x="417281" y="2039595"/>
+            <a:ext cx="1737166" cy="321471"/>
+          </a:xfrm>
+          <a:prstGeom prst="rect">
+            <a:avLst/>
+          </a:prstGeom>
+          <a:ln>
+            <a:solidFill>
+              <a:schemeClr val="bg1">
+                <a:lumMod val="50000"/>
+              </a:schemeClr>
+            </a:solidFill>
+          </a:ln>
+        </p:spPr>
+        <p:style>
+          <a:lnRef idx="2">
+            <a:schemeClr val="dk1"/>
+          </a:lnRef>
+          <a:fillRef idx="1">
+            <a:schemeClr val="lt1"/>
+          </a:fillRef>
+          <a:effectRef idx="0">
+            <a:schemeClr val="dk1"/>
+          </a:effectRef>
+          <a:fontRef idx="minor">
+            <a:schemeClr val="dk1"/>
+          </a:fontRef>
+        </p:style>
+        <p:txBody>
+          <a:bodyPr rtlCol="0" anchor="ctr"/>
+          <a:lstStyle/>
+          <a:p>
+            <a:r>
+              <a:rPr lang="de-DE" sz="1600" dirty="0" smtClean="0"/>
+              <a:t>• Oliver Kaden</a:t>
+            </a:r>
+            <a:endParaRPr lang="de-DE" sz="1600" dirty="0"/>
+          </a:p>
+        </p:txBody>
+      </p:sp>
+      <p:pic>
+        <p:nvPicPr>
+          <p:cNvPr id="60" name="Picture 2" descr="C:\Users\fia63kaden.OHM.000\Documents\GitHub\OberstufenProjekt\Anwendung\webapp\img\Loeschen.png"/>
+          <p:cNvPicPr>
+            <a:picLocks noChangeAspect="1" noChangeArrowheads="1"/>
+          </p:cNvPicPr>
+          <p:nvPr/>
+        </p:nvPicPr>
+        <p:blipFill>
+          <a:blip r:embed="rId3">
+            <a:extLst>
+              <a:ext uri="{28A0092B-C50C-407E-A947-70E740481C1C}">
+                <a14:useLocalDpi xmlns:a14="http://schemas.microsoft.com/office/drawing/2010/main" val="0"/>
+              </a:ext>
+            </a:extLst>
+          </a:blip>
+          <a:srcRect/>
+          <a:stretch>
+            <a:fillRect/>
+          </a:stretch>
+        </p:blipFill>
+        <p:spPr bwMode="auto">
+          <a:xfrm>
+            <a:off x="1952749" y="2133655"/>
+            <a:ext cx="133350" cy="133350"/>
+          </a:xfrm>
+          <a:prstGeom prst="rect">
+            <a:avLst/>
+          </a:prstGeom>
+          <a:noFill/>
+          <a:extLst>
+            <a:ext uri="{909E8E84-426E-40DD-AFC4-6F175D3DCCD1}">
+              <a14:hiddenFill xmlns:a14="http://schemas.microsoft.com/office/drawing/2010/main">
+                <a:solidFill>
+                  <a:srgbClr val="FFFFFF"/>
+                </a:solidFill>
+              </a14:hiddenFill>
+            </a:ext>
+          </a:extLst>
+        </p:spPr>
+      </p:pic>
+      <p:sp>
+        <p:nvSpPr>
+          <p:cNvPr id="64" name="Rechteck 63"/>
+          <p:cNvSpPr/>
+          <p:nvPr/>
+        </p:nvSpPr>
+        <p:spPr>
+          <a:xfrm>
+            <a:off x="2132701" y="2039595"/>
+            <a:ext cx="1737166" cy="321471"/>
+          </a:xfrm>
+          <a:prstGeom prst="rect">
+            <a:avLst/>
+          </a:prstGeom>
+          <a:ln>
+            <a:solidFill>
+              <a:schemeClr val="bg1">
+                <a:lumMod val="50000"/>
+              </a:schemeClr>
+            </a:solidFill>
+          </a:ln>
+        </p:spPr>
+        <p:style>
+          <a:lnRef idx="2">
+            <a:schemeClr val="dk1"/>
+          </a:lnRef>
+          <a:fillRef idx="1">
+            <a:schemeClr val="lt1"/>
+          </a:fillRef>
+          <a:effectRef idx="0">
+            <a:schemeClr val="dk1"/>
+          </a:effectRef>
+          <a:fontRef idx="minor">
+            <a:schemeClr val="dk1"/>
+          </a:fontRef>
+        </p:style>
+        <p:txBody>
+          <a:bodyPr rtlCol="0" anchor="ctr"/>
+          <a:lstStyle/>
+          <a:p>
+            <a:r>
+              <a:rPr lang="de-DE" sz="1600" dirty="0" smtClean="0"/>
+              <a:t>• Michael </a:t>
+            </a:r>
+            <a:r>
+              <a:rPr lang="de-DE" sz="1600" dirty="0" err="1" smtClean="0"/>
+              <a:t>Gede</a:t>
+            </a:r>
+            <a:endParaRPr lang="de-DE" sz="1600" dirty="0"/>
+          </a:p>
+        </p:txBody>
+      </p:sp>
+      <p:pic>
+        <p:nvPicPr>
+          <p:cNvPr id="65" name="Picture 2" descr="C:\Users\fia63kaden.OHM.000\Documents\GitHub\OberstufenProjekt\Anwendung\webapp\img\Loeschen.png"/>
+          <p:cNvPicPr>
+            <a:picLocks noChangeAspect="1" noChangeArrowheads="1"/>
+          </p:cNvPicPr>
+          <p:nvPr/>
+        </p:nvPicPr>
+        <p:blipFill>
+          <a:blip r:embed="rId3">
+            <a:extLst>
+              <a:ext uri="{28A0092B-C50C-407E-A947-70E740481C1C}">
+                <a14:useLocalDpi xmlns:a14="http://schemas.microsoft.com/office/drawing/2010/main" val="0"/>
+              </a:ext>
+            </a:extLst>
+          </a:blip>
+          <a:srcRect/>
+          <a:stretch>
+            <a:fillRect/>
+          </a:stretch>
+        </p:blipFill>
+        <p:spPr bwMode="auto">
+          <a:xfrm>
+            <a:off x="3668169" y="2133655"/>
+            <a:ext cx="133350" cy="133350"/>
+          </a:xfrm>
+          <a:prstGeom prst="rect">
+            <a:avLst/>
+          </a:prstGeom>
+          <a:noFill/>
+          <a:extLst>
+            <a:ext uri="{909E8E84-426E-40DD-AFC4-6F175D3DCCD1}">
+              <a14:hiddenFill xmlns:a14="http://schemas.microsoft.com/office/drawing/2010/main">
+                <a:solidFill>
+                  <a:srgbClr val="FFFFFF"/>
+                </a:solidFill>
+              </a14:hiddenFill>
+            </a:ext>
+          </a:extLst>
+        </p:spPr>
+      </p:pic>
+      <p:sp>
+        <p:nvSpPr>
+          <p:cNvPr id="66" name="Rechteck 65"/>
+          <p:cNvSpPr/>
+          <p:nvPr/>
+        </p:nvSpPr>
+        <p:spPr>
+          <a:xfrm>
+            <a:off x="3880820" y="2039595"/>
+            <a:ext cx="1737166" cy="321471"/>
+          </a:xfrm>
+          <a:prstGeom prst="rect">
+            <a:avLst/>
+          </a:prstGeom>
+          <a:ln>
+            <a:solidFill>
+              <a:schemeClr val="bg1">
+                <a:lumMod val="50000"/>
+              </a:schemeClr>
+            </a:solidFill>
+          </a:ln>
+        </p:spPr>
+        <p:style>
+          <a:lnRef idx="2">
+            <a:schemeClr val="dk1"/>
+          </a:lnRef>
+          <a:fillRef idx="1">
+            <a:schemeClr val="lt1"/>
+          </a:fillRef>
+          <a:effectRef idx="0">
+            <a:schemeClr val="dk1"/>
+          </a:effectRef>
+          <a:fontRef idx="minor">
+            <a:schemeClr val="dk1"/>
+          </a:fontRef>
+        </p:style>
+        <p:txBody>
+          <a:bodyPr rtlCol="0" anchor="ctr"/>
+          <a:lstStyle/>
+          <a:p>
+            <a:r>
+              <a:rPr lang="de-DE" sz="1600" dirty="0" smtClean="0"/>
+              <a:t>• Pascal </a:t>
+            </a:r>
+            <a:r>
+              <a:rPr lang="de-DE" sz="1600" dirty="0" err="1" smtClean="0"/>
+              <a:t>Gollnick</a:t>
+            </a:r>
+            <a:endParaRPr lang="de-DE" sz="1600" dirty="0"/>
+          </a:p>
+        </p:txBody>
+      </p:sp>
+      <p:pic>
+        <p:nvPicPr>
+          <p:cNvPr id="67" name="Picture 2" descr="C:\Users\fia63kaden.OHM.000\Documents\GitHub\OberstufenProjekt\Anwendung\webapp\img\Loeschen.png"/>
+          <p:cNvPicPr>
+            <a:picLocks noChangeAspect="1" noChangeArrowheads="1"/>
+          </p:cNvPicPr>
+          <p:nvPr/>
+        </p:nvPicPr>
+        <p:blipFill>
+          <a:blip r:embed="rId3">
+            <a:extLst>
+              <a:ext uri="{28A0092B-C50C-407E-A947-70E740481C1C}">
+                <a14:useLocalDpi xmlns:a14="http://schemas.microsoft.com/office/drawing/2010/main" val="0"/>
+              </a:ext>
+            </a:extLst>
+          </a:blip>
+          <a:srcRect/>
+          <a:stretch>
+            <a:fillRect/>
+          </a:stretch>
+        </p:blipFill>
+        <p:spPr bwMode="auto">
+          <a:xfrm>
+            <a:off x="5416288" y="2133655"/>
+            <a:ext cx="133350" cy="133350"/>
+          </a:xfrm>
+          <a:prstGeom prst="rect">
+            <a:avLst/>
+          </a:prstGeom>
+          <a:noFill/>
+          <a:extLst>
+            <a:ext uri="{909E8E84-426E-40DD-AFC4-6F175D3DCCD1}">
+              <a14:hiddenFill xmlns:a14="http://schemas.microsoft.com/office/drawing/2010/main">
+                <a:solidFill>
+                  <a:srgbClr val="FFFFFF"/>
+                </a:solidFill>
+              </a14:hiddenFill>
+            </a:ext>
+          </a:extLst>
+        </p:spPr>
+      </p:pic>
+      <p:sp>
+        <p:nvSpPr>
+          <p:cNvPr id="30" name="Rechteck 29"/>
+          <p:cNvSpPr/>
+          <p:nvPr/>
+        </p:nvSpPr>
+        <p:spPr>
+          <a:xfrm>
+            <a:off x="5666655" y="2061885"/>
+            <a:ext cx="1267334" cy="287548"/>
+          </a:xfrm>
+          <a:prstGeom prst="rect">
+            <a:avLst/>
+          </a:prstGeom>
+        </p:spPr>
+        <p:style>
+          <a:lnRef idx="2">
+            <a:schemeClr val="accent6"/>
+          </a:lnRef>
+          <a:fillRef idx="1">
+            <a:schemeClr val="lt1"/>
+          </a:fillRef>
+          <a:effectRef idx="0">
+            <a:schemeClr val="accent6"/>
+          </a:effectRef>
+          <a:fontRef idx="minor">
+            <a:schemeClr val="dk1"/>
+          </a:fontRef>
+        </p:style>
+        <p:txBody>
+          <a:bodyPr rtlCol="0" anchor="ctr"/>
+          <a:lstStyle/>
+          <a:p>
+            <a:pPr algn="ctr"/>
+            <a:endParaRPr lang="de-DE"/>
+          </a:p>
+        </p:txBody>
+      </p:sp>
+      <p:sp>
+        <p:nvSpPr>
+          <p:cNvPr id="31" name="Rechteck 30"/>
+          <p:cNvSpPr/>
+          <p:nvPr/>
+        </p:nvSpPr>
+        <p:spPr>
+          <a:xfrm>
+            <a:off x="5704558" y="2105265"/>
+            <a:ext cx="947761" cy="190431"/>
+          </a:xfrm>
+          <a:prstGeom prst="rect">
+            <a:avLst/>
+          </a:prstGeom>
+        </p:spPr>
+        <p:style>
+          <a:lnRef idx="2">
+            <a:schemeClr val="accent6"/>
+          </a:lnRef>
+          <a:fillRef idx="1">
+            <a:schemeClr val="lt1"/>
+          </a:fillRef>
+          <a:effectRef idx="0">
+            <a:schemeClr val="accent6"/>
+          </a:effectRef>
+          <a:fontRef idx="minor">
+            <a:schemeClr val="dk1"/>
+          </a:fontRef>
+        </p:style>
+        <p:txBody>
+          <a:bodyPr rtlCol="0" anchor="ctr"/>
+          <a:lstStyle/>
+          <a:p>
+            <a:pPr algn="ctr"/>
+            <a:r>
+              <a:rPr lang="de-DE" sz="1400" dirty="0" smtClean="0"/>
+              <a:t>Lehrer</a:t>
+            </a:r>
+            <a:endParaRPr lang="de-DE" dirty="0"/>
+          </a:p>
+        </p:txBody>
+      </p:sp>
+      <p:sp>
+        <p:nvSpPr>
+          <p:cNvPr id="32" name="Pfeil nach unten 31"/>
+          <p:cNvSpPr/>
+          <p:nvPr/>
+        </p:nvSpPr>
+        <p:spPr>
+          <a:xfrm>
+            <a:off x="6747037" y="2149662"/>
+            <a:ext cx="83418" cy="111993"/>
+          </a:xfrm>
+          <a:prstGeom prst="downArrow">
+            <a:avLst/>
+          </a:prstGeom>
+        </p:spPr>
+        <p:style>
+          <a:lnRef idx="2">
+            <a:schemeClr val="dk1">
+              <a:shade val="50000"/>
+            </a:schemeClr>
+          </a:lnRef>
+          <a:fillRef idx="1">
+            <a:schemeClr val="dk1"/>
+          </a:fillRef>
+          <a:effectRef idx="0">
+            <a:schemeClr val="dk1"/>
+          </a:effectRef>
+          <a:fontRef idx="minor">
+            <a:schemeClr val="lt1"/>
+          </a:fontRef>
+        </p:style>
+        <p:txBody>
+          <a:bodyPr rtlCol="0" anchor="ctr"/>
+          <a:lstStyle/>
+          <a:p>
+            <a:pPr algn="ctr"/>
+            <a:endParaRPr lang="de-DE">
+              <a:ln>
+                <a:solidFill>
+                  <a:schemeClr val="tx1"/>
+                </a:solidFill>
+              </a:ln>
+              <a:solidFill>
+                <a:schemeClr val="tx1"/>
+              </a:solidFill>
+            </a:endParaRPr>
+          </a:p>
+        </p:txBody>
+      </p:sp>
     </p:spTree>
     <p:extLst>
       <p:ext uri="{BB962C8B-B14F-4D97-AF65-F5344CB8AC3E}">

--- a/Dokumentation + Diagramme etc/PaperPrototyp.pptx
+++ b/Dokumentation + Diagramme etc/PaperPrototyp.pptx
@@ -5,15 +5,16 @@
     <p:sldMasterId id="2147483648" r:id="rId1"/>
   </p:sldMasterIdLst>
   <p:notesMasterIdLst>
-    <p:notesMasterId r:id="rId8"/>
+    <p:notesMasterId r:id="rId9"/>
   </p:notesMasterIdLst>
   <p:sldIdLst>
-    <p:sldId id="261" r:id="rId2"/>
-    <p:sldId id="262" r:id="rId3"/>
-    <p:sldId id="266" r:id="rId4"/>
-    <p:sldId id="263" r:id="rId5"/>
-    <p:sldId id="264" r:id="rId6"/>
-    <p:sldId id="265" r:id="rId7"/>
+    <p:sldId id="267" r:id="rId2"/>
+    <p:sldId id="261" r:id="rId3"/>
+    <p:sldId id="262" r:id="rId4"/>
+    <p:sldId id="266" r:id="rId5"/>
+    <p:sldId id="263" r:id="rId6"/>
+    <p:sldId id="264" r:id="rId7"/>
+    <p:sldId id="265" r:id="rId8"/>
   </p:sldIdLst>
   <p:sldSz cx="9144000" cy="6858000" type="screen4x3"/>
   <p:notesSz cx="6858000" cy="9144000"/>
@@ -197,7 +198,8 @@
           <a:p>
             <a:fld id="{8B106013-8F64-4293-BC97-3FE198947D86}" type="datetimeFigureOut">
               <a:rPr lang="de-DE" smtClean="0"/>
-              <a:t>16.11.2018</a:t>
+              <a:pPr/>
+              <a:t>17.11.2018</a:t>
             </a:fld>
             <a:endParaRPr lang="de-DE"/>
           </a:p>
@@ -356,6 +358,7 @@
           <a:p>
             <a:fld id="{3EDC4320-46CE-474F-897F-6A97DA12D8EB}" type="slidenum">
               <a:rPr lang="de-DE" smtClean="0"/>
+              <a:pPr/>
               <a:t>‹Nr.›</a:t>
             </a:fld>
             <a:endParaRPr lang="de-DE"/>
@@ -365,7 +368,7 @@
     </p:spTree>
     <p:extLst>
       <p:ext uri="{BB962C8B-B14F-4D97-AF65-F5344CB8AC3E}">
-        <p14:creationId xmlns:p14="http://schemas.microsoft.com/office/powerpoint/2010/main" val="2278810424"/>
+        <p14:creationId xmlns:p14="http://schemas.microsoft.com/office/powerpoint/2010/main" xmlns="" val="2278810424"/>
       </p:ext>
     </p:extLst>
   </p:cSld>
@@ -533,7 +536,8 @@
           <a:p>
             <a:fld id="{3EDC4320-46CE-474F-897F-6A97DA12D8EB}" type="slidenum">
               <a:rPr lang="de-DE" smtClean="0"/>
-              <a:t>1</a:t>
+              <a:pPr/>
+              <a:t>2</a:t>
             </a:fld>
             <a:endParaRPr lang="de-DE"/>
           </a:p>
@@ -542,7 +546,7 @@
     </p:spTree>
     <p:extLst>
       <p:ext uri="{BB962C8B-B14F-4D97-AF65-F5344CB8AC3E}">
-        <p14:creationId xmlns:p14="http://schemas.microsoft.com/office/powerpoint/2010/main" val="3906905818"/>
+        <p14:creationId xmlns:p14="http://schemas.microsoft.com/office/powerpoint/2010/main" xmlns="" val="3906905818"/>
       </p:ext>
     </p:extLst>
   </p:cSld>
@@ -620,7 +624,8 @@
           <a:p>
             <a:fld id="{3EDC4320-46CE-474F-897F-6A97DA12D8EB}" type="slidenum">
               <a:rPr lang="de-DE" smtClean="0"/>
-              <a:t>2</a:t>
+              <a:pPr/>
+              <a:t>3</a:t>
             </a:fld>
             <a:endParaRPr lang="de-DE"/>
           </a:p>
@@ -629,7 +634,7 @@
     </p:spTree>
     <p:extLst>
       <p:ext uri="{BB962C8B-B14F-4D97-AF65-F5344CB8AC3E}">
-        <p14:creationId xmlns:p14="http://schemas.microsoft.com/office/powerpoint/2010/main" val="3906905818"/>
+        <p14:creationId xmlns:p14="http://schemas.microsoft.com/office/powerpoint/2010/main" xmlns="" val="3906905818"/>
       </p:ext>
     </p:extLst>
   </p:cSld>
@@ -707,7 +712,8 @@
           <a:p>
             <a:fld id="{3EDC4320-46CE-474F-897F-6A97DA12D8EB}" type="slidenum">
               <a:rPr lang="de-DE" smtClean="0"/>
-              <a:t>3</a:t>
+              <a:pPr/>
+              <a:t>4</a:t>
             </a:fld>
             <a:endParaRPr lang="de-DE"/>
           </a:p>
@@ -716,7 +722,7 @@
     </p:spTree>
     <p:extLst>
       <p:ext uri="{BB962C8B-B14F-4D97-AF65-F5344CB8AC3E}">
-        <p14:creationId xmlns:p14="http://schemas.microsoft.com/office/powerpoint/2010/main" val="3906905818"/>
+        <p14:creationId xmlns:p14="http://schemas.microsoft.com/office/powerpoint/2010/main" xmlns="" val="3906905818"/>
       </p:ext>
     </p:extLst>
   </p:cSld>
@@ -794,7 +800,8 @@
           <a:p>
             <a:fld id="{3EDC4320-46CE-474F-897F-6A97DA12D8EB}" type="slidenum">
               <a:rPr lang="de-DE" smtClean="0"/>
-              <a:t>4</a:t>
+              <a:pPr/>
+              <a:t>5</a:t>
             </a:fld>
             <a:endParaRPr lang="de-DE"/>
           </a:p>
@@ -803,7 +810,7 @@
     </p:spTree>
     <p:extLst>
       <p:ext uri="{BB962C8B-B14F-4D97-AF65-F5344CB8AC3E}">
-        <p14:creationId xmlns:p14="http://schemas.microsoft.com/office/powerpoint/2010/main" val="3906905818"/>
+        <p14:creationId xmlns:p14="http://schemas.microsoft.com/office/powerpoint/2010/main" xmlns="" val="3906905818"/>
       </p:ext>
     </p:extLst>
   </p:cSld>
@@ -881,7 +888,8 @@
           <a:p>
             <a:fld id="{3EDC4320-46CE-474F-897F-6A97DA12D8EB}" type="slidenum">
               <a:rPr lang="de-DE" smtClean="0"/>
-              <a:t>5</a:t>
+              <a:pPr/>
+              <a:t>6</a:t>
             </a:fld>
             <a:endParaRPr lang="de-DE"/>
           </a:p>
@@ -890,7 +898,7 @@
     </p:spTree>
     <p:extLst>
       <p:ext uri="{BB962C8B-B14F-4D97-AF65-F5344CB8AC3E}">
-        <p14:creationId xmlns:p14="http://schemas.microsoft.com/office/powerpoint/2010/main" val="3906905818"/>
+        <p14:creationId xmlns:p14="http://schemas.microsoft.com/office/powerpoint/2010/main" xmlns="" val="3906905818"/>
       </p:ext>
     </p:extLst>
   </p:cSld>
@@ -968,7 +976,8 @@
           <a:p>
             <a:fld id="{3EDC4320-46CE-474F-897F-6A97DA12D8EB}" type="slidenum">
               <a:rPr lang="de-DE" smtClean="0"/>
-              <a:t>6</a:t>
+              <a:pPr/>
+              <a:t>7</a:t>
             </a:fld>
             <a:endParaRPr lang="de-DE"/>
           </a:p>
@@ -977,7 +986,7 @@
     </p:spTree>
     <p:extLst>
       <p:ext uri="{BB962C8B-B14F-4D97-AF65-F5344CB8AC3E}">
-        <p14:creationId xmlns:p14="http://schemas.microsoft.com/office/powerpoint/2010/main" val="3906905818"/>
+        <p14:creationId xmlns:p14="http://schemas.microsoft.com/office/powerpoint/2010/main" xmlns="" val="3906905818"/>
       </p:ext>
     </p:extLst>
   </p:cSld>
@@ -1169,7 +1178,7 @@
             <a:fld id="{88A029B0-5F1E-49AE-B34E-4422E9571E26}" type="datetimeFigureOut">
               <a:rPr lang="de-DE" smtClean="0"/>
               <a:pPr/>
-              <a:t>16.11.2018</a:t>
+              <a:t>17.11.2018</a:t>
             </a:fld>
             <a:endParaRPr lang="de-DE"/>
           </a:p>
@@ -1336,7 +1345,7 @@
             <a:fld id="{88A029B0-5F1E-49AE-B34E-4422E9571E26}" type="datetimeFigureOut">
               <a:rPr lang="de-DE" smtClean="0"/>
               <a:pPr/>
-              <a:t>16.11.2018</a:t>
+              <a:t>17.11.2018</a:t>
             </a:fld>
             <a:endParaRPr lang="de-DE"/>
           </a:p>
@@ -1513,7 +1522,7 @@
             <a:fld id="{88A029B0-5F1E-49AE-B34E-4422E9571E26}" type="datetimeFigureOut">
               <a:rPr lang="de-DE" smtClean="0"/>
               <a:pPr/>
-              <a:t>16.11.2018</a:t>
+              <a:t>17.11.2018</a:t>
             </a:fld>
             <a:endParaRPr lang="de-DE"/>
           </a:p>
@@ -1680,7 +1689,7 @@
             <a:fld id="{88A029B0-5F1E-49AE-B34E-4422E9571E26}" type="datetimeFigureOut">
               <a:rPr lang="de-DE" smtClean="0"/>
               <a:pPr/>
-              <a:t>16.11.2018</a:t>
+              <a:t>17.11.2018</a:t>
             </a:fld>
             <a:endParaRPr lang="de-DE"/>
           </a:p>
@@ -1923,7 +1932,7 @@
             <a:fld id="{88A029B0-5F1E-49AE-B34E-4422E9571E26}" type="datetimeFigureOut">
               <a:rPr lang="de-DE" smtClean="0"/>
               <a:pPr/>
-              <a:t>16.11.2018</a:t>
+              <a:t>17.11.2018</a:t>
             </a:fld>
             <a:endParaRPr lang="de-DE"/>
           </a:p>
@@ -2208,7 +2217,7 @@
             <a:fld id="{88A029B0-5F1E-49AE-B34E-4422E9571E26}" type="datetimeFigureOut">
               <a:rPr lang="de-DE" smtClean="0"/>
               <a:pPr/>
-              <a:t>16.11.2018</a:t>
+              <a:t>17.11.2018</a:t>
             </a:fld>
             <a:endParaRPr lang="de-DE"/>
           </a:p>
@@ -2627,7 +2636,7 @@
             <a:fld id="{88A029B0-5F1E-49AE-B34E-4422E9571E26}" type="datetimeFigureOut">
               <a:rPr lang="de-DE" smtClean="0"/>
               <a:pPr/>
-              <a:t>16.11.2018</a:t>
+              <a:t>17.11.2018</a:t>
             </a:fld>
             <a:endParaRPr lang="de-DE"/>
           </a:p>
@@ -2742,7 +2751,7 @@
             <a:fld id="{88A029B0-5F1E-49AE-B34E-4422E9571E26}" type="datetimeFigureOut">
               <a:rPr lang="de-DE" smtClean="0"/>
               <a:pPr/>
-              <a:t>16.11.2018</a:t>
+              <a:t>17.11.2018</a:t>
             </a:fld>
             <a:endParaRPr lang="de-DE"/>
           </a:p>
@@ -2834,7 +2843,7 @@
             <a:fld id="{88A029B0-5F1E-49AE-B34E-4422E9571E26}" type="datetimeFigureOut">
               <a:rPr lang="de-DE" smtClean="0"/>
               <a:pPr/>
-              <a:t>16.11.2018</a:t>
+              <a:t>17.11.2018</a:t>
             </a:fld>
             <a:endParaRPr lang="de-DE"/>
           </a:p>
@@ -3108,7 +3117,7 @@
             <a:fld id="{88A029B0-5F1E-49AE-B34E-4422E9571E26}" type="datetimeFigureOut">
               <a:rPr lang="de-DE" smtClean="0"/>
               <a:pPr/>
-              <a:t>16.11.2018</a:t>
+              <a:t>17.11.2018</a:t>
             </a:fld>
             <a:endParaRPr lang="de-DE"/>
           </a:p>
@@ -3358,7 +3367,7 @@
             <a:fld id="{88A029B0-5F1E-49AE-B34E-4422E9571E26}" type="datetimeFigureOut">
               <a:rPr lang="de-DE" smtClean="0"/>
               <a:pPr/>
-              <a:t>16.11.2018</a:t>
+              <a:t>17.11.2018</a:t>
             </a:fld>
             <a:endParaRPr lang="de-DE"/>
           </a:p>
@@ -3573,7 +3582,7 @@
             <a:fld id="{88A029B0-5F1E-49AE-B34E-4422E9571E26}" type="datetimeFigureOut">
               <a:rPr lang="de-DE" smtClean="0"/>
               <a:pPr/>
-              <a:t>16.11.2018</a:t>
+              <a:t>17.11.2018</a:t>
             </a:fld>
             <a:endParaRPr lang="de-DE"/>
           </a:p>
@@ -3946,1148 +3955,32 @@
       </p:grpSpPr>
       <p:sp>
         <p:nvSpPr>
-          <p:cNvPr id="9" name="Rechteck 8"/>
-          <p:cNvSpPr/>
-          <p:nvPr/>
-        </p:nvSpPr>
-        <p:spPr>
-          <a:xfrm>
-            <a:off x="6012160" y="1267620"/>
-            <a:ext cx="2808312" cy="1873348"/>
-          </a:xfrm>
-          <a:prstGeom prst="rect">
-            <a:avLst/>
-          </a:prstGeom>
-        </p:spPr>
-        <p:style>
-          <a:lnRef idx="2">
-            <a:schemeClr val="accent6"/>
-          </a:lnRef>
-          <a:fillRef idx="1">
-            <a:schemeClr val="lt1"/>
-          </a:fillRef>
-          <a:effectRef idx="0">
-            <a:schemeClr val="accent6"/>
-          </a:effectRef>
-          <a:fontRef idx="minor">
-            <a:schemeClr val="dk1"/>
-          </a:fontRef>
-        </p:style>
-        <p:txBody>
-          <a:bodyPr rtlCol="0" anchor="ctr"/>
-          <a:lstStyle/>
-          <a:p>
-            <a:pPr algn="ctr"/>
-            <a:endParaRPr lang="de-DE" dirty="0" smtClean="0">
-              <a:solidFill>
-                <a:schemeClr val="bg1">
-                  <a:lumMod val="65000"/>
-                </a:schemeClr>
-              </a:solidFill>
-            </a:endParaRPr>
-          </a:p>
-          <a:p>
-            <a:pPr algn="ctr"/>
-            <a:r>
-              <a:rPr lang="de-DE" dirty="0" smtClean="0">
-                <a:solidFill>
-                  <a:schemeClr val="bg1">
-                    <a:lumMod val="65000"/>
-                  </a:schemeClr>
-                </a:solidFill>
-              </a:rPr>
-              <a:t>GSO </a:t>
-            </a:r>
-            <a:r>
-              <a:rPr lang="de-DE" dirty="0" smtClean="0">
-                <a:solidFill>
-                  <a:schemeClr val="bg1">
-                    <a:lumMod val="65000"/>
-                  </a:schemeClr>
-                </a:solidFill>
-              </a:rPr>
-              <a:t>Design</a:t>
-            </a:r>
-            <a:endParaRPr lang="de-DE" dirty="0">
-              <a:solidFill>
-                <a:schemeClr val="bg1">
-                  <a:lumMod val="65000"/>
-                </a:schemeClr>
-              </a:solidFill>
-            </a:endParaRPr>
-          </a:p>
-        </p:txBody>
-      </p:sp>
-      <p:sp>
-        <p:nvSpPr>
-          <p:cNvPr id="3" name="Rechteck 2"/>
-          <p:cNvSpPr/>
-          <p:nvPr/>
-        </p:nvSpPr>
-        <p:spPr>
-          <a:xfrm>
-            <a:off x="395536" y="1267620"/>
-            <a:ext cx="5355000" cy="2857520"/>
-          </a:xfrm>
-          <a:prstGeom prst="rect">
-            <a:avLst/>
-          </a:prstGeom>
-        </p:spPr>
-        <p:style>
-          <a:lnRef idx="2">
-            <a:schemeClr val="accent6"/>
-          </a:lnRef>
-          <a:fillRef idx="1">
-            <a:schemeClr val="lt1"/>
-          </a:fillRef>
-          <a:effectRef idx="0">
-            <a:schemeClr val="accent6"/>
-          </a:effectRef>
-          <a:fontRef idx="minor">
-            <a:schemeClr val="dk1"/>
-          </a:fontRef>
-        </p:style>
-        <p:txBody>
-          <a:bodyPr rtlCol="0" anchor="ctr"/>
-          <a:lstStyle/>
-          <a:p>
-            <a:pPr algn="ctr"/>
-            <a:r>
-              <a:rPr lang="de-DE" dirty="0" smtClean="0">
-                <a:solidFill>
-                  <a:schemeClr val="bg1">
-                    <a:lumMod val="65000"/>
-                  </a:schemeClr>
-                </a:solidFill>
-              </a:rPr>
-              <a:t>GSO </a:t>
-            </a:r>
-            <a:r>
-              <a:rPr lang="de-DE" dirty="0" smtClean="0">
-                <a:solidFill>
-                  <a:schemeClr val="bg1">
-                    <a:lumMod val="65000"/>
-                  </a:schemeClr>
-                </a:solidFill>
-              </a:rPr>
-              <a:t>Bild</a:t>
-            </a:r>
-            <a:endParaRPr lang="de-DE" dirty="0">
-              <a:solidFill>
-                <a:schemeClr val="bg1">
-                  <a:lumMod val="65000"/>
-                </a:schemeClr>
-              </a:solidFill>
-            </a:endParaRPr>
-          </a:p>
-        </p:txBody>
-      </p:sp>
-      <p:sp>
-        <p:nvSpPr>
-          <p:cNvPr id="4" name="Rechteck 3"/>
-          <p:cNvSpPr/>
-          <p:nvPr/>
-        </p:nvSpPr>
-        <p:spPr>
-          <a:xfrm>
-            <a:off x="6180888" y="1410496"/>
-            <a:ext cx="2428892" cy="285752"/>
-          </a:xfrm>
-          <a:prstGeom prst="rect">
-            <a:avLst/>
-          </a:prstGeom>
-          <a:ln>
-            <a:solidFill>
-              <a:schemeClr val="tx1"/>
-            </a:solidFill>
-          </a:ln>
-        </p:spPr>
-        <p:style>
-          <a:lnRef idx="2">
-            <a:schemeClr val="dk1"/>
-          </a:lnRef>
-          <a:fillRef idx="1">
-            <a:schemeClr val="lt1"/>
-          </a:fillRef>
-          <a:effectRef idx="0">
-            <a:schemeClr val="dk1"/>
-          </a:effectRef>
-          <a:fontRef idx="minor">
-            <a:schemeClr val="dk1"/>
-          </a:fontRef>
-        </p:style>
-        <p:txBody>
-          <a:bodyPr rtlCol="0" anchor="ctr"/>
-          <a:lstStyle/>
-          <a:p>
-            <a:pPr algn="ctr"/>
-            <a:r>
-              <a:rPr lang="de-DE" dirty="0" smtClean="0"/>
-              <a:t>Benutzername</a:t>
-            </a:r>
-            <a:endParaRPr lang="de-DE" dirty="0"/>
-          </a:p>
-        </p:txBody>
-      </p:sp>
-      <p:sp>
-        <p:nvSpPr>
-          <p:cNvPr id="5" name="Rechteck 4"/>
-          <p:cNvSpPr/>
-          <p:nvPr/>
-        </p:nvSpPr>
-        <p:spPr>
-          <a:xfrm>
-            <a:off x="6180888" y="1827808"/>
-            <a:ext cx="2428892" cy="285752"/>
-          </a:xfrm>
-          <a:prstGeom prst="rect">
-            <a:avLst/>
-          </a:prstGeom>
-          <a:ln>
-            <a:solidFill>
-              <a:schemeClr val="tx1"/>
-            </a:solidFill>
-          </a:ln>
-        </p:spPr>
-        <p:style>
-          <a:lnRef idx="2">
-            <a:schemeClr val="dk1"/>
-          </a:lnRef>
-          <a:fillRef idx="1">
-            <a:schemeClr val="lt1"/>
-          </a:fillRef>
-          <a:effectRef idx="0">
-            <a:schemeClr val="dk1"/>
-          </a:effectRef>
-          <a:fontRef idx="minor">
-            <a:schemeClr val="dk1"/>
-          </a:fontRef>
-        </p:style>
-        <p:txBody>
-          <a:bodyPr rtlCol="0" anchor="ctr"/>
-          <a:lstStyle/>
-          <a:p>
-            <a:pPr algn="ctr"/>
-            <a:r>
-              <a:rPr lang="de-DE" dirty="0" smtClean="0"/>
-              <a:t>Passwort</a:t>
-            </a:r>
-            <a:endParaRPr lang="de-DE" dirty="0"/>
-          </a:p>
-        </p:txBody>
-      </p:sp>
-      <p:sp>
-        <p:nvSpPr>
-          <p:cNvPr id="6" name="Rechteck 5"/>
-          <p:cNvSpPr/>
-          <p:nvPr/>
-        </p:nvSpPr>
-        <p:spPr>
-          <a:xfrm>
-            <a:off x="0" y="0"/>
-            <a:ext cx="2195736" cy="764704"/>
-          </a:xfrm>
-          <a:prstGeom prst="rect">
-            <a:avLst/>
-          </a:prstGeom>
-        </p:spPr>
-        <p:style>
-          <a:lnRef idx="2">
-            <a:schemeClr val="accent6"/>
-          </a:lnRef>
-          <a:fillRef idx="1">
-            <a:schemeClr val="lt1"/>
-          </a:fillRef>
-          <a:effectRef idx="0">
-            <a:schemeClr val="accent6"/>
-          </a:effectRef>
-          <a:fontRef idx="minor">
-            <a:schemeClr val="dk1"/>
-          </a:fontRef>
-        </p:style>
-        <p:txBody>
-          <a:bodyPr rtlCol="0" anchor="ctr"/>
-          <a:lstStyle/>
-          <a:p>
-            <a:pPr algn="ctr"/>
-            <a:r>
-              <a:rPr lang="de-DE" dirty="0" smtClean="0">
-                <a:solidFill>
-                  <a:schemeClr val="bg1">
-                    <a:lumMod val="65000"/>
-                  </a:schemeClr>
-                </a:solidFill>
-              </a:rPr>
-              <a:t>GSO </a:t>
-            </a:r>
-            <a:r>
-              <a:rPr lang="de-DE" dirty="0" smtClean="0">
-                <a:solidFill>
-                  <a:schemeClr val="bg1">
-                    <a:lumMod val="65000"/>
-                  </a:schemeClr>
-                </a:solidFill>
-              </a:rPr>
-              <a:t>Logo</a:t>
-            </a:r>
-            <a:endParaRPr lang="de-DE" dirty="0">
-              <a:solidFill>
-                <a:schemeClr val="bg1">
-                  <a:lumMod val="65000"/>
-                </a:schemeClr>
-              </a:solidFill>
-            </a:endParaRPr>
-          </a:p>
-        </p:txBody>
-      </p:sp>
-      <p:sp>
-        <p:nvSpPr>
-          <p:cNvPr id="7" name="Rechteck 6"/>
-          <p:cNvSpPr/>
-          <p:nvPr/>
-        </p:nvSpPr>
-        <p:spPr>
-          <a:xfrm>
-            <a:off x="6180888" y="2571744"/>
-            <a:ext cx="1571636" cy="428628"/>
-          </a:xfrm>
-          <a:prstGeom prst="rect">
-            <a:avLst/>
-          </a:prstGeom>
-        </p:spPr>
-        <p:style>
-          <a:lnRef idx="1">
-            <a:schemeClr val="dk1"/>
-          </a:lnRef>
-          <a:fillRef idx="2">
-            <a:schemeClr val="dk1"/>
-          </a:fillRef>
-          <a:effectRef idx="1">
-            <a:schemeClr val="dk1"/>
-          </a:effectRef>
-          <a:fontRef idx="minor">
-            <a:schemeClr val="dk1"/>
-          </a:fontRef>
-        </p:style>
-        <p:txBody>
-          <a:bodyPr rtlCol="0" anchor="ctr"/>
-          <a:lstStyle/>
-          <a:p>
-            <a:pPr algn="ctr"/>
-            <a:r>
-              <a:rPr lang="de-DE" dirty="0" smtClean="0"/>
-              <a:t>Anmelden</a:t>
-            </a:r>
-            <a:endParaRPr lang="de-DE" dirty="0"/>
-          </a:p>
-        </p:txBody>
-      </p:sp>
-      <p:sp>
-        <p:nvSpPr>
-          <p:cNvPr id="8" name="Rechteck 7"/>
-          <p:cNvSpPr/>
-          <p:nvPr/>
-        </p:nvSpPr>
-        <p:spPr>
-          <a:xfrm>
-            <a:off x="7020272" y="3982264"/>
-            <a:ext cx="1805532" cy="2687096"/>
-          </a:xfrm>
-          <a:prstGeom prst="rect">
-            <a:avLst/>
-          </a:prstGeom>
-        </p:spPr>
-        <p:style>
-          <a:lnRef idx="2">
-            <a:schemeClr val="accent6"/>
-          </a:lnRef>
-          <a:fillRef idx="1">
-            <a:schemeClr val="lt1"/>
-          </a:fillRef>
-          <a:effectRef idx="0">
-            <a:schemeClr val="accent6"/>
-          </a:effectRef>
-          <a:fontRef idx="minor">
-            <a:schemeClr val="dk1"/>
-          </a:fontRef>
-        </p:style>
-        <p:txBody>
-          <a:bodyPr rtlCol="0" anchor="ctr"/>
-          <a:lstStyle/>
-          <a:p>
-            <a:pPr algn="ctr"/>
-            <a:r>
-              <a:rPr lang="de-DE" dirty="0" smtClean="0"/>
-              <a:t>Protokolltool</a:t>
-            </a:r>
-          </a:p>
-          <a:p>
-            <a:pPr algn="ctr"/>
-            <a:endParaRPr lang="de-DE" dirty="0" smtClean="0"/>
-          </a:p>
-          <a:p>
-            <a:pPr algn="ctr"/>
-            <a:r>
-              <a:rPr lang="de-DE" dirty="0" smtClean="0"/>
-              <a:t>Made </a:t>
-            </a:r>
-            <a:r>
-              <a:rPr lang="de-DE" dirty="0" err="1" smtClean="0"/>
-              <a:t>with</a:t>
-            </a:r>
-            <a:r>
-              <a:rPr lang="de-DE" dirty="0" smtClean="0"/>
-              <a:t> ♥ </a:t>
-            </a:r>
-            <a:r>
-              <a:rPr lang="de-DE" dirty="0" err="1" smtClean="0"/>
-              <a:t>by</a:t>
-            </a:r>
-            <a:r>
-              <a:rPr lang="de-DE" dirty="0" smtClean="0"/>
-              <a:t>:</a:t>
-            </a:r>
-          </a:p>
-          <a:p>
-            <a:pPr algn="ctr"/>
-            <a:r>
-              <a:rPr lang="de-DE" dirty="0" smtClean="0">
-                <a:solidFill>
-                  <a:schemeClr val="bg1">
-                    <a:lumMod val="65000"/>
-                  </a:schemeClr>
-                </a:solidFill>
-              </a:rPr>
-              <a:t>GSO Design</a:t>
-            </a:r>
-            <a:endParaRPr lang="de-DE" dirty="0">
-              <a:solidFill>
-                <a:schemeClr val="bg1">
-                  <a:lumMod val="65000"/>
-                </a:schemeClr>
-              </a:solidFill>
-            </a:endParaRPr>
-          </a:p>
-          <a:p>
-            <a:r>
-              <a:rPr lang="de-DE" dirty="0" smtClean="0"/>
-              <a:t>• MCGD</a:t>
-            </a:r>
-          </a:p>
-          <a:p>
-            <a:r>
-              <a:rPr lang="de-DE" dirty="0" smtClean="0"/>
-              <a:t>• </a:t>
-            </a:r>
-            <a:r>
-              <a:rPr lang="de-DE" dirty="0" err="1" smtClean="0"/>
-              <a:t>newKid</a:t>
-            </a:r>
-            <a:endParaRPr lang="de-DE" dirty="0" smtClean="0"/>
-          </a:p>
-          <a:p>
-            <a:r>
-              <a:rPr lang="de-DE" dirty="0" smtClean="0"/>
-              <a:t>• Detlef</a:t>
-            </a:r>
-          </a:p>
-          <a:p>
-            <a:r>
-              <a:rPr lang="de-DE" dirty="0" smtClean="0"/>
-              <a:t>• </a:t>
-            </a:r>
-            <a:r>
-              <a:rPr lang="de-DE" dirty="0" err="1" smtClean="0"/>
-              <a:t>Gollnick</a:t>
-            </a:r>
-            <a:endParaRPr lang="de-DE" dirty="0"/>
-          </a:p>
-        </p:txBody>
-      </p:sp>
-      <p:sp>
-        <p:nvSpPr>
-          <p:cNvPr id="10" name="Rechteck 9"/>
-          <p:cNvSpPr/>
-          <p:nvPr/>
-        </p:nvSpPr>
-        <p:spPr>
-          <a:xfrm>
-            <a:off x="395536" y="4293096"/>
-            <a:ext cx="6264696" cy="2281456"/>
-          </a:xfrm>
-          <a:prstGeom prst="rect">
-            <a:avLst/>
-          </a:prstGeom>
-        </p:spPr>
-        <p:style>
-          <a:lnRef idx="2">
-            <a:schemeClr val="accent6"/>
-          </a:lnRef>
-          <a:fillRef idx="1">
-            <a:schemeClr val="lt1"/>
-          </a:fillRef>
-          <a:effectRef idx="0">
-            <a:schemeClr val="accent6"/>
-          </a:effectRef>
-          <a:fontRef idx="minor">
-            <a:schemeClr val="dk1"/>
-          </a:fontRef>
-        </p:style>
-        <p:txBody>
-          <a:bodyPr rtlCol="0" anchor="ctr"/>
-          <a:lstStyle/>
-          <a:p>
-            <a:pPr algn="ctr"/>
-            <a:endParaRPr lang="de-DE" dirty="0" smtClean="0">
-              <a:solidFill>
-                <a:schemeClr val="bg1">
-                  <a:lumMod val="65000"/>
-                </a:schemeClr>
-              </a:solidFill>
-            </a:endParaRPr>
-          </a:p>
-          <a:p>
-            <a:pPr algn="ctr"/>
-            <a:endParaRPr lang="de-DE" dirty="0">
-              <a:solidFill>
-                <a:schemeClr val="bg1">
-                  <a:lumMod val="65000"/>
-                </a:schemeClr>
-              </a:solidFill>
-            </a:endParaRPr>
-          </a:p>
-          <a:p>
-            <a:pPr algn="ctr"/>
-            <a:r>
-              <a:rPr lang="de-DE" dirty="0" smtClean="0">
-                <a:solidFill>
-                  <a:schemeClr val="bg1">
-                    <a:lumMod val="65000"/>
-                  </a:schemeClr>
-                </a:solidFill>
-              </a:rPr>
-              <a:t>Liste von Beschlüssen</a:t>
-            </a:r>
-            <a:endParaRPr lang="de-DE" dirty="0">
-              <a:solidFill>
-                <a:schemeClr val="bg1">
-                  <a:lumMod val="65000"/>
-                </a:schemeClr>
-              </a:solidFill>
-            </a:endParaRPr>
-          </a:p>
-        </p:txBody>
-      </p:sp>
-      <p:sp>
-        <p:nvSpPr>
-          <p:cNvPr id="13" name="Rechteck 12"/>
-          <p:cNvSpPr/>
-          <p:nvPr/>
-        </p:nvSpPr>
-        <p:spPr>
-          <a:xfrm>
-            <a:off x="395536" y="4293096"/>
-            <a:ext cx="1296144" cy="429022"/>
-          </a:xfrm>
-          <a:prstGeom prst="rect">
-            <a:avLst/>
-          </a:prstGeom>
-        </p:spPr>
-        <p:style>
-          <a:lnRef idx="1">
-            <a:schemeClr val="accent1"/>
-          </a:lnRef>
-          <a:fillRef idx="2">
-            <a:schemeClr val="accent1"/>
-          </a:fillRef>
-          <a:effectRef idx="1">
-            <a:schemeClr val="accent1"/>
-          </a:effectRef>
-          <a:fontRef idx="minor">
-            <a:schemeClr val="dk1"/>
-          </a:fontRef>
-        </p:style>
-        <p:txBody>
-          <a:bodyPr rtlCol="0" anchor="ctr"/>
-          <a:lstStyle/>
-          <a:p>
-            <a:pPr algn="ctr"/>
-            <a:r>
-              <a:rPr lang="de-DE" sz="1600" dirty="0" smtClean="0"/>
-              <a:t>TOP</a:t>
-            </a:r>
-            <a:endParaRPr lang="de-DE" sz="1600" dirty="0"/>
-          </a:p>
-        </p:txBody>
-      </p:sp>
-      <p:sp>
-        <p:nvSpPr>
-          <p:cNvPr id="15" name="Rechteck 14"/>
-          <p:cNvSpPr/>
-          <p:nvPr/>
-        </p:nvSpPr>
-        <p:spPr>
-          <a:xfrm>
-            <a:off x="1691680" y="4293096"/>
-            <a:ext cx="3240360" cy="429022"/>
-          </a:xfrm>
-          <a:prstGeom prst="rect">
-            <a:avLst/>
-          </a:prstGeom>
-        </p:spPr>
-        <p:style>
-          <a:lnRef idx="1">
-            <a:schemeClr val="accent1"/>
-          </a:lnRef>
-          <a:fillRef idx="2">
-            <a:schemeClr val="accent1"/>
-          </a:fillRef>
-          <a:effectRef idx="1">
-            <a:schemeClr val="accent1"/>
-          </a:effectRef>
-          <a:fontRef idx="minor">
-            <a:schemeClr val="dk1"/>
-          </a:fontRef>
-        </p:style>
-        <p:txBody>
-          <a:bodyPr rtlCol="0" anchor="ctr"/>
-          <a:lstStyle/>
-          <a:p>
-            <a:pPr algn="ctr"/>
-            <a:r>
-              <a:rPr lang="de-DE" sz="1600" dirty="0" smtClean="0"/>
-              <a:t>Beschluss</a:t>
-            </a:r>
-            <a:endParaRPr lang="de-DE" sz="1600" dirty="0"/>
-          </a:p>
-        </p:txBody>
-      </p:sp>
-      <p:sp>
-        <p:nvSpPr>
-          <p:cNvPr id="16" name="Rechteck 15"/>
-          <p:cNvSpPr/>
-          <p:nvPr/>
-        </p:nvSpPr>
-        <p:spPr>
-          <a:xfrm>
-            <a:off x="4932040" y="4293096"/>
-            <a:ext cx="579974" cy="427509"/>
-          </a:xfrm>
-          <a:prstGeom prst="rect">
-            <a:avLst/>
-          </a:prstGeom>
-        </p:spPr>
-        <p:style>
-          <a:lnRef idx="1">
-            <a:schemeClr val="accent1"/>
-          </a:lnRef>
-          <a:fillRef idx="2">
-            <a:schemeClr val="accent1"/>
-          </a:fillRef>
-          <a:effectRef idx="1">
-            <a:schemeClr val="accent1"/>
-          </a:effectRef>
-          <a:fontRef idx="minor">
-            <a:schemeClr val="dk1"/>
-          </a:fontRef>
-        </p:style>
-        <p:txBody>
-          <a:bodyPr rtlCol="0" anchor="ctr"/>
-          <a:lstStyle/>
-          <a:p>
-            <a:pPr algn="ctr"/>
-            <a:r>
-              <a:rPr lang="de-DE" sz="1600" dirty="0" smtClean="0"/>
-              <a:t>+</a:t>
-            </a:r>
-            <a:endParaRPr lang="de-DE" sz="1600" dirty="0"/>
-          </a:p>
-        </p:txBody>
-      </p:sp>
-      <p:sp>
-        <p:nvSpPr>
-          <p:cNvPr id="17" name="Rechteck 16"/>
-          <p:cNvSpPr/>
-          <p:nvPr/>
-        </p:nvSpPr>
-        <p:spPr>
-          <a:xfrm>
-            <a:off x="5504194" y="4291583"/>
-            <a:ext cx="579974" cy="429022"/>
-          </a:xfrm>
-          <a:prstGeom prst="rect">
-            <a:avLst/>
-          </a:prstGeom>
-        </p:spPr>
-        <p:style>
-          <a:lnRef idx="1">
-            <a:schemeClr val="accent1"/>
-          </a:lnRef>
-          <a:fillRef idx="2">
-            <a:schemeClr val="accent1"/>
-          </a:fillRef>
-          <a:effectRef idx="1">
-            <a:schemeClr val="accent1"/>
-          </a:effectRef>
-          <a:fontRef idx="minor">
-            <a:schemeClr val="dk1"/>
-          </a:fontRef>
-        </p:style>
-        <p:txBody>
-          <a:bodyPr rtlCol="0" anchor="ctr"/>
-          <a:lstStyle/>
-          <a:p>
-            <a:pPr algn="ctr"/>
-            <a:r>
-              <a:rPr lang="de-DE" sz="1600" dirty="0" smtClean="0"/>
-              <a:t>-</a:t>
-            </a:r>
-            <a:endParaRPr lang="de-DE" sz="1600" dirty="0"/>
-          </a:p>
-        </p:txBody>
-      </p:sp>
-      <p:sp>
-        <p:nvSpPr>
-          <p:cNvPr id="18" name="Rechteck 17"/>
-          <p:cNvSpPr/>
-          <p:nvPr/>
-        </p:nvSpPr>
-        <p:spPr>
-          <a:xfrm>
-            <a:off x="6084168" y="4293096"/>
-            <a:ext cx="570027" cy="429022"/>
-          </a:xfrm>
-          <a:prstGeom prst="rect">
-            <a:avLst/>
-          </a:prstGeom>
-        </p:spPr>
-        <p:style>
-          <a:lnRef idx="1">
-            <a:schemeClr val="accent1"/>
-          </a:lnRef>
-          <a:fillRef idx="2">
-            <a:schemeClr val="accent1"/>
-          </a:fillRef>
-          <a:effectRef idx="1">
-            <a:schemeClr val="accent1"/>
-          </a:effectRef>
-          <a:fontRef idx="minor">
-            <a:schemeClr val="dk1"/>
-          </a:fontRef>
-        </p:style>
-        <p:txBody>
-          <a:bodyPr rtlCol="0" anchor="ctr"/>
-          <a:lstStyle/>
-          <a:p>
-            <a:pPr algn="ctr"/>
-            <a:r>
-              <a:rPr lang="de-DE" sz="1600" dirty="0" smtClean="0"/>
-              <a:t>o</a:t>
-            </a:r>
-            <a:endParaRPr lang="de-DE" sz="1600" dirty="0"/>
-          </a:p>
-        </p:txBody>
-      </p:sp>
-      <p:sp>
-        <p:nvSpPr>
-          <p:cNvPr id="19" name="Rechteck 18"/>
-          <p:cNvSpPr/>
-          <p:nvPr/>
-        </p:nvSpPr>
-        <p:spPr>
-          <a:xfrm>
-            <a:off x="395536" y="4722118"/>
-            <a:ext cx="1296144" cy="321471"/>
-          </a:xfrm>
-          <a:prstGeom prst="rect">
-            <a:avLst/>
-          </a:prstGeom>
-          <a:ln>
-            <a:solidFill>
-              <a:schemeClr val="bg1">
-                <a:lumMod val="50000"/>
-              </a:schemeClr>
-            </a:solidFill>
-          </a:ln>
-        </p:spPr>
-        <p:style>
-          <a:lnRef idx="2">
-            <a:schemeClr val="dk1"/>
-          </a:lnRef>
-          <a:fillRef idx="1">
-            <a:schemeClr val="lt1"/>
-          </a:fillRef>
-          <a:effectRef idx="0">
-            <a:schemeClr val="dk1"/>
-          </a:effectRef>
-          <a:fontRef idx="minor">
-            <a:schemeClr val="dk1"/>
-          </a:fontRef>
-        </p:style>
-        <p:txBody>
-          <a:bodyPr rtlCol="0" anchor="ctr"/>
-          <a:lstStyle/>
-          <a:p>
-            <a:pPr algn="ctr"/>
-            <a:r>
-              <a:rPr lang="de-DE" sz="1600" dirty="0" smtClean="0"/>
-              <a:t>Schuluniform</a:t>
-            </a:r>
-            <a:endParaRPr lang="de-DE" sz="1600" dirty="0"/>
-          </a:p>
-        </p:txBody>
-      </p:sp>
-      <p:sp>
-        <p:nvSpPr>
-          <p:cNvPr id="20" name="Rechteck 19"/>
-          <p:cNvSpPr/>
-          <p:nvPr/>
-        </p:nvSpPr>
-        <p:spPr>
-          <a:xfrm>
-            <a:off x="1691680" y="4722118"/>
-            <a:ext cx="3240360" cy="321471"/>
-          </a:xfrm>
-          <a:prstGeom prst="rect">
-            <a:avLst/>
-          </a:prstGeom>
-          <a:ln>
-            <a:solidFill>
-              <a:schemeClr val="bg1">
-                <a:lumMod val="50000"/>
-              </a:schemeClr>
-            </a:solidFill>
-          </a:ln>
-        </p:spPr>
-        <p:style>
-          <a:lnRef idx="2">
-            <a:schemeClr val="dk1"/>
-          </a:lnRef>
-          <a:fillRef idx="1">
-            <a:schemeClr val="lt1"/>
-          </a:fillRef>
-          <a:effectRef idx="0">
-            <a:schemeClr val="dk1"/>
-          </a:effectRef>
-          <a:fontRef idx="minor">
-            <a:schemeClr val="dk1"/>
-          </a:fontRef>
-        </p:style>
-        <p:txBody>
-          <a:bodyPr rtlCol="0" anchor="ctr"/>
-          <a:lstStyle/>
-          <a:p>
-            <a:pPr algn="ctr"/>
-            <a:r>
-              <a:rPr lang="de-DE" sz="1600" dirty="0" smtClean="0"/>
-              <a:t>Schüler sollen Schuluniform tragen</a:t>
-            </a:r>
-            <a:endParaRPr lang="de-DE" sz="1600" dirty="0"/>
-          </a:p>
-        </p:txBody>
-      </p:sp>
-      <p:sp>
-        <p:nvSpPr>
-          <p:cNvPr id="21" name="Rechteck 20"/>
-          <p:cNvSpPr/>
-          <p:nvPr/>
-        </p:nvSpPr>
-        <p:spPr>
-          <a:xfrm>
-            <a:off x="4941987" y="4723455"/>
-            <a:ext cx="570027" cy="321471"/>
-          </a:xfrm>
-          <a:prstGeom prst="rect">
-            <a:avLst/>
-          </a:prstGeom>
-          <a:ln>
-            <a:solidFill>
-              <a:schemeClr val="bg1">
-                <a:lumMod val="50000"/>
-              </a:schemeClr>
-            </a:solidFill>
-          </a:ln>
-        </p:spPr>
-        <p:style>
-          <a:lnRef idx="2">
-            <a:schemeClr val="dk1"/>
-          </a:lnRef>
-          <a:fillRef idx="1">
-            <a:schemeClr val="lt1"/>
-          </a:fillRef>
-          <a:effectRef idx="0">
-            <a:schemeClr val="dk1"/>
-          </a:effectRef>
-          <a:fontRef idx="minor">
-            <a:schemeClr val="dk1"/>
-          </a:fontRef>
-        </p:style>
-        <p:txBody>
-          <a:bodyPr rtlCol="0" anchor="ctr"/>
-          <a:lstStyle/>
-          <a:p>
-            <a:pPr algn="ctr"/>
-            <a:r>
-              <a:rPr lang="de-DE" sz="1600" dirty="0" smtClean="0"/>
-              <a:t>3</a:t>
-            </a:r>
-            <a:endParaRPr lang="de-DE" sz="1600" dirty="0"/>
-          </a:p>
-        </p:txBody>
-      </p:sp>
-      <p:sp>
-        <p:nvSpPr>
-          <p:cNvPr id="22" name="Rechteck 21"/>
-          <p:cNvSpPr/>
-          <p:nvPr/>
-        </p:nvSpPr>
-        <p:spPr>
-          <a:xfrm>
-            <a:off x="5514141" y="4723455"/>
-            <a:ext cx="570027" cy="321471"/>
-          </a:xfrm>
-          <a:prstGeom prst="rect">
-            <a:avLst/>
-          </a:prstGeom>
-          <a:ln>
-            <a:solidFill>
-              <a:schemeClr val="bg1">
-                <a:lumMod val="50000"/>
-              </a:schemeClr>
-            </a:solidFill>
-          </a:ln>
-        </p:spPr>
-        <p:style>
-          <a:lnRef idx="2">
-            <a:schemeClr val="dk1"/>
-          </a:lnRef>
-          <a:fillRef idx="1">
-            <a:schemeClr val="lt1"/>
-          </a:fillRef>
-          <a:effectRef idx="0">
-            <a:schemeClr val="dk1"/>
-          </a:effectRef>
-          <a:fontRef idx="minor">
-            <a:schemeClr val="dk1"/>
-          </a:fontRef>
-        </p:style>
-        <p:txBody>
-          <a:bodyPr rtlCol="0" anchor="ctr"/>
-          <a:lstStyle/>
-          <a:p>
-            <a:pPr algn="ctr"/>
-            <a:r>
-              <a:rPr lang="de-DE" sz="1600" dirty="0" smtClean="0"/>
-              <a:t>14</a:t>
-            </a:r>
-            <a:endParaRPr lang="de-DE" sz="1600" dirty="0"/>
-          </a:p>
-        </p:txBody>
-      </p:sp>
-      <p:sp>
-        <p:nvSpPr>
-          <p:cNvPr id="23" name="Rechteck 22"/>
-          <p:cNvSpPr/>
-          <p:nvPr/>
-        </p:nvSpPr>
-        <p:spPr>
-          <a:xfrm>
-            <a:off x="6084168" y="4723455"/>
-            <a:ext cx="570027" cy="321471"/>
-          </a:xfrm>
-          <a:prstGeom prst="rect">
-            <a:avLst/>
-          </a:prstGeom>
-          <a:ln>
-            <a:solidFill>
-              <a:schemeClr val="bg1">
-                <a:lumMod val="50000"/>
-              </a:schemeClr>
-            </a:solidFill>
-          </a:ln>
-        </p:spPr>
-        <p:style>
-          <a:lnRef idx="2">
-            <a:schemeClr val="dk1"/>
-          </a:lnRef>
-          <a:fillRef idx="1">
-            <a:schemeClr val="lt1"/>
-          </a:fillRef>
-          <a:effectRef idx="0">
-            <a:schemeClr val="dk1"/>
-          </a:effectRef>
-          <a:fontRef idx="minor">
-            <a:schemeClr val="dk1"/>
-          </a:fontRef>
-        </p:style>
-        <p:txBody>
-          <a:bodyPr rtlCol="0" anchor="ctr"/>
-          <a:lstStyle/>
-          <a:p>
-            <a:pPr algn="ctr"/>
-            <a:r>
-              <a:rPr lang="de-DE" sz="1600" dirty="0" smtClean="0"/>
-              <a:t>6</a:t>
-            </a:r>
-            <a:endParaRPr lang="de-DE" sz="1600" dirty="0"/>
-          </a:p>
-        </p:txBody>
-      </p:sp>
-      <p:sp>
-        <p:nvSpPr>
-          <p:cNvPr id="24" name="Rechteck 23"/>
-          <p:cNvSpPr/>
-          <p:nvPr/>
-        </p:nvSpPr>
-        <p:spPr>
-          <a:xfrm>
-            <a:off x="32419" y="872183"/>
-            <a:ext cx="8778205" cy="296416"/>
-          </a:xfrm>
-          <a:prstGeom prst="rect">
-            <a:avLst/>
-          </a:prstGeom>
-        </p:spPr>
-        <p:style>
-          <a:lnRef idx="2">
-            <a:schemeClr val="accent6"/>
-          </a:lnRef>
-          <a:fillRef idx="1">
-            <a:schemeClr val="lt1"/>
-          </a:fillRef>
-          <a:effectRef idx="0">
-            <a:schemeClr val="accent6"/>
-          </a:effectRef>
-          <a:fontRef idx="minor">
-            <a:schemeClr val="dk1"/>
-          </a:fontRef>
-        </p:style>
-        <p:txBody>
-          <a:bodyPr rtlCol="0" anchor="ctr"/>
-          <a:lstStyle/>
-          <a:p>
-            <a:pPr algn="r"/>
-            <a:r>
-              <a:rPr lang="de-DE" dirty="0" smtClean="0">
-                <a:solidFill>
-                  <a:schemeClr val="bg1">
-                    <a:lumMod val="65000"/>
-                  </a:schemeClr>
-                </a:solidFill>
-              </a:rPr>
-              <a:t>Menüleiste</a:t>
-            </a:r>
-            <a:endParaRPr lang="de-DE" dirty="0">
-              <a:solidFill>
-                <a:schemeClr val="bg1">
-                  <a:lumMod val="65000"/>
-                </a:schemeClr>
-              </a:solidFill>
-            </a:endParaRPr>
-          </a:p>
-        </p:txBody>
-      </p:sp>
-      <p:sp>
-        <p:nvSpPr>
-          <p:cNvPr id="25" name="Rechteck 24"/>
-          <p:cNvSpPr/>
-          <p:nvPr/>
-        </p:nvSpPr>
-        <p:spPr>
-          <a:xfrm>
-            <a:off x="1691680" y="889440"/>
-            <a:ext cx="1496552" cy="267072"/>
-          </a:xfrm>
-          <a:prstGeom prst="rect">
-            <a:avLst/>
-          </a:prstGeom>
-        </p:spPr>
-        <p:style>
-          <a:lnRef idx="1">
-            <a:schemeClr val="dk1"/>
-          </a:lnRef>
-          <a:fillRef idx="2">
-            <a:schemeClr val="dk1"/>
-          </a:fillRef>
-          <a:effectRef idx="1">
-            <a:schemeClr val="dk1"/>
-          </a:effectRef>
-          <a:fontRef idx="minor">
-            <a:schemeClr val="dk1"/>
-          </a:fontRef>
-        </p:style>
-        <p:txBody>
-          <a:bodyPr rtlCol="0" anchor="ctr"/>
-          <a:lstStyle/>
-          <a:p>
-            <a:pPr algn="ctr"/>
-            <a:r>
-              <a:rPr lang="de-DE" dirty="0" smtClean="0"/>
-              <a:t>Admintools</a:t>
-            </a:r>
-            <a:endParaRPr lang="de-DE" dirty="0"/>
-          </a:p>
-        </p:txBody>
-      </p:sp>
-      <p:sp>
-        <p:nvSpPr>
-          <p:cNvPr id="26" name="Rechteck 25"/>
-          <p:cNvSpPr/>
-          <p:nvPr/>
-        </p:nvSpPr>
-        <p:spPr>
-          <a:xfrm>
-            <a:off x="42732" y="884270"/>
-            <a:ext cx="1648948" cy="272242"/>
-          </a:xfrm>
-          <a:prstGeom prst="rect">
-            <a:avLst/>
-          </a:prstGeom>
-        </p:spPr>
-        <p:style>
-          <a:lnRef idx="1">
-            <a:schemeClr val="dk1"/>
-          </a:lnRef>
-          <a:fillRef idx="2">
-            <a:schemeClr val="dk1"/>
-          </a:fillRef>
-          <a:effectRef idx="1">
-            <a:schemeClr val="dk1"/>
-          </a:effectRef>
-          <a:fontRef idx="minor">
-            <a:schemeClr val="dk1"/>
-          </a:fontRef>
-        </p:style>
-        <p:txBody>
-          <a:bodyPr rtlCol="0" anchor="ctr"/>
-          <a:lstStyle/>
-          <a:p>
-            <a:pPr algn="ctr"/>
-            <a:r>
-              <a:rPr lang="de-DE" dirty="0" smtClean="0"/>
-              <a:t>Protokolle</a:t>
-            </a:r>
-            <a:endParaRPr lang="de-DE" dirty="0"/>
+          <p:cNvPr id="2" name="Titel 1"/>
+          <p:cNvSpPr>
+            <a:spLocks noGrp="1"/>
+          </p:cNvSpPr>
+          <p:nvPr>
+            <p:ph type="title"/>
+          </p:nvPr>
+        </p:nvSpPr>
+        <p:spPr/>
+        <p:txBody>
+          <a:bodyPr/>
+          <a:lstStyle/>
+          <a:p>
+            <a:r>
+              <a:rPr lang="de-DE" smtClean="0"/>
+              <a:t>Paper Prototyp</a:t>
+            </a:r>
+            <a:endParaRPr lang="de-DE"/>
           </a:p>
         </p:txBody>
       </p:sp>
     </p:spTree>
-    <p:extLst>
-      <p:ext uri="{BB962C8B-B14F-4D97-AF65-F5344CB8AC3E}">
-        <p14:creationId xmlns:p14="http://schemas.microsoft.com/office/powerpoint/2010/main" val="1459471144"/>
-      </p:ext>
-    </p:extLst>
   </p:cSld>
   <p:clrMapOvr>
     <a:masterClrMapping/>
   </p:clrMapOvr>
-  <p:timing>
-    <p:tnLst>
-      <p:par>
-        <p:cTn id="1" dur="indefinite" restart="never" nodeType="tmRoot"/>
-      </p:par>
-    </p:tnLst>
-  </p:timing>
 </p:sld>
 </file>
 
@@ -5110,83 +4003,46 @@
       </p:grpSpPr>
       <p:sp>
         <p:nvSpPr>
-          <p:cNvPr id="4" name="Rechteck 3"/>
-          <p:cNvSpPr/>
-          <p:nvPr/>
-        </p:nvSpPr>
-        <p:spPr>
-          <a:xfrm>
-            <a:off x="5749778" y="147725"/>
-            <a:ext cx="1348772" cy="285752"/>
-          </a:xfrm>
-          <a:prstGeom prst="rect">
-            <a:avLst/>
-          </a:prstGeom>
-          <a:ln>
-            <a:solidFill>
-              <a:schemeClr val="tx1"/>
-            </a:solidFill>
-          </a:ln>
+          <p:cNvPr id="9" name="Rechteck 8"/>
+          <p:cNvSpPr/>
+          <p:nvPr/>
+        </p:nvSpPr>
+        <p:spPr>
+          <a:xfrm>
+            <a:off x="6012160" y="1267620"/>
+            <a:ext cx="2808312" cy="1873348"/>
+          </a:xfrm>
+          <a:prstGeom prst="rect">
+            <a:avLst/>
+          </a:prstGeom>
         </p:spPr>
         <p:style>
           <a:lnRef idx="2">
-            <a:schemeClr val="dk1"/>
+            <a:schemeClr val="accent6"/>
           </a:lnRef>
           <a:fillRef idx="1">
             <a:schemeClr val="lt1"/>
           </a:fillRef>
           <a:effectRef idx="0">
-            <a:schemeClr val="dk1"/>
-          </a:effectRef>
-          <a:fontRef idx="minor">
-            <a:schemeClr val="dk1"/>
-          </a:fontRef>
-        </p:style>
-        <p:txBody>
-          <a:bodyPr rtlCol="0" anchor="ctr"/>
-          <a:lstStyle/>
-          <a:p>
-            <a:pPr algn="ctr"/>
-            <a:r>
-              <a:rPr lang="de-DE" smtClean="0"/>
-              <a:t>Benutzer</a:t>
-            </a:r>
-            <a:endParaRPr lang="de-DE" dirty="0"/>
-          </a:p>
-        </p:txBody>
-      </p:sp>
-      <p:sp>
-        <p:nvSpPr>
-          <p:cNvPr id="6" name="Rechteck 5"/>
-          <p:cNvSpPr/>
-          <p:nvPr/>
-        </p:nvSpPr>
-        <p:spPr>
-          <a:xfrm>
-            <a:off x="0" y="0"/>
-            <a:ext cx="2195736" cy="764704"/>
-          </a:xfrm>
-          <a:prstGeom prst="rect">
-            <a:avLst/>
-          </a:prstGeom>
-        </p:spPr>
-        <p:style>
-          <a:lnRef idx="2">
             <a:schemeClr val="accent6"/>
-          </a:lnRef>
-          <a:fillRef idx="1">
-            <a:schemeClr val="lt1"/>
-          </a:fillRef>
-          <a:effectRef idx="0">
-            <a:schemeClr val="accent6"/>
-          </a:effectRef>
-          <a:fontRef idx="minor">
-            <a:schemeClr val="dk1"/>
-          </a:fontRef>
-        </p:style>
-        <p:txBody>
-          <a:bodyPr rtlCol="0" anchor="ctr"/>
-          <a:lstStyle/>
+          </a:effectRef>
+          <a:fontRef idx="minor">
+            <a:schemeClr val="dk1"/>
+          </a:fontRef>
+        </p:style>
+        <p:txBody>
+          <a:bodyPr rtlCol="0" anchor="ctr"/>
+          <a:lstStyle/>
+          <a:p>
+            <a:pPr algn="ctr"/>
+            <a:endParaRPr lang="de-DE" dirty="0" smtClean="0">
+              <a:solidFill>
+                <a:schemeClr val="bg1">
+                  <a:lumMod val="65000"/>
+                </a:schemeClr>
+              </a:solidFill>
+            </a:endParaRPr>
+          </a:p>
           <a:p>
             <a:pPr algn="ctr"/>
             <a:r>
@@ -5197,8 +4053,52 @@
                   </a:schemeClr>
                 </a:solidFill>
               </a:rPr>
-              <a:t>GSO </a:t>
-            </a:r>
+              <a:t>GSO Design</a:t>
+            </a:r>
+            <a:endParaRPr lang="de-DE" dirty="0">
+              <a:solidFill>
+                <a:schemeClr val="bg1">
+                  <a:lumMod val="65000"/>
+                </a:schemeClr>
+              </a:solidFill>
+            </a:endParaRPr>
+          </a:p>
+        </p:txBody>
+      </p:sp>
+      <p:sp>
+        <p:nvSpPr>
+          <p:cNvPr id="3" name="Rechteck 2"/>
+          <p:cNvSpPr/>
+          <p:nvPr/>
+        </p:nvSpPr>
+        <p:spPr>
+          <a:xfrm>
+            <a:off x="395536" y="1267620"/>
+            <a:ext cx="5355000" cy="2857520"/>
+          </a:xfrm>
+          <a:prstGeom prst="rect">
+            <a:avLst/>
+          </a:prstGeom>
+        </p:spPr>
+        <p:style>
+          <a:lnRef idx="2">
+            <a:schemeClr val="accent6"/>
+          </a:lnRef>
+          <a:fillRef idx="1">
+            <a:schemeClr val="lt1"/>
+          </a:fillRef>
+          <a:effectRef idx="0">
+            <a:schemeClr val="accent6"/>
+          </a:effectRef>
+          <a:fontRef idx="minor">
+            <a:schemeClr val="dk1"/>
+          </a:fontRef>
+        </p:style>
+        <p:txBody>
+          <a:bodyPr rtlCol="0" anchor="ctr"/>
+          <a:lstStyle/>
+          <a:p>
+            <a:pPr algn="ctr"/>
             <a:r>
               <a:rPr lang="de-DE" dirty="0" smtClean="0">
                 <a:solidFill>
@@ -5207,7 +4107,7 @@
                   </a:schemeClr>
                 </a:solidFill>
               </a:rPr>
-              <a:t>Logo</a:t>
+              <a:t>GSO Bild</a:t>
             </a:r>
             <a:endParaRPr lang="de-DE" dirty="0">
               <a:solidFill>
@@ -5221,13 +4121,161 @@
       </p:sp>
       <p:sp>
         <p:nvSpPr>
+          <p:cNvPr id="4" name="Rechteck 3"/>
+          <p:cNvSpPr/>
+          <p:nvPr/>
+        </p:nvSpPr>
+        <p:spPr>
+          <a:xfrm>
+            <a:off x="6180888" y="1410496"/>
+            <a:ext cx="2428892" cy="285752"/>
+          </a:xfrm>
+          <a:prstGeom prst="rect">
+            <a:avLst/>
+          </a:prstGeom>
+          <a:ln>
+            <a:solidFill>
+              <a:schemeClr val="tx1"/>
+            </a:solidFill>
+          </a:ln>
+        </p:spPr>
+        <p:style>
+          <a:lnRef idx="2">
+            <a:schemeClr val="dk1"/>
+          </a:lnRef>
+          <a:fillRef idx="1">
+            <a:schemeClr val="lt1"/>
+          </a:fillRef>
+          <a:effectRef idx="0">
+            <a:schemeClr val="dk1"/>
+          </a:effectRef>
+          <a:fontRef idx="minor">
+            <a:schemeClr val="dk1"/>
+          </a:fontRef>
+        </p:style>
+        <p:txBody>
+          <a:bodyPr rtlCol="0" anchor="ctr"/>
+          <a:lstStyle/>
+          <a:p>
+            <a:pPr algn="ctr"/>
+            <a:r>
+              <a:rPr lang="de-DE" dirty="0" smtClean="0"/>
+              <a:t>Benutzername</a:t>
+            </a:r>
+            <a:endParaRPr lang="de-DE" dirty="0"/>
+          </a:p>
+        </p:txBody>
+      </p:sp>
+      <p:sp>
+        <p:nvSpPr>
+          <p:cNvPr id="5" name="Rechteck 4"/>
+          <p:cNvSpPr/>
+          <p:nvPr/>
+        </p:nvSpPr>
+        <p:spPr>
+          <a:xfrm>
+            <a:off x="6180888" y="1827808"/>
+            <a:ext cx="2428892" cy="285752"/>
+          </a:xfrm>
+          <a:prstGeom prst="rect">
+            <a:avLst/>
+          </a:prstGeom>
+          <a:ln>
+            <a:solidFill>
+              <a:schemeClr val="tx1"/>
+            </a:solidFill>
+          </a:ln>
+        </p:spPr>
+        <p:style>
+          <a:lnRef idx="2">
+            <a:schemeClr val="dk1"/>
+          </a:lnRef>
+          <a:fillRef idx="1">
+            <a:schemeClr val="lt1"/>
+          </a:fillRef>
+          <a:effectRef idx="0">
+            <a:schemeClr val="dk1"/>
+          </a:effectRef>
+          <a:fontRef idx="minor">
+            <a:schemeClr val="dk1"/>
+          </a:fontRef>
+        </p:style>
+        <p:txBody>
+          <a:bodyPr rtlCol="0" anchor="ctr"/>
+          <a:lstStyle/>
+          <a:p>
+            <a:pPr algn="ctr"/>
+            <a:r>
+              <a:rPr lang="de-DE" dirty="0" smtClean="0"/>
+              <a:t>Passwort</a:t>
+            </a:r>
+            <a:endParaRPr lang="de-DE" dirty="0"/>
+          </a:p>
+        </p:txBody>
+      </p:sp>
+      <p:sp>
+        <p:nvSpPr>
+          <p:cNvPr id="6" name="Rechteck 5"/>
+          <p:cNvSpPr/>
+          <p:nvPr/>
+        </p:nvSpPr>
+        <p:spPr>
+          <a:xfrm>
+            <a:off x="0" y="0"/>
+            <a:ext cx="2195736" cy="764704"/>
+          </a:xfrm>
+          <a:prstGeom prst="rect">
+            <a:avLst/>
+          </a:prstGeom>
+        </p:spPr>
+        <p:style>
+          <a:lnRef idx="2">
+            <a:schemeClr val="accent6"/>
+          </a:lnRef>
+          <a:fillRef idx="1">
+            <a:schemeClr val="lt1"/>
+          </a:fillRef>
+          <a:effectRef idx="0">
+            <a:schemeClr val="accent6"/>
+          </a:effectRef>
+          <a:fontRef idx="minor">
+            <a:schemeClr val="dk1"/>
+          </a:fontRef>
+        </p:style>
+        <p:txBody>
+          <a:bodyPr rtlCol="0" anchor="ctr"/>
+          <a:lstStyle/>
+          <a:p>
+            <a:pPr algn="ctr"/>
+            <a:r>
+              <a:rPr lang="de-DE" dirty="0" smtClean="0">
+                <a:solidFill>
+                  <a:schemeClr val="bg1">
+                    <a:lumMod val="65000"/>
+                  </a:schemeClr>
+                </a:solidFill>
+              </a:rPr>
+              <a:t>GSO Logo</a:t>
+            </a:r>
+            <a:endParaRPr lang="de-DE" dirty="0">
+              <a:solidFill>
+                <a:schemeClr val="bg1">
+                  <a:lumMod val="65000"/>
+                </a:schemeClr>
+              </a:solidFill>
+            </a:endParaRPr>
+          </a:p>
+        </p:txBody>
+      </p:sp>
+      <p:sp>
+        <p:nvSpPr>
           <p:cNvPr id="7" name="Rechteck 6"/>
           <p:cNvSpPr/>
           <p:nvPr/>
         </p:nvSpPr>
         <p:spPr>
           <a:xfrm>
-            <a:off x="7248836" y="55885"/>
+            <a:off x="6180888" y="2571744"/>
             <a:ext cx="1571636" cy="428628"/>
           </a:xfrm>
           <a:prstGeom prst="rect">
@@ -5255,7 +4303,7 @@
             <a:pPr algn="ctr"/>
             <a:r>
               <a:rPr lang="de-DE" dirty="0" smtClean="0"/>
-              <a:t>Abmelden</a:t>
+              <a:t>Anmelden</a:t>
             </a:r>
             <a:endParaRPr lang="de-DE" dirty="0"/>
           </a:p>
@@ -5263,14 +4311,665 @@
       </p:sp>
       <p:sp>
         <p:nvSpPr>
+          <p:cNvPr id="8" name="Rechteck 7"/>
+          <p:cNvSpPr/>
+          <p:nvPr/>
+        </p:nvSpPr>
+        <p:spPr>
+          <a:xfrm>
+            <a:off x="7020272" y="3982264"/>
+            <a:ext cx="1805532" cy="2687096"/>
+          </a:xfrm>
+          <a:prstGeom prst="rect">
+            <a:avLst/>
+          </a:prstGeom>
+        </p:spPr>
+        <p:style>
+          <a:lnRef idx="2">
+            <a:schemeClr val="accent6"/>
+          </a:lnRef>
+          <a:fillRef idx="1">
+            <a:schemeClr val="lt1"/>
+          </a:fillRef>
+          <a:effectRef idx="0">
+            <a:schemeClr val="accent6"/>
+          </a:effectRef>
+          <a:fontRef idx="minor">
+            <a:schemeClr val="dk1"/>
+          </a:fontRef>
+        </p:style>
+        <p:txBody>
+          <a:bodyPr rtlCol="0" anchor="ctr"/>
+          <a:lstStyle/>
+          <a:p>
+            <a:pPr algn="ctr"/>
+            <a:r>
+              <a:rPr lang="de-DE" dirty="0" smtClean="0"/>
+              <a:t>Protokolltool</a:t>
+            </a:r>
+          </a:p>
+          <a:p>
+            <a:pPr algn="ctr"/>
+            <a:endParaRPr lang="de-DE" dirty="0" smtClean="0"/>
+          </a:p>
+          <a:p>
+            <a:pPr algn="ctr"/>
+            <a:r>
+              <a:rPr lang="de-DE" dirty="0" smtClean="0"/>
+              <a:t>Made </a:t>
+            </a:r>
+            <a:r>
+              <a:rPr lang="de-DE" dirty="0" err="1" smtClean="0"/>
+              <a:t>with</a:t>
+            </a:r>
+            <a:r>
+              <a:rPr lang="de-DE" dirty="0" smtClean="0"/>
+              <a:t> ♥ </a:t>
+            </a:r>
+            <a:r>
+              <a:rPr lang="de-DE" dirty="0" err="1" smtClean="0"/>
+              <a:t>by</a:t>
+            </a:r>
+            <a:r>
+              <a:rPr lang="de-DE" dirty="0" smtClean="0"/>
+              <a:t>:</a:t>
+            </a:r>
+          </a:p>
+          <a:p>
+            <a:pPr algn="ctr"/>
+            <a:r>
+              <a:rPr lang="de-DE" dirty="0" smtClean="0">
+                <a:solidFill>
+                  <a:schemeClr val="bg1">
+                    <a:lumMod val="65000"/>
+                  </a:schemeClr>
+                </a:solidFill>
+              </a:rPr>
+              <a:t>GSO Design</a:t>
+            </a:r>
+            <a:endParaRPr lang="de-DE" dirty="0">
+              <a:solidFill>
+                <a:schemeClr val="bg1">
+                  <a:lumMod val="65000"/>
+                </a:schemeClr>
+              </a:solidFill>
+            </a:endParaRPr>
+          </a:p>
+          <a:p>
+            <a:r>
+              <a:rPr lang="de-DE" dirty="0" smtClean="0"/>
+              <a:t>• MCGD</a:t>
+            </a:r>
+          </a:p>
+          <a:p>
+            <a:r>
+              <a:rPr lang="de-DE" dirty="0" smtClean="0"/>
+              <a:t>• </a:t>
+            </a:r>
+            <a:r>
+              <a:rPr lang="de-DE" dirty="0" err="1" smtClean="0"/>
+              <a:t>newKid</a:t>
+            </a:r>
+            <a:endParaRPr lang="de-DE" dirty="0" smtClean="0"/>
+          </a:p>
+          <a:p>
+            <a:r>
+              <a:rPr lang="de-DE" dirty="0" smtClean="0"/>
+              <a:t>• Detlef</a:t>
+            </a:r>
+          </a:p>
+          <a:p>
+            <a:r>
+              <a:rPr lang="de-DE" dirty="0" smtClean="0"/>
+              <a:t>• </a:t>
+            </a:r>
+            <a:r>
+              <a:rPr lang="de-DE" dirty="0" err="1" smtClean="0"/>
+              <a:t>Gollnick</a:t>
+            </a:r>
+            <a:endParaRPr lang="de-DE" dirty="0"/>
+          </a:p>
+        </p:txBody>
+      </p:sp>
+      <p:sp>
+        <p:nvSpPr>
+          <p:cNvPr id="10" name="Rechteck 9"/>
+          <p:cNvSpPr/>
+          <p:nvPr/>
+        </p:nvSpPr>
+        <p:spPr>
+          <a:xfrm>
+            <a:off x="395536" y="4293096"/>
+            <a:ext cx="6264696" cy="2281456"/>
+          </a:xfrm>
+          <a:prstGeom prst="rect">
+            <a:avLst/>
+          </a:prstGeom>
+        </p:spPr>
+        <p:style>
+          <a:lnRef idx="2">
+            <a:schemeClr val="accent6"/>
+          </a:lnRef>
+          <a:fillRef idx="1">
+            <a:schemeClr val="lt1"/>
+          </a:fillRef>
+          <a:effectRef idx="0">
+            <a:schemeClr val="accent6"/>
+          </a:effectRef>
+          <a:fontRef idx="minor">
+            <a:schemeClr val="dk1"/>
+          </a:fontRef>
+        </p:style>
+        <p:txBody>
+          <a:bodyPr rtlCol="0" anchor="ctr"/>
+          <a:lstStyle/>
+          <a:p>
+            <a:pPr algn="ctr"/>
+            <a:endParaRPr lang="de-DE" dirty="0" smtClean="0">
+              <a:solidFill>
+                <a:schemeClr val="bg1">
+                  <a:lumMod val="65000"/>
+                </a:schemeClr>
+              </a:solidFill>
+            </a:endParaRPr>
+          </a:p>
+          <a:p>
+            <a:pPr algn="ctr"/>
+            <a:endParaRPr lang="de-DE" dirty="0">
+              <a:solidFill>
+                <a:schemeClr val="bg1">
+                  <a:lumMod val="65000"/>
+                </a:schemeClr>
+              </a:solidFill>
+            </a:endParaRPr>
+          </a:p>
+          <a:p>
+            <a:pPr algn="ctr"/>
+            <a:r>
+              <a:rPr lang="de-DE" dirty="0" smtClean="0">
+                <a:solidFill>
+                  <a:schemeClr val="bg1">
+                    <a:lumMod val="65000"/>
+                  </a:schemeClr>
+                </a:solidFill>
+              </a:rPr>
+              <a:t>Liste von Beschlüssen</a:t>
+            </a:r>
+            <a:endParaRPr lang="de-DE" dirty="0">
+              <a:solidFill>
+                <a:schemeClr val="bg1">
+                  <a:lumMod val="65000"/>
+                </a:schemeClr>
+              </a:solidFill>
+            </a:endParaRPr>
+          </a:p>
+        </p:txBody>
+      </p:sp>
+      <p:sp>
+        <p:nvSpPr>
+          <p:cNvPr id="13" name="Rechteck 12"/>
+          <p:cNvSpPr/>
+          <p:nvPr/>
+        </p:nvSpPr>
+        <p:spPr>
+          <a:xfrm>
+            <a:off x="395536" y="4293096"/>
+            <a:ext cx="1296144" cy="429022"/>
+          </a:xfrm>
+          <a:prstGeom prst="rect">
+            <a:avLst/>
+          </a:prstGeom>
+        </p:spPr>
+        <p:style>
+          <a:lnRef idx="1">
+            <a:schemeClr val="accent1"/>
+          </a:lnRef>
+          <a:fillRef idx="2">
+            <a:schemeClr val="accent1"/>
+          </a:fillRef>
+          <a:effectRef idx="1">
+            <a:schemeClr val="accent1"/>
+          </a:effectRef>
+          <a:fontRef idx="minor">
+            <a:schemeClr val="dk1"/>
+          </a:fontRef>
+        </p:style>
+        <p:txBody>
+          <a:bodyPr rtlCol="0" anchor="ctr"/>
+          <a:lstStyle/>
+          <a:p>
+            <a:pPr algn="ctr"/>
+            <a:r>
+              <a:rPr lang="de-DE" sz="1600" dirty="0" smtClean="0"/>
+              <a:t>TOP</a:t>
+            </a:r>
+            <a:endParaRPr lang="de-DE" sz="1600" dirty="0"/>
+          </a:p>
+        </p:txBody>
+      </p:sp>
+      <p:sp>
+        <p:nvSpPr>
+          <p:cNvPr id="15" name="Rechteck 14"/>
+          <p:cNvSpPr/>
+          <p:nvPr/>
+        </p:nvSpPr>
+        <p:spPr>
+          <a:xfrm>
+            <a:off x="1691680" y="4293096"/>
+            <a:ext cx="3240360" cy="429022"/>
+          </a:xfrm>
+          <a:prstGeom prst="rect">
+            <a:avLst/>
+          </a:prstGeom>
+        </p:spPr>
+        <p:style>
+          <a:lnRef idx="1">
+            <a:schemeClr val="accent1"/>
+          </a:lnRef>
+          <a:fillRef idx="2">
+            <a:schemeClr val="accent1"/>
+          </a:fillRef>
+          <a:effectRef idx="1">
+            <a:schemeClr val="accent1"/>
+          </a:effectRef>
+          <a:fontRef idx="minor">
+            <a:schemeClr val="dk1"/>
+          </a:fontRef>
+        </p:style>
+        <p:txBody>
+          <a:bodyPr rtlCol="0" anchor="ctr"/>
+          <a:lstStyle/>
+          <a:p>
+            <a:pPr algn="ctr"/>
+            <a:r>
+              <a:rPr lang="de-DE" sz="1600" dirty="0" smtClean="0"/>
+              <a:t>Beschluss</a:t>
+            </a:r>
+            <a:endParaRPr lang="de-DE" sz="1600" dirty="0"/>
+          </a:p>
+        </p:txBody>
+      </p:sp>
+      <p:sp>
+        <p:nvSpPr>
+          <p:cNvPr id="16" name="Rechteck 15"/>
+          <p:cNvSpPr/>
+          <p:nvPr/>
+        </p:nvSpPr>
+        <p:spPr>
+          <a:xfrm>
+            <a:off x="4932040" y="4293096"/>
+            <a:ext cx="579974" cy="427509"/>
+          </a:xfrm>
+          <a:prstGeom prst="rect">
+            <a:avLst/>
+          </a:prstGeom>
+        </p:spPr>
+        <p:style>
+          <a:lnRef idx="1">
+            <a:schemeClr val="accent1"/>
+          </a:lnRef>
+          <a:fillRef idx="2">
+            <a:schemeClr val="accent1"/>
+          </a:fillRef>
+          <a:effectRef idx="1">
+            <a:schemeClr val="accent1"/>
+          </a:effectRef>
+          <a:fontRef idx="minor">
+            <a:schemeClr val="dk1"/>
+          </a:fontRef>
+        </p:style>
+        <p:txBody>
+          <a:bodyPr rtlCol="0" anchor="ctr"/>
+          <a:lstStyle/>
+          <a:p>
+            <a:pPr algn="ctr"/>
+            <a:r>
+              <a:rPr lang="de-DE" sz="1600" dirty="0" smtClean="0"/>
+              <a:t>+</a:t>
+            </a:r>
+            <a:endParaRPr lang="de-DE" sz="1600" dirty="0"/>
+          </a:p>
+        </p:txBody>
+      </p:sp>
+      <p:sp>
+        <p:nvSpPr>
+          <p:cNvPr id="17" name="Rechteck 16"/>
+          <p:cNvSpPr/>
+          <p:nvPr/>
+        </p:nvSpPr>
+        <p:spPr>
+          <a:xfrm>
+            <a:off x="5504194" y="4291583"/>
+            <a:ext cx="579974" cy="429022"/>
+          </a:xfrm>
+          <a:prstGeom prst="rect">
+            <a:avLst/>
+          </a:prstGeom>
+        </p:spPr>
+        <p:style>
+          <a:lnRef idx="1">
+            <a:schemeClr val="accent1"/>
+          </a:lnRef>
+          <a:fillRef idx="2">
+            <a:schemeClr val="accent1"/>
+          </a:fillRef>
+          <a:effectRef idx="1">
+            <a:schemeClr val="accent1"/>
+          </a:effectRef>
+          <a:fontRef idx="minor">
+            <a:schemeClr val="dk1"/>
+          </a:fontRef>
+        </p:style>
+        <p:txBody>
+          <a:bodyPr rtlCol="0" anchor="ctr"/>
+          <a:lstStyle/>
+          <a:p>
+            <a:pPr algn="ctr"/>
+            <a:r>
+              <a:rPr lang="de-DE" sz="1600" dirty="0" smtClean="0"/>
+              <a:t>-</a:t>
+            </a:r>
+            <a:endParaRPr lang="de-DE" sz="1600" dirty="0"/>
+          </a:p>
+        </p:txBody>
+      </p:sp>
+      <p:sp>
+        <p:nvSpPr>
+          <p:cNvPr id="18" name="Rechteck 17"/>
+          <p:cNvSpPr/>
+          <p:nvPr/>
+        </p:nvSpPr>
+        <p:spPr>
+          <a:xfrm>
+            <a:off x="6084168" y="4293096"/>
+            <a:ext cx="570027" cy="429022"/>
+          </a:xfrm>
+          <a:prstGeom prst="rect">
+            <a:avLst/>
+          </a:prstGeom>
+        </p:spPr>
+        <p:style>
+          <a:lnRef idx="1">
+            <a:schemeClr val="accent1"/>
+          </a:lnRef>
+          <a:fillRef idx="2">
+            <a:schemeClr val="accent1"/>
+          </a:fillRef>
+          <a:effectRef idx="1">
+            <a:schemeClr val="accent1"/>
+          </a:effectRef>
+          <a:fontRef idx="minor">
+            <a:schemeClr val="dk1"/>
+          </a:fontRef>
+        </p:style>
+        <p:txBody>
+          <a:bodyPr rtlCol="0" anchor="ctr"/>
+          <a:lstStyle/>
+          <a:p>
+            <a:pPr algn="ctr"/>
+            <a:r>
+              <a:rPr lang="de-DE" sz="1600" dirty="0" smtClean="0"/>
+              <a:t>o</a:t>
+            </a:r>
+            <a:endParaRPr lang="de-DE" sz="1600" dirty="0"/>
+          </a:p>
+        </p:txBody>
+      </p:sp>
+      <p:sp>
+        <p:nvSpPr>
+          <p:cNvPr id="19" name="Rechteck 18"/>
+          <p:cNvSpPr/>
+          <p:nvPr/>
+        </p:nvSpPr>
+        <p:spPr>
+          <a:xfrm>
+            <a:off x="395536" y="4722118"/>
+            <a:ext cx="1296144" cy="321471"/>
+          </a:xfrm>
+          <a:prstGeom prst="rect">
+            <a:avLst/>
+          </a:prstGeom>
+          <a:ln>
+            <a:solidFill>
+              <a:schemeClr val="bg1">
+                <a:lumMod val="50000"/>
+              </a:schemeClr>
+            </a:solidFill>
+          </a:ln>
+        </p:spPr>
+        <p:style>
+          <a:lnRef idx="2">
+            <a:schemeClr val="dk1"/>
+          </a:lnRef>
+          <a:fillRef idx="1">
+            <a:schemeClr val="lt1"/>
+          </a:fillRef>
+          <a:effectRef idx="0">
+            <a:schemeClr val="dk1"/>
+          </a:effectRef>
+          <a:fontRef idx="minor">
+            <a:schemeClr val="dk1"/>
+          </a:fontRef>
+        </p:style>
+        <p:txBody>
+          <a:bodyPr rtlCol="0" anchor="ctr"/>
+          <a:lstStyle/>
+          <a:p>
+            <a:pPr algn="ctr"/>
+            <a:r>
+              <a:rPr lang="de-DE" sz="1600" dirty="0" smtClean="0"/>
+              <a:t>Schuluniform</a:t>
+            </a:r>
+            <a:endParaRPr lang="de-DE" sz="1600" dirty="0"/>
+          </a:p>
+        </p:txBody>
+      </p:sp>
+      <p:sp>
+        <p:nvSpPr>
+          <p:cNvPr id="20" name="Rechteck 19"/>
+          <p:cNvSpPr/>
+          <p:nvPr/>
+        </p:nvSpPr>
+        <p:spPr>
+          <a:xfrm>
+            <a:off x="1691680" y="4722118"/>
+            <a:ext cx="3240360" cy="321471"/>
+          </a:xfrm>
+          <a:prstGeom prst="rect">
+            <a:avLst/>
+          </a:prstGeom>
+          <a:ln>
+            <a:solidFill>
+              <a:schemeClr val="bg1">
+                <a:lumMod val="50000"/>
+              </a:schemeClr>
+            </a:solidFill>
+          </a:ln>
+        </p:spPr>
+        <p:style>
+          <a:lnRef idx="2">
+            <a:schemeClr val="dk1"/>
+          </a:lnRef>
+          <a:fillRef idx="1">
+            <a:schemeClr val="lt1"/>
+          </a:fillRef>
+          <a:effectRef idx="0">
+            <a:schemeClr val="dk1"/>
+          </a:effectRef>
+          <a:fontRef idx="minor">
+            <a:schemeClr val="dk1"/>
+          </a:fontRef>
+        </p:style>
+        <p:txBody>
+          <a:bodyPr rtlCol="0" anchor="ctr"/>
+          <a:lstStyle/>
+          <a:p>
+            <a:pPr algn="ctr"/>
+            <a:r>
+              <a:rPr lang="de-DE" sz="1600" dirty="0" smtClean="0"/>
+              <a:t>Schüler sollen Schuluniform tragen</a:t>
+            </a:r>
+            <a:endParaRPr lang="de-DE" sz="1600" dirty="0"/>
+          </a:p>
+        </p:txBody>
+      </p:sp>
+      <p:sp>
+        <p:nvSpPr>
+          <p:cNvPr id="21" name="Rechteck 20"/>
+          <p:cNvSpPr/>
+          <p:nvPr/>
+        </p:nvSpPr>
+        <p:spPr>
+          <a:xfrm>
+            <a:off x="4941987" y="4723455"/>
+            <a:ext cx="570027" cy="321471"/>
+          </a:xfrm>
+          <a:prstGeom prst="rect">
+            <a:avLst/>
+          </a:prstGeom>
+          <a:ln>
+            <a:solidFill>
+              <a:schemeClr val="bg1">
+                <a:lumMod val="50000"/>
+              </a:schemeClr>
+            </a:solidFill>
+          </a:ln>
+        </p:spPr>
+        <p:style>
+          <a:lnRef idx="2">
+            <a:schemeClr val="dk1"/>
+          </a:lnRef>
+          <a:fillRef idx="1">
+            <a:schemeClr val="lt1"/>
+          </a:fillRef>
+          <a:effectRef idx="0">
+            <a:schemeClr val="dk1"/>
+          </a:effectRef>
+          <a:fontRef idx="minor">
+            <a:schemeClr val="dk1"/>
+          </a:fontRef>
+        </p:style>
+        <p:txBody>
+          <a:bodyPr rtlCol="0" anchor="ctr"/>
+          <a:lstStyle/>
+          <a:p>
+            <a:pPr algn="ctr"/>
+            <a:r>
+              <a:rPr lang="de-DE" sz="1600" dirty="0" smtClean="0"/>
+              <a:t>3</a:t>
+            </a:r>
+            <a:endParaRPr lang="de-DE" sz="1600" dirty="0"/>
+          </a:p>
+        </p:txBody>
+      </p:sp>
+      <p:sp>
+        <p:nvSpPr>
+          <p:cNvPr id="22" name="Rechteck 21"/>
+          <p:cNvSpPr/>
+          <p:nvPr/>
+        </p:nvSpPr>
+        <p:spPr>
+          <a:xfrm>
+            <a:off x="5514141" y="4723455"/>
+            <a:ext cx="570027" cy="321471"/>
+          </a:xfrm>
+          <a:prstGeom prst="rect">
+            <a:avLst/>
+          </a:prstGeom>
+          <a:ln>
+            <a:solidFill>
+              <a:schemeClr val="bg1">
+                <a:lumMod val="50000"/>
+              </a:schemeClr>
+            </a:solidFill>
+          </a:ln>
+        </p:spPr>
+        <p:style>
+          <a:lnRef idx="2">
+            <a:schemeClr val="dk1"/>
+          </a:lnRef>
+          <a:fillRef idx="1">
+            <a:schemeClr val="lt1"/>
+          </a:fillRef>
+          <a:effectRef idx="0">
+            <a:schemeClr val="dk1"/>
+          </a:effectRef>
+          <a:fontRef idx="minor">
+            <a:schemeClr val="dk1"/>
+          </a:fontRef>
+        </p:style>
+        <p:txBody>
+          <a:bodyPr rtlCol="0" anchor="ctr"/>
+          <a:lstStyle/>
+          <a:p>
+            <a:pPr algn="ctr"/>
+            <a:r>
+              <a:rPr lang="de-DE" sz="1600" dirty="0" smtClean="0"/>
+              <a:t>14</a:t>
+            </a:r>
+            <a:endParaRPr lang="de-DE" sz="1600" dirty="0"/>
+          </a:p>
+        </p:txBody>
+      </p:sp>
+      <p:sp>
+        <p:nvSpPr>
+          <p:cNvPr id="23" name="Rechteck 22"/>
+          <p:cNvSpPr/>
+          <p:nvPr/>
+        </p:nvSpPr>
+        <p:spPr>
+          <a:xfrm>
+            <a:off x="6084168" y="4723455"/>
+            <a:ext cx="570027" cy="321471"/>
+          </a:xfrm>
+          <a:prstGeom prst="rect">
+            <a:avLst/>
+          </a:prstGeom>
+          <a:ln>
+            <a:solidFill>
+              <a:schemeClr val="bg1">
+                <a:lumMod val="50000"/>
+              </a:schemeClr>
+            </a:solidFill>
+          </a:ln>
+        </p:spPr>
+        <p:style>
+          <a:lnRef idx="2">
+            <a:schemeClr val="dk1"/>
+          </a:lnRef>
+          <a:fillRef idx="1">
+            <a:schemeClr val="lt1"/>
+          </a:fillRef>
+          <a:effectRef idx="0">
+            <a:schemeClr val="dk1"/>
+          </a:effectRef>
+          <a:fontRef idx="minor">
+            <a:schemeClr val="dk1"/>
+          </a:fontRef>
+        </p:style>
+        <p:txBody>
+          <a:bodyPr rtlCol="0" anchor="ctr"/>
+          <a:lstStyle/>
+          <a:p>
+            <a:pPr algn="ctr"/>
+            <a:r>
+              <a:rPr lang="de-DE" sz="1600" dirty="0" smtClean="0"/>
+              <a:t>6</a:t>
+            </a:r>
+            <a:endParaRPr lang="de-DE" sz="1600" dirty="0"/>
+          </a:p>
+        </p:txBody>
+      </p:sp>
+      <p:sp>
+        <p:nvSpPr>
           <p:cNvPr id="24" name="Rechteck 23"/>
           <p:cNvSpPr/>
           <p:nvPr/>
         </p:nvSpPr>
         <p:spPr>
           <a:xfrm>
-            <a:off x="32420" y="872183"/>
-            <a:ext cx="8788052" cy="296416"/>
+            <a:off x="32419" y="872183"/>
+            <a:ext cx="8778205" cy="296416"/>
           </a:xfrm>
           <a:prstGeom prst="rect">
             <a:avLst/>
@@ -5399,859 +5098,10 @@
           </a:p>
         </p:txBody>
       </p:sp>
-      <p:sp>
-        <p:nvSpPr>
-          <p:cNvPr id="27" name="Rechteck 26"/>
-          <p:cNvSpPr/>
-          <p:nvPr/>
-        </p:nvSpPr>
-        <p:spPr>
-          <a:xfrm>
-            <a:off x="395536" y="1268760"/>
-            <a:ext cx="8424936" cy="1656184"/>
-          </a:xfrm>
-          <a:prstGeom prst="rect">
-            <a:avLst/>
-          </a:prstGeom>
-        </p:spPr>
-        <p:style>
-          <a:lnRef idx="2">
-            <a:schemeClr val="accent6"/>
-          </a:lnRef>
-          <a:fillRef idx="1">
-            <a:schemeClr val="lt1"/>
-          </a:fillRef>
-          <a:effectRef idx="0">
-            <a:schemeClr val="accent6"/>
-          </a:effectRef>
-          <a:fontRef idx="minor">
-            <a:schemeClr val="dk1"/>
-          </a:fontRef>
-        </p:style>
-        <p:txBody>
-          <a:bodyPr rtlCol="0" anchor="ctr"/>
-          <a:lstStyle/>
-          <a:p>
-            <a:pPr algn="ctr"/>
-            <a:endParaRPr lang="de-DE" dirty="0" smtClean="0">
-              <a:solidFill>
-                <a:schemeClr val="bg1">
-                  <a:lumMod val="65000"/>
-                </a:schemeClr>
-              </a:solidFill>
-            </a:endParaRPr>
-          </a:p>
-          <a:p>
-            <a:pPr algn="ctr"/>
-            <a:endParaRPr lang="de-DE" dirty="0">
-              <a:solidFill>
-                <a:schemeClr val="bg1">
-                  <a:lumMod val="65000"/>
-                </a:schemeClr>
-              </a:solidFill>
-            </a:endParaRPr>
-          </a:p>
-          <a:p>
-            <a:pPr algn="ctr"/>
-            <a:endParaRPr lang="de-DE" dirty="0" smtClean="0">
-              <a:solidFill>
-                <a:schemeClr val="bg1">
-                  <a:lumMod val="65000"/>
-                </a:schemeClr>
-              </a:solidFill>
-            </a:endParaRPr>
-          </a:p>
-          <a:p>
-            <a:pPr algn="ctr"/>
-            <a:endParaRPr lang="de-DE" dirty="0">
-              <a:solidFill>
-                <a:schemeClr val="bg1">
-                  <a:lumMod val="65000"/>
-                </a:schemeClr>
-              </a:solidFill>
-            </a:endParaRPr>
-          </a:p>
-          <a:p>
-            <a:pPr algn="ctr"/>
-            <a:endParaRPr lang="de-DE" dirty="0" smtClean="0">
-              <a:solidFill>
-                <a:schemeClr val="bg1">
-                  <a:lumMod val="65000"/>
-                </a:schemeClr>
-              </a:solidFill>
-            </a:endParaRPr>
-          </a:p>
-          <a:p>
-            <a:pPr algn="ctr"/>
-            <a:endParaRPr lang="de-DE" dirty="0">
-              <a:solidFill>
-                <a:schemeClr val="bg1">
-                  <a:lumMod val="65000"/>
-                </a:schemeClr>
-              </a:solidFill>
-            </a:endParaRPr>
-          </a:p>
-        </p:txBody>
-      </p:sp>
-      <p:sp>
-        <p:nvSpPr>
-          <p:cNvPr id="30" name="Rechteck 29"/>
-          <p:cNvSpPr/>
-          <p:nvPr/>
-        </p:nvSpPr>
-        <p:spPr>
-          <a:xfrm>
-            <a:off x="486924" y="1705000"/>
-            <a:ext cx="8261540" cy="783704"/>
-          </a:xfrm>
-          <a:prstGeom prst="rect">
-            <a:avLst/>
-          </a:prstGeom>
-        </p:spPr>
-        <p:style>
-          <a:lnRef idx="2">
-            <a:schemeClr val="accent6"/>
-          </a:lnRef>
-          <a:fillRef idx="1">
-            <a:schemeClr val="lt1"/>
-          </a:fillRef>
-          <a:effectRef idx="0">
-            <a:schemeClr val="accent6"/>
-          </a:effectRef>
-          <a:fontRef idx="minor">
-            <a:schemeClr val="dk1"/>
-          </a:fontRef>
-        </p:style>
-        <p:txBody>
-          <a:bodyPr rtlCol="0" anchor="ctr"/>
-          <a:lstStyle/>
-          <a:p>
-            <a:pPr algn="ctr"/>
-            <a:endParaRPr lang="de-DE" dirty="0" smtClean="0">
-              <a:solidFill>
-                <a:schemeClr val="bg1">
-                  <a:lumMod val="65000"/>
-                </a:schemeClr>
-              </a:solidFill>
-            </a:endParaRPr>
-          </a:p>
-          <a:p>
-            <a:pPr algn="ctr"/>
-            <a:r>
-              <a:rPr lang="de-DE" dirty="0" smtClean="0">
-                <a:solidFill>
-                  <a:schemeClr val="bg1">
-                    <a:lumMod val="65000"/>
-                  </a:schemeClr>
-                </a:solidFill>
-              </a:rPr>
-              <a:t>Liste von Lehrern</a:t>
-            </a:r>
-            <a:endParaRPr lang="de-DE" dirty="0">
-              <a:solidFill>
-                <a:schemeClr val="bg1">
-                  <a:lumMod val="65000"/>
-                </a:schemeClr>
-              </a:solidFill>
-            </a:endParaRPr>
-          </a:p>
-        </p:txBody>
-      </p:sp>
-      <p:sp>
-        <p:nvSpPr>
-          <p:cNvPr id="31" name="Rechteck 30"/>
-          <p:cNvSpPr/>
-          <p:nvPr/>
-        </p:nvSpPr>
-        <p:spPr>
-          <a:xfrm>
-            <a:off x="486924" y="2524522"/>
-            <a:ext cx="1296144" cy="321471"/>
-          </a:xfrm>
-          <a:prstGeom prst="rect">
-            <a:avLst/>
-          </a:prstGeom>
-          <a:ln>
-            <a:solidFill>
-              <a:schemeClr val="bg1">
-                <a:lumMod val="50000"/>
-              </a:schemeClr>
-            </a:solidFill>
-          </a:ln>
-        </p:spPr>
-        <p:style>
-          <a:lnRef idx="2">
-            <a:schemeClr val="dk1"/>
-          </a:lnRef>
-          <a:fillRef idx="1">
-            <a:schemeClr val="lt1"/>
-          </a:fillRef>
-          <a:effectRef idx="0">
-            <a:schemeClr val="dk1"/>
-          </a:effectRef>
-          <a:fontRef idx="minor">
-            <a:schemeClr val="dk1"/>
-          </a:fontRef>
-        </p:style>
-        <p:txBody>
-          <a:bodyPr rtlCol="0" anchor="ctr"/>
-          <a:lstStyle/>
-          <a:p>
-            <a:pPr algn="ctr"/>
-            <a:r>
-              <a:rPr lang="de-DE" sz="1600" dirty="0" smtClean="0"/>
-              <a:t>Protokollant</a:t>
-            </a:r>
-            <a:endParaRPr lang="de-DE" sz="1600" dirty="0"/>
-          </a:p>
-        </p:txBody>
-      </p:sp>
-      <p:sp>
-        <p:nvSpPr>
-          <p:cNvPr id="32" name="Rechteck 31"/>
-          <p:cNvSpPr/>
-          <p:nvPr/>
-        </p:nvSpPr>
-        <p:spPr>
-          <a:xfrm>
-            <a:off x="2915816" y="2527104"/>
-            <a:ext cx="1464498" cy="321471"/>
-          </a:xfrm>
-          <a:prstGeom prst="rect">
-            <a:avLst/>
-          </a:prstGeom>
-          <a:ln>
-            <a:solidFill>
-              <a:schemeClr val="bg1">
-                <a:lumMod val="50000"/>
-              </a:schemeClr>
-            </a:solidFill>
-          </a:ln>
-        </p:spPr>
-        <p:style>
-          <a:lnRef idx="2">
-            <a:schemeClr val="dk1"/>
-          </a:lnRef>
-          <a:fillRef idx="1">
-            <a:schemeClr val="lt1"/>
-          </a:fillRef>
-          <a:effectRef idx="0">
-            <a:schemeClr val="dk1"/>
-          </a:effectRef>
-          <a:fontRef idx="minor">
-            <a:schemeClr val="dk1"/>
-          </a:fontRef>
-        </p:style>
-        <p:txBody>
-          <a:bodyPr rtlCol="0" anchor="ctr"/>
-          <a:lstStyle/>
-          <a:p>
-            <a:pPr algn="ctr"/>
-            <a:r>
-              <a:rPr lang="de-DE" sz="1600" dirty="0" smtClean="0"/>
-              <a:t>Konferenzleiter</a:t>
-            </a:r>
-            <a:endParaRPr lang="de-DE" sz="1600" dirty="0"/>
-          </a:p>
-        </p:txBody>
-      </p:sp>
-      <p:sp>
-        <p:nvSpPr>
-          <p:cNvPr id="33" name="Rechteck 32"/>
-          <p:cNvSpPr/>
-          <p:nvPr/>
-        </p:nvSpPr>
-        <p:spPr>
-          <a:xfrm>
-            <a:off x="4376936" y="2527104"/>
-            <a:ext cx="483096" cy="321471"/>
-          </a:xfrm>
-          <a:prstGeom prst="rect">
-            <a:avLst/>
-          </a:prstGeom>
-          <a:ln>
-            <a:solidFill>
-              <a:schemeClr val="bg1">
-                <a:lumMod val="50000"/>
-              </a:schemeClr>
-            </a:solidFill>
-          </a:ln>
-        </p:spPr>
-        <p:style>
-          <a:lnRef idx="2">
-            <a:schemeClr val="dk1"/>
-          </a:lnRef>
-          <a:fillRef idx="1">
-            <a:schemeClr val="lt1"/>
-          </a:fillRef>
-          <a:effectRef idx="0">
-            <a:schemeClr val="dk1"/>
-          </a:effectRef>
-          <a:fontRef idx="minor">
-            <a:schemeClr val="dk1"/>
-          </a:fontRef>
-        </p:style>
-        <p:txBody>
-          <a:bodyPr rtlCol="0" anchor="ctr"/>
-          <a:lstStyle/>
-          <a:p>
-            <a:pPr algn="ctr"/>
-            <a:r>
-              <a:rPr lang="de-DE" sz="2800" dirty="0" smtClean="0">
-                <a:solidFill>
-                  <a:srgbClr val="00B050"/>
-                </a:solidFill>
-              </a:rPr>
-              <a:t>+</a:t>
-            </a:r>
-            <a:endParaRPr lang="de-DE" sz="1600" dirty="0">
-              <a:solidFill>
-                <a:srgbClr val="00B050"/>
-              </a:solidFill>
-            </a:endParaRPr>
-          </a:p>
-        </p:txBody>
-      </p:sp>
-      <p:sp>
-        <p:nvSpPr>
-          <p:cNvPr id="34" name="Rechteck 33"/>
-          <p:cNvSpPr/>
-          <p:nvPr/>
-        </p:nvSpPr>
-        <p:spPr>
-          <a:xfrm>
-            <a:off x="4860032" y="2527104"/>
-            <a:ext cx="483096" cy="321471"/>
-          </a:xfrm>
-          <a:prstGeom prst="rect">
-            <a:avLst/>
-          </a:prstGeom>
-          <a:ln>
-            <a:solidFill>
-              <a:schemeClr val="bg1">
-                <a:lumMod val="50000"/>
-              </a:schemeClr>
-            </a:solidFill>
-          </a:ln>
-        </p:spPr>
-        <p:style>
-          <a:lnRef idx="2">
-            <a:schemeClr val="dk1"/>
-          </a:lnRef>
-          <a:fillRef idx="1">
-            <a:schemeClr val="lt1"/>
-          </a:fillRef>
-          <a:effectRef idx="0">
-            <a:schemeClr val="dk1"/>
-          </a:effectRef>
-          <a:fontRef idx="minor">
-            <a:schemeClr val="dk1"/>
-          </a:fontRef>
-        </p:style>
-        <p:txBody>
-          <a:bodyPr rtlCol="0" anchor="ctr"/>
-          <a:lstStyle/>
-          <a:p>
-            <a:pPr algn="ctr"/>
-            <a:r>
-              <a:rPr lang="de-DE" sz="2800" dirty="0" smtClean="0">
-                <a:solidFill>
-                  <a:srgbClr val="00B050"/>
-                </a:solidFill>
-              </a:rPr>
-              <a:t>+</a:t>
-            </a:r>
-            <a:endParaRPr lang="de-DE" sz="1600" dirty="0">
-              <a:solidFill>
-                <a:srgbClr val="00B050"/>
-              </a:solidFill>
-            </a:endParaRPr>
-          </a:p>
-        </p:txBody>
-      </p:sp>
-      <p:sp>
-        <p:nvSpPr>
-          <p:cNvPr id="35" name="Rechteck 34"/>
-          <p:cNvSpPr/>
-          <p:nvPr/>
-        </p:nvSpPr>
-        <p:spPr>
-          <a:xfrm>
-            <a:off x="6816788" y="2524521"/>
-            <a:ext cx="1931676" cy="321471"/>
-          </a:xfrm>
-          <a:prstGeom prst="rect">
-            <a:avLst/>
-          </a:prstGeom>
-          <a:ln>
-            <a:solidFill>
-              <a:schemeClr val="bg1">
-                <a:lumMod val="50000"/>
-              </a:schemeClr>
-            </a:solidFill>
-          </a:ln>
-        </p:spPr>
-        <p:style>
-          <a:lnRef idx="2">
-            <a:schemeClr val="dk1"/>
-          </a:lnRef>
-          <a:fillRef idx="1">
-            <a:schemeClr val="lt1"/>
-          </a:fillRef>
-          <a:effectRef idx="0">
-            <a:schemeClr val="dk1"/>
-          </a:effectRef>
-          <a:fontRef idx="minor">
-            <a:schemeClr val="dk1"/>
-          </a:fontRef>
-        </p:style>
-        <p:txBody>
-          <a:bodyPr rtlCol="0" anchor="ctr"/>
-          <a:lstStyle/>
-          <a:p>
-            <a:pPr algn="ctr"/>
-            <a:r>
-              <a:rPr lang="de-DE" sz="1600" dirty="0" smtClean="0"/>
-              <a:t>Konferenzdatum</a:t>
-            </a:r>
-            <a:endParaRPr lang="de-DE" sz="1600" dirty="0"/>
-          </a:p>
-        </p:txBody>
-      </p:sp>
-      <p:sp>
-        <p:nvSpPr>
-          <p:cNvPr id="36" name="Rechteck 35"/>
-          <p:cNvSpPr/>
-          <p:nvPr/>
-        </p:nvSpPr>
-        <p:spPr>
-          <a:xfrm>
-            <a:off x="410022" y="3068960"/>
-            <a:ext cx="8424936" cy="2376264"/>
-          </a:xfrm>
-          <a:prstGeom prst="rect">
-            <a:avLst/>
-          </a:prstGeom>
-        </p:spPr>
-        <p:style>
-          <a:lnRef idx="2">
-            <a:schemeClr val="accent6"/>
-          </a:lnRef>
-          <a:fillRef idx="1">
-            <a:schemeClr val="lt1"/>
-          </a:fillRef>
-          <a:effectRef idx="0">
-            <a:schemeClr val="accent6"/>
-          </a:effectRef>
-          <a:fontRef idx="minor">
-            <a:schemeClr val="dk1"/>
-          </a:fontRef>
-        </p:style>
-        <p:txBody>
-          <a:bodyPr rtlCol="0" anchor="ctr"/>
-          <a:lstStyle/>
-          <a:p>
-            <a:pPr algn="ctr"/>
-            <a:endParaRPr lang="de-DE" dirty="0" smtClean="0">
-              <a:solidFill>
-                <a:schemeClr val="bg1">
-                  <a:lumMod val="65000"/>
-                </a:schemeClr>
-              </a:solidFill>
-            </a:endParaRPr>
-          </a:p>
-          <a:p>
-            <a:pPr algn="ctr"/>
-            <a:endParaRPr lang="de-DE" dirty="0" smtClean="0">
-              <a:solidFill>
-                <a:schemeClr val="bg1">
-                  <a:lumMod val="65000"/>
-                </a:schemeClr>
-              </a:solidFill>
-            </a:endParaRPr>
-          </a:p>
-          <a:p>
-            <a:pPr algn="ctr"/>
-            <a:r>
-              <a:rPr lang="de-DE" dirty="0" smtClean="0">
-                <a:solidFill>
-                  <a:schemeClr val="bg1">
-                    <a:lumMod val="65000"/>
-                  </a:schemeClr>
-                </a:solidFill>
-              </a:rPr>
-              <a:t>Liste von TOPs</a:t>
-            </a:r>
-            <a:endParaRPr lang="de-DE" dirty="0">
-              <a:solidFill>
-                <a:schemeClr val="bg1">
-                  <a:lumMod val="65000"/>
-                </a:schemeClr>
-              </a:solidFill>
-            </a:endParaRPr>
-          </a:p>
-        </p:txBody>
-      </p:sp>
-      <p:sp>
-        <p:nvSpPr>
-          <p:cNvPr id="37" name="Rechteck 36"/>
-          <p:cNvSpPr/>
-          <p:nvPr/>
-        </p:nvSpPr>
-        <p:spPr>
-          <a:xfrm>
-            <a:off x="429444" y="3107529"/>
-            <a:ext cx="8391028" cy="321471"/>
-          </a:xfrm>
-          <a:prstGeom prst="rect">
-            <a:avLst/>
-          </a:prstGeom>
-          <a:ln>
-            <a:solidFill>
-              <a:schemeClr val="bg1">
-                <a:lumMod val="50000"/>
-              </a:schemeClr>
-            </a:solidFill>
-          </a:ln>
-        </p:spPr>
-        <p:style>
-          <a:lnRef idx="2">
-            <a:schemeClr val="dk1"/>
-          </a:lnRef>
-          <a:fillRef idx="1">
-            <a:schemeClr val="lt1"/>
-          </a:fillRef>
-          <a:effectRef idx="0">
-            <a:schemeClr val="dk1"/>
-          </a:effectRef>
-          <a:fontRef idx="minor">
-            <a:schemeClr val="dk1"/>
-          </a:fontRef>
-        </p:style>
-        <p:txBody>
-          <a:bodyPr rtlCol="0" anchor="ctr"/>
-          <a:lstStyle/>
-          <a:p>
-            <a:pPr algn="ctr"/>
-            <a:r>
-              <a:rPr lang="de-DE" sz="1600" dirty="0" smtClean="0"/>
-              <a:t>Schuluniform</a:t>
-            </a:r>
-            <a:endParaRPr lang="de-DE" sz="1600" dirty="0"/>
-          </a:p>
-        </p:txBody>
-      </p:sp>
-      <p:sp>
-        <p:nvSpPr>
-          <p:cNvPr id="38" name="Rechteck 37"/>
-          <p:cNvSpPr/>
-          <p:nvPr/>
-        </p:nvSpPr>
-        <p:spPr>
-          <a:xfrm>
-            <a:off x="424441" y="3429000"/>
-            <a:ext cx="8396032" cy="321471"/>
-          </a:xfrm>
-          <a:prstGeom prst="rect">
-            <a:avLst/>
-          </a:prstGeom>
-          <a:ln>
-            <a:solidFill>
-              <a:schemeClr val="bg1">
-                <a:lumMod val="50000"/>
-              </a:schemeClr>
-            </a:solidFill>
-          </a:ln>
-        </p:spPr>
-        <p:style>
-          <a:lnRef idx="2">
-            <a:schemeClr val="dk1"/>
-          </a:lnRef>
-          <a:fillRef idx="1">
-            <a:schemeClr val="lt1"/>
-          </a:fillRef>
-          <a:effectRef idx="0">
-            <a:schemeClr val="dk1"/>
-          </a:effectRef>
-          <a:fontRef idx="minor">
-            <a:schemeClr val="dk1"/>
-          </a:fontRef>
-        </p:style>
-        <p:txBody>
-          <a:bodyPr rtlCol="0" anchor="ctr"/>
-          <a:lstStyle/>
-          <a:p>
-            <a:pPr algn="ctr"/>
-            <a:r>
-              <a:rPr lang="de-DE" sz="2800" dirty="0" smtClean="0">
-                <a:solidFill>
-                  <a:srgbClr val="00B050"/>
-                </a:solidFill>
-              </a:rPr>
-              <a:t>+</a:t>
-            </a:r>
-            <a:endParaRPr lang="de-DE" sz="1600" dirty="0">
-              <a:solidFill>
-                <a:srgbClr val="00B050"/>
-              </a:solidFill>
-            </a:endParaRPr>
-          </a:p>
-        </p:txBody>
-      </p:sp>
-      <p:sp>
-        <p:nvSpPr>
-          <p:cNvPr id="39" name="Rechteck 38"/>
-          <p:cNvSpPr/>
-          <p:nvPr/>
-        </p:nvSpPr>
-        <p:spPr>
-          <a:xfrm>
-            <a:off x="491538" y="1307329"/>
-            <a:ext cx="1296144" cy="321471"/>
-          </a:xfrm>
-          <a:prstGeom prst="rect">
-            <a:avLst/>
-          </a:prstGeom>
-          <a:ln>
-            <a:solidFill>
-              <a:schemeClr val="bg1">
-                <a:lumMod val="50000"/>
-              </a:schemeClr>
-            </a:solidFill>
-          </a:ln>
-        </p:spPr>
-        <p:style>
-          <a:lnRef idx="2">
-            <a:schemeClr val="dk1"/>
-          </a:lnRef>
-          <a:fillRef idx="1">
-            <a:schemeClr val="lt1"/>
-          </a:fillRef>
-          <a:effectRef idx="0">
-            <a:schemeClr val="dk1"/>
-          </a:effectRef>
-          <a:fontRef idx="minor">
-            <a:schemeClr val="dk1"/>
-          </a:fontRef>
-        </p:style>
-        <p:txBody>
-          <a:bodyPr rtlCol="0" anchor="ctr"/>
-          <a:lstStyle/>
-          <a:p>
-            <a:pPr algn="ctr"/>
-            <a:r>
-              <a:rPr lang="de-DE" sz="1600" dirty="0" smtClean="0"/>
-              <a:t>Protokolltyp</a:t>
-            </a:r>
-            <a:endParaRPr lang="de-DE" sz="1600" dirty="0"/>
-          </a:p>
-        </p:txBody>
-      </p:sp>
-      <p:sp>
-        <p:nvSpPr>
-          <p:cNvPr id="40" name="Rechteck 39"/>
-          <p:cNvSpPr/>
-          <p:nvPr/>
-        </p:nvSpPr>
-        <p:spPr>
-          <a:xfrm>
-            <a:off x="512481" y="1736351"/>
-            <a:ext cx="1737166" cy="321471"/>
-          </a:xfrm>
-          <a:prstGeom prst="rect">
-            <a:avLst/>
-          </a:prstGeom>
-          <a:ln>
-            <a:solidFill>
-              <a:schemeClr val="bg1">
-                <a:lumMod val="50000"/>
-              </a:schemeClr>
-            </a:solidFill>
-          </a:ln>
-        </p:spPr>
-        <p:style>
-          <a:lnRef idx="2">
-            <a:schemeClr val="dk1"/>
-          </a:lnRef>
-          <a:fillRef idx="1">
-            <a:schemeClr val="lt1"/>
-          </a:fillRef>
-          <a:effectRef idx="0">
-            <a:schemeClr val="dk1"/>
-          </a:effectRef>
-          <a:fontRef idx="minor">
-            <a:schemeClr val="dk1"/>
-          </a:fontRef>
-        </p:style>
-        <p:txBody>
-          <a:bodyPr rtlCol="0" anchor="ctr"/>
-          <a:lstStyle/>
-          <a:p>
-            <a:r>
-              <a:rPr lang="de-DE" sz="1600" dirty="0" smtClean="0"/>
-              <a:t>• Oliver Kaden</a:t>
-            </a:r>
-            <a:endParaRPr lang="de-DE" sz="1600" dirty="0"/>
-          </a:p>
-        </p:txBody>
-      </p:sp>
-      <p:sp>
-        <p:nvSpPr>
-          <p:cNvPr id="41" name="Rechteck 40"/>
-          <p:cNvSpPr/>
-          <p:nvPr/>
-        </p:nvSpPr>
-        <p:spPr>
-          <a:xfrm>
-            <a:off x="2245108" y="1736351"/>
-            <a:ext cx="1737166" cy="321471"/>
-          </a:xfrm>
-          <a:prstGeom prst="rect">
-            <a:avLst/>
-          </a:prstGeom>
-          <a:ln>
-            <a:solidFill>
-              <a:schemeClr val="bg1">
-                <a:lumMod val="50000"/>
-              </a:schemeClr>
-            </a:solidFill>
-          </a:ln>
-        </p:spPr>
-        <p:style>
-          <a:lnRef idx="2">
-            <a:schemeClr val="dk1"/>
-          </a:lnRef>
-          <a:fillRef idx="1">
-            <a:schemeClr val="lt1"/>
-          </a:fillRef>
-          <a:effectRef idx="0">
-            <a:schemeClr val="dk1"/>
-          </a:effectRef>
-          <a:fontRef idx="minor">
-            <a:schemeClr val="dk1"/>
-          </a:fontRef>
-        </p:style>
-        <p:txBody>
-          <a:bodyPr rtlCol="0" anchor="ctr"/>
-          <a:lstStyle/>
-          <a:p>
-            <a:r>
-              <a:rPr lang="de-DE" sz="1600" dirty="0" smtClean="0"/>
-              <a:t>• Micheal </a:t>
-            </a:r>
-            <a:r>
-              <a:rPr lang="de-DE" sz="1600" dirty="0" err="1" smtClean="0"/>
-              <a:t>Gede</a:t>
-            </a:r>
-            <a:endParaRPr lang="de-DE" sz="1600" dirty="0"/>
-          </a:p>
-        </p:txBody>
-      </p:sp>
-      <p:sp>
-        <p:nvSpPr>
-          <p:cNvPr id="42" name="Rechteck 41"/>
-          <p:cNvSpPr/>
-          <p:nvPr/>
-        </p:nvSpPr>
-        <p:spPr>
-          <a:xfrm>
-            <a:off x="3982274" y="1736351"/>
-            <a:ext cx="4766190" cy="321471"/>
-          </a:xfrm>
-          <a:prstGeom prst="rect">
-            <a:avLst/>
-          </a:prstGeom>
-          <a:ln>
-            <a:solidFill>
-              <a:schemeClr val="bg1">
-                <a:lumMod val="50000"/>
-              </a:schemeClr>
-            </a:solidFill>
-          </a:ln>
-        </p:spPr>
-        <p:style>
-          <a:lnRef idx="2">
-            <a:schemeClr val="dk1"/>
-          </a:lnRef>
-          <a:fillRef idx="1">
-            <a:schemeClr val="lt1"/>
-          </a:fillRef>
-          <a:effectRef idx="0">
-            <a:schemeClr val="dk1"/>
-          </a:effectRef>
-          <a:fontRef idx="minor">
-            <a:schemeClr val="dk1"/>
-          </a:fontRef>
-        </p:style>
-        <p:txBody>
-          <a:bodyPr rtlCol="0" anchor="ctr"/>
-          <a:lstStyle/>
-          <a:p>
-            <a:pPr algn="ctr"/>
-            <a:r>
-              <a:rPr lang="de-DE" sz="1600" dirty="0" smtClean="0"/>
-              <a:t>…</a:t>
-            </a:r>
-            <a:endParaRPr lang="de-DE" sz="1600" dirty="0"/>
-          </a:p>
-        </p:txBody>
-      </p:sp>
-      <p:sp>
-        <p:nvSpPr>
-          <p:cNvPr id="43" name="Rechteck 42"/>
-          <p:cNvSpPr/>
-          <p:nvPr/>
-        </p:nvSpPr>
-        <p:spPr>
-          <a:xfrm>
-            <a:off x="512481" y="2049486"/>
-            <a:ext cx="1737166" cy="321471"/>
-          </a:xfrm>
-          <a:prstGeom prst="rect">
-            <a:avLst/>
-          </a:prstGeom>
-          <a:ln>
-            <a:solidFill>
-              <a:schemeClr val="bg1">
-                <a:lumMod val="50000"/>
-              </a:schemeClr>
-            </a:solidFill>
-          </a:ln>
-        </p:spPr>
-        <p:style>
-          <a:lnRef idx="2">
-            <a:schemeClr val="dk1"/>
-          </a:lnRef>
-          <a:fillRef idx="1">
-            <a:schemeClr val="lt1"/>
-          </a:fillRef>
-          <a:effectRef idx="0">
-            <a:schemeClr val="dk1"/>
-          </a:effectRef>
-          <a:fontRef idx="minor">
-            <a:schemeClr val="dk1"/>
-          </a:fontRef>
-        </p:style>
-        <p:txBody>
-          <a:bodyPr rtlCol="0" anchor="ctr"/>
-          <a:lstStyle/>
-          <a:p>
-            <a:r>
-              <a:rPr lang="de-DE" sz="1600" dirty="0" smtClean="0"/>
-              <a:t>• Pascal </a:t>
-            </a:r>
-            <a:r>
-              <a:rPr lang="de-DE" sz="1600" dirty="0" err="1" smtClean="0"/>
-              <a:t>Gollnick</a:t>
-            </a:r>
-            <a:endParaRPr lang="de-DE" sz="1600" dirty="0"/>
-          </a:p>
-        </p:txBody>
-      </p:sp>
     </p:spTree>
     <p:extLst>
       <p:ext uri="{BB962C8B-B14F-4D97-AF65-F5344CB8AC3E}">
-        <p14:creationId xmlns:p14="http://schemas.microsoft.com/office/powerpoint/2010/main" val="2983032858"/>
+        <p14:creationId xmlns:p14="http://schemas.microsoft.com/office/powerpoint/2010/main" xmlns="" val="1459471144"/>
       </p:ext>
     </p:extLst>
   </p:cSld>
@@ -6325,7 +5175,7 @@
           <a:p>
             <a:pPr algn="ctr"/>
             <a:r>
-              <a:rPr lang="de-DE" dirty="0" smtClean="0"/>
+              <a:rPr lang="de-DE" smtClean="0"/>
               <a:t>Benutzer</a:t>
             </a:r>
             <a:endParaRPr lang="de-DE" dirty="0"/>
@@ -6374,17 +5224,7 @@
                   </a:schemeClr>
                 </a:solidFill>
               </a:rPr>
-              <a:t>GSO </a:t>
-            </a:r>
-            <a:r>
-              <a:rPr lang="de-DE" dirty="0" smtClean="0">
-                <a:solidFill>
-                  <a:schemeClr val="bg1">
-                    <a:lumMod val="65000"/>
-                  </a:schemeClr>
-                </a:solidFill>
-              </a:rPr>
-              <a:t>Logo</a:t>
+              <a:t>GSO Logo</a:t>
             </a:r>
             <a:endParaRPr lang="de-DE" dirty="0">
               <a:solidFill>
@@ -6578,14 +5418,14 @@
       </p:sp>
       <p:sp>
         <p:nvSpPr>
-          <p:cNvPr id="22" name="Rechteck 21"/>
+          <p:cNvPr id="27" name="Rechteck 26"/>
           <p:cNvSpPr/>
           <p:nvPr/>
         </p:nvSpPr>
         <p:spPr>
           <a:xfrm>
             <a:off x="395536" y="1268760"/>
-            <a:ext cx="8424936" cy="5256584"/>
+            <a:ext cx="8424936" cy="1656184"/>
           </a:xfrm>
           <a:prstGeom prst="rect">
             <a:avLst/>
@@ -6672,14 +5512,78 @@
       </p:sp>
       <p:sp>
         <p:nvSpPr>
-          <p:cNvPr id="23" name="Rechteck 22"/>
-          <p:cNvSpPr/>
-          <p:nvPr/>
-        </p:nvSpPr>
-        <p:spPr>
-          <a:xfrm>
-            <a:off x="491538" y="1307329"/>
-            <a:ext cx="8184918" cy="321471"/>
+          <p:cNvPr id="30" name="Rechteck 29"/>
+          <p:cNvSpPr/>
+          <p:nvPr/>
+        </p:nvSpPr>
+        <p:spPr>
+          <a:xfrm>
+            <a:off x="486924" y="1705000"/>
+            <a:ext cx="8261540" cy="783704"/>
+          </a:xfrm>
+          <a:prstGeom prst="rect">
+            <a:avLst/>
+          </a:prstGeom>
+        </p:spPr>
+        <p:style>
+          <a:lnRef idx="2">
+            <a:schemeClr val="accent6"/>
+          </a:lnRef>
+          <a:fillRef idx="1">
+            <a:schemeClr val="lt1"/>
+          </a:fillRef>
+          <a:effectRef idx="0">
+            <a:schemeClr val="accent6"/>
+          </a:effectRef>
+          <a:fontRef idx="minor">
+            <a:schemeClr val="dk1"/>
+          </a:fontRef>
+        </p:style>
+        <p:txBody>
+          <a:bodyPr rtlCol="0" anchor="ctr"/>
+          <a:lstStyle/>
+          <a:p>
+            <a:pPr algn="ctr"/>
+            <a:endParaRPr lang="de-DE" dirty="0" smtClean="0">
+              <a:solidFill>
+                <a:schemeClr val="bg1">
+                  <a:lumMod val="65000"/>
+                </a:schemeClr>
+              </a:solidFill>
+            </a:endParaRPr>
+          </a:p>
+          <a:p>
+            <a:pPr algn="ctr"/>
+            <a:r>
+              <a:rPr lang="de-DE" dirty="0" smtClean="0">
+                <a:solidFill>
+                  <a:schemeClr val="bg1">
+                    <a:lumMod val="65000"/>
+                  </a:schemeClr>
+                </a:solidFill>
+              </a:rPr>
+              <a:t>Liste von Lehrern</a:t>
+            </a:r>
+            <a:endParaRPr lang="de-DE" dirty="0">
+              <a:solidFill>
+                <a:schemeClr val="bg1">
+                  <a:lumMod val="65000"/>
+                </a:schemeClr>
+              </a:solidFill>
+            </a:endParaRPr>
+          </a:p>
+        </p:txBody>
+      </p:sp>
+      <p:sp>
+        <p:nvSpPr>
+          <p:cNvPr id="31" name="Rechteck 30"/>
+          <p:cNvSpPr/>
+          <p:nvPr/>
+        </p:nvSpPr>
+        <p:spPr>
+          <a:xfrm>
+            <a:off x="486924" y="2524522"/>
+            <a:ext cx="1296144" cy="321471"/>
           </a:xfrm>
           <a:prstGeom prst="rect">
             <a:avLst/>
@@ -6710,19 +5614,222 @@
           <a:bodyPr rtlCol="0" anchor="ctr"/>
           <a:lstStyle/>
           <a:p>
+            <a:pPr algn="ctr"/>
             <a:r>
               <a:rPr lang="de-DE" sz="1600" dirty="0" smtClean="0"/>
-              <a:t>Ergebnisprotokoll der Zeugniskonferenz vom </a:t>
-            </a:r>
-            <a:r>
-              <a:rPr lang="de-DE" sz="1600" dirty="0" smtClean="0">
+              <a:t>Protokollant</a:t>
+            </a:r>
+            <a:endParaRPr lang="de-DE" sz="1600" dirty="0"/>
+          </a:p>
+        </p:txBody>
+      </p:sp>
+      <p:sp>
+        <p:nvSpPr>
+          <p:cNvPr id="32" name="Rechteck 31"/>
+          <p:cNvSpPr/>
+          <p:nvPr/>
+        </p:nvSpPr>
+        <p:spPr>
+          <a:xfrm>
+            <a:off x="2915816" y="2527104"/>
+            <a:ext cx="1464498" cy="321471"/>
+          </a:xfrm>
+          <a:prstGeom prst="rect">
+            <a:avLst/>
+          </a:prstGeom>
+          <a:ln>
+            <a:solidFill>
+              <a:schemeClr val="bg1">
+                <a:lumMod val="50000"/>
+              </a:schemeClr>
+            </a:solidFill>
+          </a:ln>
+        </p:spPr>
+        <p:style>
+          <a:lnRef idx="2">
+            <a:schemeClr val="dk1"/>
+          </a:lnRef>
+          <a:fillRef idx="1">
+            <a:schemeClr val="lt1"/>
+          </a:fillRef>
+          <a:effectRef idx="0">
+            <a:schemeClr val="dk1"/>
+          </a:effectRef>
+          <a:fontRef idx="minor">
+            <a:schemeClr val="dk1"/>
+          </a:fontRef>
+        </p:style>
+        <p:txBody>
+          <a:bodyPr rtlCol="0" anchor="ctr"/>
+          <a:lstStyle/>
+          <a:p>
+            <a:pPr algn="ctr"/>
+            <a:r>
+              <a:rPr lang="de-DE" sz="1600" dirty="0" smtClean="0"/>
+              <a:t>Konferenzleiter</a:t>
+            </a:r>
+            <a:endParaRPr lang="de-DE" sz="1600" dirty="0"/>
+          </a:p>
+        </p:txBody>
+      </p:sp>
+      <p:sp>
+        <p:nvSpPr>
+          <p:cNvPr id="33" name="Rechteck 32"/>
+          <p:cNvSpPr/>
+          <p:nvPr/>
+        </p:nvSpPr>
+        <p:spPr>
+          <a:xfrm>
+            <a:off x="4376936" y="2527104"/>
+            <a:ext cx="483096" cy="321471"/>
+          </a:xfrm>
+          <a:prstGeom prst="rect">
+            <a:avLst/>
+          </a:prstGeom>
+          <a:ln>
+            <a:solidFill>
+              <a:schemeClr val="bg1">
+                <a:lumMod val="50000"/>
+              </a:schemeClr>
+            </a:solidFill>
+          </a:ln>
+        </p:spPr>
+        <p:style>
+          <a:lnRef idx="2">
+            <a:schemeClr val="dk1"/>
+          </a:lnRef>
+          <a:fillRef idx="1">
+            <a:schemeClr val="lt1"/>
+          </a:fillRef>
+          <a:effectRef idx="0">
+            <a:schemeClr val="dk1"/>
+          </a:effectRef>
+          <a:fontRef idx="minor">
+            <a:schemeClr val="dk1"/>
+          </a:fontRef>
+        </p:style>
+        <p:txBody>
+          <a:bodyPr rtlCol="0" anchor="ctr"/>
+          <a:lstStyle/>
+          <a:p>
+            <a:pPr algn="ctr"/>
+            <a:r>
+              <a:rPr lang="de-DE" sz="2800" dirty="0" smtClean="0">
                 <a:solidFill>
-                  <a:schemeClr val="bg1">
-                    <a:lumMod val="50000"/>
-                  </a:schemeClr>
+                  <a:srgbClr val="00B050"/>
                 </a:solidFill>
               </a:rPr>
-              <a:t>Konferenz Datum</a:t>
+              <a:t>+</a:t>
+            </a:r>
+            <a:endParaRPr lang="de-DE" sz="1600" dirty="0">
+              <a:solidFill>
+                <a:srgbClr val="00B050"/>
+              </a:solidFill>
+            </a:endParaRPr>
+          </a:p>
+        </p:txBody>
+      </p:sp>
+      <p:sp>
+        <p:nvSpPr>
+          <p:cNvPr id="34" name="Rechteck 33"/>
+          <p:cNvSpPr/>
+          <p:nvPr/>
+        </p:nvSpPr>
+        <p:spPr>
+          <a:xfrm>
+            <a:off x="4860032" y="2527104"/>
+            <a:ext cx="483096" cy="321471"/>
+          </a:xfrm>
+          <a:prstGeom prst="rect">
+            <a:avLst/>
+          </a:prstGeom>
+          <a:ln>
+            <a:solidFill>
+              <a:schemeClr val="bg1">
+                <a:lumMod val="50000"/>
+              </a:schemeClr>
+            </a:solidFill>
+          </a:ln>
+        </p:spPr>
+        <p:style>
+          <a:lnRef idx="2">
+            <a:schemeClr val="dk1"/>
+          </a:lnRef>
+          <a:fillRef idx="1">
+            <a:schemeClr val="lt1"/>
+          </a:fillRef>
+          <a:effectRef idx="0">
+            <a:schemeClr val="dk1"/>
+          </a:effectRef>
+          <a:fontRef idx="minor">
+            <a:schemeClr val="dk1"/>
+          </a:fontRef>
+        </p:style>
+        <p:txBody>
+          <a:bodyPr rtlCol="0" anchor="ctr"/>
+          <a:lstStyle/>
+          <a:p>
+            <a:pPr algn="ctr"/>
+            <a:r>
+              <a:rPr lang="de-DE" sz="2800" dirty="0" smtClean="0">
+                <a:solidFill>
+                  <a:srgbClr val="00B050"/>
+                </a:solidFill>
+              </a:rPr>
+              <a:t>+</a:t>
+            </a:r>
+            <a:endParaRPr lang="de-DE" sz="1600" dirty="0">
+              <a:solidFill>
+                <a:srgbClr val="00B050"/>
+              </a:solidFill>
+            </a:endParaRPr>
+          </a:p>
+        </p:txBody>
+      </p:sp>
+      <p:sp>
+        <p:nvSpPr>
+          <p:cNvPr id="35" name="Rechteck 34"/>
+          <p:cNvSpPr/>
+          <p:nvPr/>
+        </p:nvSpPr>
+        <p:spPr>
+          <a:xfrm>
+            <a:off x="6816788" y="2524521"/>
+            <a:ext cx="1931676" cy="321471"/>
+          </a:xfrm>
+          <a:prstGeom prst="rect">
+            <a:avLst/>
+          </a:prstGeom>
+          <a:ln>
+            <a:solidFill>
+              <a:schemeClr val="bg1">
+                <a:lumMod val="50000"/>
+              </a:schemeClr>
+            </a:solidFill>
+          </a:ln>
+        </p:spPr>
+        <p:style>
+          <a:lnRef idx="2">
+            <a:schemeClr val="dk1"/>
+          </a:lnRef>
+          <a:fillRef idx="1">
+            <a:schemeClr val="lt1"/>
+          </a:fillRef>
+          <a:effectRef idx="0">
+            <a:schemeClr val="dk1"/>
+          </a:effectRef>
+          <a:fontRef idx="minor">
+            <a:schemeClr val="dk1"/>
+          </a:fontRef>
+        </p:style>
+        <p:txBody>
+          <a:bodyPr rtlCol="0" anchor="ctr"/>
+          <a:lstStyle/>
+          <a:p>
+            <a:pPr algn="ctr"/>
+            <a:r>
+              <a:rPr lang="de-DE" sz="1600" dirty="0" smtClean="0"/>
+              <a:t>Konferenzdatum</a:t>
             </a:r>
             <a:endParaRPr lang="de-DE" sz="1600" dirty="0"/>
           </a:p>
@@ -6730,14 +5837,14 @@
       </p:sp>
       <p:sp>
         <p:nvSpPr>
-          <p:cNvPr id="28" name="Rechteck 27"/>
-          <p:cNvSpPr/>
-          <p:nvPr/>
-        </p:nvSpPr>
-        <p:spPr>
-          <a:xfrm>
-            <a:off x="486924" y="1705000"/>
-            <a:ext cx="8261540" cy="715888"/>
+          <p:cNvPr id="36" name="Rechteck 35"/>
+          <p:cNvSpPr/>
+          <p:nvPr/>
+        </p:nvSpPr>
+        <p:spPr>
+          <a:xfrm>
+            <a:off x="410022" y="3068960"/>
+            <a:ext cx="8424936" cy="2376264"/>
           </a:xfrm>
           <a:prstGeom prst="rect">
             <a:avLst/>
@@ -6760,6 +5867,26 @@
         <p:txBody>
           <a:bodyPr rtlCol="0" anchor="ctr"/>
           <a:lstStyle/>
+          <a:p>
+            <a:pPr algn="ctr"/>
+            <a:endParaRPr lang="de-DE" dirty="0" smtClean="0">
+              <a:solidFill>
+                <a:schemeClr val="bg1">
+                  <a:lumMod val="65000"/>
+                </a:schemeClr>
+              </a:solidFill>
+            </a:endParaRPr>
+          </a:p>
+          <a:p>
+            <a:pPr algn="ctr"/>
+            <a:endParaRPr lang="de-DE" dirty="0" smtClean="0">
+              <a:solidFill>
+                <a:schemeClr val="bg1">
+                  <a:lumMod val="65000"/>
+                </a:schemeClr>
+              </a:solidFill>
+            </a:endParaRPr>
+          </a:p>
           <a:p>
             <a:pPr algn="ctr"/>
             <a:r>
@@ -6770,7 +5897,7 @@
                   </a:schemeClr>
                 </a:solidFill>
               </a:rPr>
-              <a:t>			Liste von Lehrern</a:t>
+              <a:t>Liste von TOPs</a:t>
             </a:r>
             <a:endParaRPr lang="de-DE" dirty="0">
               <a:solidFill>
@@ -6784,14 +5911,14 @@
       </p:sp>
       <p:sp>
         <p:nvSpPr>
-          <p:cNvPr id="29" name="Rechteck 28"/>
-          <p:cNvSpPr/>
-          <p:nvPr/>
-        </p:nvSpPr>
-        <p:spPr>
-          <a:xfrm>
-            <a:off x="512481" y="1736351"/>
-            <a:ext cx="1737166" cy="321471"/>
+          <p:cNvPr id="37" name="Rechteck 36"/>
+          <p:cNvSpPr/>
+          <p:nvPr/>
+        </p:nvSpPr>
+        <p:spPr>
+          <a:xfrm>
+            <a:off x="429444" y="3107529"/>
+            <a:ext cx="8391028" cy="321471"/>
           </a:xfrm>
           <a:prstGeom prst="rect">
             <a:avLst/>
@@ -6822,9 +5949,10 @@
           <a:bodyPr rtlCol="0" anchor="ctr"/>
           <a:lstStyle/>
           <a:p>
+            <a:pPr algn="ctr"/>
             <a:r>
               <a:rPr lang="de-DE" sz="1600" dirty="0" smtClean="0"/>
-              <a:t>Oliver Kaden</a:t>
+              <a:t>Schuluniform</a:t>
             </a:r>
             <a:endParaRPr lang="de-DE" sz="1600" dirty="0"/>
           </a:p>
@@ -6832,14 +5960,14 @@
       </p:sp>
       <p:sp>
         <p:nvSpPr>
-          <p:cNvPr id="41" name="Rechteck 40"/>
-          <p:cNvSpPr/>
-          <p:nvPr/>
-        </p:nvSpPr>
-        <p:spPr>
-          <a:xfrm>
-            <a:off x="512481" y="2049486"/>
-            <a:ext cx="1737166" cy="321471"/>
+          <p:cNvPr id="38" name="Rechteck 37"/>
+          <p:cNvSpPr/>
+          <p:nvPr/>
+        </p:nvSpPr>
+        <p:spPr>
+          <a:xfrm>
+            <a:off x="424441" y="3429000"/>
+            <a:ext cx="8396032" cy="321471"/>
           </a:xfrm>
           <a:prstGeom prst="rect">
             <a:avLst/>
@@ -6870,28 +5998,33 @@
           <a:bodyPr rtlCol="0" anchor="ctr"/>
           <a:lstStyle/>
           <a:p>
-            <a:r>
-              <a:rPr lang="de-DE" sz="1600" dirty="0" smtClean="0"/>
-              <a:t>Pascal </a:t>
-            </a:r>
-            <a:r>
-              <a:rPr lang="de-DE" sz="1600" dirty="0" err="1" smtClean="0"/>
-              <a:t>Gollnick</a:t>
-            </a:r>
-            <a:endParaRPr lang="de-DE" sz="1600" dirty="0"/>
-          </a:p>
-        </p:txBody>
-      </p:sp>
-      <p:sp>
-        <p:nvSpPr>
-          <p:cNvPr id="8" name="Rechteck 7"/>
-          <p:cNvSpPr/>
-          <p:nvPr/>
-        </p:nvSpPr>
-        <p:spPr>
-          <a:xfrm>
-            <a:off x="1926754" y="1779549"/>
-            <a:ext cx="233207" cy="216023"/>
+            <a:pPr algn="ctr"/>
+            <a:r>
+              <a:rPr lang="de-DE" sz="2800" dirty="0" smtClean="0">
+                <a:solidFill>
+                  <a:srgbClr val="00B050"/>
+                </a:solidFill>
+              </a:rPr>
+              <a:t>+</a:t>
+            </a:r>
+            <a:endParaRPr lang="de-DE" sz="1600" dirty="0">
+              <a:solidFill>
+                <a:srgbClr val="00B050"/>
+              </a:solidFill>
+            </a:endParaRPr>
+          </a:p>
+        </p:txBody>
+      </p:sp>
+      <p:sp>
+        <p:nvSpPr>
+          <p:cNvPr id="39" name="Rechteck 38"/>
+          <p:cNvSpPr/>
+          <p:nvPr/>
+        </p:nvSpPr>
+        <p:spPr>
+          <a:xfrm>
+            <a:off x="491538" y="1307329"/>
+            <a:ext cx="1296144" cy="321471"/>
           </a:xfrm>
           <a:prstGeom prst="rect">
             <a:avLst/>
@@ -6906,62 +6039,41 @@
         </p:spPr>
         <p:style>
           <a:lnRef idx="2">
-            <a:schemeClr val="accent6"/>
+            <a:schemeClr val="dk1"/>
           </a:lnRef>
           <a:fillRef idx="1">
             <a:schemeClr val="lt1"/>
           </a:fillRef>
           <a:effectRef idx="0">
-            <a:schemeClr val="accent6"/>
-          </a:effectRef>
-          <a:fontRef idx="minor">
-            <a:schemeClr val="dk1"/>
-          </a:fontRef>
-        </p:style>
-        <p:txBody>
-          <a:bodyPr rtlCol="0" anchor="ctr"/>
-          <a:lstStyle/>
-          <a:p>
-            <a:pPr algn="ctr"/>
-            <a:r>
-              <a:rPr lang="de-DE" dirty="0">
-                <a:solidFill>
-                  <a:srgbClr val="00B050"/>
-                </a:solidFill>
-              </a:rPr>
-              <a:t>✓</a:t>
-            </a:r>
-            <a:endParaRPr lang="de-DE" dirty="0">
-              <a:ln w="18415" cmpd="sng">
-                <a:solidFill>
-                  <a:schemeClr val="bg1"/>
-                </a:solidFill>
-                <a:prstDash val="solid"/>
-              </a:ln>
-              <a:solidFill>
-                <a:srgbClr val="00B050"/>
-              </a:solidFill>
-              <a:effectLst>
-                <a:outerShdw blurRad="63500" dir="3600000" algn="tl" rotWithShape="0">
-                  <a:srgbClr val="000000">
-                    <a:alpha val="70000"/>
-                  </a:srgbClr>
-                </a:outerShdw>
-              </a:effectLst>
-            </a:endParaRPr>
-          </a:p>
-        </p:txBody>
-      </p:sp>
-      <p:sp>
-        <p:nvSpPr>
-          <p:cNvPr id="42" name="Rechteck 41"/>
-          <p:cNvSpPr/>
-          <p:nvPr/>
-        </p:nvSpPr>
-        <p:spPr>
-          <a:xfrm>
-            <a:off x="1919911" y="2092684"/>
-            <a:ext cx="233207" cy="216023"/>
+            <a:schemeClr val="dk1"/>
+          </a:effectRef>
+          <a:fontRef idx="minor">
+            <a:schemeClr val="dk1"/>
+          </a:fontRef>
+        </p:style>
+        <p:txBody>
+          <a:bodyPr rtlCol="0" anchor="ctr"/>
+          <a:lstStyle/>
+          <a:p>
+            <a:pPr algn="ctr"/>
+            <a:r>
+              <a:rPr lang="de-DE" sz="1600" dirty="0" smtClean="0"/>
+              <a:t>Protokolltyp</a:t>
+            </a:r>
+            <a:endParaRPr lang="de-DE" sz="1600" dirty="0"/>
+          </a:p>
+        </p:txBody>
+      </p:sp>
+      <p:sp>
+        <p:nvSpPr>
+          <p:cNvPr id="40" name="Rechteck 39"/>
+          <p:cNvSpPr/>
+          <p:nvPr/>
+        </p:nvSpPr>
+        <p:spPr>
+          <a:xfrm>
+            <a:off x="512481" y="1736351"/>
+            <a:ext cx="1737166" cy="321471"/>
           </a:xfrm>
           <a:prstGeom prst="rect">
             <a:avLst/>
@@ -6976,61 +6088,39 @@
         </p:spPr>
         <p:style>
           <a:lnRef idx="2">
-            <a:schemeClr val="accent6"/>
+            <a:schemeClr val="dk1"/>
           </a:lnRef>
           <a:fillRef idx="1">
             <a:schemeClr val="lt1"/>
           </a:fillRef>
           <a:effectRef idx="0">
-            <a:schemeClr val="accent6"/>
-          </a:effectRef>
-          <a:fontRef idx="minor">
-            <a:schemeClr val="dk1"/>
-          </a:fontRef>
-        </p:style>
-        <p:txBody>
-          <a:bodyPr rtlCol="0" anchor="ctr"/>
-          <a:lstStyle/>
-          <a:p>
-            <a:pPr algn="ctr"/>
-            <a:r>
-              <a:rPr lang="de-DE" dirty="0">
-                <a:solidFill>
-                  <a:srgbClr val="00B050"/>
-                </a:solidFill>
-              </a:rPr>
-              <a:t>✓</a:t>
-            </a:r>
-            <a:endParaRPr lang="de-DE" dirty="0">
-              <a:ln w="18415" cmpd="sng">
-                <a:solidFill>
-                  <a:schemeClr val="bg1"/>
-                </a:solidFill>
-                <a:prstDash val="solid"/>
-              </a:ln>
-              <a:solidFill>
-                <a:srgbClr val="00B050"/>
-              </a:solidFill>
-              <a:effectLst>
-                <a:outerShdw blurRad="63500" dir="3600000" algn="tl" rotWithShape="0">
-                  <a:srgbClr val="000000">
-                    <a:alpha val="70000"/>
-                  </a:srgbClr>
-                </a:outerShdw>
-              </a:effectLst>
-            </a:endParaRPr>
-          </a:p>
-        </p:txBody>
-      </p:sp>
-      <p:sp>
-        <p:nvSpPr>
-          <p:cNvPr id="44" name="Rechteck 43"/>
-          <p:cNvSpPr/>
-          <p:nvPr/>
-        </p:nvSpPr>
-        <p:spPr>
-          <a:xfrm>
-            <a:off x="2249647" y="1737962"/>
+            <a:schemeClr val="dk1"/>
+          </a:effectRef>
+          <a:fontRef idx="minor">
+            <a:schemeClr val="dk1"/>
+          </a:fontRef>
+        </p:style>
+        <p:txBody>
+          <a:bodyPr rtlCol="0" anchor="ctr"/>
+          <a:lstStyle/>
+          <a:p>
+            <a:r>
+              <a:rPr lang="de-DE" sz="1600" dirty="0" smtClean="0"/>
+              <a:t>• Oliver Kaden</a:t>
+            </a:r>
+            <a:endParaRPr lang="de-DE" sz="1600" dirty="0"/>
+          </a:p>
+        </p:txBody>
+      </p:sp>
+      <p:sp>
+        <p:nvSpPr>
+          <p:cNvPr id="41" name="Rechteck 40"/>
+          <p:cNvSpPr/>
+          <p:nvPr/>
+        </p:nvSpPr>
+        <p:spPr>
+          <a:xfrm>
+            <a:off x="2245108" y="1736351"/>
             <a:ext cx="1737166" cy="321471"/>
           </a:xfrm>
           <a:prstGeom prst="rect">
@@ -7064,7 +6154,7 @@
           <a:p>
             <a:r>
               <a:rPr lang="de-DE" sz="1600" dirty="0" smtClean="0"/>
-              <a:t>Michael </a:t>
+              <a:t>• Micheal </a:t>
             </a:r>
             <a:r>
               <a:rPr lang="de-DE" sz="1600" dirty="0" err="1" smtClean="0"/>
@@ -7076,14 +6166,14 @@
       </p:sp>
       <p:sp>
         <p:nvSpPr>
-          <p:cNvPr id="45" name="Rechteck 44"/>
-          <p:cNvSpPr/>
-          <p:nvPr/>
-        </p:nvSpPr>
-        <p:spPr>
-          <a:xfrm>
-            <a:off x="3663920" y="1781160"/>
-            <a:ext cx="233207" cy="216023"/>
+          <p:cNvPr id="42" name="Rechteck 41"/>
+          <p:cNvSpPr/>
+          <p:nvPr/>
+        </p:nvSpPr>
+        <p:spPr>
+          <a:xfrm>
+            <a:off x="3982274" y="1736351"/>
+            <a:ext cx="4766190" cy="321471"/>
           </a:xfrm>
           <a:prstGeom prst="rect">
             <a:avLst/>
@@ -7098,54 +6188,41 @@
         </p:spPr>
         <p:style>
           <a:lnRef idx="2">
-            <a:schemeClr val="accent6"/>
+            <a:schemeClr val="dk1"/>
           </a:lnRef>
           <a:fillRef idx="1">
             <a:schemeClr val="lt1"/>
           </a:fillRef>
           <a:effectRef idx="0">
-            <a:schemeClr val="accent6"/>
-          </a:effectRef>
-          <a:fontRef idx="minor">
-            <a:schemeClr val="dk1"/>
-          </a:fontRef>
-        </p:style>
-        <p:txBody>
-          <a:bodyPr rtlCol="0" anchor="ctr"/>
-          <a:lstStyle/>
-          <a:p>
-            <a:pPr algn="ctr"/>
-            <a:endParaRPr lang="de-DE" dirty="0">
-              <a:ln w="18415" cmpd="sng">
-                <a:solidFill>
-                  <a:schemeClr val="bg1"/>
-                </a:solidFill>
-                <a:prstDash val="solid"/>
-              </a:ln>
-              <a:solidFill>
-                <a:srgbClr val="00B050"/>
-              </a:solidFill>
-              <a:effectLst>
-                <a:outerShdw blurRad="63500" dir="3600000" algn="tl" rotWithShape="0">
-                  <a:srgbClr val="000000">
-                    <a:alpha val="70000"/>
-                  </a:srgbClr>
-                </a:outerShdw>
-              </a:effectLst>
-            </a:endParaRPr>
-          </a:p>
-        </p:txBody>
-      </p:sp>
-      <p:sp>
-        <p:nvSpPr>
-          <p:cNvPr id="46" name="Rechteck 45"/>
-          <p:cNvSpPr/>
-          <p:nvPr/>
-        </p:nvSpPr>
-        <p:spPr>
-          <a:xfrm>
-            <a:off x="523097" y="2492896"/>
-            <a:ext cx="1296144" cy="321471"/>
+            <a:schemeClr val="dk1"/>
+          </a:effectRef>
+          <a:fontRef idx="minor">
+            <a:schemeClr val="dk1"/>
+          </a:fontRef>
+        </p:style>
+        <p:txBody>
+          <a:bodyPr rtlCol="0" anchor="ctr"/>
+          <a:lstStyle/>
+          <a:p>
+            <a:pPr algn="ctr"/>
+            <a:r>
+              <a:rPr lang="de-DE" sz="1600" dirty="0" smtClean="0"/>
+              <a:t>…</a:t>
+            </a:r>
+            <a:endParaRPr lang="de-DE" sz="1600" dirty="0"/>
+          </a:p>
+        </p:txBody>
+      </p:sp>
+      <p:sp>
+        <p:nvSpPr>
+          <p:cNvPr id="43" name="Rechteck 42"/>
+          <p:cNvSpPr/>
+          <p:nvPr/>
+        </p:nvSpPr>
+        <p:spPr>
+          <a:xfrm>
+            <a:off x="512481" y="2049486"/>
+            <a:ext cx="1737166" cy="321471"/>
           </a:xfrm>
           <a:prstGeom prst="rect">
             <a:avLst/>
@@ -7176,729 +6253,22 @@
           <a:bodyPr rtlCol="0" anchor="ctr"/>
           <a:lstStyle/>
           <a:p>
-            <a:pPr algn="ctr"/>
             <a:r>
               <a:rPr lang="de-DE" sz="1600" dirty="0" smtClean="0"/>
-              <a:t>Protokollant</a:t>
+              <a:t>• Pascal </a:t>
+            </a:r>
+            <a:r>
+              <a:rPr lang="de-DE" sz="1600" dirty="0" err="1" smtClean="0"/>
+              <a:t>Gollnick</a:t>
             </a:r>
             <a:endParaRPr lang="de-DE" sz="1600" dirty="0"/>
-          </a:p>
-        </p:txBody>
-      </p:sp>
-      <p:sp>
-        <p:nvSpPr>
-          <p:cNvPr id="47" name="Rechteck 46"/>
-          <p:cNvSpPr/>
-          <p:nvPr/>
-        </p:nvSpPr>
-        <p:spPr>
-          <a:xfrm>
-            <a:off x="7207796" y="1307929"/>
-            <a:ext cx="1464498" cy="321471"/>
-          </a:xfrm>
-          <a:prstGeom prst="rect">
-            <a:avLst/>
-          </a:prstGeom>
-          <a:ln>
-            <a:solidFill>
-              <a:schemeClr val="bg1">
-                <a:lumMod val="50000"/>
-              </a:schemeClr>
-            </a:solidFill>
-          </a:ln>
-        </p:spPr>
-        <p:style>
-          <a:lnRef idx="2">
-            <a:schemeClr val="dk1"/>
-          </a:lnRef>
-          <a:fillRef idx="1">
-            <a:schemeClr val="lt1"/>
-          </a:fillRef>
-          <a:effectRef idx="0">
-            <a:schemeClr val="dk1"/>
-          </a:effectRef>
-          <a:fontRef idx="minor">
-            <a:schemeClr val="dk1"/>
-          </a:fontRef>
-        </p:style>
-        <p:txBody>
-          <a:bodyPr rtlCol="0" anchor="ctr"/>
-          <a:lstStyle/>
-          <a:p>
-            <a:pPr algn="ctr"/>
-            <a:r>
-              <a:rPr lang="de-DE" sz="1600" dirty="0" smtClean="0"/>
-              <a:t>Konferenzleiter</a:t>
-            </a:r>
-            <a:endParaRPr lang="de-DE" sz="1600" dirty="0"/>
-          </a:p>
-        </p:txBody>
-      </p:sp>
-      <p:sp>
-        <p:nvSpPr>
-          <p:cNvPr id="48" name="Rechteck 47"/>
-          <p:cNvSpPr/>
-          <p:nvPr/>
-        </p:nvSpPr>
-        <p:spPr>
-          <a:xfrm>
-            <a:off x="2249647" y="2059433"/>
-            <a:ext cx="1737166" cy="321471"/>
-          </a:xfrm>
-          <a:prstGeom prst="rect">
-            <a:avLst/>
-          </a:prstGeom>
-          <a:ln>
-            <a:solidFill>
-              <a:schemeClr val="bg1">
-                <a:lumMod val="50000"/>
-              </a:schemeClr>
-            </a:solidFill>
-          </a:ln>
-        </p:spPr>
-        <p:style>
-          <a:lnRef idx="2">
-            <a:schemeClr val="dk1"/>
-          </a:lnRef>
-          <a:fillRef idx="1">
-            <a:schemeClr val="lt1"/>
-          </a:fillRef>
-          <a:effectRef idx="0">
-            <a:schemeClr val="dk1"/>
-          </a:effectRef>
-          <a:fontRef idx="minor">
-            <a:schemeClr val="dk1"/>
-          </a:fontRef>
-        </p:style>
-        <p:txBody>
-          <a:bodyPr rtlCol="0" anchor="ctr"/>
-          <a:lstStyle/>
-          <a:p>
-            <a:r>
-              <a:rPr lang="de-DE" sz="1600" dirty="0" smtClean="0"/>
-              <a:t>Lars </a:t>
-            </a:r>
-            <a:r>
-              <a:rPr lang="de-DE" sz="1600" dirty="0" err="1" smtClean="0"/>
-              <a:t>Tenbrock</a:t>
-            </a:r>
-            <a:endParaRPr lang="de-DE" sz="1600" dirty="0"/>
-          </a:p>
-        </p:txBody>
-      </p:sp>
-      <p:sp>
-        <p:nvSpPr>
-          <p:cNvPr id="49" name="Rechteck 48"/>
-          <p:cNvSpPr/>
-          <p:nvPr/>
-        </p:nvSpPr>
-        <p:spPr>
-          <a:xfrm>
-            <a:off x="3657077" y="2102631"/>
-            <a:ext cx="233207" cy="216023"/>
-          </a:xfrm>
-          <a:prstGeom prst="rect">
-            <a:avLst/>
-          </a:prstGeom>
-          <a:ln>
-            <a:solidFill>
-              <a:schemeClr val="bg1">
-                <a:lumMod val="50000"/>
-              </a:schemeClr>
-            </a:solidFill>
-          </a:ln>
-        </p:spPr>
-        <p:style>
-          <a:lnRef idx="2">
-            <a:schemeClr val="accent6"/>
-          </a:lnRef>
-          <a:fillRef idx="1">
-            <a:schemeClr val="lt1"/>
-          </a:fillRef>
-          <a:effectRef idx="0">
-            <a:schemeClr val="accent6"/>
-          </a:effectRef>
-          <a:fontRef idx="minor">
-            <a:schemeClr val="dk1"/>
-          </a:fontRef>
-        </p:style>
-        <p:txBody>
-          <a:bodyPr rtlCol="0" anchor="ctr"/>
-          <a:lstStyle/>
-          <a:p>
-            <a:pPr algn="ctr"/>
-            <a:r>
-              <a:rPr lang="de-DE" dirty="0">
-                <a:solidFill>
-                  <a:srgbClr val="00B050"/>
-                </a:solidFill>
-              </a:rPr>
-              <a:t>✓</a:t>
-            </a:r>
-            <a:endParaRPr lang="de-DE" dirty="0">
-              <a:ln w="18415" cmpd="sng">
-                <a:solidFill>
-                  <a:schemeClr val="bg1"/>
-                </a:solidFill>
-                <a:prstDash val="solid"/>
-              </a:ln>
-              <a:solidFill>
-                <a:srgbClr val="00B050"/>
-              </a:solidFill>
-              <a:effectLst>
-                <a:outerShdw blurRad="63500" dir="3600000" algn="tl" rotWithShape="0">
-                  <a:srgbClr val="000000">
-                    <a:alpha val="70000"/>
-                  </a:srgbClr>
-                </a:outerShdw>
-              </a:effectLst>
-            </a:endParaRPr>
-          </a:p>
-        </p:txBody>
-      </p:sp>
-      <p:sp>
-        <p:nvSpPr>
-          <p:cNvPr id="50" name="Rechteck 49"/>
-          <p:cNvSpPr/>
-          <p:nvPr/>
-        </p:nvSpPr>
-        <p:spPr>
-          <a:xfrm>
-            <a:off x="512481" y="2935796"/>
-            <a:ext cx="8261540" cy="2437420"/>
-          </a:xfrm>
-          <a:prstGeom prst="rect">
-            <a:avLst/>
-          </a:prstGeom>
-        </p:spPr>
-        <p:style>
-          <a:lnRef idx="2">
-            <a:schemeClr val="accent6"/>
-          </a:lnRef>
-          <a:fillRef idx="1">
-            <a:schemeClr val="lt1"/>
-          </a:fillRef>
-          <a:effectRef idx="0">
-            <a:schemeClr val="accent6"/>
-          </a:effectRef>
-          <a:fontRef idx="minor">
-            <a:schemeClr val="dk1"/>
-          </a:fontRef>
-        </p:style>
-        <p:txBody>
-          <a:bodyPr rtlCol="0" anchor="ctr"/>
-          <a:lstStyle/>
-          <a:p>
-            <a:pPr algn="ctr"/>
-            <a:r>
-              <a:rPr lang="de-DE" dirty="0">
-                <a:solidFill>
-                  <a:schemeClr val="bg1">
-                    <a:lumMod val="65000"/>
-                  </a:schemeClr>
-                </a:solidFill>
-              </a:rPr>
-              <a:t>	</a:t>
-            </a:r>
-            <a:r>
-              <a:rPr lang="de-DE" dirty="0" smtClean="0">
-                <a:solidFill>
-                  <a:schemeClr val="bg1">
-                    <a:lumMod val="65000"/>
-                  </a:schemeClr>
-                </a:solidFill>
-              </a:rPr>
-              <a:t>Gruppe von TOP – Beschreibung – Beschluss</a:t>
-            </a:r>
-            <a:endParaRPr lang="de-DE" dirty="0">
-              <a:solidFill>
-                <a:schemeClr val="bg1">
-                  <a:lumMod val="65000"/>
-                </a:schemeClr>
-              </a:solidFill>
-            </a:endParaRPr>
-          </a:p>
-        </p:txBody>
-      </p:sp>
-      <p:sp>
-        <p:nvSpPr>
-          <p:cNvPr id="51" name="Rechteck 50"/>
-          <p:cNvSpPr/>
-          <p:nvPr/>
-        </p:nvSpPr>
-        <p:spPr>
-          <a:xfrm>
-            <a:off x="557054" y="2968863"/>
-            <a:ext cx="8191409" cy="321471"/>
-          </a:xfrm>
-          <a:prstGeom prst="rect">
-            <a:avLst/>
-          </a:prstGeom>
-          <a:ln>
-            <a:solidFill>
-              <a:schemeClr val="bg1">
-                <a:lumMod val="50000"/>
-              </a:schemeClr>
-            </a:solidFill>
-          </a:ln>
-        </p:spPr>
-        <p:style>
-          <a:lnRef idx="2">
-            <a:schemeClr val="dk1"/>
-          </a:lnRef>
-          <a:fillRef idx="1">
-            <a:schemeClr val="lt1"/>
-          </a:fillRef>
-          <a:effectRef idx="0">
-            <a:schemeClr val="dk1"/>
-          </a:effectRef>
-          <a:fontRef idx="minor">
-            <a:schemeClr val="dk1"/>
-          </a:fontRef>
-        </p:style>
-        <p:txBody>
-          <a:bodyPr rtlCol="0" anchor="ctr"/>
-          <a:lstStyle/>
-          <a:p>
-            <a:pPr algn="ctr"/>
-            <a:r>
-              <a:rPr lang="de-DE" sz="1600" dirty="0" smtClean="0"/>
-              <a:t>Titel</a:t>
-            </a:r>
-            <a:endParaRPr lang="de-DE" sz="1600" dirty="0"/>
-          </a:p>
-        </p:txBody>
-      </p:sp>
-      <p:sp>
-        <p:nvSpPr>
-          <p:cNvPr id="52" name="Rechteck 51"/>
-          <p:cNvSpPr/>
-          <p:nvPr/>
-        </p:nvSpPr>
-        <p:spPr>
-          <a:xfrm>
-            <a:off x="557055" y="3300169"/>
-            <a:ext cx="8191408" cy="623362"/>
-          </a:xfrm>
-          <a:prstGeom prst="rect">
-            <a:avLst/>
-          </a:prstGeom>
-          <a:ln>
-            <a:solidFill>
-              <a:schemeClr val="bg1">
-                <a:lumMod val="50000"/>
-              </a:schemeClr>
-            </a:solidFill>
-          </a:ln>
-        </p:spPr>
-        <p:style>
-          <a:lnRef idx="2">
-            <a:schemeClr val="dk1"/>
-          </a:lnRef>
-          <a:fillRef idx="1">
-            <a:schemeClr val="lt1"/>
-          </a:fillRef>
-          <a:effectRef idx="0">
-            <a:schemeClr val="dk1"/>
-          </a:effectRef>
-          <a:fontRef idx="minor">
-            <a:schemeClr val="dk1"/>
-          </a:fontRef>
-        </p:style>
-        <p:txBody>
-          <a:bodyPr rtlCol="0" anchor="ctr"/>
-          <a:lstStyle/>
-          <a:p>
-            <a:pPr algn="ctr"/>
-            <a:r>
-              <a:rPr lang="de-DE" sz="1600" dirty="0" smtClean="0"/>
-              <a:t>Beschreibung</a:t>
-            </a:r>
-            <a:endParaRPr lang="de-DE" sz="1600" dirty="0"/>
-          </a:p>
-        </p:txBody>
-      </p:sp>
-      <p:sp>
-        <p:nvSpPr>
-          <p:cNvPr id="53" name="Rechteck 52"/>
-          <p:cNvSpPr/>
-          <p:nvPr/>
-        </p:nvSpPr>
-        <p:spPr>
-          <a:xfrm>
-            <a:off x="1956134" y="4001347"/>
-            <a:ext cx="233207" cy="216023"/>
-          </a:xfrm>
-          <a:prstGeom prst="rect">
-            <a:avLst/>
-          </a:prstGeom>
-          <a:ln>
-            <a:solidFill>
-              <a:schemeClr val="bg1">
-                <a:lumMod val="50000"/>
-              </a:schemeClr>
-            </a:solidFill>
-          </a:ln>
-        </p:spPr>
-        <p:style>
-          <a:lnRef idx="2">
-            <a:schemeClr val="accent6"/>
-          </a:lnRef>
-          <a:fillRef idx="1">
-            <a:schemeClr val="lt1"/>
-          </a:fillRef>
-          <a:effectRef idx="0">
-            <a:schemeClr val="accent6"/>
-          </a:effectRef>
-          <a:fontRef idx="minor">
-            <a:schemeClr val="dk1"/>
-          </a:fontRef>
-        </p:style>
-        <p:txBody>
-          <a:bodyPr rtlCol="0" anchor="ctr"/>
-          <a:lstStyle/>
-          <a:p>
-            <a:pPr algn="ctr"/>
-            <a:r>
-              <a:rPr lang="de-DE" dirty="0">
-                <a:solidFill>
-                  <a:srgbClr val="00B050"/>
-                </a:solidFill>
-              </a:rPr>
-              <a:t>✓</a:t>
-            </a:r>
-            <a:endParaRPr lang="de-DE" dirty="0">
-              <a:ln w="18415" cmpd="sng">
-                <a:solidFill>
-                  <a:schemeClr val="bg1"/>
-                </a:solidFill>
-                <a:prstDash val="solid"/>
-              </a:ln>
-              <a:solidFill>
-                <a:srgbClr val="00B050"/>
-              </a:solidFill>
-              <a:effectLst>
-                <a:outerShdw blurRad="63500" dir="3600000" algn="tl" rotWithShape="0">
-                  <a:srgbClr val="000000">
-                    <a:alpha val="70000"/>
-                  </a:srgbClr>
-                </a:outerShdw>
-              </a:effectLst>
-            </a:endParaRPr>
-          </a:p>
-        </p:txBody>
-      </p:sp>
-      <p:sp>
-        <p:nvSpPr>
-          <p:cNvPr id="54" name="Rechteck 53"/>
-          <p:cNvSpPr/>
-          <p:nvPr/>
-        </p:nvSpPr>
-        <p:spPr>
-          <a:xfrm>
-            <a:off x="557055" y="3966483"/>
-            <a:ext cx="1348772" cy="285752"/>
-          </a:xfrm>
-          <a:prstGeom prst="rect">
-            <a:avLst/>
-          </a:prstGeom>
-          <a:ln>
-            <a:solidFill>
-              <a:schemeClr val="tx1"/>
-            </a:solidFill>
-          </a:ln>
-        </p:spPr>
-        <p:style>
-          <a:lnRef idx="2">
-            <a:schemeClr val="dk1"/>
-          </a:lnRef>
-          <a:fillRef idx="1">
-            <a:schemeClr val="lt1"/>
-          </a:fillRef>
-          <a:effectRef idx="0">
-            <a:schemeClr val="dk1"/>
-          </a:effectRef>
-          <a:fontRef idx="minor">
-            <a:schemeClr val="dk1"/>
-          </a:fontRef>
-        </p:style>
-        <p:txBody>
-          <a:bodyPr rtlCol="0" anchor="ctr"/>
-          <a:lstStyle/>
-          <a:p>
-            <a:pPr algn="ctr"/>
-            <a:r>
-              <a:rPr lang="de-DE" dirty="0" smtClean="0"/>
-              <a:t>Beschlossen</a:t>
-            </a:r>
-            <a:endParaRPr lang="de-DE" dirty="0"/>
-          </a:p>
-        </p:txBody>
-      </p:sp>
-      <p:sp>
-        <p:nvSpPr>
-          <p:cNvPr id="55" name="Rechteck 54"/>
-          <p:cNvSpPr/>
-          <p:nvPr/>
-        </p:nvSpPr>
-        <p:spPr>
-          <a:xfrm>
-            <a:off x="550012" y="4282253"/>
-            <a:ext cx="8198451" cy="623362"/>
-          </a:xfrm>
-          <a:prstGeom prst="rect">
-            <a:avLst/>
-          </a:prstGeom>
-          <a:ln>
-            <a:solidFill>
-              <a:schemeClr val="bg1">
-                <a:lumMod val="50000"/>
-              </a:schemeClr>
-            </a:solidFill>
-          </a:ln>
-        </p:spPr>
-        <p:style>
-          <a:lnRef idx="2">
-            <a:schemeClr val="dk1"/>
-          </a:lnRef>
-          <a:fillRef idx="1">
-            <a:schemeClr val="lt1"/>
-          </a:fillRef>
-          <a:effectRef idx="0">
-            <a:schemeClr val="dk1"/>
-          </a:effectRef>
-          <a:fontRef idx="minor">
-            <a:schemeClr val="dk1"/>
-          </a:fontRef>
-        </p:style>
-        <p:txBody>
-          <a:bodyPr rtlCol="0" anchor="ctr"/>
-          <a:lstStyle/>
-          <a:p>
-            <a:pPr algn="ctr"/>
-            <a:r>
-              <a:rPr lang="de-DE" sz="1600" dirty="0" smtClean="0"/>
-              <a:t>Beschluss</a:t>
-            </a:r>
-            <a:endParaRPr lang="de-DE" sz="1600" dirty="0"/>
-          </a:p>
-        </p:txBody>
-      </p:sp>
-      <p:sp>
-        <p:nvSpPr>
-          <p:cNvPr id="56" name="Rechteck 55"/>
-          <p:cNvSpPr/>
-          <p:nvPr/>
-        </p:nvSpPr>
-        <p:spPr>
-          <a:xfrm>
-            <a:off x="557055" y="4907225"/>
-            <a:ext cx="990609" cy="321471"/>
-          </a:xfrm>
-          <a:prstGeom prst="rect">
-            <a:avLst/>
-          </a:prstGeom>
-          <a:ln>
-            <a:solidFill>
-              <a:schemeClr val="bg1">
-                <a:lumMod val="50000"/>
-              </a:schemeClr>
-            </a:solidFill>
-          </a:ln>
-        </p:spPr>
-        <p:style>
-          <a:lnRef idx="2">
-            <a:schemeClr val="dk1"/>
-          </a:lnRef>
-          <a:fillRef idx="1">
-            <a:schemeClr val="lt1"/>
-          </a:fillRef>
-          <a:effectRef idx="0">
-            <a:schemeClr val="dk1"/>
-          </a:effectRef>
-          <a:fontRef idx="minor">
-            <a:schemeClr val="dk1"/>
-          </a:fontRef>
-        </p:style>
-        <p:txBody>
-          <a:bodyPr rtlCol="0" anchor="ctr"/>
-          <a:lstStyle/>
-          <a:p>
-            <a:pPr algn="ctr"/>
-            <a:r>
-              <a:rPr lang="de-DE" sz="1600" dirty="0" smtClean="0"/>
-              <a:t>Dafür</a:t>
-            </a:r>
-            <a:endParaRPr lang="de-DE" sz="1600" dirty="0"/>
-          </a:p>
-        </p:txBody>
-      </p:sp>
-      <p:sp>
-        <p:nvSpPr>
-          <p:cNvPr id="57" name="Rechteck 56"/>
-          <p:cNvSpPr/>
-          <p:nvPr/>
-        </p:nvSpPr>
-        <p:spPr>
-          <a:xfrm>
-            <a:off x="1546945" y="4905615"/>
-            <a:ext cx="990609" cy="321471"/>
-          </a:xfrm>
-          <a:prstGeom prst="rect">
-            <a:avLst/>
-          </a:prstGeom>
-          <a:ln>
-            <a:solidFill>
-              <a:schemeClr val="bg1">
-                <a:lumMod val="50000"/>
-              </a:schemeClr>
-            </a:solidFill>
-          </a:ln>
-        </p:spPr>
-        <p:style>
-          <a:lnRef idx="2">
-            <a:schemeClr val="dk1"/>
-          </a:lnRef>
-          <a:fillRef idx="1">
-            <a:schemeClr val="lt1"/>
-          </a:fillRef>
-          <a:effectRef idx="0">
-            <a:schemeClr val="dk1"/>
-          </a:effectRef>
-          <a:fontRef idx="minor">
-            <a:schemeClr val="dk1"/>
-          </a:fontRef>
-        </p:style>
-        <p:txBody>
-          <a:bodyPr rtlCol="0" anchor="ctr"/>
-          <a:lstStyle/>
-          <a:p>
-            <a:pPr algn="ctr"/>
-            <a:r>
-              <a:rPr lang="de-DE" sz="1600" dirty="0" smtClean="0"/>
-              <a:t>Dagegen</a:t>
-            </a:r>
-            <a:endParaRPr lang="de-DE" sz="1600" dirty="0"/>
-          </a:p>
-        </p:txBody>
-      </p:sp>
-      <p:sp>
-        <p:nvSpPr>
-          <p:cNvPr id="58" name="Rechteck 57"/>
-          <p:cNvSpPr/>
-          <p:nvPr/>
-        </p:nvSpPr>
-        <p:spPr>
-          <a:xfrm>
-            <a:off x="2537554" y="4907885"/>
-            <a:ext cx="990609" cy="321471"/>
-          </a:xfrm>
-          <a:prstGeom prst="rect">
-            <a:avLst/>
-          </a:prstGeom>
-          <a:ln>
-            <a:solidFill>
-              <a:schemeClr val="bg1">
-                <a:lumMod val="50000"/>
-              </a:schemeClr>
-            </a:solidFill>
-          </a:ln>
-        </p:spPr>
-        <p:style>
-          <a:lnRef idx="2">
-            <a:schemeClr val="dk1"/>
-          </a:lnRef>
-          <a:fillRef idx="1">
-            <a:schemeClr val="lt1"/>
-          </a:fillRef>
-          <a:effectRef idx="0">
-            <a:schemeClr val="dk1"/>
-          </a:effectRef>
-          <a:fontRef idx="minor">
-            <a:schemeClr val="dk1"/>
-          </a:fontRef>
-        </p:style>
-        <p:txBody>
-          <a:bodyPr rtlCol="0" anchor="ctr"/>
-          <a:lstStyle/>
-          <a:p>
-            <a:pPr algn="ctr"/>
-            <a:r>
-              <a:rPr lang="de-DE" sz="1600" dirty="0" smtClean="0"/>
-              <a:t>Enthalten</a:t>
-            </a:r>
-            <a:endParaRPr lang="de-DE" sz="1600" dirty="0"/>
-          </a:p>
-        </p:txBody>
-      </p:sp>
-      <p:sp>
-        <p:nvSpPr>
-          <p:cNvPr id="68" name="Rechteck 67"/>
-          <p:cNvSpPr/>
-          <p:nvPr/>
-        </p:nvSpPr>
-        <p:spPr>
-          <a:xfrm>
-            <a:off x="511662" y="5488457"/>
-            <a:ext cx="8261540" cy="617731"/>
-          </a:xfrm>
-          <a:prstGeom prst="rect">
-            <a:avLst/>
-          </a:prstGeom>
-        </p:spPr>
-        <p:style>
-          <a:lnRef idx="2">
-            <a:schemeClr val="accent6"/>
-          </a:lnRef>
-          <a:fillRef idx="1">
-            <a:schemeClr val="lt1"/>
-          </a:fillRef>
-          <a:effectRef idx="0">
-            <a:schemeClr val="accent6"/>
-          </a:effectRef>
-          <a:fontRef idx="minor">
-            <a:schemeClr val="dk1"/>
-          </a:fontRef>
-        </p:style>
-        <p:txBody>
-          <a:bodyPr rtlCol="0" anchor="ctr"/>
-          <a:lstStyle/>
-          <a:p>
-            <a:pPr algn="ctr"/>
-            <a:r>
-              <a:rPr lang="de-DE" dirty="0">
-                <a:solidFill>
-                  <a:schemeClr val="bg1">
-                    <a:lumMod val="65000"/>
-                  </a:schemeClr>
-                </a:solidFill>
-              </a:rPr>
-              <a:t>	</a:t>
-            </a:r>
-            <a:r>
-              <a:rPr lang="de-DE" dirty="0" smtClean="0">
-                <a:solidFill>
-                  <a:schemeClr val="bg1">
-                    <a:lumMod val="65000"/>
-                  </a:schemeClr>
-                </a:solidFill>
-              </a:rPr>
-              <a:t>Gruppe von TOP – Beschreibung – Beschluss</a:t>
-            </a:r>
-            <a:endParaRPr lang="de-DE" dirty="0">
-              <a:solidFill>
-                <a:schemeClr val="bg1">
-                  <a:lumMod val="65000"/>
-                </a:schemeClr>
-              </a:solidFill>
-            </a:endParaRPr>
           </a:p>
         </p:txBody>
       </p:sp>
     </p:spTree>
     <p:extLst>
       <p:ext uri="{BB962C8B-B14F-4D97-AF65-F5344CB8AC3E}">
-        <p14:creationId xmlns:p14="http://schemas.microsoft.com/office/powerpoint/2010/main" val="1390162469"/>
+        <p14:creationId xmlns:p14="http://schemas.microsoft.com/office/powerpoint/2010/main" xmlns="" val="2983032858"/>
       </p:ext>
     </p:extLst>
   </p:cSld>
@@ -7972,7 +6342,7 @@
           <a:p>
             <a:pPr algn="ctr"/>
             <a:r>
-              <a:rPr lang="de-DE" smtClean="0"/>
+              <a:rPr lang="de-DE" dirty="0" smtClean="0"/>
               <a:t>Benutzer</a:t>
             </a:r>
             <a:endParaRPr lang="de-DE" dirty="0"/>
@@ -8021,17 +6391,7 @@
                   </a:schemeClr>
                 </a:solidFill>
               </a:rPr>
-              <a:t>GSO </a:t>
-            </a:r>
-            <a:r>
-              <a:rPr lang="de-DE" dirty="0" smtClean="0">
-                <a:solidFill>
-                  <a:schemeClr val="bg1">
-                    <a:lumMod val="65000"/>
-                  </a:schemeClr>
-                </a:solidFill>
-              </a:rPr>
-              <a:t>Logo</a:t>
+              <a:t>GSO Logo</a:t>
             </a:r>
             <a:endParaRPr lang="de-DE" dirty="0">
               <a:solidFill>
@@ -8225,223 +6585,14 @@
       </p:sp>
       <p:sp>
         <p:nvSpPr>
-          <p:cNvPr id="2" name="Auf der gleichen Seite des Rechtecks liegende Ecken abrunden 1"/>
-          <p:cNvSpPr/>
-          <p:nvPr/>
-        </p:nvSpPr>
-        <p:spPr>
-          <a:xfrm rot="10800000">
-            <a:off x="408692" y="1168599"/>
-            <a:ext cx="4062528" cy="360040"/>
-          </a:xfrm>
-          <a:prstGeom prst="round2SameRect">
-            <a:avLst/>
-          </a:prstGeom>
-          <a:solidFill>
-            <a:schemeClr val="bg1">
-              <a:lumMod val="75000"/>
-            </a:schemeClr>
-          </a:solidFill>
-        </p:spPr>
-        <p:style>
-          <a:lnRef idx="2">
-            <a:schemeClr val="accent1">
-              <a:shade val="50000"/>
-            </a:schemeClr>
-          </a:lnRef>
-          <a:fillRef idx="1">
-            <a:schemeClr val="accent1"/>
-          </a:fillRef>
-          <a:effectRef idx="0">
-            <a:schemeClr val="accent1"/>
-          </a:effectRef>
-          <a:fontRef idx="minor">
-            <a:schemeClr val="lt1"/>
-          </a:fontRef>
-        </p:style>
-        <p:txBody>
-          <a:bodyPr rtlCol="0" anchor="ctr"/>
-          <a:lstStyle/>
-          <a:p>
-            <a:pPr algn="ctr"/>
-            <a:endParaRPr lang="de-DE" dirty="0"/>
-          </a:p>
-        </p:txBody>
-      </p:sp>
-      <p:cxnSp>
-        <p:nvCxnSpPr>
-          <p:cNvPr id="5" name="Gerade Verbindung 4"/>
-          <p:cNvCxnSpPr/>
-          <p:nvPr/>
-        </p:nvCxnSpPr>
-        <p:spPr>
-          <a:xfrm flipV="1">
-            <a:off x="1475656" y="1186719"/>
-            <a:ext cx="0" cy="327600"/>
-          </a:xfrm>
-          <a:prstGeom prst="line">
-            <a:avLst/>
-          </a:prstGeom>
-          <a:ln w="38100">
-            <a:solidFill>
-              <a:schemeClr val="bg1">
-                <a:lumMod val="50000"/>
-              </a:schemeClr>
-            </a:solidFill>
-          </a:ln>
-        </p:spPr>
-        <p:style>
-          <a:lnRef idx="1">
-            <a:schemeClr val="accent1"/>
-          </a:lnRef>
-          <a:fillRef idx="0">
-            <a:schemeClr val="accent1"/>
-          </a:fillRef>
-          <a:effectRef idx="0">
-            <a:schemeClr val="accent1"/>
-          </a:effectRef>
-          <a:fontRef idx="minor">
-            <a:schemeClr val="tx1"/>
-          </a:fontRef>
-        </p:style>
-      </p:cxnSp>
-      <p:sp>
-        <p:nvSpPr>
-          <p:cNvPr id="8" name="Textfeld 7"/>
-          <p:cNvSpPr txBox="1"/>
-          <p:nvPr/>
-        </p:nvSpPr>
-        <p:spPr>
-          <a:xfrm>
-            <a:off x="396380" y="1181733"/>
-            <a:ext cx="1152128" cy="276999"/>
-          </a:xfrm>
-          <a:prstGeom prst="rect">
-            <a:avLst/>
-          </a:prstGeom>
-          <a:noFill/>
-        </p:spPr>
-        <p:txBody>
-          <a:bodyPr wrap="square" rtlCol="0">
-            <a:spAutoFit/>
-          </a:bodyPr>
-          <a:lstStyle/>
-          <a:p>
-            <a:r>
-              <a:rPr lang="de-DE" sz="1200" dirty="0" smtClean="0"/>
-              <a:t>Lehrer anlegen</a:t>
-            </a:r>
-            <a:endParaRPr lang="de-DE" sz="1200" dirty="0"/>
-          </a:p>
-        </p:txBody>
-      </p:sp>
-      <p:sp>
-        <p:nvSpPr>
-          <p:cNvPr id="29" name="Textfeld 28"/>
-          <p:cNvSpPr txBox="1"/>
-          <p:nvPr/>
-        </p:nvSpPr>
-        <p:spPr>
-          <a:xfrm>
-            <a:off x="1476822" y="1168598"/>
-            <a:ext cx="1311760" cy="276999"/>
-          </a:xfrm>
-          <a:prstGeom prst="rect">
-            <a:avLst/>
-          </a:prstGeom>
-          <a:noFill/>
-        </p:spPr>
-        <p:txBody>
-          <a:bodyPr wrap="square" rtlCol="0">
-            <a:spAutoFit/>
-          </a:bodyPr>
-          <a:lstStyle/>
-          <a:p>
-            <a:r>
-              <a:rPr lang="de-DE" sz="1200" dirty="0" smtClean="0"/>
-              <a:t>Gruppen anlegen</a:t>
-            </a:r>
-            <a:endParaRPr lang="de-DE" sz="1200" dirty="0"/>
-          </a:p>
-        </p:txBody>
-      </p:sp>
-      <p:sp>
-        <p:nvSpPr>
-          <p:cNvPr id="39" name="Textfeld 38"/>
-          <p:cNvSpPr txBox="1"/>
-          <p:nvPr/>
-        </p:nvSpPr>
-        <p:spPr>
-          <a:xfrm>
-            <a:off x="2771800" y="1168598"/>
-            <a:ext cx="1944216" cy="276999"/>
-          </a:xfrm>
-          <a:prstGeom prst="rect">
-            <a:avLst/>
-          </a:prstGeom>
-          <a:noFill/>
-        </p:spPr>
-        <p:txBody>
-          <a:bodyPr wrap="square" rtlCol="0">
-            <a:spAutoFit/>
-          </a:bodyPr>
-          <a:lstStyle/>
-          <a:p>
-            <a:r>
-              <a:rPr lang="de-DE" sz="1200" dirty="0" smtClean="0"/>
-              <a:t>Lehrer Gruppen zuweisen</a:t>
-            </a:r>
-            <a:endParaRPr lang="de-DE" sz="1200" dirty="0"/>
-          </a:p>
-        </p:txBody>
-      </p:sp>
-      <p:cxnSp>
-        <p:nvCxnSpPr>
-          <p:cNvPr id="40" name="Gerade Verbindung 39"/>
-          <p:cNvCxnSpPr/>
-          <p:nvPr/>
-        </p:nvCxnSpPr>
-        <p:spPr>
-          <a:xfrm flipV="1">
-            <a:off x="2771800" y="1186719"/>
-            <a:ext cx="0" cy="327600"/>
-          </a:xfrm>
-          <a:prstGeom prst="line">
-            <a:avLst/>
-          </a:prstGeom>
-          <a:ln w="38100">
-            <a:solidFill>
-              <a:schemeClr val="bg1">
-                <a:lumMod val="50000"/>
-              </a:schemeClr>
-            </a:solidFill>
-          </a:ln>
-        </p:spPr>
-        <p:style>
-          <a:lnRef idx="1">
-            <a:schemeClr val="accent1"/>
-          </a:lnRef>
-          <a:fillRef idx="0">
-            <a:schemeClr val="accent1"/>
-          </a:fillRef>
-          <a:effectRef idx="0">
-            <a:schemeClr val="accent1"/>
-          </a:effectRef>
-          <a:fontRef idx="minor">
-            <a:schemeClr val="tx1"/>
-          </a:fontRef>
-        </p:style>
-      </p:cxnSp>
-      <p:sp>
-        <p:nvSpPr>
-          <p:cNvPr id="49" name="Rechteck 48"/>
-          <p:cNvSpPr/>
-          <p:nvPr/>
-        </p:nvSpPr>
-        <p:spPr>
-          <a:xfrm>
-            <a:off x="395536" y="1628800"/>
-            <a:ext cx="8424936" cy="2281456"/>
+          <p:cNvPr id="22" name="Rechteck 21"/>
+          <p:cNvSpPr/>
+          <p:nvPr/>
+        </p:nvSpPr>
+        <p:spPr>
+          <a:xfrm>
+            <a:off x="395536" y="1268760"/>
+            <a:ext cx="8424936" cy="5256584"/>
           </a:xfrm>
           <a:prstGeom prst="rect">
             <a:avLst/>
@@ -8496,6 +6647,16 @@
           </a:p>
           <a:p>
             <a:pPr algn="ctr"/>
+            <a:endParaRPr lang="de-DE" dirty="0">
+              <a:solidFill>
+                <a:schemeClr val="bg1">
+                  <a:lumMod val="65000"/>
+                </a:schemeClr>
+              </a:solidFill>
+            </a:endParaRPr>
+          </a:p>
+          <a:p>
+            <a:pPr algn="ctr"/>
             <a:endParaRPr lang="de-DE" dirty="0" smtClean="0">
               <a:solidFill>
                 <a:schemeClr val="bg1">
@@ -8506,6 +6667,108 @@
           </a:p>
           <a:p>
             <a:pPr algn="ctr"/>
+            <a:endParaRPr lang="de-DE" dirty="0">
+              <a:solidFill>
+                <a:schemeClr val="bg1">
+                  <a:lumMod val="65000"/>
+                </a:schemeClr>
+              </a:solidFill>
+            </a:endParaRPr>
+          </a:p>
+        </p:txBody>
+      </p:sp>
+      <p:sp>
+        <p:nvSpPr>
+          <p:cNvPr id="23" name="Rechteck 22"/>
+          <p:cNvSpPr/>
+          <p:nvPr/>
+        </p:nvSpPr>
+        <p:spPr>
+          <a:xfrm>
+            <a:off x="491538" y="1307329"/>
+            <a:ext cx="8184918" cy="321471"/>
+          </a:xfrm>
+          <a:prstGeom prst="rect">
+            <a:avLst/>
+          </a:prstGeom>
+          <a:ln>
+            <a:solidFill>
+              <a:schemeClr val="bg1">
+                <a:lumMod val="50000"/>
+              </a:schemeClr>
+            </a:solidFill>
+          </a:ln>
+        </p:spPr>
+        <p:style>
+          <a:lnRef idx="2">
+            <a:schemeClr val="dk1"/>
+          </a:lnRef>
+          <a:fillRef idx="1">
+            <a:schemeClr val="lt1"/>
+          </a:fillRef>
+          <a:effectRef idx="0">
+            <a:schemeClr val="dk1"/>
+          </a:effectRef>
+          <a:fontRef idx="minor">
+            <a:schemeClr val="dk1"/>
+          </a:fontRef>
+        </p:style>
+        <p:txBody>
+          <a:bodyPr rtlCol="0" anchor="ctr"/>
+          <a:lstStyle/>
+          <a:p>
+            <a:r>
+              <a:rPr lang="de-DE" sz="1600" dirty="0" smtClean="0"/>
+              <a:t>Ergebnisprotokoll der Zeugniskonferenz vom </a:t>
+            </a:r>
+            <a:r>
+              <a:rPr lang="de-DE" sz="1600" dirty="0" smtClean="0">
+                <a:solidFill>
+                  <a:schemeClr val="bg1">
+                    <a:lumMod val="50000"/>
+                  </a:schemeClr>
+                </a:solidFill>
+              </a:rPr>
+              <a:t>Konferenz Datum</a:t>
+            </a:r>
+            <a:endParaRPr lang="de-DE" sz="1600" dirty="0"/>
+          </a:p>
+        </p:txBody>
+      </p:sp>
+      <p:sp>
+        <p:nvSpPr>
+          <p:cNvPr id="28" name="Rechteck 27"/>
+          <p:cNvSpPr/>
+          <p:nvPr/>
+        </p:nvSpPr>
+        <p:spPr>
+          <a:xfrm>
+            <a:off x="486924" y="1705000"/>
+            <a:ext cx="8261540" cy="715888"/>
+          </a:xfrm>
+          <a:prstGeom prst="rect">
+            <a:avLst/>
+          </a:prstGeom>
+        </p:spPr>
+        <p:style>
+          <a:lnRef idx="2">
+            <a:schemeClr val="accent6"/>
+          </a:lnRef>
+          <a:fillRef idx="1">
+            <a:schemeClr val="lt1"/>
+          </a:fillRef>
+          <a:effectRef idx="0">
+            <a:schemeClr val="accent6"/>
+          </a:effectRef>
+          <a:fontRef idx="minor">
+            <a:schemeClr val="dk1"/>
+          </a:fontRef>
+        </p:style>
+        <p:txBody>
+          <a:bodyPr rtlCol="0" anchor="ctr"/>
+          <a:lstStyle/>
+          <a:p>
+            <a:pPr algn="ctr"/>
             <a:r>
               <a:rPr lang="de-DE" dirty="0" smtClean="0">
                 <a:solidFill>
@@ -8514,7 +6777,7 @@
                   </a:schemeClr>
                 </a:solidFill>
               </a:rPr>
-              <a:t>Liste von Lehrern</a:t>
+              <a:t>			Liste von Lehrern</a:t>
             </a:r>
             <a:endParaRPr lang="de-DE" dirty="0">
               <a:solidFill>
@@ -8528,224 +6791,14 @@
       </p:sp>
       <p:sp>
         <p:nvSpPr>
-          <p:cNvPr id="50" name="Rechteck 49"/>
-          <p:cNvSpPr/>
-          <p:nvPr/>
-        </p:nvSpPr>
-        <p:spPr>
-          <a:xfrm>
-            <a:off x="431955" y="1631650"/>
-            <a:ext cx="1547757" cy="429022"/>
-          </a:xfrm>
-          <a:prstGeom prst="rect">
-            <a:avLst/>
-          </a:prstGeom>
-        </p:spPr>
-        <p:style>
-          <a:lnRef idx="1">
-            <a:schemeClr val="accent1"/>
-          </a:lnRef>
-          <a:fillRef idx="2">
-            <a:schemeClr val="accent1"/>
-          </a:fillRef>
-          <a:effectRef idx="1">
-            <a:schemeClr val="accent1"/>
-          </a:effectRef>
-          <a:fontRef idx="minor">
-            <a:schemeClr val="dk1"/>
-          </a:fontRef>
-        </p:style>
-        <p:txBody>
-          <a:bodyPr rtlCol="0" anchor="ctr"/>
-          <a:lstStyle/>
-          <a:p>
-            <a:pPr algn="ctr"/>
-            <a:r>
-              <a:rPr lang="de-DE" sz="1600" dirty="0" smtClean="0"/>
-              <a:t>Vorname</a:t>
-            </a:r>
-            <a:endParaRPr lang="de-DE" sz="1600" dirty="0"/>
-          </a:p>
-        </p:txBody>
-      </p:sp>
-      <p:sp>
-        <p:nvSpPr>
-          <p:cNvPr id="51" name="Rechteck 50"/>
-          <p:cNvSpPr/>
-          <p:nvPr/>
-        </p:nvSpPr>
-        <p:spPr>
-          <a:xfrm>
-            <a:off x="1989827" y="1631650"/>
-            <a:ext cx="1574061" cy="429022"/>
-          </a:xfrm>
-          <a:prstGeom prst="rect">
-            <a:avLst/>
-          </a:prstGeom>
-        </p:spPr>
-        <p:style>
-          <a:lnRef idx="1">
-            <a:schemeClr val="accent1"/>
-          </a:lnRef>
-          <a:fillRef idx="2">
-            <a:schemeClr val="accent1"/>
-          </a:fillRef>
-          <a:effectRef idx="1">
-            <a:schemeClr val="accent1"/>
-          </a:effectRef>
-          <a:fontRef idx="minor">
-            <a:schemeClr val="dk1"/>
-          </a:fontRef>
-        </p:style>
-        <p:txBody>
-          <a:bodyPr rtlCol="0" anchor="ctr"/>
-          <a:lstStyle/>
-          <a:p>
-            <a:pPr algn="ctr"/>
-            <a:r>
-              <a:rPr lang="de-DE" sz="1600" dirty="0" smtClean="0"/>
-              <a:t>Nachname</a:t>
-            </a:r>
-            <a:endParaRPr lang="de-DE" sz="1600" dirty="0"/>
-          </a:p>
-        </p:txBody>
-      </p:sp>
-      <p:sp>
-        <p:nvSpPr>
-          <p:cNvPr id="52" name="Rechteck 51"/>
-          <p:cNvSpPr/>
-          <p:nvPr/>
-        </p:nvSpPr>
-        <p:spPr>
-          <a:xfrm>
-            <a:off x="3571503" y="1628800"/>
-            <a:ext cx="2368649" cy="427509"/>
-          </a:xfrm>
-          <a:prstGeom prst="rect">
-            <a:avLst/>
-          </a:prstGeom>
-        </p:spPr>
-        <p:style>
-          <a:lnRef idx="1">
-            <a:schemeClr val="accent1"/>
-          </a:lnRef>
-          <a:fillRef idx="2">
-            <a:schemeClr val="accent1"/>
-          </a:fillRef>
-          <a:effectRef idx="1">
-            <a:schemeClr val="accent1"/>
-          </a:effectRef>
-          <a:fontRef idx="minor">
-            <a:schemeClr val="dk1"/>
-          </a:fontRef>
-        </p:style>
-        <p:txBody>
-          <a:bodyPr rtlCol="0" anchor="ctr"/>
-          <a:lstStyle/>
-          <a:p>
-            <a:pPr algn="ctr"/>
-            <a:r>
-              <a:rPr lang="de-DE" sz="1600" dirty="0" smtClean="0"/>
-              <a:t>Email</a:t>
-            </a:r>
-            <a:endParaRPr lang="de-DE" sz="1600" dirty="0"/>
-          </a:p>
-        </p:txBody>
-      </p:sp>
-      <p:sp>
-        <p:nvSpPr>
-          <p:cNvPr id="53" name="Rechteck 52"/>
-          <p:cNvSpPr/>
-          <p:nvPr/>
-        </p:nvSpPr>
-        <p:spPr>
-          <a:xfrm>
-            <a:off x="5955356" y="1631650"/>
-            <a:ext cx="1424956" cy="429022"/>
-          </a:xfrm>
-          <a:prstGeom prst="rect">
-            <a:avLst/>
-          </a:prstGeom>
-        </p:spPr>
-        <p:style>
-          <a:lnRef idx="1">
-            <a:schemeClr val="accent1"/>
-          </a:lnRef>
-          <a:fillRef idx="2">
-            <a:schemeClr val="accent1"/>
-          </a:fillRef>
-          <a:effectRef idx="1">
-            <a:schemeClr val="accent1"/>
-          </a:effectRef>
-          <a:fontRef idx="minor">
-            <a:schemeClr val="dk1"/>
-          </a:fontRef>
-        </p:style>
-        <p:txBody>
-          <a:bodyPr rtlCol="0" anchor="ctr"/>
-          <a:lstStyle/>
-          <a:p>
-            <a:pPr algn="ctr"/>
-            <a:r>
-              <a:rPr lang="de-DE" sz="1600" dirty="0" smtClean="0"/>
-              <a:t>Benutzername</a:t>
-            </a:r>
-            <a:endParaRPr lang="de-DE" sz="1600" dirty="0"/>
-          </a:p>
-        </p:txBody>
-      </p:sp>
-      <p:sp>
-        <p:nvSpPr>
-          <p:cNvPr id="54" name="Rechteck 53"/>
-          <p:cNvSpPr/>
-          <p:nvPr/>
-        </p:nvSpPr>
-        <p:spPr>
-          <a:xfrm>
-            <a:off x="7393767" y="1628800"/>
-            <a:ext cx="1061459" cy="429022"/>
-          </a:xfrm>
-          <a:prstGeom prst="rect">
-            <a:avLst/>
-          </a:prstGeom>
-        </p:spPr>
-        <p:style>
-          <a:lnRef idx="1">
-            <a:schemeClr val="accent1"/>
-          </a:lnRef>
-          <a:fillRef idx="2">
-            <a:schemeClr val="accent1"/>
-          </a:fillRef>
-          <a:effectRef idx="1">
-            <a:schemeClr val="accent1"/>
-          </a:effectRef>
-          <a:fontRef idx="minor">
-            <a:schemeClr val="dk1"/>
-          </a:fontRef>
-        </p:style>
-        <p:txBody>
-          <a:bodyPr rtlCol="0" anchor="ctr"/>
-          <a:lstStyle/>
-          <a:p>
-            <a:pPr algn="ctr"/>
-            <a:r>
-              <a:rPr lang="de-DE" sz="1600" dirty="0" smtClean="0"/>
-              <a:t>Passwort</a:t>
-            </a:r>
-            <a:endParaRPr lang="de-DE" sz="1600" dirty="0"/>
-          </a:p>
-        </p:txBody>
-      </p:sp>
-      <p:sp>
-        <p:nvSpPr>
-          <p:cNvPr id="55" name="Rechteck 54"/>
-          <p:cNvSpPr/>
-          <p:nvPr/>
-        </p:nvSpPr>
-        <p:spPr>
-          <a:xfrm>
-            <a:off x="426622" y="2057822"/>
-            <a:ext cx="1553090" cy="321471"/>
+          <p:cNvPr id="29" name="Rechteck 28"/>
+          <p:cNvSpPr/>
+          <p:nvPr/>
+        </p:nvSpPr>
+        <p:spPr>
+          <a:xfrm>
+            <a:off x="512481" y="1736351"/>
+            <a:ext cx="1737166" cy="321471"/>
           </a:xfrm>
           <a:prstGeom prst="rect">
             <a:avLst/>
@@ -8776,10 +6829,9 @@
           <a:bodyPr rtlCol="0" anchor="ctr"/>
           <a:lstStyle/>
           <a:p>
-            <a:pPr algn="ctr"/>
             <a:r>
               <a:rPr lang="de-DE" sz="1600" dirty="0" smtClean="0"/>
-              <a:t>Oliver</a:t>
+              <a:t>Oliver Kaden</a:t>
             </a:r>
             <a:endParaRPr lang="de-DE" sz="1600" dirty="0"/>
           </a:p>
@@ -8787,14 +6839,14 @@
       </p:sp>
       <p:sp>
         <p:nvSpPr>
-          <p:cNvPr id="56" name="Rechteck 55"/>
-          <p:cNvSpPr/>
-          <p:nvPr/>
-        </p:nvSpPr>
-        <p:spPr>
-          <a:xfrm>
-            <a:off x="1989827" y="2060672"/>
-            <a:ext cx="1574061" cy="321471"/>
+          <p:cNvPr id="41" name="Rechteck 40"/>
+          <p:cNvSpPr/>
+          <p:nvPr/>
+        </p:nvSpPr>
+        <p:spPr>
+          <a:xfrm>
+            <a:off x="512481" y="2049486"/>
+            <a:ext cx="1737166" cy="321471"/>
           </a:xfrm>
           <a:prstGeom prst="rect">
             <a:avLst/>
@@ -8825,10 +6877,13 @@
           <a:bodyPr rtlCol="0" anchor="ctr"/>
           <a:lstStyle/>
           <a:p>
-            <a:pPr algn="ctr"/>
             <a:r>
               <a:rPr lang="de-DE" sz="1600" dirty="0" smtClean="0"/>
-              <a:t>Kaden</a:t>
+              <a:t>Pascal </a:t>
+            </a:r>
+            <a:r>
+              <a:rPr lang="de-DE" sz="1600" dirty="0" err="1" smtClean="0"/>
+              <a:t>Gollnick</a:t>
             </a:r>
             <a:endParaRPr lang="de-DE" sz="1600" dirty="0"/>
           </a:p>
@@ -8836,14 +6891,14 @@
       </p:sp>
       <p:sp>
         <p:nvSpPr>
-          <p:cNvPr id="57" name="Rechteck 56"/>
-          <p:cNvSpPr/>
-          <p:nvPr/>
-        </p:nvSpPr>
-        <p:spPr>
-          <a:xfrm>
-            <a:off x="3571504" y="2056309"/>
-            <a:ext cx="2368647" cy="321471"/>
+          <p:cNvPr id="8" name="Rechteck 7"/>
+          <p:cNvSpPr/>
+          <p:nvPr/>
+        </p:nvSpPr>
+        <p:spPr>
+          <a:xfrm>
+            <a:off x="1926754" y="1779549"/>
+            <a:ext cx="233207" cy="216023"/>
           </a:xfrm>
           <a:prstGeom prst="rect">
             <a:avLst/>
@@ -8858,41 +6913,62 @@
         </p:spPr>
         <p:style>
           <a:lnRef idx="2">
-            <a:schemeClr val="dk1"/>
+            <a:schemeClr val="accent6"/>
           </a:lnRef>
           <a:fillRef idx="1">
             <a:schemeClr val="lt1"/>
           </a:fillRef>
           <a:effectRef idx="0">
-            <a:schemeClr val="dk1"/>
-          </a:effectRef>
-          <a:fontRef idx="minor">
-            <a:schemeClr val="dk1"/>
-          </a:fontRef>
-        </p:style>
-        <p:txBody>
-          <a:bodyPr rtlCol="0" anchor="ctr"/>
-          <a:lstStyle/>
-          <a:p>
-            <a:pPr algn="ctr"/>
-            <a:r>
-              <a:rPr lang="de-DE" sz="1600" dirty="0" smtClean="0"/>
-              <a:t>fia63kaden@gso-koeln.de</a:t>
-            </a:r>
-            <a:endParaRPr lang="de-DE" sz="1600" dirty="0"/>
-          </a:p>
-        </p:txBody>
-      </p:sp>
-      <p:sp>
-        <p:nvSpPr>
-          <p:cNvPr id="58" name="Rechteck 57"/>
-          <p:cNvSpPr/>
-          <p:nvPr/>
-        </p:nvSpPr>
-        <p:spPr>
-          <a:xfrm>
-            <a:off x="5955357" y="2059159"/>
-            <a:ext cx="1434895" cy="321471"/>
+            <a:schemeClr val="accent6"/>
+          </a:effectRef>
+          <a:fontRef idx="minor">
+            <a:schemeClr val="dk1"/>
+          </a:fontRef>
+        </p:style>
+        <p:txBody>
+          <a:bodyPr rtlCol="0" anchor="ctr"/>
+          <a:lstStyle/>
+          <a:p>
+            <a:pPr algn="ctr"/>
+            <a:r>
+              <a:rPr lang="de-DE" dirty="0">
+                <a:solidFill>
+                  <a:srgbClr val="00B050"/>
+                </a:solidFill>
+              </a:rPr>
+              <a:t>✓</a:t>
+            </a:r>
+            <a:endParaRPr lang="de-DE" dirty="0">
+              <a:ln w="18415" cmpd="sng">
+                <a:solidFill>
+                  <a:schemeClr val="bg1"/>
+                </a:solidFill>
+                <a:prstDash val="solid"/>
+              </a:ln>
+              <a:solidFill>
+                <a:srgbClr val="00B050"/>
+              </a:solidFill>
+              <a:effectLst>
+                <a:outerShdw blurRad="63500" dir="3600000" algn="tl" rotWithShape="0">
+                  <a:srgbClr val="000000">
+                    <a:alpha val="70000"/>
+                  </a:srgbClr>
+                </a:outerShdw>
+              </a:effectLst>
+            </a:endParaRPr>
+          </a:p>
+        </p:txBody>
+      </p:sp>
+      <p:sp>
+        <p:nvSpPr>
+          <p:cNvPr id="42" name="Rechteck 41"/>
+          <p:cNvSpPr/>
+          <p:nvPr/>
+        </p:nvSpPr>
+        <p:spPr>
+          <a:xfrm>
+            <a:off x="1919911" y="2092684"/>
+            <a:ext cx="233207" cy="216023"/>
           </a:xfrm>
           <a:prstGeom prst="rect">
             <a:avLst/>
@@ -8907,41 +6983,62 @@
         </p:spPr>
         <p:style>
           <a:lnRef idx="2">
-            <a:schemeClr val="dk1"/>
+            <a:schemeClr val="accent6"/>
           </a:lnRef>
           <a:fillRef idx="1">
             <a:schemeClr val="lt1"/>
           </a:fillRef>
           <a:effectRef idx="0">
-            <a:schemeClr val="dk1"/>
-          </a:effectRef>
-          <a:fontRef idx="minor">
-            <a:schemeClr val="dk1"/>
-          </a:fontRef>
-        </p:style>
-        <p:txBody>
-          <a:bodyPr rtlCol="0" anchor="ctr"/>
-          <a:lstStyle/>
-          <a:p>
-            <a:pPr algn="ctr"/>
-            <a:r>
-              <a:rPr lang="de-DE" sz="1600" dirty="0" smtClean="0"/>
-              <a:t>OK</a:t>
-            </a:r>
-            <a:endParaRPr lang="de-DE" sz="1600" dirty="0"/>
-          </a:p>
-        </p:txBody>
-      </p:sp>
-      <p:sp>
-        <p:nvSpPr>
-          <p:cNvPr id="59" name="Rechteck 58"/>
-          <p:cNvSpPr/>
-          <p:nvPr/>
-        </p:nvSpPr>
-        <p:spPr>
-          <a:xfrm>
-            <a:off x="7393768" y="2059159"/>
-            <a:ext cx="1061458" cy="321471"/>
+            <a:schemeClr val="accent6"/>
+          </a:effectRef>
+          <a:fontRef idx="minor">
+            <a:schemeClr val="dk1"/>
+          </a:fontRef>
+        </p:style>
+        <p:txBody>
+          <a:bodyPr rtlCol="0" anchor="ctr"/>
+          <a:lstStyle/>
+          <a:p>
+            <a:pPr algn="ctr"/>
+            <a:r>
+              <a:rPr lang="de-DE" dirty="0">
+                <a:solidFill>
+                  <a:srgbClr val="00B050"/>
+                </a:solidFill>
+              </a:rPr>
+              <a:t>✓</a:t>
+            </a:r>
+            <a:endParaRPr lang="de-DE" dirty="0">
+              <a:ln w="18415" cmpd="sng">
+                <a:solidFill>
+                  <a:schemeClr val="bg1"/>
+                </a:solidFill>
+                <a:prstDash val="solid"/>
+              </a:ln>
+              <a:solidFill>
+                <a:srgbClr val="00B050"/>
+              </a:solidFill>
+              <a:effectLst>
+                <a:outerShdw blurRad="63500" dir="3600000" algn="tl" rotWithShape="0">
+                  <a:srgbClr val="000000">
+                    <a:alpha val="70000"/>
+                  </a:srgbClr>
+                </a:outerShdw>
+              </a:effectLst>
+            </a:endParaRPr>
+          </a:p>
+        </p:txBody>
+      </p:sp>
+      <p:sp>
+        <p:nvSpPr>
+          <p:cNvPr id="44" name="Rechteck 43"/>
+          <p:cNvSpPr/>
+          <p:nvPr/>
+        </p:nvSpPr>
+        <p:spPr>
+          <a:xfrm>
+            <a:off x="2249647" y="1737962"/>
+            <a:ext cx="1737166" cy="321471"/>
           </a:xfrm>
           <a:prstGeom prst="rect">
             <a:avLst/>
@@ -8972,10 +7069,13 @@
           <a:bodyPr rtlCol="0" anchor="ctr"/>
           <a:lstStyle/>
           <a:p>
-            <a:pPr algn="ctr"/>
             <a:r>
               <a:rPr lang="de-DE" sz="1600" dirty="0" smtClean="0"/>
-              <a:t>•••••••</a:t>
+              <a:t>Michael </a:t>
+            </a:r>
+            <a:r>
+              <a:rPr lang="de-DE" sz="1600" dirty="0" err="1" smtClean="0"/>
+              <a:t>Gede</a:t>
             </a:r>
             <a:endParaRPr lang="de-DE" sz="1600" dirty="0"/>
           </a:p>
@@ -8983,14 +7083,14 @@
       </p:sp>
       <p:sp>
         <p:nvSpPr>
-          <p:cNvPr id="60" name="Rechteck 59"/>
-          <p:cNvSpPr/>
-          <p:nvPr/>
-        </p:nvSpPr>
-        <p:spPr>
-          <a:xfrm>
-            <a:off x="431955" y="2377780"/>
-            <a:ext cx="8373462" cy="321471"/>
+          <p:cNvPr id="45" name="Rechteck 44"/>
+          <p:cNvSpPr/>
+          <p:nvPr/>
+        </p:nvSpPr>
+        <p:spPr>
+          <a:xfrm>
+            <a:off x="3663920" y="1781160"/>
+            <a:ext cx="233207" cy="216023"/>
           </a:xfrm>
           <a:prstGeom prst="rect">
             <a:avLst/>
@@ -9005,49 +7105,54 @@
         </p:spPr>
         <p:style>
           <a:lnRef idx="2">
-            <a:schemeClr val="dk1"/>
+            <a:schemeClr val="accent6"/>
           </a:lnRef>
           <a:fillRef idx="1">
             <a:schemeClr val="lt1"/>
           </a:fillRef>
           <a:effectRef idx="0">
-            <a:schemeClr val="dk1"/>
-          </a:effectRef>
-          <a:fontRef idx="minor">
-            <a:schemeClr val="dk1"/>
-          </a:fontRef>
-        </p:style>
-        <p:txBody>
-          <a:bodyPr rtlCol="0" anchor="ctr"/>
-          <a:lstStyle/>
-          <a:p>
-            <a:pPr algn="ctr"/>
-            <a:r>
-              <a:rPr lang="de-DE" sz="2800" dirty="0" smtClean="0">
+            <a:schemeClr val="accent6"/>
+          </a:effectRef>
+          <a:fontRef idx="minor">
+            <a:schemeClr val="dk1"/>
+          </a:fontRef>
+        </p:style>
+        <p:txBody>
+          <a:bodyPr rtlCol="0" anchor="ctr"/>
+          <a:lstStyle/>
+          <a:p>
+            <a:pPr algn="ctr"/>
+            <a:endParaRPr lang="de-DE" dirty="0">
+              <a:ln w="18415" cmpd="sng">
                 <a:solidFill>
-                  <a:srgbClr val="00B050"/>
+                  <a:schemeClr val="bg1"/>
                 </a:solidFill>
-              </a:rPr>
-              <a:t>+</a:t>
-            </a:r>
-            <a:endParaRPr lang="de-DE" sz="1600" dirty="0">
+                <a:prstDash val="solid"/>
+              </a:ln>
               <a:solidFill>
                 <a:srgbClr val="00B050"/>
               </a:solidFill>
+              <a:effectLst>
+                <a:outerShdw blurRad="63500" dir="3600000" algn="tl" rotWithShape="0">
+                  <a:srgbClr val="000000">
+                    <a:alpha val="70000"/>
+                  </a:srgbClr>
+                </a:outerShdw>
+              </a:effectLst>
             </a:endParaRPr>
           </a:p>
         </p:txBody>
       </p:sp>
       <p:sp>
         <p:nvSpPr>
-          <p:cNvPr id="62" name="Rechteck 61"/>
-          <p:cNvSpPr/>
-          <p:nvPr/>
-        </p:nvSpPr>
-        <p:spPr>
-          <a:xfrm>
-            <a:off x="8455226" y="2060672"/>
-            <a:ext cx="344928" cy="309639"/>
+          <p:cNvPr id="46" name="Rechteck 45"/>
+          <p:cNvSpPr/>
+          <p:nvPr/>
+        </p:nvSpPr>
+        <p:spPr>
+          <a:xfrm>
+            <a:off x="523097" y="2492896"/>
+            <a:ext cx="1296144" cy="321471"/>
           </a:xfrm>
           <a:prstGeom prst="rect">
             <a:avLst/>
@@ -9079,93 +7184,728 @@
           <a:lstStyle/>
           <a:p>
             <a:pPr algn="ctr"/>
+            <a:r>
+              <a:rPr lang="de-DE" sz="1600" dirty="0" smtClean="0"/>
+              <a:t>Protokollant</a:t>
+            </a:r>
             <a:endParaRPr lang="de-DE" sz="1600" dirty="0"/>
           </a:p>
         </p:txBody>
       </p:sp>
-      <p:pic>
-        <p:nvPicPr>
-          <p:cNvPr id="61" name="Picture 2" descr="C:\Users\fia63kaden.OHM.000\Documents\GitHub\OberstufenProjekt\Anwendung\webapp\img\Loeschen.png"/>
-          <p:cNvPicPr>
-            <a:picLocks noChangeAspect="1" noChangeArrowheads="1"/>
-          </p:cNvPicPr>
-          <p:nvPr/>
-        </p:nvPicPr>
-        <p:blipFill>
-          <a:blip r:embed="rId3">
-            <a:extLst>
-              <a:ext uri="{28A0092B-C50C-407E-A947-70E740481C1C}">
-                <a14:useLocalDpi xmlns:a14="http://schemas.microsoft.com/office/drawing/2010/main" val="0"/>
-              </a:ext>
-            </a:extLst>
-          </a:blip>
-          <a:srcRect/>
-          <a:stretch>
-            <a:fillRect/>
-          </a:stretch>
-        </p:blipFill>
-        <p:spPr bwMode="auto">
-          <a:xfrm>
-            <a:off x="8570540" y="2152705"/>
-            <a:ext cx="133350" cy="133350"/>
-          </a:xfrm>
-          <a:prstGeom prst="rect">
-            <a:avLst/>
-          </a:prstGeom>
-          <a:noFill/>
-          <a:extLst>
-            <a:ext uri="{909E8E84-426E-40DD-AFC4-6F175D3DCCD1}">
-              <a14:hiddenFill xmlns:a14="http://schemas.microsoft.com/office/drawing/2010/main">
+      <p:sp>
+        <p:nvSpPr>
+          <p:cNvPr id="47" name="Rechteck 46"/>
+          <p:cNvSpPr/>
+          <p:nvPr/>
+        </p:nvSpPr>
+        <p:spPr>
+          <a:xfrm>
+            <a:off x="7207796" y="1307929"/>
+            <a:ext cx="1464498" cy="321471"/>
+          </a:xfrm>
+          <a:prstGeom prst="rect">
+            <a:avLst/>
+          </a:prstGeom>
+          <a:ln>
+            <a:solidFill>
+              <a:schemeClr val="bg1">
+                <a:lumMod val="50000"/>
+              </a:schemeClr>
+            </a:solidFill>
+          </a:ln>
+        </p:spPr>
+        <p:style>
+          <a:lnRef idx="2">
+            <a:schemeClr val="dk1"/>
+          </a:lnRef>
+          <a:fillRef idx="1">
+            <a:schemeClr val="lt1"/>
+          </a:fillRef>
+          <a:effectRef idx="0">
+            <a:schemeClr val="dk1"/>
+          </a:effectRef>
+          <a:fontRef idx="minor">
+            <a:schemeClr val="dk1"/>
+          </a:fontRef>
+        </p:style>
+        <p:txBody>
+          <a:bodyPr rtlCol="0" anchor="ctr"/>
+          <a:lstStyle/>
+          <a:p>
+            <a:pPr algn="ctr"/>
+            <a:r>
+              <a:rPr lang="de-DE" sz="1600" dirty="0" smtClean="0"/>
+              <a:t>Konferenzleiter</a:t>
+            </a:r>
+            <a:endParaRPr lang="de-DE" sz="1600" dirty="0"/>
+          </a:p>
+        </p:txBody>
+      </p:sp>
+      <p:sp>
+        <p:nvSpPr>
+          <p:cNvPr id="48" name="Rechteck 47"/>
+          <p:cNvSpPr/>
+          <p:nvPr/>
+        </p:nvSpPr>
+        <p:spPr>
+          <a:xfrm>
+            <a:off x="2249647" y="2059433"/>
+            <a:ext cx="1737166" cy="321471"/>
+          </a:xfrm>
+          <a:prstGeom prst="rect">
+            <a:avLst/>
+          </a:prstGeom>
+          <a:ln>
+            <a:solidFill>
+              <a:schemeClr val="bg1">
+                <a:lumMod val="50000"/>
+              </a:schemeClr>
+            </a:solidFill>
+          </a:ln>
+        </p:spPr>
+        <p:style>
+          <a:lnRef idx="2">
+            <a:schemeClr val="dk1"/>
+          </a:lnRef>
+          <a:fillRef idx="1">
+            <a:schemeClr val="lt1"/>
+          </a:fillRef>
+          <a:effectRef idx="0">
+            <a:schemeClr val="dk1"/>
+          </a:effectRef>
+          <a:fontRef idx="minor">
+            <a:schemeClr val="dk1"/>
+          </a:fontRef>
+        </p:style>
+        <p:txBody>
+          <a:bodyPr rtlCol="0" anchor="ctr"/>
+          <a:lstStyle/>
+          <a:p>
+            <a:r>
+              <a:rPr lang="de-DE" sz="1600" dirty="0" smtClean="0"/>
+              <a:t>Lars </a:t>
+            </a:r>
+            <a:r>
+              <a:rPr lang="de-DE" sz="1600" dirty="0" err="1" smtClean="0"/>
+              <a:t>Tenbrock</a:t>
+            </a:r>
+            <a:endParaRPr lang="de-DE" sz="1600" dirty="0"/>
+          </a:p>
+        </p:txBody>
+      </p:sp>
+      <p:sp>
+        <p:nvSpPr>
+          <p:cNvPr id="49" name="Rechteck 48"/>
+          <p:cNvSpPr/>
+          <p:nvPr/>
+        </p:nvSpPr>
+        <p:spPr>
+          <a:xfrm>
+            <a:off x="3657077" y="2102631"/>
+            <a:ext cx="233207" cy="216023"/>
+          </a:xfrm>
+          <a:prstGeom prst="rect">
+            <a:avLst/>
+          </a:prstGeom>
+          <a:ln>
+            <a:solidFill>
+              <a:schemeClr val="bg1">
+                <a:lumMod val="50000"/>
+              </a:schemeClr>
+            </a:solidFill>
+          </a:ln>
+        </p:spPr>
+        <p:style>
+          <a:lnRef idx="2">
+            <a:schemeClr val="accent6"/>
+          </a:lnRef>
+          <a:fillRef idx="1">
+            <a:schemeClr val="lt1"/>
+          </a:fillRef>
+          <a:effectRef idx="0">
+            <a:schemeClr val="accent6"/>
+          </a:effectRef>
+          <a:fontRef idx="minor">
+            <a:schemeClr val="dk1"/>
+          </a:fontRef>
+        </p:style>
+        <p:txBody>
+          <a:bodyPr rtlCol="0" anchor="ctr"/>
+          <a:lstStyle/>
+          <a:p>
+            <a:pPr algn="ctr"/>
+            <a:r>
+              <a:rPr lang="de-DE" dirty="0">
                 <a:solidFill>
-                  <a:srgbClr val="FFFFFF"/>
+                  <a:srgbClr val="00B050"/>
                 </a:solidFill>
-              </a14:hiddenFill>
-            </a:ext>
-          </a:extLst>
-        </p:spPr>
-      </p:pic>
-      <p:sp>
-        <p:nvSpPr>
-          <p:cNvPr id="64" name="Rechteck 63"/>
-          <p:cNvSpPr/>
-          <p:nvPr/>
-        </p:nvSpPr>
-        <p:spPr>
-          <a:xfrm>
-            <a:off x="8455227" y="1631649"/>
-            <a:ext cx="346364" cy="416647"/>
-          </a:xfrm>
-          <a:prstGeom prst="rect">
-            <a:avLst/>
-          </a:prstGeom>
-        </p:spPr>
-        <p:style>
-          <a:lnRef idx="1">
-            <a:schemeClr val="accent1"/>
-          </a:lnRef>
-          <a:fillRef idx="2">
-            <a:schemeClr val="accent1"/>
-          </a:fillRef>
-          <a:effectRef idx="1">
-            <a:schemeClr val="accent1"/>
-          </a:effectRef>
-          <a:fontRef idx="minor">
-            <a:schemeClr val="dk1"/>
-          </a:fontRef>
-        </p:style>
-        <p:txBody>
-          <a:bodyPr rtlCol="0" anchor="ctr"/>
-          <a:lstStyle/>
-          <a:p>
-            <a:pPr algn="ctr"/>
+              </a:rPr>
+              <a:t>✓</a:t>
+            </a:r>
+            <a:endParaRPr lang="de-DE" dirty="0">
+              <a:ln w="18415" cmpd="sng">
+                <a:solidFill>
+                  <a:schemeClr val="bg1"/>
+                </a:solidFill>
+                <a:prstDash val="solid"/>
+              </a:ln>
+              <a:solidFill>
+                <a:srgbClr val="00B050"/>
+              </a:solidFill>
+              <a:effectLst>
+                <a:outerShdw blurRad="63500" dir="3600000" algn="tl" rotWithShape="0">
+                  <a:srgbClr val="000000">
+                    <a:alpha val="70000"/>
+                  </a:srgbClr>
+                </a:outerShdw>
+              </a:effectLst>
+            </a:endParaRPr>
+          </a:p>
+        </p:txBody>
+      </p:sp>
+      <p:sp>
+        <p:nvSpPr>
+          <p:cNvPr id="50" name="Rechteck 49"/>
+          <p:cNvSpPr/>
+          <p:nvPr/>
+        </p:nvSpPr>
+        <p:spPr>
+          <a:xfrm>
+            <a:off x="512481" y="2935796"/>
+            <a:ext cx="8261540" cy="2437420"/>
+          </a:xfrm>
+          <a:prstGeom prst="rect">
+            <a:avLst/>
+          </a:prstGeom>
+        </p:spPr>
+        <p:style>
+          <a:lnRef idx="2">
+            <a:schemeClr val="accent6"/>
+          </a:lnRef>
+          <a:fillRef idx="1">
+            <a:schemeClr val="lt1"/>
+          </a:fillRef>
+          <a:effectRef idx="0">
+            <a:schemeClr val="accent6"/>
+          </a:effectRef>
+          <a:fontRef idx="minor">
+            <a:schemeClr val="dk1"/>
+          </a:fontRef>
+        </p:style>
+        <p:txBody>
+          <a:bodyPr rtlCol="0" anchor="ctr"/>
+          <a:lstStyle/>
+          <a:p>
+            <a:pPr algn="ctr"/>
+            <a:r>
+              <a:rPr lang="de-DE" dirty="0">
+                <a:solidFill>
+                  <a:schemeClr val="bg1">
+                    <a:lumMod val="65000"/>
+                  </a:schemeClr>
+                </a:solidFill>
+              </a:rPr>
+              <a:t>	</a:t>
+            </a:r>
+            <a:r>
+              <a:rPr lang="de-DE" dirty="0" smtClean="0">
+                <a:solidFill>
+                  <a:schemeClr val="bg1">
+                    <a:lumMod val="65000"/>
+                  </a:schemeClr>
+                </a:solidFill>
+              </a:rPr>
+              <a:t>Gruppe von TOP – Beschreibung – Beschluss</a:t>
+            </a:r>
+            <a:endParaRPr lang="de-DE" dirty="0">
+              <a:solidFill>
+                <a:schemeClr val="bg1">
+                  <a:lumMod val="65000"/>
+                </a:schemeClr>
+              </a:solidFill>
+            </a:endParaRPr>
+          </a:p>
+        </p:txBody>
+      </p:sp>
+      <p:sp>
+        <p:nvSpPr>
+          <p:cNvPr id="51" name="Rechteck 50"/>
+          <p:cNvSpPr/>
+          <p:nvPr/>
+        </p:nvSpPr>
+        <p:spPr>
+          <a:xfrm>
+            <a:off x="557054" y="2968863"/>
+            <a:ext cx="8191409" cy="321471"/>
+          </a:xfrm>
+          <a:prstGeom prst="rect">
+            <a:avLst/>
+          </a:prstGeom>
+          <a:ln>
+            <a:solidFill>
+              <a:schemeClr val="bg1">
+                <a:lumMod val="50000"/>
+              </a:schemeClr>
+            </a:solidFill>
+          </a:ln>
+        </p:spPr>
+        <p:style>
+          <a:lnRef idx="2">
+            <a:schemeClr val="dk1"/>
+          </a:lnRef>
+          <a:fillRef idx="1">
+            <a:schemeClr val="lt1"/>
+          </a:fillRef>
+          <a:effectRef idx="0">
+            <a:schemeClr val="dk1"/>
+          </a:effectRef>
+          <a:fontRef idx="minor">
+            <a:schemeClr val="dk1"/>
+          </a:fontRef>
+        </p:style>
+        <p:txBody>
+          <a:bodyPr rtlCol="0" anchor="ctr"/>
+          <a:lstStyle/>
+          <a:p>
+            <a:pPr algn="ctr"/>
+            <a:r>
+              <a:rPr lang="de-DE" sz="1600" dirty="0" smtClean="0"/>
+              <a:t>Titel</a:t>
+            </a:r>
             <a:endParaRPr lang="de-DE" sz="1600" dirty="0"/>
+          </a:p>
+        </p:txBody>
+      </p:sp>
+      <p:sp>
+        <p:nvSpPr>
+          <p:cNvPr id="52" name="Rechteck 51"/>
+          <p:cNvSpPr/>
+          <p:nvPr/>
+        </p:nvSpPr>
+        <p:spPr>
+          <a:xfrm>
+            <a:off x="557055" y="3300169"/>
+            <a:ext cx="8191408" cy="623362"/>
+          </a:xfrm>
+          <a:prstGeom prst="rect">
+            <a:avLst/>
+          </a:prstGeom>
+          <a:ln>
+            <a:solidFill>
+              <a:schemeClr val="bg1">
+                <a:lumMod val="50000"/>
+              </a:schemeClr>
+            </a:solidFill>
+          </a:ln>
+        </p:spPr>
+        <p:style>
+          <a:lnRef idx="2">
+            <a:schemeClr val="dk1"/>
+          </a:lnRef>
+          <a:fillRef idx="1">
+            <a:schemeClr val="lt1"/>
+          </a:fillRef>
+          <a:effectRef idx="0">
+            <a:schemeClr val="dk1"/>
+          </a:effectRef>
+          <a:fontRef idx="minor">
+            <a:schemeClr val="dk1"/>
+          </a:fontRef>
+        </p:style>
+        <p:txBody>
+          <a:bodyPr rtlCol="0" anchor="ctr"/>
+          <a:lstStyle/>
+          <a:p>
+            <a:pPr algn="ctr"/>
+            <a:r>
+              <a:rPr lang="de-DE" sz="1600" dirty="0" smtClean="0"/>
+              <a:t>Beschreibung</a:t>
+            </a:r>
+            <a:endParaRPr lang="de-DE" sz="1600" dirty="0"/>
+          </a:p>
+        </p:txBody>
+      </p:sp>
+      <p:sp>
+        <p:nvSpPr>
+          <p:cNvPr id="53" name="Rechteck 52"/>
+          <p:cNvSpPr/>
+          <p:nvPr/>
+        </p:nvSpPr>
+        <p:spPr>
+          <a:xfrm>
+            <a:off x="1956134" y="4001347"/>
+            <a:ext cx="233207" cy="216023"/>
+          </a:xfrm>
+          <a:prstGeom prst="rect">
+            <a:avLst/>
+          </a:prstGeom>
+          <a:ln>
+            <a:solidFill>
+              <a:schemeClr val="bg1">
+                <a:lumMod val="50000"/>
+              </a:schemeClr>
+            </a:solidFill>
+          </a:ln>
+        </p:spPr>
+        <p:style>
+          <a:lnRef idx="2">
+            <a:schemeClr val="accent6"/>
+          </a:lnRef>
+          <a:fillRef idx="1">
+            <a:schemeClr val="lt1"/>
+          </a:fillRef>
+          <a:effectRef idx="0">
+            <a:schemeClr val="accent6"/>
+          </a:effectRef>
+          <a:fontRef idx="minor">
+            <a:schemeClr val="dk1"/>
+          </a:fontRef>
+        </p:style>
+        <p:txBody>
+          <a:bodyPr rtlCol="0" anchor="ctr"/>
+          <a:lstStyle/>
+          <a:p>
+            <a:pPr algn="ctr"/>
+            <a:r>
+              <a:rPr lang="de-DE" dirty="0">
+                <a:solidFill>
+                  <a:srgbClr val="00B050"/>
+                </a:solidFill>
+              </a:rPr>
+              <a:t>✓</a:t>
+            </a:r>
+            <a:endParaRPr lang="de-DE" dirty="0">
+              <a:ln w="18415" cmpd="sng">
+                <a:solidFill>
+                  <a:schemeClr val="bg1"/>
+                </a:solidFill>
+                <a:prstDash val="solid"/>
+              </a:ln>
+              <a:solidFill>
+                <a:srgbClr val="00B050"/>
+              </a:solidFill>
+              <a:effectLst>
+                <a:outerShdw blurRad="63500" dir="3600000" algn="tl" rotWithShape="0">
+                  <a:srgbClr val="000000">
+                    <a:alpha val="70000"/>
+                  </a:srgbClr>
+                </a:outerShdw>
+              </a:effectLst>
+            </a:endParaRPr>
+          </a:p>
+        </p:txBody>
+      </p:sp>
+      <p:sp>
+        <p:nvSpPr>
+          <p:cNvPr id="54" name="Rechteck 53"/>
+          <p:cNvSpPr/>
+          <p:nvPr/>
+        </p:nvSpPr>
+        <p:spPr>
+          <a:xfrm>
+            <a:off x="557055" y="3966483"/>
+            <a:ext cx="1348772" cy="285752"/>
+          </a:xfrm>
+          <a:prstGeom prst="rect">
+            <a:avLst/>
+          </a:prstGeom>
+          <a:ln>
+            <a:solidFill>
+              <a:schemeClr val="tx1"/>
+            </a:solidFill>
+          </a:ln>
+        </p:spPr>
+        <p:style>
+          <a:lnRef idx="2">
+            <a:schemeClr val="dk1"/>
+          </a:lnRef>
+          <a:fillRef idx="1">
+            <a:schemeClr val="lt1"/>
+          </a:fillRef>
+          <a:effectRef idx="0">
+            <a:schemeClr val="dk1"/>
+          </a:effectRef>
+          <a:fontRef idx="minor">
+            <a:schemeClr val="dk1"/>
+          </a:fontRef>
+        </p:style>
+        <p:txBody>
+          <a:bodyPr rtlCol="0" anchor="ctr"/>
+          <a:lstStyle/>
+          <a:p>
+            <a:pPr algn="ctr"/>
+            <a:r>
+              <a:rPr lang="de-DE" dirty="0" smtClean="0"/>
+              <a:t>Beschlossen</a:t>
+            </a:r>
+            <a:endParaRPr lang="de-DE" dirty="0"/>
+          </a:p>
+        </p:txBody>
+      </p:sp>
+      <p:sp>
+        <p:nvSpPr>
+          <p:cNvPr id="55" name="Rechteck 54"/>
+          <p:cNvSpPr/>
+          <p:nvPr/>
+        </p:nvSpPr>
+        <p:spPr>
+          <a:xfrm>
+            <a:off x="550012" y="4282253"/>
+            <a:ext cx="8198451" cy="623362"/>
+          </a:xfrm>
+          <a:prstGeom prst="rect">
+            <a:avLst/>
+          </a:prstGeom>
+          <a:ln>
+            <a:solidFill>
+              <a:schemeClr val="bg1">
+                <a:lumMod val="50000"/>
+              </a:schemeClr>
+            </a:solidFill>
+          </a:ln>
+        </p:spPr>
+        <p:style>
+          <a:lnRef idx="2">
+            <a:schemeClr val="dk1"/>
+          </a:lnRef>
+          <a:fillRef idx="1">
+            <a:schemeClr val="lt1"/>
+          </a:fillRef>
+          <a:effectRef idx="0">
+            <a:schemeClr val="dk1"/>
+          </a:effectRef>
+          <a:fontRef idx="minor">
+            <a:schemeClr val="dk1"/>
+          </a:fontRef>
+        </p:style>
+        <p:txBody>
+          <a:bodyPr rtlCol="0" anchor="ctr"/>
+          <a:lstStyle/>
+          <a:p>
+            <a:pPr algn="ctr"/>
+            <a:r>
+              <a:rPr lang="de-DE" sz="1600" dirty="0" smtClean="0"/>
+              <a:t>Beschluss</a:t>
+            </a:r>
+            <a:endParaRPr lang="de-DE" sz="1600" dirty="0"/>
+          </a:p>
+        </p:txBody>
+      </p:sp>
+      <p:sp>
+        <p:nvSpPr>
+          <p:cNvPr id="56" name="Rechteck 55"/>
+          <p:cNvSpPr/>
+          <p:nvPr/>
+        </p:nvSpPr>
+        <p:spPr>
+          <a:xfrm>
+            <a:off x="557055" y="4907225"/>
+            <a:ext cx="990609" cy="321471"/>
+          </a:xfrm>
+          <a:prstGeom prst="rect">
+            <a:avLst/>
+          </a:prstGeom>
+          <a:ln>
+            <a:solidFill>
+              <a:schemeClr val="bg1">
+                <a:lumMod val="50000"/>
+              </a:schemeClr>
+            </a:solidFill>
+          </a:ln>
+        </p:spPr>
+        <p:style>
+          <a:lnRef idx="2">
+            <a:schemeClr val="dk1"/>
+          </a:lnRef>
+          <a:fillRef idx="1">
+            <a:schemeClr val="lt1"/>
+          </a:fillRef>
+          <a:effectRef idx="0">
+            <a:schemeClr val="dk1"/>
+          </a:effectRef>
+          <a:fontRef idx="minor">
+            <a:schemeClr val="dk1"/>
+          </a:fontRef>
+        </p:style>
+        <p:txBody>
+          <a:bodyPr rtlCol="0" anchor="ctr"/>
+          <a:lstStyle/>
+          <a:p>
+            <a:pPr algn="ctr"/>
+            <a:r>
+              <a:rPr lang="de-DE" sz="1600" dirty="0" smtClean="0"/>
+              <a:t>Dafür</a:t>
+            </a:r>
+            <a:endParaRPr lang="de-DE" sz="1600" dirty="0"/>
+          </a:p>
+        </p:txBody>
+      </p:sp>
+      <p:sp>
+        <p:nvSpPr>
+          <p:cNvPr id="57" name="Rechteck 56"/>
+          <p:cNvSpPr/>
+          <p:nvPr/>
+        </p:nvSpPr>
+        <p:spPr>
+          <a:xfrm>
+            <a:off x="1546945" y="4905615"/>
+            <a:ext cx="990609" cy="321471"/>
+          </a:xfrm>
+          <a:prstGeom prst="rect">
+            <a:avLst/>
+          </a:prstGeom>
+          <a:ln>
+            <a:solidFill>
+              <a:schemeClr val="bg1">
+                <a:lumMod val="50000"/>
+              </a:schemeClr>
+            </a:solidFill>
+          </a:ln>
+        </p:spPr>
+        <p:style>
+          <a:lnRef idx="2">
+            <a:schemeClr val="dk1"/>
+          </a:lnRef>
+          <a:fillRef idx="1">
+            <a:schemeClr val="lt1"/>
+          </a:fillRef>
+          <a:effectRef idx="0">
+            <a:schemeClr val="dk1"/>
+          </a:effectRef>
+          <a:fontRef idx="minor">
+            <a:schemeClr val="dk1"/>
+          </a:fontRef>
+        </p:style>
+        <p:txBody>
+          <a:bodyPr rtlCol="0" anchor="ctr"/>
+          <a:lstStyle/>
+          <a:p>
+            <a:pPr algn="ctr"/>
+            <a:r>
+              <a:rPr lang="de-DE" sz="1600" dirty="0" smtClean="0"/>
+              <a:t>Dagegen</a:t>
+            </a:r>
+            <a:endParaRPr lang="de-DE" sz="1600" dirty="0"/>
+          </a:p>
+        </p:txBody>
+      </p:sp>
+      <p:sp>
+        <p:nvSpPr>
+          <p:cNvPr id="58" name="Rechteck 57"/>
+          <p:cNvSpPr/>
+          <p:nvPr/>
+        </p:nvSpPr>
+        <p:spPr>
+          <a:xfrm>
+            <a:off x="2537554" y="4907885"/>
+            <a:ext cx="990609" cy="321471"/>
+          </a:xfrm>
+          <a:prstGeom prst="rect">
+            <a:avLst/>
+          </a:prstGeom>
+          <a:ln>
+            <a:solidFill>
+              <a:schemeClr val="bg1">
+                <a:lumMod val="50000"/>
+              </a:schemeClr>
+            </a:solidFill>
+          </a:ln>
+        </p:spPr>
+        <p:style>
+          <a:lnRef idx="2">
+            <a:schemeClr val="dk1"/>
+          </a:lnRef>
+          <a:fillRef idx="1">
+            <a:schemeClr val="lt1"/>
+          </a:fillRef>
+          <a:effectRef idx="0">
+            <a:schemeClr val="dk1"/>
+          </a:effectRef>
+          <a:fontRef idx="minor">
+            <a:schemeClr val="dk1"/>
+          </a:fontRef>
+        </p:style>
+        <p:txBody>
+          <a:bodyPr rtlCol="0" anchor="ctr"/>
+          <a:lstStyle/>
+          <a:p>
+            <a:pPr algn="ctr"/>
+            <a:r>
+              <a:rPr lang="de-DE" sz="1600" dirty="0" smtClean="0"/>
+              <a:t>Enthalten</a:t>
+            </a:r>
+            <a:endParaRPr lang="de-DE" sz="1600" dirty="0"/>
+          </a:p>
+        </p:txBody>
+      </p:sp>
+      <p:sp>
+        <p:nvSpPr>
+          <p:cNvPr id="68" name="Rechteck 67"/>
+          <p:cNvSpPr/>
+          <p:nvPr/>
+        </p:nvSpPr>
+        <p:spPr>
+          <a:xfrm>
+            <a:off x="511662" y="5488457"/>
+            <a:ext cx="8261540" cy="617731"/>
+          </a:xfrm>
+          <a:prstGeom prst="rect">
+            <a:avLst/>
+          </a:prstGeom>
+        </p:spPr>
+        <p:style>
+          <a:lnRef idx="2">
+            <a:schemeClr val="accent6"/>
+          </a:lnRef>
+          <a:fillRef idx="1">
+            <a:schemeClr val="lt1"/>
+          </a:fillRef>
+          <a:effectRef idx="0">
+            <a:schemeClr val="accent6"/>
+          </a:effectRef>
+          <a:fontRef idx="minor">
+            <a:schemeClr val="dk1"/>
+          </a:fontRef>
+        </p:style>
+        <p:txBody>
+          <a:bodyPr rtlCol="0" anchor="ctr"/>
+          <a:lstStyle/>
+          <a:p>
+            <a:pPr algn="ctr"/>
+            <a:r>
+              <a:rPr lang="de-DE" dirty="0">
+                <a:solidFill>
+                  <a:schemeClr val="bg1">
+                    <a:lumMod val="65000"/>
+                  </a:schemeClr>
+                </a:solidFill>
+              </a:rPr>
+              <a:t>	</a:t>
+            </a:r>
+            <a:r>
+              <a:rPr lang="de-DE" dirty="0" smtClean="0">
+                <a:solidFill>
+                  <a:schemeClr val="bg1">
+                    <a:lumMod val="65000"/>
+                  </a:schemeClr>
+                </a:solidFill>
+              </a:rPr>
+              <a:t>Gruppe von TOP – Beschreibung – Beschluss</a:t>
+            </a:r>
+            <a:endParaRPr lang="de-DE" dirty="0">
+              <a:solidFill>
+                <a:schemeClr val="bg1">
+                  <a:lumMod val="65000"/>
+                </a:schemeClr>
+              </a:solidFill>
+            </a:endParaRPr>
           </a:p>
         </p:txBody>
       </p:sp>
     </p:spTree>
     <p:extLst>
       <p:ext uri="{BB962C8B-B14F-4D97-AF65-F5344CB8AC3E}">
-        <p14:creationId xmlns:p14="http://schemas.microsoft.com/office/powerpoint/2010/main" val="899778097"/>
+        <p14:creationId xmlns:p14="http://schemas.microsoft.com/office/powerpoint/2010/main" xmlns="" val="1390162469"/>
       </p:ext>
     </p:extLst>
   </p:cSld>
@@ -9288,17 +8028,7 @@
                   </a:schemeClr>
                 </a:solidFill>
               </a:rPr>
-              <a:t>GSO </a:t>
-            </a:r>
-            <a:r>
-              <a:rPr lang="de-DE" dirty="0" smtClean="0">
-                <a:solidFill>
-                  <a:schemeClr val="bg1">
-                    <a:lumMod val="65000"/>
-                  </a:schemeClr>
-                </a:solidFill>
-              </a:rPr>
-              <a:t>Logo</a:t>
+              <a:t>GSO Logo</a:t>
             </a:r>
             <a:endParaRPr lang="de-DE" dirty="0">
               <a:solidFill>
@@ -9701,7 +8431,7 @@
       </p:cxnSp>
       <p:sp>
         <p:nvSpPr>
-          <p:cNvPr id="14" name="Rechteck 13"/>
+          <p:cNvPr id="49" name="Rechteck 48"/>
           <p:cNvSpPr/>
           <p:nvPr/>
         </p:nvSpPr>
@@ -9781,7 +8511,7 @@
                   </a:schemeClr>
                 </a:solidFill>
               </a:rPr>
-              <a:t>Liste von Gruppen</a:t>
+              <a:t>Liste von Lehrern</a:t>
             </a:r>
             <a:endParaRPr lang="de-DE" dirty="0">
               <a:solidFill>
@@ -9795,14 +8525,14 @@
       </p:sp>
       <p:sp>
         <p:nvSpPr>
-          <p:cNvPr id="15" name="Rechteck 14"/>
-          <p:cNvSpPr/>
-          <p:nvPr/>
-        </p:nvSpPr>
-        <p:spPr>
-          <a:xfrm>
-            <a:off x="431954" y="1631650"/>
-            <a:ext cx="2915909" cy="429022"/>
+          <p:cNvPr id="50" name="Rechteck 49"/>
+          <p:cNvSpPr/>
+          <p:nvPr/>
+        </p:nvSpPr>
+        <p:spPr>
+          <a:xfrm>
+            <a:off x="431955" y="1631650"/>
+            <a:ext cx="1547757" cy="429022"/>
           </a:xfrm>
           <a:prstGeom prst="rect">
             <a:avLst/>
@@ -9829,7 +8559,7 @@
             <a:pPr algn="ctr"/>
             <a:r>
               <a:rPr lang="de-DE" sz="1600" dirty="0" smtClean="0"/>
-              <a:t>Name</a:t>
+              <a:t>Vorname</a:t>
             </a:r>
             <a:endParaRPr lang="de-DE" sz="1600" dirty="0"/>
           </a:p>
@@ -9837,14 +8567,14 @@
       </p:sp>
       <p:sp>
         <p:nvSpPr>
-          <p:cNvPr id="16" name="Rechteck 15"/>
-          <p:cNvSpPr/>
-          <p:nvPr/>
-        </p:nvSpPr>
-        <p:spPr>
-          <a:xfrm>
-            <a:off x="3347864" y="1628800"/>
-            <a:ext cx="5107364" cy="429022"/>
+          <p:cNvPr id="51" name="Rechteck 50"/>
+          <p:cNvSpPr/>
+          <p:nvPr/>
+        </p:nvSpPr>
+        <p:spPr>
+          <a:xfrm>
+            <a:off x="1989827" y="1631650"/>
+            <a:ext cx="1574061" cy="429022"/>
           </a:xfrm>
           <a:prstGeom prst="rect">
             <a:avLst/>
@@ -9871,7 +8601,7 @@
             <a:pPr algn="ctr"/>
             <a:r>
               <a:rPr lang="de-DE" sz="1600" dirty="0" smtClean="0"/>
-              <a:t>Verteilermail</a:t>
+              <a:t>Nachname</a:t>
             </a:r>
             <a:endParaRPr lang="de-DE" sz="1600" dirty="0"/>
           </a:p>
@@ -9879,14 +8609,140 @@
       </p:sp>
       <p:sp>
         <p:nvSpPr>
-          <p:cNvPr id="20" name="Rechteck 19"/>
-          <p:cNvSpPr/>
-          <p:nvPr/>
-        </p:nvSpPr>
-        <p:spPr>
-          <a:xfrm>
-            <a:off x="426621" y="2057822"/>
-            <a:ext cx="2915909" cy="321471"/>
+          <p:cNvPr id="52" name="Rechteck 51"/>
+          <p:cNvSpPr/>
+          <p:nvPr/>
+        </p:nvSpPr>
+        <p:spPr>
+          <a:xfrm>
+            <a:off x="3571503" y="1628800"/>
+            <a:ext cx="2368649" cy="427509"/>
+          </a:xfrm>
+          <a:prstGeom prst="rect">
+            <a:avLst/>
+          </a:prstGeom>
+        </p:spPr>
+        <p:style>
+          <a:lnRef idx="1">
+            <a:schemeClr val="accent1"/>
+          </a:lnRef>
+          <a:fillRef idx="2">
+            <a:schemeClr val="accent1"/>
+          </a:fillRef>
+          <a:effectRef idx="1">
+            <a:schemeClr val="accent1"/>
+          </a:effectRef>
+          <a:fontRef idx="minor">
+            <a:schemeClr val="dk1"/>
+          </a:fontRef>
+        </p:style>
+        <p:txBody>
+          <a:bodyPr rtlCol="0" anchor="ctr"/>
+          <a:lstStyle/>
+          <a:p>
+            <a:pPr algn="ctr"/>
+            <a:r>
+              <a:rPr lang="de-DE" sz="1600" dirty="0" smtClean="0"/>
+              <a:t>Email</a:t>
+            </a:r>
+            <a:endParaRPr lang="de-DE" sz="1600" dirty="0"/>
+          </a:p>
+        </p:txBody>
+      </p:sp>
+      <p:sp>
+        <p:nvSpPr>
+          <p:cNvPr id="53" name="Rechteck 52"/>
+          <p:cNvSpPr/>
+          <p:nvPr/>
+        </p:nvSpPr>
+        <p:spPr>
+          <a:xfrm>
+            <a:off x="5955356" y="1631650"/>
+            <a:ext cx="1424956" cy="429022"/>
+          </a:xfrm>
+          <a:prstGeom prst="rect">
+            <a:avLst/>
+          </a:prstGeom>
+        </p:spPr>
+        <p:style>
+          <a:lnRef idx="1">
+            <a:schemeClr val="accent1"/>
+          </a:lnRef>
+          <a:fillRef idx="2">
+            <a:schemeClr val="accent1"/>
+          </a:fillRef>
+          <a:effectRef idx="1">
+            <a:schemeClr val="accent1"/>
+          </a:effectRef>
+          <a:fontRef idx="minor">
+            <a:schemeClr val="dk1"/>
+          </a:fontRef>
+        </p:style>
+        <p:txBody>
+          <a:bodyPr rtlCol="0" anchor="ctr"/>
+          <a:lstStyle/>
+          <a:p>
+            <a:pPr algn="ctr"/>
+            <a:r>
+              <a:rPr lang="de-DE" sz="1600" dirty="0" smtClean="0"/>
+              <a:t>Benutzername</a:t>
+            </a:r>
+            <a:endParaRPr lang="de-DE" sz="1600" dirty="0"/>
+          </a:p>
+        </p:txBody>
+      </p:sp>
+      <p:sp>
+        <p:nvSpPr>
+          <p:cNvPr id="54" name="Rechteck 53"/>
+          <p:cNvSpPr/>
+          <p:nvPr/>
+        </p:nvSpPr>
+        <p:spPr>
+          <a:xfrm>
+            <a:off x="7393767" y="1628800"/>
+            <a:ext cx="1061459" cy="429022"/>
+          </a:xfrm>
+          <a:prstGeom prst="rect">
+            <a:avLst/>
+          </a:prstGeom>
+        </p:spPr>
+        <p:style>
+          <a:lnRef idx="1">
+            <a:schemeClr val="accent1"/>
+          </a:lnRef>
+          <a:fillRef idx="2">
+            <a:schemeClr val="accent1"/>
+          </a:fillRef>
+          <a:effectRef idx="1">
+            <a:schemeClr val="accent1"/>
+          </a:effectRef>
+          <a:fontRef idx="minor">
+            <a:schemeClr val="dk1"/>
+          </a:fontRef>
+        </p:style>
+        <p:txBody>
+          <a:bodyPr rtlCol="0" anchor="ctr"/>
+          <a:lstStyle/>
+          <a:p>
+            <a:pPr algn="ctr"/>
+            <a:r>
+              <a:rPr lang="de-DE" sz="1600" dirty="0" smtClean="0"/>
+              <a:t>Passwort</a:t>
+            </a:r>
+            <a:endParaRPr lang="de-DE" sz="1600" dirty="0"/>
+          </a:p>
+        </p:txBody>
+      </p:sp>
+      <p:sp>
+        <p:nvSpPr>
+          <p:cNvPr id="55" name="Rechteck 54"/>
+          <p:cNvSpPr/>
+          <p:nvPr/>
+        </p:nvSpPr>
+        <p:spPr>
+          <a:xfrm>
+            <a:off x="426622" y="2057822"/>
+            <a:ext cx="1553090" cy="321471"/>
           </a:xfrm>
           <a:prstGeom prst="rect">
             <a:avLst/>
@@ -9920,7 +8776,7 @@
             <a:pPr algn="ctr"/>
             <a:r>
               <a:rPr lang="de-DE" sz="1600" dirty="0" smtClean="0"/>
-              <a:t>FIA63</a:t>
+              <a:t>Oliver</a:t>
             </a:r>
             <a:endParaRPr lang="de-DE" sz="1600" dirty="0"/>
           </a:p>
@@ -9928,14 +8784,14 @@
       </p:sp>
       <p:sp>
         <p:nvSpPr>
-          <p:cNvPr id="21" name="Rechteck 20"/>
-          <p:cNvSpPr/>
-          <p:nvPr/>
-        </p:nvSpPr>
-        <p:spPr>
-          <a:xfrm>
-            <a:off x="3347864" y="2057822"/>
-            <a:ext cx="5107364" cy="321471"/>
+          <p:cNvPr id="56" name="Rechteck 55"/>
+          <p:cNvSpPr/>
+          <p:nvPr/>
+        </p:nvSpPr>
+        <p:spPr>
+          <a:xfrm>
+            <a:off x="1989827" y="2060672"/>
+            <a:ext cx="1574061" cy="321471"/>
           </a:xfrm>
           <a:prstGeom prst="rect">
             <a:avLst/>
@@ -9969,7 +8825,7 @@
             <a:pPr algn="ctr"/>
             <a:r>
               <a:rPr lang="de-DE" sz="1600" dirty="0" smtClean="0"/>
-              <a:t>fia63@gso-koeln.de</a:t>
+              <a:t>Kaden</a:t>
             </a:r>
             <a:endParaRPr lang="de-DE" sz="1600" dirty="0"/>
           </a:p>
@@ -9977,14 +8833,14 @@
       </p:sp>
       <p:sp>
         <p:nvSpPr>
-          <p:cNvPr id="28" name="Rechteck 27"/>
-          <p:cNvSpPr/>
-          <p:nvPr/>
-        </p:nvSpPr>
-        <p:spPr>
-          <a:xfrm>
-            <a:off x="431955" y="2377780"/>
-            <a:ext cx="8373462" cy="321471"/>
+          <p:cNvPr id="57" name="Rechteck 56"/>
+          <p:cNvSpPr/>
+          <p:nvPr/>
+        </p:nvSpPr>
+        <p:spPr>
+          <a:xfrm>
+            <a:off x="3571504" y="2056309"/>
+            <a:ext cx="2368647" cy="321471"/>
           </a:xfrm>
           <a:prstGeom prst="rect">
             <a:avLst/>
@@ -10017,31 +8873,23 @@
           <a:p>
             <a:pPr algn="ctr"/>
             <a:r>
-              <a:rPr lang="de-DE" sz="2800" dirty="0" smtClean="0">
-                <a:solidFill>
-                  <a:srgbClr val="00B050"/>
-                </a:solidFill>
-              </a:rPr>
-              <a:t>+</a:t>
-            </a:r>
-            <a:endParaRPr lang="de-DE" sz="1600" dirty="0">
-              <a:solidFill>
-                <a:srgbClr val="00B050"/>
-              </a:solidFill>
-            </a:endParaRPr>
-          </a:p>
-        </p:txBody>
-      </p:sp>
-      <p:sp>
-        <p:nvSpPr>
-          <p:cNvPr id="30" name="Rechteck 29"/>
-          <p:cNvSpPr/>
-          <p:nvPr/>
-        </p:nvSpPr>
-        <p:spPr>
-          <a:xfrm>
-            <a:off x="8455226" y="2060672"/>
-            <a:ext cx="344928" cy="309639"/>
+              <a:rPr lang="de-DE" sz="1600" dirty="0" smtClean="0"/>
+              <a:t>fia63kaden@gso-koeln.de</a:t>
+            </a:r>
+            <a:endParaRPr lang="de-DE" sz="1600" dirty="0"/>
+          </a:p>
+        </p:txBody>
+      </p:sp>
+      <p:sp>
+        <p:nvSpPr>
+          <p:cNvPr id="58" name="Rechteck 57"/>
+          <p:cNvSpPr/>
+          <p:nvPr/>
+        </p:nvSpPr>
+        <p:spPr>
+          <a:xfrm>
+            <a:off x="5955357" y="2059159"/>
+            <a:ext cx="1434895" cy="321471"/>
           </a:xfrm>
           <a:prstGeom prst="rect">
             <a:avLst/>
@@ -10073,13 +8921,168 @@
           <a:lstStyle/>
           <a:p>
             <a:pPr algn="ctr"/>
+            <a:r>
+              <a:rPr lang="de-DE" sz="1600" dirty="0" smtClean="0"/>
+              <a:t>OK</a:t>
+            </a:r>
+            <a:endParaRPr lang="de-DE" sz="1600" dirty="0"/>
+          </a:p>
+        </p:txBody>
+      </p:sp>
+      <p:sp>
+        <p:nvSpPr>
+          <p:cNvPr id="59" name="Rechteck 58"/>
+          <p:cNvSpPr/>
+          <p:nvPr/>
+        </p:nvSpPr>
+        <p:spPr>
+          <a:xfrm>
+            <a:off x="7393768" y="2059159"/>
+            <a:ext cx="1061458" cy="321471"/>
+          </a:xfrm>
+          <a:prstGeom prst="rect">
+            <a:avLst/>
+          </a:prstGeom>
+          <a:ln>
+            <a:solidFill>
+              <a:schemeClr val="bg1">
+                <a:lumMod val="50000"/>
+              </a:schemeClr>
+            </a:solidFill>
+          </a:ln>
+        </p:spPr>
+        <p:style>
+          <a:lnRef idx="2">
+            <a:schemeClr val="dk1"/>
+          </a:lnRef>
+          <a:fillRef idx="1">
+            <a:schemeClr val="lt1"/>
+          </a:fillRef>
+          <a:effectRef idx="0">
+            <a:schemeClr val="dk1"/>
+          </a:effectRef>
+          <a:fontRef idx="minor">
+            <a:schemeClr val="dk1"/>
+          </a:fontRef>
+        </p:style>
+        <p:txBody>
+          <a:bodyPr rtlCol="0" anchor="ctr"/>
+          <a:lstStyle/>
+          <a:p>
+            <a:pPr algn="ctr"/>
+            <a:r>
+              <a:rPr lang="de-DE" sz="1600" dirty="0" smtClean="0"/>
+              <a:t>•••••••</a:t>
+            </a:r>
+            <a:endParaRPr lang="de-DE" sz="1600" dirty="0"/>
+          </a:p>
+        </p:txBody>
+      </p:sp>
+      <p:sp>
+        <p:nvSpPr>
+          <p:cNvPr id="60" name="Rechteck 59"/>
+          <p:cNvSpPr/>
+          <p:nvPr/>
+        </p:nvSpPr>
+        <p:spPr>
+          <a:xfrm>
+            <a:off x="431955" y="2377780"/>
+            <a:ext cx="8373462" cy="321471"/>
+          </a:xfrm>
+          <a:prstGeom prst="rect">
+            <a:avLst/>
+          </a:prstGeom>
+          <a:ln>
+            <a:solidFill>
+              <a:schemeClr val="bg1">
+                <a:lumMod val="50000"/>
+              </a:schemeClr>
+            </a:solidFill>
+          </a:ln>
+        </p:spPr>
+        <p:style>
+          <a:lnRef idx="2">
+            <a:schemeClr val="dk1"/>
+          </a:lnRef>
+          <a:fillRef idx="1">
+            <a:schemeClr val="lt1"/>
+          </a:fillRef>
+          <a:effectRef idx="0">
+            <a:schemeClr val="dk1"/>
+          </a:effectRef>
+          <a:fontRef idx="minor">
+            <a:schemeClr val="dk1"/>
+          </a:fontRef>
+        </p:style>
+        <p:txBody>
+          <a:bodyPr rtlCol="0" anchor="ctr"/>
+          <a:lstStyle/>
+          <a:p>
+            <a:pPr algn="ctr"/>
+            <a:r>
+              <a:rPr lang="de-DE" sz="2800" dirty="0" smtClean="0">
+                <a:solidFill>
+                  <a:srgbClr val="00B050"/>
+                </a:solidFill>
+              </a:rPr>
+              <a:t>+</a:t>
+            </a:r>
+            <a:endParaRPr lang="de-DE" sz="1600" dirty="0">
+              <a:solidFill>
+                <a:srgbClr val="00B050"/>
+              </a:solidFill>
+            </a:endParaRPr>
+          </a:p>
+        </p:txBody>
+      </p:sp>
+      <p:sp>
+        <p:nvSpPr>
+          <p:cNvPr id="62" name="Rechteck 61"/>
+          <p:cNvSpPr/>
+          <p:nvPr/>
+        </p:nvSpPr>
+        <p:spPr>
+          <a:xfrm>
+            <a:off x="8455226" y="2060672"/>
+            <a:ext cx="344928" cy="309639"/>
+          </a:xfrm>
+          <a:prstGeom prst="rect">
+            <a:avLst/>
+          </a:prstGeom>
+          <a:ln>
+            <a:solidFill>
+              <a:schemeClr val="bg1">
+                <a:lumMod val="50000"/>
+              </a:schemeClr>
+            </a:solidFill>
+          </a:ln>
+        </p:spPr>
+        <p:style>
+          <a:lnRef idx="2">
+            <a:schemeClr val="dk1"/>
+          </a:lnRef>
+          <a:fillRef idx="1">
+            <a:schemeClr val="lt1"/>
+          </a:fillRef>
+          <a:effectRef idx="0">
+            <a:schemeClr val="dk1"/>
+          </a:effectRef>
+          <a:fontRef idx="minor">
+            <a:schemeClr val="dk1"/>
+          </a:fontRef>
+        </p:style>
+        <p:txBody>
+          <a:bodyPr rtlCol="0" anchor="ctr"/>
+          <a:lstStyle/>
+          <a:p>
+            <a:pPr algn="ctr"/>
             <a:endParaRPr lang="de-DE" sz="1600" dirty="0"/>
           </a:p>
         </p:txBody>
       </p:sp>
       <p:pic>
         <p:nvPicPr>
-          <p:cNvPr id="31" name="Picture 2" descr="C:\Users\fia63kaden.OHM.000\Documents\GitHub\OberstufenProjekt\Anwendung\webapp\img\Loeschen.png"/>
+          <p:cNvPr id="61" name="Picture 2" descr="C:\Users\fia63kaden.OHM.000\Documents\GitHub\OberstufenProjekt\Anwendung\webapp\img\Loeschen.png"/>
           <p:cNvPicPr>
             <a:picLocks noChangeAspect="1" noChangeArrowheads="1"/>
           </p:cNvPicPr>
@@ -10089,7 +9092,7 @@
           <a:blip r:embed="rId3">
             <a:extLst>
               <a:ext uri="{28A0092B-C50C-407E-A947-70E740481C1C}">
-                <a14:useLocalDpi xmlns:a14="http://schemas.microsoft.com/office/drawing/2010/main" val="0"/>
+                <a14:useLocalDpi xmlns:a14="http://schemas.microsoft.com/office/drawing/2010/main" xmlns="" val="0"/>
               </a:ext>
             </a:extLst>
           </a:blip>
@@ -10109,7 +9112,7 @@
           <a:noFill/>
           <a:extLst>
             <a:ext uri="{909E8E84-426E-40DD-AFC4-6F175D3DCCD1}">
-              <a14:hiddenFill xmlns:a14="http://schemas.microsoft.com/office/drawing/2010/main">
+              <a14:hiddenFill xmlns:a14="http://schemas.microsoft.com/office/drawing/2010/main" xmlns="">
                 <a:solidFill>
                   <a:srgbClr val="FFFFFF"/>
                 </a:solidFill>
@@ -10120,7 +9123,7 @@
       </p:pic>
       <p:sp>
         <p:nvSpPr>
-          <p:cNvPr id="32" name="Rechteck 31"/>
+          <p:cNvPr id="64" name="Rechteck 63"/>
           <p:cNvSpPr/>
           <p:nvPr/>
         </p:nvSpPr>
@@ -10159,7 +9162,7 @@
     </p:spTree>
     <p:extLst>
       <p:ext uri="{BB962C8B-B14F-4D97-AF65-F5344CB8AC3E}">
-        <p14:creationId xmlns:p14="http://schemas.microsoft.com/office/powerpoint/2010/main" val="2570158503"/>
+        <p14:creationId xmlns:p14="http://schemas.microsoft.com/office/powerpoint/2010/main" xmlns="" val="899778097"/>
       </p:ext>
     </p:extLst>
   </p:cSld>
@@ -10282,8 +9285,94 @@
                   </a:schemeClr>
                 </a:solidFill>
               </a:rPr>
-              <a:t>GSO </a:t>
-            </a:r>
+              <a:t>GSO Logo</a:t>
+            </a:r>
+            <a:endParaRPr lang="de-DE" dirty="0">
+              <a:solidFill>
+                <a:schemeClr val="bg1">
+                  <a:lumMod val="65000"/>
+                </a:schemeClr>
+              </a:solidFill>
+            </a:endParaRPr>
+          </a:p>
+        </p:txBody>
+      </p:sp>
+      <p:sp>
+        <p:nvSpPr>
+          <p:cNvPr id="7" name="Rechteck 6"/>
+          <p:cNvSpPr/>
+          <p:nvPr/>
+        </p:nvSpPr>
+        <p:spPr>
+          <a:xfrm>
+            <a:off x="7248836" y="55885"/>
+            <a:ext cx="1571636" cy="428628"/>
+          </a:xfrm>
+          <a:prstGeom prst="rect">
+            <a:avLst/>
+          </a:prstGeom>
+        </p:spPr>
+        <p:style>
+          <a:lnRef idx="1">
+            <a:schemeClr val="dk1"/>
+          </a:lnRef>
+          <a:fillRef idx="2">
+            <a:schemeClr val="dk1"/>
+          </a:fillRef>
+          <a:effectRef idx="1">
+            <a:schemeClr val="dk1"/>
+          </a:effectRef>
+          <a:fontRef idx="minor">
+            <a:schemeClr val="dk1"/>
+          </a:fontRef>
+        </p:style>
+        <p:txBody>
+          <a:bodyPr rtlCol="0" anchor="ctr"/>
+          <a:lstStyle/>
+          <a:p>
+            <a:pPr algn="ctr"/>
+            <a:r>
+              <a:rPr lang="de-DE" dirty="0" smtClean="0"/>
+              <a:t>Abmelden</a:t>
+            </a:r>
+            <a:endParaRPr lang="de-DE" dirty="0"/>
+          </a:p>
+        </p:txBody>
+      </p:sp>
+      <p:sp>
+        <p:nvSpPr>
+          <p:cNvPr id="24" name="Rechteck 23"/>
+          <p:cNvSpPr/>
+          <p:nvPr/>
+        </p:nvSpPr>
+        <p:spPr>
+          <a:xfrm>
+            <a:off x="32420" y="872183"/>
+            <a:ext cx="8788052" cy="296416"/>
+          </a:xfrm>
+          <a:prstGeom prst="rect">
+            <a:avLst/>
+          </a:prstGeom>
+        </p:spPr>
+        <p:style>
+          <a:lnRef idx="2">
+            <a:schemeClr val="accent6"/>
+          </a:lnRef>
+          <a:fillRef idx="1">
+            <a:schemeClr val="lt1"/>
+          </a:fillRef>
+          <a:effectRef idx="0">
+            <a:schemeClr val="accent6"/>
+          </a:effectRef>
+          <a:fontRef idx="minor">
+            <a:schemeClr val="dk1"/>
+          </a:fontRef>
+        </p:style>
+        <p:txBody>
+          <a:bodyPr rtlCol="0" anchor="ctr"/>
+          <a:lstStyle/>
+          <a:p>
+            <a:pPr algn="r"/>
             <a:r>
               <a:rPr lang="de-DE" dirty="0" smtClean="0">
                 <a:solidFill>
@@ -10292,7 +9381,895 @@
                   </a:schemeClr>
                 </a:solidFill>
               </a:rPr>
-              <a:t>Logo</a:t>
+              <a:t>Menüleiste</a:t>
+            </a:r>
+            <a:endParaRPr lang="de-DE" dirty="0">
+              <a:solidFill>
+                <a:schemeClr val="bg1">
+                  <a:lumMod val="65000"/>
+                </a:schemeClr>
+              </a:solidFill>
+            </a:endParaRPr>
+          </a:p>
+        </p:txBody>
+      </p:sp>
+      <p:sp>
+        <p:nvSpPr>
+          <p:cNvPr id="25" name="Rechteck 24"/>
+          <p:cNvSpPr/>
+          <p:nvPr/>
+        </p:nvSpPr>
+        <p:spPr>
+          <a:xfrm>
+            <a:off x="1691680" y="889440"/>
+            <a:ext cx="1496552" cy="267072"/>
+          </a:xfrm>
+          <a:prstGeom prst="rect">
+            <a:avLst/>
+          </a:prstGeom>
+        </p:spPr>
+        <p:style>
+          <a:lnRef idx="1">
+            <a:schemeClr val="dk1"/>
+          </a:lnRef>
+          <a:fillRef idx="2">
+            <a:schemeClr val="dk1"/>
+          </a:fillRef>
+          <a:effectRef idx="1">
+            <a:schemeClr val="dk1"/>
+          </a:effectRef>
+          <a:fontRef idx="minor">
+            <a:schemeClr val="dk1"/>
+          </a:fontRef>
+        </p:style>
+        <p:txBody>
+          <a:bodyPr rtlCol="0" anchor="ctr"/>
+          <a:lstStyle/>
+          <a:p>
+            <a:pPr algn="ctr"/>
+            <a:r>
+              <a:rPr lang="de-DE" dirty="0" smtClean="0"/>
+              <a:t>Admintools</a:t>
+            </a:r>
+            <a:endParaRPr lang="de-DE" dirty="0"/>
+          </a:p>
+        </p:txBody>
+      </p:sp>
+      <p:sp>
+        <p:nvSpPr>
+          <p:cNvPr id="26" name="Rechteck 25"/>
+          <p:cNvSpPr/>
+          <p:nvPr/>
+        </p:nvSpPr>
+        <p:spPr>
+          <a:xfrm>
+            <a:off x="42732" y="884270"/>
+            <a:ext cx="1648948" cy="272242"/>
+          </a:xfrm>
+          <a:prstGeom prst="rect">
+            <a:avLst/>
+          </a:prstGeom>
+        </p:spPr>
+        <p:style>
+          <a:lnRef idx="1">
+            <a:schemeClr val="dk1"/>
+          </a:lnRef>
+          <a:fillRef idx="2">
+            <a:schemeClr val="dk1"/>
+          </a:fillRef>
+          <a:effectRef idx="1">
+            <a:schemeClr val="dk1"/>
+          </a:effectRef>
+          <a:fontRef idx="minor">
+            <a:schemeClr val="dk1"/>
+          </a:fontRef>
+        </p:style>
+        <p:txBody>
+          <a:bodyPr rtlCol="0" anchor="ctr"/>
+          <a:lstStyle/>
+          <a:p>
+            <a:pPr algn="ctr"/>
+            <a:r>
+              <a:rPr lang="de-DE" dirty="0" smtClean="0"/>
+              <a:t>Protokolle</a:t>
+            </a:r>
+            <a:endParaRPr lang="de-DE" dirty="0"/>
+          </a:p>
+        </p:txBody>
+      </p:sp>
+      <p:sp>
+        <p:nvSpPr>
+          <p:cNvPr id="2" name="Auf der gleichen Seite des Rechtecks liegende Ecken abrunden 1"/>
+          <p:cNvSpPr/>
+          <p:nvPr/>
+        </p:nvSpPr>
+        <p:spPr>
+          <a:xfrm rot="10800000">
+            <a:off x="408692" y="1168599"/>
+            <a:ext cx="4062528" cy="360040"/>
+          </a:xfrm>
+          <a:prstGeom prst="round2SameRect">
+            <a:avLst/>
+          </a:prstGeom>
+          <a:solidFill>
+            <a:schemeClr val="bg1">
+              <a:lumMod val="75000"/>
+            </a:schemeClr>
+          </a:solidFill>
+        </p:spPr>
+        <p:style>
+          <a:lnRef idx="2">
+            <a:schemeClr val="accent1">
+              <a:shade val="50000"/>
+            </a:schemeClr>
+          </a:lnRef>
+          <a:fillRef idx="1">
+            <a:schemeClr val="accent1"/>
+          </a:fillRef>
+          <a:effectRef idx="0">
+            <a:schemeClr val="accent1"/>
+          </a:effectRef>
+          <a:fontRef idx="minor">
+            <a:schemeClr val="lt1"/>
+          </a:fontRef>
+        </p:style>
+        <p:txBody>
+          <a:bodyPr rtlCol="0" anchor="ctr"/>
+          <a:lstStyle/>
+          <a:p>
+            <a:pPr algn="ctr"/>
+            <a:endParaRPr lang="de-DE" dirty="0"/>
+          </a:p>
+        </p:txBody>
+      </p:sp>
+      <p:cxnSp>
+        <p:nvCxnSpPr>
+          <p:cNvPr id="5" name="Gerade Verbindung 4"/>
+          <p:cNvCxnSpPr/>
+          <p:nvPr/>
+        </p:nvCxnSpPr>
+        <p:spPr>
+          <a:xfrm flipV="1">
+            <a:off x="1475656" y="1186719"/>
+            <a:ext cx="0" cy="327600"/>
+          </a:xfrm>
+          <a:prstGeom prst="line">
+            <a:avLst/>
+          </a:prstGeom>
+          <a:ln w="38100">
+            <a:solidFill>
+              <a:schemeClr val="bg1">
+                <a:lumMod val="50000"/>
+              </a:schemeClr>
+            </a:solidFill>
+          </a:ln>
+        </p:spPr>
+        <p:style>
+          <a:lnRef idx="1">
+            <a:schemeClr val="accent1"/>
+          </a:lnRef>
+          <a:fillRef idx="0">
+            <a:schemeClr val="accent1"/>
+          </a:fillRef>
+          <a:effectRef idx="0">
+            <a:schemeClr val="accent1"/>
+          </a:effectRef>
+          <a:fontRef idx="minor">
+            <a:schemeClr val="tx1"/>
+          </a:fontRef>
+        </p:style>
+      </p:cxnSp>
+      <p:sp>
+        <p:nvSpPr>
+          <p:cNvPr id="8" name="Textfeld 7"/>
+          <p:cNvSpPr txBox="1"/>
+          <p:nvPr/>
+        </p:nvSpPr>
+        <p:spPr>
+          <a:xfrm>
+            <a:off x="396380" y="1181733"/>
+            <a:ext cx="1152128" cy="276999"/>
+          </a:xfrm>
+          <a:prstGeom prst="rect">
+            <a:avLst/>
+          </a:prstGeom>
+          <a:noFill/>
+        </p:spPr>
+        <p:txBody>
+          <a:bodyPr wrap="square" rtlCol="0">
+            <a:spAutoFit/>
+          </a:bodyPr>
+          <a:lstStyle/>
+          <a:p>
+            <a:r>
+              <a:rPr lang="de-DE" sz="1200" dirty="0" smtClean="0"/>
+              <a:t>Lehrer anlegen</a:t>
+            </a:r>
+            <a:endParaRPr lang="de-DE" sz="1200" dirty="0"/>
+          </a:p>
+        </p:txBody>
+      </p:sp>
+      <p:sp>
+        <p:nvSpPr>
+          <p:cNvPr id="29" name="Textfeld 28"/>
+          <p:cNvSpPr txBox="1"/>
+          <p:nvPr/>
+        </p:nvSpPr>
+        <p:spPr>
+          <a:xfrm>
+            <a:off x="1476822" y="1168598"/>
+            <a:ext cx="1311760" cy="276999"/>
+          </a:xfrm>
+          <a:prstGeom prst="rect">
+            <a:avLst/>
+          </a:prstGeom>
+          <a:noFill/>
+        </p:spPr>
+        <p:txBody>
+          <a:bodyPr wrap="square" rtlCol="0">
+            <a:spAutoFit/>
+          </a:bodyPr>
+          <a:lstStyle/>
+          <a:p>
+            <a:r>
+              <a:rPr lang="de-DE" sz="1200" dirty="0" smtClean="0"/>
+              <a:t>Gruppen anlegen</a:t>
+            </a:r>
+            <a:endParaRPr lang="de-DE" sz="1200" dirty="0"/>
+          </a:p>
+        </p:txBody>
+      </p:sp>
+      <p:sp>
+        <p:nvSpPr>
+          <p:cNvPr id="39" name="Textfeld 38"/>
+          <p:cNvSpPr txBox="1"/>
+          <p:nvPr/>
+        </p:nvSpPr>
+        <p:spPr>
+          <a:xfrm>
+            <a:off x="2771800" y="1168598"/>
+            <a:ext cx="1944216" cy="276999"/>
+          </a:xfrm>
+          <a:prstGeom prst="rect">
+            <a:avLst/>
+          </a:prstGeom>
+          <a:noFill/>
+        </p:spPr>
+        <p:txBody>
+          <a:bodyPr wrap="square" rtlCol="0">
+            <a:spAutoFit/>
+          </a:bodyPr>
+          <a:lstStyle/>
+          <a:p>
+            <a:r>
+              <a:rPr lang="de-DE" sz="1200" dirty="0" smtClean="0"/>
+              <a:t>Lehrer Gruppen zuweisen</a:t>
+            </a:r>
+            <a:endParaRPr lang="de-DE" sz="1200" dirty="0"/>
+          </a:p>
+        </p:txBody>
+      </p:sp>
+      <p:cxnSp>
+        <p:nvCxnSpPr>
+          <p:cNvPr id="40" name="Gerade Verbindung 39"/>
+          <p:cNvCxnSpPr/>
+          <p:nvPr/>
+        </p:nvCxnSpPr>
+        <p:spPr>
+          <a:xfrm flipV="1">
+            <a:off x="2771800" y="1186719"/>
+            <a:ext cx="0" cy="327600"/>
+          </a:xfrm>
+          <a:prstGeom prst="line">
+            <a:avLst/>
+          </a:prstGeom>
+          <a:ln w="38100">
+            <a:solidFill>
+              <a:schemeClr val="bg1">
+                <a:lumMod val="50000"/>
+              </a:schemeClr>
+            </a:solidFill>
+          </a:ln>
+        </p:spPr>
+        <p:style>
+          <a:lnRef idx="1">
+            <a:schemeClr val="accent1"/>
+          </a:lnRef>
+          <a:fillRef idx="0">
+            <a:schemeClr val="accent1"/>
+          </a:fillRef>
+          <a:effectRef idx="0">
+            <a:schemeClr val="accent1"/>
+          </a:effectRef>
+          <a:fontRef idx="minor">
+            <a:schemeClr val="tx1"/>
+          </a:fontRef>
+        </p:style>
+      </p:cxnSp>
+      <p:sp>
+        <p:nvSpPr>
+          <p:cNvPr id="14" name="Rechteck 13"/>
+          <p:cNvSpPr/>
+          <p:nvPr/>
+        </p:nvSpPr>
+        <p:spPr>
+          <a:xfrm>
+            <a:off x="395536" y="1628800"/>
+            <a:ext cx="8424936" cy="2281456"/>
+          </a:xfrm>
+          <a:prstGeom prst="rect">
+            <a:avLst/>
+          </a:prstGeom>
+        </p:spPr>
+        <p:style>
+          <a:lnRef idx="2">
+            <a:schemeClr val="accent6"/>
+          </a:lnRef>
+          <a:fillRef idx="1">
+            <a:schemeClr val="lt1"/>
+          </a:fillRef>
+          <a:effectRef idx="0">
+            <a:schemeClr val="accent6"/>
+          </a:effectRef>
+          <a:fontRef idx="minor">
+            <a:schemeClr val="dk1"/>
+          </a:fontRef>
+        </p:style>
+        <p:txBody>
+          <a:bodyPr rtlCol="0" anchor="ctr"/>
+          <a:lstStyle/>
+          <a:p>
+            <a:pPr algn="ctr"/>
+            <a:endParaRPr lang="de-DE" dirty="0" smtClean="0">
+              <a:solidFill>
+                <a:schemeClr val="bg1">
+                  <a:lumMod val="65000"/>
+                </a:schemeClr>
+              </a:solidFill>
+            </a:endParaRPr>
+          </a:p>
+          <a:p>
+            <a:pPr algn="ctr"/>
+            <a:endParaRPr lang="de-DE" dirty="0">
+              <a:solidFill>
+                <a:schemeClr val="bg1">
+                  <a:lumMod val="65000"/>
+                </a:schemeClr>
+              </a:solidFill>
+            </a:endParaRPr>
+          </a:p>
+          <a:p>
+            <a:pPr algn="ctr"/>
+            <a:endParaRPr lang="de-DE" dirty="0" smtClean="0">
+              <a:solidFill>
+                <a:schemeClr val="bg1">
+                  <a:lumMod val="65000"/>
+                </a:schemeClr>
+              </a:solidFill>
+            </a:endParaRPr>
+          </a:p>
+          <a:p>
+            <a:pPr algn="ctr"/>
+            <a:endParaRPr lang="de-DE" dirty="0" smtClean="0">
+              <a:solidFill>
+                <a:schemeClr val="bg1">
+                  <a:lumMod val="65000"/>
+                </a:schemeClr>
+              </a:solidFill>
+            </a:endParaRPr>
+          </a:p>
+          <a:p>
+            <a:pPr algn="ctr"/>
+            <a:r>
+              <a:rPr lang="de-DE" dirty="0" smtClean="0">
+                <a:solidFill>
+                  <a:schemeClr val="bg1">
+                    <a:lumMod val="65000"/>
+                  </a:schemeClr>
+                </a:solidFill>
+              </a:rPr>
+              <a:t>Liste von Gruppen</a:t>
+            </a:r>
+            <a:endParaRPr lang="de-DE" dirty="0">
+              <a:solidFill>
+                <a:schemeClr val="bg1">
+                  <a:lumMod val="65000"/>
+                </a:schemeClr>
+              </a:solidFill>
+            </a:endParaRPr>
+          </a:p>
+        </p:txBody>
+      </p:sp>
+      <p:sp>
+        <p:nvSpPr>
+          <p:cNvPr id="15" name="Rechteck 14"/>
+          <p:cNvSpPr/>
+          <p:nvPr/>
+        </p:nvSpPr>
+        <p:spPr>
+          <a:xfrm>
+            <a:off x="431954" y="1631650"/>
+            <a:ext cx="2915909" cy="429022"/>
+          </a:xfrm>
+          <a:prstGeom prst="rect">
+            <a:avLst/>
+          </a:prstGeom>
+        </p:spPr>
+        <p:style>
+          <a:lnRef idx="1">
+            <a:schemeClr val="accent1"/>
+          </a:lnRef>
+          <a:fillRef idx="2">
+            <a:schemeClr val="accent1"/>
+          </a:fillRef>
+          <a:effectRef idx="1">
+            <a:schemeClr val="accent1"/>
+          </a:effectRef>
+          <a:fontRef idx="minor">
+            <a:schemeClr val="dk1"/>
+          </a:fontRef>
+        </p:style>
+        <p:txBody>
+          <a:bodyPr rtlCol="0" anchor="ctr"/>
+          <a:lstStyle/>
+          <a:p>
+            <a:pPr algn="ctr"/>
+            <a:r>
+              <a:rPr lang="de-DE" sz="1600" dirty="0" smtClean="0"/>
+              <a:t>Name</a:t>
+            </a:r>
+            <a:endParaRPr lang="de-DE" sz="1600" dirty="0"/>
+          </a:p>
+        </p:txBody>
+      </p:sp>
+      <p:sp>
+        <p:nvSpPr>
+          <p:cNvPr id="16" name="Rechteck 15"/>
+          <p:cNvSpPr/>
+          <p:nvPr/>
+        </p:nvSpPr>
+        <p:spPr>
+          <a:xfrm>
+            <a:off x="3347864" y="1628800"/>
+            <a:ext cx="5107364" cy="429022"/>
+          </a:xfrm>
+          <a:prstGeom prst="rect">
+            <a:avLst/>
+          </a:prstGeom>
+        </p:spPr>
+        <p:style>
+          <a:lnRef idx="1">
+            <a:schemeClr val="accent1"/>
+          </a:lnRef>
+          <a:fillRef idx="2">
+            <a:schemeClr val="accent1"/>
+          </a:fillRef>
+          <a:effectRef idx="1">
+            <a:schemeClr val="accent1"/>
+          </a:effectRef>
+          <a:fontRef idx="minor">
+            <a:schemeClr val="dk1"/>
+          </a:fontRef>
+        </p:style>
+        <p:txBody>
+          <a:bodyPr rtlCol="0" anchor="ctr"/>
+          <a:lstStyle/>
+          <a:p>
+            <a:pPr algn="ctr"/>
+            <a:r>
+              <a:rPr lang="de-DE" sz="1600" dirty="0" smtClean="0"/>
+              <a:t>Verteilermail</a:t>
+            </a:r>
+            <a:endParaRPr lang="de-DE" sz="1600" dirty="0"/>
+          </a:p>
+        </p:txBody>
+      </p:sp>
+      <p:sp>
+        <p:nvSpPr>
+          <p:cNvPr id="20" name="Rechteck 19"/>
+          <p:cNvSpPr/>
+          <p:nvPr/>
+        </p:nvSpPr>
+        <p:spPr>
+          <a:xfrm>
+            <a:off x="426621" y="2057822"/>
+            <a:ext cx="2915909" cy="321471"/>
+          </a:xfrm>
+          <a:prstGeom prst="rect">
+            <a:avLst/>
+          </a:prstGeom>
+          <a:ln>
+            <a:solidFill>
+              <a:schemeClr val="bg1">
+                <a:lumMod val="50000"/>
+              </a:schemeClr>
+            </a:solidFill>
+          </a:ln>
+        </p:spPr>
+        <p:style>
+          <a:lnRef idx="2">
+            <a:schemeClr val="dk1"/>
+          </a:lnRef>
+          <a:fillRef idx="1">
+            <a:schemeClr val="lt1"/>
+          </a:fillRef>
+          <a:effectRef idx="0">
+            <a:schemeClr val="dk1"/>
+          </a:effectRef>
+          <a:fontRef idx="minor">
+            <a:schemeClr val="dk1"/>
+          </a:fontRef>
+        </p:style>
+        <p:txBody>
+          <a:bodyPr rtlCol="0" anchor="ctr"/>
+          <a:lstStyle/>
+          <a:p>
+            <a:pPr algn="ctr"/>
+            <a:r>
+              <a:rPr lang="de-DE" sz="1600" dirty="0" smtClean="0"/>
+              <a:t>FIA63</a:t>
+            </a:r>
+            <a:endParaRPr lang="de-DE" sz="1600" dirty="0"/>
+          </a:p>
+        </p:txBody>
+      </p:sp>
+      <p:sp>
+        <p:nvSpPr>
+          <p:cNvPr id="21" name="Rechteck 20"/>
+          <p:cNvSpPr/>
+          <p:nvPr/>
+        </p:nvSpPr>
+        <p:spPr>
+          <a:xfrm>
+            <a:off x="3347864" y="2057822"/>
+            <a:ext cx="5107364" cy="321471"/>
+          </a:xfrm>
+          <a:prstGeom prst="rect">
+            <a:avLst/>
+          </a:prstGeom>
+          <a:ln>
+            <a:solidFill>
+              <a:schemeClr val="bg1">
+                <a:lumMod val="50000"/>
+              </a:schemeClr>
+            </a:solidFill>
+          </a:ln>
+        </p:spPr>
+        <p:style>
+          <a:lnRef idx="2">
+            <a:schemeClr val="dk1"/>
+          </a:lnRef>
+          <a:fillRef idx="1">
+            <a:schemeClr val="lt1"/>
+          </a:fillRef>
+          <a:effectRef idx="0">
+            <a:schemeClr val="dk1"/>
+          </a:effectRef>
+          <a:fontRef idx="minor">
+            <a:schemeClr val="dk1"/>
+          </a:fontRef>
+        </p:style>
+        <p:txBody>
+          <a:bodyPr rtlCol="0" anchor="ctr"/>
+          <a:lstStyle/>
+          <a:p>
+            <a:pPr algn="ctr"/>
+            <a:r>
+              <a:rPr lang="de-DE" sz="1600" dirty="0" smtClean="0"/>
+              <a:t>fia63@gso-koeln.de</a:t>
+            </a:r>
+            <a:endParaRPr lang="de-DE" sz="1600" dirty="0"/>
+          </a:p>
+        </p:txBody>
+      </p:sp>
+      <p:sp>
+        <p:nvSpPr>
+          <p:cNvPr id="28" name="Rechteck 27"/>
+          <p:cNvSpPr/>
+          <p:nvPr/>
+        </p:nvSpPr>
+        <p:spPr>
+          <a:xfrm>
+            <a:off x="431955" y="2377780"/>
+            <a:ext cx="8373462" cy="321471"/>
+          </a:xfrm>
+          <a:prstGeom prst="rect">
+            <a:avLst/>
+          </a:prstGeom>
+          <a:ln>
+            <a:solidFill>
+              <a:schemeClr val="bg1">
+                <a:lumMod val="50000"/>
+              </a:schemeClr>
+            </a:solidFill>
+          </a:ln>
+        </p:spPr>
+        <p:style>
+          <a:lnRef idx="2">
+            <a:schemeClr val="dk1"/>
+          </a:lnRef>
+          <a:fillRef idx="1">
+            <a:schemeClr val="lt1"/>
+          </a:fillRef>
+          <a:effectRef idx="0">
+            <a:schemeClr val="dk1"/>
+          </a:effectRef>
+          <a:fontRef idx="minor">
+            <a:schemeClr val="dk1"/>
+          </a:fontRef>
+        </p:style>
+        <p:txBody>
+          <a:bodyPr rtlCol="0" anchor="ctr"/>
+          <a:lstStyle/>
+          <a:p>
+            <a:pPr algn="ctr"/>
+            <a:r>
+              <a:rPr lang="de-DE" sz="2800" dirty="0" smtClean="0">
+                <a:solidFill>
+                  <a:srgbClr val="00B050"/>
+                </a:solidFill>
+              </a:rPr>
+              <a:t>+</a:t>
+            </a:r>
+            <a:endParaRPr lang="de-DE" sz="1600" dirty="0">
+              <a:solidFill>
+                <a:srgbClr val="00B050"/>
+              </a:solidFill>
+            </a:endParaRPr>
+          </a:p>
+        </p:txBody>
+      </p:sp>
+      <p:sp>
+        <p:nvSpPr>
+          <p:cNvPr id="30" name="Rechteck 29"/>
+          <p:cNvSpPr/>
+          <p:nvPr/>
+        </p:nvSpPr>
+        <p:spPr>
+          <a:xfrm>
+            <a:off x="8455226" y="2060672"/>
+            <a:ext cx="344928" cy="309639"/>
+          </a:xfrm>
+          <a:prstGeom prst="rect">
+            <a:avLst/>
+          </a:prstGeom>
+          <a:ln>
+            <a:solidFill>
+              <a:schemeClr val="bg1">
+                <a:lumMod val="50000"/>
+              </a:schemeClr>
+            </a:solidFill>
+          </a:ln>
+        </p:spPr>
+        <p:style>
+          <a:lnRef idx="2">
+            <a:schemeClr val="dk1"/>
+          </a:lnRef>
+          <a:fillRef idx="1">
+            <a:schemeClr val="lt1"/>
+          </a:fillRef>
+          <a:effectRef idx="0">
+            <a:schemeClr val="dk1"/>
+          </a:effectRef>
+          <a:fontRef idx="minor">
+            <a:schemeClr val="dk1"/>
+          </a:fontRef>
+        </p:style>
+        <p:txBody>
+          <a:bodyPr rtlCol="0" anchor="ctr"/>
+          <a:lstStyle/>
+          <a:p>
+            <a:pPr algn="ctr"/>
+            <a:endParaRPr lang="de-DE" sz="1600" dirty="0"/>
+          </a:p>
+        </p:txBody>
+      </p:sp>
+      <p:pic>
+        <p:nvPicPr>
+          <p:cNvPr id="31" name="Picture 2" descr="C:\Users\fia63kaden.OHM.000\Documents\GitHub\OberstufenProjekt\Anwendung\webapp\img\Loeschen.png"/>
+          <p:cNvPicPr>
+            <a:picLocks noChangeAspect="1" noChangeArrowheads="1"/>
+          </p:cNvPicPr>
+          <p:nvPr/>
+        </p:nvPicPr>
+        <p:blipFill>
+          <a:blip r:embed="rId3">
+            <a:extLst>
+              <a:ext uri="{28A0092B-C50C-407E-A947-70E740481C1C}">
+                <a14:useLocalDpi xmlns:a14="http://schemas.microsoft.com/office/drawing/2010/main" xmlns="" val="0"/>
+              </a:ext>
+            </a:extLst>
+          </a:blip>
+          <a:srcRect/>
+          <a:stretch>
+            <a:fillRect/>
+          </a:stretch>
+        </p:blipFill>
+        <p:spPr bwMode="auto">
+          <a:xfrm>
+            <a:off x="8570540" y="2152705"/>
+            <a:ext cx="133350" cy="133350"/>
+          </a:xfrm>
+          <a:prstGeom prst="rect">
+            <a:avLst/>
+          </a:prstGeom>
+          <a:noFill/>
+          <a:extLst>
+            <a:ext uri="{909E8E84-426E-40DD-AFC4-6F175D3DCCD1}">
+              <a14:hiddenFill xmlns:a14="http://schemas.microsoft.com/office/drawing/2010/main" xmlns="">
+                <a:solidFill>
+                  <a:srgbClr val="FFFFFF"/>
+                </a:solidFill>
+              </a14:hiddenFill>
+            </a:ext>
+          </a:extLst>
+        </p:spPr>
+      </p:pic>
+      <p:sp>
+        <p:nvSpPr>
+          <p:cNvPr id="32" name="Rechteck 31"/>
+          <p:cNvSpPr/>
+          <p:nvPr/>
+        </p:nvSpPr>
+        <p:spPr>
+          <a:xfrm>
+            <a:off x="8455227" y="1631649"/>
+            <a:ext cx="346364" cy="416647"/>
+          </a:xfrm>
+          <a:prstGeom prst="rect">
+            <a:avLst/>
+          </a:prstGeom>
+        </p:spPr>
+        <p:style>
+          <a:lnRef idx="1">
+            <a:schemeClr val="accent1"/>
+          </a:lnRef>
+          <a:fillRef idx="2">
+            <a:schemeClr val="accent1"/>
+          </a:fillRef>
+          <a:effectRef idx="1">
+            <a:schemeClr val="accent1"/>
+          </a:effectRef>
+          <a:fontRef idx="minor">
+            <a:schemeClr val="dk1"/>
+          </a:fontRef>
+        </p:style>
+        <p:txBody>
+          <a:bodyPr rtlCol="0" anchor="ctr"/>
+          <a:lstStyle/>
+          <a:p>
+            <a:pPr algn="ctr"/>
+            <a:endParaRPr lang="de-DE" sz="1600" dirty="0"/>
+          </a:p>
+        </p:txBody>
+      </p:sp>
+    </p:spTree>
+    <p:extLst>
+      <p:ext uri="{BB962C8B-B14F-4D97-AF65-F5344CB8AC3E}">
+        <p14:creationId xmlns:p14="http://schemas.microsoft.com/office/powerpoint/2010/main" xmlns="" val="2570158503"/>
+      </p:ext>
+    </p:extLst>
+  </p:cSld>
+  <p:clrMapOvr>
+    <a:masterClrMapping/>
+  </p:clrMapOvr>
+  <p:timing>
+    <p:tnLst>
+      <p:par>
+        <p:cTn id="1" dur="indefinite" restart="never" nodeType="tmRoot"/>
+      </p:par>
+    </p:tnLst>
+  </p:timing>
+</p:sld>
+</file>
+
+<file path=ppt/slides/slide7.xml><?xml version="1.0" encoding="utf-8"?>
+<p:sld xmlns:a="http://schemas.openxmlformats.org/drawingml/2006/main" xmlns:r="http://schemas.openxmlformats.org/officeDocument/2006/relationships" xmlns:p="http://schemas.openxmlformats.org/presentationml/2006/main">
+  <p:cSld>
+    <p:spTree>
+      <p:nvGrpSpPr>
+        <p:cNvPr id="1" name=""/>
+        <p:cNvGrpSpPr/>
+        <p:nvPr/>
+      </p:nvGrpSpPr>
+      <p:grpSpPr>
+        <a:xfrm>
+          <a:off x="0" y="0"/>
+          <a:ext cx="0" cy="0"/>
+          <a:chOff x="0" y="0"/>
+          <a:chExt cx="0" cy="0"/>
+        </a:xfrm>
+      </p:grpSpPr>
+      <p:sp>
+        <p:nvSpPr>
+          <p:cNvPr id="4" name="Rechteck 3"/>
+          <p:cNvSpPr/>
+          <p:nvPr/>
+        </p:nvSpPr>
+        <p:spPr>
+          <a:xfrm>
+            <a:off x="5749778" y="147725"/>
+            <a:ext cx="1348772" cy="285752"/>
+          </a:xfrm>
+          <a:prstGeom prst="rect">
+            <a:avLst/>
+          </a:prstGeom>
+          <a:ln>
+            <a:solidFill>
+              <a:schemeClr val="tx1"/>
+            </a:solidFill>
+          </a:ln>
+        </p:spPr>
+        <p:style>
+          <a:lnRef idx="2">
+            <a:schemeClr val="dk1"/>
+          </a:lnRef>
+          <a:fillRef idx="1">
+            <a:schemeClr val="lt1"/>
+          </a:fillRef>
+          <a:effectRef idx="0">
+            <a:schemeClr val="dk1"/>
+          </a:effectRef>
+          <a:fontRef idx="minor">
+            <a:schemeClr val="dk1"/>
+          </a:fontRef>
+        </p:style>
+        <p:txBody>
+          <a:bodyPr rtlCol="0" anchor="ctr"/>
+          <a:lstStyle/>
+          <a:p>
+            <a:pPr algn="ctr"/>
+            <a:r>
+              <a:rPr lang="de-DE" smtClean="0"/>
+              <a:t>Benutzer</a:t>
+            </a:r>
+            <a:endParaRPr lang="de-DE" dirty="0"/>
+          </a:p>
+        </p:txBody>
+      </p:sp>
+      <p:sp>
+        <p:nvSpPr>
+          <p:cNvPr id="6" name="Rechteck 5"/>
+          <p:cNvSpPr/>
+          <p:nvPr/>
+        </p:nvSpPr>
+        <p:spPr>
+          <a:xfrm>
+            <a:off x="0" y="0"/>
+            <a:ext cx="2195736" cy="764704"/>
+          </a:xfrm>
+          <a:prstGeom prst="rect">
+            <a:avLst/>
+          </a:prstGeom>
+        </p:spPr>
+        <p:style>
+          <a:lnRef idx="2">
+            <a:schemeClr val="accent6"/>
+          </a:lnRef>
+          <a:fillRef idx="1">
+            <a:schemeClr val="lt1"/>
+          </a:fillRef>
+          <a:effectRef idx="0">
+            <a:schemeClr val="accent6"/>
+          </a:effectRef>
+          <a:fontRef idx="minor">
+            <a:schemeClr val="dk1"/>
+          </a:fontRef>
+        </p:style>
+        <p:txBody>
+          <a:bodyPr rtlCol="0" anchor="ctr"/>
+          <a:lstStyle/>
+          <a:p>
+            <a:pPr algn="ctr"/>
+            <a:r>
+              <a:rPr lang="de-DE" dirty="0" smtClean="0">
+                <a:solidFill>
+                  <a:schemeClr val="bg1">
+                    <a:lumMod val="65000"/>
+                  </a:schemeClr>
+                </a:solidFill>
+              </a:rPr>
+              <a:t>GSO Logo</a:t>
             </a:r>
             <a:endParaRPr lang="de-DE" dirty="0">
               <a:solidFill>
@@ -11003,7 +10980,7 @@
           <a:blip r:embed="rId3">
             <a:extLst>
               <a:ext uri="{28A0092B-C50C-407E-A947-70E740481C1C}">
-                <a14:useLocalDpi xmlns:a14="http://schemas.microsoft.com/office/drawing/2010/main" val="0"/>
+                <a14:useLocalDpi xmlns:a14="http://schemas.microsoft.com/office/drawing/2010/main" xmlns="" val="0"/>
               </a:ext>
             </a:extLst>
           </a:blip>
@@ -11023,7 +11000,7 @@
           <a:noFill/>
           <a:extLst>
             <a:ext uri="{909E8E84-426E-40DD-AFC4-6F175D3DCCD1}">
-              <a14:hiddenFill xmlns:a14="http://schemas.microsoft.com/office/drawing/2010/main">
+              <a14:hiddenFill xmlns:a14="http://schemas.microsoft.com/office/drawing/2010/main" xmlns="">
                 <a:solidFill>
                   <a:srgbClr val="FFFFFF"/>
                 </a:solidFill>
@@ -11096,7 +11073,7 @@
           <a:blip r:embed="rId3">
             <a:extLst>
               <a:ext uri="{28A0092B-C50C-407E-A947-70E740481C1C}">
-                <a14:useLocalDpi xmlns:a14="http://schemas.microsoft.com/office/drawing/2010/main" val="0"/>
+                <a14:useLocalDpi xmlns:a14="http://schemas.microsoft.com/office/drawing/2010/main" xmlns="" val="0"/>
               </a:ext>
             </a:extLst>
           </a:blip>
@@ -11116,7 +11093,7 @@
           <a:noFill/>
           <a:extLst>
             <a:ext uri="{909E8E84-426E-40DD-AFC4-6F175D3DCCD1}">
-              <a14:hiddenFill xmlns:a14="http://schemas.microsoft.com/office/drawing/2010/main">
+              <a14:hiddenFill xmlns:a14="http://schemas.microsoft.com/office/drawing/2010/main" xmlns="">
                 <a:solidFill>
                   <a:srgbClr val="FFFFFF"/>
                 </a:solidFill>
@@ -11189,7 +11166,7 @@
           <a:blip r:embed="rId3">
             <a:extLst>
               <a:ext uri="{28A0092B-C50C-407E-A947-70E740481C1C}">
-                <a14:useLocalDpi xmlns:a14="http://schemas.microsoft.com/office/drawing/2010/main" val="0"/>
+                <a14:useLocalDpi xmlns:a14="http://schemas.microsoft.com/office/drawing/2010/main" xmlns="" val="0"/>
               </a:ext>
             </a:extLst>
           </a:blip>
@@ -11209,7 +11186,7 @@
           <a:noFill/>
           <a:extLst>
             <a:ext uri="{909E8E84-426E-40DD-AFC4-6F175D3DCCD1}">
-              <a14:hiddenFill xmlns:a14="http://schemas.microsoft.com/office/drawing/2010/main">
+              <a14:hiddenFill xmlns:a14="http://schemas.microsoft.com/office/drawing/2010/main" xmlns="">
                 <a:solidFill>
                   <a:srgbClr val="FFFFFF"/>
                 </a:solidFill>
@@ -11350,7 +11327,7 @@
     </p:spTree>
     <p:extLst>
       <p:ext uri="{BB962C8B-B14F-4D97-AF65-F5344CB8AC3E}">
-        <p14:creationId xmlns:p14="http://schemas.microsoft.com/office/powerpoint/2010/main" val="3186359275"/>
+        <p14:creationId xmlns:p14="http://schemas.microsoft.com/office/powerpoint/2010/main" xmlns="" val="3186359275"/>
       </p:ext>
     </p:extLst>
   </p:cSld>
